--- a/graphics.pptx
+++ b/graphics.pptx
@@ -4,9 +4,19 @@
   <p:sldMasterIdLst>
     <p:sldMasterId id="2147483648" r:id="rId1"/>
   </p:sldMasterIdLst>
+  <p:notesMasterIdLst>
+    <p:notesMasterId r:id="rId11"/>
+  </p:notesMasterIdLst>
   <p:sldIdLst>
     <p:sldId id="256" r:id="rId2"/>
     <p:sldId id="257" r:id="rId3"/>
+    <p:sldId id="259" r:id="rId4"/>
+    <p:sldId id="261" r:id="rId5"/>
+    <p:sldId id="260" r:id="rId6"/>
+    <p:sldId id="258" r:id="rId7"/>
+    <p:sldId id="262" r:id="rId8"/>
+    <p:sldId id="263" r:id="rId9"/>
+    <p:sldId id="264" r:id="rId10"/>
   </p:sldIdLst>
   <p:sldSz cx="12192000" cy="6858000"/>
   <p:notesSz cx="6858000" cy="9144000"/>
@@ -113,6 +123,439 @@
 </p:presentation>
 </file>
 
+<file path=ppt/notesMasters/notesMaster1.xml><?xml version="1.0" encoding="utf-8"?>
+<p:notesMaster xmlns:a="http://schemas.openxmlformats.org/drawingml/2006/main" xmlns:r="http://schemas.openxmlformats.org/officeDocument/2006/relationships" xmlns:p="http://schemas.openxmlformats.org/presentationml/2006/main">
+  <p:cSld>
+    <p:bg>
+      <p:bgRef idx="1001">
+        <a:schemeClr val="bg1"/>
+      </p:bgRef>
+    </p:bg>
+    <p:spTree>
+      <p:nvGrpSpPr>
+        <p:cNvPr id="1" name=""/>
+        <p:cNvGrpSpPr/>
+        <p:nvPr/>
+      </p:nvGrpSpPr>
+      <p:grpSpPr>
+        <a:xfrm>
+          <a:off x="0" y="0"/>
+          <a:ext cx="0" cy="0"/>
+          <a:chOff x="0" y="0"/>
+          <a:chExt cx="0" cy="0"/>
+        </a:xfrm>
+      </p:grpSpPr>
+      <p:sp>
+        <p:nvSpPr>
+          <p:cNvPr id="2" name="Header Placeholder 1"/>
+          <p:cNvSpPr>
+            <a:spLocks noGrp="1"/>
+          </p:cNvSpPr>
+          <p:nvPr>
+            <p:ph type="hdr" sz="quarter"/>
+          </p:nvPr>
+        </p:nvSpPr>
+        <p:spPr>
+          <a:xfrm>
+            <a:off x="0" y="0"/>
+            <a:ext cx="2971800" cy="458788"/>
+          </a:xfrm>
+          <a:prstGeom prst="rect">
+            <a:avLst/>
+          </a:prstGeom>
+        </p:spPr>
+        <p:txBody>
+          <a:bodyPr vert="horz" lIns="91440" tIns="45720" rIns="91440" bIns="45720" rtlCol="0"/>
+          <a:lstStyle>
+            <a:lvl1pPr algn="l">
+              <a:defRPr sz="1200"/>
+            </a:lvl1pPr>
+          </a:lstStyle>
+          <a:p>
+            <a:endParaRPr lang="en-US"/>
+          </a:p>
+        </p:txBody>
+      </p:sp>
+      <p:sp>
+        <p:nvSpPr>
+          <p:cNvPr id="3" name="Date Placeholder 2"/>
+          <p:cNvSpPr>
+            <a:spLocks noGrp="1"/>
+          </p:cNvSpPr>
+          <p:nvPr>
+            <p:ph type="dt" idx="1"/>
+          </p:nvPr>
+        </p:nvSpPr>
+        <p:spPr>
+          <a:xfrm>
+            <a:off x="3884613" y="0"/>
+            <a:ext cx="2971800" cy="458788"/>
+          </a:xfrm>
+          <a:prstGeom prst="rect">
+            <a:avLst/>
+          </a:prstGeom>
+        </p:spPr>
+        <p:txBody>
+          <a:bodyPr vert="horz" lIns="91440" tIns="45720" rIns="91440" bIns="45720" rtlCol="0"/>
+          <a:lstStyle>
+            <a:lvl1pPr algn="r">
+              <a:defRPr sz="1200"/>
+            </a:lvl1pPr>
+          </a:lstStyle>
+          <a:p>
+            <a:fld id="{30BA6EED-41FB-463F-A202-09D727F1A9E7}" type="datetimeFigureOut">
+              <a:rPr lang="en-US" smtClean="0"/>
+              <a:t>4/16/2024</a:t>
+            </a:fld>
+            <a:endParaRPr lang="en-US"/>
+          </a:p>
+        </p:txBody>
+      </p:sp>
+      <p:sp>
+        <p:nvSpPr>
+          <p:cNvPr id="4" name="Slide Image Placeholder 3"/>
+          <p:cNvSpPr>
+            <a:spLocks noGrp="1" noRot="1" noChangeAspect="1"/>
+          </p:cNvSpPr>
+          <p:nvPr>
+            <p:ph type="sldImg" idx="2"/>
+          </p:nvPr>
+        </p:nvSpPr>
+        <p:spPr>
+          <a:xfrm>
+            <a:off x="685800" y="1143000"/>
+            <a:ext cx="5486400" cy="3086100"/>
+          </a:xfrm>
+          <a:prstGeom prst="rect">
+            <a:avLst/>
+          </a:prstGeom>
+          <a:noFill/>
+          <a:ln w="12700">
+            <a:solidFill>
+              <a:prstClr val="black"/>
+            </a:solidFill>
+          </a:ln>
+        </p:spPr>
+        <p:txBody>
+          <a:bodyPr vert="horz" lIns="91440" tIns="45720" rIns="91440" bIns="45720" rtlCol="0" anchor="ctr"/>
+          <a:lstStyle/>
+          <a:p>
+            <a:endParaRPr lang="en-US"/>
+          </a:p>
+        </p:txBody>
+      </p:sp>
+      <p:sp>
+        <p:nvSpPr>
+          <p:cNvPr id="5" name="Notes Placeholder 4"/>
+          <p:cNvSpPr>
+            <a:spLocks noGrp="1"/>
+          </p:cNvSpPr>
+          <p:nvPr>
+            <p:ph type="body" sz="quarter" idx="3"/>
+          </p:nvPr>
+        </p:nvSpPr>
+        <p:spPr>
+          <a:xfrm>
+            <a:off x="685800" y="4400550"/>
+            <a:ext cx="5486400" cy="3600450"/>
+          </a:xfrm>
+          <a:prstGeom prst="rect">
+            <a:avLst/>
+          </a:prstGeom>
+        </p:spPr>
+        <p:txBody>
+          <a:bodyPr vert="horz" lIns="91440" tIns="45720" rIns="91440" bIns="45720" rtlCol="0"/>
+          <a:lstStyle/>
+          <a:p>
+            <a:pPr lvl="0"/>
+            <a:r>
+              <a:rPr lang="en-US"/>
+              <a:t>Click to edit Master text styles</a:t>
+            </a:r>
+          </a:p>
+          <a:p>
+            <a:pPr lvl="1"/>
+            <a:r>
+              <a:rPr lang="en-US"/>
+              <a:t>Second level</a:t>
+            </a:r>
+          </a:p>
+          <a:p>
+            <a:pPr lvl="2"/>
+            <a:r>
+              <a:rPr lang="en-US"/>
+              <a:t>Third level</a:t>
+            </a:r>
+          </a:p>
+          <a:p>
+            <a:pPr lvl="3"/>
+            <a:r>
+              <a:rPr lang="en-US"/>
+              <a:t>Fourth level</a:t>
+            </a:r>
+          </a:p>
+          <a:p>
+            <a:pPr lvl="4"/>
+            <a:r>
+              <a:rPr lang="en-US"/>
+              <a:t>Fifth level</a:t>
+            </a:r>
+          </a:p>
+        </p:txBody>
+      </p:sp>
+      <p:sp>
+        <p:nvSpPr>
+          <p:cNvPr id="6" name="Footer Placeholder 5"/>
+          <p:cNvSpPr>
+            <a:spLocks noGrp="1"/>
+          </p:cNvSpPr>
+          <p:nvPr>
+            <p:ph type="ftr" sz="quarter" idx="4"/>
+          </p:nvPr>
+        </p:nvSpPr>
+        <p:spPr>
+          <a:xfrm>
+            <a:off x="0" y="8685213"/>
+            <a:ext cx="2971800" cy="458787"/>
+          </a:xfrm>
+          <a:prstGeom prst="rect">
+            <a:avLst/>
+          </a:prstGeom>
+        </p:spPr>
+        <p:txBody>
+          <a:bodyPr vert="horz" lIns="91440" tIns="45720" rIns="91440" bIns="45720" rtlCol="0" anchor="b"/>
+          <a:lstStyle>
+            <a:lvl1pPr algn="l">
+              <a:defRPr sz="1200"/>
+            </a:lvl1pPr>
+          </a:lstStyle>
+          <a:p>
+            <a:endParaRPr lang="en-US"/>
+          </a:p>
+        </p:txBody>
+      </p:sp>
+      <p:sp>
+        <p:nvSpPr>
+          <p:cNvPr id="7" name="Slide Number Placeholder 6"/>
+          <p:cNvSpPr>
+            <a:spLocks noGrp="1"/>
+          </p:cNvSpPr>
+          <p:nvPr>
+            <p:ph type="sldNum" sz="quarter" idx="5"/>
+          </p:nvPr>
+        </p:nvSpPr>
+        <p:spPr>
+          <a:xfrm>
+            <a:off x="3884613" y="8685213"/>
+            <a:ext cx="2971800" cy="458787"/>
+          </a:xfrm>
+          <a:prstGeom prst="rect">
+            <a:avLst/>
+          </a:prstGeom>
+        </p:spPr>
+        <p:txBody>
+          <a:bodyPr vert="horz" lIns="91440" tIns="45720" rIns="91440" bIns="45720" rtlCol="0" anchor="b"/>
+          <a:lstStyle>
+            <a:lvl1pPr algn="r">
+              <a:defRPr sz="1200"/>
+            </a:lvl1pPr>
+          </a:lstStyle>
+          <a:p>
+            <a:fld id="{CD1723CD-458E-45AB-88F6-246BFD7611E2}" type="slidenum">
+              <a:rPr lang="en-US" smtClean="0"/>
+              <a:t>‹#›</a:t>
+            </a:fld>
+            <a:endParaRPr lang="en-US"/>
+          </a:p>
+        </p:txBody>
+      </p:sp>
+    </p:spTree>
+    <p:extLst>
+      <p:ext uri="{BB962C8B-B14F-4D97-AF65-F5344CB8AC3E}">
+        <p14:creationId xmlns:p14="http://schemas.microsoft.com/office/powerpoint/2010/main" val="2617252048"/>
+      </p:ext>
+    </p:extLst>
+  </p:cSld>
+  <p:clrMap bg1="lt1" tx1="dk1" bg2="lt2" tx2="dk2" accent1="accent1" accent2="accent2" accent3="accent3" accent4="accent4" accent5="accent5" accent6="accent6" hlink="hlink" folHlink="folHlink"/>
+  <p:notesStyle>
+    <a:lvl1pPr marL="0" algn="l" defTabSz="914400" rtl="0" eaLnBrk="1" latinLnBrk="0" hangingPunct="1">
+      <a:defRPr sz="1200" kern="1200">
+        <a:solidFill>
+          <a:schemeClr val="tx1"/>
+        </a:solidFill>
+        <a:latin typeface="+mn-lt"/>
+        <a:ea typeface="+mn-ea"/>
+        <a:cs typeface="+mn-cs"/>
+      </a:defRPr>
+    </a:lvl1pPr>
+    <a:lvl2pPr marL="457200" algn="l" defTabSz="914400" rtl="0" eaLnBrk="1" latinLnBrk="0" hangingPunct="1">
+      <a:defRPr sz="1200" kern="1200">
+        <a:solidFill>
+          <a:schemeClr val="tx1"/>
+        </a:solidFill>
+        <a:latin typeface="+mn-lt"/>
+        <a:ea typeface="+mn-ea"/>
+        <a:cs typeface="+mn-cs"/>
+      </a:defRPr>
+    </a:lvl2pPr>
+    <a:lvl3pPr marL="914400" algn="l" defTabSz="914400" rtl="0" eaLnBrk="1" latinLnBrk="0" hangingPunct="1">
+      <a:defRPr sz="1200" kern="1200">
+        <a:solidFill>
+          <a:schemeClr val="tx1"/>
+        </a:solidFill>
+        <a:latin typeface="+mn-lt"/>
+        <a:ea typeface="+mn-ea"/>
+        <a:cs typeface="+mn-cs"/>
+      </a:defRPr>
+    </a:lvl3pPr>
+    <a:lvl4pPr marL="1371600" algn="l" defTabSz="914400" rtl="0" eaLnBrk="1" latinLnBrk="0" hangingPunct="1">
+      <a:defRPr sz="1200" kern="1200">
+        <a:solidFill>
+          <a:schemeClr val="tx1"/>
+        </a:solidFill>
+        <a:latin typeface="+mn-lt"/>
+        <a:ea typeface="+mn-ea"/>
+        <a:cs typeface="+mn-cs"/>
+      </a:defRPr>
+    </a:lvl4pPr>
+    <a:lvl5pPr marL="1828800" algn="l" defTabSz="914400" rtl="0" eaLnBrk="1" latinLnBrk="0" hangingPunct="1">
+      <a:defRPr sz="1200" kern="1200">
+        <a:solidFill>
+          <a:schemeClr val="tx1"/>
+        </a:solidFill>
+        <a:latin typeface="+mn-lt"/>
+        <a:ea typeface="+mn-ea"/>
+        <a:cs typeface="+mn-cs"/>
+      </a:defRPr>
+    </a:lvl5pPr>
+    <a:lvl6pPr marL="2286000" algn="l" defTabSz="914400" rtl="0" eaLnBrk="1" latinLnBrk="0" hangingPunct="1">
+      <a:defRPr sz="1200" kern="1200">
+        <a:solidFill>
+          <a:schemeClr val="tx1"/>
+        </a:solidFill>
+        <a:latin typeface="+mn-lt"/>
+        <a:ea typeface="+mn-ea"/>
+        <a:cs typeface="+mn-cs"/>
+      </a:defRPr>
+    </a:lvl6pPr>
+    <a:lvl7pPr marL="2743200" algn="l" defTabSz="914400" rtl="0" eaLnBrk="1" latinLnBrk="0" hangingPunct="1">
+      <a:defRPr sz="1200" kern="1200">
+        <a:solidFill>
+          <a:schemeClr val="tx1"/>
+        </a:solidFill>
+        <a:latin typeface="+mn-lt"/>
+        <a:ea typeface="+mn-ea"/>
+        <a:cs typeface="+mn-cs"/>
+      </a:defRPr>
+    </a:lvl7pPr>
+    <a:lvl8pPr marL="3200400" algn="l" defTabSz="914400" rtl="0" eaLnBrk="1" latinLnBrk="0" hangingPunct="1">
+      <a:defRPr sz="1200" kern="1200">
+        <a:solidFill>
+          <a:schemeClr val="tx1"/>
+        </a:solidFill>
+        <a:latin typeface="+mn-lt"/>
+        <a:ea typeface="+mn-ea"/>
+        <a:cs typeface="+mn-cs"/>
+      </a:defRPr>
+    </a:lvl8pPr>
+    <a:lvl9pPr marL="3657600" algn="l" defTabSz="914400" rtl="0" eaLnBrk="1" latinLnBrk="0" hangingPunct="1">
+      <a:defRPr sz="1200" kern="1200">
+        <a:solidFill>
+          <a:schemeClr val="tx1"/>
+        </a:solidFill>
+        <a:latin typeface="+mn-lt"/>
+        <a:ea typeface="+mn-ea"/>
+        <a:cs typeface="+mn-cs"/>
+      </a:defRPr>
+    </a:lvl9pPr>
+  </p:notesStyle>
+</p:notesMaster>
+</file>
+
+<file path=ppt/notesSlides/notesSlide1.xml><?xml version="1.0" encoding="utf-8"?>
+<p:notes xmlns:a="http://schemas.openxmlformats.org/drawingml/2006/main" xmlns:r="http://schemas.openxmlformats.org/officeDocument/2006/relationships" xmlns:p="http://schemas.openxmlformats.org/presentationml/2006/main">
+  <p:cSld>
+    <p:spTree>
+      <p:nvGrpSpPr>
+        <p:cNvPr id="1" name=""/>
+        <p:cNvGrpSpPr/>
+        <p:nvPr/>
+      </p:nvGrpSpPr>
+      <p:grpSpPr>
+        <a:xfrm>
+          <a:off x="0" y="0"/>
+          <a:ext cx="0" cy="0"/>
+          <a:chOff x="0" y="0"/>
+          <a:chExt cx="0" cy="0"/>
+        </a:xfrm>
+      </p:grpSpPr>
+      <p:sp>
+        <p:nvSpPr>
+          <p:cNvPr id="2" name="Slide Image Placeholder 1"/>
+          <p:cNvSpPr>
+            <a:spLocks noGrp="1" noRot="1" noChangeAspect="1"/>
+          </p:cNvSpPr>
+          <p:nvPr>
+            <p:ph type="sldImg"/>
+          </p:nvPr>
+        </p:nvSpPr>
+        <p:spPr/>
+      </p:sp>
+      <p:sp>
+        <p:nvSpPr>
+          <p:cNvPr id="3" name="Notes Placeholder 2"/>
+          <p:cNvSpPr>
+            <a:spLocks noGrp="1"/>
+          </p:cNvSpPr>
+          <p:nvPr>
+            <p:ph type="body" idx="1"/>
+          </p:nvPr>
+        </p:nvSpPr>
+        <p:spPr/>
+        <p:txBody>
+          <a:bodyPr/>
+          <a:lstStyle/>
+          <a:p>
+            <a:endParaRPr lang="en-US" dirty="0"/>
+          </a:p>
+        </p:txBody>
+      </p:sp>
+      <p:sp>
+        <p:nvSpPr>
+          <p:cNvPr id="4" name="Slide Number Placeholder 3"/>
+          <p:cNvSpPr>
+            <a:spLocks noGrp="1"/>
+          </p:cNvSpPr>
+          <p:nvPr>
+            <p:ph type="sldNum" sz="quarter" idx="5"/>
+          </p:nvPr>
+        </p:nvSpPr>
+        <p:spPr/>
+        <p:txBody>
+          <a:bodyPr/>
+          <a:lstStyle/>
+          <a:p>
+            <a:fld id="{CD1723CD-458E-45AB-88F6-246BFD7611E2}" type="slidenum">
+              <a:rPr lang="en-US" smtClean="0"/>
+              <a:t>9</a:t>
+            </a:fld>
+            <a:endParaRPr lang="en-US"/>
+          </a:p>
+        </p:txBody>
+      </p:sp>
+    </p:spTree>
+    <p:extLst>
+      <p:ext uri="{BB962C8B-B14F-4D97-AF65-F5344CB8AC3E}">
+        <p14:creationId xmlns:p14="http://schemas.microsoft.com/office/powerpoint/2010/main" val="603935263"/>
+      </p:ext>
+    </p:extLst>
+  </p:cSld>
+  <p:clrMapOvr>
+    <a:masterClrMapping/>
+  </p:clrMapOvr>
+</p:notes>
+</file>
+
 <file path=ppt/slideLayouts/slideLayout1.xml><?xml version="1.0" encoding="utf-8"?>
 <p:sldLayout xmlns:a="http://schemas.openxmlformats.org/drawingml/2006/main" xmlns:r="http://schemas.openxmlformats.org/officeDocument/2006/relationships" xmlns:p="http://schemas.openxmlformats.org/presentationml/2006/main" type="title" preserve="1">
   <p:cSld name="Title Slide">
@@ -260,7 +703,7 @@
           <a:p>
             <a:fld id="{491F7E70-246B-4D1A-989A-6D49ADA39188}" type="datetimeFigureOut">
               <a:rPr lang="en-US" smtClean="0"/>
-              <a:t>4/9/2024</a:t>
+              <a:t>4/16/2024</a:t>
             </a:fld>
             <a:endParaRPr lang="en-US"/>
           </a:p>
@@ -458,7 +901,7 @@
           <a:p>
             <a:fld id="{491F7E70-246B-4D1A-989A-6D49ADA39188}" type="datetimeFigureOut">
               <a:rPr lang="en-US" smtClean="0"/>
-              <a:t>4/9/2024</a:t>
+              <a:t>4/16/2024</a:t>
             </a:fld>
             <a:endParaRPr lang="en-US"/>
           </a:p>
@@ -666,7 +1109,7 @@
           <a:p>
             <a:fld id="{491F7E70-246B-4D1A-989A-6D49ADA39188}" type="datetimeFigureOut">
               <a:rPr lang="en-US" smtClean="0"/>
-              <a:t>4/9/2024</a:t>
+              <a:t>4/16/2024</a:t>
             </a:fld>
             <a:endParaRPr lang="en-US"/>
           </a:p>
@@ -864,7 +1307,7 @@
           <a:p>
             <a:fld id="{491F7E70-246B-4D1A-989A-6D49ADA39188}" type="datetimeFigureOut">
               <a:rPr lang="en-US" smtClean="0"/>
-              <a:t>4/9/2024</a:t>
+              <a:t>4/16/2024</a:t>
             </a:fld>
             <a:endParaRPr lang="en-US"/>
           </a:p>
@@ -1139,7 +1582,7 @@
           <a:p>
             <a:fld id="{491F7E70-246B-4D1A-989A-6D49ADA39188}" type="datetimeFigureOut">
               <a:rPr lang="en-US" smtClean="0"/>
-              <a:t>4/9/2024</a:t>
+              <a:t>4/16/2024</a:t>
             </a:fld>
             <a:endParaRPr lang="en-US"/>
           </a:p>
@@ -1404,7 +1847,7 @@
           <a:p>
             <a:fld id="{491F7E70-246B-4D1A-989A-6D49ADA39188}" type="datetimeFigureOut">
               <a:rPr lang="en-US" smtClean="0"/>
-              <a:t>4/9/2024</a:t>
+              <a:t>4/16/2024</a:t>
             </a:fld>
             <a:endParaRPr lang="en-US"/>
           </a:p>
@@ -1816,7 +2259,7 @@
           <a:p>
             <a:fld id="{491F7E70-246B-4D1A-989A-6D49ADA39188}" type="datetimeFigureOut">
               <a:rPr lang="en-US" smtClean="0"/>
-              <a:t>4/9/2024</a:t>
+              <a:t>4/16/2024</a:t>
             </a:fld>
             <a:endParaRPr lang="en-US"/>
           </a:p>
@@ -1957,7 +2400,7 @@
           <a:p>
             <a:fld id="{491F7E70-246B-4D1A-989A-6D49ADA39188}" type="datetimeFigureOut">
               <a:rPr lang="en-US" smtClean="0"/>
-              <a:t>4/9/2024</a:t>
+              <a:t>4/16/2024</a:t>
             </a:fld>
             <a:endParaRPr lang="en-US"/>
           </a:p>
@@ -2070,7 +2513,7 @@
           <a:p>
             <a:fld id="{491F7E70-246B-4D1A-989A-6D49ADA39188}" type="datetimeFigureOut">
               <a:rPr lang="en-US" smtClean="0"/>
-              <a:t>4/9/2024</a:t>
+              <a:t>4/16/2024</a:t>
             </a:fld>
             <a:endParaRPr lang="en-US"/>
           </a:p>
@@ -2381,7 +2824,7 @@
           <a:p>
             <a:fld id="{491F7E70-246B-4D1A-989A-6D49ADA39188}" type="datetimeFigureOut">
               <a:rPr lang="en-US" smtClean="0"/>
-              <a:t>4/9/2024</a:t>
+              <a:t>4/16/2024</a:t>
             </a:fld>
             <a:endParaRPr lang="en-US"/>
           </a:p>
@@ -2669,7 +3112,7 @@
           <a:p>
             <a:fld id="{491F7E70-246B-4D1A-989A-6D49ADA39188}" type="datetimeFigureOut">
               <a:rPr lang="en-US" smtClean="0"/>
-              <a:t>4/9/2024</a:t>
+              <a:t>4/16/2024</a:t>
             </a:fld>
             <a:endParaRPr lang="en-US"/>
           </a:p>
@@ -2910,7 +3353,7 @@
           <a:p>
             <a:fld id="{491F7E70-246B-4D1A-989A-6D49ADA39188}" type="datetimeFigureOut">
               <a:rPr lang="en-US" smtClean="0"/>
-              <a:t>4/9/2024</a:t>
+              <a:t>4/16/2024</a:t>
             </a:fld>
             <a:endParaRPr lang="en-US"/>
           </a:p>
@@ -3386,7 +3829,7 @@
         </p:nvGrpSpPr>
         <p:grpSpPr>
           <a:xfrm>
-            <a:off x="5158214" y="2177459"/>
+            <a:off x="5158214" y="1756261"/>
             <a:ext cx="1404603" cy="982097"/>
             <a:chOff x="5147540" y="2779143"/>
             <a:chExt cx="1404603" cy="982097"/>
@@ -3532,8 +3975,8 @@
             </a:p>
           </p:txBody>
         </p:sp>
-        <mc:AlternateContent xmlns:mc="http://schemas.openxmlformats.org/markup-compatibility/2006">
-          <mc:Choice xmlns:a14="http://schemas.microsoft.com/office/drawing/2010/main" Requires="a14">
+        <mc:AlternateContent xmlns:mc="http://schemas.openxmlformats.org/markup-compatibility/2006" xmlns:a14="http://schemas.microsoft.com/office/drawing/2010/main">
+          <mc:Choice Requires="a14">
             <p:sp>
               <p:nvSpPr>
                 <p:cNvPr id="10" name="TextBox 9">
@@ -3595,7 +4038,7 @@
               </p:txBody>
             </p:sp>
           </mc:Choice>
-          <mc:Fallback>
+          <mc:Fallback xmlns="">
             <p:sp>
               <p:nvSpPr>
                 <p:cNvPr id="10" name="TextBox 9">
@@ -3640,8 +4083,8 @@
             </p:sp>
           </mc:Fallback>
         </mc:AlternateContent>
-        <mc:AlternateContent xmlns:mc="http://schemas.openxmlformats.org/markup-compatibility/2006">
-          <mc:Choice xmlns:a14="http://schemas.microsoft.com/office/drawing/2010/main" Requires="a14">
+        <mc:AlternateContent xmlns:mc="http://schemas.openxmlformats.org/markup-compatibility/2006" xmlns:a14="http://schemas.microsoft.com/office/drawing/2010/main">
+          <mc:Choice Requires="a14">
             <p:sp>
               <p:nvSpPr>
                 <p:cNvPr id="11" name="TextBox 10">
@@ -3703,7 +4146,7 @@
               </p:txBody>
             </p:sp>
           </mc:Choice>
-          <mc:Fallback>
+          <mc:Fallback xmlns="">
             <p:sp>
               <p:nvSpPr>
                 <p:cNvPr id="11" name="TextBox 10">
@@ -3748,8 +4191,8 @@
             </p:sp>
           </mc:Fallback>
         </mc:AlternateContent>
-        <mc:AlternateContent xmlns:mc="http://schemas.openxmlformats.org/markup-compatibility/2006">
-          <mc:Choice xmlns:a14="http://schemas.microsoft.com/office/drawing/2010/main" Requires="a14">
+        <mc:AlternateContent xmlns:mc="http://schemas.openxmlformats.org/markup-compatibility/2006" xmlns:a14="http://schemas.microsoft.com/office/drawing/2010/main">
+          <mc:Choice Requires="a14">
             <p:sp>
               <p:nvSpPr>
                 <p:cNvPr id="12" name="TextBox 11">
@@ -3811,7 +4254,7 @@
               </p:txBody>
             </p:sp>
           </mc:Choice>
-          <mc:Fallback>
+          <mc:Fallback xmlns="">
             <p:sp>
               <p:nvSpPr>
                 <p:cNvPr id="12" name="TextBox 11">
@@ -4019,8 +4462,8 @@
             </a:p>
           </p:txBody>
         </p:sp>
-        <mc:AlternateContent xmlns:mc="http://schemas.openxmlformats.org/markup-compatibility/2006">
-          <mc:Choice xmlns:a14="http://schemas.microsoft.com/office/drawing/2010/main" Requires="a14">
+        <mc:AlternateContent xmlns:mc="http://schemas.openxmlformats.org/markup-compatibility/2006" xmlns:a14="http://schemas.microsoft.com/office/drawing/2010/main">
+          <mc:Choice Requires="a14">
             <p:sp>
               <p:nvSpPr>
                 <p:cNvPr id="29" name="TextBox 28">
@@ -4082,7 +4525,7 @@
               </p:txBody>
             </p:sp>
           </mc:Choice>
-          <mc:Fallback>
+          <mc:Fallback xmlns="">
             <p:sp>
               <p:nvSpPr>
                 <p:cNvPr id="29" name="TextBox 28">
@@ -4506,8 +4949,8 @@
             </a:p>
           </p:txBody>
         </p:sp>
-        <mc:AlternateContent xmlns:mc="http://schemas.openxmlformats.org/markup-compatibility/2006">
-          <mc:Choice xmlns:a14="http://schemas.microsoft.com/office/drawing/2010/main" Requires="a14">
+        <mc:AlternateContent xmlns:mc="http://schemas.openxmlformats.org/markup-compatibility/2006" xmlns:a14="http://schemas.microsoft.com/office/drawing/2010/main">
+          <mc:Choice Requires="a14">
             <p:sp>
               <p:nvSpPr>
                 <p:cNvPr id="43" name="TextBox 42">
@@ -4569,7 +5012,7 @@
               </p:txBody>
             </p:sp>
           </mc:Choice>
-          <mc:Fallback>
+          <mc:Fallback xmlns="">
             <p:sp>
               <p:nvSpPr>
                 <p:cNvPr id="43" name="TextBox 42">
@@ -5217,7 +5660,7 @@
         </p:blipFill>
         <p:spPr>
           <a:xfrm>
-            <a:off x="5880056" y="2767652"/>
+            <a:off x="5880056" y="2346454"/>
             <a:ext cx="412142" cy="412142"/>
           </a:xfrm>
           <a:prstGeom prst="rect">
@@ -5286,7 +5729,7 @@
         </p:blipFill>
         <p:spPr>
           <a:xfrm>
-            <a:off x="0" y="1198582"/>
+            <a:off x="0" y="428019"/>
             <a:ext cx="12192000" cy="4872978"/>
           </a:xfrm>
           <a:prstGeom prst="rect">
@@ -5308,7 +5751,7 @@
         </p:nvGrpSpPr>
         <p:grpSpPr>
           <a:xfrm>
-            <a:off x="5168087" y="2632736"/>
+            <a:off x="5168087" y="1862173"/>
             <a:ext cx="1404603" cy="982097"/>
             <a:chOff x="5147540" y="2779143"/>
             <a:chExt cx="1404603" cy="982097"/>
@@ -5454,8 +5897,8 @@
             </a:p>
           </p:txBody>
         </p:sp>
-        <mc:AlternateContent xmlns:mc="http://schemas.openxmlformats.org/markup-compatibility/2006">
-          <mc:Choice xmlns:a14="http://schemas.microsoft.com/office/drawing/2010/main" Requires="a14">
+        <mc:AlternateContent xmlns:mc="http://schemas.openxmlformats.org/markup-compatibility/2006" xmlns:a14="http://schemas.microsoft.com/office/drawing/2010/main">
+          <mc:Choice Requires="a14">
             <p:sp>
               <p:nvSpPr>
                 <p:cNvPr id="10" name="TextBox 9">
@@ -5517,7 +5960,7 @@
               </p:txBody>
             </p:sp>
           </mc:Choice>
-          <mc:Fallback>
+          <mc:Fallback xmlns="">
             <p:sp>
               <p:nvSpPr>
                 <p:cNvPr id="10" name="TextBox 9">
@@ -5562,8 +6005,8 @@
             </p:sp>
           </mc:Fallback>
         </mc:AlternateContent>
-        <mc:AlternateContent xmlns:mc="http://schemas.openxmlformats.org/markup-compatibility/2006">
-          <mc:Choice xmlns:a14="http://schemas.microsoft.com/office/drawing/2010/main" Requires="a14">
+        <mc:AlternateContent xmlns:mc="http://schemas.openxmlformats.org/markup-compatibility/2006" xmlns:a14="http://schemas.microsoft.com/office/drawing/2010/main">
+          <mc:Choice Requires="a14">
             <p:sp>
               <p:nvSpPr>
                 <p:cNvPr id="11" name="TextBox 10">
@@ -5625,7 +6068,7 @@
               </p:txBody>
             </p:sp>
           </mc:Choice>
-          <mc:Fallback>
+          <mc:Fallback xmlns="">
             <p:sp>
               <p:nvSpPr>
                 <p:cNvPr id="11" name="TextBox 10">
@@ -5670,8 +6113,8 @@
             </p:sp>
           </mc:Fallback>
         </mc:AlternateContent>
-        <mc:AlternateContent xmlns:mc="http://schemas.openxmlformats.org/markup-compatibility/2006">
-          <mc:Choice xmlns:a14="http://schemas.microsoft.com/office/drawing/2010/main" Requires="a14">
+        <mc:AlternateContent xmlns:mc="http://schemas.openxmlformats.org/markup-compatibility/2006" xmlns:a14="http://schemas.microsoft.com/office/drawing/2010/main">
+          <mc:Choice Requires="a14">
             <p:sp>
               <p:nvSpPr>
                 <p:cNvPr id="12" name="TextBox 11">
@@ -5733,7 +6176,7 @@
               </p:txBody>
             </p:sp>
           </mc:Choice>
-          <mc:Fallback>
+          <mc:Fallback xmlns="">
             <p:sp>
               <p:nvSpPr>
                 <p:cNvPr id="12" name="TextBox 11">
@@ -5807,7 +6250,7 @@
         </p:blipFill>
         <p:spPr>
           <a:xfrm>
-            <a:off x="5889929" y="3222929"/>
+            <a:off x="5889929" y="2452366"/>
             <a:ext cx="412142" cy="412142"/>
           </a:xfrm>
           <a:prstGeom prst="rect">
@@ -5822,6 +6265,7716 @@
     <p:extLst>
       <p:ext uri="{BB962C8B-B14F-4D97-AF65-F5344CB8AC3E}">
         <p14:creationId xmlns:p14="http://schemas.microsoft.com/office/powerpoint/2010/main" val="91407014"/>
+      </p:ext>
+    </p:extLst>
+  </p:cSld>
+  <p:clrMapOvr>
+    <a:masterClrMapping/>
+  </p:clrMapOvr>
+</p:sld>
+</file>
+
+<file path=ppt/slides/slide3.xml><?xml version="1.0" encoding="utf-8"?>
+<p:sld xmlns:a="http://schemas.openxmlformats.org/drawingml/2006/main" xmlns:r="http://schemas.openxmlformats.org/officeDocument/2006/relationships" xmlns:p="http://schemas.openxmlformats.org/presentationml/2006/main">
+  <p:cSld>
+    <p:spTree>
+      <p:nvGrpSpPr>
+        <p:cNvPr id="1" name=""/>
+        <p:cNvGrpSpPr/>
+        <p:nvPr/>
+      </p:nvGrpSpPr>
+      <p:grpSpPr>
+        <a:xfrm>
+          <a:off x="0" y="0"/>
+          <a:ext cx="0" cy="0"/>
+          <a:chOff x="0" y="0"/>
+          <a:chExt cx="0" cy="0"/>
+        </a:xfrm>
+      </p:grpSpPr>
+      <p:grpSp>
+        <p:nvGrpSpPr>
+          <p:cNvPr id="20" name="Group 19">
+            <a:extLst>
+              <a:ext uri="{FF2B5EF4-FFF2-40B4-BE49-F238E27FC236}">
+                <a16:creationId xmlns:a16="http://schemas.microsoft.com/office/drawing/2014/main" id="{A0AA5DCD-08AD-B6EF-C8B2-FFB3CEC06861}"/>
+              </a:ext>
+            </a:extLst>
+          </p:cNvPr>
+          <p:cNvGrpSpPr/>
+          <p:nvPr/>
+        </p:nvGrpSpPr>
+        <p:grpSpPr>
+          <a:xfrm>
+            <a:off x="700445" y="450079"/>
+            <a:ext cx="10791110" cy="5957841"/>
+            <a:chOff x="244564" y="114186"/>
+            <a:chExt cx="9216526" cy="5088503"/>
+          </a:xfrm>
+        </p:grpSpPr>
+        <p:pic>
+          <p:nvPicPr>
+            <p:cNvPr id="9" name="Picture 8">
+              <a:extLst>
+                <a:ext uri="{FF2B5EF4-FFF2-40B4-BE49-F238E27FC236}">
+                  <a16:creationId xmlns:a16="http://schemas.microsoft.com/office/drawing/2014/main" id="{12A7B1DD-EACE-EB88-F8CD-BF0C98B8EA93}"/>
+                </a:ext>
+              </a:extLst>
+            </p:cNvPr>
+            <p:cNvPicPr>
+              <a:picLocks noChangeAspect="1"/>
+            </p:cNvPicPr>
+            <p:nvPr/>
+          </p:nvPicPr>
+          <p:blipFill>
+            <a:blip r:embed="rId2">
+              <a:extLst>
+                <a:ext uri="{28A0092B-C50C-407E-A947-70E740481C1C}">
+                  <a14:useLocalDpi xmlns:a14="http://schemas.microsoft.com/office/drawing/2010/main" val="0"/>
+                </a:ext>
+              </a:extLst>
+            </a:blip>
+            <a:stretch>
+              <a:fillRect/>
+            </a:stretch>
+          </p:blipFill>
+          <p:spPr>
+            <a:xfrm>
+              <a:off x="244564" y="114186"/>
+              <a:ext cx="9216526" cy="5088503"/>
+            </a:xfrm>
+            <a:prstGeom prst="rect">
+              <a:avLst/>
+            </a:prstGeom>
+          </p:spPr>
+        </p:pic>
+        <p:grpSp>
+          <p:nvGrpSpPr>
+            <p:cNvPr id="17" name="Group 16">
+              <a:extLst>
+                <a:ext uri="{FF2B5EF4-FFF2-40B4-BE49-F238E27FC236}">
+                  <a16:creationId xmlns:a16="http://schemas.microsoft.com/office/drawing/2014/main" id="{644769B6-B0DA-0AE8-B4EC-71BEE784E714}"/>
+                </a:ext>
+              </a:extLst>
+            </p:cNvPr>
+            <p:cNvGrpSpPr/>
+            <p:nvPr/>
+          </p:nvGrpSpPr>
+          <p:grpSpPr>
+            <a:xfrm>
+              <a:off x="4804523" y="2571747"/>
+              <a:ext cx="239091" cy="239091"/>
+              <a:chOff x="5880056" y="4022854"/>
+              <a:chExt cx="412142" cy="412142"/>
+            </a:xfrm>
+          </p:grpSpPr>
+          <p:sp>
+            <p:nvSpPr>
+              <p:cNvPr id="18" name="Oval 17">
+                <a:extLst>
+                  <a:ext uri="{FF2B5EF4-FFF2-40B4-BE49-F238E27FC236}">
+                    <a16:creationId xmlns:a16="http://schemas.microsoft.com/office/drawing/2014/main" id="{D601E0B8-E204-6E83-345B-ECCBFE4C8D05}"/>
+                  </a:ext>
+                </a:extLst>
+              </p:cNvPr>
+              <p:cNvSpPr/>
+              <p:nvPr/>
+            </p:nvSpPr>
+            <p:spPr>
+              <a:xfrm>
+                <a:off x="5900294" y="4043092"/>
+                <a:ext cx="371666" cy="371666"/>
+              </a:xfrm>
+              <a:prstGeom prst="ellipse">
+                <a:avLst/>
+              </a:prstGeom>
+              <a:solidFill>
+                <a:srgbClr val="00B050"/>
+              </a:solidFill>
+              <a:ln w="28575">
+                <a:noFill/>
+              </a:ln>
+            </p:spPr>
+            <p:style>
+              <a:lnRef idx="2">
+                <a:schemeClr val="accent1">
+                  <a:shade val="15000"/>
+                </a:schemeClr>
+              </a:lnRef>
+              <a:fillRef idx="1">
+                <a:schemeClr val="accent1"/>
+              </a:fillRef>
+              <a:effectRef idx="0">
+                <a:schemeClr val="accent1"/>
+              </a:effectRef>
+              <a:fontRef idx="minor">
+                <a:schemeClr val="lt1"/>
+              </a:fontRef>
+            </p:style>
+            <p:txBody>
+              <a:bodyPr rtlCol="0" anchor="ctr"/>
+              <a:lstStyle/>
+              <a:p>
+                <a:pPr algn="ctr"/>
+                <a:endParaRPr lang="en-US"/>
+              </a:p>
+            </p:txBody>
+          </p:sp>
+          <p:pic>
+            <p:nvPicPr>
+              <p:cNvPr id="19" name="Picture 18">
+                <a:extLst>
+                  <a:ext uri="{FF2B5EF4-FFF2-40B4-BE49-F238E27FC236}">
+                    <a16:creationId xmlns:a16="http://schemas.microsoft.com/office/drawing/2014/main" id="{964E1956-DB0F-9B4C-EFF4-BF7F8128F09E}"/>
+                  </a:ext>
+                </a:extLst>
+              </p:cNvPr>
+              <p:cNvPicPr>
+                <a:picLocks noChangeAspect="1"/>
+              </p:cNvPicPr>
+              <p:nvPr/>
+            </p:nvPicPr>
+            <p:blipFill>
+              <a:blip r:embed="rId3">
+                <a:extLst>
+                  <a:ext uri="{28A0092B-C50C-407E-A947-70E740481C1C}">
+                    <a14:useLocalDpi xmlns:a14="http://schemas.microsoft.com/office/drawing/2010/main" val="0"/>
+                  </a:ext>
+                </a:extLst>
+              </a:blip>
+              <a:stretch>
+                <a:fillRect/>
+              </a:stretch>
+            </p:blipFill>
+            <p:spPr>
+              <a:xfrm>
+                <a:off x="5880056" y="4022854"/>
+                <a:ext cx="412142" cy="412142"/>
+              </a:xfrm>
+              <a:prstGeom prst="rect">
+                <a:avLst/>
+              </a:prstGeom>
+              <a:ln>
+                <a:noFill/>
+              </a:ln>
+            </p:spPr>
+          </p:pic>
+        </p:grpSp>
+      </p:grpSp>
+    </p:spTree>
+    <p:extLst>
+      <p:ext uri="{BB962C8B-B14F-4D97-AF65-F5344CB8AC3E}">
+        <p14:creationId xmlns:p14="http://schemas.microsoft.com/office/powerpoint/2010/main" val="50169989"/>
+      </p:ext>
+    </p:extLst>
+  </p:cSld>
+  <p:clrMapOvr>
+    <a:masterClrMapping/>
+  </p:clrMapOvr>
+</p:sld>
+</file>
+
+<file path=ppt/slides/slide4.xml><?xml version="1.0" encoding="utf-8"?>
+<p:sld xmlns:a="http://schemas.openxmlformats.org/drawingml/2006/main" xmlns:r="http://schemas.openxmlformats.org/officeDocument/2006/relationships" xmlns:p="http://schemas.openxmlformats.org/presentationml/2006/main">
+  <p:cSld>
+    <p:spTree>
+      <p:nvGrpSpPr>
+        <p:cNvPr id="1" name=""/>
+        <p:cNvGrpSpPr/>
+        <p:nvPr/>
+      </p:nvGrpSpPr>
+      <p:grpSpPr>
+        <a:xfrm>
+          <a:off x="0" y="0"/>
+          <a:ext cx="0" cy="0"/>
+          <a:chOff x="0" y="0"/>
+          <a:chExt cx="0" cy="0"/>
+        </a:xfrm>
+      </p:grpSpPr>
+      <p:grpSp>
+        <p:nvGrpSpPr>
+          <p:cNvPr id="6" name="Group 5">
+            <a:extLst>
+              <a:ext uri="{FF2B5EF4-FFF2-40B4-BE49-F238E27FC236}">
+                <a16:creationId xmlns:a16="http://schemas.microsoft.com/office/drawing/2014/main" id="{BE0230B5-4DBA-7DDE-2C2B-8A3ECC495928}"/>
+              </a:ext>
+            </a:extLst>
+          </p:cNvPr>
+          <p:cNvGrpSpPr/>
+          <p:nvPr/>
+        </p:nvGrpSpPr>
+        <p:grpSpPr>
+          <a:xfrm>
+            <a:off x="423075" y="319297"/>
+            <a:ext cx="11050238" cy="6219406"/>
+            <a:chOff x="3089275" y="1736725"/>
+            <a:chExt cx="6013450" cy="3384550"/>
+          </a:xfrm>
+        </p:grpSpPr>
+        <p:pic>
+          <p:nvPicPr>
+            <p:cNvPr id="5" name="Picture 4">
+              <a:extLst>
+                <a:ext uri="{FF2B5EF4-FFF2-40B4-BE49-F238E27FC236}">
+                  <a16:creationId xmlns:a16="http://schemas.microsoft.com/office/drawing/2014/main" id="{5CA8ED6C-F393-1724-40D2-43E7AC45AB11}"/>
+                </a:ext>
+              </a:extLst>
+            </p:cNvPr>
+            <p:cNvPicPr>
+              <a:picLocks noChangeAspect="1"/>
+            </p:cNvPicPr>
+            <p:nvPr/>
+          </p:nvPicPr>
+          <p:blipFill>
+            <a:blip r:embed="rId2">
+              <a:extLst>
+                <a:ext uri="{28A0092B-C50C-407E-A947-70E740481C1C}">
+                  <a14:useLocalDpi xmlns:a14="http://schemas.microsoft.com/office/drawing/2010/main" val="0"/>
+                </a:ext>
+              </a:extLst>
+            </a:blip>
+            <a:stretch>
+              <a:fillRect/>
+            </a:stretch>
+          </p:blipFill>
+          <p:spPr>
+            <a:xfrm>
+              <a:off x="3089275" y="1736725"/>
+              <a:ext cx="6013450" cy="3384550"/>
+            </a:xfrm>
+            <a:prstGeom prst="rect">
+              <a:avLst/>
+            </a:prstGeom>
+          </p:spPr>
+        </p:pic>
+        <p:grpSp>
+          <p:nvGrpSpPr>
+            <p:cNvPr id="2" name="Group 1">
+              <a:extLst>
+                <a:ext uri="{FF2B5EF4-FFF2-40B4-BE49-F238E27FC236}">
+                  <a16:creationId xmlns:a16="http://schemas.microsoft.com/office/drawing/2014/main" id="{2EE21D5F-83D9-E78C-368F-545758AC7C38}"/>
+                </a:ext>
+              </a:extLst>
+            </p:cNvPr>
+            <p:cNvGrpSpPr/>
+            <p:nvPr/>
+          </p:nvGrpSpPr>
+          <p:grpSpPr>
+            <a:xfrm>
+              <a:off x="6083300" y="3392051"/>
+              <a:ext cx="173379" cy="173379"/>
+              <a:chOff x="5880056" y="4022854"/>
+              <a:chExt cx="412142" cy="412142"/>
+            </a:xfrm>
+          </p:grpSpPr>
+          <p:sp>
+            <p:nvSpPr>
+              <p:cNvPr id="3" name="Oval 2">
+                <a:extLst>
+                  <a:ext uri="{FF2B5EF4-FFF2-40B4-BE49-F238E27FC236}">
+                    <a16:creationId xmlns:a16="http://schemas.microsoft.com/office/drawing/2014/main" id="{606419FE-1067-D127-226E-C786EBD1D91B}"/>
+                  </a:ext>
+                </a:extLst>
+              </p:cNvPr>
+              <p:cNvSpPr/>
+              <p:nvPr/>
+            </p:nvSpPr>
+            <p:spPr>
+              <a:xfrm>
+                <a:off x="5900294" y="4043092"/>
+                <a:ext cx="371666" cy="371666"/>
+              </a:xfrm>
+              <a:prstGeom prst="ellipse">
+                <a:avLst/>
+              </a:prstGeom>
+              <a:solidFill>
+                <a:srgbClr val="00B050"/>
+              </a:solidFill>
+              <a:ln w="28575">
+                <a:noFill/>
+              </a:ln>
+            </p:spPr>
+            <p:style>
+              <a:lnRef idx="2">
+                <a:schemeClr val="accent1">
+                  <a:shade val="15000"/>
+                </a:schemeClr>
+              </a:lnRef>
+              <a:fillRef idx="1">
+                <a:schemeClr val="accent1"/>
+              </a:fillRef>
+              <a:effectRef idx="0">
+                <a:schemeClr val="accent1"/>
+              </a:effectRef>
+              <a:fontRef idx="minor">
+                <a:schemeClr val="lt1"/>
+              </a:fontRef>
+            </p:style>
+            <p:txBody>
+              <a:bodyPr rtlCol="0" anchor="ctr"/>
+              <a:lstStyle/>
+              <a:p>
+                <a:pPr algn="ctr"/>
+                <a:endParaRPr lang="en-US"/>
+              </a:p>
+            </p:txBody>
+          </p:sp>
+          <p:pic>
+            <p:nvPicPr>
+              <p:cNvPr id="4" name="Picture 3">
+                <a:extLst>
+                  <a:ext uri="{FF2B5EF4-FFF2-40B4-BE49-F238E27FC236}">
+                    <a16:creationId xmlns:a16="http://schemas.microsoft.com/office/drawing/2014/main" id="{813E13AE-492D-B21B-CDF0-15E12D0A8E1D}"/>
+                  </a:ext>
+                </a:extLst>
+              </p:cNvPr>
+              <p:cNvPicPr>
+                <a:picLocks noChangeAspect="1"/>
+              </p:cNvPicPr>
+              <p:nvPr/>
+            </p:nvPicPr>
+            <p:blipFill>
+              <a:blip r:embed="rId3">
+                <a:extLst>
+                  <a:ext uri="{28A0092B-C50C-407E-A947-70E740481C1C}">
+                    <a14:useLocalDpi xmlns:a14="http://schemas.microsoft.com/office/drawing/2010/main" val="0"/>
+                  </a:ext>
+                </a:extLst>
+              </a:blip>
+              <a:stretch>
+                <a:fillRect/>
+              </a:stretch>
+            </p:blipFill>
+            <p:spPr>
+              <a:xfrm>
+                <a:off x="5880056" y="4022854"/>
+                <a:ext cx="412142" cy="412142"/>
+              </a:xfrm>
+              <a:prstGeom prst="rect">
+                <a:avLst/>
+              </a:prstGeom>
+              <a:ln>
+                <a:noFill/>
+              </a:ln>
+            </p:spPr>
+          </p:pic>
+        </p:grpSp>
+      </p:grpSp>
+    </p:spTree>
+    <p:extLst>
+      <p:ext uri="{BB962C8B-B14F-4D97-AF65-F5344CB8AC3E}">
+        <p14:creationId xmlns:p14="http://schemas.microsoft.com/office/powerpoint/2010/main" val="2825595083"/>
+      </p:ext>
+    </p:extLst>
+  </p:cSld>
+  <p:clrMapOvr>
+    <a:masterClrMapping/>
+  </p:clrMapOvr>
+</p:sld>
+</file>
+
+<file path=ppt/slides/slide5.xml><?xml version="1.0" encoding="utf-8"?>
+<p:sld xmlns:a="http://schemas.openxmlformats.org/drawingml/2006/main" xmlns:r="http://schemas.openxmlformats.org/officeDocument/2006/relationships" xmlns:p="http://schemas.openxmlformats.org/presentationml/2006/main">
+  <p:cSld>
+    <p:spTree>
+      <p:nvGrpSpPr>
+        <p:cNvPr id="1" name=""/>
+        <p:cNvGrpSpPr/>
+        <p:nvPr/>
+      </p:nvGrpSpPr>
+      <p:grpSpPr>
+        <a:xfrm>
+          <a:off x="0" y="0"/>
+          <a:ext cx="0" cy="0"/>
+          <a:chOff x="0" y="0"/>
+          <a:chExt cx="0" cy="0"/>
+        </a:xfrm>
+      </p:grpSpPr>
+      <p:grpSp>
+        <p:nvGrpSpPr>
+          <p:cNvPr id="6" name="Group 5">
+            <a:extLst>
+              <a:ext uri="{FF2B5EF4-FFF2-40B4-BE49-F238E27FC236}">
+                <a16:creationId xmlns:a16="http://schemas.microsoft.com/office/drawing/2014/main" id="{EC765912-8097-441A-D666-3F07E4BB908E}"/>
+              </a:ext>
+            </a:extLst>
+          </p:cNvPr>
+          <p:cNvGrpSpPr/>
+          <p:nvPr/>
+        </p:nvGrpSpPr>
+        <p:grpSpPr>
+          <a:xfrm>
+            <a:off x="1107047" y="212391"/>
+            <a:ext cx="9977906" cy="6037462"/>
+            <a:chOff x="4887144" y="1001662"/>
+            <a:chExt cx="6496050" cy="3930650"/>
+          </a:xfrm>
+        </p:grpSpPr>
+        <p:pic>
+          <p:nvPicPr>
+            <p:cNvPr id="7" name="Picture 6">
+              <a:extLst>
+                <a:ext uri="{FF2B5EF4-FFF2-40B4-BE49-F238E27FC236}">
+                  <a16:creationId xmlns:a16="http://schemas.microsoft.com/office/drawing/2014/main" id="{FCF9704F-E6B5-CAE6-C447-6515D16290D8}"/>
+                </a:ext>
+              </a:extLst>
+            </p:cNvPr>
+            <p:cNvPicPr>
+              <a:picLocks noChangeAspect="1"/>
+            </p:cNvPicPr>
+            <p:nvPr/>
+          </p:nvPicPr>
+          <p:blipFill>
+            <a:blip r:embed="rId2">
+              <a:extLst>
+                <a:ext uri="{28A0092B-C50C-407E-A947-70E740481C1C}">
+                  <a14:useLocalDpi xmlns:a14="http://schemas.microsoft.com/office/drawing/2010/main" val="0"/>
+                </a:ext>
+              </a:extLst>
+            </a:blip>
+            <a:stretch>
+              <a:fillRect/>
+            </a:stretch>
+          </p:blipFill>
+          <p:spPr>
+            <a:xfrm>
+              <a:off x="4887144" y="1001662"/>
+              <a:ext cx="6496050" cy="3930650"/>
+            </a:xfrm>
+            <a:prstGeom prst="rect">
+              <a:avLst/>
+            </a:prstGeom>
+          </p:spPr>
+        </p:pic>
+        <p:grpSp>
+          <p:nvGrpSpPr>
+            <p:cNvPr id="2" name="Group 1">
+              <a:extLst>
+                <a:ext uri="{FF2B5EF4-FFF2-40B4-BE49-F238E27FC236}">
+                  <a16:creationId xmlns:a16="http://schemas.microsoft.com/office/drawing/2014/main" id="{1F15AD3C-0533-94A1-D9FB-ABB2F2960470}"/>
+                </a:ext>
+              </a:extLst>
+            </p:cNvPr>
+            <p:cNvGrpSpPr/>
+            <p:nvPr/>
+          </p:nvGrpSpPr>
+          <p:grpSpPr>
+            <a:xfrm>
+              <a:off x="8135174" y="2077257"/>
+              <a:ext cx="223839" cy="223838"/>
+              <a:chOff x="5880053" y="4022853"/>
+              <a:chExt cx="412143" cy="412142"/>
+            </a:xfrm>
+          </p:grpSpPr>
+          <p:sp>
+            <p:nvSpPr>
+              <p:cNvPr id="3" name="Oval 2">
+                <a:extLst>
+                  <a:ext uri="{FF2B5EF4-FFF2-40B4-BE49-F238E27FC236}">
+                    <a16:creationId xmlns:a16="http://schemas.microsoft.com/office/drawing/2014/main" id="{C4B0495C-619D-4A1E-B670-DAC71D2CD555}"/>
+                  </a:ext>
+                </a:extLst>
+              </p:cNvPr>
+              <p:cNvSpPr/>
+              <p:nvPr/>
+            </p:nvSpPr>
+            <p:spPr>
+              <a:xfrm>
+                <a:off x="5900294" y="4043092"/>
+                <a:ext cx="371666" cy="371666"/>
+              </a:xfrm>
+              <a:prstGeom prst="ellipse">
+                <a:avLst/>
+              </a:prstGeom>
+              <a:solidFill>
+                <a:srgbClr val="00B050"/>
+              </a:solidFill>
+              <a:ln w="28575">
+                <a:noFill/>
+              </a:ln>
+            </p:spPr>
+            <p:style>
+              <a:lnRef idx="2">
+                <a:schemeClr val="accent1">
+                  <a:shade val="15000"/>
+                </a:schemeClr>
+              </a:lnRef>
+              <a:fillRef idx="1">
+                <a:schemeClr val="accent1"/>
+              </a:fillRef>
+              <a:effectRef idx="0">
+                <a:schemeClr val="accent1"/>
+              </a:effectRef>
+              <a:fontRef idx="minor">
+                <a:schemeClr val="lt1"/>
+              </a:fontRef>
+            </p:style>
+            <p:txBody>
+              <a:bodyPr rtlCol="0" anchor="ctr"/>
+              <a:lstStyle/>
+              <a:p>
+                <a:pPr algn="ctr"/>
+                <a:endParaRPr lang="en-US"/>
+              </a:p>
+            </p:txBody>
+          </p:sp>
+          <p:pic>
+            <p:nvPicPr>
+              <p:cNvPr id="4" name="Picture 3">
+                <a:extLst>
+                  <a:ext uri="{FF2B5EF4-FFF2-40B4-BE49-F238E27FC236}">
+                    <a16:creationId xmlns:a16="http://schemas.microsoft.com/office/drawing/2014/main" id="{38A9BBCF-2C75-E2A4-926C-2A501000303C}"/>
+                  </a:ext>
+                </a:extLst>
+              </p:cNvPr>
+              <p:cNvPicPr>
+                <a:picLocks noChangeAspect="1"/>
+              </p:cNvPicPr>
+              <p:nvPr/>
+            </p:nvPicPr>
+            <p:blipFill>
+              <a:blip r:embed="rId3">
+                <a:extLst>
+                  <a:ext uri="{28A0092B-C50C-407E-A947-70E740481C1C}">
+                    <a14:useLocalDpi xmlns:a14="http://schemas.microsoft.com/office/drawing/2010/main" val="0"/>
+                  </a:ext>
+                </a:extLst>
+              </a:blip>
+              <a:stretch>
+                <a:fillRect/>
+              </a:stretch>
+            </p:blipFill>
+            <p:spPr>
+              <a:xfrm>
+                <a:off x="5880053" y="4022853"/>
+                <a:ext cx="412143" cy="412142"/>
+              </a:xfrm>
+              <a:prstGeom prst="rect">
+                <a:avLst/>
+              </a:prstGeom>
+              <a:ln>
+                <a:noFill/>
+              </a:ln>
+            </p:spPr>
+          </p:pic>
+        </p:grpSp>
+      </p:grpSp>
+    </p:spTree>
+    <p:extLst>
+      <p:ext uri="{BB962C8B-B14F-4D97-AF65-F5344CB8AC3E}">
+        <p14:creationId xmlns:p14="http://schemas.microsoft.com/office/powerpoint/2010/main" val="1234611290"/>
+      </p:ext>
+    </p:extLst>
+  </p:cSld>
+  <p:clrMapOvr>
+    <a:masterClrMapping/>
+  </p:clrMapOvr>
+</p:sld>
+</file>
+
+<file path=ppt/slides/slide6.xml><?xml version="1.0" encoding="utf-8"?>
+<p:sld xmlns:a="http://schemas.openxmlformats.org/drawingml/2006/main" xmlns:r="http://schemas.openxmlformats.org/officeDocument/2006/relationships" xmlns:p="http://schemas.openxmlformats.org/presentationml/2006/main">
+  <p:cSld>
+    <p:spTree>
+      <p:nvGrpSpPr>
+        <p:cNvPr id="1" name=""/>
+        <p:cNvGrpSpPr/>
+        <p:nvPr/>
+      </p:nvGrpSpPr>
+      <p:grpSpPr>
+        <a:xfrm>
+          <a:off x="0" y="0"/>
+          <a:ext cx="0" cy="0"/>
+          <a:chOff x="0" y="0"/>
+          <a:chExt cx="0" cy="0"/>
+        </a:xfrm>
+      </p:grpSpPr>
+      <p:grpSp>
+        <p:nvGrpSpPr>
+          <p:cNvPr id="106" name="Group 105">
+            <a:extLst>
+              <a:ext uri="{FF2B5EF4-FFF2-40B4-BE49-F238E27FC236}">
+                <a16:creationId xmlns:a16="http://schemas.microsoft.com/office/drawing/2014/main" id="{52C89495-76C2-CCA6-3E55-2631D67AB9EA}"/>
+              </a:ext>
+            </a:extLst>
+          </p:cNvPr>
+          <p:cNvGrpSpPr/>
+          <p:nvPr/>
+        </p:nvGrpSpPr>
+        <p:grpSpPr>
+          <a:xfrm>
+            <a:off x="1695582" y="1935480"/>
+            <a:ext cx="8371267" cy="3003792"/>
+            <a:chOff x="1695582" y="1935480"/>
+            <a:chExt cx="8371267" cy="3003792"/>
+          </a:xfrm>
+        </p:grpSpPr>
+        <p:grpSp>
+          <p:nvGrpSpPr>
+            <p:cNvPr id="52" name="Group 51">
+              <a:extLst>
+                <a:ext uri="{FF2B5EF4-FFF2-40B4-BE49-F238E27FC236}">
+                  <a16:creationId xmlns:a16="http://schemas.microsoft.com/office/drawing/2014/main" id="{8B3218D1-DDD0-A4B6-7238-93BB1FD33DA1}"/>
+                </a:ext>
+              </a:extLst>
+            </p:cNvPr>
+            <p:cNvGrpSpPr/>
+            <p:nvPr/>
+          </p:nvGrpSpPr>
+          <p:grpSpPr>
+            <a:xfrm>
+              <a:off x="3577176" y="2049699"/>
+              <a:ext cx="6489673" cy="2758602"/>
+              <a:chOff x="1029553" y="1210283"/>
+              <a:chExt cx="9570376" cy="4068134"/>
+            </a:xfrm>
+          </p:grpSpPr>
+          <p:sp>
+            <p:nvSpPr>
+              <p:cNvPr id="25" name="Freeform: Shape 24">
+                <a:extLst>
+                  <a:ext uri="{FF2B5EF4-FFF2-40B4-BE49-F238E27FC236}">
+                    <a16:creationId xmlns:a16="http://schemas.microsoft.com/office/drawing/2014/main" id="{F2877BC9-EDFB-5362-9A9F-ED43DA76AA3B}"/>
+                  </a:ext>
+                </a:extLst>
+              </p:cNvPr>
+              <p:cNvSpPr/>
+              <p:nvPr/>
+            </p:nvSpPr>
+            <p:spPr>
+              <a:xfrm>
+                <a:off x="1029553" y="1726009"/>
+                <a:ext cx="2744628" cy="3552408"/>
+              </a:xfrm>
+              <a:custGeom>
+                <a:avLst/>
+                <a:gdLst>
+                  <a:gd name="connsiteX0" fmla="*/ 1372314 w 2744628"/>
+                  <a:gd name="connsiteY0" fmla="*/ 0 h 3552408"/>
+                  <a:gd name="connsiteX1" fmla="*/ 2744628 w 2744628"/>
+                  <a:gd name="connsiteY1" fmla="*/ 1293319 h 3552408"/>
+                  <a:gd name="connsiteX2" fmla="*/ 2431258 w 2744628"/>
+                  <a:gd name="connsiteY2" fmla="*/ 2115990 h 3552408"/>
+                  <a:gd name="connsiteX3" fmla="*/ 2368140 w 2744628"/>
+                  <a:gd name="connsiteY3" fmla="*/ 2181440 h 3552408"/>
+                  <a:gd name="connsiteX4" fmla="*/ 2368140 w 2744628"/>
+                  <a:gd name="connsiteY4" fmla="*/ 3082223 h 3552408"/>
+                  <a:gd name="connsiteX5" fmla="*/ 1372314 w 2744628"/>
+                  <a:gd name="connsiteY5" fmla="*/ 3552408 h 3552408"/>
+                  <a:gd name="connsiteX6" fmla="*/ 376488 w 2744628"/>
+                  <a:gd name="connsiteY6" fmla="*/ 3082223 h 3552408"/>
+                  <a:gd name="connsiteX7" fmla="*/ 376488 w 2744628"/>
+                  <a:gd name="connsiteY7" fmla="*/ 2181440 h 3552408"/>
+                  <a:gd name="connsiteX8" fmla="*/ 313370 w 2744628"/>
+                  <a:gd name="connsiteY8" fmla="*/ 2115990 h 3552408"/>
+                  <a:gd name="connsiteX9" fmla="*/ 0 w 2744628"/>
+                  <a:gd name="connsiteY9" fmla="*/ 1293319 h 3552408"/>
+                  <a:gd name="connsiteX10" fmla="*/ 1372314 w 2744628"/>
+                  <a:gd name="connsiteY10" fmla="*/ 0 h 3552408"/>
+                </a:gdLst>
+                <a:ahLst/>
+                <a:cxnLst>
+                  <a:cxn ang="0">
+                    <a:pos x="connsiteX0" y="connsiteY0"/>
+                  </a:cxn>
+                  <a:cxn ang="0">
+                    <a:pos x="connsiteX1" y="connsiteY1"/>
+                  </a:cxn>
+                  <a:cxn ang="0">
+                    <a:pos x="connsiteX2" y="connsiteY2"/>
+                  </a:cxn>
+                  <a:cxn ang="0">
+                    <a:pos x="connsiteX3" y="connsiteY3"/>
+                  </a:cxn>
+                  <a:cxn ang="0">
+                    <a:pos x="connsiteX4" y="connsiteY4"/>
+                  </a:cxn>
+                  <a:cxn ang="0">
+                    <a:pos x="connsiteX5" y="connsiteY5"/>
+                  </a:cxn>
+                  <a:cxn ang="0">
+                    <a:pos x="connsiteX6" y="connsiteY6"/>
+                  </a:cxn>
+                  <a:cxn ang="0">
+                    <a:pos x="connsiteX7" y="connsiteY7"/>
+                  </a:cxn>
+                  <a:cxn ang="0">
+                    <a:pos x="connsiteX8" y="connsiteY8"/>
+                  </a:cxn>
+                  <a:cxn ang="0">
+                    <a:pos x="connsiteX9" y="connsiteY9"/>
+                  </a:cxn>
+                  <a:cxn ang="0">
+                    <a:pos x="connsiteX10" y="connsiteY10"/>
+                  </a:cxn>
+                </a:cxnLst>
+                <a:rect l="l" t="t" r="r" b="b"/>
+                <a:pathLst>
+                  <a:path w="2744628" h="3552408">
+                    <a:moveTo>
+                      <a:pt x="1372314" y="0"/>
+                    </a:moveTo>
+                    <a:cubicBezTo>
+                      <a:pt x="2130222" y="0"/>
+                      <a:pt x="2744628" y="579039"/>
+                      <a:pt x="2744628" y="1293319"/>
+                    </a:cubicBezTo>
+                    <a:cubicBezTo>
+                      <a:pt x="2744628" y="1605817"/>
+                      <a:pt x="2627027" y="1892428"/>
+                      <a:pt x="2431258" y="2115990"/>
+                    </a:cubicBezTo>
+                    <a:lnTo>
+                      <a:pt x="2368140" y="2181440"/>
+                    </a:lnTo>
+                    <a:lnTo>
+                      <a:pt x="2368140" y="3082223"/>
+                    </a:lnTo>
+                    <a:cubicBezTo>
+                      <a:pt x="2368140" y="3341899"/>
+                      <a:pt x="1922294" y="3552408"/>
+                      <a:pt x="1372314" y="3552408"/>
+                    </a:cubicBezTo>
+                    <a:cubicBezTo>
+                      <a:pt x="822334" y="3552408"/>
+                      <a:pt x="376488" y="3341899"/>
+                      <a:pt x="376488" y="3082223"/>
+                    </a:cubicBezTo>
+                    <a:lnTo>
+                      <a:pt x="376488" y="2181440"/>
+                    </a:lnTo>
+                    <a:lnTo>
+                      <a:pt x="313370" y="2115990"/>
+                    </a:lnTo>
+                    <a:cubicBezTo>
+                      <a:pt x="117601" y="1892428"/>
+                      <a:pt x="0" y="1605817"/>
+                      <a:pt x="0" y="1293319"/>
+                    </a:cubicBezTo>
+                    <a:cubicBezTo>
+                      <a:pt x="0" y="579039"/>
+                      <a:pt x="614406" y="0"/>
+                      <a:pt x="1372314" y="0"/>
+                    </a:cubicBezTo>
+                    <a:close/>
+                  </a:path>
+                </a:pathLst>
+              </a:custGeom>
+              <a:solidFill>
+                <a:schemeClr val="tx2">
+                  <a:lumMod val="20000"/>
+                  <a:lumOff val="80000"/>
+                </a:schemeClr>
+              </a:solidFill>
+              <a:ln w="28575">
+                <a:solidFill>
+                  <a:schemeClr val="tx1"/>
+                </a:solidFill>
+              </a:ln>
+            </p:spPr>
+            <p:style>
+              <a:lnRef idx="2">
+                <a:schemeClr val="accent1">
+                  <a:shade val="15000"/>
+                </a:schemeClr>
+              </a:lnRef>
+              <a:fillRef idx="1">
+                <a:schemeClr val="accent1"/>
+              </a:fillRef>
+              <a:effectRef idx="0">
+                <a:schemeClr val="accent1"/>
+              </a:effectRef>
+              <a:fontRef idx="minor">
+                <a:schemeClr val="lt1"/>
+              </a:fontRef>
+            </p:style>
+            <p:txBody>
+              <a:bodyPr wrap="square" rtlCol="0" anchor="ctr">
+                <a:noAutofit/>
+              </a:bodyPr>
+              <a:lstStyle/>
+              <a:p>
+                <a:pPr algn="ctr"/>
+                <a:endParaRPr lang="en-US"/>
+              </a:p>
+            </p:txBody>
+          </p:sp>
+          <p:sp>
+            <p:nvSpPr>
+              <p:cNvPr id="26" name="Oval 25">
+                <a:extLst>
+                  <a:ext uri="{FF2B5EF4-FFF2-40B4-BE49-F238E27FC236}">
+                    <a16:creationId xmlns:a16="http://schemas.microsoft.com/office/drawing/2014/main" id="{443D489C-4D89-C096-BBE2-1B5B727ED25A}"/>
+                  </a:ext>
+                </a:extLst>
+              </p:cNvPr>
+              <p:cNvSpPr/>
+              <p:nvPr/>
+            </p:nvSpPr>
+            <p:spPr>
+              <a:xfrm>
+                <a:off x="1406041" y="3378442"/>
+                <a:ext cx="1991652" cy="965770"/>
+              </a:xfrm>
+              <a:prstGeom prst="ellipse">
+                <a:avLst/>
+              </a:prstGeom>
+              <a:noFill/>
+              <a:ln w="38100">
+                <a:solidFill>
+                  <a:schemeClr val="bg2">
+                    <a:lumMod val="75000"/>
+                  </a:schemeClr>
+                </a:solidFill>
+                <a:prstDash val="sysDot"/>
+              </a:ln>
+            </p:spPr>
+            <p:style>
+              <a:lnRef idx="2">
+                <a:schemeClr val="accent1">
+                  <a:shade val="15000"/>
+                </a:schemeClr>
+              </a:lnRef>
+              <a:fillRef idx="1">
+                <a:schemeClr val="accent1"/>
+              </a:fillRef>
+              <a:effectRef idx="0">
+                <a:schemeClr val="accent1"/>
+              </a:effectRef>
+              <a:fontRef idx="minor">
+                <a:schemeClr val="lt1"/>
+              </a:fontRef>
+            </p:style>
+            <p:txBody>
+              <a:bodyPr rtlCol="0" anchor="ctr"/>
+              <a:lstStyle/>
+              <a:p>
+                <a:pPr algn="ctr"/>
+                <a:endParaRPr lang="en-US"/>
+              </a:p>
+            </p:txBody>
+          </p:sp>
+          <p:cxnSp>
+            <p:nvCxnSpPr>
+              <p:cNvPr id="29" name="Straight Connector 28">
+                <a:extLst>
+                  <a:ext uri="{FF2B5EF4-FFF2-40B4-BE49-F238E27FC236}">
+                    <a16:creationId xmlns:a16="http://schemas.microsoft.com/office/drawing/2014/main" id="{85245EA2-50E5-C901-F2C2-99CD2919F089}"/>
+                  </a:ext>
+                </a:extLst>
+              </p:cNvPr>
+              <p:cNvCxnSpPr>
+                <a:cxnSpLocks/>
+                <a:endCxn id="26" idx="6"/>
+              </p:cNvCxnSpPr>
+              <p:nvPr/>
+            </p:nvCxnSpPr>
+            <p:spPr>
+              <a:xfrm>
+                <a:off x="2374574" y="3861327"/>
+                <a:ext cx="1023119" cy="1"/>
+              </a:xfrm>
+              <a:prstGeom prst="line">
+                <a:avLst/>
+              </a:prstGeom>
+              <a:ln w="38100">
+                <a:solidFill>
+                  <a:schemeClr val="bg2">
+                    <a:lumMod val="75000"/>
+                  </a:schemeClr>
+                </a:solidFill>
+                <a:prstDash val="sysDot"/>
+              </a:ln>
+            </p:spPr>
+            <p:style>
+              <a:lnRef idx="1">
+                <a:schemeClr val="accent1"/>
+              </a:lnRef>
+              <a:fillRef idx="0">
+                <a:schemeClr val="accent1"/>
+              </a:fillRef>
+              <a:effectRef idx="0">
+                <a:schemeClr val="accent1"/>
+              </a:effectRef>
+              <a:fontRef idx="minor">
+                <a:schemeClr val="tx1"/>
+              </a:fontRef>
+            </p:style>
+          </p:cxnSp>
+          <p:cxnSp>
+            <p:nvCxnSpPr>
+              <p:cNvPr id="30" name="Straight Connector 29">
+                <a:extLst>
+                  <a:ext uri="{FF2B5EF4-FFF2-40B4-BE49-F238E27FC236}">
+                    <a16:creationId xmlns:a16="http://schemas.microsoft.com/office/drawing/2014/main" id="{3C5ABFED-8B29-3B33-F541-CDF3B896D250}"/>
+                  </a:ext>
+                </a:extLst>
+              </p:cNvPr>
+              <p:cNvCxnSpPr>
+                <a:cxnSpLocks/>
+              </p:cNvCxnSpPr>
+              <p:nvPr/>
+            </p:nvCxnSpPr>
+            <p:spPr>
+              <a:xfrm flipV="1">
+                <a:off x="1432103" y="4828118"/>
+                <a:ext cx="1938876" cy="28407"/>
+              </a:xfrm>
+              <a:prstGeom prst="line">
+                <a:avLst/>
+              </a:prstGeom>
+              <a:ln w="38100">
+                <a:solidFill>
+                  <a:schemeClr val="bg2">
+                    <a:lumMod val="75000"/>
+                  </a:schemeClr>
+                </a:solidFill>
+                <a:prstDash val="sysDot"/>
+              </a:ln>
+            </p:spPr>
+            <p:style>
+              <a:lnRef idx="1">
+                <a:schemeClr val="accent1"/>
+              </a:lnRef>
+              <a:fillRef idx="0">
+                <a:schemeClr val="accent1"/>
+              </a:fillRef>
+              <a:effectRef idx="0">
+                <a:schemeClr val="accent1"/>
+              </a:effectRef>
+              <a:fontRef idx="minor">
+                <a:schemeClr val="tx1"/>
+              </a:fontRef>
+            </p:style>
+          </p:cxnSp>
+          <p:cxnSp>
+            <p:nvCxnSpPr>
+              <p:cNvPr id="33" name="Straight Connector 32">
+                <a:extLst>
+                  <a:ext uri="{FF2B5EF4-FFF2-40B4-BE49-F238E27FC236}">
+                    <a16:creationId xmlns:a16="http://schemas.microsoft.com/office/drawing/2014/main" id="{9DCC841A-5DA6-C299-5E86-7D5DD7B86375}"/>
+                  </a:ext>
+                </a:extLst>
+              </p:cNvPr>
+              <p:cNvCxnSpPr>
+                <a:cxnSpLocks/>
+              </p:cNvCxnSpPr>
+              <p:nvPr/>
+            </p:nvCxnSpPr>
+            <p:spPr>
+              <a:xfrm>
+                <a:off x="4851077" y="4792920"/>
+                <a:ext cx="1991652" cy="0"/>
+              </a:xfrm>
+              <a:prstGeom prst="line">
+                <a:avLst/>
+              </a:prstGeom>
+              <a:ln w="38100">
+                <a:solidFill>
+                  <a:schemeClr val="bg2">
+                    <a:lumMod val="75000"/>
+                  </a:schemeClr>
+                </a:solidFill>
+                <a:prstDash val="sysDot"/>
+              </a:ln>
+            </p:spPr>
+            <p:style>
+              <a:lnRef idx="1">
+                <a:schemeClr val="accent1"/>
+              </a:lnRef>
+              <a:fillRef idx="0">
+                <a:schemeClr val="accent1"/>
+              </a:fillRef>
+              <a:effectRef idx="0">
+                <a:schemeClr val="accent1"/>
+              </a:effectRef>
+              <a:fontRef idx="minor">
+                <a:schemeClr val="tx1"/>
+              </a:fontRef>
+            </p:style>
+          </p:cxnSp>
+          <p:sp>
+            <p:nvSpPr>
+              <p:cNvPr id="35" name="Oval 34">
+                <a:extLst>
+                  <a:ext uri="{FF2B5EF4-FFF2-40B4-BE49-F238E27FC236}">
+                    <a16:creationId xmlns:a16="http://schemas.microsoft.com/office/drawing/2014/main" id="{886272CB-6164-E450-58F5-A46981CB789C}"/>
+                  </a:ext>
+                </a:extLst>
+              </p:cNvPr>
+              <p:cNvSpPr/>
+              <p:nvPr/>
+            </p:nvSpPr>
+            <p:spPr>
+              <a:xfrm>
+                <a:off x="4442428" y="1476620"/>
+                <a:ext cx="2744627" cy="2586637"/>
+              </a:xfrm>
+              <a:prstGeom prst="ellipse">
+                <a:avLst/>
+              </a:prstGeom>
+              <a:solidFill>
+                <a:schemeClr val="tx2">
+                  <a:lumMod val="20000"/>
+                  <a:lumOff val="80000"/>
+                </a:schemeClr>
+              </a:solidFill>
+              <a:ln w="28575">
+                <a:solidFill>
+                  <a:schemeClr val="tx1"/>
+                </a:solidFill>
+              </a:ln>
+            </p:spPr>
+            <p:style>
+              <a:lnRef idx="2">
+                <a:schemeClr val="accent1">
+                  <a:shade val="15000"/>
+                </a:schemeClr>
+              </a:lnRef>
+              <a:fillRef idx="1">
+                <a:schemeClr val="accent1"/>
+              </a:fillRef>
+              <a:effectRef idx="0">
+                <a:schemeClr val="accent1"/>
+              </a:effectRef>
+              <a:fontRef idx="minor">
+                <a:schemeClr val="lt1"/>
+              </a:fontRef>
+            </p:style>
+            <p:txBody>
+              <a:bodyPr rtlCol="0" anchor="ctr"/>
+              <a:lstStyle/>
+              <a:p>
+                <a:pPr algn="ctr"/>
+                <a:endParaRPr lang="en-US"/>
+              </a:p>
+            </p:txBody>
+          </p:sp>
+          <p:sp>
+            <p:nvSpPr>
+              <p:cNvPr id="36" name="Freeform: Shape 35">
+                <a:extLst>
+                  <a:ext uri="{FF2B5EF4-FFF2-40B4-BE49-F238E27FC236}">
+                    <a16:creationId xmlns:a16="http://schemas.microsoft.com/office/drawing/2014/main" id="{762B62A4-BFD8-DEDE-CC42-100926337DE2}"/>
+                  </a:ext>
+                </a:extLst>
+              </p:cNvPr>
+              <p:cNvSpPr/>
+              <p:nvPr/>
+            </p:nvSpPr>
+            <p:spPr>
+              <a:xfrm>
+                <a:off x="4851077" y="3907449"/>
+                <a:ext cx="1991652" cy="1370968"/>
+              </a:xfrm>
+              <a:custGeom>
+                <a:avLst/>
+                <a:gdLst>
+                  <a:gd name="connsiteX0" fmla="*/ 0 w 1991652"/>
+                  <a:gd name="connsiteY0" fmla="*/ 0 h 1370968"/>
+                  <a:gd name="connsiteX1" fmla="*/ 25454 w 1991652"/>
+                  <a:gd name="connsiteY1" fmla="*/ 26394 h 1370968"/>
+                  <a:gd name="connsiteX2" fmla="*/ 995826 w 1991652"/>
+                  <a:gd name="connsiteY2" fmla="*/ 405198 h 1370968"/>
+                  <a:gd name="connsiteX3" fmla="*/ 1966199 w 1991652"/>
+                  <a:gd name="connsiteY3" fmla="*/ 26394 h 1370968"/>
+                  <a:gd name="connsiteX4" fmla="*/ 1991652 w 1991652"/>
+                  <a:gd name="connsiteY4" fmla="*/ 0 h 1370968"/>
+                  <a:gd name="connsiteX5" fmla="*/ 1991652 w 1991652"/>
+                  <a:gd name="connsiteY5" fmla="*/ 900783 h 1370968"/>
+                  <a:gd name="connsiteX6" fmla="*/ 995826 w 1991652"/>
+                  <a:gd name="connsiteY6" fmla="*/ 1370968 h 1370968"/>
+                  <a:gd name="connsiteX7" fmla="*/ 0 w 1991652"/>
+                  <a:gd name="connsiteY7" fmla="*/ 900783 h 1370968"/>
+                </a:gdLst>
+                <a:ahLst/>
+                <a:cxnLst>
+                  <a:cxn ang="0">
+                    <a:pos x="connsiteX0" y="connsiteY0"/>
+                  </a:cxn>
+                  <a:cxn ang="0">
+                    <a:pos x="connsiteX1" y="connsiteY1"/>
+                  </a:cxn>
+                  <a:cxn ang="0">
+                    <a:pos x="connsiteX2" y="connsiteY2"/>
+                  </a:cxn>
+                  <a:cxn ang="0">
+                    <a:pos x="connsiteX3" y="connsiteY3"/>
+                  </a:cxn>
+                  <a:cxn ang="0">
+                    <a:pos x="connsiteX4" y="connsiteY4"/>
+                  </a:cxn>
+                  <a:cxn ang="0">
+                    <a:pos x="connsiteX5" y="connsiteY5"/>
+                  </a:cxn>
+                  <a:cxn ang="0">
+                    <a:pos x="connsiteX6" y="connsiteY6"/>
+                  </a:cxn>
+                  <a:cxn ang="0">
+                    <a:pos x="connsiteX7" y="connsiteY7"/>
+                  </a:cxn>
+                </a:cxnLst>
+                <a:rect l="l" t="t" r="r" b="b"/>
+                <a:pathLst>
+                  <a:path w="1991652" h="1370968">
+                    <a:moveTo>
+                      <a:pt x="0" y="0"/>
+                    </a:moveTo>
+                    <a:lnTo>
+                      <a:pt x="25454" y="26394"/>
+                    </a:lnTo>
+                    <a:cubicBezTo>
+                      <a:pt x="273794" y="260438"/>
+                      <a:pt x="616872" y="405198"/>
+                      <a:pt x="995826" y="405198"/>
+                    </a:cubicBezTo>
+                    <a:cubicBezTo>
+                      <a:pt x="1374780" y="405198"/>
+                      <a:pt x="1717859" y="260438"/>
+                      <a:pt x="1966199" y="26394"/>
+                    </a:cubicBezTo>
+                    <a:lnTo>
+                      <a:pt x="1991652" y="0"/>
+                    </a:lnTo>
+                    <a:lnTo>
+                      <a:pt x="1991652" y="900783"/>
+                    </a:lnTo>
+                    <a:cubicBezTo>
+                      <a:pt x="1991652" y="1160459"/>
+                      <a:pt x="1545806" y="1370968"/>
+                      <a:pt x="995826" y="1370968"/>
+                    </a:cubicBezTo>
+                    <a:cubicBezTo>
+                      <a:pt x="445846" y="1370968"/>
+                      <a:pt x="0" y="1160459"/>
+                      <a:pt x="0" y="900783"/>
+                    </a:cubicBezTo>
+                    <a:close/>
+                  </a:path>
+                </a:pathLst>
+              </a:custGeom>
+              <a:solidFill>
+                <a:schemeClr val="tx2">
+                  <a:lumMod val="20000"/>
+                  <a:lumOff val="80000"/>
+                </a:schemeClr>
+              </a:solidFill>
+              <a:ln w="28575">
+                <a:solidFill>
+                  <a:schemeClr val="tx1"/>
+                </a:solidFill>
+              </a:ln>
+            </p:spPr>
+            <p:style>
+              <a:lnRef idx="2">
+                <a:schemeClr val="accent1">
+                  <a:shade val="15000"/>
+                </a:schemeClr>
+              </a:lnRef>
+              <a:fillRef idx="1">
+                <a:schemeClr val="accent1"/>
+              </a:fillRef>
+              <a:effectRef idx="0">
+                <a:schemeClr val="accent1"/>
+              </a:effectRef>
+              <a:fontRef idx="minor">
+                <a:schemeClr val="lt1"/>
+              </a:fontRef>
+            </p:style>
+            <p:txBody>
+              <a:bodyPr wrap="square" rtlCol="0" anchor="ctr">
+                <a:noAutofit/>
+              </a:bodyPr>
+              <a:lstStyle/>
+              <a:p>
+                <a:pPr algn="ctr"/>
+                <a:endParaRPr lang="en-US"/>
+              </a:p>
+            </p:txBody>
+          </p:sp>
+          <p:sp>
+            <p:nvSpPr>
+              <p:cNvPr id="38" name="Oval 37">
+                <a:extLst>
+                  <a:ext uri="{FF2B5EF4-FFF2-40B4-BE49-F238E27FC236}">
+                    <a16:creationId xmlns:a16="http://schemas.microsoft.com/office/drawing/2014/main" id="{0F865892-A738-DB4E-2E10-8ABCC85C42CC}"/>
+                  </a:ext>
+                </a:extLst>
+              </p:cNvPr>
+              <p:cNvSpPr/>
+              <p:nvPr/>
+            </p:nvSpPr>
+            <p:spPr>
+              <a:xfrm>
+                <a:off x="7855302" y="1210283"/>
+                <a:ext cx="2744627" cy="2586637"/>
+              </a:xfrm>
+              <a:prstGeom prst="ellipse">
+                <a:avLst/>
+              </a:prstGeom>
+              <a:solidFill>
+                <a:schemeClr val="tx2">
+                  <a:lumMod val="20000"/>
+                  <a:lumOff val="80000"/>
+                </a:schemeClr>
+              </a:solidFill>
+              <a:ln w="28575">
+                <a:solidFill>
+                  <a:schemeClr val="tx1"/>
+                </a:solidFill>
+              </a:ln>
+            </p:spPr>
+            <p:style>
+              <a:lnRef idx="2">
+                <a:schemeClr val="accent1">
+                  <a:shade val="15000"/>
+                </a:schemeClr>
+              </a:lnRef>
+              <a:fillRef idx="1">
+                <a:schemeClr val="accent1"/>
+              </a:fillRef>
+              <a:effectRef idx="0">
+                <a:schemeClr val="accent1"/>
+              </a:effectRef>
+              <a:fontRef idx="minor">
+                <a:schemeClr val="lt1"/>
+              </a:fontRef>
+            </p:style>
+            <p:txBody>
+              <a:bodyPr rtlCol="0" anchor="ctr"/>
+              <a:lstStyle/>
+              <a:p>
+                <a:pPr algn="ctr"/>
+                <a:endParaRPr lang="en-US"/>
+              </a:p>
+            </p:txBody>
+          </p:sp>
+          <p:sp>
+            <p:nvSpPr>
+              <p:cNvPr id="41" name="Freeform: Shape 40">
+                <a:extLst>
+                  <a:ext uri="{FF2B5EF4-FFF2-40B4-BE49-F238E27FC236}">
+                    <a16:creationId xmlns:a16="http://schemas.microsoft.com/office/drawing/2014/main" id="{F39796AC-72B4-2642-01D3-4B00A05E51DB}"/>
+                  </a:ext>
+                </a:extLst>
+              </p:cNvPr>
+              <p:cNvSpPr/>
+              <p:nvPr/>
+            </p:nvSpPr>
+            <p:spPr>
+              <a:xfrm>
+                <a:off x="8231789" y="3970734"/>
+                <a:ext cx="1991652" cy="558522"/>
+              </a:xfrm>
+              <a:custGeom>
+                <a:avLst/>
+                <a:gdLst>
+                  <a:gd name="connsiteX0" fmla="*/ 0 w 1991652"/>
+                  <a:gd name="connsiteY0" fmla="*/ 0 h 485497"/>
+                  <a:gd name="connsiteX1" fmla="*/ 1991652 w 1991652"/>
+                  <a:gd name="connsiteY1" fmla="*/ 0 h 485497"/>
+                  <a:gd name="connsiteX2" fmla="*/ 1991652 w 1991652"/>
+                  <a:gd name="connsiteY2" fmla="*/ 15312 h 485497"/>
+                  <a:gd name="connsiteX3" fmla="*/ 995826 w 1991652"/>
+                  <a:gd name="connsiteY3" fmla="*/ 485497 h 485497"/>
+                  <a:gd name="connsiteX4" fmla="*/ 0 w 1991652"/>
+                  <a:gd name="connsiteY4" fmla="*/ 15312 h 485497"/>
+                  <a:gd name="connsiteX0" fmla="*/ 0 w 1991652"/>
+                  <a:gd name="connsiteY0" fmla="*/ 0 h 558522"/>
+                  <a:gd name="connsiteX1" fmla="*/ 1991652 w 1991652"/>
+                  <a:gd name="connsiteY1" fmla="*/ 0 h 558522"/>
+                  <a:gd name="connsiteX2" fmla="*/ 1991652 w 1991652"/>
+                  <a:gd name="connsiteY2" fmla="*/ 15312 h 558522"/>
+                  <a:gd name="connsiteX3" fmla="*/ 999001 w 1991652"/>
+                  <a:gd name="connsiteY3" fmla="*/ 558522 h 558522"/>
+                  <a:gd name="connsiteX4" fmla="*/ 0 w 1991652"/>
+                  <a:gd name="connsiteY4" fmla="*/ 15312 h 558522"/>
+                  <a:gd name="connsiteX5" fmla="*/ 0 w 1991652"/>
+                  <a:gd name="connsiteY5" fmla="*/ 0 h 558522"/>
+                </a:gdLst>
+                <a:ahLst/>
+                <a:cxnLst>
+                  <a:cxn ang="0">
+                    <a:pos x="connsiteX0" y="connsiteY0"/>
+                  </a:cxn>
+                  <a:cxn ang="0">
+                    <a:pos x="connsiteX1" y="connsiteY1"/>
+                  </a:cxn>
+                  <a:cxn ang="0">
+                    <a:pos x="connsiteX2" y="connsiteY2"/>
+                  </a:cxn>
+                  <a:cxn ang="0">
+                    <a:pos x="connsiteX3" y="connsiteY3"/>
+                  </a:cxn>
+                  <a:cxn ang="0">
+                    <a:pos x="connsiteX4" y="connsiteY4"/>
+                  </a:cxn>
+                  <a:cxn ang="0">
+                    <a:pos x="connsiteX5" y="connsiteY5"/>
+                  </a:cxn>
+                </a:cxnLst>
+                <a:rect l="l" t="t" r="r" b="b"/>
+                <a:pathLst>
+                  <a:path w="1991652" h="558522">
+                    <a:moveTo>
+                      <a:pt x="0" y="0"/>
+                    </a:moveTo>
+                    <a:lnTo>
+                      <a:pt x="1991652" y="0"/>
+                    </a:lnTo>
+                    <a:lnTo>
+                      <a:pt x="1991652" y="15312"/>
+                    </a:lnTo>
+                    <a:cubicBezTo>
+                      <a:pt x="1991652" y="274988"/>
+                      <a:pt x="1548981" y="558522"/>
+                      <a:pt x="999001" y="558522"/>
+                    </a:cubicBezTo>
+                    <a:cubicBezTo>
+                      <a:pt x="449021" y="558522"/>
+                      <a:pt x="0" y="274988"/>
+                      <a:pt x="0" y="15312"/>
+                    </a:cubicBezTo>
+                    <a:lnTo>
+                      <a:pt x="0" y="0"/>
+                    </a:lnTo>
+                    <a:close/>
+                  </a:path>
+                </a:pathLst>
+              </a:custGeom>
+              <a:solidFill>
+                <a:schemeClr val="tx2">
+                  <a:lumMod val="20000"/>
+                  <a:lumOff val="80000"/>
+                </a:schemeClr>
+              </a:solidFill>
+              <a:ln w="19050">
+                <a:solidFill>
+                  <a:schemeClr val="bg2">
+                    <a:lumMod val="75000"/>
+                  </a:schemeClr>
+                </a:solidFill>
+              </a:ln>
+            </p:spPr>
+            <p:style>
+              <a:lnRef idx="2">
+                <a:schemeClr val="accent1">
+                  <a:shade val="15000"/>
+                </a:schemeClr>
+              </a:lnRef>
+              <a:fillRef idx="1">
+                <a:schemeClr val="accent1"/>
+              </a:fillRef>
+              <a:effectRef idx="0">
+                <a:schemeClr val="accent1"/>
+              </a:effectRef>
+              <a:fontRef idx="minor">
+                <a:schemeClr val="lt1"/>
+              </a:fontRef>
+            </p:style>
+            <p:txBody>
+              <a:bodyPr wrap="square" rtlCol="0" anchor="ctr">
+                <a:noAutofit/>
+              </a:bodyPr>
+              <a:lstStyle/>
+              <a:p>
+                <a:pPr algn="ctr"/>
+                <a:endParaRPr lang="en-US" dirty="0"/>
+              </a:p>
+            </p:txBody>
+          </p:sp>
+          <p:sp>
+            <p:nvSpPr>
+              <p:cNvPr id="44" name="Freeform: Shape 43">
+                <a:extLst>
+                  <a:ext uri="{FF2B5EF4-FFF2-40B4-BE49-F238E27FC236}">
+                    <a16:creationId xmlns:a16="http://schemas.microsoft.com/office/drawing/2014/main" id="{F74B5232-1440-8BD3-A890-ACB424086600}"/>
+                  </a:ext>
+                </a:extLst>
+              </p:cNvPr>
+              <p:cNvSpPr/>
+              <p:nvPr/>
+            </p:nvSpPr>
+            <p:spPr>
+              <a:xfrm>
+                <a:off x="8231789" y="4216836"/>
+                <a:ext cx="1991651" cy="862998"/>
+              </a:xfrm>
+              <a:custGeom>
+                <a:avLst/>
+                <a:gdLst>
+                  <a:gd name="connsiteX0" fmla="*/ 0 w 1991652"/>
+                  <a:gd name="connsiteY0" fmla="*/ 0 h 938741"/>
+                  <a:gd name="connsiteX1" fmla="*/ 25454 w 1991652"/>
+                  <a:gd name="connsiteY1" fmla="*/ 26394 h 938741"/>
+                  <a:gd name="connsiteX2" fmla="*/ 995826 w 1991652"/>
+                  <a:gd name="connsiteY2" fmla="*/ 405198 h 938741"/>
+                  <a:gd name="connsiteX3" fmla="*/ 1966199 w 1991652"/>
+                  <a:gd name="connsiteY3" fmla="*/ 26394 h 938741"/>
+                  <a:gd name="connsiteX4" fmla="*/ 1991652 w 1991652"/>
+                  <a:gd name="connsiteY4" fmla="*/ 0 h 938741"/>
+                  <a:gd name="connsiteX5" fmla="*/ 1991652 w 1991652"/>
+                  <a:gd name="connsiteY5" fmla="*/ 900783 h 938741"/>
+                  <a:gd name="connsiteX6" fmla="*/ 1987593 w 1991652"/>
+                  <a:gd name="connsiteY6" fmla="*/ 938741 h 938741"/>
+                  <a:gd name="connsiteX7" fmla="*/ 4060 w 1991652"/>
+                  <a:gd name="connsiteY7" fmla="*/ 938741 h 938741"/>
+                  <a:gd name="connsiteX8" fmla="*/ 0 w 1991652"/>
+                  <a:gd name="connsiteY8" fmla="*/ 900783 h 938741"/>
+                </a:gdLst>
+                <a:ahLst/>
+                <a:cxnLst>
+                  <a:cxn ang="0">
+                    <a:pos x="connsiteX0" y="connsiteY0"/>
+                  </a:cxn>
+                  <a:cxn ang="0">
+                    <a:pos x="connsiteX1" y="connsiteY1"/>
+                  </a:cxn>
+                  <a:cxn ang="0">
+                    <a:pos x="connsiteX2" y="connsiteY2"/>
+                  </a:cxn>
+                  <a:cxn ang="0">
+                    <a:pos x="connsiteX3" y="connsiteY3"/>
+                  </a:cxn>
+                  <a:cxn ang="0">
+                    <a:pos x="connsiteX4" y="connsiteY4"/>
+                  </a:cxn>
+                  <a:cxn ang="0">
+                    <a:pos x="connsiteX5" y="connsiteY5"/>
+                  </a:cxn>
+                  <a:cxn ang="0">
+                    <a:pos x="connsiteX6" y="connsiteY6"/>
+                  </a:cxn>
+                  <a:cxn ang="0">
+                    <a:pos x="connsiteX7" y="connsiteY7"/>
+                  </a:cxn>
+                  <a:cxn ang="0">
+                    <a:pos x="connsiteX8" y="connsiteY8"/>
+                  </a:cxn>
+                </a:cxnLst>
+                <a:rect l="l" t="t" r="r" b="b"/>
+                <a:pathLst>
+                  <a:path w="1991652" h="938741">
+                    <a:moveTo>
+                      <a:pt x="0" y="0"/>
+                    </a:moveTo>
+                    <a:lnTo>
+                      <a:pt x="25454" y="26394"/>
+                    </a:lnTo>
+                    <a:cubicBezTo>
+                      <a:pt x="273794" y="260438"/>
+                      <a:pt x="616872" y="405198"/>
+                      <a:pt x="995826" y="405198"/>
+                    </a:cubicBezTo>
+                    <a:cubicBezTo>
+                      <a:pt x="1374780" y="405198"/>
+                      <a:pt x="1717859" y="260438"/>
+                      <a:pt x="1966199" y="26394"/>
+                    </a:cubicBezTo>
+                    <a:lnTo>
+                      <a:pt x="1991652" y="0"/>
+                    </a:lnTo>
+                    <a:lnTo>
+                      <a:pt x="1991652" y="900783"/>
+                    </a:lnTo>
+                    <a:lnTo>
+                      <a:pt x="1987593" y="938741"/>
+                    </a:lnTo>
+                    <a:lnTo>
+                      <a:pt x="4060" y="938741"/>
+                    </a:lnTo>
+                    <a:lnTo>
+                      <a:pt x="0" y="900783"/>
+                    </a:lnTo>
+                    <a:close/>
+                  </a:path>
+                </a:pathLst>
+              </a:custGeom>
+              <a:solidFill>
+                <a:schemeClr val="tx2">
+                  <a:lumMod val="20000"/>
+                  <a:lumOff val="80000"/>
+                </a:schemeClr>
+              </a:solidFill>
+              <a:ln w="19050">
+                <a:solidFill>
+                  <a:schemeClr val="bg2">
+                    <a:lumMod val="75000"/>
+                  </a:schemeClr>
+                </a:solidFill>
+              </a:ln>
+            </p:spPr>
+            <p:style>
+              <a:lnRef idx="2">
+                <a:schemeClr val="accent1">
+                  <a:shade val="15000"/>
+                </a:schemeClr>
+              </a:lnRef>
+              <a:fillRef idx="1">
+                <a:schemeClr val="accent1"/>
+              </a:fillRef>
+              <a:effectRef idx="0">
+                <a:schemeClr val="accent1"/>
+              </a:effectRef>
+              <a:fontRef idx="minor">
+                <a:schemeClr val="lt1"/>
+              </a:fontRef>
+            </p:style>
+            <p:txBody>
+              <a:bodyPr wrap="square" rtlCol="0" anchor="ctr">
+                <a:noAutofit/>
+              </a:bodyPr>
+              <a:lstStyle/>
+              <a:p>
+                <a:pPr algn="ctr"/>
+                <a:endParaRPr lang="en-US" dirty="0"/>
+              </a:p>
+            </p:txBody>
+          </p:sp>
+        </p:grpSp>
+        <p:cxnSp>
+          <p:nvCxnSpPr>
+            <p:cNvPr id="54" name="Straight Arrow Connector 53">
+              <a:extLst>
+                <a:ext uri="{FF2B5EF4-FFF2-40B4-BE49-F238E27FC236}">
+                  <a16:creationId xmlns:a16="http://schemas.microsoft.com/office/drawing/2014/main" id="{83AEE3E2-F369-ED99-EF78-60D8DE9F3FBA}"/>
+                </a:ext>
+              </a:extLst>
+            </p:cNvPr>
+            <p:cNvCxnSpPr>
+              <a:cxnSpLocks/>
+            </p:cNvCxnSpPr>
+            <p:nvPr/>
+          </p:nvCxnSpPr>
+          <p:spPr>
+            <a:xfrm>
+              <a:off x="2665425" y="2513467"/>
+              <a:ext cx="642340" cy="455158"/>
+            </a:xfrm>
+            <a:prstGeom prst="straightConnector1">
+              <a:avLst/>
+            </a:prstGeom>
+            <a:ln w="38100">
+              <a:solidFill>
+                <a:schemeClr val="bg2">
+                  <a:lumMod val="50000"/>
+                </a:schemeClr>
+              </a:solidFill>
+              <a:tailEnd type="triangle"/>
+            </a:ln>
+          </p:spPr>
+          <p:style>
+            <a:lnRef idx="1">
+              <a:schemeClr val="accent1"/>
+            </a:lnRef>
+            <a:fillRef idx="0">
+              <a:schemeClr val="accent1"/>
+            </a:fillRef>
+            <a:effectRef idx="0">
+              <a:schemeClr val="accent1"/>
+            </a:effectRef>
+            <a:fontRef idx="minor">
+              <a:schemeClr val="tx1"/>
+            </a:fontRef>
+          </p:style>
+        </p:cxnSp>
+        <mc:AlternateContent xmlns:mc="http://schemas.openxmlformats.org/markup-compatibility/2006" xmlns:a14="http://schemas.microsoft.com/office/drawing/2010/main">
+          <mc:Choice Requires="a14">
+            <p:sp>
+              <p:nvSpPr>
+                <p:cNvPr id="60" name="TextBox 59">
+                  <a:extLst>
+                    <a:ext uri="{FF2B5EF4-FFF2-40B4-BE49-F238E27FC236}">
+                      <a16:creationId xmlns:a16="http://schemas.microsoft.com/office/drawing/2014/main" id="{DB1E2A93-9DF0-3C49-43AF-82DC89F94965}"/>
+                    </a:ext>
+                  </a:extLst>
+                </p:cNvPr>
+                <p:cNvSpPr txBox="1"/>
+                <p:nvPr/>
+              </p:nvSpPr>
+              <p:spPr>
+                <a:xfrm>
+                  <a:off x="4617700" y="2037677"/>
+                  <a:ext cx="183320" cy="276999"/>
+                </a:xfrm>
+                <a:prstGeom prst="rect">
+                  <a:avLst/>
+                </a:prstGeom>
+                <a:noFill/>
+              </p:spPr>
+              <p:txBody>
+                <a:bodyPr wrap="none" lIns="0" tIns="0" rIns="0" bIns="0" rtlCol="0">
+                  <a:spAutoFit/>
+                </a:bodyPr>
+                <a:lstStyle/>
+                <a:p>
+                  <a:pPr/>
+                  <a14:m>
+                    <m:oMathPara xmlns:m="http://schemas.openxmlformats.org/officeDocument/2006/math">
+                      <m:oMathParaPr>
+                        <m:jc m:val="centerGroup"/>
+                      </m:oMathParaPr>
+                      <m:oMath xmlns:m="http://schemas.openxmlformats.org/officeDocument/2006/math">
+                        <m:acc>
+                          <m:accPr>
+                            <m:chr m:val="̂"/>
+                            <m:ctrlPr>
+                              <a:rPr lang="en-US" i="1" smtClean="0">
+                                <a:latin typeface="Cambria Math" panose="02040503050406030204" pitchFamily="18" charset="0"/>
+                              </a:rPr>
+                            </m:ctrlPr>
+                          </m:accPr>
+                          <m:e>
+                            <m:r>
+                              <a:rPr lang="en-US" b="0" i="1" smtClean="0">
+                                <a:latin typeface="Cambria Math" panose="02040503050406030204" pitchFamily="18" charset="0"/>
+                              </a:rPr>
+                              <m:t>𝑥</m:t>
+                            </m:r>
+                          </m:e>
+                        </m:acc>
+                      </m:oMath>
+                    </m:oMathPara>
+                  </a14:m>
+                  <a:endParaRPr lang="en-US" dirty="0"/>
+                </a:p>
+              </p:txBody>
+            </p:sp>
+          </mc:Choice>
+          <mc:Fallback xmlns="">
+            <p:sp>
+              <p:nvSpPr>
+                <p:cNvPr id="60" name="TextBox 59">
+                  <a:extLst>
+                    <a:ext uri="{FF2B5EF4-FFF2-40B4-BE49-F238E27FC236}">
+                      <a16:creationId xmlns:a16="http://schemas.microsoft.com/office/drawing/2014/main" id="{DB1E2A93-9DF0-3C49-43AF-82DC89F94965}"/>
+                    </a:ext>
+                  </a:extLst>
+                </p:cNvPr>
+                <p:cNvSpPr txBox="1">
+                  <a:spLocks noRot="1" noChangeAspect="1" noMove="1" noResize="1" noEditPoints="1" noAdjustHandles="1" noChangeArrowheads="1" noChangeShapeType="1" noTextEdit="1"/>
+                </p:cNvSpPr>
+                <p:nvPr/>
+              </p:nvSpPr>
+              <p:spPr>
+                <a:xfrm>
+                  <a:off x="4617700" y="2037677"/>
+                  <a:ext cx="183320" cy="276999"/>
+                </a:xfrm>
+                <a:prstGeom prst="rect">
+                  <a:avLst/>
+                </a:prstGeom>
+                <a:blipFill>
+                  <a:blip r:embed="rId2"/>
+                  <a:stretch>
+                    <a:fillRect l="-19355" t="-23913" r="-74194"/>
+                  </a:stretch>
+                </a:blipFill>
+              </p:spPr>
+              <p:txBody>
+                <a:bodyPr/>
+                <a:lstStyle/>
+                <a:p>
+                  <a:r>
+                    <a:rPr lang="en-US">
+                      <a:noFill/>
+                    </a:rPr>
+                    <a:t> </a:t>
+                  </a:r>
+                </a:p>
+              </p:txBody>
+            </p:sp>
+          </mc:Fallback>
+        </mc:AlternateContent>
+        <p:cxnSp>
+          <p:nvCxnSpPr>
+            <p:cNvPr id="61" name="Straight Arrow Connector 60">
+              <a:extLst>
+                <a:ext uri="{FF2B5EF4-FFF2-40B4-BE49-F238E27FC236}">
+                  <a16:creationId xmlns:a16="http://schemas.microsoft.com/office/drawing/2014/main" id="{283A081E-BDB3-3982-8BDF-1CFD146A29B9}"/>
+                </a:ext>
+              </a:extLst>
+            </p:cNvPr>
+            <p:cNvCxnSpPr>
+              <a:cxnSpLocks/>
+            </p:cNvCxnSpPr>
+            <p:nvPr/>
+          </p:nvCxnSpPr>
+          <p:spPr>
+            <a:xfrm flipV="1">
+              <a:off x="4507742" y="1935480"/>
+              <a:ext cx="0" cy="2577104"/>
+            </a:xfrm>
+            <a:prstGeom prst="straightConnector1">
+              <a:avLst/>
+            </a:prstGeom>
+            <a:ln w="28575">
+              <a:solidFill>
+                <a:schemeClr val="tx1"/>
+              </a:solidFill>
+              <a:tailEnd type="triangle"/>
+            </a:ln>
+          </p:spPr>
+          <p:style>
+            <a:lnRef idx="1">
+              <a:schemeClr val="accent1"/>
+            </a:lnRef>
+            <a:fillRef idx="0">
+              <a:schemeClr val="accent1"/>
+            </a:fillRef>
+            <a:effectRef idx="0">
+              <a:schemeClr val="accent1"/>
+            </a:effectRef>
+            <a:fontRef idx="minor">
+              <a:schemeClr val="tx1"/>
+            </a:fontRef>
+          </p:style>
+        </p:cxnSp>
+        <mc:AlternateContent xmlns:mc="http://schemas.openxmlformats.org/markup-compatibility/2006" xmlns:a14="http://schemas.microsoft.com/office/drawing/2010/main">
+          <mc:Choice Requires="a14">
+            <p:sp>
+              <p:nvSpPr>
+                <p:cNvPr id="66" name="TextBox 65">
+                  <a:extLst>
+                    <a:ext uri="{FF2B5EF4-FFF2-40B4-BE49-F238E27FC236}">
+                      <a16:creationId xmlns:a16="http://schemas.microsoft.com/office/drawing/2014/main" id="{C73A00F0-F16D-5E6B-2BCF-78B2EBF12D6F}"/>
+                    </a:ext>
+                  </a:extLst>
+                </p:cNvPr>
+                <p:cNvSpPr txBox="1"/>
+                <p:nvPr/>
+              </p:nvSpPr>
+              <p:spPr>
+                <a:xfrm>
+                  <a:off x="2035120" y="2058111"/>
+                  <a:ext cx="427809" cy="321563"/>
+                </a:xfrm>
+                <a:prstGeom prst="rect">
+                  <a:avLst/>
+                </a:prstGeom>
+                <a:noFill/>
+              </p:spPr>
+              <p:txBody>
+                <a:bodyPr wrap="none" lIns="0" tIns="0" rIns="0" bIns="0" rtlCol="0">
+                  <a:spAutoFit/>
+                </a:bodyPr>
+                <a:lstStyle/>
+                <a:p>
+                  <a:pPr/>
+                  <a14:m>
+                    <m:oMathPara xmlns:m="http://schemas.openxmlformats.org/officeDocument/2006/math">
+                      <m:oMathParaPr>
+                        <m:jc m:val="centerGroup"/>
+                      </m:oMathParaPr>
+                      <m:oMath xmlns:m="http://schemas.openxmlformats.org/officeDocument/2006/math">
+                        <m:sSub>
+                          <m:sSubPr>
+                            <m:ctrlPr>
+                              <a:rPr lang="en-US" i="1" smtClean="0">
+                                <a:latin typeface="Cambria Math" panose="02040503050406030204" pitchFamily="18" charset="0"/>
+                              </a:rPr>
+                            </m:ctrlPr>
+                          </m:sSubPr>
+                          <m:e>
+                            <m:acc>
+                              <m:accPr>
+                                <m:chr m:val="̂"/>
+                                <m:ctrlPr>
+                                  <a:rPr lang="en-US" i="1">
+                                    <a:latin typeface="Cambria Math" panose="02040503050406030204" pitchFamily="18" charset="0"/>
+                                  </a:rPr>
+                                </m:ctrlPr>
+                              </m:accPr>
+                              <m:e>
+                                <m:r>
+                                  <a:rPr lang="en-US" i="1" smtClean="0">
+                                    <a:latin typeface="Cambria Math" panose="02040503050406030204" pitchFamily="18" charset="0"/>
+                                    <a:ea typeface="Cambria Math" panose="02040503050406030204" pitchFamily="18" charset="0"/>
+                                  </a:rPr>
+                                  <m:t>𝜗</m:t>
+                                </m:r>
+                              </m:e>
+                            </m:acc>
+                          </m:e>
+                          <m:sub>
+                            <m:r>
+                              <a:rPr lang="en-US" b="0" i="1" smtClean="0">
+                                <a:latin typeface="Cambria Math" panose="02040503050406030204" pitchFamily="18" charset="0"/>
+                              </a:rPr>
+                              <m:t>(1)</m:t>
+                            </m:r>
+                          </m:sub>
+                        </m:sSub>
+                      </m:oMath>
+                    </m:oMathPara>
+                  </a14:m>
+                  <a:endParaRPr lang="en-US" dirty="0"/>
+                </a:p>
+              </p:txBody>
+            </p:sp>
+          </mc:Choice>
+          <mc:Fallback xmlns="">
+            <p:sp>
+              <p:nvSpPr>
+                <p:cNvPr id="66" name="TextBox 65">
+                  <a:extLst>
+                    <a:ext uri="{FF2B5EF4-FFF2-40B4-BE49-F238E27FC236}">
+                      <a16:creationId xmlns:a16="http://schemas.microsoft.com/office/drawing/2014/main" id="{C73A00F0-F16D-5E6B-2BCF-78B2EBF12D6F}"/>
+                    </a:ext>
+                  </a:extLst>
+                </p:cNvPr>
+                <p:cNvSpPr txBox="1">
+                  <a:spLocks noRot="1" noChangeAspect="1" noMove="1" noResize="1" noEditPoints="1" noAdjustHandles="1" noChangeArrowheads="1" noChangeShapeType="1" noTextEdit="1"/>
+                </p:cNvSpPr>
+                <p:nvPr/>
+              </p:nvSpPr>
+              <p:spPr>
+                <a:xfrm>
+                  <a:off x="2035120" y="2058111"/>
+                  <a:ext cx="427809" cy="321563"/>
+                </a:xfrm>
+                <a:prstGeom prst="rect">
+                  <a:avLst/>
+                </a:prstGeom>
+                <a:blipFill>
+                  <a:blip r:embed="rId3"/>
+                  <a:stretch>
+                    <a:fillRect l="-12857" t="-21154" r="-11429" b="-26923"/>
+                  </a:stretch>
+                </a:blipFill>
+              </p:spPr>
+              <p:txBody>
+                <a:bodyPr/>
+                <a:lstStyle/>
+                <a:p>
+                  <a:r>
+                    <a:rPr lang="en-US">
+                      <a:noFill/>
+                    </a:rPr>
+                    <a:t> </a:t>
+                  </a:r>
+                </a:p>
+              </p:txBody>
+            </p:sp>
+          </mc:Fallback>
+        </mc:AlternateContent>
+        <mc:AlternateContent xmlns:mc="http://schemas.openxmlformats.org/markup-compatibility/2006" xmlns:a14="http://schemas.microsoft.com/office/drawing/2010/main">
+          <mc:Choice Requires="a14">
+            <p:sp>
+              <p:nvSpPr>
+                <p:cNvPr id="67" name="TextBox 66">
+                  <a:extLst>
+                    <a:ext uri="{FF2B5EF4-FFF2-40B4-BE49-F238E27FC236}">
+                      <a16:creationId xmlns:a16="http://schemas.microsoft.com/office/drawing/2014/main" id="{C87C7646-EB29-A6F0-1BD3-84263AEC3305}"/>
+                    </a:ext>
+                  </a:extLst>
+                </p:cNvPr>
+                <p:cNvSpPr txBox="1"/>
+                <p:nvPr/>
+              </p:nvSpPr>
+              <p:spPr>
+                <a:xfrm>
+                  <a:off x="1695582" y="3642916"/>
+                  <a:ext cx="427809" cy="321563"/>
+                </a:xfrm>
+                <a:prstGeom prst="rect">
+                  <a:avLst/>
+                </a:prstGeom>
+                <a:noFill/>
+              </p:spPr>
+              <p:txBody>
+                <a:bodyPr wrap="none" lIns="0" tIns="0" rIns="0" bIns="0" rtlCol="0">
+                  <a:spAutoFit/>
+                </a:bodyPr>
+                <a:lstStyle/>
+                <a:p>
+                  <a:pPr/>
+                  <a14:m>
+                    <m:oMathPara xmlns:m="http://schemas.openxmlformats.org/officeDocument/2006/math">
+                      <m:oMathParaPr>
+                        <m:jc m:val="centerGroup"/>
+                      </m:oMathParaPr>
+                      <m:oMath xmlns:m="http://schemas.openxmlformats.org/officeDocument/2006/math">
+                        <m:sSub>
+                          <m:sSubPr>
+                            <m:ctrlPr>
+                              <a:rPr lang="en-US" i="1" smtClean="0">
+                                <a:latin typeface="Cambria Math" panose="02040503050406030204" pitchFamily="18" charset="0"/>
+                              </a:rPr>
+                            </m:ctrlPr>
+                          </m:sSubPr>
+                          <m:e>
+                            <m:acc>
+                              <m:accPr>
+                                <m:chr m:val="̂"/>
+                                <m:ctrlPr>
+                                  <a:rPr lang="en-US" i="1">
+                                    <a:latin typeface="Cambria Math" panose="02040503050406030204" pitchFamily="18" charset="0"/>
+                                  </a:rPr>
+                                </m:ctrlPr>
+                              </m:accPr>
+                              <m:e>
+                                <m:r>
+                                  <a:rPr lang="en-US" i="1" smtClean="0">
+                                    <a:latin typeface="Cambria Math" panose="02040503050406030204" pitchFamily="18" charset="0"/>
+                                    <a:ea typeface="Cambria Math" panose="02040503050406030204" pitchFamily="18" charset="0"/>
+                                  </a:rPr>
+                                  <m:t>𝜗</m:t>
+                                </m:r>
+                              </m:e>
+                            </m:acc>
+                          </m:e>
+                          <m:sub>
+                            <m:r>
+                              <a:rPr lang="en-US" b="0" i="1" smtClean="0">
+                                <a:latin typeface="Cambria Math" panose="02040503050406030204" pitchFamily="18" charset="0"/>
+                              </a:rPr>
+                              <m:t>(2)</m:t>
+                            </m:r>
+                          </m:sub>
+                        </m:sSub>
+                      </m:oMath>
+                    </m:oMathPara>
+                  </a14:m>
+                  <a:endParaRPr lang="en-US" dirty="0"/>
+                </a:p>
+              </p:txBody>
+            </p:sp>
+          </mc:Choice>
+          <mc:Fallback xmlns="">
+            <p:sp>
+              <p:nvSpPr>
+                <p:cNvPr id="67" name="TextBox 66">
+                  <a:extLst>
+                    <a:ext uri="{FF2B5EF4-FFF2-40B4-BE49-F238E27FC236}">
+                      <a16:creationId xmlns:a16="http://schemas.microsoft.com/office/drawing/2014/main" id="{C87C7646-EB29-A6F0-1BD3-84263AEC3305}"/>
+                    </a:ext>
+                  </a:extLst>
+                </p:cNvPr>
+                <p:cNvSpPr txBox="1">
+                  <a:spLocks noRot="1" noChangeAspect="1" noMove="1" noResize="1" noEditPoints="1" noAdjustHandles="1" noChangeArrowheads="1" noChangeShapeType="1" noTextEdit="1"/>
+                </p:cNvSpPr>
+                <p:nvPr/>
+              </p:nvSpPr>
+              <p:spPr>
+                <a:xfrm>
+                  <a:off x="1695582" y="3642916"/>
+                  <a:ext cx="427809" cy="321563"/>
+                </a:xfrm>
+                <a:prstGeom prst="rect">
+                  <a:avLst/>
+                </a:prstGeom>
+                <a:blipFill>
+                  <a:blip r:embed="rId4"/>
+                  <a:stretch>
+                    <a:fillRect l="-11429" t="-21154" r="-12857" b="-26923"/>
+                  </a:stretch>
+                </a:blipFill>
+              </p:spPr>
+              <p:txBody>
+                <a:bodyPr/>
+                <a:lstStyle/>
+                <a:p>
+                  <a:r>
+                    <a:rPr lang="en-US">
+                      <a:noFill/>
+                    </a:rPr>
+                    <a:t> </a:t>
+                  </a:r>
+                </a:p>
+              </p:txBody>
+            </p:sp>
+          </mc:Fallback>
+        </mc:AlternateContent>
+        <mc:AlternateContent xmlns:mc="http://schemas.openxmlformats.org/markup-compatibility/2006" xmlns:a14="http://schemas.microsoft.com/office/drawing/2010/main">
+          <mc:Choice Requires="a14">
+            <p:sp>
+              <p:nvSpPr>
+                <p:cNvPr id="68" name="TextBox 67">
+                  <a:extLst>
+                    <a:ext uri="{FF2B5EF4-FFF2-40B4-BE49-F238E27FC236}">
+                      <a16:creationId xmlns:a16="http://schemas.microsoft.com/office/drawing/2014/main" id="{5B00625F-D564-E823-741D-CCD6E34D43D8}"/>
+                    </a:ext>
+                  </a:extLst>
+                </p:cNvPr>
+                <p:cNvSpPr txBox="1"/>
+                <p:nvPr/>
+              </p:nvSpPr>
+              <p:spPr>
+                <a:xfrm>
+                  <a:off x="2040973" y="4617709"/>
+                  <a:ext cx="427809" cy="321563"/>
+                </a:xfrm>
+                <a:prstGeom prst="rect">
+                  <a:avLst/>
+                </a:prstGeom>
+                <a:noFill/>
+              </p:spPr>
+              <p:txBody>
+                <a:bodyPr wrap="none" lIns="0" tIns="0" rIns="0" bIns="0" rtlCol="0">
+                  <a:spAutoFit/>
+                </a:bodyPr>
+                <a:lstStyle/>
+                <a:p>
+                  <a:pPr/>
+                  <a14:m>
+                    <m:oMathPara xmlns:m="http://schemas.openxmlformats.org/officeDocument/2006/math">
+                      <m:oMathParaPr>
+                        <m:jc m:val="centerGroup"/>
+                      </m:oMathParaPr>
+                      <m:oMath xmlns:m="http://schemas.openxmlformats.org/officeDocument/2006/math">
+                        <m:sSub>
+                          <m:sSubPr>
+                            <m:ctrlPr>
+                              <a:rPr lang="en-US" i="1" smtClean="0">
+                                <a:latin typeface="Cambria Math" panose="02040503050406030204" pitchFamily="18" charset="0"/>
+                              </a:rPr>
+                            </m:ctrlPr>
+                          </m:sSubPr>
+                          <m:e>
+                            <m:acc>
+                              <m:accPr>
+                                <m:chr m:val="̂"/>
+                                <m:ctrlPr>
+                                  <a:rPr lang="en-US" i="1">
+                                    <a:latin typeface="Cambria Math" panose="02040503050406030204" pitchFamily="18" charset="0"/>
+                                  </a:rPr>
+                                </m:ctrlPr>
+                              </m:accPr>
+                              <m:e>
+                                <m:r>
+                                  <a:rPr lang="en-US" i="1" smtClean="0">
+                                    <a:latin typeface="Cambria Math" panose="02040503050406030204" pitchFamily="18" charset="0"/>
+                                    <a:ea typeface="Cambria Math" panose="02040503050406030204" pitchFamily="18" charset="0"/>
+                                  </a:rPr>
+                                  <m:t>𝜗</m:t>
+                                </m:r>
+                              </m:e>
+                            </m:acc>
+                          </m:e>
+                          <m:sub>
+                            <m:r>
+                              <a:rPr lang="en-US" b="0" i="1" smtClean="0">
+                                <a:latin typeface="Cambria Math" panose="02040503050406030204" pitchFamily="18" charset="0"/>
+                              </a:rPr>
+                              <m:t>(1)</m:t>
+                            </m:r>
+                          </m:sub>
+                        </m:sSub>
+                      </m:oMath>
+                    </m:oMathPara>
+                  </a14:m>
+                  <a:endParaRPr lang="en-US" dirty="0"/>
+                </a:p>
+              </p:txBody>
+            </p:sp>
+          </mc:Choice>
+          <mc:Fallback xmlns="">
+            <p:sp>
+              <p:nvSpPr>
+                <p:cNvPr id="68" name="TextBox 67">
+                  <a:extLst>
+                    <a:ext uri="{FF2B5EF4-FFF2-40B4-BE49-F238E27FC236}">
+                      <a16:creationId xmlns:a16="http://schemas.microsoft.com/office/drawing/2014/main" id="{5B00625F-D564-E823-741D-CCD6E34D43D8}"/>
+                    </a:ext>
+                  </a:extLst>
+                </p:cNvPr>
+                <p:cNvSpPr txBox="1">
+                  <a:spLocks noRot="1" noChangeAspect="1" noMove="1" noResize="1" noEditPoints="1" noAdjustHandles="1" noChangeArrowheads="1" noChangeShapeType="1" noTextEdit="1"/>
+                </p:cNvSpPr>
+                <p:nvPr/>
+              </p:nvSpPr>
+              <p:spPr>
+                <a:xfrm>
+                  <a:off x="2040973" y="4617709"/>
+                  <a:ext cx="427809" cy="321563"/>
+                </a:xfrm>
+                <a:prstGeom prst="rect">
+                  <a:avLst/>
+                </a:prstGeom>
+                <a:blipFill>
+                  <a:blip r:embed="rId5"/>
+                  <a:stretch>
+                    <a:fillRect l="-12857" t="-18868" r="-11429" b="-26415"/>
+                  </a:stretch>
+                </a:blipFill>
+              </p:spPr>
+              <p:txBody>
+                <a:bodyPr/>
+                <a:lstStyle/>
+                <a:p>
+                  <a:r>
+                    <a:rPr lang="en-US">
+                      <a:noFill/>
+                    </a:rPr>
+                    <a:t> </a:t>
+                  </a:r>
+                </a:p>
+              </p:txBody>
+            </p:sp>
+          </mc:Fallback>
+        </mc:AlternateContent>
+        <p:cxnSp>
+          <p:nvCxnSpPr>
+            <p:cNvPr id="70" name="Straight Arrow Connector 69">
+              <a:extLst>
+                <a:ext uri="{FF2B5EF4-FFF2-40B4-BE49-F238E27FC236}">
+                  <a16:creationId xmlns:a16="http://schemas.microsoft.com/office/drawing/2014/main" id="{EC60A652-1B24-B442-2C0C-A4A45580F1CC}"/>
+                </a:ext>
+              </a:extLst>
+            </p:cNvPr>
+            <p:cNvCxnSpPr>
+              <a:cxnSpLocks/>
+            </p:cNvCxnSpPr>
+            <p:nvPr/>
+          </p:nvCxnSpPr>
+          <p:spPr>
+            <a:xfrm>
+              <a:off x="2670308" y="2513467"/>
+              <a:ext cx="2512704" cy="1822367"/>
+            </a:xfrm>
+            <a:prstGeom prst="straightConnector1">
+              <a:avLst/>
+            </a:prstGeom>
+            <a:ln w="19050">
+              <a:solidFill>
+                <a:schemeClr val="bg2">
+                  <a:lumMod val="50000"/>
+                </a:schemeClr>
+              </a:solidFill>
+              <a:prstDash val="sysDot"/>
+              <a:headEnd type="none" w="med" len="med"/>
+              <a:tailEnd type="none" w="med" len="med"/>
+            </a:ln>
+          </p:spPr>
+          <p:style>
+            <a:lnRef idx="1">
+              <a:schemeClr val="accent1"/>
+            </a:lnRef>
+            <a:fillRef idx="0">
+              <a:schemeClr val="accent1"/>
+            </a:fillRef>
+            <a:effectRef idx="0">
+              <a:schemeClr val="accent1"/>
+            </a:effectRef>
+            <a:fontRef idx="minor">
+              <a:schemeClr val="tx1"/>
+            </a:fontRef>
+          </p:style>
+        </p:cxnSp>
+        <p:cxnSp>
+          <p:nvCxnSpPr>
+            <p:cNvPr id="72" name="Straight Arrow Connector 71">
+              <a:extLst>
+                <a:ext uri="{FF2B5EF4-FFF2-40B4-BE49-F238E27FC236}">
+                  <a16:creationId xmlns:a16="http://schemas.microsoft.com/office/drawing/2014/main" id="{A52C344B-96FB-34B6-9449-14C7EC0AF66E}"/>
+                </a:ext>
+              </a:extLst>
+            </p:cNvPr>
+            <p:cNvCxnSpPr>
+              <a:cxnSpLocks/>
+            </p:cNvCxnSpPr>
+            <p:nvPr/>
+          </p:nvCxnSpPr>
+          <p:spPr>
+            <a:xfrm flipV="1">
+              <a:off x="2548819" y="3429000"/>
+              <a:ext cx="2838906" cy="1317792"/>
+            </a:xfrm>
+            <a:prstGeom prst="straightConnector1">
+              <a:avLst/>
+            </a:prstGeom>
+            <a:ln w="19050">
+              <a:solidFill>
+                <a:schemeClr val="bg2">
+                  <a:lumMod val="50000"/>
+                </a:schemeClr>
+              </a:solidFill>
+              <a:prstDash val="sysDot"/>
+              <a:headEnd type="none" w="med" len="med"/>
+              <a:tailEnd type="none" w="med" len="med"/>
+            </a:ln>
+          </p:spPr>
+          <p:style>
+            <a:lnRef idx="1">
+              <a:schemeClr val="accent1"/>
+            </a:lnRef>
+            <a:fillRef idx="0">
+              <a:schemeClr val="accent1"/>
+            </a:fillRef>
+            <a:effectRef idx="0">
+              <a:schemeClr val="accent1"/>
+            </a:effectRef>
+            <a:fontRef idx="minor">
+              <a:schemeClr val="tx1"/>
+            </a:fontRef>
+          </p:style>
+        </p:cxnSp>
+        <p:cxnSp>
+          <p:nvCxnSpPr>
+            <p:cNvPr id="76" name="Straight Arrow Connector 75">
+              <a:extLst>
+                <a:ext uri="{FF2B5EF4-FFF2-40B4-BE49-F238E27FC236}">
+                  <a16:creationId xmlns:a16="http://schemas.microsoft.com/office/drawing/2014/main" id="{2FE050D2-6C24-7418-E648-52C3237D3106}"/>
+                </a:ext>
+              </a:extLst>
+            </p:cNvPr>
+            <p:cNvCxnSpPr>
+              <a:cxnSpLocks/>
+            </p:cNvCxnSpPr>
+            <p:nvPr/>
+          </p:nvCxnSpPr>
+          <p:spPr>
+            <a:xfrm>
+              <a:off x="2567105" y="3847372"/>
+              <a:ext cx="1922130" cy="0"/>
+            </a:xfrm>
+            <a:prstGeom prst="straightConnector1">
+              <a:avLst/>
+            </a:prstGeom>
+            <a:ln w="19050">
+              <a:solidFill>
+                <a:schemeClr val="bg2">
+                  <a:lumMod val="50000"/>
+                </a:schemeClr>
+              </a:solidFill>
+              <a:prstDash val="sysDot"/>
+              <a:headEnd type="none" w="med" len="med"/>
+              <a:tailEnd type="none" w="med" len="med"/>
+            </a:ln>
+          </p:spPr>
+          <p:style>
+            <a:lnRef idx="1">
+              <a:schemeClr val="accent1"/>
+            </a:lnRef>
+            <a:fillRef idx="0">
+              <a:schemeClr val="accent1"/>
+            </a:fillRef>
+            <a:effectRef idx="0">
+              <a:schemeClr val="accent1"/>
+            </a:effectRef>
+            <a:fontRef idx="minor">
+              <a:schemeClr val="tx1"/>
+            </a:fontRef>
+          </p:style>
+        </p:cxnSp>
+        <p:cxnSp>
+          <p:nvCxnSpPr>
+            <p:cNvPr id="57" name="Straight Arrow Connector 56">
+              <a:extLst>
+                <a:ext uri="{FF2B5EF4-FFF2-40B4-BE49-F238E27FC236}">
+                  <a16:creationId xmlns:a16="http://schemas.microsoft.com/office/drawing/2014/main" id="{F3122D56-9DB5-7853-4E69-D67086B476BE}"/>
+                </a:ext>
+              </a:extLst>
+            </p:cNvPr>
+            <p:cNvCxnSpPr>
+              <a:cxnSpLocks/>
+            </p:cNvCxnSpPr>
+            <p:nvPr/>
+          </p:nvCxnSpPr>
+          <p:spPr>
+            <a:xfrm flipV="1">
+              <a:off x="2551233" y="4428614"/>
+              <a:ext cx="657283" cy="318178"/>
+            </a:xfrm>
+            <a:prstGeom prst="straightConnector1">
+              <a:avLst/>
+            </a:prstGeom>
+            <a:ln w="38100">
+              <a:solidFill>
+                <a:schemeClr val="bg2">
+                  <a:lumMod val="50000"/>
+                </a:schemeClr>
+              </a:solidFill>
+              <a:tailEnd type="triangle"/>
+            </a:ln>
+          </p:spPr>
+          <p:style>
+            <a:lnRef idx="1">
+              <a:schemeClr val="accent1"/>
+            </a:lnRef>
+            <a:fillRef idx="0">
+              <a:schemeClr val="accent1"/>
+            </a:fillRef>
+            <a:effectRef idx="0">
+              <a:schemeClr val="accent1"/>
+            </a:effectRef>
+            <a:fontRef idx="minor">
+              <a:schemeClr val="tx1"/>
+            </a:fontRef>
+          </p:style>
+        </p:cxnSp>
+        <p:sp>
+          <p:nvSpPr>
+            <p:cNvPr id="87" name="Partial Circle 86">
+              <a:extLst>
+                <a:ext uri="{FF2B5EF4-FFF2-40B4-BE49-F238E27FC236}">
+                  <a16:creationId xmlns:a16="http://schemas.microsoft.com/office/drawing/2014/main" id="{1E8E2CB7-83FF-340B-ED40-9B0F182D507E}"/>
+                </a:ext>
+              </a:extLst>
+            </p:cNvPr>
+            <p:cNvSpPr/>
+            <p:nvPr/>
+          </p:nvSpPr>
+          <p:spPr>
+            <a:xfrm>
+              <a:off x="4192153" y="3525387"/>
+              <a:ext cx="643970" cy="643970"/>
+            </a:xfrm>
+            <a:prstGeom prst="pie">
+              <a:avLst>
+                <a:gd name="adj1" fmla="val 16187116"/>
+                <a:gd name="adj2" fmla="val 2260548"/>
+              </a:avLst>
+            </a:prstGeom>
+            <a:solidFill>
+              <a:srgbClr val="37FF91">
+                <a:alpha val="60000"/>
+              </a:srgbClr>
+            </a:solidFill>
+            <a:ln>
+              <a:noFill/>
+            </a:ln>
+          </p:spPr>
+          <p:style>
+            <a:lnRef idx="2">
+              <a:schemeClr val="accent1">
+                <a:shade val="15000"/>
+              </a:schemeClr>
+            </a:lnRef>
+            <a:fillRef idx="1">
+              <a:schemeClr val="accent1"/>
+            </a:fillRef>
+            <a:effectRef idx="0">
+              <a:schemeClr val="accent1"/>
+            </a:effectRef>
+            <a:fontRef idx="minor">
+              <a:schemeClr val="lt1"/>
+            </a:fontRef>
+          </p:style>
+          <p:txBody>
+            <a:bodyPr rtlCol="0" anchor="ctr"/>
+            <a:lstStyle/>
+            <a:p>
+              <a:pPr algn="ctr"/>
+              <a:endParaRPr lang="en-US">
+                <a:solidFill>
+                  <a:schemeClr val="tx1"/>
+                </a:solidFill>
+              </a:endParaRPr>
+            </a:p>
+          </p:txBody>
+        </p:sp>
+        <p:sp>
+          <p:nvSpPr>
+            <p:cNvPr id="89" name="Partial Circle 88">
+              <a:extLst>
+                <a:ext uri="{FF2B5EF4-FFF2-40B4-BE49-F238E27FC236}">
+                  <a16:creationId xmlns:a16="http://schemas.microsoft.com/office/drawing/2014/main" id="{9D708A72-5AD7-B985-DF3A-B8433A2635A3}"/>
+                </a:ext>
+              </a:extLst>
+            </p:cNvPr>
+            <p:cNvSpPr/>
+            <p:nvPr/>
+          </p:nvSpPr>
+          <p:spPr>
+            <a:xfrm>
+              <a:off x="4039430" y="3364113"/>
+              <a:ext cx="936182" cy="936182"/>
+            </a:xfrm>
+            <a:prstGeom prst="pie">
+              <a:avLst>
+                <a:gd name="adj1" fmla="val 16187116"/>
+                <a:gd name="adj2" fmla="val 20120954"/>
+              </a:avLst>
+            </a:prstGeom>
+            <a:solidFill>
+              <a:srgbClr val="FFFF00">
+                <a:alpha val="40000"/>
+              </a:srgbClr>
+            </a:solidFill>
+            <a:ln>
+              <a:noFill/>
+            </a:ln>
+          </p:spPr>
+          <p:style>
+            <a:lnRef idx="2">
+              <a:schemeClr val="accent1">
+                <a:shade val="15000"/>
+              </a:schemeClr>
+            </a:lnRef>
+            <a:fillRef idx="1">
+              <a:schemeClr val="accent1"/>
+            </a:fillRef>
+            <a:effectRef idx="0">
+              <a:schemeClr val="accent1"/>
+            </a:effectRef>
+            <a:fontRef idx="minor">
+              <a:schemeClr val="lt1"/>
+            </a:fontRef>
+          </p:style>
+          <p:txBody>
+            <a:bodyPr rtlCol="0" anchor="ctr"/>
+            <a:lstStyle/>
+            <a:p>
+              <a:pPr algn="ctr"/>
+              <a:endParaRPr lang="en-US">
+                <a:solidFill>
+                  <a:schemeClr val="tx1"/>
+                </a:solidFill>
+              </a:endParaRPr>
+            </a:p>
+          </p:txBody>
+        </p:sp>
+        <mc:AlternateContent xmlns:mc="http://schemas.openxmlformats.org/markup-compatibility/2006" xmlns:a14="http://schemas.microsoft.com/office/drawing/2010/main">
+          <mc:Choice Requires="a14">
+            <p:sp>
+              <p:nvSpPr>
+                <p:cNvPr id="94" name="TextBox 93">
+                  <a:extLst>
+                    <a:ext uri="{FF2B5EF4-FFF2-40B4-BE49-F238E27FC236}">
+                      <a16:creationId xmlns:a16="http://schemas.microsoft.com/office/drawing/2014/main" id="{7D552762-AAED-D72A-CD6E-AA94CC4B571F}"/>
+                    </a:ext>
+                  </a:extLst>
+                </p:cNvPr>
+                <p:cNvSpPr txBox="1"/>
+                <p:nvPr/>
+              </p:nvSpPr>
+              <p:spPr>
+                <a:xfrm>
+                  <a:off x="4692571" y="3720273"/>
+                  <a:ext cx="423000" cy="303673"/>
+                </a:xfrm>
+                <a:prstGeom prst="rect">
+                  <a:avLst/>
+                </a:prstGeom>
+                <a:noFill/>
+              </p:spPr>
+              <p:txBody>
+                <a:bodyPr wrap="none" lIns="0" tIns="0" rIns="0" bIns="0" rtlCol="0">
+                  <a:spAutoFit/>
+                </a:bodyPr>
+                <a:lstStyle/>
+                <a:p>
+                  <a:pPr/>
+                  <a14:m>
+                    <m:oMathPara xmlns:m="http://schemas.openxmlformats.org/officeDocument/2006/math">
+                      <m:oMathParaPr>
+                        <m:jc m:val="centerGroup"/>
+                      </m:oMathParaPr>
+                      <m:oMath xmlns:m="http://schemas.openxmlformats.org/officeDocument/2006/math">
+                        <m:sSub>
+                          <m:sSubPr>
+                            <m:ctrlPr>
+                              <a:rPr lang="en-US" i="1" smtClean="0">
+                                <a:latin typeface="Cambria Math" panose="02040503050406030204" pitchFamily="18" charset="0"/>
+                              </a:rPr>
+                            </m:ctrlPr>
+                          </m:sSubPr>
+                          <m:e>
+                            <m:r>
+                              <a:rPr lang="en-US" i="1" smtClean="0">
+                                <a:latin typeface="Cambria Math" panose="02040503050406030204" pitchFamily="18" charset="0"/>
+                                <a:ea typeface="Cambria Math" panose="02040503050406030204" pitchFamily="18" charset="0"/>
+                              </a:rPr>
+                              <m:t>𝜃</m:t>
+                            </m:r>
+                          </m:e>
+                          <m:sub>
+                            <m:r>
+                              <a:rPr lang="en-US" b="0" i="1" smtClean="0">
+                                <a:latin typeface="Cambria Math" panose="02040503050406030204" pitchFamily="18" charset="0"/>
+                              </a:rPr>
+                              <m:t>(1)</m:t>
+                            </m:r>
+                          </m:sub>
+                        </m:sSub>
+                      </m:oMath>
+                    </m:oMathPara>
+                  </a14:m>
+                  <a:endParaRPr lang="en-US" dirty="0"/>
+                </a:p>
+              </p:txBody>
+            </p:sp>
+          </mc:Choice>
+          <mc:Fallback xmlns="">
+            <p:sp>
+              <p:nvSpPr>
+                <p:cNvPr id="94" name="TextBox 93">
+                  <a:extLst>
+                    <a:ext uri="{FF2B5EF4-FFF2-40B4-BE49-F238E27FC236}">
+                      <a16:creationId xmlns:a16="http://schemas.microsoft.com/office/drawing/2014/main" id="{7D552762-AAED-D72A-CD6E-AA94CC4B571F}"/>
+                    </a:ext>
+                  </a:extLst>
+                </p:cNvPr>
+                <p:cNvSpPr txBox="1">
+                  <a:spLocks noRot="1" noChangeAspect="1" noMove="1" noResize="1" noEditPoints="1" noAdjustHandles="1" noChangeArrowheads="1" noChangeShapeType="1" noTextEdit="1"/>
+                </p:cNvSpPr>
+                <p:nvPr/>
+              </p:nvSpPr>
+              <p:spPr>
+                <a:xfrm>
+                  <a:off x="4692571" y="3720273"/>
+                  <a:ext cx="423000" cy="303673"/>
+                </a:xfrm>
+                <a:prstGeom prst="rect">
+                  <a:avLst/>
+                </a:prstGeom>
+                <a:blipFill>
+                  <a:blip r:embed="rId6"/>
+                  <a:stretch>
+                    <a:fillRect l="-13043" r="-11594" b="-28000"/>
+                  </a:stretch>
+                </a:blipFill>
+              </p:spPr>
+              <p:txBody>
+                <a:bodyPr/>
+                <a:lstStyle/>
+                <a:p>
+                  <a:r>
+                    <a:rPr lang="en-US">
+                      <a:noFill/>
+                    </a:rPr>
+                    <a:t> </a:t>
+                  </a:r>
+                </a:p>
+              </p:txBody>
+            </p:sp>
+          </mc:Fallback>
+        </mc:AlternateContent>
+        <mc:AlternateContent xmlns:mc="http://schemas.openxmlformats.org/markup-compatibility/2006" xmlns:a14="http://schemas.microsoft.com/office/drawing/2010/main">
+          <mc:Choice Requires="a14">
+            <p:sp>
+              <p:nvSpPr>
+                <p:cNvPr id="95" name="TextBox 94">
+                  <a:extLst>
+                    <a:ext uri="{FF2B5EF4-FFF2-40B4-BE49-F238E27FC236}">
+                      <a16:creationId xmlns:a16="http://schemas.microsoft.com/office/drawing/2014/main" id="{C48CB06B-5310-9641-4C3D-2E61312BA093}"/>
+                    </a:ext>
+                  </a:extLst>
+                </p:cNvPr>
+                <p:cNvSpPr txBox="1"/>
+                <p:nvPr/>
+              </p:nvSpPr>
+              <p:spPr>
+                <a:xfrm>
+                  <a:off x="4680261" y="3099155"/>
+                  <a:ext cx="423001" cy="303673"/>
+                </a:xfrm>
+                <a:prstGeom prst="rect">
+                  <a:avLst/>
+                </a:prstGeom>
+                <a:noFill/>
+              </p:spPr>
+              <p:txBody>
+                <a:bodyPr wrap="none" lIns="0" tIns="0" rIns="0" bIns="0" rtlCol="0">
+                  <a:spAutoFit/>
+                </a:bodyPr>
+                <a:lstStyle/>
+                <a:p>
+                  <a:pPr/>
+                  <a14:m>
+                    <m:oMathPara xmlns:m="http://schemas.openxmlformats.org/officeDocument/2006/math">
+                      <m:oMathParaPr>
+                        <m:jc m:val="centerGroup"/>
+                      </m:oMathParaPr>
+                      <m:oMath xmlns:m="http://schemas.openxmlformats.org/officeDocument/2006/math">
+                        <m:sSub>
+                          <m:sSubPr>
+                            <m:ctrlPr>
+                              <a:rPr lang="en-US" i="1" smtClean="0">
+                                <a:latin typeface="Cambria Math" panose="02040503050406030204" pitchFamily="18" charset="0"/>
+                              </a:rPr>
+                            </m:ctrlPr>
+                          </m:sSubPr>
+                          <m:e>
+                            <m:r>
+                              <a:rPr lang="en-US" i="1" smtClean="0">
+                                <a:latin typeface="Cambria Math" panose="02040503050406030204" pitchFamily="18" charset="0"/>
+                                <a:ea typeface="Cambria Math" panose="02040503050406030204" pitchFamily="18" charset="0"/>
+                              </a:rPr>
+                              <m:t>𝜃</m:t>
+                            </m:r>
+                          </m:e>
+                          <m:sub>
+                            <m:r>
+                              <a:rPr lang="en-US" b="0" i="1" smtClean="0">
+                                <a:latin typeface="Cambria Math" panose="02040503050406030204" pitchFamily="18" charset="0"/>
+                              </a:rPr>
+                              <m:t>(3)</m:t>
+                            </m:r>
+                          </m:sub>
+                        </m:sSub>
+                      </m:oMath>
+                    </m:oMathPara>
+                  </a14:m>
+                  <a:endParaRPr lang="en-US" dirty="0"/>
+                </a:p>
+              </p:txBody>
+            </p:sp>
+          </mc:Choice>
+          <mc:Fallback xmlns="">
+            <p:sp>
+              <p:nvSpPr>
+                <p:cNvPr id="95" name="TextBox 94">
+                  <a:extLst>
+                    <a:ext uri="{FF2B5EF4-FFF2-40B4-BE49-F238E27FC236}">
+                      <a16:creationId xmlns:a16="http://schemas.microsoft.com/office/drawing/2014/main" id="{C48CB06B-5310-9641-4C3D-2E61312BA093}"/>
+                    </a:ext>
+                  </a:extLst>
+                </p:cNvPr>
+                <p:cNvSpPr txBox="1">
+                  <a:spLocks noRot="1" noChangeAspect="1" noMove="1" noResize="1" noEditPoints="1" noAdjustHandles="1" noChangeArrowheads="1" noChangeShapeType="1" noTextEdit="1"/>
+                </p:cNvSpPr>
+                <p:nvPr/>
+              </p:nvSpPr>
+              <p:spPr>
+                <a:xfrm>
+                  <a:off x="4680261" y="3099155"/>
+                  <a:ext cx="423001" cy="303673"/>
+                </a:xfrm>
+                <a:prstGeom prst="rect">
+                  <a:avLst/>
+                </a:prstGeom>
+                <a:blipFill>
+                  <a:blip r:embed="rId7"/>
+                  <a:stretch>
+                    <a:fillRect l="-13043" r="-11594" b="-28000"/>
+                  </a:stretch>
+                </a:blipFill>
+              </p:spPr>
+              <p:txBody>
+                <a:bodyPr/>
+                <a:lstStyle/>
+                <a:p>
+                  <a:r>
+                    <a:rPr lang="en-US">
+                      <a:noFill/>
+                    </a:rPr>
+                    <a:t> </a:t>
+                  </a:r>
+                </a:p>
+              </p:txBody>
+            </p:sp>
+          </mc:Fallback>
+        </mc:AlternateContent>
+        <mc:AlternateContent xmlns:mc="http://schemas.openxmlformats.org/markup-compatibility/2006" xmlns:a14="http://schemas.microsoft.com/office/drawing/2010/main">
+          <mc:Choice Requires="a14">
+            <p:sp>
+              <p:nvSpPr>
+                <p:cNvPr id="96" name="TextBox 95">
+                  <a:extLst>
+                    <a:ext uri="{FF2B5EF4-FFF2-40B4-BE49-F238E27FC236}">
+                      <a16:creationId xmlns:a16="http://schemas.microsoft.com/office/drawing/2014/main" id="{CDD1A390-B541-B78D-3A85-19EC12EEF9D9}"/>
+                    </a:ext>
+                  </a:extLst>
+                </p:cNvPr>
+                <p:cNvSpPr txBox="1"/>
+                <p:nvPr/>
+              </p:nvSpPr>
+              <p:spPr>
+                <a:xfrm>
+                  <a:off x="2519857" y="3477246"/>
+                  <a:ext cx="852606" cy="303673"/>
+                </a:xfrm>
+                <a:prstGeom prst="rect">
+                  <a:avLst/>
+                </a:prstGeom>
+                <a:noFill/>
+              </p:spPr>
+              <p:txBody>
+                <a:bodyPr wrap="none" lIns="0" tIns="0" rIns="0" bIns="0" rtlCol="0">
+                  <a:spAutoFit/>
+                </a:bodyPr>
+                <a:lstStyle/>
+                <a:p>
+                  <a:pPr/>
+                  <a14:m>
+                    <m:oMathPara xmlns:m="http://schemas.openxmlformats.org/officeDocument/2006/math">
+                      <m:oMathParaPr>
+                        <m:jc m:val="centerGroup"/>
+                      </m:oMathParaPr>
+                      <m:oMath xmlns:m="http://schemas.openxmlformats.org/officeDocument/2006/math">
+                        <m:sSub>
+                          <m:sSubPr>
+                            <m:ctrlPr>
+                              <a:rPr lang="en-US" i="1" smtClean="0">
+                                <a:latin typeface="Cambria Math" panose="02040503050406030204" pitchFamily="18" charset="0"/>
+                              </a:rPr>
+                            </m:ctrlPr>
+                          </m:sSubPr>
+                          <m:e>
+                            <m:r>
+                              <a:rPr lang="en-US" i="1" smtClean="0">
+                                <a:latin typeface="Cambria Math" panose="02040503050406030204" pitchFamily="18" charset="0"/>
+                                <a:ea typeface="Cambria Math" panose="02040503050406030204" pitchFamily="18" charset="0"/>
+                              </a:rPr>
+                              <m:t>𝜃</m:t>
+                            </m:r>
+                          </m:e>
+                          <m:sub>
+                            <m:r>
+                              <a:rPr lang="en-US" b="0" i="1" smtClean="0">
+                                <a:latin typeface="Cambria Math" panose="02040503050406030204" pitchFamily="18" charset="0"/>
+                              </a:rPr>
+                              <m:t>(2)</m:t>
+                            </m:r>
+                          </m:sub>
+                        </m:sSub>
+                        <m:r>
+                          <a:rPr lang="en-US" b="0" i="1" smtClean="0">
+                            <a:latin typeface="Cambria Math" panose="02040503050406030204" pitchFamily="18" charset="0"/>
+                          </a:rPr>
+                          <m:t>=0</m:t>
+                        </m:r>
+                      </m:oMath>
+                    </m:oMathPara>
+                  </a14:m>
+                  <a:endParaRPr lang="en-US" dirty="0"/>
+                </a:p>
+              </p:txBody>
+            </p:sp>
+          </mc:Choice>
+          <mc:Fallback xmlns="">
+            <p:sp>
+              <p:nvSpPr>
+                <p:cNvPr id="96" name="TextBox 95">
+                  <a:extLst>
+                    <a:ext uri="{FF2B5EF4-FFF2-40B4-BE49-F238E27FC236}">
+                      <a16:creationId xmlns:a16="http://schemas.microsoft.com/office/drawing/2014/main" id="{CDD1A390-B541-B78D-3A85-19EC12EEF9D9}"/>
+                    </a:ext>
+                  </a:extLst>
+                </p:cNvPr>
+                <p:cNvSpPr txBox="1">
+                  <a:spLocks noRot="1" noChangeAspect="1" noMove="1" noResize="1" noEditPoints="1" noAdjustHandles="1" noChangeArrowheads="1" noChangeShapeType="1" noTextEdit="1"/>
+                </p:cNvSpPr>
+                <p:nvPr/>
+              </p:nvSpPr>
+              <p:spPr>
+                <a:xfrm>
+                  <a:off x="2519857" y="3477246"/>
+                  <a:ext cx="852606" cy="303673"/>
+                </a:xfrm>
+                <a:prstGeom prst="rect">
+                  <a:avLst/>
+                </a:prstGeom>
+                <a:blipFill>
+                  <a:blip r:embed="rId8"/>
+                  <a:stretch>
+                    <a:fillRect l="-5714" r="-6429" b="-28000"/>
+                  </a:stretch>
+                </a:blipFill>
+              </p:spPr>
+              <p:txBody>
+                <a:bodyPr/>
+                <a:lstStyle/>
+                <a:p>
+                  <a:r>
+                    <a:rPr lang="en-US">
+                      <a:noFill/>
+                    </a:rPr>
+                    <a:t> </a:t>
+                  </a:r>
+                </a:p>
+              </p:txBody>
+            </p:sp>
+          </mc:Fallback>
+        </mc:AlternateContent>
+        <p:cxnSp>
+          <p:nvCxnSpPr>
+            <p:cNvPr id="55" name="Straight Arrow Connector 54">
+              <a:extLst>
+                <a:ext uri="{FF2B5EF4-FFF2-40B4-BE49-F238E27FC236}">
+                  <a16:creationId xmlns:a16="http://schemas.microsoft.com/office/drawing/2014/main" id="{FC85B890-6B98-1DD1-1F93-5813F2364B7C}"/>
+                </a:ext>
+              </a:extLst>
+            </p:cNvPr>
+            <p:cNvCxnSpPr>
+              <a:cxnSpLocks/>
+            </p:cNvCxnSpPr>
+            <p:nvPr/>
+          </p:nvCxnSpPr>
+          <p:spPr>
+            <a:xfrm>
+              <a:off x="2128252" y="3847372"/>
+              <a:ext cx="977279" cy="0"/>
+            </a:xfrm>
+            <a:prstGeom prst="straightConnector1">
+              <a:avLst/>
+            </a:prstGeom>
+            <a:ln w="38100">
+              <a:solidFill>
+                <a:schemeClr val="bg2">
+                  <a:lumMod val="50000"/>
+                </a:schemeClr>
+              </a:solidFill>
+              <a:tailEnd type="triangle"/>
+            </a:ln>
+          </p:spPr>
+          <p:style>
+            <a:lnRef idx="1">
+              <a:schemeClr val="accent1"/>
+            </a:lnRef>
+            <a:fillRef idx="0">
+              <a:schemeClr val="accent1"/>
+            </a:fillRef>
+            <a:effectRef idx="0">
+              <a:schemeClr val="accent1"/>
+            </a:effectRef>
+            <a:fontRef idx="minor">
+              <a:schemeClr val="tx1"/>
+            </a:fontRef>
+          </p:style>
+        </p:cxnSp>
+        <p:cxnSp>
+          <p:nvCxnSpPr>
+            <p:cNvPr id="100" name="Straight Connector 99">
+              <a:extLst>
+                <a:ext uri="{FF2B5EF4-FFF2-40B4-BE49-F238E27FC236}">
+                  <a16:creationId xmlns:a16="http://schemas.microsoft.com/office/drawing/2014/main" id="{A16078FB-C8B9-9876-7996-933B13C57883}"/>
+                </a:ext>
+              </a:extLst>
+            </p:cNvPr>
+            <p:cNvCxnSpPr>
+              <a:cxnSpLocks/>
+            </p:cNvCxnSpPr>
+            <p:nvPr/>
+          </p:nvCxnSpPr>
+          <p:spPr>
+            <a:xfrm>
+              <a:off x="6223557" y="4512585"/>
+              <a:ext cx="1240528" cy="0"/>
+            </a:xfrm>
+            <a:prstGeom prst="line">
+              <a:avLst/>
+            </a:prstGeom>
+            <a:ln w="38100">
+              <a:solidFill>
+                <a:schemeClr val="bg2">
+                  <a:lumMod val="75000"/>
+                </a:schemeClr>
+              </a:solidFill>
+              <a:prstDash val="sysDot"/>
+            </a:ln>
+          </p:spPr>
+          <p:style>
+            <a:lnRef idx="1">
+              <a:schemeClr val="accent1"/>
+            </a:lnRef>
+            <a:fillRef idx="0">
+              <a:schemeClr val="accent1"/>
+            </a:fillRef>
+            <a:effectRef idx="0">
+              <a:schemeClr val="accent1"/>
+            </a:effectRef>
+            <a:fontRef idx="minor">
+              <a:schemeClr val="tx1"/>
+            </a:fontRef>
+          </p:style>
+        </p:cxnSp>
+        <p:sp>
+          <p:nvSpPr>
+            <p:cNvPr id="105" name="Rectangle 104">
+              <a:extLst>
+                <a:ext uri="{FF2B5EF4-FFF2-40B4-BE49-F238E27FC236}">
+                  <a16:creationId xmlns:a16="http://schemas.microsoft.com/office/drawing/2014/main" id="{9F99458C-D16E-039F-33C6-52F0F246F974}"/>
+                </a:ext>
+              </a:extLst>
+            </p:cNvPr>
+            <p:cNvSpPr/>
+            <p:nvPr/>
+          </p:nvSpPr>
+          <p:spPr>
+            <a:xfrm>
+              <a:off x="8416925" y="3878647"/>
+              <a:ext cx="1431925" cy="834642"/>
+            </a:xfrm>
+            <a:prstGeom prst="rect">
+              <a:avLst/>
+            </a:prstGeom>
+            <a:noFill/>
+            <a:ln w="28575">
+              <a:solidFill>
+                <a:schemeClr val="tx1"/>
+              </a:solidFill>
+            </a:ln>
+          </p:spPr>
+          <p:style>
+            <a:lnRef idx="2">
+              <a:schemeClr val="accent1">
+                <a:shade val="15000"/>
+              </a:schemeClr>
+            </a:lnRef>
+            <a:fillRef idx="1">
+              <a:schemeClr val="accent1"/>
+            </a:fillRef>
+            <a:effectRef idx="0">
+              <a:schemeClr val="accent1"/>
+            </a:effectRef>
+            <a:fontRef idx="minor">
+              <a:schemeClr val="lt1"/>
+            </a:fontRef>
+          </p:style>
+          <p:txBody>
+            <a:bodyPr rtlCol="0" anchor="ctr"/>
+            <a:lstStyle/>
+            <a:p>
+              <a:pPr algn="ctr"/>
+              <a:endParaRPr lang="en-US"/>
+            </a:p>
+          </p:txBody>
+        </p:sp>
+      </p:grpSp>
+    </p:spTree>
+    <p:extLst>
+      <p:ext uri="{BB962C8B-B14F-4D97-AF65-F5344CB8AC3E}">
+        <p14:creationId xmlns:p14="http://schemas.microsoft.com/office/powerpoint/2010/main" val="4099848297"/>
+      </p:ext>
+    </p:extLst>
+  </p:cSld>
+  <p:clrMapOvr>
+    <a:masterClrMapping/>
+  </p:clrMapOvr>
+</p:sld>
+</file>
+
+<file path=ppt/slides/slide7.xml><?xml version="1.0" encoding="utf-8"?>
+<p:sld xmlns:a="http://schemas.openxmlformats.org/drawingml/2006/main" xmlns:r="http://schemas.openxmlformats.org/officeDocument/2006/relationships" xmlns:p="http://schemas.openxmlformats.org/presentationml/2006/main">
+  <p:cSld>
+    <p:spTree>
+      <p:nvGrpSpPr>
+        <p:cNvPr id="1" name=""/>
+        <p:cNvGrpSpPr/>
+        <p:nvPr/>
+      </p:nvGrpSpPr>
+      <p:grpSpPr>
+        <a:xfrm>
+          <a:off x="0" y="0"/>
+          <a:ext cx="0" cy="0"/>
+          <a:chOff x="0" y="0"/>
+          <a:chExt cx="0" cy="0"/>
+        </a:xfrm>
+      </p:grpSpPr>
+      <p:grpSp>
+        <p:nvGrpSpPr>
+          <p:cNvPr id="13" name="Group 12">
+            <a:extLst>
+              <a:ext uri="{FF2B5EF4-FFF2-40B4-BE49-F238E27FC236}">
+                <a16:creationId xmlns:a16="http://schemas.microsoft.com/office/drawing/2014/main" id="{08BE19A4-3B3D-00B1-EFE8-542F304A09FA}"/>
+              </a:ext>
+            </a:extLst>
+          </p:cNvPr>
+          <p:cNvGrpSpPr/>
+          <p:nvPr/>
+        </p:nvGrpSpPr>
+        <p:grpSpPr>
+          <a:xfrm>
+            <a:off x="6664027" y="1713893"/>
+            <a:ext cx="3473380" cy="4198777"/>
+            <a:chOff x="2187681" y="729464"/>
+            <a:chExt cx="3473380" cy="4198777"/>
+          </a:xfrm>
+        </p:grpSpPr>
+        <p:sp>
+          <p:nvSpPr>
+            <p:cNvPr id="4" name="Oval 3">
+              <a:extLst>
+                <a:ext uri="{FF2B5EF4-FFF2-40B4-BE49-F238E27FC236}">
+                  <a16:creationId xmlns:a16="http://schemas.microsoft.com/office/drawing/2014/main" id="{524034C8-293C-1E37-8FBB-034376F29EB0}"/>
+                </a:ext>
+              </a:extLst>
+            </p:cNvPr>
+            <p:cNvSpPr/>
+            <p:nvPr/>
+          </p:nvSpPr>
+          <p:spPr>
+            <a:xfrm>
+              <a:off x="2187681" y="1375833"/>
+              <a:ext cx="2744627" cy="2586637"/>
+            </a:xfrm>
+            <a:prstGeom prst="ellipse">
+              <a:avLst/>
+            </a:prstGeom>
+            <a:noFill/>
+            <a:ln w="28575">
+              <a:solidFill>
+                <a:schemeClr val="tx1"/>
+              </a:solidFill>
+            </a:ln>
+          </p:spPr>
+          <p:style>
+            <a:lnRef idx="2">
+              <a:schemeClr val="accent1">
+                <a:shade val="15000"/>
+              </a:schemeClr>
+            </a:lnRef>
+            <a:fillRef idx="1">
+              <a:schemeClr val="accent1"/>
+            </a:fillRef>
+            <a:effectRef idx="0">
+              <a:schemeClr val="accent1"/>
+            </a:effectRef>
+            <a:fontRef idx="minor">
+              <a:schemeClr val="lt1"/>
+            </a:fontRef>
+          </p:style>
+          <p:txBody>
+            <a:bodyPr rtlCol="0" anchor="ctr"/>
+            <a:lstStyle/>
+            <a:p>
+              <a:pPr algn="ctr"/>
+              <a:endParaRPr lang="en-US"/>
+            </a:p>
+          </p:txBody>
+        </p:sp>
+        <p:sp>
+          <p:nvSpPr>
+            <p:cNvPr id="5" name="Cylinder 4">
+              <a:extLst>
+                <a:ext uri="{FF2B5EF4-FFF2-40B4-BE49-F238E27FC236}">
+                  <a16:creationId xmlns:a16="http://schemas.microsoft.com/office/drawing/2014/main" id="{DD8B1C74-7B2D-92A0-2656-CAF43A2428AF}"/>
+                </a:ext>
+              </a:extLst>
+            </p:cNvPr>
+            <p:cNvSpPr/>
+            <p:nvPr/>
+          </p:nvSpPr>
+          <p:spPr>
+            <a:xfrm>
+              <a:off x="2564169" y="2996700"/>
+              <a:ext cx="1991652" cy="1931541"/>
+            </a:xfrm>
+            <a:prstGeom prst="can">
+              <a:avLst>
+                <a:gd name="adj" fmla="val 48685"/>
+              </a:avLst>
+            </a:prstGeom>
+            <a:noFill/>
+            <a:ln w="28575">
+              <a:solidFill>
+                <a:schemeClr val="tx1"/>
+              </a:solidFill>
+            </a:ln>
+          </p:spPr>
+          <p:style>
+            <a:lnRef idx="2">
+              <a:schemeClr val="accent1">
+                <a:shade val="15000"/>
+              </a:schemeClr>
+            </a:lnRef>
+            <a:fillRef idx="1">
+              <a:schemeClr val="accent1"/>
+            </a:fillRef>
+            <a:effectRef idx="0">
+              <a:schemeClr val="accent1"/>
+            </a:effectRef>
+            <a:fontRef idx="minor">
+              <a:schemeClr val="lt1"/>
+            </a:fontRef>
+          </p:style>
+          <p:txBody>
+            <a:bodyPr rtlCol="0" anchor="ctr"/>
+            <a:lstStyle/>
+            <a:p>
+              <a:pPr algn="ctr"/>
+              <a:endParaRPr lang="en-US"/>
+            </a:p>
+          </p:txBody>
+        </p:sp>
+        <p:cxnSp>
+          <p:nvCxnSpPr>
+            <p:cNvPr id="9" name="Straight Arrow Connector 8">
+              <a:extLst>
+                <a:ext uri="{FF2B5EF4-FFF2-40B4-BE49-F238E27FC236}">
+                  <a16:creationId xmlns:a16="http://schemas.microsoft.com/office/drawing/2014/main" id="{BE50C88D-804B-E8BD-E0EF-6C3326B4F612}"/>
+                </a:ext>
+              </a:extLst>
+            </p:cNvPr>
+            <p:cNvCxnSpPr/>
+            <p:nvPr/>
+          </p:nvCxnSpPr>
+          <p:spPr>
+            <a:xfrm flipV="1">
+              <a:off x="3554858" y="729464"/>
+              <a:ext cx="0" cy="2812551"/>
+            </a:xfrm>
+            <a:prstGeom prst="straightConnector1">
+              <a:avLst/>
+            </a:prstGeom>
+            <a:ln w="28575">
+              <a:tailEnd type="triangle"/>
+            </a:ln>
+          </p:spPr>
+          <p:style>
+            <a:lnRef idx="1">
+              <a:schemeClr val="dk1"/>
+            </a:lnRef>
+            <a:fillRef idx="0">
+              <a:schemeClr val="dk1"/>
+            </a:fillRef>
+            <a:effectRef idx="0">
+              <a:schemeClr val="dk1"/>
+            </a:effectRef>
+            <a:fontRef idx="minor">
+              <a:schemeClr val="tx1"/>
+            </a:fontRef>
+          </p:style>
+        </p:cxnSp>
+        <p:cxnSp>
+          <p:nvCxnSpPr>
+            <p:cNvPr id="10" name="Straight Arrow Connector 9">
+              <a:extLst>
+                <a:ext uri="{FF2B5EF4-FFF2-40B4-BE49-F238E27FC236}">
+                  <a16:creationId xmlns:a16="http://schemas.microsoft.com/office/drawing/2014/main" id="{6AFAA85F-6778-D504-008A-23A51620BEC2}"/>
+                </a:ext>
+              </a:extLst>
+            </p:cNvPr>
+            <p:cNvCxnSpPr>
+              <a:cxnSpLocks/>
+            </p:cNvCxnSpPr>
+            <p:nvPr/>
+          </p:nvCxnSpPr>
+          <p:spPr>
+            <a:xfrm>
+              <a:off x="3554858" y="3542015"/>
+              <a:ext cx="2106203" cy="0"/>
+            </a:xfrm>
+            <a:prstGeom prst="straightConnector1">
+              <a:avLst/>
+            </a:prstGeom>
+            <a:ln w="28575">
+              <a:tailEnd type="triangle"/>
+            </a:ln>
+          </p:spPr>
+          <p:style>
+            <a:lnRef idx="1">
+              <a:schemeClr val="dk1"/>
+            </a:lnRef>
+            <a:fillRef idx="0">
+              <a:schemeClr val="dk1"/>
+            </a:fillRef>
+            <a:effectRef idx="0">
+              <a:schemeClr val="dk1"/>
+            </a:effectRef>
+            <a:fontRef idx="minor">
+              <a:schemeClr val="tx1"/>
+            </a:fontRef>
+          </p:style>
+        </p:cxnSp>
+      </p:grpSp>
+      <p:sp>
+        <p:nvSpPr>
+          <p:cNvPr id="12" name="Freeform: Shape 11">
+            <a:extLst>
+              <a:ext uri="{FF2B5EF4-FFF2-40B4-BE49-F238E27FC236}">
+                <a16:creationId xmlns:a16="http://schemas.microsoft.com/office/drawing/2014/main" id="{D21096BB-BE5D-1AEA-7710-55EC80C2D432}"/>
+              </a:ext>
+            </a:extLst>
+          </p:cNvPr>
+          <p:cNvSpPr/>
+          <p:nvPr/>
+        </p:nvSpPr>
+        <p:spPr>
+          <a:xfrm>
+            <a:off x="2856613" y="3678792"/>
+            <a:ext cx="1991652" cy="1370968"/>
+          </a:xfrm>
+          <a:custGeom>
+            <a:avLst/>
+            <a:gdLst>
+              <a:gd name="connsiteX0" fmla="*/ 0 w 1991652"/>
+              <a:gd name="connsiteY0" fmla="*/ 0 h 1370968"/>
+              <a:gd name="connsiteX1" fmla="*/ 25454 w 1991652"/>
+              <a:gd name="connsiteY1" fmla="*/ 26394 h 1370968"/>
+              <a:gd name="connsiteX2" fmla="*/ 995826 w 1991652"/>
+              <a:gd name="connsiteY2" fmla="*/ 405198 h 1370968"/>
+              <a:gd name="connsiteX3" fmla="*/ 1966199 w 1991652"/>
+              <a:gd name="connsiteY3" fmla="*/ 26394 h 1370968"/>
+              <a:gd name="connsiteX4" fmla="*/ 1991652 w 1991652"/>
+              <a:gd name="connsiteY4" fmla="*/ 0 h 1370968"/>
+              <a:gd name="connsiteX5" fmla="*/ 1991652 w 1991652"/>
+              <a:gd name="connsiteY5" fmla="*/ 900783 h 1370968"/>
+              <a:gd name="connsiteX6" fmla="*/ 995826 w 1991652"/>
+              <a:gd name="connsiteY6" fmla="*/ 1370968 h 1370968"/>
+              <a:gd name="connsiteX7" fmla="*/ 0 w 1991652"/>
+              <a:gd name="connsiteY7" fmla="*/ 900783 h 1370968"/>
+            </a:gdLst>
+            <a:ahLst/>
+            <a:cxnLst>
+              <a:cxn ang="0">
+                <a:pos x="connsiteX0" y="connsiteY0"/>
+              </a:cxn>
+              <a:cxn ang="0">
+                <a:pos x="connsiteX1" y="connsiteY1"/>
+              </a:cxn>
+              <a:cxn ang="0">
+                <a:pos x="connsiteX2" y="connsiteY2"/>
+              </a:cxn>
+              <a:cxn ang="0">
+                <a:pos x="connsiteX3" y="connsiteY3"/>
+              </a:cxn>
+              <a:cxn ang="0">
+                <a:pos x="connsiteX4" y="connsiteY4"/>
+              </a:cxn>
+              <a:cxn ang="0">
+                <a:pos x="connsiteX5" y="connsiteY5"/>
+              </a:cxn>
+              <a:cxn ang="0">
+                <a:pos x="connsiteX6" y="connsiteY6"/>
+              </a:cxn>
+              <a:cxn ang="0">
+                <a:pos x="connsiteX7" y="connsiteY7"/>
+              </a:cxn>
+            </a:cxnLst>
+            <a:rect l="l" t="t" r="r" b="b"/>
+            <a:pathLst>
+              <a:path w="1991652" h="1370968">
+                <a:moveTo>
+                  <a:pt x="0" y="0"/>
+                </a:moveTo>
+                <a:lnTo>
+                  <a:pt x="25454" y="26394"/>
+                </a:lnTo>
+                <a:cubicBezTo>
+                  <a:pt x="273794" y="260438"/>
+                  <a:pt x="616872" y="405198"/>
+                  <a:pt x="995826" y="405198"/>
+                </a:cubicBezTo>
+                <a:cubicBezTo>
+                  <a:pt x="1374780" y="405198"/>
+                  <a:pt x="1717859" y="260438"/>
+                  <a:pt x="1966199" y="26394"/>
+                </a:cubicBezTo>
+                <a:lnTo>
+                  <a:pt x="1991652" y="0"/>
+                </a:lnTo>
+                <a:lnTo>
+                  <a:pt x="1991652" y="900783"/>
+                </a:lnTo>
+                <a:cubicBezTo>
+                  <a:pt x="1991652" y="1160459"/>
+                  <a:pt x="1545806" y="1370968"/>
+                  <a:pt x="995826" y="1370968"/>
+                </a:cubicBezTo>
+                <a:cubicBezTo>
+                  <a:pt x="445846" y="1370968"/>
+                  <a:pt x="0" y="1160459"/>
+                  <a:pt x="0" y="900783"/>
+                </a:cubicBezTo>
+                <a:close/>
+              </a:path>
+            </a:pathLst>
+          </a:custGeom>
+          <a:noFill/>
+          <a:ln w="28575">
+            <a:solidFill>
+              <a:schemeClr val="tx1"/>
+            </a:solidFill>
+          </a:ln>
+        </p:spPr>
+        <p:style>
+          <a:lnRef idx="2">
+            <a:schemeClr val="accent1">
+              <a:shade val="15000"/>
+            </a:schemeClr>
+          </a:lnRef>
+          <a:fillRef idx="1">
+            <a:schemeClr val="accent1"/>
+          </a:fillRef>
+          <a:effectRef idx="0">
+            <a:schemeClr val="accent1"/>
+          </a:effectRef>
+          <a:fontRef idx="minor">
+            <a:schemeClr val="lt1"/>
+          </a:fontRef>
+        </p:style>
+        <p:txBody>
+          <a:bodyPr wrap="square" rtlCol="0" anchor="ctr">
+            <a:noAutofit/>
+          </a:bodyPr>
+          <a:lstStyle/>
+          <a:p>
+            <a:pPr algn="ctr"/>
+            <a:endParaRPr lang="en-US"/>
+          </a:p>
+        </p:txBody>
+      </p:sp>
+    </p:spTree>
+    <p:extLst>
+      <p:ext uri="{BB962C8B-B14F-4D97-AF65-F5344CB8AC3E}">
+        <p14:creationId xmlns:p14="http://schemas.microsoft.com/office/powerpoint/2010/main" val="2606840579"/>
+      </p:ext>
+    </p:extLst>
+  </p:cSld>
+  <p:clrMapOvr>
+    <a:masterClrMapping/>
+  </p:clrMapOvr>
+</p:sld>
+</file>
+
+<file path=ppt/slides/slide8.xml><?xml version="1.0" encoding="utf-8"?>
+<p:sld xmlns:a="http://schemas.openxmlformats.org/drawingml/2006/main" xmlns:r="http://schemas.openxmlformats.org/officeDocument/2006/relationships" xmlns:p="http://schemas.openxmlformats.org/presentationml/2006/main">
+  <p:cSld>
+    <p:spTree>
+      <p:nvGrpSpPr>
+        <p:cNvPr id="1" name=""/>
+        <p:cNvGrpSpPr/>
+        <p:nvPr/>
+      </p:nvGrpSpPr>
+      <p:grpSpPr>
+        <a:xfrm>
+          <a:off x="0" y="0"/>
+          <a:ext cx="0" cy="0"/>
+          <a:chOff x="0" y="0"/>
+          <a:chExt cx="0" cy="0"/>
+        </a:xfrm>
+      </p:grpSpPr>
+      <p:pic>
+        <p:nvPicPr>
+          <p:cNvPr id="5" name="Picture 4">
+            <a:extLst>
+              <a:ext uri="{FF2B5EF4-FFF2-40B4-BE49-F238E27FC236}">
+                <a16:creationId xmlns:a16="http://schemas.microsoft.com/office/drawing/2014/main" id="{57E12B3E-4147-4AED-A4E8-11A18D7E010E}"/>
+              </a:ext>
+            </a:extLst>
+          </p:cNvPr>
+          <p:cNvPicPr>
+            <a:picLocks noChangeAspect="1"/>
+          </p:cNvPicPr>
+          <p:nvPr/>
+        </p:nvPicPr>
+        <p:blipFill>
+          <a:blip r:embed="rId2">
+            <a:extLst>
+              <a:ext uri="{28A0092B-C50C-407E-A947-70E740481C1C}">
+                <a14:useLocalDpi xmlns:a14="http://schemas.microsoft.com/office/drawing/2010/main" val="0"/>
+              </a:ext>
+            </a:extLst>
+          </a:blip>
+          <a:stretch>
+            <a:fillRect/>
+          </a:stretch>
+        </p:blipFill>
+        <p:spPr>
+          <a:xfrm>
+            <a:off x="858914" y="2924865"/>
+            <a:ext cx="1836506" cy="1836506"/>
+          </a:xfrm>
+          <a:prstGeom prst="rect">
+            <a:avLst/>
+          </a:prstGeom>
+        </p:spPr>
+      </p:pic>
+      <p:pic>
+        <p:nvPicPr>
+          <p:cNvPr id="7" name="Picture 6">
+            <a:extLst>
+              <a:ext uri="{FF2B5EF4-FFF2-40B4-BE49-F238E27FC236}">
+                <a16:creationId xmlns:a16="http://schemas.microsoft.com/office/drawing/2014/main" id="{EA258182-358E-9498-9AB5-77CD7E445977}"/>
+              </a:ext>
+            </a:extLst>
+          </p:cNvPr>
+          <p:cNvPicPr>
+            <a:picLocks noChangeAspect="1"/>
+          </p:cNvPicPr>
+          <p:nvPr/>
+        </p:nvPicPr>
+        <p:blipFill>
+          <a:blip r:embed="rId3">
+            <a:extLst>
+              <a:ext uri="{28A0092B-C50C-407E-A947-70E740481C1C}">
+                <a14:useLocalDpi xmlns:a14="http://schemas.microsoft.com/office/drawing/2010/main" val="0"/>
+              </a:ext>
+            </a:extLst>
+          </a:blip>
+          <a:stretch>
+            <a:fillRect/>
+          </a:stretch>
+        </p:blipFill>
+        <p:spPr>
+          <a:xfrm>
+            <a:off x="3171863" y="0"/>
+            <a:ext cx="6361981" cy="6858000"/>
+          </a:xfrm>
+          <a:prstGeom prst="rect">
+            <a:avLst/>
+          </a:prstGeom>
+        </p:spPr>
+      </p:pic>
+      <p:cxnSp>
+        <p:nvCxnSpPr>
+          <p:cNvPr id="13" name="Straight Arrow Connector 12">
+            <a:extLst>
+              <a:ext uri="{FF2B5EF4-FFF2-40B4-BE49-F238E27FC236}">
+                <a16:creationId xmlns:a16="http://schemas.microsoft.com/office/drawing/2014/main" id="{18EBC899-D546-ED1B-8C0A-349B1DDD6961}"/>
+              </a:ext>
+            </a:extLst>
+          </p:cNvPr>
+          <p:cNvCxnSpPr>
+            <a:cxnSpLocks/>
+          </p:cNvCxnSpPr>
+          <p:nvPr/>
+        </p:nvCxnSpPr>
+        <p:spPr>
+          <a:xfrm flipV="1">
+            <a:off x="7145154" y="1116531"/>
+            <a:ext cx="1325078" cy="1582672"/>
+          </a:xfrm>
+          <a:prstGeom prst="straightConnector1">
+            <a:avLst/>
+          </a:prstGeom>
+          <a:ln w="57150">
+            <a:solidFill>
+              <a:srgbClr val="1122FF"/>
+            </a:solidFill>
+            <a:tailEnd type="triangle"/>
+          </a:ln>
+        </p:spPr>
+        <p:style>
+          <a:lnRef idx="1">
+            <a:schemeClr val="accent1"/>
+          </a:lnRef>
+          <a:fillRef idx="0">
+            <a:schemeClr val="accent1"/>
+          </a:fillRef>
+          <a:effectRef idx="0">
+            <a:schemeClr val="accent1"/>
+          </a:effectRef>
+          <a:fontRef idx="minor">
+            <a:schemeClr val="tx1"/>
+          </a:fontRef>
+        </p:style>
+      </p:cxnSp>
+      <p:cxnSp>
+        <p:nvCxnSpPr>
+          <p:cNvPr id="14" name="Straight Arrow Connector 13">
+            <a:extLst>
+              <a:ext uri="{FF2B5EF4-FFF2-40B4-BE49-F238E27FC236}">
+                <a16:creationId xmlns:a16="http://schemas.microsoft.com/office/drawing/2014/main" id="{6FCABFB3-F48F-4FA6-068D-15409EB94EDD}"/>
+              </a:ext>
+            </a:extLst>
+          </p:cNvPr>
+          <p:cNvCxnSpPr>
+            <a:cxnSpLocks/>
+          </p:cNvCxnSpPr>
+          <p:nvPr/>
+        </p:nvCxnSpPr>
+        <p:spPr>
+          <a:xfrm flipH="1" flipV="1">
+            <a:off x="5637801" y="1118668"/>
+            <a:ext cx="1515800" cy="1580535"/>
+          </a:xfrm>
+          <a:prstGeom prst="straightConnector1">
+            <a:avLst/>
+          </a:prstGeom>
+          <a:ln w="57150">
+            <a:solidFill>
+              <a:srgbClr val="C00000"/>
+            </a:solidFill>
+            <a:tailEnd type="triangle"/>
+          </a:ln>
+        </p:spPr>
+        <p:style>
+          <a:lnRef idx="1">
+            <a:schemeClr val="accent1"/>
+          </a:lnRef>
+          <a:fillRef idx="0">
+            <a:schemeClr val="accent1"/>
+          </a:fillRef>
+          <a:effectRef idx="0">
+            <a:schemeClr val="accent1"/>
+          </a:effectRef>
+          <a:fontRef idx="minor">
+            <a:schemeClr val="tx1"/>
+          </a:fontRef>
+        </p:style>
+      </p:cxnSp>
+      <mc:AlternateContent xmlns:mc="http://schemas.openxmlformats.org/markup-compatibility/2006" xmlns:a14="http://schemas.microsoft.com/office/drawing/2010/main">
+        <mc:Choice Requires="a14">
+          <p:sp>
+            <p:nvSpPr>
+              <p:cNvPr id="16" name="TextBox 15">
+                <a:extLst>
+                  <a:ext uri="{FF2B5EF4-FFF2-40B4-BE49-F238E27FC236}">
+                    <a16:creationId xmlns:a16="http://schemas.microsoft.com/office/drawing/2014/main" id="{272D5B49-540C-61F0-A6F4-ED32BC1D13B7}"/>
+                  </a:ext>
+                </a:extLst>
+              </p:cNvPr>
+              <p:cNvSpPr txBox="1"/>
+              <p:nvPr/>
+            </p:nvSpPr>
+            <p:spPr>
+              <a:xfrm>
+                <a:off x="8549220" y="1090547"/>
+                <a:ext cx="246862" cy="369332"/>
+              </a:xfrm>
+              <a:prstGeom prst="rect">
+                <a:avLst/>
+              </a:prstGeom>
+              <a:noFill/>
+            </p:spPr>
+            <p:txBody>
+              <a:bodyPr wrap="none" lIns="0" tIns="0" rIns="0" bIns="0" rtlCol="0">
+                <a:spAutoFit/>
+              </a:bodyPr>
+              <a:lstStyle/>
+              <a:p>
+                <a:pPr/>
+                <a14:m>
+                  <m:oMathPara xmlns:m="http://schemas.openxmlformats.org/officeDocument/2006/math">
+                    <m:oMathParaPr>
+                      <m:jc m:val="centerGroup"/>
+                    </m:oMathParaPr>
+                    <m:oMath xmlns:m="http://schemas.openxmlformats.org/officeDocument/2006/math">
+                      <m:acc>
+                        <m:accPr>
+                          <m:chr m:val="̂"/>
+                          <m:ctrlPr>
+                            <a:rPr lang="en-US" sz="2400" b="1" i="1" smtClean="0">
+                              <a:latin typeface="Cambria Math" panose="02040503050406030204" pitchFamily="18" charset="0"/>
+                            </a:rPr>
+                          </m:ctrlPr>
+                        </m:accPr>
+                        <m:e>
+                          <m:r>
+                            <a:rPr lang="en-US" sz="2400" b="1" i="1" smtClean="0">
+                              <a:latin typeface="Cambria Math" panose="02040503050406030204" pitchFamily="18" charset="0"/>
+                            </a:rPr>
+                            <m:t>𝒙</m:t>
+                          </m:r>
+                        </m:e>
+                      </m:acc>
+                    </m:oMath>
+                  </m:oMathPara>
+                </a14:m>
+                <a:endParaRPr lang="en-US" sz="2400" b="1" dirty="0"/>
+              </a:p>
+            </p:txBody>
+          </p:sp>
+        </mc:Choice>
+        <mc:Fallback xmlns="">
+          <p:sp>
+            <p:nvSpPr>
+              <p:cNvPr id="16" name="TextBox 15">
+                <a:extLst>
+                  <a:ext uri="{FF2B5EF4-FFF2-40B4-BE49-F238E27FC236}">
+                    <a16:creationId xmlns:a16="http://schemas.microsoft.com/office/drawing/2014/main" id="{272D5B49-540C-61F0-A6F4-ED32BC1D13B7}"/>
+                  </a:ext>
+                </a:extLst>
+              </p:cNvPr>
+              <p:cNvSpPr txBox="1">
+                <a:spLocks noRot="1" noChangeAspect="1" noMove="1" noResize="1" noEditPoints="1" noAdjustHandles="1" noChangeArrowheads="1" noChangeShapeType="1" noTextEdit="1"/>
+              </p:cNvSpPr>
+              <p:nvPr/>
+            </p:nvSpPr>
+            <p:spPr>
+              <a:xfrm>
+                <a:off x="8549220" y="1090547"/>
+                <a:ext cx="246862" cy="369332"/>
+              </a:xfrm>
+              <a:prstGeom prst="rect">
+                <a:avLst/>
+              </a:prstGeom>
+              <a:blipFill>
+                <a:blip r:embed="rId4"/>
+                <a:stretch>
+                  <a:fillRect l="-29268" t="-20000" r="-58537"/>
+                </a:stretch>
+              </a:blipFill>
+            </p:spPr>
+            <p:txBody>
+              <a:bodyPr/>
+              <a:lstStyle/>
+              <a:p>
+                <a:r>
+                  <a:rPr lang="en-US">
+                    <a:noFill/>
+                  </a:rPr>
+                  <a:t> </a:t>
+                </a:r>
+              </a:p>
+            </p:txBody>
+          </p:sp>
+        </mc:Fallback>
+      </mc:AlternateContent>
+      <mc:AlternateContent xmlns:mc="http://schemas.openxmlformats.org/markup-compatibility/2006" xmlns:a14="http://schemas.microsoft.com/office/drawing/2010/main">
+        <mc:Choice Requires="a14">
+          <p:sp>
+            <p:nvSpPr>
+              <p:cNvPr id="17" name="TextBox 16">
+                <a:extLst>
+                  <a:ext uri="{FF2B5EF4-FFF2-40B4-BE49-F238E27FC236}">
+                    <a16:creationId xmlns:a16="http://schemas.microsoft.com/office/drawing/2014/main" id="{4E609307-C997-5E44-DB04-286B2422E06D}"/>
+                  </a:ext>
+                </a:extLst>
+              </p:cNvPr>
+              <p:cNvSpPr txBox="1"/>
+              <p:nvPr/>
+            </p:nvSpPr>
+            <p:spPr>
+              <a:xfrm>
+                <a:off x="5954905" y="932934"/>
+                <a:ext cx="253274" cy="369332"/>
+              </a:xfrm>
+              <a:prstGeom prst="rect">
+                <a:avLst/>
+              </a:prstGeom>
+              <a:noFill/>
+            </p:spPr>
+            <p:txBody>
+              <a:bodyPr wrap="none" lIns="0" tIns="0" rIns="0" bIns="0" rtlCol="0">
+                <a:spAutoFit/>
+              </a:bodyPr>
+              <a:lstStyle/>
+              <a:p>
+                <a:pPr/>
+                <a14:m>
+                  <m:oMathPara xmlns:m="http://schemas.openxmlformats.org/officeDocument/2006/math">
+                    <m:oMathParaPr>
+                      <m:jc m:val="centerGroup"/>
+                    </m:oMathParaPr>
+                    <m:oMath xmlns:m="http://schemas.openxmlformats.org/officeDocument/2006/math">
+                      <m:acc>
+                        <m:accPr>
+                          <m:chr m:val="̂"/>
+                          <m:ctrlPr>
+                            <a:rPr lang="en-US" sz="2400" b="1" i="1" smtClean="0">
+                              <a:latin typeface="Cambria Math" panose="02040503050406030204" pitchFamily="18" charset="0"/>
+                            </a:rPr>
+                          </m:ctrlPr>
+                        </m:accPr>
+                        <m:e>
+                          <m:r>
+                            <a:rPr lang="en-US" sz="2400" b="1" i="1" smtClean="0">
+                              <a:latin typeface="Cambria Math" panose="02040503050406030204" pitchFamily="18" charset="0"/>
+                            </a:rPr>
+                            <m:t>𝒚</m:t>
+                          </m:r>
+                        </m:e>
+                      </m:acc>
+                    </m:oMath>
+                  </m:oMathPara>
+                </a14:m>
+                <a:endParaRPr lang="en-US" sz="2400" b="1" dirty="0"/>
+              </a:p>
+            </p:txBody>
+          </p:sp>
+        </mc:Choice>
+        <mc:Fallback xmlns="">
+          <p:sp>
+            <p:nvSpPr>
+              <p:cNvPr id="17" name="TextBox 16">
+                <a:extLst>
+                  <a:ext uri="{FF2B5EF4-FFF2-40B4-BE49-F238E27FC236}">
+                    <a16:creationId xmlns:a16="http://schemas.microsoft.com/office/drawing/2014/main" id="{4E609307-C997-5E44-DB04-286B2422E06D}"/>
+                  </a:ext>
+                </a:extLst>
+              </p:cNvPr>
+              <p:cNvSpPr txBox="1">
+                <a:spLocks noRot="1" noChangeAspect="1" noMove="1" noResize="1" noEditPoints="1" noAdjustHandles="1" noChangeArrowheads="1" noChangeShapeType="1" noTextEdit="1"/>
+              </p:cNvSpPr>
+              <p:nvPr/>
+            </p:nvSpPr>
+            <p:spPr>
+              <a:xfrm>
+                <a:off x="5954905" y="932934"/>
+                <a:ext cx="253274" cy="369332"/>
+              </a:xfrm>
+              <a:prstGeom prst="rect">
+                <a:avLst/>
+              </a:prstGeom>
+              <a:blipFill>
+                <a:blip r:embed="rId5"/>
+                <a:stretch>
+                  <a:fillRect l="-31707" t="-18033" r="-60976" b="-26230"/>
+                </a:stretch>
+              </a:blipFill>
+            </p:spPr>
+            <p:txBody>
+              <a:bodyPr/>
+              <a:lstStyle/>
+              <a:p>
+                <a:r>
+                  <a:rPr lang="en-US">
+                    <a:noFill/>
+                  </a:rPr>
+                  <a:t> </a:t>
+                </a:r>
+              </a:p>
+            </p:txBody>
+          </p:sp>
+        </mc:Fallback>
+      </mc:AlternateContent>
+      <mc:AlternateContent xmlns:mc="http://schemas.openxmlformats.org/markup-compatibility/2006" xmlns:a14="http://schemas.microsoft.com/office/drawing/2010/main">
+        <mc:Choice Requires="a14">
+          <p:sp>
+            <p:nvSpPr>
+              <p:cNvPr id="18" name="TextBox 17">
+                <a:extLst>
+                  <a:ext uri="{FF2B5EF4-FFF2-40B4-BE49-F238E27FC236}">
+                    <a16:creationId xmlns:a16="http://schemas.microsoft.com/office/drawing/2014/main" id="{3F410FC1-6759-DF2F-8821-A7159602B8AB}"/>
+                  </a:ext>
+                </a:extLst>
+              </p:cNvPr>
+              <p:cNvSpPr txBox="1"/>
+              <p:nvPr/>
+            </p:nvSpPr>
+            <p:spPr>
+              <a:xfrm>
+                <a:off x="7062408" y="2806372"/>
+                <a:ext cx="227626" cy="369332"/>
+              </a:xfrm>
+              <a:prstGeom prst="rect">
+                <a:avLst/>
+              </a:prstGeom>
+              <a:noFill/>
+            </p:spPr>
+            <p:txBody>
+              <a:bodyPr wrap="none" lIns="0" tIns="0" rIns="0" bIns="0" rtlCol="0">
+                <a:spAutoFit/>
+              </a:bodyPr>
+              <a:lstStyle/>
+              <a:p>
+                <a:pPr/>
+                <a14:m>
+                  <m:oMathPara xmlns:m="http://schemas.openxmlformats.org/officeDocument/2006/math">
+                    <m:oMathParaPr>
+                      <m:jc m:val="centerGroup"/>
+                    </m:oMathParaPr>
+                    <m:oMath xmlns:m="http://schemas.openxmlformats.org/officeDocument/2006/math">
+                      <m:acc>
+                        <m:accPr>
+                          <m:chr m:val="̂"/>
+                          <m:ctrlPr>
+                            <a:rPr lang="en-US" sz="2400" b="1" i="1" smtClean="0">
+                              <a:latin typeface="Cambria Math" panose="02040503050406030204" pitchFamily="18" charset="0"/>
+                            </a:rPr>
+                          </m:ctrlPr>
+                        </m:accPr>
+                        <m:e>
+                          <m:r>
+                            <a:rPr lang="en-US" sz="2400" b="1" i="1" smtClean="0">
+                              <a:latin typeface="Cambria Math" panose="02040503050406030204" pitchFamily="18" charset="0"/>
+                            </a:rPr>
+                            <m:t>𝒛</m:t>
+                          </m:r>
+                        </m:e>
+                      </m:acc>
+                    </m:oMath>
+                  </m:oMathPara>
+                </a14:m>
+                <a:endParaRPr lang="en-US" sz="2400" b="1" dirty="0"/>
+              </a:p>
+            </p:txBody>
+          </p:sp>
+        </mc:Choice>
+        <mc:Fallback xmlns="">
+          <p:sp>
+            <p:nvSpPr>
+              <p:cNvPr id="18" name="TextBox 17">
+                <a:extLst>
+                  <a:ext uri="{FF2B5EF4-FFF2-40B4-BE49-F238E27FC236}">
+                    <a16:creationId xmlns:a16="http://schemas.microsoft.com/office/drawing/2014/main" id="{3F410FC1-6759-DF2F-8821-A7159602B8AB}"/>
+                  </a:ext>
+                </a:extLst>
+              </p:cNvPr>
+              <p:cNvSpPr txBox="1">
+                <a:spLocks noRot="1" noChangeAspect="1" noMove="1" noResize="1" noEditPoints="1" noAdjustHandles="1" noChangeArrowheads="1" noChangeShapeType="1" noTextEdit="1"/>
+              </p:cNvSpPr>
+              <p:nvPr/>
+            </p:nvSpPr>
+            <p:spPr>
+              <a:xfrm>
+                <a:off x="7062408" y="2806372"/>
+                <a:ext cx="227626" cy="369332"/>
+              </a:xfrm>
+              <a:prstGeom prst="rect">
+                <a:avLst/>
+              </a:prstGeom>
+              <a:blipFill>
+                <a:blip r:embed="rId6"/>
+                <a:stretch>
+                  <a:fillRect l="-27027" t="-18033" r="-72973"/>
+                </a:stretch>
+              </a:blipFill>
+            </p:spPr>
+            <p:txBody>
+              <a:bodyPr/>
+              <a:lstStyle/>
+              <a:p>
+                <a:r>
+                  <a:rPr lang="en-US">
+                    <a:noFill/>
+                  </a:rPr>
+                  <a:t> </a:t>
+                </a:r>
+              </a:p>
+            </p:txBody>
+          </p:sp>
+        </mc:Fallback>
+      </mc:AlternateContent>
+      <p:cxnSp>
+        <p:nvCxnSpPr>
+          <p:cNvPr id="23" name="Straight Arrow Connector 22">
+            <a:extLst>
+              <a:ext uri="{FF2B5EF4-FFF2-40B4-BE49-F238E27FC236}">
+                <a16:creationId xmlns:a16="http://schemas.microsoft.com/office/drawing/2014/main" id="{46514AE5-D1B6-5576-AB54-9848A6DEF755}"/>
+              </a:ext>
+            </a:extLst>
+          </p:cNvPr>
+          <p:cNvCxnSpPr>
+            <a:cxnSpLocks/>
+          </p:cNvCxnSpPr>
+          <p:nvPr/>
+        </p:nvCxnSpPr>
+        <p:spPr>
+          <a:xfrm flipV="1">
+            <a:off x="7178438" y="2184400"/>
+            <a:ext cx="2126429" cy="514803"/>
+          </a:xfrm>
+          <a:prstGeom prst="straightConnector1">
+            <a:avLst/>
+          </a:prstGeom>
+          <a:ln w="57150">
+            <a:solidFill>
+              <a:srgbClr val="00B050"/>
+            </a:solidFill>
+            <a:tailEnd type="triangle"/>
+          </a:ln>
+        </p:spPr>
+        <p:style>
+          <a:lnRef idx="1">
+            <a:schemeClr val="accent1"/>
+          </a:lnRef>
+          <a:fillRef idx="0">
+            <a:schemeClr val="accent1"/>
+          </a:fillRef>
+          <a:effectRef idx="0">
+            <a:schemeClr val="accent1"/>
+          </a:effectRef>
+          <a:fontRef idx="minor">
+            <a:schemeClr val="tx1"/>
+          </a:fontRef>
+        </p:style>
+      </p:cxnSp>
+      <p:cxnSp>
+        <p:nvCxnSpPr>
+          <p:cNvPr id="27" name="Straight Arrow Connector 26">
+            <a:extLst>
+              <a:ext uri="{FF2B5EF4-FFF2-40B4-BE49-F238E27FC236}">
+                <a16:creationId xmlns:a16="http://schemas.microsoft.com/office/drawing/2014/main" id="{59AA3ED6-1190-E9BA-AD65-D3A2B36D64F0}"/>
+              </a:ext>
+            </a:extLst>
+          </p:cNvPr>
+          <p:cNvCxnSpPr>
+            <a:cxnSpLocks/>
+          </p:cNvCxnSpPr>
+          <p:nvPr/>
+        </p:nvCxnSpPr>
+        <p:spPr>
+          <a:xfrm flipV="1">
+            <a:off x="7062408" y="3077450"/>
+            <a:ext cx="633792" cy="153439"/>
+          </a:xfrm>
+          <a:prstGeom prst="straightConnector1">
+            <a:avLst/>
+          </a:prstGeom>
+          <a:ln w="57150">
+            <a:solidFill>
+              <a:srgbClr val="00B050"/>
+            </a:solidFill>
+            <a:tailEnd type="triangle"/>
+          </a:ln>
+        </p:spPr>
+        <p:style>
+          <a:lnRef idx="1">
+            <a:schemeClr val="accent1"/>
+          </a:lnRef>
+          <a:fillRef idx="0">
+            <a:schemeClr val="accent1"/>
+          </a:fillRef>
+          <a:effectRef idx="0">
+            <a:schemeClr val="accent1"/>
+          </a:effectRef>
+          <a:fontRef idx="minor">
+            <a:schemeClr val="tx1"/>
+          </a:fontRef>
+        </p:style>
+      </p:cxnSp>
+      <mc:AlternateContent xmlns:mc="http://schemas.openxmlformats.org/markup-compatibility/2006" xmlns:a14="http://schemas.microsoft.com/office/drawing/2010/main">
+        <mc:Choice Requires="a14">
+          <p:sp>
+            <p:nvSpPr>
+              <p:cNvPr id="35" name="TextBox 34">
+                <a:extLst>
+                  <a:ext uri="{FF2B5EF4-FFF2-40B4-BE49-F238E27FC236}">
+                    <a16:creationId xmlns:a16="http://schemas.microsoft.com/office/drawing/2014/main" id="{ED75F12F-1D29-8E56-6561-079AE8D8F0EF}"/>
+                  </a:ext>
+                </a:extLst>
+              </p:cNvPr>
+              <p:cNvSpPr txBox="1"/>
+              <p:nvPr/>
+            </p:nvSpPr>
+            <p:spPr>
+              <a:xfrm>
+                <a:off x="8856277" y="1907867"/>
+                <a:ext cx="227626" cy="369332"/>
+              </a:xfrm>
+              <a:prstGeom prst="rect">
+                <a:avLst/>
+              </a:prstGeom>
+              <a:noFill/>
+            </p:spPr>
+            <p:txBody>
+              <a:bodyPr wrap="none" lIns="0" tIns="0" rIns="0" bIns="0" rtlCol="0">
+                <a:spAutoFit/>
+              </a:bodyPr>
+              <a:lstStyle/>
+              <a:p>
+                <a:pPr/>
+                <a14:m>
+                  <m:oMathPara xmlns:m="http://schemas.openxmlformats.org/officeDocument/2006/math">
+                    <m:oMathParaPr>
+                      <m:jc m:val="centerGroup"/>
+                    </m:oMathParaPr>
+                    <m:oMath xmlns:m="http://schemas.openxmlformats.org/officeDocument/2006/math">
+                      <m:acc>
+                        <m:accPr>
+                          <m:chr m:val="̂"/>
+                          <m:ctrlPr>
+                            <a:rPr lang="en-US" sz="2400" b="1" i="1" smtClean="0">
+                              <a:latin typeface="Cambria Math" panose="02040503050406030204" pitchFamily="18" charset="0"/>
+                            </a:rPr>
+                          </m:ctrlPr>
+                        </m:accPr>
+                        <m:e>
+                          <m:r>
+                            <a:rPr lang="en-US" sz="2400" b="1" i="1" smtClean="0">
+                              <a:latin typeface="Cambria Math" panose="02040503050406030204" pitchFamily="18" charset="0"/>
+                            </a:rPr>
+                            <m:t>𝒛</m:t>
+                          </m:r>
+                        </m:e>
+                      </m:acc>
+                    </m:oMath>
+                  </m:oMathPara>
+                </a14:m>
+                <a:endParaRPr lang="en-US" sz="2400" b="1" dirty="0"/>
+              </a:p>
+            </p:txBody>
+          </p:sp>
+        </mc:Choice>
+        <mc:Fallback xmlns="">
+          <p:sp>
+            <p:nvSpPr>
+              <p:cNvPr id="35" name="TextBox 34">
+                <a:extLst>
+                  <a:ext uri="{FF2B5EF4-FFF2-40B4-BE49-F238E27FC236}">
+                    <a16:creationId xmlns:a16="http://schemas.microsoft.com/office/drawing/2014/main" id="{ED75F12F-1D29-8E56-6561-079AE8D8F0EF}"/>
+                  </a:ext>
+                </a:extLst>
+              </p:cNvPr>
+              <p:cNvSpPr txBox="1">
+                <a:spLocks noRot="1" noChangeAspect="1" noMove="1" noResize="1" noEditPoints="1" noAdjustHandles="1" noChangeArrowheads="1" noChangeShapeType="1" noTextEdit="1"/>
+              </p:cNvSpPr>
+              <p:nvPr/>
+            </p:nvSpPr>
+            <p:spPr>
+              <a:xfrm>
+                <a:off x="8856277" y="1907867"/>
+                <a:ext cx="227626" cy="369332"/>
+              </a:xfrm>
+              <a:prstGeom prst="rect">
+                <a:avLst/>
+              </a:prstGeom>
+              <a:blipFill>
+                <a:blip r:embed="rId7"/>
+                <a:stretch>
+                  <a:fillRect l="-27027" t="-19672" r="-72973"/>
+                </a:stretch>
+              </a:blipFill>
+            </p:spPr>
+            <p:txBody>
+              <a:bodyPr/>
+              <a:lstStyle/>
+              <a:p>
+                <a:r>
+                  <a:rPr lang="en-US">
+                    <a:noFill/>
+                  </a:rPr>
+                  <a:t> </a:t>
+                </a:r>
+              </a:p>
+            </p:txBody>
+          </p:sp>
+        </mc:Fallback>
+      </mc:AlternateContent>
+      <p:grpSp>
+        <p:nvGrpSpPr>
+          <p:cNvPr id="11" name="Group 10">
+            <a:extLst>
+              <a:ext uri="{FF2B5EF4-FFF2-40B4-BE49-F238E27FC236}">
+                <a16:creationId xmlns:a16="http://schemas.microsoft.com/office/drawing/2014/main" id="{4FE65ADD-F0D0-B799-AAF8-7255A5BB35B6}"/>
+              </a:ext>
+            </a:extLst>
+          </p:cNvPr>
+          <p:cNvGrpSpPr/>
+          <p:nvPr/>
+        </p:nvGrpSpPr>
+        <p:grpSpPr>
+          <a:xfrm>
+            <a:off x="7021187" y="2441801"/>
+            <a:ext cx="343816" cy="343814"/>
+            <a:chOff x="6096000" y="1864501"/>
+            <a:chExt cx="343816" cy="343814"/>
+          </a:xfrm>
+        </p:grpSpPr>
+        <p:sp>
+          <p:nvSpPr>
+            <p:cNvPr id="9" name="Oval 8">
+              <a:extLst>
+                <a:ext uri="{FF2B5EF4-FFF2-40B4-BE49-F238E27FC236}">
+                  <a16:creationId xmlns:a16="http://schemas.microsoft.com/office/drawing/2014/main" id="{1B41C9F0-D3A9-65BA-06E4-35149F8FB04B}"/>
+                </a:ext>
+              </a:extLst>
+            </p:cNvPr>
+            <p:cNvSpPr/>
+            <p:nvPr/>
+          </p:nvSpPr>
+          <p:spPr>
+            <a:xfrm>
+              <a:off x="6112893" y="1881384"/>
+              <a:ext cx="310049" cy="310049"/>
+            </a:xfrm>
+            <a:prstGeom prst="ellipse">
+              <a:avLst/>
+            </a:prstGeom>
+            <a:solidFill>
+              <a:srgbClr val="00B050"/>
+            </a:solidFill>
+            <a:ln w="28575">
+              <a:noFill/>
+            </a:ln>
+          </p:spPr>
+          <p:style>
+            <a:lnRef idx="2">
+              <a:schemeClr val="accent1">
+                <a:shade val="15000"/>
+              </a:schemeClr>
+            </a:lnRef>
+            <a:fillRef idx="1">
+              <a:schemeClr val="accent1"/>
+            </a:fillRef>
+            <a:effectRef idx="0">
+              <a:schemeClr val="accent1"/>
+            </a:effectRef>
+            <a:fontRef idx="minor">
+              <a:schemeClr val="lt1"/>
+            </a:fontRef>
+          </p:style>
+          <p:txBody>
+            <a:bodyPr rtlCol="0" anchor="ctr"/>
+            <a:lstStyle/>
+            <a:p>
+              <a:pPr algn="ctr"/>
+              <a:endParaRPr lang="en-US"/>
+            </a:p>
+          </p:txBody>
+        </p:sp>
+        <p:pic>
+          <p:nvPicPr>
+            <p:cNvPr id="10" name="Picture 9">
+              <a:extLst>
+                <a:ext uri="{FF2B5EF4-FFF2-40B4-BE49-F238E27FC236}">
+                  <a16:creationId xmlns:a16="http://schemas.microsoft.com/office/drawing/2014/main" id="{60385A72-8399-EAE5-E78F-B9B91C4BFA2F}"/>
+                </a:ext>
+              </a:extLst>
+            </p:cNvPr>
+            <p:cNvPicPr>
+              <a:picLocks noChangeAspect="1"/>
+            </p:cNvPicPr>
+            <p:nvPr/>
+          </p:nvPicPr>
+          <p:blipFill>
+            <a:blip r:embed="rId8">
+              <a:extLst>
+                <a:ext uri="{28A0092B-C50C-407E-A947-70E740481C1C}">
+                  <a14:useLocalDpi xmlns:a14="http://schemas.microsoft.com/office/drawing/2010/main" val="0"/>
+                </a:ext>
+              </a:extLst>
+            </a:blip>
+            <a:stretch>
+              <a:fillRect/>
+            </a:stretch>
+          </p:blipFill>
+          <p:spPr>
+            <a:xfrm>
+              <a:off x="6096000" y="1864501"/>
+              <a:ext cx="343816" cy="343814"/>
+            </a:xfrm>
+            <a:prstGeom prst="rect">
+              <a:avLst/>
+            </a:prstGeom>
+            <a:ln>
+              <a:noFill/>
+            </a:ln>
+          </p:spPr>
+        </p:pic>
+      </p:grpSp>
+      <p:cxnSp>
+        <p:nvCxnSpPr>
+          <p:cNvPr id="36" name="Straight Arrow Connector 35">
+            <a:extLst>
+              <a:ext uri="{FF2B5EF4-FFF2-40B4-BE49-F238E27FC236}">
+                <a16:creationId xmlns:a16="http://schemas.microsoft.com/office/drawing/2014/main" id="{6260E806-3CB5-BB5C-6B9E-32EE76B4265A}"/>
+              </a:ext>
+            </a:extLst>
+          </p:cNvPr>
+          <p:cNvCxnSpPr>
+            <a:cxnSpLocks/>
+          </p:cNvCxnSpPr>
+          <p:nvPr/>
+        </p:nvCxnSpPr>
+        <p:spPr>
+          <a:xfrm flipH="1">
+            <a:off x="424497" y="3912864"/>
+            <a:ext cx="1352670" cy="739200"/>
+          </a:xfrm>
+          <a:prstGeom prst="straightConnector1">
+            <a:avLst/>
+          </a:prstGeom>
+          <a:ln w="57150">
+            <a:solidFill>
+              <a:srgbClr val="1122FF"/>
+            </a:solidFill>
+            <a:tailEnd type="triangle"/>
+          </a:ln>
+        </p:spPr>
+        <p:style>
+          <a:lnRef idx="1">
+            <a:schemeClr val="accent1"/>
+          </a:lnRef>
+          <a:fillRef idx="0">
+            <a:schemeClr val="accent1"/>
+          </a:fillRef>
+          <a:effectRef idx="0">
+            <a:schemeClr val="accent1"/>
+          </a:effectRef>
+          <a:fontRef idx="minor">
+            <a:schemeClr val="tx1"/>
+          </a:fontRef>
+        </p:style>
+      </p:cxnSp>
+      <p:cxnSp>
+        <p:nvCxnSpPr>
+          <p:cNvPr id="37" name="Straight Arrow Connector 36">
+            <a:extLst>
+              <a:ext uri="{FF2B5EF4-FFF2-40B4-BE49-F238E27FC236}">
+                <a16:creationId xmlns:a16="http://schemas.microsoft.com/office/drawing/2014/main" id="{AE957454-C86B-69F7-785C-5514BFCCD5EB}"/>
+              </a:ext>
+            </a:extLst>
+          </p:cNvPr>
+          <p:cNvCxnSpPr>
+            <a:cxnSpLocks/>
+          </p:cNvCxnSpPr>
+          <p:nvPr/>
+        </p:nvCxnSpPr>
+        <p:spPr>
+          <a:xfrm>
+            <a:off x="1782958" y="3912864"/>
+            <a:ext cx="1166183" cy="726500"/>
+          </a:xfrm>
+          <a:prstGeom prst="straightConnector1">
+            <a:avLst/>
+          </a:prstGeom>
+          <a:ln w="57150">
+            <a:solidFill>
+              <a:srgbClr val="C00000"/>
+            </a:solidFill>
+            <a:tailEnd type="triangle"/>
+          </a:ln>
+        </p:spPr>
+        <p:style>
+          <a:lnRef idx="1">
+            <a:schemeClr val="accent1"/>
+          </a:lnRef>
+          <a:fillRef idx="0">
+            <a:schemeClr val="accent1"/>
+          </a:fillRef>
+          <a:effectRef idx="0">
+            <a:schemeClr val="accent1"/>
+          </a:effectRef>
+          <a:fontRef idx="minor">
+            <a:schemeClr val="tx1"/>
+          </a:fontRef>
+        </p:style>
+      </p:cxnSp>
+      <p:cxnSp>
+        <p:nvCxnSpPr>
+          <p:cNvPr id="38" name="Straight Arrow Connector 37">
+            <a:extLst>
+              <a:ext uri="{FF2B5EF4-FFF2-40B4-BE49-F238E27FC236}">
+                <a16:creationId xmlns:a16="http://schemas.microsoft.com/office/drawing/2014/main" id="{7A441511-62CF-6D1E-71F3-D370D9465B00}"/>
+              </a:ext>
+            </a:extLst>
+          </p:cNvPr>
+          <p:cNvCxnSpPr>
+            <a:cxnSpLocks/>
+          </p:cNvCxnSpPr>
+          <p:nvPr/>
+        </p:nvCxnSpPr>
+        <p:spPr>
+          <a:xfrm flipV="1">
+            <a:off x="1782958" y="2696264"/>
+            <a:ext cx="0" cy="1216600"/>
+          </a:xfrm>
+          <a:prstGeom prst="straightConnector1">
+            <a:avLst/>
+          </a:prstGeom>
+          <a:ln w="57150">
+            <a:solidFill>
+              <a:srgbClr val="00B050"/>
+            </a:solidFill>
+            <a:tailEnd type="triangle"/>
+          </a:ln>
+        </p:spPr>
+        <p:style>
+          <a:lnRef idx="1">
+            <a:schemeClr val="accent1"/>
+          </a:lnRef>
+          <a:fillRef idx="0">
+            <a:schemeClr val="accent1"/>
+          </a:fillRef>
+          <a:effectRef idx="0">
+            <a:schemeClr val="accent1"/>
+          </a:effectRef>
+          <a:fontRef idx="minor">
+            <a:schemeClr val="tx1"/>
+          </a:fontRef>
+        </p:style>
+      </p:cxnSp>
+      <p:grpSp>
+        <p:nvGrpSpPr>
+          <p:cNvPr id="56" name="Group 55">
+            <a:extLst>
+              <a:ext uri="{FF2B5EF4-FFF2-40B4-BE49-F238E27FC236}">
+                <a16:creationId xmlns:a16="http://schemas.microsoft.com/office/drawing/2014/main" id="{B0FB38A3-30EC-65C4-3D85-59E0BD014E0D}"/>
+              </a:ext>
+            </a:extLst>
+          </p:cNvPr>
+          <p:cNvGrpSpPr/>
+          <p:nvPr/>
+        </p:nvGrpSpPr>
+        <p:grpSpPr>
+          <a:xfrm>
+            <a:off x="1682934" y="3818632"/>
+            <a:ext cx="188465" cy="188464"/>
+            <a:chOff x="6096009" y="1864501"/>
+            <a:chExt cx="343816" cy="343814"/>
+          </a:xfrm>
+        </p:grpSpPr>
+        <p:sp>
+          <p:nvSpPr>
+            <p:cNvPr id="57" name="Oval 56">
+              <a:extLst>
+                <a:ext uri="{FF2B5EF4-FFF2-40B4-BE49-F238E27FC236}">
+                  <a16:creationId xmlns:a16="http://schemas.microsoft.com/office/drawing/2014/main" id="{CA6D20C9-DE08-D6BC-388F-AB7B07FFD170}"/>
+                </a:ext>
+              </a:extLst>
+            </p:cNvPr>
+            <p:cNvSpPr/>
+            <p:nvPr/>
+          </p:nvSpPr>
+          <p:spPr>
+            <a:xfrm>
+              <a:off x="6112893" y="1881384"/>
+              <a:ext cx="310049" cy="310049"/>
+            </a:xfrm>
+            <a:prstGeom prst="ellipse">
+              <a:avLst/>
+            </a:prstGeom>
+            <a:solidFill>
+              <a:schemeClr val="bg1"/>
+            </a:solidFill>
+            <a:ln w="28575">
+              <a:noFill/>
+            </a:ln>
+          </p:spPr>
+          <p:style>
+            <a:lnRef idx="2">
+              <a:schemeClr val="accent1">
+                <a:shade val="15000"/>
+              </a:schemeClr>
+            </a:lnRef>
+            <a:fillRef idx="1">
+              <a:schemeClr val="accent1"/>
+            </a:fillRef>
+            <a:effectRef idx="0">
+              <a:schemeClr val="accent1"/>
+            </a:effectRef>
+            <a:fontRef idx="minor">
+              <a:schemeClr val="lt1"/>
+            </a:fontRef>
+          </p:style>
+          <p:txBody>
+            <a:bodyPr rtlCol="0" anchor="ctr"/>
+            <a:lstStyle/>
+            <a:p>
+              <a:pPr algn="ctr"/>
+              <a:endParaRPr lang="en-US"/>
+            </a:p>
+          </p:txBody>
+        </p:sp>
+        <p:pic>
+          <p:nvPicPr>
+            <p:cNvPr id="58" name="Picture 57">
+              <a:extLst>
+                <a:ext uri="{FF2B5EF4-FFF2-40B4-BE49-F238E27FC236}">
+                  <a16:creationId xmlns:a16="http://schemas.microsoft.com/office/drawing/2014/main" id="{81A46792-C030-723B-AD3C-D542C8B71249}"/>
+                </a:ext>
+              </a:extLst>
+            </p:cNvPr>
+            <p:cNvPicPr>
+              <a:picLocks noChangeAspect="1"/>
+            </p:cNvPicPr>
+            <p:nvPr/>
+          </p:nvPicPr>
+          <p:blipFill>
+            <a:blip r:embed="rId8">
+              <a:extLst>
+                <a:ext uri="{28A0092B-C50C-407E-A947-70E740481C1C}">
+                  <a14:useLocalDpi xmlns:a14="http://schemas.microsoft.com/office/drawing/2010/main" val="0"/>
+                </a:ext>
+              </a:extLst>
+            </a:blip>
+            <a:stretch>
+              <a:fillRect/>
+            </a:stretch>
+          </p:blipFill>
+          <p:spPr>
+            <a:xfrm>
+              <a:off x="6096009" y="1864501"/>
+              <a:ext cx="343816" cy="343814"/>
+            </a:xfrm>
+            <a:prstGeom prst="rect">
+              <a:avLst/>
+            </a:prstGeom>
+            <a:ln>
+              <a:noFill/>
+            </a:ln>
+          </p:spPr>
+        </p:pic>
+      </p:grpSp>
+      <mc:AlternateContent xmlns:mc="http://schemas.openxmlformats.org/markup-compatibility/2006" xmlns:a14="http://schemas.microsoft.com/office/drawing/2010/main">
+        <mc:Choice Requires="a14">
+          <p:sp>
+            <p:nvSpPr>
+              <p:cNvPr id="59" name="TextBox 58">
+                <a:extLst>
+                  <a:ext uri="{FF2B5EF4-FFF2-40B4-BE49-F238E27FC236}">
+                    <a16:creationId xmlns:a16="http://schemas.microsoft.com/office/drawing/2014/main" id="{19E37681-A2E0-F3F7-35A2-F64A423371B4}"/>
+                  </a:ext>
+                </a:extLst>
+              </p:cNvPr>
+              <p:cNvSpPr txBox="1"/>
+              <p:nvPr/>
+            </p:nvSpPr>
+            <p:spPr>
+              <a:xfrm>
+                <a:off x="4767307" y="384201"/>
+                <a:ext cx="227626" cy="369332"/>
+              </a:xfrm>
+              <a:prstGeom prst="rect">
+                <a:avLst/>
+              </a:prstGeom>
+              <a:noFill/>
+            </p:spPr>
+            <p:txBody>
+              <a:bodyPr wrap="square" lIns="0" tIns="0" rIns="0" bIns="0" rtlCol="0">
+                <a:spAutoFit/>
+              </a:bodyPr>
+              <a:lstStyle/>
+              <a:p>
+                <a:pPr/>
+                <a14:m>
+                  <m:oMathPara xmlns:m="http://schemas.openxmlformats.org/officeDocument/2006/math">
+                    <m:oMathParaPr>
+                      <m:jc m:val="centerGroup"/>
+                    </m:oMathParaPr>
+                    <m:oMath xmlns:m="http://schemas.openxmlformats.org/officeDocument/2006/math">
+                      <m:acc>
+                        <m:accPr>
+                          <m:chr m:val="̂"/>
+                          <m:ctrlPr>
+                            <a:rPr lang="en-US" sz="2400" b="1" i="1" smtClean="0">
+                              <a:latin typeface="Cambria Math" panose="02040503050406030204" pitchFamily="18" charset="0"/>
+                            </a:rPr>
+                          </m:ctrlPr>
+                        </m:accPr>
+                        <m:e>
+                          <m:r>
+                            <a:rPr lang="en-US" sz="2400" b="1" i="1" smtClean="0">
+                              <a:latin typeface="Cambria Math" panose="02040503050406030204" pitchFamily="18" charset="0"/>
+                            </a:rPr>
+                            <m:t>𝒛</m:t>
+                          </m:r>
+                        </m:e>
+                      </m:acc>
+                    </m:oMath>
+                  </m:oMathPara>
+                </a14:m>
+                <a:endParaRPr lang="en-US" sz="2400" b="1" dirty="0"/>
+              </a:p>
+            </p:txBody>
+          </p:sp>
+        </mc:Choice>
+        <mc:Fallback xmlns="">
+          <p:sp>
+            <p:nvSpPr>
+              <p:cNvPr id="59" name="TextBox 58">
+                <a:extLst>
+                  <a:ext uri="{FF2B5EF4-FFF2-40B4-BE49-F238E27FC236}">
+                    <a16:creationId xmlns:a16="http://schemas.microsoft.com/office/drawing/2014/main" id="{19E37681-A2E0-F3F7-35A2-F64A423371B4}"/>
+                  </a:ext>
+                </a:extLst>
+              </p:cNvPr>
+              <p:cNvSpPr txBox="1">
+                <a:spLocks noRot="1" noChangeAspect="1" noMove="1" noResize="1" noEditPoints="1" noAdjustHandles="1" noChangeArrowheads="1" noChangeShapeType="1" noTextEdit="1"/>
+              </p:cNvSpPr>
+              <p:nvPr/>
+            </p:nvSpPr>
+            <p:spPr>
+              <a:xfrm>
+                <a:off x="4767307" y="384201"/>
+                <a:ext cx="227626" cy="369332"/>
+              </a:xfrm>
+              <a:prstGeom prst="rect">
+                <a:avLst/>
+              </a:prstGeom>
+              <a:blipFill>
+                <a:blip r:embed="rId9"/>
+                <a:stretch>
+                  <a:fillRect l="-24324" t="-18033" r="-75676"/>
+                </a:stretch>
+              </a:blipFill>
+            </p:spPr>
+            <p:txBody>
+              <a:bodyPr/>
+              <a:lstStyle/>
+              <a:p>
+                <a:r>
+                  <a:rPr lang="en-US">
+                    <a:noFill/>
+                  </a:rPr>
+                  <a:t> </a:t>
+                </a:r>
+              </a:p>
+            </p:txBody>
+          </p:sp>
+        </mc:Fallback>
+      </mc:AlternateContent>
+      <mc:AlternateContent xmlns:mc="http://schemas.openxmlformats.org/markup-compatibility/2006" xmlns:a14="http://schemas.microsoft.com/office/drawing/2010/main">
+        <mc:Choice Requires="a14">
+          <p:sp>
+            <p:nvSpPr>
+              <p:cNvPr id="62" name="TextBox 61">
+                <a:extLst>
+                  <a:ext uri="{FF2B5EF4-FFF2-40B4-BE49-F238E27FC236}">
+                    <a16:creationId xmlns:a16="http://schemas.microsoft.com/office/drawing/2014/main" id="{76725AE6-6497-78B6-43AD-C4BA28453DC6}"/>
+                  </a:ext>
+                </a:extLst>
+              </p:cNvPr>
+              <p:cNvSpPr txBox="1"/>
+              <p:nvPr/>
+            </p:nvSpPr>
+            <p:spPr>
+              <a:xfrm>
+                <a:off x="9151783" y="5372100"/>
+                <a:ext cx="227626" cy="369332"/>
+              </a:xfrm>
+              <a:prstGeom prst="rect">
+                <a:avLst/>
+              </a:prstGeom>
+              <a:noFill/>
+            </p:spPr>
+            <p:txBody>
+              <a:bodyPr wrap="square" lIns="0" tIns="0" rIns="0" bIns="0" rtlCol="0">
+                <a:spAutoFit/>
+              </a:bodyPr>
+              <a:lstStyle/>
+              <a:p>
+                <a:pPr/>
+                <a14:m>
+                  <m:oMathPara xmlns:m="http://schemas.openxmlformats.org/officeDocument/2006/math">
+                    <m:oMathParaPr>
+                      <m:jc m:val="centerGroup"/>
+                    </m:oMathParaPr>
+                    <m:oMath xmlns:m="http://schemas.openxmlformats.org/officeDocument/2006/math">
+                      <m:acc>
+                        <m:accPr>
+                          <m:chr m:val="̂"/>
+                          <m:ctrlPr>
+                            <a:rPr lang="en-US" sz="2400" b="1" i="1" smtClean="0">
+                              <a:latin typeface="Cambria Math" panose="02040503050406030204" pitchFamily="18" charset="0"/>
+                            </a:rPr>
+                          </m:ctrlPr>
+                        </m:accPr>
+                        <m:e>
+                          <m:r>
+                            <a:rPr lang="en-US" sz="2400" b="1" i="1" smtClean="0">
+                              <a:latin typeface="Cambria Math" panose="02040503050406030204" pitchFamily="18" charset="0"/>
+                            </a:rPr>
+                            <m:t>𝒛</m:t>
+                          </m:r>
+                        </m:e>
+                      </m:acc>
+                    </m:oMath>
+                  </m:oMathPara>
+                </a14:m>
+                <a:endParaRPr lang="en-US" sz="2400" b="1" dirty="0"/>
+              </a:p>
+            </p:txBody>
+          </p:sp>
+        </mc:Choice>
+        <mc:Fallback xmlns="">
+          <p:sp>
+            <p:nvSpPr>
+              <p:cNvPr id="62" name="TextBox 61">
+                <a:extLst>
+                  <a:ext uri="{FF2B5EF4-FFF2-40B4-BE49-F238E27FC236}">
+                    <a16:creationId xmlns:a16="http://schemas.microsoft.com/office/drawing/2014/main" id="{76725AE6-6497-78B6-43AD-C4BA28453DC6}"/>
+                  </a:ext>
+                </a:extLst>
+              </p:cNvPr>
+              <p:cNvSpPr txBox="1">
+                <a:spLocks noRot="1" noChangeAspect="1" noMove="1" noResize="1" noEditPoints="1" noAdjustHandles="1" noChangeArrowheads="1" noChangeShapeType="1" noTextEdit="1"/>
+              </p:cNvSpPr>
+              <p:nvPr/>
+            </p:nvSpPr>
+            <p:spPr>
+              <a:xfrm>
+                <a:off x="9151783" y="5372100"/>
+                <a:ext cx="227626" cy="369332"/>
+              </a:xfrm>
+              <a:prstGeom prst="rect">
+                <a:avLst/>
+              </a:prstGeom>
+              <a:blipFill>
+                <a:blip r:embed="rId10"/>
+                <a:stretch>
+                  <a:fillRect l="-23684" t="-18033" r="-71053"/>
+                </a:stretch>
+              </a:blipFill>
+            </p:spPr>
+            <p:txBody>
+              <a:bodyPr/>
+              <a:lstStyle/>
+              <a:p>
+                <a:r>
+                  <a:rPr lang="en-US">
+                    <a:noFill/>
+                  </a:rPr>
+                  <a:t> </a:t>
+                </a:r>
+              </a:p>
+            </p:txBody>
+          </p:sp>
+        </mc:Fallback>
+      </mc:AlternateContent>
+      <p:sp>
+        <p:nvSpPr>
+          <p:cNvPr id="66" name="Freeform: Shape 65">
+            <a:extLst>
+              <a:ext uri="{FF2B5EF4-FFF2-40B4-BE49-F238E27FC236}">
+                <a16:creationId xmlns:a16="http://schemas.microsoft.com/office/drawing/2014/main" id="{12B0126D-C4CD-520D-29B6-E80F59DB77E5}"/>
+              </a:ext>
+            </a:extLst>
+          </p:cNvPr>
+          <p:cNvSpPr/>
+          <p:nvPr/>
+        </p:nvSpPr>
+        <p:spPr>
+          <a:xfrm>
+            <a:off x="3932672" y="414079"/>
+            <a:ext cx="970280" cy="1148080"/>
+          </a:xfrm>
+          <a:custGeom>
+            <a:avLst/>
+            <a:gdLst>
+              <a:gd name="connsiteX0" fmla="*/ 609600 w 970280"/>
+              <a:gd name="connsiteY0" fmla="*/ 0 h 1148080"/>
+              <a:gd name="connsiteX1" fmla="*/ 0 w 970280"/>
+              <a:gd name="connsiteY1" fmla="*/ 751840 h 1148080"/>
+              <a:gd name="connsiteX2" fmla="*/ 340360 w 970280"/>
+              <a:gd name="connsiteY2" fmla="*/ 1148080 h 1148080"/>
+              <a:gd name="connsiteX3" fmla="*/ 970280 w 970280"/>
+              <a:gd name="connsiteY3" fmla="*/ 406400 h 1148080"/>
+              <a:gd name="connsiteX4" fmla="*/ 609600 w 970280"/>
+              <a:gd name="connsiteY4" fmla="*/ 0 h 1148080"/>
+            </a:gdLst>
+            <a:ahLst/>
+            <a:cxnLst>
+              <a:cxn ang="0">
+                <a:pos x="connsiteX0" y="connsiteY0"/>
+              </a:cxn>
+              <a:cxn ang="0">
+                <a:pos x="connsiteX1" y="connsiteY1"/>
+              </a:cxn>
+              <a:cxn ang="0">
+                <a:pos x="connsiteX2" y="connsiteY2"/>
+              </a:cxn>
+              <a:cxn ang="0">
+                <a:pos x="connsiteX3" y="connsiteY3"/>
+              </a:cxn>
+              <a:cxn ang="0">
+                <a:pos x="connsiteX4" y="connsiteY4"/>
+              </a:cxn>
+            </a:cxnLst>
+            <a:rect l="l" t="t" r="r" b="b"/>
+            <a:pathLst>
+              <a:path w="970280" h="1148080">
+                <a:moveTo>
+                  <a:pt x="609600" y="0"/>
+                </a:moveTo>
+                <a:lnTo>
+                  <a:pt x="0" y="751840"/>
+                </a:lnTo>
+                <a:lnTo>
+                  <a:pt x="340360" y="1148080"/>
+                </a:lnTo>
+                <a:lnTo>
+                  <a:pt x="970280" y="406400"/>
+                </a:lnTo>
+                <a:lnTo>
+                  <a:pt x="609600" y="0"/>
+                </a:lnTo>
+                <a:close/>
+              </a:path>
+            </a:pathLst>
+          </a:custGeom>
+          <a:solidFill>
+            <a:srgbClr val="99FF33">
+              <a:alpha val="49804"/>
+            </a:srgbClr>
+          </a:solidFill>
+          <a:ln>
+            <a:noFill/>
+          </a:ln>
+        </p:spPr>
+        <p:style>
+          <a:lnRef idx="2">
+            <a:schemeClr val="accent1">
+              <a:shade val="15000"/>
+            </a:schemeClr>
+          </a:lnRef>
+          <a:fillRef idx="1">
+            <a:schemeClr val="accent1"/>
+          </a:fillRef>
+          <a:effectRef idx="0">
+            <a:schemeClr val="accent1"/>
+          </a:effectRef>
+          <a:fontRef idx="minor">
+            <a:schemeClr val="lt1"/>
+          </a:fontRef>
+        </p:style>
+        <p:txBody>
+          <a:bodyPr rtlCol="0" anchor="ctr"/>
+          <a:lstStyle/>
+          <a:p>
+            <a:pPr algn="ctr"/>
+            <a:endParaRPr lang="en-US"/>
+          </a:p>
+        </p:txBody>
+      </p:sp>
+      <p:cxnSp>
+        <p:nvCxnSpPr>
+          <p:cNvPr id="60" name="Straight Arrow Connector 59">
+            <a:extLst>
+              <a:ext uri="{FF2B5EF4-FFF2-40B4-BE49-F238E27FC236}">
+                <a16:creationId xmlns:a16="http://schemas.microsoft.com/office/drawing/2014/main" id="{F9E8DEF3-0137-5A1D-32B5-D219A8403DB9}"/>
+              </a:ext>
+            </a:extLst>
+          </p:cNvPr>
+          <p:cNvCxnSpPr>
+            <a:cxnSpLocks/>
+          </p:cNvCxnSpPr>
+          <p:nvPr/>
+        </p:nvCxnSpPr>
+        <p:spPr>
+          <a:xfrm flipV="1">
+            <a:off x="4411606" y="753533"/>
+            <a:ext cx="736127" cy="234586"/>
+          </a:xfrm>
+          <a:prstGeom prst="straightConnector1">
+            <a:avLst/>
+          </a:prstGeom>
+          <a:ln w="57150">
+            <a:solidFill>
+              <a:srgbClr val="00B050"/>
+            </a:solidFill>
+            <a:tailEnd type="triangle"/>
+          </a:ln>
+        </p:spPr>
+        <p:style>
+          <a:lnRef idx="1">
+            <a:schemeClr val="accent1"/>
+          </a:lnRef>
+          <a:fillRef idx="0">
+            <a:schemeClr val="accent1"/>
+          </a:fillRef>
+          <a:effectRef idx="0">
+            <a:schemeClr val="accent1"/>
+          </a:effectRef>
+          <a:fontRef idx="minor">
+            <a:schemeClr val="tx1"/>
+          </a:fontRef>
+        </p:style>
+      </p:cxnSp>
+      <p:sp>
+        <p:nvSpPr>
+          <p:cNvPr id="67" name="Freeform: Shape 66">
+            <a:extLst>
+              <a:ext uri="{FF2B5EF4-FFF2-40B4-BE49-F238E27FC236}">
+                <a16:creationId xmlns:a16="http://schemas.microsoft.com/office/drawing/2014/main" id="{47122431-CDD4-B021-8778-C9E2F9C4567C}"/>
+              </a:ext>
+            </a:extLst>
+          </p:cNvPr>
+          <p:cNvSpPr/>
+          <p:nvPr/>
+        </p:nvSpPr>
+        <p:spPr>
+          <a:xfrm>
+            <a:off x="8334587" y="5448836"/>
+            <a:ext cx="970280" cy="1148080"/>
+          </a:xfrm>
+          <a:custGeom>
+            <a:avLst/>
+            <a:gdLst>
+              <a:gd name="connsiteX0" fmla="*/ 609600 w 970280"/>
+              <a:gd name="connsiteY0" fmla="*/ 0 h 1148080"/>
+              <a:gd name="connsiteX1" fmla="*/ 0 w 970280"/>
+              <a:gd name="connsiteY1" fmla="*/ 751840 h 1148080"/>
+              <a:gd name="connsiteX2" fmla="*/ 340360 w 970280"/>
+              <a:gd name="connsiteY2" fmla="*/ 1148080 h 1148080"/>
+              <a:gd name="connsiteX3" fmla="*/ 970280 w 970280"/>
+              <a:gd name="connsiteY3" fmla="*/ 406400 h 1148080"/>
+              <a:gd name="connsiteX4" fmla="*/ 609600 w 970280"/>
+              <a:gd name="connsiteY4" fmla="*/ 0 h 1148080"/>
+            </a:gdLst>
+            <a:ahLst/>
+            <a:cxnLst>
+              <a:cxn ang="0">
+                <a:pos x="connsiteX0" y="connsiteY0"/>
+              </a:cxn>
+              <a:cxn ang="0">
+                <a:pos x="connsiteX1" y="connsiteY1"/>
+              </a:cxn>
+              <a:cxn ang="0">
+                <a:pos x="connsiteX2" y="connsiteY2"/>
+              </a:cxn>
+              <a:cxn ang="0">
+                <a:pos x="connsiteX3" y="connsiteY3"/>
+              </a:cxn>
+              <a:cxn ang="0">
+                <a:pos x="connsiteX4" y="connsiteY4"/>
+              </a:cxn>
+            </a:cxnLst>
+            <a:rect l="l" t="t" r="r" b="b"/>
+            <a:pathLst>
+              <a:path w="970280" h="1148080">
+                <a:moveTo>
+                  <a:pt x="609600" y="0"/>
+                </a:moveTo>
+                <a:lnTo>
+                  <a:pt x="0" y="751840"/>
+                </a:lnTo>
+                <a:lnTo>
+                  <a:pt x="340360" y="1148080"/>
+                </a:lnTo>
+                <a:lnTo>
+                  <a:pt x="970280" y="406400"/>
+                </a:lnTo>
+                <a:lnTo>
+                  <a:pt x="609600" y="0"/>
+                </a:lnTo>
+                <a:close/>
+              </a:path>
+            </a:pathLst>
+          </a:custGeom>
+          <a:solidFill>
+            <a:srgbClr val="99FF33">
+              <a:alpha val="49804"/>
+            </a:srgbClr>
+          </a:solidFill>
+          <a:ln>
+            <a:noFill/>
+          </a:ln>
+        </p:spPr>
+        <p:style>
+          <a:lnRef idx="2">
+            <a:schemeClr val="accent1">
+              <a:shade val="15000"/>
+            </a:schemeClr>
+          </a:lnRef>
+          <a:fillRef idx="1">
+            <a:schemeClr val="accent1"/>
+          </a:fillRef>
+          <a:effectRef idx="0">
+            <a:schemeClr val="accent1"/>
+          </a:effectRef>
+          <a:fontRef idx="minor">
+            <a:schemeClr val="lt1"/>
+          </a:fontRef>
+        </p:style>
+        <p:txBody>
+          <a:bodyPr rtlCol="0" anchor="ctr"/>
+          <a:lstStyle/>
+          <a:p>
+            <a:pPr algn="ctr"/>
+            <a:endParaRPr lang="en-US"/>
+          </a:p>
+        </p:txBody>
+      </p:sp>
+      <p:cxnSp>
+        <p:nvCxnSpPr>
+          <p:cNvPr id="63" name="Straight Arrow Connector 62">
+            <a:extLst>
+              <a:ext uri="{FF2B5EF4-FFF2-40B4-BE49-F238E27FC236}">
+                <a16:creationId xmlns:a16="http://schemas.microsoft.com/office/drawing/2014/main" id="{6AF27ADE-3D5C-95B7-9634-04A4E3E36B27}"/>
+              </a:ext>
+            </a:extLst>
+          </p:cNvPr>
+          <p:cNvCxnSpPr>
+            <a:cxnSpLocks/>
+          </p:cNvCxnSpPr>
+          <p:nvPr/>
+        </p:nvCxnSpPr>
+        <p:spPr>
+          <a:xfrm flipV="1">
+            <a:off x="8796082" y="5741432"/>
+            <a:ext cx="736127" cy="234586"/>
+          </a:xfrm>
+          <a:prstGeom prst="straightConnector1">
+            <a:avLst/>
+          </a:prstGeom>
+          <a:ln w="57150">
+            <a:solidFill>
+              <a:srgbClr val="00B050"/>
+            </a:solidFill>
+            <a:tailEnd type="triangle"/>
+          </a:ln>
+        </p:spPr>
+        <p:style>
+          <a:lnRef idx="1">
+            <a:schemeClr val="accent1"/>
+          </a:lnRef>
+          <a:fillRef idx="0">
+            <a:schemeClr val="accent1"/>
+          </a:fillRef>
+          <a:effectRef idx="0">
+            <a:schemeClr val="accent1"/>
+          </a:effectRef>
+          <a:fontRef idx="minor">
+            <a:schemeClr val="tx1"/>
+          </a:fontRef>
+        </p:style>
+      </p:cxnSp>
+      <p:cxnSp>
+        <p:nvCxnSpPr>
+          <p:cNvPr id="68" name="Straight Arrow Connector 67">
+            <a:extLst>
+              <a:ext uri="{FF2B5EF4-FFF2-40B4-BE49-F238E27FC236}">
+                <a16:creationId xmlns:a16="http://schemas.microsoft.com/office/drawing/2014/main" id="{F23DB48E-9EE5-7FFC-D6C1-6BF2AEB32FDB}"/>
+              </a:ext>
+            </a:extLst>
+          </p:cNvPr>
+          <p:cNvCxnSpPr>
+            <a:cxnSpLocks/>
+          </p:cNvCxnSpPr>
+          <p:nvPr/>
+        </p:nvCxnSpPr>
+        <p:spPr>
+          <a:xfrm flipH="1">
+            <a:off x="5633975" y="3769462"/>
+            <a:ext cx="641860" cy="766637"/>
+          </a:xfrm>
+          <a:prstGeom prst="straightConnector1">
+            <a:avLst/>
+          </a:prstGeom>
+          <a:ln w="57150">
+            <a:solidFill>
+              <a:srgbClr val="1122FF"/>
+            </a:solidFill>
+            <a:tailEnd type="triangle"/>
+          </a:ln>
+        </p:spPr>
+        <p:style>
+          <a:lnRef idx="1">
+            <a:schemeClr val="accent1"/>
+          </a:lnRef>
+          <a:fillRef idx="0">
+            <a:schemeClr val="accent1"/>
+          </a:fillRef>
+          <a:effectRef idx="0">
+            <a:schemeClr val="accent1"/>
+          </a:effectRef>
+          <a:fontRef idx="minor">
+            <a:schemeClr val="tx1"/>
+          </a:fontRef>
+        </p:style>
+      </p:cxnSp>
+      <mc:AlternateContent xmlns:mc="http://schemas.openxmlformats.org/markup-compatibility/2006" xmlns:a14="http://schemas.microsoft.com/office/drawing/2010/main">
+        <mc:Choice Requires="a14">
+          <p:sp>
+            <p:nvSpPr>
+              <p:cNvPr id="71" name="TextBox 70">
+                <a:extLst>
+                  <a:ext uri="{FF2B5EF4-FFF2-40B4-BE49-F238E27FC236}">
+                    <a16:creationId xmlns:a16="http://schemas.microsoft.com/office/drawing/2014/main" id="{AA9DA8B8-FA59-34B3-8648-A9D40E1F8ED0}"/>
+                  </a:ext>
+                </a:extLst>
+              </p:cNvPr>
+              <p:cNvSpPr txBox="1"/>
+              <p:nvPr/>
+            </p:nvSpPr>
+            <p:spPr>
+              <a:xfrm>
+                <a:off x="5244956" y="3968114"/>
+                <a:ext cx="476092" cy="369332"/>
+              </a:xfrm>
+              <a:prstGeom prst="rect">
+                <a:avLst/>
+              </a:prstGeom>
+              <a:noFill/>
+            </p:spPr>
+            <p:txBody>
+              <a:bodyPr wrap="none" lIns="0" tIns="0" rIns="0" bIns="0" rtlCol="0">
+                <a:spAutoFit/>
+              </a:bodyPr>
+              <a:lstStyle/>
+              <a:p>
+                <a:pPr/>
+                <a14:m>
+                  <m:oMathPara xmlns:m="http://schemas.openxmlformats.org/officeDocument/2006/math">
+                    <m:oMathParaPr>
+                      <m:jc m:val="centerGroup"/>
+                    </m:oMathParaPr>
+                    <m:oMath xmlns:m="http://schemas.openxmlformats.org/officeDocument/2006/math">
+                      <m:r>
+                        <a:rPr lang="en-US" sz="2400" b="1" i="1" smtClean="0">
+                          <a:latin typeface="Cambria Math" panose="02040503050406030204" pitchFamily="18" charset="0"/>
+                        </a:rPr>
+                        <m:t>−</m:t>
+                      </m:r>
+                      <m:acc>
+                        <m:accPr>
+                          <m:chr m:val="̂"/>
+                          <m:ctrlPr>
+                            <a:rPr lang="en-US" sz="2400" b="1" i="1" smtClean="0">
+                              <a:latin typeface="Cambria Math" panose="02040503050406030204" pitchFamily="18" charset="0"/>
+                            </a:rPr>
+                          </m:ctrlPr>
+                        </m:accPr>
+                        <m:e>
+                          <m:r>
+                            <a:rPr lang="en-US" sz="2400" b="1" i="1" smtClean="0">
+                              <a:latin typeface="Cambria Math" panose="02040503050406030204" pitchFamily="18" charset="0"/>
+                            </a:rPr>
+                            <m:t>𝒙</m:t>
+                          </m:r>
+                        </m:e>
+                      </m:acc>
+                    </m:oMath>
+                  </m:oMathPara>
+                </a14:m>
+                <a:endParaRPr lang="en-US" sz="2400" b="1" dirty="0"/>
+              </a:p>
+            </p:txBody>
+          </p:sp>
+        </mc:Choice>
+        <mc:Fallback xmlns="">
+          <p:sp>
+            <p:nvSpPr>
+              <p:cNvPr id="71" name="TextBox 70">
+                <a:extLst>
+                  <a:ext uri="{FF2B5EF4-FFF2-40B4-BE49-F238E27FC236}">
+                    <a16:creationId xmlns:a16="http://schemas.microsoft.com/office/drawing/2014/main" id="{AA9DA8B8-FA59-34B3-8648-A9D40E1F8ED0}"/>
+                  </a:ext>
+                </a:extLst>
+              </p:cNvPr>
+              <p:cNvSpPr txBox="1">
+                <a:spLocks noRot="1" noChangeAspect="1" noMove="1" noResize="1" noEditPoints="1" noAdjustHandles="1" noChangeArrowheads="1" noChangeShapeType="1" noTextEdit="1"/>
+              </p:cNvSpPr>
+              <p:nvPr/>
+            </p:nvSpPr>
+            <p:spPr>
+              <a:xfrm>
+                <a:off x="5244956" y="3968114"/>
+                <a:ext cx="476092" cy="369332"/>
+              </a:xfrm>
+              <a:prstGeom prst="rect">
+                <a:avLst/>
+              </a:prstGeom>
+              <a:blipFill>
+                <a:blip r:embed="rId11"/>
+                <a:stretch>
+                  <a:fillRect l="-2564" t="-19672" r="-79487"/>
+                </a:stretch>
+              </a:blipFill>
+            </p:spPr>
+            <p:txBody>
+              <a:bodyPr/>
+              <a:lstStyle/>
+              <a:p>
+                <a:r>
+                  <a:rPr lang="en-US">
+                    <a:noFill/>
+                  </a:rPr>
+                  <a:t> </a:t>
+                </a:r>
+              </a:p>
+            </p:txBody>
+          </p:sp>
+        </mc:Fallback>
+      </mc:AlternateContent>
+      <mc:AlternateContent xmlns:mc="http://schemas.openxmlformats.org/markup-compatibility/2006" xmlns:a14="http://schemas.microsoft.com/office/drawing/2010/main">
+        <mc:Choice Requires="a14">
+          <p:sp>
+            <p:nvSpPr>
+              <p:cNvPr id="72" name="TextBox 71">
+                <a:extLst>
+                  <a:ext uri="{FF2B5EF4-FFF2-40B4-BE49-F238E27FC236}">
+                    <a16:creationId xmlns:a16="http://schemas.microsoft.com/office/drawing/2014/main" id="{328F758D-6B29-C4C2-8F6A-84AE5FB6B6B4}"/>
+                  </a:ext>
+                </a:extLst>
+              </p:cNvPr>
+              <p:cNvSpPr txBox="1"/>
+              <p:nvPr/>
+            </p:nvSpPr>
+            <p:spPr>
+              <a:xfrm>
+                <a:off x="1620896" y="2281224"/>
+                <a:ext cx="415114" cy="369332"/>
+              </a:xfrm>
+              <a:prstGeom prst="rect">
+                <a:avLst/>
+              </a:prstGeom>
+              <a:noFill/>
+            </p:spPr>
+            <p:txBody>
+              <a:bodyPr wrap="none" lIns="0" tIns="0" rIns="0" bIns="0" rtlCol="0">
+                <a:spAutoFit/>
+              </a:bodyPr>
+              <a:lstStyle/>
+              <a:p>
+                <a:pPr/>
+                <a14:m>
+                  <m:oMathPara xmlns:m="http://schemas.openxmlformats.org/officeDocument/2006/math">
+                    <m:oMathParaPr>
+                      <m:jc m:val="centerGroup"/>
+                    </m:oMathParaPr>
+                    <m:oMath xmlns:m="http://schemas.openxmlformats.org/officeDocument/2006/math">
+                      <m:sSub>
+                        <m:sSubPr>
+                          <m:ctrlPr>
+                            <a:rPr lang="en-US" sz="2400" b="1" i="1" smtClean="0">
+                              <a:latin typeface="Cambria Math" panose="02040503050406030204" pitchFamily="18" charset="0"/>
+                            </a:rPr>
+                          </m:ctrlPr>
+                        </m:sSubPr>
+                        <m:e>
+                          <m:acc>
+                            <m:accPr>
+                              <m:chr m:val="̂"/>
+                              <m:ctrlPr>
+                                <a:rPr lang="en-US" sz="2400" b="1" i="1">
+                                  <a:latin typeface="Cambria Math" panose="02040503050406030204" pitchFamily="18" charset="0"/>
+                                </a:rPr>
+                              </m:ctrlPr>
+                            </m:accPr>
+                            <m:e>
+                              <m:r>
+                                <a:rPr lang="en-US" sz="2400" b="1" i="1" smtClean="0">
+                                  <a:latin typeface="Cambria Math" panose="02040503050406030204" pitchFamily="18" charset="0"/>
+                                </a:rPr>
+                                <m:t>𝒏</m:t>
+                              </m:r>
+                            </m:e>
+                          </m:acc>
+                        </m:e>
+                        <m:sub>
+                          <m:r>
+                            <a:rPr lang="en-US" sz="2400" b="1" i="1" smtClean="0">
+                              <a:latin typeface="Cambria Math" panose="02040503050406030204" pitchFamily="18" charset="0"/>
+                            </a:rPr>
+                            <m:t>𝟑</m:t>
+                          </m:r>
+                        </m:sub>
+                      </m:sSub>
+                    </m:oMath>
+                  </m:oMathPara>
+                </a14:m>
+                <a:endParaRPr lang="en-US" sz="2400" b="1" dirty="0"/>
+              </a:p>
+            </p:txBody>
+          </p:sp>
+        </mc:Choice>
+        <mc:Fallback xmlns="">
+          <p:sp>
+            <p:nvSpPr>
+              <p:cNvPr id="72" name="TextBox 71">
+                <a:extLst>
+                  <a:ext uri="{FF2B5EF4-FFF2-40B4-BE49-F238E27FC236}">
+                    <a16:creationId xmlns:a16="http://schemas.microsoft.com/office/drawing/2014/main" id="{328F758D-6B29-C4C2-8F6A-84AE5FB6B6B4}"/>
+                  </a:ext>
+                </a:extLst>
+              </p:cNvPr>
+              <p:cNvSpPr txBox="1">
+                <a:spLocks noRot="1" noChangeAspect="1" noMove="1" noResize="1" noEditPoints="1" noAdjustHandles="1" noChangeArrowheads="1" noChangeShapeType="1" noTextEdit="1"/>
+              </p:cNvSpPr>
+              <p:nvPr/>
+            </p:nvSpPr>
+            <p:spPr>
+              <a:xfrm>
+                <a:off x="1620896" y="2281224"/>
+                <a:ext cx="415114" cy="369332"/>
+              </a:xfrm>
+              <a:prstGeom prst="rect">
+                <a:avLst/>
+              </a:prstGeom>
+              <a:blipFill>
+                <a:blip r:embed="rId12"/>
+                <a:stretch>
+                  <a:fillRect l="-16176" t="-18033" r="-38235" b="-14754"/>
+                </a:stretch>
+              </a:blipFill>
+            </p:spPr>
+            <p:txBody>
+              <a:bodyPr/>
+              <a:lstStyle/>
+              <a:p>
+                <a:r>
+                  <a:rPr lang="en-US">
+                    <a:noFill/>
+                  </a:rPr>
+                  <a:t> </a:t>
+                </a:r>
+              </a:p>
+            </p:txBody>
+          </p:sp>
+        </mc:Fallback>
+      </mc:AlternateContent>
+      <mc:AlternateContent xmlns:mc="http://schemas.openxmlformats.org/markup-compatibility/2006" xmlns:a14="http://schemas.microsoft.com/office/drawing/2010/main">
+        <mc:Choice Requires="a14">
+          <p:sp>
+            <p:nvSpPr>
+              <p:cNvPr id="73" name="TextBox 72">
+                <a:extLst>
+                  <a:ext uri="{FF2B5EF4-FFF2-40B4-BE49-F238E27FC236}">
+                    <a16:creationId xmlns:a16="http://schemas.microsoft.com/office/drawing/2014/main" id="{D28FAC67-3EAC-D1E0-879F-EE194D0A0E05}"/>
+                  </a:ext>
+                </a:extLst>
+              </p:cNvPr>
+              <p:cNvSpPr txBox="1"/>
+              <p:nvPr/>
+            </p:nvSpPr>
+            <p:spPr>
+              <a:xfrm>
+                <a:off x="397636" y="3982995"/>
+                <a:ext cx="415114" cy="369332"/>
+              </a:xfrm>
+              <a:prstGeom prst="rect">
+                <a:avLst/>
+              </a:prstGeom>
+              <a:noFill/>
+            </p:spPr>
+            <p:txBody>
+              <a:bodyPr wrap="none" lIns="0" tIns="0" rIns="0" bIns="0" rtlCol="0">
+                <a:spAutoFit/>
+              </a:bodyPr>
+              <a:lstStyle/>
+              <a:p>
+                <a:pPr/>
+                <a14:m>
+                  <m:oMathPara xmlns:m="http://schemas.openxmlformats.org/officeDocument/2006/math">
+                    <m:oMathParaPr>
+                      <m:jc m:val="centerGroup"/>
+                    </m:oMathParaPr>
+                    <m:oMath xmlns:m="http://schemas.openxmlformats.org/officeDocument/2006/math">
+                      <m:sSub>
+                        <m:sSubPr>
+                          <m:ctrlPr>
+                            <a:rPr lang="en-US" sz="2400" b="1" i="1" smtClean="0">
+                              <a:latin typeface="Cambria Math" panose="02040503050406030204" pitchFamily="18" charset="0"/>
+                            </a:rPr>
+                          </m:ctrlPr>
+                        </m:sSubPr>
+                        <m:e>
+                          <m:acc>
+                            <m:accPr>
+                              <m:chr m:val="̂"/>
+                              <m:ctrlPr>
+                                <a:rPr lang="en-US" sz="2400" b="1" i="1">
+                                  <a:latin typeface="Cambria Math" panose="02040503050406030204" pitchFamily="18" charset="0"/>
+                                </a:rPr>
+                              </m:ctrlPr>
+                            </m:accPr>
+                            <m:e>
+                              <m:r>
+                                <a:rPr lang="en-US" sz="2400" b="1" i="1" smtClean="0">
+                                  <a:latin typeface="Cambria Math" panose="02040503050406030204" pitchFamily="18" charset="0"/>
+                                </a:rPr>
+                                <m:t>𝒏</m:t>
+                              </m:r>
+                            </m:e>
+                          </m:acc>
+                        </m:e>
+                        <m:sub>
+                          <m:r>
+                            <a:rPr lang="en-US" sz="2400" b="1" i="1" smtClean="0">
+                              <a:latin typeface="Cambria Math" panose="02040503050406030204" pitchFamily="18" charset="0"/>
+                            </a:rPr>
+                            <m:t>𝟏</m:t>
+                          </m:r>
+                        </m:sub>
+                      </m:sSub>
+                    </m:oMath>
+                  </m:oMathPara>
+                </a14:m>
+                <a:endParaRPr lang="en-US" sz="2400" b="1" dirty="0"/>
+              </a:p>
+            </p:txBody>
+          </p:sp>
+        </mc:Choice>
+        <mc:Fallback xmlns="">
+          <p:sp>
+            <p:nvSpPr>
+              <p:cNvPr id="73" name="TextBox 72">
+                <a:extLst>
+                  <a:ext uri="{FF2B5EF4-FFF2-40B4-BE49-F238E27FC236}">
+                    <a16:creationId xmlns:a16="http://schemas.microsoft.com/office/drawing/2014/main" id="{D28FAC67-3EAC-D1E0-879F-EE194D0A0E05}"/>
+                  </a:ext>
+                </a:extLst>
+              </p:cNvPr>
+              <p:cNvSpPr txBox="1">
+                <a:spLocks noRot="1" noChangeAspect="1" noMove="1" noResize="1" noEditPoints="1" noAdjustHandles="1" noChangeArrowheads="1" noChangeShapeType="1" noTextEdit="1"/>
+              </p:cNvSpPr>
+              <p:nvPr/>
+            </p:nvSpPr>
+            <p:spPr>
+              <a:xfrm>
+                <a:off x="397636" y="3982995"/>
+                <a:ext cx="415114" cy="369332"/>
+              </a:xfrm>
+              <a:prstGeom prst="rect">
+                <a:avLst/>
+              </a:prstGeom>
+              <a:blipFill>
+                <a:blip r:embed="rId13"/>
+                <a:stretch>
+                  <a:fillRect l="-14706" t="-18033" r="-39706" b="-14754"/>
+                </a:stretch>
+              </a:blipFill>
+            </p:spPr>
+            <p:txBody>
+              <a:bodyPr/>
+              <a:lstStyle/>
+              <a:p>
+                <a:r>
+                  <a:rPr lang="en-US">
+                    <a:noFill/>
+                  </a:rPr>
+                  <a:t> </a:t>
+                </a:r>
+              </a:p>
+            </p:txBody>
+          </p:sp>
+        </mc:Fallback>
+      </mc:AlternateContent>
+      <mc:AlternateContent xmlns:mc="http://schemas.openxmlformats.org/markup-compatibility/2006" xmlns:a14="http://schemas.microsoft.com/office/drawing/2010/main">
+        <mc:Choice Requires="a14">
+          <p:sp>
+            <p:nvSpPr>
+              <p:cNvPr id="74" name="TextBox 73">
+                <a:extLst>
+                  <a:ext uri="{FF2B5EF4-FFF2-40B4-BE49-F238E27FC236}">
+                    <a16:creationId xmlns:a16="http://schemas.microsoft.com/office/drawing/2014/main" id="{D01A91B8-06BD-11F5-8B0F-BD30507DEB21}"/>
+                  </a:ext>
+                </a:extLst>
+              </p:cNvPr>
+              <p:cNvSpPr txBox="1"/>
+              <p:nvPr/>
+            </p:nvSpPr>
+            <p:spPr>
+              <a:xfrm>
+                <a:off x="2765697" y="3982995"/>
+                <a:ext cx="415114" cy="369332"/>
+              </a:xfrm>
+              <a:prstGeom prst="rect">
+                <a:avLst/>
+              </a:prstGeom>
+              <a:noFill/>
+            </p:spPr>
+            <p:txBody>
+              <a:bodyPr wrap="none" lIns="0" tIns="0" rIns="0" bIns="0" rtlCol="0">
+                <a:spAutoFit/>
+              </a:bodyPr>
+              <a:lstStyle/>
+              <a:p>
+                <a:pPr/>
+                <a14:m>
+                  <m:oMathPara xmlns:m="http://schemas.openxmlformats.org/officeDocument/2006/math">
+                    <m:oMathParaPr>
+                      <m:jc m:val="centerGroup"/>
+                    </m:oMathParaPr>
+                    <m:oMath xmlns:m="http://schemas.openxmlformats.org/officeDocument/2006/math">
+                      <m:sSub>
+                        <m:sSubPr>
+                          <m:ctrlPr>
+                            <a:rPr lang="en-US" sz="2400" b="1" i="1" smtClean="0">
+                              <a:latin typeface="Cambria Math" panose="02040503050406030204" pitchFamily="18" charset="0"/>
+                            </a:rPr>
+                          </m:ctrlPr>
+                        </m:sSubPr>
+                        <m:e>
+                          <m:acc>
+                            <m:accPr>
+                              <m:chr m:val="̂"/>
+                              <m:ctrlPr>
+                                <a:rPr lang="en-US" sz="2400" b="1" i="1">
+                                  <a:latin typeface="Cambria Math" panose="02040503050406030204" pitchFamily="18" charset="0"/>
+                                </a:rPr>
+                              </m:ctrlPr>
+                            </m:accPr>
+                            <m:e>
+                              <m:r>
+                                <a:rPr lang="en-US" sz="2400" b="1" i="1" smtClean="0">
+                                  <a:latin typeface="Cambria Math" panose="02040503050406030204" pitchFamily="18" charset="0"/>
+                                </a:rPr>
+                                <m:t>𝒏</m:t>
+                              </m:r>
+                            </m:e>
+                          </m:acc>
+                        </m:e>
+                        <m:sub>
+                          <m:r>
+                            <a:rPr lang="en-US" sz="2400" b="1" i="1" smtClean="0">
+                              <a:latin typeface="Cambria Math" panose="02040503050406030204" pitchFamily="18" charset="0"/>
+                            </a:rPr>
+                            <m:t>𝟐</m:t>
+                          </m:r>
+                        </m:sub>
+                      </m:sSub>
+                    </m:oMath>
+                  </m:oMathPara>
+                </a14:m>
+                <a:endParaRPr lang="en-US" sz="2400" b="1" dirty="0"/>
+              </a:p>
+            </p:txBody>
+          </p:sp>
+        </mc:Choice>
+        <mc:Fallback xmlns="">
+          <p:sp>
+            <p:nvSpPr>
+              <p:cNvPr id="74" name="TextBox 73">
+                <a:extLst>
+                  <a:ext uri="{FF2B5EF4-FFF2-40B4-BE49-F238E27FC236}">
+                    <a16:creationId xmlns:a16="http://schemas.microsoft.com/office/drawing/2014/main" id="{D01A91B8-06BD-11F5-8B0F-BD30507DEB21}"/>
+                  </a:ext>
+                </a:extLst>
+              </p:cNvPr>
+              <p:cNvSpPr txBox="1">
+                <a:spLocks noRot="1" noChangeAspect="1" noMove="1" noResize="1" noEditPoints="1" noAdjustHandles="1" noChangeArrowheads="1" noChangeShapeType="1" noTextEdit="1"/>
+              </p:cNvSpPr>
+              <p:nvPr/>
+            </p:nvSpPr>
+            <p:spPr>
+              <a:xfrm>
+                <a:off x="2765697" y="3982995"/>
+                <a:ext cx="415114" cy="369332"/>
+              </a:xfrm>
+              <a:prstGeom prst="rect">
+                <a:avLst/>
+              </a:prstGeom>
+              <a:blipFill>
+                <a:blip r:embed="rId14"/>
+                <a:stretch>
+                  <a:fillRect l="-16176" t="-18033" r="-38235" b="-14754"/>
+                </a:stretch>
+              </a:blipFill>
+            </p:spPr>
+            <p:txBody>
+              <a:bodyPr/>
+              <a:lstStyle/>
+              <a:p>
+                <a:r>
+                  <a:rPr lang="en-US">
+                    <a:noFill/>
+                  </a:rPr>
+                  <a:t> </a:t>
+                </a:r>
+              </a:p>
+            </p:txBody>
+          </p:sp>
+        </mc:Fallback>
+      </mc:AlternateContent>
+    </p:spTree>
+    <p:extLst>
+      <p:ext uri="{BB962C8B-B14F-4D97-AF65-F5344CB8AC3E}">
+        <p14:creationId xmlns:p14="http://schemas.microsoft.com/office/powerpoint/2010/main" val="1431265972"/>
+      </p:ext>
+    </p:extLst>
+  </p:cSld>
+  <p:clrMapOvr>
+    <a:masterClrMapping/>
+  </p:clrMapOvr>
+</p:sld>
+</file>
+
+<file path=ppt/slides/slide9.xml><?xml version="1.0" encoding="utf-8"?>
+<p:sld xmlns:a="http://schemas.openxmlformats.org/drawingml/2006/main" xmlns:r="http://schemas.openxmlformats.org/officeDocument/2006/relationships" xmlns:p="http://schemas.openxmlformats.org/presentationml/2006/main">
+  <p:cSld>
+    <p:spTree>
+      <p:nvGrpSpPr>
+        <p:cNvPr id="1" name=""/>
+        <p:cNvGrpSpPr/>
+        <p:nvPr/>
+      </p:nvGrpSpPr>
+      <p:grpSpPr>
+        <a:xfrm>
+          <a:off x="0" y="0"/>
+          <a:ext cx="0" cy="0"/>
+          <a:chOff x="0" y="0"/>
+          <a:chExt cx="0" cy="0"/>
+        </a:xfrm>
+      </p:grpSpPr>
+      <p:sp>
+        <p:nvSpPr>
+          <p:cNvPr id="4" name="Rectangle: Rounded Corners 3">
+            <a:extLst>
+              <a:ext uri="{FF2B5EF4-FFF2-40B4-BE49-F238E27FC236}">
+                <a16:creationId xmlns:a16="http://schemas.microsoft.com/office/drawing/2014/main" id="{2739F6D0-721A-C97E-B233-F6B0C3562DE9}"/>
+              </a:ext>
+            </a:extLst>
+          </p:cNvPr>
+          <p:cNvSpPr/>
+          <p:nvPr/>
+        </p:nvSpPr>
+        <p:spPr>
+          <a:xfrm>
+            <a:off x="421241" y="357027"/>
+            <a:ext cx="11332395" cy="6208160"/>
+          </a:xfrm>
+          <a:prstGeom prst="roundRect">
+            <a:avLst>
+              <a:gd name="adj" fmla="val 3660"/>
+            </a:avLst>
+          </a:prstGeom>
+          <a:solidFill>
+            <a:schemeClr val="tx1">
+              <a:lumMod val="85000"/>
+              <a:lumOff val="15000"/>
+            </a:schemeClr>
+          </a:solidFill>
+          <a:ln w="28575">
+            <a:solidFill>
+              <a:schemeClr val="tx2">
+                <a:lumMod val="75000"/>
+              </a:schemeClr>
+            </a:solidFill>
+          </a:ln>
+        </p:spPr>
+        <p:style>
+          <a:lnRef idx="2">
+            <a:schemeClr val="accent1">
+              <a:shade val="15000"/>
+            </a:schemeClr>
+          </a:lnRef>
+          <a:fillRef idx="1">
+            <a:schemeClr val="accent1"/>
+          </a:fillRef>
+          <a:effectRef idx="0">
+            <a:schemeClr val="accent1"/>
+          </a:effectRef>
+          <a:fontRef idx="minor">
+            <a:schemeClr val="lt1"/>
+          </a:fontRef>
+        </p:style>
+        <p:txBody>
+          <a:bodyPr rtlCol="0" anchor="ctr"/>
+          <a:lstStyle/>
+          <a:p>
+            <a:pPr algn="ctr"/>
+            <a:endParaRPr lang="en-US"/>
+          </a:p>
+        </p:txBody>
+      </p:sp>
+      <p:sp>
+        <p:nvSpPr>
+          <p:cNvPr id="6" name="Rectangle: Rounded Corners 5">
+            <a:extLst>
+              <a:ext uri="{FF2B5EF4-FFF2-40B4-BE49-F238E27FC236}">
+                <a16:creationId xmlns:a16="http://schemas.microsoft.com/office/drawing/2014/main" id="{EAF2A5A8-007A-29D0-06F3-F0303BF050CA}"/>
+              </a:ext>
+            </a:extLst>
+          </p:cNvPr>
+          <p:cNvSpPr/>
+          <p:nvPr/>
+        </p:nvSpPr>
+        <p:spPr>
+          <a:xfrm>
+            <a:off x="6146399" y="1050641"/>
+            <a:ext cx="5234684" cy="2539583"/>
+          </a:xfrm>
+          <a:prstGeom prst="roundRect">
+            <a:avLst>
+              <a:gd name="adj" fmla="val 5315"/>
+            </a:avLst>
+          </a:prstGeom>
+          <a:solidFill>
+            <a:schemeClr val="tx2">
+              <a:lumMod val="20000"/>
+              <a:lumOff val="80000"/>
+            </a:schemeClr>
+          </a:solidFill>
+          <a:ln w="28575">
+            <a:solidFill>
+              <a:schemeClr val="tx2">
+                <a:lumMod val="75000"/>
+              </a:schemeClr>
+            </a:solidFill>
+          </a:ln>
+        </p:spPr>
+        <p:style>
+          <a:lnRef idx="2">
+            <a:schemeClr val="accent1">
+              <a:shade val="15000"/>
+            </a:schemeClr>
+          </a:lnRef>
+          <a:fillRef idx="1">
+            <a:schemeClr val="accent1"/>
+          </a:fillRef>
+          <a:effectRef idx="0">
+            <a:schemeClr val="accent1"/>
+          </a:effectRef>
+          <a:fontRef idx="minor">
+            <a:schemeClr val="lt1"/>
+          </a:fontRef>
+        </p:style>
+        <p:txBody>
+          <a:bodyPr rtlCol="0" anchor="ctr"/>
+          <a:lstStyle/>
+          <a:p>
+            <a:pPr algn="ctr"/>
+            <a:r>
+              <a:rPr lang="en-US" b="1" dirty="0">
+                <a:solidFill>
+                  <a:schemeClr val="tx1"/>
+                </a:solidFill>
+              </a:rPr>
+              <a:t>ATTITUDE STATE REPRESENTATION</a:t>
+            </a:r>
+          </a:p>
+          <a:p>
+            <a:pPr algn="ctr"/>
+            <a:endParaRPr lang="en-US" b="1" dirty="0">
+              <a:solidFill>
+                <a:schemeClr val="tx1"/>
+              </a:solidFill>
+            </a:endParaRPr>
+          </a:p>
+          <a:p>
+            <a:pPr algn="ctr"/>
+            <a:endParaRPr lang="en-US" b="1" dirty="0">
+              <a:solidFill>
+                <a:schemeClr val="tx1"/>
+              </a:solidFill>
+            </a:endParaRPr>
+          </a:p>
+          <a:p>
+            <a:pPr algn="ctr"/>
+            <a:endParaRPr lang="en-US" b="1" dirty="0">
+              <a:solidFill>
+                <a:schemeClr val="tx1"/>
+              </a:solidFill>
+            </a:endParaRPr>
+          </a:p>
+          <a:p>
+            <a:pPr algn="ctr"/>
+            <a:endParaRPr lang="en-US" b="1" dirty="0">
+              <a:solidFill>
+                <a:schemeClr val="tx1"/>
+              </a:solidFill>
+            </a:endParaRPr>
+          </a:p>
+          <a:p>
+            <a:pPr algn="ctr"/>
+            <a:endParaRPr lang="en-US" b="1" dirty="0">
+              <a:solidFill>
+                <a:schemeClr val="tx1"/>
+              </a:solidFill>
+            </a:endParaRPr>
+          </a:p>
+          <a:p>
+            <a:pPr algn="ctr"/>
+            <a:endParaRPr lang="en-US" b="1" dirty="0">
+              <a:solidFill>
+                <a:schemeClr val="tx1"/>
+              </a:solidFill>
+            </a:endParaRPr>
+          </a:p>
+          <a:p>
+            <a:pPr algn="ctr"/>
+            <a:endParaRPr lang="en-US" b="1" dirty="0">
+              <a:solidFill>
+                <a:schemeClr val="tx1"/>
+              </a:solidFill>
+            </a:endParaRPr>
+          </a:p>
+        </p:txBody>
+      </p:sp>
+      <p:sp>
+        <p:nvSpPr>
+          <p:cNvPr id="7" name="TextBox 6">
+            <a:extLst>
+              <a:ext uri="{FF2B5EF4-FFF2-40B4-BE49-F238E27FC236}">
+                <a16:creationId xmlns:a16="http://schemas.microsoft.com/office/drawing/2014/main" id="{841AE1ED-BE65-B81B-4A2E-8F122CA048F0}"/>
+              </a:ext>
+            </a:extLst>
+          </p:cNvPr>
+          <p:cNvSpPr txBox="1"/>
+          <p:nvPr/>
+        </p:nvSpPr>
+        <p:spPr>
+          <a:xfrm>
+            <a:off x="4256926" y="503434"/>
+            <a:ext cx="3678148" cy="400110"/>
+          </a:xfrm>
+          <a:prstGeom prst="rect">
+            <a:avLst/>
+          </a:prstGeom>
+          <a:noFill/>
+        </p:spPr>
+        <p:txBody>
+          <a:bodyPr wrap="square" rtlCol="0">
+            <a:spAutoFit/>
+          </a:bodyPr>
+          <a:lstStyle/>
+          <a:p>
+            <a:pPr algn="ctr"/>
+            <a:r>
+              <a:rPr lang="en-US" sz="2000" b="0" dirty="0">
+                <a:solidFill>
+                  <a:srgbClr val="569CD6"/>
+                </a:solidFill>
+                <a:effectLst/>
+                <a:highlight>
+                  <a:srgbClr val="1F1F1F"/>
+                </a:highlight>
+                <a:latin typeface="Consolas" panose="020B0609020204030204" pitchFamily="49" charset="0"/>
+              </a:rPr>
+              <a:t>class</a:t>
+            </a:r>
+            <a:r>
+              <a:rPr lang="en-US" sz="2000" b="0" dirty="0">
+                <a:solidFill>
+                  <a:srgbClr val="CCCCCC"/>
+                </a:solidFill>
+                <a:effectLst/>
+                <a:highlight>
+                  <a:srgbClr val="1F1F1F"/>
+                </a:highlight>
+                <a:latin typeface="Consolas" panose="020B0609020204030204" pitchFamily="49" charset="0"/>
+              </a:rPr>
+              <a:t> </a:t>
+            </a:r>
+            <a:r>
+              <a:rPr lang="en-US" sz="2000" b="0" dirty="0">
+                <a:solidFill>
+                  <a:srgbClr val="4EC9B0"/>
+                </a:solidFill>
+                <a:effectLst/>
+                <a:highlight>
+                  <a:srgbClr val="1F1F1F"/>
+                </a:highlight>
+                <a:latin typeface="Consolas" panose="020B0609020204030204" pitchFamily="49" charset="0"/>
+              </a:rPr>
+              <a:t>Spacecraft</a:t>
+            </a:r>
+            <a:r>
+              <a:rPr lang="en-US" sz="2000" b="0" dirty="0">
+                <a:solidFill>
+                  <a:srgbClr val="CCCCCC"/>
+                </a:solidFill>
+                <a:effectLst/>
+                <a:highlight>
+                  <a:srgbClr val="1F1F1F"/>
+                </a:highlight>
+                <a:latin typeface="Consolas" panose="020B0609020204030204" pitchFamily="49" charset="0"/>
+              </a:rPr>
+              <a:t>():</a:t>
+            </a:r>
+          </a:p>
+        </p:txBody>
+      </p:sp>
+      <p:sp>
+        <p:nvSpPr>
+          <p:cNvPr id="9" name="Rectangle: Rounded Corners 8">
+            <a:extLst>
+              <a:ext uri="{FF2B5EF4-FFF2-40B4-BE49-F238E27FC236}">
+                <a16:creationId xmlns:a16="http://schemas.microsoft.com/office/drawing/2014/main" id="{53A2B323-A744-3AE0-F42B-0DECDF6C4949}"/>
+              </a:ext>
+            </a:extLst>
+          </p:cNvPr>
+          <p:cNvSpPr/>
+          <p:nvPr/>
+        </p:nvSpPr>
+        <p:spPr>
+          <a:xfrm>
+            <a:off x="672957" y="1049952"/>
+            <a:ext cx="5234683" cy="2540272"/>
+          </a:xfrm>
+          <a:prstGeom prst="roundRect">
+            <a:avLst>
+              <a:gd name="adj" fmla="val 5761"/>
+            </a:avLst>
+          </a:prstGeom>
+          <a:solidFill>
+            <a:schemeClr val="tx2">
+              <a:lumMod val="20000"/>
+              <a:lumOff val="80000"/>
+            </a:schemeClr>
+          </a:solidFill>
+          <a:ln w="28575">
+            <a:solidFill>
+              <a:schemeClr val="tx2">
+                <a:lumMod val="75000"/>
+              </a:schemeClr>
+            </a:solidFill>
+          </a:ln>
+        </p:spPr>
+        <p:style>
+          <a:lnRef idx="2">
+            <a:schemeClr val="accent1">
+              <a:shade val="15000"/>
+            </a:schemeClr>
+          </a:lnRef>
+          <a:fillRef idx="1">
+            <a:schemeClr val="accent1"/>
+          </a:fillRef>
+          <a:effectRef idx="0">
+            <a:schemeClr val="accent1"/>
+          </a:effectRef>
+          <a:fontRef idx="minor">
+            <a:schemeClr val="lt1"/>
+          </a:fontRef>
+        </p:style>
+        <p:txBody>
+          <a:bodyPr rtlCol="0" anchor="ctr"/>
+          <a:lstStyle/>
+          <a:p>
+            <a:pPr algn="ctr"/>
+            <a:r>
+              <a:rPr lang="en-US" b="1" dirty="0">
+                <a:solidFill>
+                  <a:schemeClr val="tx1"/>
+                </a:solidFill>
+              </a:rPr>
+              <a:t>ORBIT STATE REPRESENTATION</a:t>
+            </a:r>
+          </a:p>
+          <a:p>
+            <a:pPr algn="ctr"/>
+            <a:endParaRPr lang="en-US" b="1" dirty="0">
+              <a:solidFill>
+                <a:schemeClr val="tx1"/>
+              </a:solidFill>
+            </a:endParaRPr>
+          </a:p>
+          <a:p>
+            <a:pPr algn="ctr"/>
+            <a:endParaRPr lang="en-US" b="1" dirty="0">
+              <a:solidFill>
+                <a:schemeClr val="tx1"/>
+              </a:solidFill>
+            </a:endParaRPr>
+          </a:p>
+          <a:p>
+            <a:pPr algn="ctr"/>
+            <a:endParaRPr lang="en-US" b="1" dirty="0">
+              <a:solidFill>
+                <a:schemeClr val="tx1"/>
+              </a:solidFill>
+            </a:endParaRPr>
+          </a:p>
+          <a:p>
+            <a:pPr algn="ctr"/>
+            <a:endParaRPr lang="en-US" b="1" dirty="0">
+              <a:solidFill>
+                <a:schemeClr val="tx1"/>
+              </a:solidFill>
+            </a:endParaRPr>
+          </a:p>
+          <a:p>
+            <a:pPr algn="ctr"/>
+            <a:endParaRPr lang="en-US" b="1" dirty="0">
+              <a:solidFill>
+                <a:schemeClr val="tx1"/>
+              </a:solidFill>
+            </a:endParaRPr>
+          </a:p>
+          <a:p>
+            <a:pPr algn="ctr"/>
+            <a:endParaRPr lang="en-US" b="1" dirty="0">
+              <a:solidFill>
+                <a:schemeClr val="tx1"/>
+              </a:solidFill>
+            </a:endParaRPr>
+          </a:p>
+          <a:p>
+            <a:pPr algn="ctr"/>
+            <a:endParaRPr lang="en-US" b="1" dirty="0">
+              <a:solidFill>
+                <a:schemeClr val="tx1"/>
+              </a:solidFill>
+            </a:endParaRPr>
+          </a:p>
+        </p:txBody>
+      </p:sp>
+      <p:sp>
+        <p:nvSpPr>
+          <p:cNvPr id="8" name="Rectangle: Rounded Corners 7">
+            <a:extLst>
+              <a:ext uri="{FF2B5EF4-FFF2-40B4-BE49-F238E27FC236}">
+                <a16:creationId xmlns:a16="http://schemas.microsoft.com/office/drawing/2014/main" id="{BB31F56B-9CD1-CAA5-0622-C93509DF265E}"/>
+              </a:ext>
+            </a:extLst>
+          </p:cNvPr>
+          <p:cNvSpPr/>
+          <p:nvPr/>
+        </p:nvSpPr>
+        <p:spPr>
+          <a:xfrm>
+            <a:off x="1001735" y="1661639"/>
+            <a:ext cx="3046284" cy="563624"/>
+          </a:xfrm>
+          <a:prstGeom prst="roundRect">
+            <a:avLst>
+              <a:gd name="adj" fmla="val 21721"/>
+            </a:avLst>
+          </a:prstGeom>
+          <a:solidFill>
+            <a:schemeClr val="tx2">
+              <a:lumMod val="75000"/>
+            </a:schemeClr>
+          </a:solidFill>
+          <a:ln w="28575">
+            <a:solidFill>
+              <a:schemeClr val="tx2">
+                <a:lumMod val="75000"/>
+              </a:schemeClr>
+            </a:solidFill>
+          </a:ln>
+        </p:spPr>
+        <p:style>
+          <a:lnRef idx="2">
+            <a:schemeClr val="accent1">
+              <a:shade val="15000"/>
+            </a:schemeClr>
+          </a:lnRef>
+          <a:fillRef idx="1">
+            <a:schemeClr val="accent1"/>
+          </a:fillRef>
+          <a:effectRef idx="0">
+            <a:schemeClr val="accent1"/>
+          </a:effectRef>
+          <a:fontRef idx="minor">
+            <a:schemeClr val="lt1"/>
+          </a:fontRef>
+        </p:style>
+        <p:txBody>
+          <a:bodyPr rtlCol="0" anchor="ctr"/>
+          <a:lstStyle/>
+          <a:p>
+            <a:pPr algn="ctr"/>
+            <a:r>
+              <a:rPr lang="en-US" sz="1800" b="0" dirty="0" err="1">
+                <a:solidFill>
+                  <a:srgbClr val="4EC9B0"/>
+                </a:solidFill>
+                <a:effectLst/>
+                <a:latin typeface="Consolas" panose="020B0609020204030204" pitchFamily="49" charset="0"/>
+              </a:rPr>
+              <a:t>Spacecraft.states</a:t>
+            </a:r>
+            <a:endParaRPr lang="en-US" dirty="0">
+              <a:solidFill>
+                <a:schemeClr val="tx1"/>
+              </a:solidFill>
+            </a:endParaRPr>
+          </a:p>
+        </p:txBody>
+      </p:sp>
+      <p:sp>
+        <p:nvSpPr>
+          <p:cNvPr id="13" name="Rectangle: Rounded Corners 12">
+            <a:extLst>
+              <a:ext uri="{FF2B5EF4-FFF2-40B4-BE49-F238E27FC236}">
+                <a16:creationId xmlns:a16="http://schemas.microsoft.com/office/drawing/2014/main" id="{9CF1875D-B946-4DD1-6097-228674081092}"/>
+              </a:ext>
+            </a:extLst>
+          </p:cNvPr>
+          <p:cNvSpPr/>
+          <p:nvPr/>
+        </p:nvSpPr>
+        <p:spPr>
+          <a:xfrm>
+            <a:off x="1001735" y="2686383"/>
+            <a:ext cx="3046284" cy="563624"/>
+          </a:xfrm>
+          <a:prstGeom prst="roundRect">
+            <a:avLst>
+              <a:gd name="adj" fmla="val 21721"/>
+            </a:avLst>
+          </a:prstGeom>
+          <a:solidFill>
+            <a:schemeClr val="tx2">
+              <a:lumMod val="75000"/>
+            </a:schemeClr>
+          </a:solidFill>
+          <a:ln w="28575">
+            <a:solidFill>
+              <a:schemeClr val="tx2">
+                <a:lumMod val="75000"/>
+              </a:schemeClr>
+            </a:solidFill>
+          </a:ln>
+        </p:spPr>
+        <p:style>
+          <a:lnRef idx="2">
+            <a:schemeClr val="accent1">
+              <a:shade val="15000"/>
+            </a:schemeClr>
+          </a:lnRef>
+          <a:fillRef idx="1">
+            <a:schemeClr val="accent1"/>
+          </a:fillRef>
+          <a:effectRef idx="0">
+            <a:schemeClr val="accent1"/>
+          </a:effectRef>
+          <a:fontRef idx="minor">
+            <a:schemeClr val="lt1"/>
+          </a:fontRef>
+        </p:style>
+        <p:txBody>
+          <a:bodyPr rtlCol="0" anchor="ctr"/>
+          <a:lstStyle/>
+          <a:p>
+            <a:pPr algn="ctr"/>
+            <a:r>
+              <a:rPr lang="en-US" sz="1800" b="0" dirty="0" err="1">
+                <a:solidFill>
+                  <a:srgbClr val="4EC9B0"/>
+                </a:solidFill>
+                <a:effectLst/>
+                <a:latin typeface="Consolas" panose="020B0609020204030204" pitchFamily="49" charset="0"/>
+              </a:rPr>
+              <a:t>Spacecraft.elements</a:t>
+            </a:r>
+            <a:endParaRPr lang="en-US" dirty="0">
+              <a:solidFill>
+                <a:schemeClr val="tx1"/>
+              </a:solidFill>
+            </a:endParaRPr>
+          </a:p>
+        </p:txBody>
+      </p:sp>
+      <p:sp>
+        <p:nvSpPr>
+          <p:cNvPr id="14" name="TextBox 13">
+            <a:extLst>
+              <a:ext uri="{FF2B5EF4-FFF2-40B4-BE49-F238E27FC236}">
+                <a16:creationId xmlns:a16="http://schemas.microsoft.com/office/drawing/2014/main" id="{590436D2-0AEC-A75C-111D-900BD8988967}"/>
+              </a:ext>
+            </a:extLst>
+          </p:cNvPr>
+          <p:cNvSpPr txBox="1"/>
+          <p:nvPr/>
+        </p:nvSpPr>
+        <p:spPr>
+          <a:xfrm>
+            <a:off x="4114686" y="1712618"/>
+            <a:ext cx="1605394" cy="430887"/>
+          </a:xfrm>
+          <a:prstGeom prst="rect">
+            <a:avLst/>
+          </a:prstGeom>
+          <a:noFill/>
+        </p:spPr>
+        <p:txBody>
+          <a:bodyPr wrap="square" rtlCol="0">
+            <a:spAutoFit/>
+          </a:bodyPr>
+          <a:lstStyle/>
+          <a:p>
+            <a:r>
+              <a:rPr lang="en-US" sz="1100" dirty="0"/>
+              <a:t>*XYZ coordinates in ECI (J2000) frame</a:t>
+            </a:r>
+          </a:p>
+        </p:txBody>
+      </p:sp>
+      <p:sp>
+        <p:nvSpPr>
+          <p:cNvPr id="15" name="TextBox 14">
+            <a:extLst>
+              <a:ext uri="{FF2B5EF4-FFF2-40B4-BE49-F238E27FC236}">
+                <a16:creationId xmlns:a16="http://schemas.microsoft.com/office/drawing/2014/main" id="{35F8BA8B-02E2-34B6-4B1F-43A91A8A7B7A}"/>
+              </a:ext>
+            </a:extLst>
+          </p:cNvPr>
+          <p:cNvSpPr txBox="1"/>
+          <p:nvPr/>
+        </p:nvSpPr>
+        <p:spPr>
+          <a:xfrm>
+            <a:off x="4114686" y="2737362"/>
+            <a:ext cx="1605394" cy="430887"/>
+          </a:xfrm>
+          <a:prstGeom prst="rect">
+            <a:avLst/>
+          </a:prstGeom>
+          <a:noFill/>
+        </p:spPr>
+        <p:txBody>
+          <a:bodyPr wrap="square" rtlCol="0">
+            <a:spAutoFit/>
+          </a:bodyPr>
+          <a:lstStyle/>
+          <a:p>
+            <a:r>
+              <a:rPr lang="en-US" sz="1100" dirty="0"/>
+              <a:t>*Equivalent orbital elements (osculating)</a:t>
+            </a:r>
+          </a:p>
+        </p:txBody>
+      </p:sp>
+      <p:sp>
+        <p:nvSpPr>
+          <p:cNvPr id="18" name="TextBox 17">
+            <a:extLst>
+              <a:ext uri="{FF2B5EF4-FFF2-40B4-BE49-F238E27FC236}">
+                <a16:creationId xmlns:a16="http://schemas.microsoft.com/office/drawing/2014/main" id="{A9573804-ED92-EAF9-9905-D7CA7ED1D65D}"/>
+              </a:ext>
+            </a:extLst>
+          </p:cNvPr>
+          <p:cNvSpPr txBox="1"/>
+          <p:nvPr/>
+        </p:nvSpPr>
+        <p:spPr>
+          <a:xfrm>
+            <a:off x="2870086" y="2325018"/>
+            <a:ext cx="2773680" cy="261610"/>
+          </a:xfrm>
+          <a:prstGeom prst="rect">
+            <a:avLst/>
+          </a:prstGeom>
+          <a:noFill/>
+        </p:spPr>
+        <p:txBody>
+          <a:bodyPr wrap="square" rtlCol="0">
+            <a:spAutoFit/>
+          </a:bodyPr>
+          <a:lstStyle/>
+          <a:p>
+            <a:r>
+              <a:rPr lang="en-US" sz="1100" dirty="0"/>
+              <a:t>*Mutually updated for state consistency</a:t>
+            </a:r>
+          </a:p>
+        </p:txBody>
+      </p:sp>
+      <p:cxnSp>
+        <p:nvCxnSpPr>
+          <p:cNvPr id="20" name="Straight Arrow Connector 19">
+            <a:extLst>
+              <a:ext uri="{FF2B5EF4-FFF2-40B4-BE49-F238E27FC236}">
+                <a16:creationId xmlns:a16="http://schemas.microsoft.com/office/drawing/2014/main" id="{B354C6F6-FAC0-165A-0E5C-98B03CB50695}"/>
+              </a:ext>
+            </a:extLst>
+          </p:cNvPr>
+          <p:cNvCxnSpPr/>
+          <p:nvPr/>
+        </p:nvCxnSpPr>
+        <p:spPr>
+          <a:xfrm flipV="1">
+            <a:off x="2687320" y="2225263"/>
+            <a:ext cx="0" cy="461120"/>
+          </a:xfrm>
+          <a:prstGeom prst="straightConnector1">
+            <a:avLst/>
+          </a:prstGeom>
+          <a:ln w="57150">
+            <a:solidFill>
+              <a:schemeClr val="tx2">
+                <a:lumMod val="75000"/>
+              </a:schemeClr>
+            </a:solidFill>
+            <a:tailEnd type="triangle"/>
+          </a:ln>
+        </p:spPr>
+        <p:style>
+          <a:lnRef idx="1">
+            <a:schemeClr val="accent1"/>
+          </a:lnRef>
+          <a:fillRef idx="0">
+            <a:schemeClr val="accent1"/>
+          </a:fillRef>
+          <a:effectRef idx="0">
+            <a:schemeClr val="accent1"/>
+          </a:effectRef>
+          <a:fontRef idx="minor">
+            <a:schemeClr val="tx1"/>
+          </a:fontRef>
+        </p:style>
+      </p:cxnSp>
+      <p:cxnSp>
+        <p:nvCxnSpPr>
+          <p:cNvPr id="23" name="Straight Arrow Connector 22">
+            <a:extLst>
+              <a:ext uri="{FF2B5EF4-FFF2-40B4-BE49-F238E27FC236}">
+                <a16:creationId xmlns:a16="http://schemas.microsoft.com/office/drawing/2014/main" id="{508959FA-36CA-D1C2-47C5-1D6F110BD3FF}"/>
+              </a:ext>
+            </a:extLst>
+          </p:cNvPr>
+          <p:cNvCxnSpPr/>
+          <p:nvPr/>
+        </p:nvCxnSpPr>
+        <p:spPr>
+          <a:xfrm flipV="1">
+            <a:off x="2448560" y="2225263"/>
+            <a:ext cx="0" cy="461120"/>
+          </a:xfrm>
+          <a:prstGeom prst="straightConnector1">
+            <a:avLst/>
+          </a:prstGeom>
+          <a:ln w="57150">
+            <a:solidFill>
+              <a:schemeClr val="tx2">
+                <a:lumMod val="75000"/>
+              </a:schemeClr>
+            </a:solidFill>
+            <a:headEnd type="triangle" w="med" len="med"/>
+            <a:tailEnd type="none" w="med" len="med"/>
+          </a:ln>
+        </p:spPr>
+        <p:style>
+          <a:lnRef idx="1">
+            <a:schemeClr val="accent1"/>
+          </a:lnRef>
+          <a:fillRef idx="0">
+            <a:schemeClr val="accent1"/>
+          </a:fillRef>
+          <a:effectRef idx="0">
+            <a:schemeClr val="accent1"/>
+          </a:effectRef>
+          <a:fontRef idx="minor">
+            <a:schemeClr val="tx1"/>
+          </a:fontRef>
+        </p:style>
+      </p:cxnSp>
+      <p:sp>
+        <p:nvSpPr>
+          <p:cNvPr id="24" name="Rectangle: Rounded Corners 23">
+            <a:extLst>
+              <a:ext uri="{FF2B5EF4-FFF2-40B4-BE49-F238E27FC236}">
+                <a16:creationId xmlns:a16="http://schemas.microsoft.com/office/drawing/2014/main" id="{523B4587-7876-2E8A-42F3-1124BD00E80F}"/>
+              </a:ext>
+            </a:extLst>
+          </p:cNvPr>
+          <p:cNvSpPr/>
+          <p:nvPr/>
+        </p:nvSpPr>
+        <p:spPr>
+          <a:xfrm>
+            <a:off x="6518224" y="1638531"/>
+            <a:ext cx="2152738" cy="383608"/>
+          </a:xfrm>
+          <a:prstGeom prst="roundRect">
+            <a:avLst>
+              <a:gd name="adj" fmla="val 21721"/>
+            </a:avLst>
+          </a:prstGeom>
+          <a:solidFill>
+            <a:schemeClr val="tx2">
+              <a:lumMod val="75000"/>
+            </a:schemeClr>
+          </a:solidFill>
+          <a:ln w="28575">
+            <a:solidFill>
+              <a:schemeClr val="tx2">
+                <a:lumMod val="75000"/>
+              </a:schemeClr>
+            </a:solidFill>
+          </a:ln>
+        </p:spPr>
+        <p:style>
+          <a:lnRef idx="2">
+            <a:schemeClr val="accent1">
+              <a:shade val="15000"/>
+            </a:schemeClr>
+          </a:lnRef>
+          <a:fillRef idx="1">
+            <a:schemeClr val="accent1"/>
+          </a:fillRef>
+          <a:effectRef idx="0">
+            <a:schemeClr val="accent1"/>
+          </a:effectRef>
+          <a:fontRef idx="minor">
+            <a:schemeClr val="lt1"/>
+          </a:fontRef>
+        </p:style>
+        <p:txBody>
+          <a:bodyPr rtlCol="0" anchor="ctr"/>
+          <a:lstStyle/>
+          <a:p>
+            <a:pPr algn="ctr"/>
+            <a:r>
+              <a:rPr lang="en-US" sz="1600" b="0" dirty="0" err="1">
+                <a:solidFill>
+                  <a:srgbClr val="4EC9B0"/>
+                </a:solidFill>
+                <a:effectLst/>
+                <a:latin typeface="Consolas" panose="020B0609020204030204" pitchFamily="49" charset="0"/>
+              </a:rPr>
+              <a:t>Spacecraft.attBN</a:t>
+            </a:r>
+            <a:endParaRPr lang="en-US" sz="1600" dirty="0">
+              <a:solidFill>
+                <a:schemeClr val="tx1"/>
+              </a:solidFill>
+            </a:endParaRPr>
+          </a:p>
+        </p:txBody>
+      </p:sp>
+      <p:sp>
+        <p:nvSpPr>
+          <p:cNvPr id="25" name="Rectangle: Rounded Corners 24">
+            <a:extLst>
+              <a:ext uri="{FF2B5EF4-FFF2-40B4-BE49-F238E27FC236}">
+                <a16:creationId xmlns:a16="http://schemas.microsoft.com/office/drawing/2014/main" id="{0AA33B33-6D43-A880-AE39-DA13E32968E3}"/>
+              </a:ext>
+            </a:extLst>
+          </p:cNvPr>
+          <p:cNvSpPr/>
+          <p:nvPr/>
+        </p:nvSpPr>
+        <p:spPr>
+          <a:xfrm>
+            <a:off x="6518224" y="2566195"/>
+            <a:ext cx="2152738" cy="383608"/>
+          </a:xfrm>
+          <a:prstGeom prst="roundRect">
+            <a:avLst>
+              <a:gd name="adj" fmla="val 21721"/>
+            </a:avLst>
+          </a:prstGeom>
+          <a:solidFill>
+            <a:schemeClr val="tx2">
+              <a:lumMod val="75000"/>
+            </a:schemeClr>
+          </a:solidFill>
+          <a:ln w="28575">
+            <a:solidFill>
+              <a:schemeClr val="tx2">
+                <a:lumMod val="75000"/>
+              </a:schemeClr>
+            </a:solidFill>
+          </a:ln>
+        </p:spPr>
+        <p:style>
+          <a:lnRef idx="2">
+            <a:schemeClr val="accent1">
+              <a:shade val="15000"/>
+            </a:schemeClr>
+          </a:lnRef>
+          <a:fillRef idx="1">
+            <a:schemeClr val="accent1"/>
+          </a:fillRef>
+          <a:effectRef idx="0">
+            <a:schemeClr val="accent1"/>
+          </a:effectRef>
+          <a:fontRef idx="minor">
+            <a:schemeClr val="lt1"/>
+          </a:fontRef>
+        </p:style>
+        <p:txBody>
+          <a:bodyPr rtlCol="0" anchor="ctr"/>
+          <a:lstStyle/>
+          <a:p>
+            <a:pPr algn="ctr"/>
+            <a:r>
+              <a:rPr lang="en-US" sz="1600" b="0" dirty="0" err="1">
+                <a:solidFill>
+                  <a:srgbClr val="4EC9B0"/>
+                </a:solidFill>
+                <a:effectLst/>
+                <a:latin typeface="Consolas" panose="020B0609020204030204" pitchFamily="49" charset="0"/>
+              </a:rPr>
+              <a:t>Spacecraft.attBR</a:t>
+            </a:r>
+            <a:endParaRPr lang="en-US" sz="1600" dirty="0">
+              <a:solidFill>
+                <a:schemeClr val="tx1"/>
+              </a:solidFill>
+            </a:endParaRPr>
+          </a:p>
+        </p:txBody>
+      </p:sp>
+      <p:sp>
+        <p:nvSpPr>
+          <p:cNvPr id="27" name="Rectangle: Rounded Corners 26">
+            <a:extLst>
+              <a:ext uri="{FF2B5EF4-FFF2-40B4-BE49-F238E27FC236}">
+                <a16:creationId xmlns:a16="http://schemas.microsoft.com/office/drawing/2014/main" id="{CEE7D1B3-6409-5C6C-1D88-1F54A0ED612B}"/>
+              </a:ext>
+            </a:extLst>
+          </p:cNvPr>
+          <p:cNvSpPr/>
+          <p:nvPr/>
+        </p:nvSpPr>
+        <p:spPr>
+          <a:xfrm>
+            <a:off x="8990313" y="1638531"/>
+            <a:ext cx="2152738" cy="383608"/>
+          </a:xfrm>
+          <a:prstGeom prst="roundRect">
+            <a:avLst>
+              <a:gd name="adj" fmla="val 21721"/>
+            </a:avLst>
+          </a:prstGeom>
+          <a:solidFill>
+            <a:schemeClr val="tx2">
+              <a:lumMod val="75000"/>
+            </a:schemeClr>
+          </a:solidFill>
+          <a:ln w="28575">
+            <a:solidFill>
+              <a:schemeClr val="tx2">
+                <a:lumMod val="75000"/>
+              </a:schemeClr>
+            </a:solidFill>
+          </a:ln>
+        </p:spPr>
+        <p:style>
+          <a:lnRef idx="2">
+            <a:schemeClr val="accent1">
+              <a:shade val="15000"/>
+            </a:schemeClr>
+          </a:lnRef>
+          <a:fillRef idx="1">
+            <a:schemeClr val="accent1"/>
+          </a:fillRef>
+          <a:effectRef idx="0">
+            <a:schemeClr val="accent1"/>
+          </a:effectRef>
+          <a:fontRef idx="minor">
+            <a:schemeClr val="lt1"/>
+          </a:fontRef>
+        </p:style>
+        <p:txBody>
+          <a:bodyPr rtlCol="0" anchor="ctr"/>
+          <a:lstStyle/>
+          <a:p>
+            <a:pPr algn="ctr"/>
+            <a:r>
+              <a:rPr lang="en-US" sz="1600" b="0" dirty="0" err="1">
+                <a:solidFill>
+                  <a:srgbClr val="4EC9B0"/>
+                </a:solidFill>
+                <a:effectLst/>
+                <a:latin typeface="Consolas" panose="020B0609020204030204" pitchFamily="49" charset="0"/>
+              </a:rPr>
+              <a:t>Spacecraft.ohmBN</a:t>
+            </a:r>
+            <a:endParaRPr lang="en-US" sz="1600" dirty="0">
+              <a:solidFill>
+                <a:schemeClr val="tx1"/>
+              </a:solidFill>
+            </a:endParaRPr>
+          </a:p>
+        </p:txBody>
+      </p:sp>
+      <p:sp>
+        <p:nvSpPr>
+          <p:cNvPr id="28" name="Rectangle: Rounded Corners 27">
+            <a:extLst>
+              <a:ext uri="{FF2B5EF4-FFF2-40B4-BE49-F238E27FC236}">
+                <a16:creationId xmlns:a16="http://schemas.microsoft.com/office/drawing/2014/main" id="{13336F2A-5265-CB0D-F42D-3ECAE5B98CCE}"/>
+              </a:ext>
+            </a:extLst>
+          </p:cNvPr>
+          <p:cNvSpPr/>
+          <p:nvPr/>
+        </p:nvSpPr>
+        <p:spPr>
+          <a:xfrm>
+            <a:off x="8990313" y="2566195"/>
+            <a:ext cx="2152738" cy="383608"/>
+          </a:xfrm>
+          <a:prstGeom prst="roundRect">
+            <a:avLst>
+              <a:gd name="adj" fmla="val 21721"/>
+            </a:avLst>
+          </a:prstGeom>
+          <a:solidFill>
+            <a:schemeClr val="tx2">
+              <a:lumMod val="75000"/>
+            </a:schemeClr>
+          </a:solidFill>
+          <a:ln w="28575">
+            <a:solidFill>
+              <a:schemeClr val="tx2">
+                <a:lumMod val="75000"/>
+              </a:schemeClr>
+            </a:solidFill>
+          </a:ln>
+        </p:spPr>
+        <p:style>
+          <a:lnRef idx="2">
+            <a:schemeClr val="accent1">
+              <a:shade val="15000"/>
+            </a:schemeClr>
+          </a:lnRef>
+          <a:fillRef idx="1">
+            <a:schemeClr val="accent1"/>
+          </a:fillRef>
+          <a:effectRef idx="0">
+            <a:schemeClr val="accent1"/>
+          </a:effectRef>
+          <a:fontRef idx="minor">
+            <a:schemeClr val="lt1"/>
+          </a:fontRef>
+        </p:style>
+        <p:txBody>
+          <a:bodyPr rtlCol="0" anchor="ctr"/>
+          <a:lstStyle/>
+          <a:p>
+            <a:pPr algn="ctr"/>
+            <a:r>
+              <a:rPr lang="en-US" sz="1600" b="0" dirty="0" err="1">
+                <a:solidFill>
+                  <a:srgbClr val="4EC9B0"/>
+                </a:solidFill>
+                <a:effectLst/>
+                <a:latin typeface="Consolas" panose="020B0609020204030204" pitchFamily="49" charset="0"/>
+              </a:rPr>
+              <a:t>Spacecraft.ohmBR</a:t>
+            </a:r>
+            <a:endParaRPr lang="en-US" sz="1600" dirty="0">
+              <a:solidFill>
+                <a:schemeClr val="tx1"/>
+              </a:solidFill>
+            </a:endParaRPr>
+          </a:p>
+        </p:txBody>
+      </p:sp>
+      <p:sp>
+        <p:nvSpPr>
+          <p:cNvPr id="30" name="TextBox 29">
+            <a:extLst>
+              <a:ext uri="{FF2B5EF4-FFF2-40B4-BE49-F238E27FC236}">
+                <a16:creationId xmlns:a16="http://schemas.microsoft.com/office/drawing/2014/main" id="{1D8AF4CF-7822-B53E-05AA-691A5E13DADD}"/>
+              </a:ext>
+            </a:extLst>
+          </p:cNvPr>
+          <p:cNvSpPr txBox="1"/>
+          <p:nvPr/>
+        </p:nvSpPr>
+        <p:spPr>
+          <a:xfrm>
+            <a:off x="6583673" y="2022139"/>
+            <a:ext cx="2021840" cy="461665"/>
+          </a:xfrm>
+          <a:prstGeom prst="rect">
+            <a:avLst/>
+          </a:prstGeom>
+          <a:noFill/>
+        </p:spPr>
+        <p:txBody>
+          <a:bodyPr wrap="square" rtlCol="0">
+            <a:spAutoFit/>
+          </a:bodyPr>
+          <a:lstStyle/>
+          <a:p>
+            <a:pPr algn="ctr"/>
+            <a:r>
+              <a:rPr lang="en-US" sz="1200" dirty="0"/>
+              <a:t>*Body to inertial attitude (coordinate agnostic)</a:t>
+            </a:r>
+          </a:p>
+        </p:txBody>
+      </p:sp>
+      <p:sp>
+        <p:nvSpPr>
+          <p:cNvPr id="31" name="TextBox 30">
+            <a:extLst>
+              <a:ext uri="{FF2B5EF4-FFF2-40B4-BE49-F238E27FC236}">
+                <a16:creationId xmlns:a16="http://schemas.microsoft.com/office/drawing/2014/main" id="{F7431ADD-5B34-E9E6-779B-64F14DE7D70C}"/>
+              </a:ext>
+            </a:extLst>
+          </p:cNvPr>
+          <p:cNvSpPr txBox="1"/>
+          <p:nvPr/>
+        </p:nvSpPr>
+        <p:spPr>
+          <a:xfrm>
+            <a:off x="9055762" y="2022139"/>
+            <a:ext cx="2021840" cy="461665"/>
+          </a:xfrm>
+          <a:prstGeom prst="rect">
+            <a:avLst/>
+          </a:prstGeom>
+          <a:noFill/>
+        </p:spPr>
+        <p:txBody>
+          <a:bodyPr wrap="square" rtlCol="0">
+            <a:spAutoFit/>
+          </a:bodyPr>
+          <a:lstStyle/>
+          <a:p>
+            <a:pPr algn="ctr"/>
+            <a:r>
+              <a:rPr lang="en-US" sz="1200" dirty="0"/>
+              <a:t>*Body to inertial angular velocity (body-frame)</a:t>
+            </a:r>
+          </a:p>
+        </p:txBody>
+      </p:sp>
+      <p:sp>
+        <p:nvSpPr>
+          <p:cNvPr id="32" name="TextBox 31">
+            <a:extLst>
+              <a:ext uri="{FF2B5EF4-FFF2-40B4-BE49-F238E27FC236}">
+                <a16:creationId xmlns:a16="http://schemas.microsoft.com/office/drawing/2014/main" id="{EB7CC730-62FF-599B-D714-72A853923281}"/>
+              </a:ext>
+            </a:extLst>
+          </p:cNvPr>
+          <p:cNvSpPr txBox="1"/>
+          <p:nvPr/>
+        </p:nvSpPr>
+        <p:spPr>
+          <a:xfrm>
+            <a:off x="6583673" y="2992735"/>
+            <a:ext cx="2021840" cy="461665"/>
+          </a:xfrm>
+          <a:prstGeom prst="rect">
+            <a:avLst/>
+          </a:prstGeom>
+          <a:noFill/>
+        </p:spPr>
+        <p:txBody>
+          <a:bodyPr wrap="square" rtlCol="0">
+            <a:spAutoFit/>
+          </a:bodyPr>
+          <a:lstStyle/>
+          <a:p>
+            <a:pPr algn="ctr"/>
+            <a:r>
+              <a:rPr lang="en-US" sz="1200" dirty="0"/>
+              <a:t>*Body to reference attitude (coordinate agnostic)</a:t>
+            </a:r>
+          </a:p>
+        </p:txBody>
+      </p:sp>
+      <p:sp>
+        <p:nvSpPr>
+          <p:cNvPr id="33" name="TextBox 32">
+            <a:extLst>
+              <a:ext uri="{FF2B5EF4-FFF2-40B4-BE49-F238E27FC236}">
+                <a16:creationId xmlns:a16="http://schemas.microsoft.com/office/drawing/2014/main" id="{87743F7E-BF67-2E5A-96AE-41703D59C83D}"/>
+              </a:ext>
+            </a:extLst>
+          </p:cNvPr>
+          <p:cNvSpPr txBox="1"/>
+          <p:nvPr/>
+        </p:nvSpPr>
+        <p:spPr>
+          <a:xfrm>
+            <a:off x="9055762" y="2992735"/>
+            <a:ext cx="2021840" cy="461665"/>
+          </a:xfrm>
+          <a:prstGeom prst="rect">
+            <a:avLst/>
+          </a:prstGeom>
+          <a:noFill/>
+        </p:spPr>
+        <p:txBody>
+          <a:bodyPr wrap="square" rtlCol="0">
+            <a:spAutoFit/>
+          </a:bodyPr>
+          <a:lstStyle/>
+          <a:p>
+            <a:pPr algn="ctr"/>
+            <a:r>
+              <a:rPr lang="en-US" sz="1200" dirty="0"/>
+              <a:t>*Body to reference angular velocity (body-frame)</a:t>
+            </a:r>
+          </a:p>
+        </p:txBody>
+      </p:sp>
+      <p:sp>
+        <p:nvSpPr>
+          <p:cNvPr id="34" name="Rectangle: Rounded Corners 33">
+            <a:extLst>
+              <a:ext uri="{FF2B5EF4-FFF2-40B4-BE49-F238E27FC236}">
+                <a16:creationId xmlns:a16="http://schemas.microsoft.com/office/drawing/2014/main" id="{37D9AA19-7721-BA31-75EB-532BEB41F3F3}"/>
+              </a:ext>
+            </a:extLst>
+          </p:cNvPr>
+          <p:cNvSpPr/>
+          <p:nvPr/>
+        </p:nvSpPr>
+        <p:spPr>
+          <a:xfrm>
+            <a:off x="672957" y="3901231"/>
+            <a:ext cx="5234683" cy="2353168"/>
+          </a:xfrm>
+          <a:prstGeom prst="roundRect">
+            <a:avLst>
+              <a:gd name="adj" fmla="val 5761"/>
+            </a:avLst>
+          </a:prstGeom>
+          <a:solidFill>
+            <a:schemeClr val="tx2">
+              <a:lumMod val="20000"/>
+              <a:lumOff val="80000"/>
+            </a:schemeClr>
+          </a:solidFill>
+          <a:ln w="28575">
+            <a:solidFill>
+              <a:schemeClr val="tx2">
+                <a:lumMod val="75000"/>
+              </a:schemeClr>
+            </a:solidFill>
+          </a:ln>
+        </p:spPr>
+        <p:style>
+          <a:lnRef idx="2">
+            <a:schemeClr val="accent1">
+              <a:shade val="15000"/>
+            </a:schemeClr>
+          </a:lnRef>
+          <a:fillRef idx="1">
+            <a:schemeClr val="accent1"/>
+          </a:fillRef>
+          <a:effectRef idx="0">
+            <a:schemeClr val="accent1"/>
+          </a:effectRef>
+          <a:fontRef idx="minor">
+            <a:schemeClr val="lt1"/>
+          </a:fontRef>
+        </p:style>
+        <p:txBody>
+          <a:bodyPr rtlCol="0" anchor="ctr"/>
+          <a:lstStyle/>
+          <a:p>
+            <a:pPr algn="ctr"/>
+            <a:r>
+              <a:rPr lang="en-US" b="1" dirty="0">
+                <a:solidFill>
+                  <a:schemeClr val="tx1"/>
+                </a:solidFill>
+              </a:rPr>
+              <a:t>ORBIT PROPAGATION METHODS</a:t>
+            </a:r>
+          </a:p>
+          <a:p>
+            <a:pPr algn="ctr"/>
+            <a:endParaRPr lang="en-US" b="1" dirty="0">
+              <a:solidFill>
+                <a:schemeClr val="tx1"/>
+              </a:solidFill>
+            </a:endParaRPr>
+          </a:p>
+          <a:p>
+            <a:pPr algn="ctr"/>
+            <a:endParaRPr lang="en-US" b="1" dirty="0">
+              <a:solidFill>
+                <a:schemeClr val="tx1"/>
+              </a:solidFill>
+            </a:endParaRPr>
+          </a:p>
+          <a:p>
+            <a:pPr algn="ctr"/>
+            <a:endParaRPr lang="en-US" b="1" dirty="0">
+              <a:solidFill>
+                <a:schemeClr val="tx1"/>
+              </a:solidFill>
+            </a:endParaRPr>
+          </a:p>
+          <a:p>
+            <a:pPr algn="ctr"/>
+            <a:endParaRPr lang="en-US" b="1" dirty="0">
+              <a:solidFill>
+                <a:schemeClr val="tx1"/>
+              </a:solidFill>
+            </a:endParaRPr>
+          </a:p>
+          <a:p>
+            <a:pPr algn="ctr"/>
+            <a:endParaRPr lang="en-US" b="1" dirty="0">
+              <a:solidFill>
+                <a:schemeClr val="tx1"/>
+              </a:solidFill>
+            </a:endParaRPr>
+          </a:p>
+          <a:p>
+            <a:pPr algn="ctr"/>
+            <a:endParaRPr lang="en-US" b="1" dirty="0">
+              <a:solidFill>
+                <a:schemeClr val="tx1"/>
+              </a:solidFill>
+            </a:endParaRPr>
+          </a:p>
+          <a:p>
+            <a:pPr algn="ctr"/>
+            <a:endParaRPr lang="en-US" b="1" dirty="0">
+              <a:solidFill>
+                <a:schemeClr val="tx1"/>
+              </a:solidFill>
+            </a:endParaRPr>
+          </a:p>
+        </p:txBody>
+      </p:sp>
+      <p:sp>
+        <p:nvSpPr>
+          <p:cNvPr id="35" name="Rectangle: Rounded Corners 34">
+            <a:extLst>
+              <a:ext uri="{FF2B5EF4-FFF2-40B4-BE49-F238E27FC236}">
+                <a16:creationId xmlns:a16="http://schemas.microsoft.com/office/drawing/2014/main" id="{0F1A1E69-F15E-C14A-325F-7DDAB5975295}"/>
+              </a:ext>
+            </a:extLst>
+          </p:cNvPr>
+          <p:cNvSpPr/>
+          <p:nvPr/>
+        </p:nvSpPr>
+        <p:spPr>
+          <a:xfrm>
+            <a:off x="6147459" y="3895321"/>
+            <a:ext cx="5234683" cy="2353168"/>
+          </a:xfrm>
+          <a:prstGeom prst="roundRect">
+            <a:avLst>
+              <a:gd name="adj" fmla="val 5761"/>
+            </a:avLst>
+          </a:prstGeom>
+          <a:solidFill>
+            <a:schemeClr val="tx2">
+              <a:lumMod val="20000"/>
+              <a:lumOff val="80000"/>
+            </a:schemeClr>
+          </a:solidFill>
+          <a:ln w="28575">
+            <a:solidFill>
+              <a:schemeClr val="tx2">
+                <a:lumMod val="75000"/>
+              </a:schemeClr>
+            </a:solidFill>
+          </a:ln>
+        </p:spPr>
+        <p:style>
+          <a:lnRef idx="2">
+            <a:schemeClr val="accent1">
+              <a:shade val="15000"/>
+            </a:schemeClr>
+          </a:lnRef>
+          <a:fillRef idx="1">
+            <a:schemeClr val="accent1"/>
+          </a:fillRef>
+          <a:effectRef idx="0">
+            <a:schemeClr val="accent1"/>
+          </a:effectRef>
+          <a:fontRef idx="minor">
+            <a:schemeClr val="lt1"/>
+          </a:fontRef>
+        </p:style>
+        <p:txBody>
+          <a:bodyPr rtlCol="0" anchor="ctr"/>
+          <a:lstStyle/>
+          <a:p>
+            <a:pPr algn="ctr"/>
+            <a:r>
+              <a:rPr lang="en-US" b="1" dirty="0">
+                <a:solidFill>
+                  <a:schemeClr val="tx1"/>
+                </a:solidFill>
+              </a:rPr>
+              <a:t>ATTITUDE PROPAGATION METHOD</a:t>
+            </a:r>
+          </a:p>
+          <a:p>
+            <a:pPr algn="ctr"/>
+            <a:endParaRPr lang="en-US" b="1" dirty="0">
+              <a:solidFill>
+                <a:schemeClr val="tx1"/>
+              </a:solidFill>
+            </a:endParaRPr>
+          </a:p>
+          <a:p>
+            <a:pPr algn="ctr"/>
+            <a:endParaRPr lang="en-US" b="1" dirty="0">
+              <a:solidFill>
+                <a:schemeClr val="tx1"/>
+              </a:solidFill>
+            </a:endParaRPr>
+          </a:p>
+          <a:p>
+            <a:pPr algn="ctr"/>
+            <a:endParaRPr lang="en-US" b="1" dirty="0">
+              <a:solidFill>
+                <a:schemeClr val="tx1"/>
+              </a:solidFill>
+            </a:endParaRPr>
+          </a:p>
+          <a:p>
+            <a:pPr algn="ctr"/>
+            <a:endParaRPr lang="en-US" b="1" dirty="0">
+              <a:solidFill>
+                <a:schemeClr val="tx1"/>
+              </a:solidFill>
+            </a:endParaRPr>
+          </a:p>
+          <a:p>
+            <a:pPr algn="ctr"/>
+            <a:endParaRPr lang="en-US" b="1" dirty="0">
+              <a:solidFill>
+                <a:schemeClr val="tx1"/>
+              </a:solidFill>
+            </a:endParaRPr>
+          </a:p>
+          <a:p>
+            <a:pPr algn="ctr"/>
+            <a:endParaRPr lang="en-US" b="1" dirty="0">
+              <a:solidFill>
+                <a:schemeClr val="tx1"/>
+              </a:solidFill>
+            </a:endParaRPr>
+          </a:p>
+          <a:p>
+            <a:pPr algn="ctr"/>
+            <a:endParaRPr lang="en-US" b="1" dirty="0">
+              <a:solidFill>
+                <a:schemeClr val="tx1"/>
+              </a:solidFill>
+            </a:endParaRPr>
+          </a:p>
+        </p:txBody>
+      </p:sp>
+      <p:sp>
+        <p:nvSpPr>
+          <p:cNvPr id="36" name="Rectangle: Rounded Corners 35">
+            <a:extLst>
+              <a:ext uri="{FF2B5EF4-FFF2-40B4-BE49-F238E27FC236}">
+                <a16:creationId xmlns:a16="http://schemas.microsoft.com/office/drawing/2014/main" id="{CE3BE201-6211-98C7-8008-DCC90D971F16}"/>
+              </a:ext>
+            </a:extLst>
+          </p:cNvPr>
+          <p:cNvSpPr/>
+          <p:nvPr/>
+        </p:nvSpPr>
+        <p:spPr>
+          <a:xfrm>
+            <a:off x="925417" y="4407701"/>
+            <a:ext cx="4718347" cy="457589"/>
+          </a:xfrm>
+          <a:prstGeom prst="roundRect">
+            <a:avLst>
+              <a:gd name="adj" fmla="val 21721"/>
+            </a:avLst>
+          </a:prstGeom>
+          <a:solidFill>
+            <a:schemeClr val="tx2">
+              <a:lumMod val="75000"/>
+            </a:schemeClr>
+          </a:solidFill>
+          <a:ln w="28575">
+            <a:solidFill>
+              <a:schemeClr val="tx2">
+                <a:lumMod val="75000"/>
+              </a:schemeClr>
+            </a:solidFill>
+          </a:ln>
+        </p:spPr>
+        <p:style>
+          <a:lnRef idx="2">
+            <a:schemeClr val="accent1">
+              <a:shade val="15000"/>
+            </a:schemeClr>
+          </a:lnRef>
+          <a:fillRef idx="1">
+            <a:schemeClr val="accent1"/>
+          </a:fillRef>
+          <a:effectRef idx="0">
+            <a:schemeClr val="accent1"/>
+          </a:effectRef>
+          <a:fontRef idx="minor">
+            <a:schemeClr val="lt1"/>
+          </a:fontRef>
+        </p:style>
+        <p:txBody>
+          <a:bodyPr rtlCol="0" anchor="ctr"/>
+          <a:lstStyle/>
+          <a:p>
+            <a:pPr algn="ctr"/>
+            <a:r>
+              <a:rPr lang="en-US" sz="1600" b="0" dirty="0" err="1">
+                <a:solidFill>
+                  <a:srgbClr val="4EC9B0"/>
+                </a:solidFill>
+                <a:effectLst/>
+                <a:latin typeface="Consolas" panose="020B0609020204030204" pitchFamily="49" charset="0"/>
+              </a:rPr>
+              <a:t>Spacecraft.</a:t>
+            </a:r>
+            <a:r>
+              <a:rPr lang="en-US" sz="1600" b="0" dirty="0" err="1">
+                <a:solidFill>
+                  <a:srgbClr val="DCDCAA"/>
+                </a:solidFill>
+                <a:effectLst/>
+                <a:latin typeface="Consolas" panose="020B0609020204030204" pitchFamily="49" charset="0"/>
+              </a:rPr>
+              <a:t>propagate_orbit</a:t>
+            </a:r>
+            <a:r>
+              <a:rPr lang="en-US" sz="1600" b="0" dirty="0">
+                <a:solidFill>
+                  <a:srgbClr val="CCCCCC"/>
+                </a:solidFill>
+                <a:effectLst/>
+                <a:latin typeface="Consolas" panose="020B0609020204030204" pitchFamily="49" charset="0"/>
+              </a:rPr>
+              <a:t>(</a:t>
+            </a:r>
+            <a:r>
+              <a:rPr lang="en-US" sz="1600" b="0" dirty="0">
+                <a:solidFill>
+                  <a:srgbClr val="37FF91"/>
+                </a:solidFill>
+                <a:effectLst/>
+                <a:latin typeface="Consolas" panose="020B0609020204030204" pitchFamily="49" charset="0"/>
+              </a:rPr>
+              <a:t>self</a:t>
+            </a:r>
+            <a:r>
+              <a:rPr lang="en-US" sz="1600" b="0" dirty="0">
+                <a:solidFill>
+                  <a:srgbClr val="CCCCCC"/>
+                </a:solidFill>
+                <a:effectLst/>
+                <a:latin typeface="Consolas" panose="020B0609020204030204" pitchFamily="49" charset="0"/>
+              </a:rPr>
+              <a:t>, </a:t>
+            </a:r>
+            <a:r>
+              <a:rPr lang="en-US" sz="1600" b="0" dirty="0">
+                <a:solidFill>
+                  <a:srgbClr val="9CDCFE"/>
+                </a:solidFill>
+                <a:effectLst/>
+                <a:latin typeface="Consolas" panose="020B0609020204030204" pitchFamily="49" charset="0"/>
+              </a:rPr>
+              <a:t>dt</a:t>
+            </a:r>
+            <a:r>
+              <a:rPr lang="en-US" sz="1600" b="0" dirty="0">
+                <a:solidFill>
+                  <a:srgbClr val="CCCCCC"/>
+                </a:solidFill>
+                <a:effectLst/>
+                <a:latin typeface="Consolas" panose="020B0609020204030204" pitchFamily="49" charset="0"/>
+              </a:rPr>
+              <a:t>)</a:t>
+            </a:r>
+          </a:p>
+        </p:txBody>
+      </p:sp>
+      <p:grpSp>
+        <p:nvGrpSpPr>
+          <p:cNvPr id="39" name="Group 38">
+            <a:extLst>
+              <a:ext uri="{FF2B5EF4-FFF2-40B4-BE49-F238E27FC236}">
+                <a16:creationId xmlns:a16="http://schemas.microsoft.com/office/drawing/2014/main" id="{D9C99BE5-D747-C3A7-1431-86CCD39BD11D}"/>
+              </a:ext>
+            </a:extLst>
+          </p:cNvPr>
+          <p:cNvGrpSpPr/>
+          <p:nvPr/>
+        </p:nvGrpSpPr>
+        <p:grpSpPr>
+          <a:xfrm>
+            <a:off x="3051538" y="3619433"/>
+            <a:ext cx="238760" cy="281798"/>
+            <a:chOff x="3361356" y="3359664"/>
+            <a:chExt cx="238760" cy="461120"/>
+          </a:xfrm>
+        </p:grpSpPr>
+        <p:cxnSp>
+          <p:nvCxnSpPr>
+            <p:cNvPr id="37" name="Straight Arrow Connector 36">
+              <a:extLst>
+                <a:ext uri="{FF2B5EF4-FFF2-40B4-BE49-F238E27FC236}">
+                  <a16:creationId xmlns:a16="http://schemas.microsoft.com/office/drawing/2014/main" id="{883A1751-A0E1-16F0-B1F5-412A92109E3A}"/>
+                </a:ext>
+              </a:extLst>
+            </p:cNvPr>
+            <p:cNvCxnSpPr/>
+            <p:nvPr/>
+          </p:nvCxnSpPr>
+          <p:spPr>
+            <a:xfrm flipV="1">
+              <a:off x="3600116" y="3359664"/>
+              <a:ext cx="0" cy="461120"/>
+            </a:xfrm>
+            <a:prstGeom prst="straightConnector1">
+              <a:avLst/>
+            </a:prstGeom>
+            <a:ln w="57150">
+              <a:solidFill>
+                <a:schemeClr val="tx2">
+                  <a:lumMod val="20000"/>
+                  <a:lumOff val="80000"/>
+                </a:schemeClr>
+              </a:solidFill>
+              <a:tailEnd type="triangle"/>
+            </a:ln>
+          </p:spPr>
+          <p:style>
+            <a:lnRef idx="1">
+              <a:schemeClr val="accent1"/>
+            </a:lnRef>
+            <a:fillRef idx="0">
+              <a:schemeClr val="accent1"/>
+            </a:fillRef>
+            <a:effectRef idx="0">
+              <a:schemeClr val="accent1"/>
+            </a:effectRef>
+            <a:fontRef idx="minor">
+              <a:schemeClr val="tx1"/>
+            </a:fontRef>
+          </p:style>
+        </p:cxnSp>
+        <p:cxnSp>
+          <p:nvCxnSpPr>
+            <p:cNvPr id="38" name="Straight Arrow Connector 37">
+              <a:extLst>
+                <a:ext uri="{FF2B5EF4-FFF2-40B4-BE49-F238E27FC236}">
+                  <a16:creationId xmlns:a16="http://schemas.microsoft.com/office/drawing/2014/main" id="{D3EDF14B-2076-3A03-FDD4-DE2EA86E9F1C}"/>
+                </a:ext>
+              </a:extLst>
+            </p:cNvPr>
+            <p:cNvCxnSpPr/>
+            <p:nvPr/>
+          </p:nvCxnSpPr>
+          <p:spPr>
+            <a:xfrm flipV="1">
+              <a:off x="3361356" y="3359664"/>
+              <a:ext cx="0" cy="461120"/>
+            </a:xfrm>
+            <a:prstGeom prst="straightConnector1">
+              <a:avLst/>
+            </a:prstGeom>
+            <a:ln w="57150">
+              <a:solidFill>
+                <a:schemeClr val="tx2">
+                  <a:lumMod val="20000"/>
+                  <a:lumOff val="80000"/>
+                </a:schemeClr>
+              </a:solidFill>
+              <a:headEnd type="triangle" w="med" len="med"/>
+              <a:tailEnd type="none" w="med" len="med"/>
+            </a:ln>
+          </p:spPr>
+          <p:style>
+            <a:lnRef idx="1">
+              <a:schemeClr val="accent1"/>
+            </a:lnRef>
+            <a:fillRef idx="0">
+              <a:schemeClr val="accent1"/>
+            </a:fillRef>
+            <a:effectRef idx="0">
+              <a:schemeClr val="accent1"/>
+            </a:effectRef>
+            <a:fontRef idx="minor">
+              <a:schemeClr val="tx1"/>
+            </a:fontRef>
+          </p:style>
+        </p:cxnSp>
+      </p:grpSp>
+      <p:grpSp>
+        <p:nvGrpSpPr>
+          <p:cNvPr id="40" name="Group 39">
+            <a:extLst>
+              <a:ext uri="{FF2B5EF4-FFF2-40B4-BE49-F238E27FC236}">
+                <a16:creationId xmlns:a16="http://schemas.microsoft.com/office/drawing/2014/main" id="{20BF60F0-AF14-C0CD-2113-1B6BB0AF24D2}"/>
+              </a:ext>
+            </a:extLst>
+          </p:cNvPr>
+          <p:cNvGrpSpPr/>
+          <p:nvPr/>
+        </p:nvGrpSpPr>
+        <p:grpSpPr>
+          <a:xfrm>
+            <a:off x="8711258" y="3619433"/>
+            <a:ext cx="238760" cy="281798"/>
+            <a:chOff x="3361356" y="3359664"/>
+            <a:chExt cx="238760" cy="461120"/>
+          </a:xfrm>
+        </p:grpSpPr>
+        <p:cxnSp>
+          <p:nvCxnSpPr>
+            <p:cNvPr id="41" name="Straight Arrow Connector 40">
+              <a:extLst>
+                <a:ext uri="{FF2B5EF4-FFF2-40B4-BE49-F238E27FC236}">
+                  <a16:creationId xmlns:a16="http://schemas.microsoft.com/office/drawing/2014/main" id="{E27177B2-1FB8-183B-20DD-7391B8E4C832}"/>
+                </a:ext>
+              </a:extLst>
+            </p:cNvPr>
+            <p:cNvCxnSpPr/>
+            <p:nvPr/>
+          </p:nvCxnSpPr>
+          <p:spPr>
+            <a:xfrm flipV="1">
+              <a:off x="3600116" y="3359664"/>
+              <a:ext cx="0" cy="461120"/>
+            </a:xfrm>
+            <a:prstGeom prst="straightConnector1">
+              <a:avLst/>
+            </a:prstGeom>
+            <a:ln w="57150">
+              <a:solidFill>
+                <a:schemeClr val="tx2">
+                  <a:lumMod val="20000"/>
+                  <a:lumOff val="80000"/>
+                </a:schemeClr>
+              </a:solidFill>
+              <a:tailEnd type="triangle"/>
+            </a:ln>
+          </p:spPr>
+          <p:style>
+            <a:lnRef idx="1">
+              <a:schemeClr val="accent1"/>
+            </a:lnRef>
+            <a:fillRef idx="0">
+              <a:schemeClr val="accent1"/>
+            </a:fillRef>
+            <a:effectRef idx="0">
+              <a:schemeClr val="accent1"/>
+            </a:effectRef>
+            <a:fontRef idx="minor">
+              <a:schemeClr val="tx1"/>
+            </a:fontRef>
+          </p:style>
+        </p:cxnSp>
+        <p:cxnSp>
+          <p:nvCxnSpPr>
+            <p:cNvPr id="42" name="Straight Arrow Connector 41">
+              <a:extLst>
+                <a:ext uri="{FF2B5EF4-FFF2-40B4-BE49-F238E27FC236}">
+                  <a16:creationId xmlns:a16="http://schemas.microsoft.com/office/drawing/2014/main" id="{717350D6-9052-3525-E63D-47577F0497F4}"/>
+                </a:ext>
+              </a:extLst>
+            </p:cNvPr>
+            <p:cNvCxnSpPr/>
+            <p:nvPr/>
+          </p:nvCxnSpPr>
+          <p:spPr>
+            <a:xfrm flipV="1">
+              <a:off x="3361356" y="3359664"/>
+              <a:ext cx="0" cy="461120"/>
+            </a:xfrm>
+            <a:prstGeom prst="straightConnector1">
+              <a:avLst/>
+            </a:prstGeom>
+            <a:ln w="57150">
+              <a:solidFill>
+                <a:schemeClr val="tx2">
+                  <a:lumMod val="20000"/>
+                  <a:lumOff val="80000"/>
+                </a:schemeClr>
+              </a:solidFill>
+              <a:headEnd type="triangle" w="med" len="med"/>
+              <a:tailEnd type="none" w="med" len="med"/>
+            </a:ln>
+          </p:spPr>
+          <p:style>
+            <a:lnRef idx="1">
+              <a:schemeClr val="accent1"/>
+            </a:lnRef>
+            <a:fillRef idx="0">
+              <a:schemeClr val="accent1"/>
+            </a:fillRef>
+            <a:effectRef idx="0">
+              <a:schemeClr val="accent1"/>
+            </a:effectRef>
+            <a:fontRef idx="minor">
+              <a:schemeClr val="tx1"/>
+            </a:fontRef>
+          </p:style>
+        </p:cxnSp>
+      </p:grpSp>
+      <p:sp>
+        <p:nvSpPr>
+          <p:cNvPr id="43" name="Rectangle: Rounded Corners 42">
+            <a:extLst>
+              <a:ext uri="{FF2B5EF4-FFF2-40B4-BE49-F238E27FC236}">
+                <a16:creationId xmlns:a16="http://schemas.microsoft.com/office/drawing/2014/main" id="{23C16D71-9DCE-1A74-AEDB-22632522D79D}"/>
+              </a:ext>
+            </a:extLst>
+          </p:cNvPr>
+          <p:cNvSpPr/>
+          <p:nvPr/>
+        </p:nvSpPr>
+        <p:spPr>
+          <a:xfrm>
+            <a:off x="925417" y="5238297"/>
+            <a:ext cx="4718347" cy="643095"/>
+          </a:xfrm>
+          <a:prstGeom prst="roundRect">
+            <a:avLst>
+              <a:gd name="adj" fmla="val 21721"/>
+            </a:avLst>
+          </a:prstGeom>
+          <a:solidFill>
+            <a:schemeClr val="tx2">
+              <a:lumMod val="75000"/>
+            </a:schemeClr>
+          </a:solidFill>
+          <a:ln w="28575">
+            <a:solidFill>
+              <a:schemeClr val="tx2">
+                <a:lumMod val="75000"/>
+              </a:schemeClr>
+            </a:solidFill>
+          </a:ln>
+        </p:spPr>
+        <p:style>
+          <a:lnRef idx="2">
+            <a:schemeClr val="accent1">
+              <a:shade val="15000"/>
+            </a:schemeClr>
+          </a:lnRef>
+          <a:fillRef idx="1">
+            <a:schemeClr val="accent1"/>
+          </a:fillRef>
+          <a:effectRef idx="0">
+            <a:schemeClr val="accent1"/>
+          </a:effectRef>
+          <a:fontRef idx="minor">
+            <a:schemeClr val="lt1"/>
+          </a:fontRef>
+        </p:style>
+        <p:txBody>
+          <a:bodyPr rtlCol="0" anchor="ctr"/>
+          <a:lstStyle/>
+          <a:p>
+            <a:r>
+              <a:rPr lang="en-US" sz="1600" b="0" dirty="0" err="1">
+                <a:solidFill>
+                  <a:srgbClr val="4EC9B0"/>
+                </a:solidFill>
+                <a:effectLst/>
+                <a:latin typeface="Consolas" panose="020B0609020204030204" pitchFamily="49" charset="0"/>
+              </a:rPr>
+              <a:t>Spacecraft.</a:t>
+            </a:r>
+            <a:r>
+              <a:rPr lang="en-US" sz="1600" b="0" dirty="0" err="1">
+                <a:solidFill>
+                  <a:srgbClr val="DCDCAA"/>
+                </a:solidFill>
+                <a:effectLst/>
+                <a:latin typeface="Consolas" panose="020B0609020204030204" pitchFamily="49" charset="0"/>
+              </a:rPr>
+              <a:t>propagate_orbit</a:t>
+            </a:r>
+            <a:r>
+              <a:rPr lang="en-US" sz="1600" b="0" dirty="0">
+                <a:solidFill>
+                  <a:srgbClr val="CCCCCC"/>
+                </a:solidFill>
+                <a:effectLst/>
+                <a:latin typeface="Consolas" panose="020B0609020204030204" pitchFamily="49" charset="0"/>
+              </a:rPr>
+              <a:t>(</a:t>
+            </a:r>
+          </a:p>
+          <a:p>
+            <a:pPr lvl="1"/>
+            <a:r>
+              <a:rPr lang="en-GB" sz="1600" b="0" dirty="0">
+                <a:solidFill>
+                  <a:srgbClr val="37FF91"/>
+                </a:solidFill>
+                <a:effectLst/>
+                <a:latin typeface="Consolas" panose="020B0609020204030204" pitchFamily="49" charset="0"/>
+              </a:rPr>
+              <a:t>self</a:t>
+            </a:r>
+            <a:r>
+              <a:rPr lang="en-GB" sz="1600" b="0" dirty="0">
+                <a:solidFill>
+                  <a:srgbClr val="CCCCCC"/>
+                </a:solidFill>
+                <a:effectLst/>
+                <a:latin typeface="Consolas" panose="020B0609020204030204" pitchFamily="49" charset="0"/>
+              </a:rPr>
+              <a:t>, </a:t>
+            </a:r>
+            <a:r>
+              <a:rPr lang="en-GB" sz="1600" b="0" dirty="0">
+                <a:solidFill>
+                  <a:srgbClr val="9CDCFE"/>
+                </a:solidFill>
+                <a:effectLst/>
+                <a:latin typeface="Consolas" panose="020B0609020204030204" pitchFamily="49" charset="0"/>
+              </a:rPr>
+              <a:t>t</a:t>
+            </a:r>
+            <a:r>
+              <a:rPr lang="en-GB" sz="1600" b="0" dirty="0">
+                <a:solidFill>
+                  <a:srgbClr val="CCCCCC"/>
+                </a:solidFill>
+                <a:effectLst/>
+                <a:latin typeface="Consolas" panose="020B0609020204030204" pitchFamily="49" charset="0"/>
+              </a:rPr>
+              <a:t>, </a:t>
+            </a:r>
+            <a:r>
+              <a:rPr lang="en-GB" sz="1600" b="0" dirty="0">
+                <a:solidFill>
+                  <a:srgbClr val="9CDCFE"/>
+                </a:solidFill>
+                <a:effectLst/>
+                <a:latin typeface="Consolas" panose="020B0609020204030204" pitchFamily="49" charset="0"/>
+              </a:rPr>
+              <a:t>dt</a:t>
+            </a:r>
+            <a:r>
+              <a:rPr lang="en-GB" sz="1600" b="0" dirty="0">
+                <a:solidFill>
+                  <a:srgbClr val="CCCCCC"/>
+                </a:solidFill>
+                <a:effectLst/>
+                <a:latin typeface="Consolas" panose="020B0609020204030204" pitchFamily="49" charset="0"/>
+              </a:rPr>
+              <a:t>, </a:t>
+            </a:r>
+            <a:r>
+              <a:rPr lang="en-GB" sz="1600" b="0" dirty="0">
+                <a:solidFill>
+                  <a:srgbClr val="9CDCFE"/>
+                </a:solidFill>
+                <a:effectLst/>
+                <a:latin typeface="Consolas" panose="020B0609020204030204" pitchFamily="49" charset="0"/>
+              </a:rPr>
+              <a:t>integrator</a:t>
+            </a:r>
+            <a:r>
+              <a:rPr lang="en-GB" sz="1600" b="0" dirty="0">
+                <a:solidFill>
+                  <a:srgbClr val="D4D4D4"/>
+                </a:solidFill>
+                <a:effectLst/>
+                <a:latin typeface="Consolas" panose="020B0609020204030204" pitchFamily="49" charset="0"/>
+              </a:rPr>
+              <a:t>=</a:t>
+            </a:r>
+            <a:r>
+              <a:rPr lang="en-GB" sz="1600" b="0" dirty="0">
+                <a:solidFill>
+                  <a:srgbClr val="CE9178"/>
+                </a:solidFill>
+                <a:effectLst/>
+                <a:latin typeface="Consolas" panose="020B0609020204030204" pitchFamily="49" charset="0"/>
+              </a:rPr>
+              <a:t>'RK4'</a:t>
+            </a:r>
+            <a:r>
+              <a:rPr lang="en-GB" sz="1600" b="0" dirty="0">
+                <a:solidFill>
+                  <a:srgbClr val="CCCCCC"/>
+                </a:solidFill>
+                <a:effectLst/>
+                <a:latin typeface="Consolas" panose="020B0609020204030204" pitchFamily="49" charset="0"/>
+              </a:rPr>
+              <a:t>)</a:t>
+            </a:r>
+          </a:p>
+        </p:txBody>
+      </p:sp>
+      <p:sp>
+        <p:nvSpPr>
+          <p:cNvPr id="44" name="TextBox 43">
+            <a:extLst>
+              <a:ext uri="{FF2B5EF4-FFF2-40B4-BE49-F238E27FC236}">
+                <a16:creationId xmlns:a16="http://schemas.microsoft.com/office/drawing/2014/main" id="{1D809875-CE4A-66C4-7770-4EADF8DD8E37}"/>
+              </a:ext>
+            </a:extLst>
+          </p:cNvPr>
+          <p:cNvSpPr txBox="1"/>
+          <p:nvPr/>
+        </p:nvSpPr>
+        <p:spPr>
+          <a:xfrm>
+            <a:off x="1001735" y="4883772"/>
+            <a:ext cx="3408737" cy="261610"/>
+          </a:xfrm>
+          <a:prstGeom prst="rect">
+            <a:avLst/>
+          </a:prstGeom>
+          <a:noFill/>
+        </p:spPr>
+        <p:txBody>
+          <a:bodyPr wrap="square" rtlCol="0">
+            <a:spAutoFit/>
+          </a:bodyPr>
+          <a:lstStyle/>
+          <a:p>
+            <a:r>
+              <a:rPr lang="en-US" sz="1100"/>
+              <a:t>*Keplerian-only analytical two-body propagator</a:t>
+            </a:r>
+            <a:endParaRPr lang="en-US" sz="1100" dirty="0"/>
+          </a:p>
+        </p:txBody>
+      </p:sp>
+      <p:sp>
+        <p:nvSpPr>
+          <p:cNvPr id="45" name="TextBox 44">
+            <a:extLst>
+              <a:ext uri="{FF2B5EF4-FFF2-40B4-BE49-F238E27FC236}">
+                <a16:creationId xmlns:a16="http://schemas.microsoft.com/office/drawing/2014/main" id="{775C62B9-4C93-4475-0A5C-2E5905FCF6C3}"/>
+              </a:ext>
+            </a:extLst>
+          </p:cNvPr>
+          <p:cNvSpPr txBox="1"/>
+          <p:nvPr/>
+        </p:nvSpPr>
+        <p:spPr>
+          <a:xfrm>
+            <a:off x="1001735" y="5930789"/>
+            <a:ext cx="4774230" cy="261610"/>
+          </a:xfrm>
+          <a:prstGeom prst="rect">
+            <a:avLst/>
+          </a:prstGeom>
+          <a:noFill/>
+        </p:spPr>
+        <p:txBody>
+          <a:bodyPr wrap="square" rtlCol="0">
+            <a:spAutoFit/>
+          </a:bodyPr>
+          <a:lstStyle/>
+          <a:p>
+            <a:r>
+              <a:rPr lang="en-US" sz="1100" dirty="0"/>
+              <a:t>*Numerical propagator (default RK4), with references to own force models</a:t>
+            </a:r>
+          </a:p>
+        </p:txBody>
+      </p:sp>
+      <p:sp>
+        <p:nvSpPr>
+          <p:cNvPr id="46" name="Rectangle: Rounded Corners 45">
+            <a:extLst>
+              <a:ext uri="{FF2B5EF4-FFF2-40B4-BE49-F238E27FC236}">
+                <a16:creationId xmlns:a16="http://schemas.microsoft.com/office/drawing/2014/main" id="{C6C52B35-1827-8F13-ABC1-4B0BD2409007}"/>
+              </a:ext>
+            </a:extLst>
+          </p:cNvPr>
+          <p:cNvSpPr/>
+          <p:nvPr/>
+        </p:nvSpPr>
+        <p:spPr>
+          <a:xfrm>
+            <a:off x="6404567" y="4407701"/>
+            <a:ext cx="4718347" cy="646899"/>
+          </a:xfrm>
+          <a:prstGeom prst="roundRect">
+            <a:avLst>
+              <a:gd name="adj" fmla="val 21721"/>
+            </a:avLst>
+          </a:prstGeom>
+          <a:solidFill>
+            <a:schemeClr val="tx2">
+              <a:lumMod val="75000"/>
+            </a:schemeClr>
+          </a:solidFill>
+          <a:ln w="28575">
+            <a:solidFill>
+              <a:schemeClr val="tx2">
+                <a:lumMod val="75000"/>
+              </a:schemeClr>
+            </a:solidFill>
+          </a:ln>
+        </p:spPr>
+        <p:style>
+          <a:lnRef idx="2">
+            <a:schemeClr val="accent1">
+              <a:shade val="15000"/>
+            </a:schemeClr>
+          </a:lnRef>
+          <a:fillRef idx="1">
+            <a:schemeClr val="accent1"/>
+          </a:fillRef>
+          <a:effectRef idx="0">
+            <a:schemeClr val="accent1"/>
+          </a:effectRef>
+          <a:fontRef idx="minor">
+            <a:schemeClr val="lt1"/>
+          </a:fontRef>
+        </p:style>
+        <p:txBody>
+          <a:bodyPr rtlCol="0" anchor="ctr"/>
+          <a:lstStyle/>
+          <a:p>
+            <a:r>
+              <a:rPr lang="en-US" sz="1600" b="0" dirty="0" err="1">
+                <a:solidFill>
+                  <a:srgbClr val="4EC9B0"/>
+                </a:solidFill>
+                <a:effectLst/>
+                <a:latin typeface="Consolas" panose="020B0609020204030204" pitchFamily="49" charset="0"/>
+              </a:rPr>
+              <a:t>Spacecraft.</a:t>
+            </a:r>
+            <a:r>
+              <a:rPr lang="en-US" sz="1600" b="0" dirty="0" err="1">
+                <a:solidFill>
+                  <a:srgbClr val="DCDCAA"/>
+                </a:solidFill>
+                <a:effectLst/>
+                <a:latin typeface="Consolas" panose="020B0609020204030204" pitchFamily="49" charset="0"/>
+              </a:rPr>
+              <a:t>propagate_attitude</a:t>
+            </a:r>
+            <a:r>
+              <a:rPr lang="en-US" sz="1600" b="0" dirty="0">
+                <a:solidFill>
+                  <a:srgbClr val="CCCCCC"/>
+                </a:solidFill>
+                <a:effectLst/>
+                <a:latin typeface="Consolas" panose="020B0609020204030204" pitchFamily="49" charset="0"/>
+              </a:rPr>
+              <a:t>(</a:t>
+            </a:r>
+          </a:p>
+          <a:p>
+            <a:pPr lvl="1"/>
+            <a:r>
+              <a:rPr lang="en-US" sz="1600" b="0" dirty="0">
+                <a:solidFill>
+                  <a:srgbClr val="37FF91"/>
+                </a:solidFill>
+                <a:effectLst/>
+                <a:latin typeface="Consolas" panose="020B0609020204030204" pitchFamily="49" charset="0"/>
+              </a:rPr>
+              <a:t>self</a:t>
+            </a:r>
+            <a:r>
+              <a:rPr lang="en-US" sz="1600" b="0" dirty="0">
+                <a:solidFill>
+                  <a:srgbClr val="CCCCCC"/>
+                </a:solidFill>
+                <a:effectLst/>
+                <a:latin typeface="Consolas" panose="020B0609020204030204" pitchFamily="49" charset="0"/>
+              </a:rPr>
+              <a:t>, </a:t>
+            </a:r>
+            <a:r>
+              <a:rPr lang="en-US" sz="1600" b="0" dirty="0">
+                <a:solidFill>
+                  <a:srgbClr val="9CDCFE"/>
+                </a:solidFill>
+                <a:effectLst/>
+                <a:latin typeface="Consolas" panose="020B0609020204030204" pitchFamily="49" charset="0"/>
+              </a:rPr>
+              <a:t>dt</a:t>
+            </a:r>
+            <a:r>
+              <a:rPr lang="en-US" sz="1600" b="0" dirty="0">
+                <a:solidFill>
+                  <a:srgbClr val="CCCCCC"/>
+                </a:solidFill>
+                <a:effectLst/>
+                <a:latin typeface="Consolas" panose="020B0609020204030204" pitchFamily="49" charset="0"/>
+              </a:rPr>
+              <a:t>, </a:t>
+            </a:r>
+            <a:r>
+              <a:rPr lang="en-US" sz="1600" b="0" dirty="0">
+                <a:solidFill>
+                  <a:srgbClr val="9CDCFE"/>
+                </a:solidFill>
+                <a:effectLst/>
+                <a:latin typeface="Consolas" panose="020B0609020204030204" pitchFamily="49" charset="0"/>
+              </a:rPr>
+              <a:t>torque</a:t>
+            </a:r>
+            <a:r>
+              <a:rPr lang="en-US" sz="1600" b="0" dirty="0">
+                <a:solidFill>
+                  <a:srgbClr val="CCCCCC"/>
+                </a:solidFill>
+                <a:effectLst/>
+                <a:latin typeface="Consolas" panose="020B0609020204030204" pitchFamily="49" charset="0"/>
+              </a:rPr>
+              <a:t>)</a:t>
+            </a:r>
+          </a:p>
+        </p:txBody>
+      </p:sp>
+      <p:sp>
+        <p:nvSpPr>
+          <p:cNvPr id="47" name="TextBox 46">
+            <a:extLst>
+              <a:ext uri="{FF2B5EF4-FFF2-40B4-BE49-F238E27FC236}">
+                <a16:creationId xmlns:a16="http://schemas.microsoft.com/office/drawing/2014/main" id="{2F1AA07C-3AA2-55A8-5B10-3E88DA2D6100}"/>
+              </a:ext>
+            </a:extLst>
+          </p:cNvPr>
+          <p:cNvSpPr txBox="1"/>
+          <p:nvPr/>
+        </p:nvSpPr>
+        <p:spPr>
+          <a:xfrm>
+            <a:off x="6404567" y="5145382"/>
+            <a:ext cx="4673035" cy="261610"/>
+          </a:xfrm>
+          <a:prstGeom prst="rect">
+            <a:avLst/>
+          </a:prstGeom>
+          <a:noFill/>
+        </p:spPr>
+        <p:txBody>
+          <a:bodyPr wrap="square" rtlCol="0">
+            <a:spAutoFit/>
+          </a:bodyPr>
+          <a:lstStyle/>
+          <a:p>
+            <a:r>
+              <a:rPr lang="en-US" sz="1100" dirty="0"/>
+              <a:t>*Torque as a 3x1 vector applied in body-frame coordinates</a:t>
+            </a:r>
+          </a:p>
+        </p:txBody>
+      </p:sp>
+    </p:spTree>
+    <p:extLst>
+      <p:ext uri="{BB962C8B-B14F-4D97-AF65-F5344CB8AC3E}">
+        <p14:creationId xmlns:p14="http://schemas.microsoft.com/office/powerpoint/2010/main" val="4286060820"/>
       </p:ext>
     </p:extLst>
   </p:cSld>
@@ -6124,4 +14277,299 @@
     </a:ext>
   </a:extLst>
 </a:theme>
+</file>
+
+<file path=ppt/theme/theme2.xml><?xml version="1.0" encoding="utf-8"?>
+<a:theme xmlns:a="http://schemas.openxmlformats.org/drawingml/2006/main" name="Office Theme">
+  <a:themeElements>
+    <a:clrScheme name="Office">
+      <a:dk1>
+        <a:sysClr val="windowText" lastClr="000000"/>
+      </a:dk1>
+      <a:lt1>
+        <a:sysClr val="window" lastClr="FFFFFF"/>
+      </a:lt1>
+      <a:dk2>
+        <a:srgbClr val="44546A"/>
+      </a:dk2>
+      <a:lt2>
+        <a:srgbClr val="E7E6E6"/>
+      </a:lt2>
+      <a:accent1>
+        <a:srgbClr val="4472C4"/>
+      </a:accent1>
+      <a:accent2>
+        <a:srgbClr val="ED7D31"/>
+      </a:accent2>
+      <a:accent3>
+        <a:srgbClr val="A5A5A5"/>
+      </a:accent3>
+      <a:accent4>
+        <a:srgbClr val="FFC000"/>
+      </a:accent4>
+      <a:accent5>
+        <a:srgbClr val="5B9BD5"/>
+      </a:accent5>
+      <a:accent6>
+        <a:srgbClr val="70AD47"/>
+      </a:accent6>
+      <a:hlink>
+        <a:srgbClr val="0563C1"/>
+      </a:hlink>
+      <a:folHlink>
+        <a:srgbClr val="954F72"/>
+      </a:folHlink>
+    </a:clrScheme>
+    <a:fontScheme name="Office">
+      <a:majorFont>
+        <a:latin typeface="Calibri Light" panose="020F0302020204030204"/>
+        <a:ea typeface=""/>
+        <a:cs typeface=""/>
+        <a:font script="Jpan" typeface="游ゴシック Light"/>
+        <a:font script="Hang" typeface="맑은 고딕"/>
+        <a:font script="Hans" typeface="等线 Light"/>
+        <a:font script="Hant" typeface="新細明體"/>
+        <a:font script="Arab" typeface="Times New Roman"/>
+        <a:font script="Hebr" typeface="Times New Roman"/>
+        <a:font script="Thai" typeface="Angsana New"/>
+        <a:font script="Ethi" typeface="Nyala"/>
+        <a:font script="Beng" typeface="Vrinda"/>
+        <a:font script="Gujr" typeface="Shruti"/>
+        <a:font script="Khmr" typeface="MoolBoran"/>
+        <a:font script="Knda" typeface="Tunga"/>
+        <a:font script="Guru" typeface="Raavi"/>
+        <a:font script="Cans" typeface="Euphemia"/>
+        <a:font script="Cher" typeface="Plantagenet Cherokee"/>
+        <a:font script="Yiii" typeface="Microsoft Yi Baiti"/>
+        <a:font script="Tibt" typeface="Microsoft Himalaya"/>
+        <a:font script="Thaa" typeface="MV Boli"/>
+        <a:font script="Deva" typeface="Mangal"/>
+        <a:font script="Telu" typeface="Gautami"/>
+        <a:font script="Taml" typeface="Latha"/>
+        <a:font script="Syrc" typeface="Estrangelo Edessa"/>
+        <a:font script="Orya" typeface="Kalinga"/>
+        <a:font script="Mlym" typeface="Kartika"/>
+        <a:font script="Laoo" typeface="DokChampa"/>
+        <a:font script="Sinh" typeface="Iskoola Pota"/>
+        <a:font script="Mong" typeface="Mongolian Baiti"/>
+        <a:font script="Viet" typeface="Times New Roman"/>
+        <a:font script="Uigh" typeface="Microsoft Uighur"/>
+        <a:font script="Geor" typeface="Sylfaen"/>
+        <a:font script="Armn" typeface="Arial"/>
+        <a:font script="Bugi" typeface="Leelawadee UI"/>
+        <a:font script="Bopo" typeface="Microsoft JhengHei"/>
+        <a:font script="Java" typeface="Javanese Text"/>
+        <a:font script="Lisu" typeface="Segoe UI"/>
+        <a:font script="Mymr" typeface="Myanmar Text"/>
+        <a:font script="Nkoo" typeface="Ebrima"/>
+        <a:font script="Olck" typeface="Nirmala UI"/>
+        <a:font script="Osma" typeface="Ebrima"/>
+        <a:font script="Phag" typeface="Phagspa"/>
+        <a:font script="Syrn" typeface="Estrangelo Edessa"/>
+        <a:font script="Syrj" typeface="Estrangelo Edessa"/>
+        <a:font script="Syre" typeface="Estrangelo Edessa"/>
+        <a:font script="Sora" typeface="Nirmala UI"/>
+        <a:font script="Tale" typeface="Microsoft Tai Le"/>
+        <a:font script="Talu" typeface="Microsoft New Tai Lue"/>
+        <a:font script="Tfng" typeface="Ebrima"/>
+      </a:majorFont>
+      <a:minorFont>
+        <a:latin typeface="Calibri" panose="020F0502020204030204"/>
+        <a:ea typeface=""/>
+        <a:cs typeface=""/>
+        <a:font script="Jpan" typeface="游ゴシック"/>
+        <a:font script="Hang" typeface="맑은 고딕"/>
+        <a:font script="Hans" typeface="等线"/>
+        <a:font script="Hant" typeface="新細明體"/>
+        <a:font script="Arab" typeface="Arial"/>
+        <a:font script="Hebr" typeface="Arial"/>
+        <a:font script="Thai" typeface="Cordia New"/>
+        <a:font script="Ethi" typeface="Nyala"/>
+        <a:font script="Beng" typeface="Vrinda"/>
+        <a:font script="Gujr" typeface="Shruti"/>
+        <a:font script="Khmr" typeface="DaunPenh"/>
+        <a:font script="Knda" typeface="Tunga"/>
+        <a:font script="Guru" typeface="Raavi"/>
+        <a:font script="Cans" typeface="Euphemia"/>
+        <a:font script="Cher" typeface="Plantagenet Cherokee"/>
+        <a:font script="Yiii" typeface="Microsoft Yi Baiti"/>
+        <a:font script="Tibt" typeface="Microsoft Himalaya"/>
+        <a:font script="Thaa" typeface="MV Boli"/>
+        <a:font script="Deva" typeface="Mangal"/>
+        <a:font script="Telu" typeface="Gautami"/>
+        <a:font script="Taml" typeface="Latha"/>
+        <a:font script="Syrc" typeface="Estrangelo Edessa"/>
+        <a:font script="Orya" typeface="Kalinga"/>
+        <a:font script="Mlym" typeface="Kartika"/>
+        <a:font script="Laoo" typeface="DokChampa"/>
+        <a:font script="Sinh" typeface="Iskoola Pota"/>
+        <a:font script="Mong" typeface="Mongolian Baiti"/>
+        <a:font script="Viet" typeface="Arial"/>
+        <a:font script="Uigh" typeface="Microsoft Uighur"/>
+        <a:font script="Geor" typeface="Sylfaen"/>
+        <a:font script="Armn" typeface="Arial"/>
+        <a:font script="Bugi" typeface="Leelawadee UI"/>
+        <a:font script="Bopo" typeface="Microsoft JhengHei"/>
+        <a:font script="Java" typeface="Javanese Text"/>
+        <a:font script="Lisu" typeface="Segoe UI"/>
+        <a:font script="Mymr" typeface="Myanmar Text"/>
+        <a:font script="Nkoo" typeface="Ebrima"/>
+        <a:font script="Olck" typeface="Nirmala UI"/>
+        <a:font script="Osma" typeface="Ebrima"/>
+        <a:font script="Phag" typeface="Phagspa"/>
+        <a:font script="Syrn" typeface="Estrangelo Edessa"/>
+        <a:font script="Syrj" typeface="Estrangelo Edessa"/>
+        <a:font script="Syre" typeface="Estrangelo Edessa"/>
+        <a:font script="Sora" typeface="Nirmala UI"/>
+        <a:font script="Tale" typeface="Microsoft Tai Le"/>
+        <a:font script="Talu" typeface="Microsoft New Tai Lue"/>
+        <a:font script="Tfng" typeface="Ebrima"/>
+      </a:minorFont>
+    </a:fontScheme>
+    <a:fmtScheme name="Office">
+      <a:fillStyleLst>
+        <a:solidFill>
+          <a:schemeClr val="phClr"/>
+        </a:solidFill>
+        <a:gradFill rotWithShape="1">
+          <a:gsLst>
+            <a:gs pos="0">
+              <a:schemeClr val="phClr">
+                <a:lumMod val="110000"/>
+                <a:satMod val="105000"/>
+                <a:tint val="67000"/>
+              </a:schemeClr>
+            </a:gs>
+            <a:gs pos="50000">
+              <a:schemeClr val="phClr">
+                <a:lumMod val="105000"/>
+                <a:satMod val="103000"/>
+                <a:tint val="73000"/>
+              </a:schemeClr>
+            </a:gs>
+            <a:gs pos="100000">
+              <a:schemeClr val="phClr">
+                <a:lumMod val="105000"/>
+                <a:satMod val="109000"/>
+                <a:tint val="81000"/>
+              </a:schemeClr>
+            </a:gs>
+          </a:gsLst>
+          <a:lin ang="5400000" scaled="0"/>
+        </a:gradFill>
+        <a:gradFill rotWithShape="1">
+          <a:gsLst>
+            <a:gs pos="0">
+              <a:schemeClr val="phClr">
+                <a:satMod val="103000"/>
+                <a:lumMod val="102000"/>
+                <a:tint val="94000"/>
+              </a:schemeClr>
+            </a:gs>
+            <a:gs pos="50000">
+              <a:schemeClr val="phClr">
+                <a:satMod val="110000"/>
+                <a:lumMod val="100000"/>
+                <a:shade val="100000"/>
+              </a:schemeClr>
+            </a:gs>
+            <a:gs pos="100000">
+              <a:schemeClr val="phClr">
+                <a:lumMod val="99000"/>
+                <a:satMod val="120000"/>
+                <a:shade val="78000"/>
+              </a:schemeClr>
+            </a:gs>
+          </a:gsLst>
+          <a:lin ang="5400000" scaled="0"/>
+        </a:gradFill>
+      </a:fillStyleLst>
+      <a:lnStyleLst>
+        <a:ln w="6350" cap="flat" cmpd="sng" algn="ctr">
+          <a:solidFill>
+            <a:schemeClr val="phClr"/>
+          </a:solidFill>
+          <a:prstDash val="solid"/>
+          <a:miter lim="800000"/>
+        </a:ln>
+        <a:ln w="12700" cap="flat" cmpd="sng" algn="ctr">
+          <a:solidFill>
+            <a:schemeClr val="phClr"/>
+          </a:solidFill>
+          <a:prstDash val="solid"/>
+          <a:miter lim="800000"/>
+        </a:ln>
+        <a:ln w="19050" cap="flat" cmpd="sng" algn="ctr">
+          <a:solidFill>
+            <a:schemeClr val="phClr"/>
+          </a:solidFill>
+          <a:prstDash val="solid"/>
+          <a:miter lim="800000"/>
+        </a:ln>
+      </a:lnStyleLst>
+      <a:effectStyleLst>
+        <a:effectStyle>
+          <a:effectLst/>
+        </a:effectStyle>
+        <a:effectStyle>
+          <a:effectLst/>
+        </a:effectStyle>
+        <a:effectStyle>
+          <a:effectLst>
+            <a:outerShdw blurRad="57150" dist="19050" dir="5400000" algn="ctr" rotWithShape="0">
+              <a:srgbClr val="000000">
+                <a:alpha val="63000"/>
+              </a:srgbClr>
+            </a:outerShdw>
+          </a:effectLst>
+        </a:effectStyle>
+      </a:effectStyleLst>
+      <a:bgFillStyleLst>
+        <a:solidFill>
+          <a:schemeClr val="phClr"/>
+        </a:solidFill>
+        <a:solidFill>
+          <a:schemeClr val="phClr">
+            <a:tint val="95000"/>
+            <a:satMod val="170000"/>
+          </a:schemeClr>
+        </a:solidFill>
+        <a:gradFill rotWithShape="1">
+          <a:gsLst>
+            <a:gs pos="0">
+              <a:schemeClr val="phClr">
+                <a:tint val="93000"/>
+                <a:satMod val="150000"/>
+                <a:shade val="98000"/>
+                <a:lumMod val="102000"/>
+              </a:schemeClr>
+            </a:gs>
+            <a:gs pos="50000">
+              <a:schemeClr val="phClr">
+                <a:tint val="98000"/>
+                <a:satMod val="130000"/>
+                <a:shade val="90000"/>
+                <a:lumMod val="103000"/>
+              </a:schemeClr>
+            </a:gs>
+            <a:gs pos="100000">
+              <a:schemeClr val="phClr">
+                <a:shade val="63000"/>
+                <a:satMod val="120000"/>
+              </a:schemeClr>
+            </a:gs>
+          </a:gsLst>
+          <a:lin ang="5400000" scaled="0"/>
+        </a:gradFill>
+      </a:bgFillStyleLst>
+    </a:fmtScheme>
+  </a:themeElements>
+  <a:objectDefaults/>
+  <a:extraClrSchemeLst/>
+  <a:extLst>
+    <a:ext uri="{05A4C25C-085E-4340-85A3-A5531E510DB2}">
+      <thm15:themeFamily xmlns:thm15="http://schemas.microsoft.com/office/thememl/2012/main" name="Office Theme" id="{62F939B6-93AF-4DB8-9C6B-D6C7DFDC589F}" vid="{4A3C46E8-61CC-4603-A589-7422A47A8E4A}"/>
+    </a:ext>
+  </a:extLst>
+</a:theme>
 </file>
--- a/graphics.pptx
+++ b/graphics.pptx
@@ -13061,7 +13061,7 @@
         <p:spPr>
           <a:xfrm>
             <a:off x="6147459" y="3895321"/>
-            <a:ext cx="5234683" cy="2353168"/>
+            <a:ext cx="5234683" cy="1912038"/>
           </a:xfrm>
           <a:prstGeom prst="roundRect">
             <a:avLst>
@@ -13111,22 +13111,6 @@
               </a:rPr>
               <a:t>ATTITUDE PROPAGATION METHOD</a:t>
             </a:r>
-          </a:p>
-          <a:p>
-            <a:pPr algn="ctr"/>
-            <a:endParaRPr lang="en-US" b="1" dirty="0">
-              <a:solidFill>
-                <a:schemeClr val="tx1"/>
-              </a:solidFill>
-            </a:endParaRPr>
-          </a:p>
-          <a:p>
-            <a:pPr algn="ctr"/>
-            <a:endParaRPr lang="en-US" b="1" dirty="0">
-              <a:solidFill>
-                <a:schemeClr val="tx1"/>
-              </a:solidFill>
-            </a:endParaRPr>
           </a:p>
           <a:p>
             <a:pPr algn="ctr"/>
@@ -13800,7 +13784,7 @@
         <p:spPr>
           <a:xfrm>
             <a:off x="6404567" y="4407701"/>
-            <a:ext cx="4718347" cy="646899"/>
+            <a:ext cx="4718347" cy="811768"/>
           </a:xfrm>
           <a:prstGeom prst="roundRect">
             <a:avLst>
@@ -13950,7 +13934,7 @@
         </p:nvSpPr>
         <p:spPr>
           <a:xfrm>
-            <a:off x="6404567" y="5145382"/>
+            <a:off x="6404567" y="5219469"/>
             <a:ext cx="4673035" cy="261610"/>
           </a:xfrm>
           <a:prstGeom prst="rect">

--- a/graphics.pptx
+++ b/graphics.pptx
@@ -5,7 +5,7 @@
     <p:sldMasterId id="2147483648" r:id="rId1"/>
   </p:sldMasterIdLst>
   <p:notesMasterIdLst>
-    <p:notesMasterId r:id="rId11"/>
+    <p:notesMasterId r:id="rId12"/>
   </p:notesMasterIdLst>
   <p:sldIdLst>
     <p:sldId id="256" r:id="rId2"/>
@@ -16,7 +16,8 @@
     <p:sldId id="258" r:id="rId7"/>
     <p:sldId id="262" r:id="rId8"/>
     <p:sldId id="263" r:id="rId9"/>
-    <p:sldId id="264" r:id="rId10"/>
+    <p:sldId id="265" r:id="rId10"/>
+    <p:sldId id="264" r:id="rId11"/>
   </p:sldIdLst>
   <p:sldSz cx="12192000" cy="6858000"/>
   <p:notesSz cx="6858000" cy="9144000"/>
@@ -205,7 +206,7 @@
           <a:p>
             <a:fld id="{30BA6EED-41FB-463F-A202-09D727F1A9E7}" type="datetimeFigureOut">
               <a:rPr lang="en-US" smtClean="0"/>
-              <a:t>4/16/2024</a:t>
+              <a:t>4/17/2024</a:t>
             </a:fld>
             <a:endParaRPr lang="en-US"/>
           </a:p>
@@ -537,7 +538,7 @@
           <a:p>
             <a:fld id="{CD1723CD-458E-45AB-88F6-246BFD7611E2}" type="slidenum">
               <a:rPr lang="en-US" smtClean="0"/>
-              <a:t>9</a:t>
+              <a:t>10</a:t>
             </a:fld>
             <a:endParaRPr lang="en-US"/>
           </a:p>
@@ -703,7 +704,7 @@
           <a:p>
             <a:fld id="{491F7E70-246B-4D1A-989A-6D49ADA39188}" type="datetimeFigureOut">
               <a:rPr lang="en-US" smtClean="0"/>
-              <a:t>4/16/2024</a:t>
+              <a:t>4/17/2024</a:t>
             </a:fld>
             <a:endParaRPr lang="en-US"/>
           </a:p>
@@ -901,7 +902,7 @@
           <a:p>
             <a:fld id="{491F7E70-246B-4D1A-989A-6D49ADA39188}" type="datetimeFigureOut">
               <a:rPr lang="en-US" smtClean="0"/>
-              <a:t>4/16/2024</a:t>
+              <a:t>4/17/2024</a:t>
             </a:fld>
             <a:endParaRPr lang="en-US"/>
           </a:p>
@@ -1109,7 +1110,7 @@
           <a:p>
             <a:fld id="{491F7E70-246B-4D1A-989A-6D49ADA39188}" type="datetimeFigureOut">
               <a:rPr lang="en-US" smtClean="0"/>
-              <a:t>4/16/2024</a:t>
+              <a:t>4/17/2024</a:t>
             </a:fld>
             <a:endParaRPr lang="en-US"/>
           </a:p>
@@ -1307,7 +1308,7 @@
           <a:p>
             <a:fld id="{491F7E70-246B-4D1A-989A-6D49ADA39188}" type="datetimeFigureOut">
               <a:rPr lang="en-US" smtClean="0"/>
-              <a:t>4/16/2024</a:t>
+              <a:t>4/17/2024</a:t>
             </a:fld>
             <a:endParaRPr lang="en-US"/>
           </a:p>
@@ -1582,7 +1583,7 @@
           <a:p>
             <a:fld id="{491F7E70-246B-4D1A-989A-6D49ADA39188}" type="datetimeFigureOut">
               <a:rPr lang="en-US" smtClean="0"/>
-              <a:t>4/16/2024</a:t>
+              <a:t>4/17/2024</a:t>
             </a:fld>
             <a:endParaRPr lang="en-US"/>
           </a:p>
@@ -1847,7 +1848,7 @@
           <a:p>
             <a:fld id="{491F7E70-246B-4D1A-989A-6D49ADA39188}" type="datetimeFigureOut">
               <a:rPr lang="en-US" smtClean="0"/>
-              <a:t>4/16/2024</a:t>
+              <a:t>4/17/2024</a:t>
             </a:fld>
             <a:endParaRPr lang="en-US"/>
           </a:p>
@@ -2259,7 +2260,7 @@
           <a:p>
             <a:fld id="{491F7E70-246B-4D1A-989A-6D49ADA39188}" type="datetimeFigureOut">
               <a:rPr lang="en-US" smtClean="0"/>
-              <a:t>4/16/2024</a:t>
+              <a:t>4/17/2024</a:t>
             </a:fld>
             <a:endParaRPr lang="en-US"/>
           </a:p>
@@ -2400,7 +2401,7 @@
           <a:p>
             <a:fld id="{491F7E70-246B-4D1A-989A-6D49ADA39188}" type="datetimeFigureOut">
               <a:rPr lang="en-US" smtClean="0"/>
-              <a:t>4/16/2024</a:t>
+              <a:t>4/17/2024</a:t>
             </a:fld>
             <a:endParaRPr lang="en-US"/>
           </a:p>
@@ -2513,7 +2514,7 @@
           <a:p>
             <a:fld id="{491F7E70-246B-4D1A-989A-6D49ADA39188}" type="datetimeFigureOut">
               <a:rPr lang="en-US" smtClean="0"/>
-              <a:t>4/16/2024</a:t>
+              <a:t>4/17/2024</a:t>
             </a:fld>
             <a:endParaRPr lang="en-US"/>
           </a:p>
@@ -2824,7 +2825,7 @@
           <a:p>
             <a:fld id="{491F7E70-246B-4D1A-989A-6D49ADA39188}" type="datetimeFigureOut">
               <a:rPr lang="en-US" smtClean="0"/>
-              <a:t>4/16/2024</a:t>
+              <a:t>4/17/2024</a:t>
             </a:fld>
             <a:endParaRPr lang="en-US"/>
           </a:p>
@@ -3112,7 +3113,7 @@
           <a:p>
             <a:fld id="{491F7E70-246B-4D1A-989A-6D49ADA39188}" type="datetimeFigureOut">
               <a:rPr lang="en-US" smtClean="0"/>
-              <a:t>4/16/2024</a:t>
+              <a:t>4/17/2024</a:t>
             </a:fld>
             <a:endParaRPr lang="en-US"/>
           </a:p>
@@ -3353,7 +3354,7 @@
           <a:p>
             <a:fld id="{491F7E70-246B-4D1A-989A-6D49ADA39188}" type="datetimeFigureOut">
               <a:rPr lang="en-US" smtClean="0"/>
-              <a:t>4/16/2024</a:t>
+              <a:t>4/17/2024</a:t>
             </a:fld>
             <a:endParaRPr lang="en-US"/>
           </a:p>
@@ -5675,6 +5676,2244 @@
     <p:extLst>
       <p:ext uri="{BB962C8B-B14F-4D97-AF65-F5344CB8AC3E}">
         <p14:creationId xmlns:p14="http://schemas.microsoft.com/office/powerpoint/2010/main" val="1407434750"/>
+      </p:ext>
+    </p:extLst>
+  </p:cSld>
+  <p:clrMapOvr>
+    <a:masterClrMapping/>
+  </p:clrMapOvr>
+</p:sld>
+</file>
+
+<file path=ppt/slides/slide10.xml><?xml version="1.0" encoding="utf-8"?>
+<p:sld xmlns:a="http://schemas.openxmlformats.org/drawingml/2006/main" xmlns:r="http://schemas.openxmlformats.org/officeDocument/2006/relationships" xmlns:p="http://schemas.openxmlformats.org/presentationml/2006/main">
+  <p:cSld>
+    <p:spTree>
+      <p:nvGrpSpPr>
+        <p:cNvPr id="1" name=""/>
+        <p:cNvGrpSpPr/>
+        <p:nvPr/>
+      </p:nvGrpSpPr>
+      <p:grpSpPr>
+        <a:xfrm>
+          <a:off x="0" y="0"/>
+          <a:ext cx="0" cy="0"/>
+          <a:chOff x="0" y="0"/>
+          <a:chExt cx="0" cy="0"/>
+        </a:xfrm>
+      </p:grpSpPr>
+      <p:sp>
+        <p:nvSpPr>
+          <p:cNvPr id="4" name="Rectangle: Rounded Corners 3">
+            <a:extLst>
+              <a:ext uri="{FF2B5EF4-FFF2-40B4-BE49-F238E27FC236}">
+                <a16:creationId xmlns:a16="http://schemas.microsoft.com/office/drawing/2014/main" id="{2739F6D0-721A-C97E-B233-F6B0C3562DE9}"/>
+              </a:ext>
+            </a:extLst>
+          </p:cNvPr>
+          <p:cNvSpPr/>
+          <p:nvPr/>
+        </p:nvSpPr>
+        <p:spPr>
+          <a:xfrm>
+            <a:off x="421241" y="357027"/>
+            <a:ext cx="11332395" cy="6208160"/>
+          </a:xfrm>
+          <a:prstGeom prst="roundRect">
+            <a:avLst>
+              <a:gd name="adj" fmla="val 3660"/>
+            </a:avLst>
+          </a:prstGeom>
+          <a:solidFill>
+            <a:schemeClr val="tx1">
+              <a:lumMod val="85000"/>
+              <a:lumOff val="15000"/>
+            </a:schemeClr>
+          </a:solidFill>
+          <a:ln w="28575">
+            <a:solidFill>
+              <a:schemeClr val="tx2">
+                <a:lumMod val="75000"/>
+              </a:schemeClr>
+            </a:solidFill>
+          </a:ln>
+        </p:spPr>
+        <p:style>
+          <a:lnRef idx="2">
+            <a:schemeClr val="accent1">
+              <a:shade val="15000"/>
+            </a:schemeClr>
+          </a:lnRef>
+          <a:fillRef idx="1">
+            <a:schemeClr val="accent1"/>
+          </a:fillRef>
+          <a:effectRef idx="0">
+            <a:schemeClr val="accent1"/>
+          </a:effectRef>
+          <a:fontRef idx="minor">
+            <a:schemeClr val="lt1"/>
+          </a:fontRef>
+        </p:style>
+        <p:txBody>
+          <a:bodyPr rtlCol="0" anchor="ctr"/>
+          <a:lstStyle/>
+          <a:p>
+            <a:pPr algn="ctr"/>
+            <a:endParaRPr lang="en-US"/>
+          </a:p>
+        </p:txBody>
+      </p:sp>
+      <p:sp>
+        <p:nvSpPr>
+          <p:cNvPr id="6" name="Rectangle: Rounded Corners 5">
+            <a:extLst>
+              <a:ext uri="{FF2B5EF4-FFF2-40B4-BE49-F238E27FC236}">
+                <a16:creationId xmlns:a16="http://schemas.microsoft.com/office/drawing/2014/main" id="{EAF2A5A8-007A-29D0-06F3-F0303BF050CA}"/>
+              </a:ext>
+            </a:extLst>
+          </p:cNvPr>
+          <p:cNvSpPr/>
+          <p:nvPr/>
+        </p:nvSpPr>
+        <p:spPr>
+          <a:xfrm>
+            <a:off x="6146399" y="1050641"/>
+            <a:ext cx="5234684" cy="2539583"/>
+          </a:xfrm>
+          <a:prstGeom prst="roundRect">
+            <a:avLst>
+              <a:gd name="adj" fmla="val 5315"/>
+            </a:avLst>
+          </a:prstGeom>
+          <a:solidFill>
+            <a:schemeClr val="tx2">
+              <a:lumMod val="20000"/>
+              <a:lumOff val="80000"/>
+            </a:schemeClr>
+          </a:solidFill>
+          <a:ln w="28575">
+            <a:solidFill>
+              <a:schemeClr val="tx2">
+                <a:lumMod val="75000"/>
+              </a:schemeClr>
+            </a:solidFill>
+          </a:ln>
+        </p:spPr>
+        <p:style>
+          <a:lnRef idx="2">
+            <a:schemeClr val="accent1">
+              <a:shade val="15000"/>
+            </a:schemeClr>
+          </a:lnRef>
+          <a:fillRef idx="1">
+            <a:schemeClr val="accent1"/>
+          </a:fillRef>
+          <a:effectRef idx="0">
+            <a:schemeClr val="accent1"/>
+          </a:effectRef>
+          <a:fontRef idx="minor">
+            <a:schemeClr val="lt1"/>
+          </a:fontRef>
+        </p:style>
+        <p:txBody>
+          <a:bodyPr rtlCol="0" anchor="ctr"/>
+          <a:lstStyle/>
+          <a:p>
+            <a:pPr algn="ctr"/>
+            <a:r>
+              <a:rPr lang="en-US" b="1" dirty="0">
+                <a:solidFill>
+                  <a:schemeClr val="tx1"/>
+                </a:solidFill>
+              </a:rPr>
+              <a:t>ATTITUDE STATE REPRESENTATION</a:t>
+            </a:r>
+          </a:p>
+          <a:p>
+            <a:pPr algn="ctr"/>
+            <a:endParaRPr lang="en-US" b="1" dirty="0">
+              <a:solidFill>
+                <a:schemeClr val="tx1"/>
+              </a:solidFill>
+            </a:endParaRPr>
+          </a:p>
+          <a:p>
+            <a:pPr algn="ctr"/>
+            <a:endParaRPr lang="en-US" b="1" dirty="0">
+              <a:solidFill>
+                <a:schemeClr val="tx1"/>
+              </a:solidFill>
+            </a:endParaRPr>
+          </a:p>
+          <a:p>
+            <a:pPr algn="ctr"/>
+            <a:endParaRPr lang="en-US" b="1" dirty="0">
+              <a:solidFill>
+                <a:schemeClr val="tx1"/>
+              </a:solidFill>
+            </a:endParaRPr>
+          </a:p>
+          <a:p>
+            <a:pPr algn="ctr"/>
+            <a:endParaRPr lang="en-US" b="1" dirty="0">
+              <a:solidFill>
+                <a:schemeClr val="tx1"/>
+              </a:solidFill>
+            </a:endParaRPr>
+          </a:p>
+          <a:p>
+            <a:pPr algn="ctr"/>
+            <a:endParaRPr lang="en-US" b="1" dirty="0">
+              <a:solidFill>
+                <a:schemeClr val="tx1"/>
+              </a:solidFill>
+            </a:endParaRPr>
+          </a:p>
+          <a:p>
+            <a:pPr algn="ctr"/>
+            <a:endParaRPr lang="en-US" b="1" dirty="0">
+              <a:solidFill>
+                <a:schemeClr val="tx1"/>
+              </a:solidFill>
+            </a:endParaRPr>
+          </a:p>
+          <a:p>
+            <a:pPr algn="ctr"/>
+            <a:endParaRPr lang="en-US" b="1" dirty="0">
+              <a:solidFill>
+                <a:schemeClr val="tx1"/>
+              </a:solidFill>
+            </a:endParaRPr>
+          </a:p>
+        </p:txBody>
+      </p:sp>
+      <p:sp>
+        <p:nvSpPr>
+          <p:cNvPr id="7" name="TextBox 6">
+            <a:extLst>
+              <a:ext uri="{FF2B5EF4-FFF2-40B4-BE49-F238E27FC236}">
+                <a16:creationId xmlns:a16="http://schemas.microsoft.com/office/drawing/2014/main" id="{841AE1ED-BE65-B81B-4A2E-8F122CA048F0}"/>
+              </a:ext>
+            </a:extLst>
+          </p:cNvPr>
+          <p:cNvSpPr txBox="1"/>
+          <p:nvPr/>
+        </p:nvSpPr>
+        <p:spPr>
+          <a:xfrm>
+            <a:off x="4256926" y="503434"/>
+            <a:ext cx="3678148" cy="400110"/>
+          </a:xfrm>
+          <a:prstGeom prst="rect">
+            <a:avLst/>
+          </a:prstGeom>
+          <a:noFill/>
+        </p:spPr>
+        <p:txBody>
+          <a:bodyPr wrap="square" rtlCol="0">
+            <a:spAutoFit/>
+          </a:bodyPr>
+          <a:lstStyle/>
+          <a:p>
+            <a:pPr algn="ctr"/>
+            <a:r>
+              <a:rPr lang="en-US" sz="2000" b="0" dirty="0">
+                <a:solidFill>
+                  <a:srgbClr val="569CD6"/>
+                </a:solidFill>
+                <a:effectLst/>
+                <a:highlight>
+                  <a:srgbClr val="1F1F1F"/>
+                </a:highlight>
+                <a:latin typeface="Consolas" panose="020B0609020204030204" pitchFamily="49" charset="0"/>
+              </a:rPr>
+              <a:t>class</a:t>
+            </a:r>
+            <a:r>
+              <a:rPr lang="en-US" sz="2000" b="0" dirty="0">
+                <a:solidFill>
+                  <a:srgbClr val="CCCCCC"/>
+                </a:solidFill>
+                <a:effectLst/>
+                <a:highlight>
+                  <a:srgbClr val="1F1F1F"/>
+                </a:highlight>
+                <a:latin typeface="Consolas" panose="020B0609020204030204" pitchFamily="49" charset="0"/>
+              </a:rPr>
+              <a:t> </a:t>
+            </a:r>
+            <a:r>
+              <a:rPr lang="en-US" sz="2000" b="0" dirty="0">
+                <a:solidFill>
+                  <a:srgbClr val="4EC9B0"/>
+                </a:solidFill>
+                <a:effectLst/>
+                <a:highlight>
+                  <a:srgbClr val="1F1F1F"/>
+                </a:highlight>
+                <a:latin typeface="Consolas" panose="020B0609020204030204" pitchFamily="49" charset="0"/>
+              </a:rPr>
+              <a:t>Spacecraft</a:t>
+            </a:r>
+            <a:r>
+              <a:rPr lang="en-US" sz="2000" b="0" dirty="0">
+                <a:solidFill>
+                  <a:srgbClr val="CCCCCC"/>
+                </a:solidFill>
+                <a:effectLst/>
+                <a:highlight>
+                  <a:srgbClr val="1F1F1F"/>
+                </a:highlight>
+                <a:latin typeface="Consolas" panose="020B0609020204030204" pitchFamily="49" charset="0"/>
+              </a:rPr>
+              <a:t>():</a:t>
+            </a:r>
+          </a:p>
+        </p:txBody>
+      </p:sp>
+      <p:sp>
+        <p:nvSpPr>
+          <p:cNvPr id="9" name="Rectangle: Rounded Corners 8">
+            <a:extLst>
+              <a:ext uri="{FF2B5EF4-FFF2-40B4-BE49-F238E27FC236}">
+                <a16:creationId xmlns:a16="http://schemas.microsoft.com/office/drawing/2014/main" id="{53A2B323-A744-3AE0-F42B-0DECDF6C4949}"/>
+              </a:ext>
+            </a:extLst>
+          </p:cNvPr>
+          <p:cNvSpPr/>
+          <p:nvPr/>
+        </p:nvSpPr>
+        <p:spPr>
+          <a:xfrm>
+            <a:off x="672957" y="1049952"/>
+            <a:ext cx="5234683" cy="2540272"/>
+          </a:xfrm>
+          <a:prstGeom prst="roundRect">
+            <a:avLst>
+              <a:gd name="adj" fmla="val 5761"/>
+            </a:avLst>
+          </a:prstGeom>
+          <a:solidFill>
+            <a:schemeClr val="tx2">
+              <a:lumMod val="20000"/>
+              <a:lumOff val="80000"/>
+            </a:schemeClr>
+          </a:solidFill>
+          <a:ln w="28575">
+            <a:solidFill>
+              <a:schemeClr val="tx2">
+                <a:lumMod val="75000"/>
+              </a:schemeClr>
+            </a:solidFill>
+          </a:ln>
+        </p:spPr>
+        <p:style>
+          <a:lnRef idx="2">
+            <a:schemeClr val="accent1">
+              <a:shade val="15000"/>
+            </a:schemeClr>
+          </a:lnRef>
+          <a:fillRef idx="1">
+            <a:schemeClr val="accent1"/>
+          </a:fillRef>
+          <a:effectRef idx="0">
+            <a:schemeClr val="accent1"/>
+          </a:effectRef>
+          <a:fontRef idx="minor">
+            <a:schemeClr val="lt1"/>
+          </a:fontRef>
+        </p:style>
+        <p:txBody>
+          <a:bodyPr rtlCol="0" anchor="ctr"/>
+          <a:lstStyle/>
+          <a:p>
+            <a:pPr algn="ctr"/>
+            <a:r>
+              <a:rPr lang="en-US" b="1" dirty="0">
+                <a:solidFill>
+                  <a:schemeClr val="tx1"/>
+                </a:solidFill>
+              </a:rPr>
+              <a:t>ORBIT STATE REPRESENTATION</a:t>
+            </a:r>
+          </a:p>
+          <a:p>
+            <a:pPr algn="ctr"/>
+            <a:endParaRPr lang="en-US" b="1" dirty="0">
+              <a:solidFill>
+                <a:schemeClr val="tx1"/>
+              </a:solidFill>
+            </a:endParaRPr>
+          </a:p>
+          <a:p>
+            <a:pPr algn="ctr"/>
+            <a:endParaRPr lang="en-US" b="1" dirty="0">
+              <a:solidFill>
+                <a:schemeClr val="tx1"/>
+              </a:solidFill>
+            </a:endParaRPr>
+          </a:p>
+          <a:p>
+            <a:pPr algn="ctr"/>
+            <a:endParaRPr lang="en-US" b="1" dirty="0">
+              <a:solidFill>
+                <a:schemeClr val="tx1"/>
+              </a:solidFill>
+            </a:endParaRPr>
+          </a:p>
+          <a:p>
+            <a:pPr algn="ctr"/>
+            <a:endParaRPr lang="en-US" b="1" dirty="0">
+              <a:solidFill>
+                <a:schemeClr val="tx1"/>
+              </a:solidFill>
+            </a:endParaRPr>
+          </a:p>
+          <a:p>
+            <a:pPr algn="ctr"/>
+            <a:endParaRPr lang="en-US" b="1" dirty="0">
+              <a:solidFill>
+                <a:schemeClr val="tx1"/>
+              </a:solidFill>
+            </a:endParaRPr>
+          </a:p>
+          <a:p>
+            <a:pPr algn="ctr"/>
+            <a:endParaRPr lang="en-US" b="1" dirty="0">
+              <a:solidFill>
+                <a:schemeClr val="tx1"/>
+              </a:solidFill>
+            </a:endParaRPr>
+          </a:p>
+          <a:p>
+            <a:pPr algn="ctr"/>
+            <a:endParaRPr lang="en-US" b="1" dirty="0">
+              <a:solidFill>
+                <a:schemeClr val="tx1"/>
+              </a:solidFill>
+            </a:endParaRPr>
+          </a:p>
+        </p:txBody>
+      </p:sp>
+      <p:sp>
+        <p:nvSpPr>
+          <p:cNvPr id="8" name="Rectangle: Rounded Corners 7">
+            <a:extLst>
+              <a:ext uri="{FF2B5EF4-FFF2-40B4-BE49-F238E27FC236}">
+                <a16:creationId xmlns:a16="http://schemas.microsoft.com/office/drawing/2014/main" id="{BB31F56B-9CD1-CAA5-0622-C93509DF265E}"/>
+              </a:ext>
+            </a:extLst>
+          </p:cNvPr>
+          <p:cNvSpPr/>
+          <p:nvPr/>
+        </p:nvSpPr>
+        <p:spPr>
+          <a:xfrm>
+            <a:off x="1001735" y="1661639"/>
+            <a:ext cx="3046284" cy="563624"/>
+          </a:xfrm>
+          <a:prstGeom prst="roundRect">
+            <a:avLst>
+              <a:gd name="adj" fmla="val 21721"/>
+            </a:avLst>
+          </a:prstGeom>
+          <a:solidFill>
+            <a:schemeClr val="tx2">
+              <a:lumMod val="75000"/>
+            </a:schemeClr>
+          </a:solidFill>
+          <a:ln w="28575">
+            <a:solidFill>
+              <a:schemeClr val="tx2">
+                <a:lumMod val="75000"/>
+              </a:schemeClr>
+            </a:solidFill>
+          </a:ln>
+        </p:spPr>
+        <p:style>
+          <a:lnRef idx="2">
+            <a:schemeClr val="accent1">
+              <a:shade val="15000"/>
+            </a:schemeClr>
+          </a:lnRef>
+          <a:fillRef idx="1">
+            <a:schemeClr val="accent1"/>
+          </a:fillRef>
+          <a:effectRef idx="0">
+            <a:schemeClr val="accent1"/>
+          </a:effectRef>
+          <a:fontRef idx="minor">
+            <a:schemeClr val="lt1"/>
+          </a:fontRef>
+        </p:style>
+        <p:txBody>
+          <a:bodyPr rtlCol="0" anchor="ctr"/>
+          <a:lstStyle/>
+          <a:p>
+            <a:pPr algn="ctr"/>
+            <a:r>
+              <a:rPr lang="en-US" sz="1800" b="0" dirty="0" err="1">
+                <a:solidFill>
+                  <a:srgbClr val="4EC9B0"/>
+                </a:solidFill>
+                <a:effectLst/>
+                <a:latin typeface="Consolas" panose="020B0609020204030204" pitchFamily="49" charset="0"/>
+              </a:rPr>
+              <a:t>Spacecraft.states</a:t>
+            </a:r>
+            <a:endParaRPr lang="en-US" dirty="0">
+              <a:solidFill>
+                <a:schemeClr val="tx1"/>
+              </a:solidFill>
+            </a:endParaRPr>
+          </a:p>
+        </p:txBody>
+      </p:sp>
+      <p:sp>
+        <p:nvSpPr>
+          <p:cNvPr id="13" name="Rectangle: Rounded Corners 12">
+            <a:extLst>
+              <a:ext uri="{FF2B5EF4-FFF2-40B4-BE49-F238E27FC236}">
+                <a16:creationId xmlns:a16="http://schemas.microsoft.com/office/drawing/2014/main" id="{9CF1875D-B946-4DD1-6097-228674081092}"/>
+              </a:ext>
+            </a:extLst>
+          </p:cNvPr>
+          <p:cNvSpPr/>
+          <p:nvPr/>
+        </p:nvSpPr>
+        <p:spPr>
+          <a:xfrm>
+            <a:off x="1001735" y="2686383"/>
+            <a:ext cx="3046284" cy="563624"/>
+          </a:xfrm>
+          <a:prstGeom prst="roundRect">
+            <a:avLst>
+              <a:gd name="adj" fmla="val 21721"/>
+            </a:avLst>
+          </a:prstGeom>
+          <a:solidFill>
+            <a:schemeClr val="tx2">
+              <a:lumMod val="75000"/>
+            </a:schemeClr>
+          </a:solidFill>
+          <a:ln w="28575">
+            <a:solidFill>
+              <a:schemeClr val="tx2">
+                <a:lumMod val="75000"/>
+              </a:schemeClr>
+            </a:solidFill>
+          </a:ln>
+        </p:spPr>
+        <p:style>
+          <a:lnRef idx="2">
+            <a:schemeClr val="accent1">
+              <a:shade val="15000"/>
+            </a:schemeClr>
+          </a:lnRef>
+          <a:fillRef idx="1">
+            <a:schemeClr val="accent1"/>
+          </a:fillRef>
+          <a:effectRef idx="0">
+            <a:schemeClr val="accent1"/>
+          </a:effectRef>
+          <a:fontRef idx="minor">
+            <a:schemeClr val="lt1"/>
+          </a:fontRef>
+        </p:style>
+        <p:txBody>
+          <a:bodyPr rtlCol="0" anchor="ctr"/>
+          <a:lstStyle/>
+          <a:p>
+            <a:pPr algn="ctr"/>
+            <a:r>
+              <a:rPr lang="en-US" sz="1800" b="0" dirty="0" err="1">
+                <a:solidFill>
+                  <a:srgbClr val="4EC9B0"/>
+                </a:solidFill>
+                <a:effectLst/>
+                <a:latin typeface="Consolas" panose="020B0609020204030204" pitchFamily="49" charset="0"/>
+              </a:rPr>
+              <a:t>Spacecraft.elements</a:t>
+            </a:r>
+            <a:endParaRPr lang="en-US" dirty="0">
+              <a:solidFill>
+                <a:schemeClr val="tx1"/>
+              </a:solidFill>
+            </a:endParaRPr>
+          </a:p>
+        </p:txBody>
+      </p:sp>
+      <p:sp>
+        <p:nvSpPr>
+          <p:cNvPr id="14" name="TextBox 13">
+            <a:extLst>
+              <a:ext uri="{FF2B5EF4-FFF2-40B4-BE49-F238E27FC236}">
+                <a16:creationId xmlns:a16="http://schemas.microsoft.com/office/drawing/2014/main" id="{590436D2-0AEC-A75C-111D-900BD8988967}"/>
+              </a:ext>
+            </a:extLst>
+          </p:cNvPr>
+          <p:cNvSpPr txBox="1"/>
+          <p:nvPr/>
+        </p:nvSpPr>
+        <p:spPr>
+          <a:xfrm>
+            <a:off x="4114686" y="1712618"/>
+            <a:ext cx="1605394" cy="430887"/>
+          </a:xfrm>
+          <a:prstGeom prst="rect">
+            <a:avLst/>
+          </a:prstGeom>
+          <a:noFill/>
+        </p:spPr>
+        <p:txBody>
+          <a:bodyPr wrap="square" rtlCol="0">
+            <a:spAutoFit/>
+          </a:bodyPr>
+          <a:lstStyle/>
+          <a:p>
+            <a:r>
+              <a:rPr lang="en-US" sz="1100" dirty="0"/>
+              <a:t>*XYZ coordinates in ECI (J2000) frame</a:t>
+            </a:r>
+          </a:p>
+        </p:txBody>
+      </p:sp>
+      <p:sp>
+        <p:nvSpPr>
+          <p:cNvPr id="15" name="TextBox 14">
+            <a:extLst>
+              <a:ext uri="{FF2B5EF4-FFF2-40B4-BE49-F238E27FC236}">
+                <a16:creationId xmlns:a16="http://schemas.microsoft.com/office/drawing/2014/main" id="{35F8BA8B-02E2-34B6-4B1F-43A91A8A7B7A}"/>
+              </a:ext>
+            </a:extLst>
+          </p:cNvPr>
+          <p:cNvSpPr txBox="1"/>
+          <p:nvPr/>
+        </p:nvSpPr>
+        <p:spPr>
+          <a:xfrm>
+            <a:off x="4114686" y="2737362"/>
+            <a:ext cx="1605394" cy="430887"/>
+          </a:xfrm>
+          <a:prstGeom prst="rect">
+            <a:avLst/>
+          </a:prstGeom>
+          <a:noFill/>
+        </p:spPr>
+        <p:txBody>
+          <a:bodyPr wrap="square" rtlCol="0">
+            <a:spAutoFit/>
+          </a:bodyPr>
+          <a:lstStyle/>
+          <a:p>
+            <a:r>
+              <a:rPr lang="en-US" sz="1100" dirty="0"/>
+              <a:t>*Equivalent orbital elements (osculating)</a:t>
+            </a:r>
+          </a:p>
+        </p:txBody>
+      </p:sp>
+      <p:sp>
+        <p:nvSpPr>
+          <p:cNvPr id="18" name="TextBox 17">
+            <a:extLst>
+              <a:ext uri="{FF2B5EF4-FFF2-40B4-BE49-F238E27FC236}">
+                <a16:creationId xmlns:a16="http://schemas.microsoft.com/office/drawing/2014/main" id="{A9573804-ED92-EAF9-9905-D7CA7ED1D65D}"/>
+              </a:ext>
+            </a:extLst>
+          </p:cNvPr>
+          <p:cNvSpPr txBox="1"/>
+          <p:nvPr/>
+        </p:nvSpPr>
+        <p:spPr>
+          <a:xfrm>
+            <a:off x="2870086" y="2325018"/>
+            <a:ext cx="2773680" cy="261610"/>
+          </a:xfrm>
+          <a:prstGeom prst="rect">
+            <a:avLst/>
+          </a:prstGeom>
+          <a:noFill/>
+        </p:spPr>
+        <p:txBody>
+          <a:bodyPr wrap="square" rtlCol="0">
+            <a:spAutoFit/>
+          </a:bodyPr>
+          <a:lstStyle/>
+          <a:p>
+            <a:r>
+              <a:rPr lang="en-US" sz="1100" dirty="0"/>
+              <a:t>*Mutually updated for state consistency</a:t>
+            </a:r>
+          </a:p>
+        </p:txBody>
+      </p:sp>
+      <p:cxnSp>
+        <p:nvCxnSpPr>
+          <p:cNvPr id="20" name="Straight Arrow Connector 19">
+            <a:extLst>
+              <a:ext uri="{FF2B5EF4-FFF2-40B4-BE49-F238E27FC236}">
+                <a16:creationId xmlns:a16="http://schemas.microsoft.com/office/drawing/2014/main" id="{B354C6F6-FAC0-165A-0E5C-98B03CB50695}"/>
+              </a:ext>
+            </a:extLst>
+          </p:cNvPr>
+          <p:cNvCxnSpPr/>
+          <p:nvPr/>
+        </p:nvCxnSpPr>
+        <p:spPr>
+          <a:xfrm flipV="1">
+            <a:off x="2687320" y="2225263"/>
+            <a:ext cx="0" cy="461120"/>
+          </a:xfrm>
+          <a:prstGeom prst="straightConnector1">
+            <a:avLst/>
+          </a:prstGeom>
+          <a:ln w="57150">
+            <a:solidFill>
+              <a:schemeClr val="tx2">
+                <a:lumMod val="75000"/>
+              </a:schemeClr>
+            </a:solidFill>
+            <a:tailEnd type="triangle"/>
+          </a:ln>
+        </p:spPr>
+        <p:style>
+          <a:lnRef idx="1">
+            <a:schemeClr val="accent1"/>
+          </a:lnRef>
+          <a:fillRef idx="0">
+            <a:schemeClr val="accent1"/>
+          </a:fillRef>
+          <a:effectRef idx="0">
+            <a:schemeClr val="accent1"/>
+          </a:effectRef>
+          <a:fontRef idx="minor">
+            <a:schemeClr val="tx1"/>
+          </a:fontRef>
+        </p:style>
+      </p:cxnSp>
+      <p:cxnSp>
+        <p:nvCxnSpPr>
+          <p:cNvPr id="23" name="Straight Arrow Connector 22">
+            <a:extLst>
+              <a:ext uri="{FF2B5EF4-FFF2-40B4-BE49-F238E27FC236}">
+                <a16:creationId xmlns:a16="http://schemas.microsoft.com/office/drawing/2014/main" id="{508959FA-36CA-D1C2-47C5-1D6F110BD3FF}"/>
+              </a:ext>
+            </a:extLst>
+          </p:cNvPr>
+          <p:cNvCxnSpPr/>
+          <p:nvPr/>
+        </p:nvCxnSpPr>
+        <p:spPr>
+          <a:xfrm flipV="1">
+            <a:off x="2448560" y="2225263"/>
+            <a:ext cx="0" cy="461120"/>
+          </a:xfrm>
+          <a:prstGeom prst="straightConnector1">
+            <a:avLst/>
+          </a:prstGeom>
+          <a:ln w="57150">
+            <a:solidFill>
+              <a:schemeClr val="tx2">
+                <a:lumMod val="75000"/>
+              </a:schemeClr>
+            </a:solidFill>
+            <a:headEnd type="triangle" w="med" len="med"/>
+            <a:tailEnd type="none" w="med" len="med"/>
+          </a:ln>
+        </p:spPr>
+        <p:style>
+          <a:lnRef idx="1">
+            <a:schemeClr val="accent1"/>
+          </a:lnRef>
+          <a:fillRef idx="0">
+            <a:schemeClr val="accent1"/>
+          </a:fillRef>
+          <a:effectRef idx="0">
+            <a:schemeClr val="accent1"/>
+          </a:effectRef>
+          <a:fontRef idx="minor">
+            <a:schemeClr val="tx1"/>
+          </a:fontRef>
+        </p:style>
+      </p:cxnSp>
+      <p:sp>
+        <p:nvSpPr>
+          <p:cNvPr id="24" name="Rectangle: Rounded Corners 23">
+            <a:extLst>
+              <a:ext uri="{FF2B5EF4-FFF2-40B4-BE49-F238E27FC236}">
+                <a16:creationId xmlns:a16="http://schemas.microsoft.com/office/drawing/2014/main" id="{523B4587-7876-2E8A-42F3-1124BD00E80F}"/>
+              </a:ext>
+            </a:extLst>
+          </p:cNvPr>
+          <p:cNvSpPr/>
+          <p:nvPr/>
+        </p:nvSpPr>
+        <p:spPr>
+          <a:xfrm>
+            <a:off x="6518224" y="1638531"/>
+            <a:ext cx="2152738" cy="383608"/>
+          </a:xfrm>
+          <a:prstGeom prst="roundRect">
+            <a:avLst>
+              <a:gd name="adj" fmla="val 21721"/>
+            </a:avLst>
+          </a:prstGeom>
+          <a:solidFill>
+            <a:schemeClr val="tx2">
+              <a:lumMod val="75000"/>
+            </a:schemeClr>
+          </a:solidFill>
+          <a:ln w="28575">
+            <a:solidFill>
+              <a:schemeClr val="tx2">
+                <a:lumMod val="75000"/>
+              </a:schemeClr>
+            </a:solidFill>
+          </a:ln>
+        </p:spPr>
+        <p:style>
+          <a:lnRef idx="2">
+            <a:schemeClr val="accent1">
+              <a:shade val="15000"/>
+            </a:schemeClr>
+          </a:lnRef>
+          <a:fillRef idx="1">
+            <a:schemeClr val="accent1"/>
+          </a:fillRef>
+          <a:effectRef idx="0">
+            <a:schemeClr val="accent1"/>
+          </a:effectRef>
+          <a:fontRef idx="minor">
+            <a:schemeClr val="lt1"/>
+          </a:fontRef>
+        </p:style>
+        <p:txBody>
+          <a:bodyPr rtlCol="0" anchor="ctr"/>
+          <a:lstStyle/>
+          <a:p>
+            <a:pPr algn="ctr"/>
+            <a:r>
+              <a:rPr lang="en-US" sz="1600" b="0" dirty="0" err="1">
+                <a:solidFill>
+                  <a:srgbClr val="4EC9B0"/>
+                </a:solidFill>
+                <a:effectLst/>
+                <a:latin typeface="Consolas" panose="020B0609020204030204" pitchFamily="49" charset="0"/>
+              </a:rPr>
+              <a:t>Spacecraft.attBN</a:t>
+            </a:r>
+            <a:endParaRPr lang="en-US" sz="1600" dirty="0">
+              <a:solidFill>
+                <a:schemeClr val="tx1"/>
+              </a:solidFill>
+            </a:endParaRPr>
+          </a:p>
+        </p:txBody>
+      </p:sp>
+      <p:sp>
+        <p:nvSpPr>
+          <p:cNvPr id="25" name="Rectangle: Rounded Corners 24">
+            <a:extLst>
+              <a:ext uri="{FF2B5EF4-FFF2-40B4-BE49-F238E27FC236}">
+                <a16:creationId xmlns:a16="http://schemas.microsoft.com/office/drawing/2014/main" id="{0AA33B33-6D43-A880-AE39-DA13E32968E3}"/>
+              </a:ext>
+            </a:extLst>
+          </p:cNvPr>
+          <p:cNvSpPr/>
+          <p:nvPr/>
+        </p:nvSpPr>
+        <p:spPr>
+          <a:xfrm>
+            <a:off x="6518224" y="2566195"/>
+            <a:ext cx="2152738" cy="383608"/>
+          </a:xfrm>
+          <a:prstGeom prst="roundRect">
+            <a:avLst>
+              <a:gd name="adj" fmla="val 21721"/>
+            </a:avLst>
+          </a:prstGeom>
+          <a:solidFill>
+            <a:schemeClr val="tx2">
+              <a:lumMod val="75000"/>
+            </a:schemeClr>
+          </a:solidFill>
+          <a:ln w="28575">
+            <a:solidFill>
+              <a:schemeClr val="tx2">
+                <a:lumMod val="75000"/>
+              </a:schemeClr>
+            </a:solidFill>
+          </a:ln>
+        </p:spPr>
+        <p:style>
+          <a:lnRef idx="2">
+            <a:schemeClr val="accent1">
+              <a:shade val="15000"/>
+            </a:schemeClr>
+          </a:lnRef>
+          <a:fillRef idx="1">
+            <a:schemeClr val="accent1"/>
+          </a:fillRef>
+          <a:effectRef idx="0">
+            <a:schemeClr val="accent1"/>
+          </a:effectRef>
+          <a:fontRef idx="minor">
+            <a:schemeClr val="lt1"/>
+          </a:fontRef>
+        </p:style>
+        <p:txBody>
+          <a:bodyPr rtlCol="0" anchor="ctr"/>
+          <a:lstStyle/>
+          <a:p>
+            <a:pPr algn="ctr"/>
+            <a:r>
+              <a:rPr lang="en-US" sz="1600" b="0" dirty="0" err="1">
+                <a:solidFill>
+                  <a:srgbClr val="4EC9B0"/>
+                </a:solidFill>
+                <a:effectLst/>
+                <a:latin typeface="Consolas" panose="020B0609020204030204" pitchFamily="49" charset="0"/>
+              </a:rPr>
+              <a:t>Spacecraft.attBR</a:t>
+            </a:r>
+            <a:endParaRPr lang="en-US" sz="1600" dirty="0">
+              <a:solidFill>
+                <a:schemeClr val="tx1"/>
+              </a:solidFill>
+            </a:endParaRPr>
+          </a:p>
+        </p:txBody>
+      </p:sp>
+      <p:sp>
+        <p:nvSpPr>
+          <p:cNvPr id="27" name="Rectangle: Rounded Corners 26">
+            <a:extLst>
+              <a:ext uri="{FF2B5EF4-FFF2-40B4-BE49-F238E27FC236}">
+                <a16:creationId xmlns:a16="http://schemas.microsoft.com/office/drawing/2014/main" id="{CEE7D1B3-6409-5C6C-1D88-1F54A0ED612B}"/>
+              </a:ext>
+            </a:extLst>
+          </p:cNvPr>
+          <p:cNvSpPr/>
+          <p:nvPr/>
+        </p:nvSpPr>
+        <p:spPr>
+          <a:xfrm>
+            <a:off x="8990313" y="1638531"/>
+            <a:ext cx="2152738" cy="383608"/>
+          </a:xfrm>
+          <a:prstGeom prst="roundRect">
+            <a:avLst>
+              <a:gd name="adj" fmla="val 21721"/>
+            </a:avLst>
+          </a:prstGeom>
+          <a:solidFill>
+            <a:schemeClr val="tx2">
+              <a:lumMod val="75000"/>
+            </a:schemeClr>
+          </a:solidFill>
+          <a:ln w="28575">
+            <a:solidFill>
+              <a:schemeClr val="tx2">
+                <a:lumMod val="75000"/>
+              </a:schemeClr>
+            </a:solidFill>
+          </a:ln>
+        </p:spPr>
+        <p:style>
+          <a:lnRef idx="2">
+            <a:schemeClr val="accent1">
+              <a:shade val="15000"/>
+            </a:schemeClr>
+          </a:lnRef>
+          <a:fillRef idx="1">
+            <a:schemeClr val="accent1"/>
+          </a:fillRef>
+          <a:effectRef idx="0">
+            <a:schemeClr val="accent1"/>
+          </a:effectRef>
+          <a:fontRef idx="minor">
+            <a:schemeClr val="lt1"/>
+          </a:fontRef>
+        </p:style>
+        <p:txBody>
+          <a:bodyPr rtlCol="0" anchor="ctr"/>
+          <a:lstStyle/>
+          <a:p>
+            <a:pPr algn="ctr"/>
+            <a:r>
+              <a:rPr lang="en-US" sz="1600" b="0" dirty="0" err="1">
+                <a:solidFill>
+                  <a:srgbClr val="4EC9B0"/>
+                </a:solidFill>
+                <a:effectLst/>
+                <a:latin typeface="Consolas" panose="020B0609020204030204" pitchFamily="49" charset="0"/>
+              </a:rPr>
+              <a:t>Spacecraft.ohmBN</a:t>
+            </a:r>
+            <a:endParaRPr lang="en-US" sz="1600" dirty="0">
+              <a:solidFill>
+                <a:schemeClr val="tx1"/>
+              </a:solidFill>
+            </a:endParaRPr>
+          </a:p>
+        </p:txBody>
+      </p:sp>
+      <p:sp>
+        <p:nvSpPr>
+          <p:cNvPr id="28" name="Rectangle: Rounded Corners 27">
+            <a:extLst>
+              <a:ext uri="{FF2B5EF4-FFF2-40B4-BE49-F238E27FC236}">
+                <a16:creationId xmlns:a16="http://schemas.microsoft.com/office/drawing/2014/main" id="{13336F2A-5265-CB0D-F42D-3ECAE5B98CCE}"/>
+              </a:ext>
+            </a:extLst>
+          </p:cNvPr>
+          <p:cNvSpPr/>
+          <p:nvPr/>
+        </p:nvSpPr>
+        <p:spPr>
+          <a:xfrm>
+            <a:off x="8990313" y="2566195"/>
+            <a:ext cx="2152738" cy="383608"/>
+          </a:xfrm>
+          <a:prstGeom prst="roundRect">
+            <a:avLst>
+              <a:gd name="adj" fmla="val 21721"/>
+            </a:avLst>
+          </a:prstGeom>
+          <a:solidFill>
+            <a:schemeClr val="tx2">
+              <a:lumMod val="75000"/>
+            </a:schemeClr>
+          </a:solidFill>
+          <a:ln w="28575">
+            <a:solidFill>
+              <a:schemeClr val="tx2">
+                <a:lumMod val="75000"/>
+              </a:schemeClr>
+            </a:solidFill>
+          </a:ln>
+        </p:spPr>
+        <p:style>
+          <a:lnRef idx="2">
+            <a:schemeClr val="accent1">
+              <a:shade val="15000"/>
+            </a:schemeClr>
+          </a:lnRef>
+          <a:fillRef idx="1">
+            <a:schemeClr val="accent1"/>
+          </a:fillRef>
+          <a:effectRef idx="0">
+            <a:schemeClr val="accent1"/>
+          </a:effectRef>
+          <a:fontRef idx="minor">
+            <a:schemeClr val="lt1"/>
+          </a:fontRef>
+        </p:style>
+        <p:txBody>
+          <a:bodyPr rtlCol="0" anchor="ctr"/>
+          <a:lstStyle/>
+          <a:p>
+            <a:pPr algn="ctr"/>
+            <a:r>
+              <a:rPr lang="en-US" sz="1600" b="0" dirty="0" err="1">
+                <a:solidFill>
+                  <a:srgbClr val="4EC9B0"/>
+                </a:solidFill>
+                <a:effectLst/>
+                <a:latin typeface="Consolas" panose="020B0609020204030204" pitchFamily="49" charset="0"/>
+              </a:rPr>
+              <a:t>Spacecraft.ohmBR</a:t>
+            </a:r>
+            <a:endParaRPr lang="en-US" sz="1600" dirty="0">
+              <a:solidFill>
+                <a:schemeClr val="tx1"/>
+              </a:solidFill>
+            </a:endParaRPr>
+          </a:p>
+        </p:txBody>
+      </p:sp>
+      <p:sp>
+        <p:nvSpPr>
+          <p:cNvPr id="30" name="TextBox 29">
+            <a:extLst>
+              <a:ext uri="{FF2B5EF4-FFF2-40B4-BE49-F238E27FC236}">
+                <a16:creationId xmlns:a16="http://schemas.microsoft.com/office/drawing/2014/main" id="{1D8AF4CF-7822-B53E-05AA-691A5E13DADD}"/>
+              </a:ext>
+            </a:extLst>
+          </p:cNvPr>
+          <p:cNvSpPr txBox="1"/>
+          <p:nvPr/>
+        </p:nvSpPr>
+        <p:spPr>
+          <a:xfrm>
+            <a:off x="6583673" y="2022139"/>
+            <a:ext cx="2021840" cy="461665"/>
+          </a:xfrm>
+          <a:prstGeom prst="rect">
+            <a:avLst/>
+          </a:prstGeom>
+          <a:noFill/>
+        </p:spPr>
+        <p:txBody>
+          <a:bodyPr wrap="square" rtlCol="0">
+            <a:spAutoFit/>
+          </a:bodyPr>
+          <a:lstStyle/>
+          <a:p>
+            <a:pPr algn="ctr"/>
+            <a:r>
+              <a:rPr lang="en-US" sz="1200" dirty="0"/>
+              <a:t>*Body to inertial attitude (coordinate agnostic)</a:t>
+            </a:r>
+          </a:p>
+        </p:txBody>
+      </p:sp>
+      <p:sp>
+        <p:nvSpPr>
+          <p:cNvPr id="31" name="TextBox 30">
+            <a:extLst>
+              <a:ext uri="{FF2B5EF4-FFF2-40B4-BE49-F238E27FC236}">
+                <a16:creationId xmlns:a16="http://schemas.microsoft.com/office/drawing/2014/main" id="{F7431ADD-5B34-E9E6-779B-64F14DE7D70C}"/>
+              </a:ext>
+            </a:extLst>
+          </p:cNvPr>
+          <p:cNvSpPr txBox="1"/>
+          <p:nvPr/>
+        </p:nvSpPr>
+        <p:spPr>
+          <a:xfrm>
+            <a:off x="9055762" y="2022139"/>
+            <a:ext cx="2021840" cy="461665"/>
+          </a:xfrm>
+          <a:prstGeom prst="rect">
+            <a:avLst/>
+          </a:prstGeom>
+          <a:noFill/>
+        </p:spPr>
+        <p:txBody>
+          <a:bodyPr wrap="square" rtlCol="0">
+            <a:spAutoFit/>
+          </a:bodyPr>
+          <a:lstStyle/>
+          <a:p>
+            <a:pPr algn="ctr"/>
+            <a:r>
+              <a:rPr lang="en-US" sz="1200" dirty="0"/>
+              <a:t>*Body to inertial angular velocity (body-frame)</a:t>
+            </a:r>
+          </a:p>
+        </p:txBody>
+      </p:sp>
+      <p:sp>
+        <p:nvSpPr>
+          <p:cNvPr id="32" name="TextBox 31">
+            <a:extLst>
+              <a:ext uri="{FF2B5EF4-FFF2-40B4-BE49-F238E27FC236}">
+                <a16:creationId xmlns:a16="http://schemas.microsoft.com/office/drawing/2014/main" id="{EB7CC730-62FF-599B-D714-72A853923281}"/>
+              </a:ext>
+            </a:extLst>
+          </p:cNvPr>
+          <p:cNvSpPr txBox="1"/>
+          <p:nvPr/>
+        </p:nvSpPr>
+        <p:spPr>
+          <a:xfrm>
+            <a:off x="6583673" y="2992735"/>
+            <a:ext cx="2021840" cy="461665"/>
+          </a:xfrm>
+          <a:prstGeom prst="rect">
+            <a:avLst/>
+          </a:prstGeom>
+          <a:noFill/>
+        </p:spPr>
+        <p:txBody>
+          <a:bodyPr wrap="square" rtlCol="0">
+            <a:spAutoFit/>
+          </a:bodyPr>
+          <a:lstStyle/>
+          <a:p>
+            <a:pPr algn="ctr"/>
+            <a:r>
+              <a:rPr lang="en-US" sz="1200" dirty="0"/>
+              <a:t>*Body to reference attitude (coordinate agnostic)</a:t>
+            </a:r>
+          </a:p>
+        </p:txBody>
+      </p:sp>
+      <p:sp>
+        <p:nvSpPr>
+          <p:cNvPr id="33" name="TextBox 32">
+            <a:extLst>
+              <a:ext uri="{FF2B5EF4-FFF2-40B4-BE49-F238E27FC236}">
+                <a16:creationId xmlns:a16="http://schemas.microsoft.com/office/drawing/2014/main" id="{87743F7E-BF67-2E5A-96AE-41703D59C83D}"/>
+              </a:ext>
+            </a:extLst>
+          </p:cNvPr>
+          <p:cNvSpPr txBox="1"/>
+          <p:nvPr/>
+        </p:nvSpPr>
+        <p:spPr>
+          <a:xfrm>
+            <a:off x="9055762" y="2992735"/>
+            <a:ext cx="2021840" cy="461665"/>
+          </a:xfrm>
+          <a:prstGeom prst="rect">
+            <a:avLst/>
+          </a:prstGeom>
+          <a:noFill/>
+        </p:spPr>
+        <p:txBody>
+          <a:bodyPr wrap="square" rtlCol="0">
+            <a:spAutoFit/>
+          </a:bodyPr>
+          <a:lstStyle/>
+          <a:p>
+            <a:pPr algn="ctr"/>
+            <a:r>
+              <a:rPr lang="en-US" sz="1200" dirty="0"/>
+              <a:t>*Body to reference angular velocity (body-frame)</a:t>
+            </a:r>
+          </a:p>
+        </p:txBody>
+      </p:sp>
+      <p:sp>
+        <p:nvSpPr>
+          <p:cNvPr id="34" name="Rectangle: Rounded Corners 33">
+            <a:extLst>
+              <a:ext uri="{FF2B5EF4-FFF2-40B4-BE49-F238E27FC236}">
+                <a16:creationId xmlns:a16="http://schemas.microsoft.com/office/drawing/2014/main" id="{37D9AA19-7721-BA31-75EB-532BEB41F3F3}"/>
+              </a:ext>
+            </a:extLst>
+          </p:cNvPr>
+          <p:cNvSpPr/>
+          <p:nvPr/>
+        </p:nvSpPr>
+        <p:spPr>
+          <a:xfrm>
+            <a:off x="672957" y="3901231"/>
+            <a:ext cx="5234683" cy="2353168"/>
+          </a:xfrm>
+          <a:prstGeom prst="roundRect">
+            <a:avLst>
+              <a:gd name="adj" fmla="val 5761"/>
+            </a:avLst>
+          </a:prstGeom>
+          <a:solidFill>
+            <a:schemeClr val="tx2">
+              <a:lumMod val="20000"/>
+              <a:lumOff val="80000"/>
+            </a:schemeClr>
+          </a:solidFill>
+          <a:ln w="28575">
+            <a:solidFill>
+              <a:schemeClr val="tx2">
+                <a:lumMod val="75000"/>
+              </a:schemeClr>
+            </a:solidFill>
+          </a:ln>
+        </p:spPr>
+        <p:style>
+          <a:lnRef idx="2">
+            <a:schemeClr val="accent1">
+              <a:shade val="15000"/>
+            </a:schemeClr>
+          </a:lnRef>
+          <a:fillRef idx="1">
+            <a:schemeClr val="accent1"/>
+          </a:fillRef>
+          <a:effectRef idx="0">
+            <a:schemeClr val="accent1"/>
+          </a:effectRef>
+          <a:fontRef idx="minor">
+            <a:schemeClr val="lt1"/>
+          </a:fontRef>
+        </p:style>
+        <p:txBody>
+          <a:bodyPr rtlCol="0" anchor="ctr"/>
+          <a:lstStyle/>
+          <a:p>
+            <a:pPr algn="ctr"/>
+            <a:r>
+              <a:rPr lang="en-US" b="1" dirty="0">
+                <a:solidFill>
+                  <a:schemeClr val="tx1"/>
+                </a:solidFill>
+              </a:rPr>
+              <a:t>ORBIT PROPAGATION METHODS</a:t>
+            </a:r>
+          </a:p>
+          <a:p>
+            <a:pPr algn="ctr"/>
+            <a:endParaRPr lang="en-US" b="1" dirty="0">
+              <a:solidFill>
+                <a:schemeClr val="tx1"/>
+              </a:solidFill>
+            </a:endParaRPr>
+          </a:p>
+          <a:p>
+            <a:pPr algn="ctr"/>
+            <a:endParaRPr lang="en-US" b="1" dirty="0">
+              <a:solidFill>
+                <a:schemeClr val="tx1"/>
+              </a:solidFill>
+            </a:endParaRPr>
+          </a:p>
+          <a:p>
+            <a:pPr algn="ctr"/>
+            <a:endParaRPr lang="en-US" b="1" dirty="0">
+              <a:solidFill>
+                <a:schemeClr val="tx1"/>
+              </a:solidFill>
+            </a:endParaRPr>
+          </a:p>
+          <a:p>
+            <a:pPr algn="ctr"/>
+            <a:endParaRPr lang="en-US" b="1" dirty="0">
+              <a:solidFill>
+                <a:schemeClr val="tx1"/>
+              </a:solidFill>
+            </a:endParaRPr>
+          </a:p>
+          <a:p>
+            <a:pPr algn="ctr"/>
+            <a:endParaRPr lang="en-US" b="1" dirty="0">
+              <a:solidFill>
+                <a:schemeClr val="tx1"/>
+              </a:solidFill>
+            </a:endParaRPr>
+          </a:p>
+          <a:p>
+            <a:pPr algn="ctr"/>
+            <a:endParaRPr lang="en-US" b="1" dirty="0">
+              <a:solidFill>
+                <a:schemeClr val="tx1"/>
+              </a:solidFill>
+            </a:endParaRPr>
+          </a:p>
+          <a:p>
+            <a:pPr algn="ctr"/>
+            <a:endParaRPr lang="en-US" b="1" dirty="0">
+              <a:solidFill>
+                <a:schemeClr val="tx1"/>
+              </a:solidFill>
+            </a:endParaRPr>
+          </a:p>
+        </p:txBody>
+      </p:sp>
+      <p:sp>
+        <p:nvSpPr>
+          <p:cNvPr id="35" name="Rectangle: Rounded Corners 34">
+            <a:extLst>
+              <a:ext uri="{FF2B5EF4-FFF2-40B4-BE49-F238E27FC236}">
+                <a16:creationId xmlns:a16="http://schemas.microsoft.com/office/drawing/2014/main" id="{0F1A1E69-F15E-C14A-325F-7DDAB5975295}"/>
+              </a:ext>
+            </a:extLst>
+          </p:cNvPr>
+          <p:cNvSpPr/>
+          <p:nvPr/>
+        </p:nvSpPr>
+        <p:spPr>
+          <a:xfrm>
+            <a:off x="6147459" y="3895321"/>
+            <a:ext cx="5234683" cy="1912038"/>
+          </a:xfrm>
+          <a:prstGeom prst="roundRect">
+            <a:avLst>
+              <a:gd name="adj" fmla="val 5761"/>
+            </a:avLst>
+          </a:prstGeom>
+          <a:solidFill>
+            <a:schemeClr val="tx2">
+              <a:lumMod val="20000"/>
+              <a:lumOff val="80000"/>
+            </a:schemeClr>
+          </a:solidFill>
+          <a:ln w="28575">
+            <a:solidFill>
+              <a:schemeClr val="tx2">
+                <a:lumMod val="75000"/>
+              </a:schemeClr>
+            </a:solidFill>
+          </a:ln>
+        </p:spPr>
+        <p:style>
+          <a:lnRef idx="2">
+            <a:schemeClr val="accent1">
+              <a:shade val="15000"/>
+            </a:schemeClr>
+          </a:lnRef>
+          <a:fillRef idx="1">
+            <a:schemeClr val="accent1"/>
+          </a:fillRef>
+          <a:effectRef idx="0">
+            <a:schemeClr val="accent1"/>
+          </a:effectRef>
+          <a:fontRef idx="minor">
+            <a:schemeClr val="lt1"/>
+          </a:fontRef>
+        </p:style>
+        <p:txBody>
+          <a:bodyPr rtlCol="0" anchor="ctr"/>
+          <a:lstStyle/>
+          <a:p>
+            <a:pPr algn="ctr"/>
+            <a:r>
+              <a:rPr lang="en-US" b="1" dirty="0">
+                <a:solidFill>
+                  <a:schemeClr val="tx1"/>
+                </a:solidFill>
+              </a:rPr>
+              <a:t>ATTITUDE PROPAGATION METHOD</a:t>
+            </a:r>
+          </a:p>
+          <a:p>
+            <a:pPr algn="ctr"/>
+            <a:endParaRPr lang="en-US" b="1" dirty="0">
+              <a:solidFill>
+                <a:schemeClr val="tx1"/>
+              </a:solidFill>
+            </a:endParaRPr>
+          </a:p>
+          <a:p>
+            <a:pPr algn="ctr"/>
+            <a:endParaRPr lang="en-US" b="1" dirty="0">
+              <a:solidFill>
+                <a:schemeClr val="tx1"/>
+              </a:solidFill>
+            </a:endParaRPr>
+          </a:p>
+          <a:p>
+            <a:pPr algn="ctr"/>
+            <a:endParaRPr lang="en-US" b="1" dirty="0">
+              <a:solidFill>
+                <a:schemeClr val="tx1"/>
+              </a:solidFill>
+            </a:endParaRPr>
+          </a:p>
+          <a:p>
+            <a:pPr algn="ctr"/>
+            <a:endParaRPr lang="en-US" b="1" dirty="0">
+              <a:solidFill>
+                <a:schemeClr val="tx1"/>
+              </a:solidFill>
+            </a:endParaRPr>
+          </a:p>
+          <a:p>
+            <a:pPr algn="ctr"/>
+            <a:endParaRPr lang="en-US" b="1" dirty="0">
+              <a:solidFill>
+                <a:schemeClr val="tx1"/>
+              </a:solidFill>
+            </a:endParaRPr>
+          </a:p>
+        </p:txBody>
+      </p:sp>
+      <p:sp>
+        <p:nvSpPr>
+          <p:cNvPr id="36" name="Rectangle: Rounded Corners 35">
+            <a:extLst>
+              <a:ext uri="{FF2B5EF4-FFF2-40B4-BE49-F238E27FC236}">
+                <a16:creationId xmlns:a16="http://schemas.microsoft.com/office/drawing/2014/main" id="{CE3BE201-6211-98C7-8008-DCC90D971F16}"/>
+              </a:ext>
+            </a:extLst>
+          </p:cNvPr>
+          <p:cNvSpPr/>
+          <p:nvPr/>
+        </p:nvSpPr>
+        <p:spPr>
+          <a:xfrm>
+            <a:off x="925417" y="4407701"/>
+            <a:ext cx="4718347" cy="457589"/>
+          </a:xfrm>
+          <a:prstGeom prst="roundRect">
+            <a:avLst>
+              <a:gd name="adj" fmla="val 21721"/>
+            </a:avLst>
+          </a:prstGeom>
+          <a:solidFill>
+            <a:schemeClr val="tx2">
+              <a:lumMod val="75000"/>
+            </a:schemeClr>
+          </a:solidFill>
+          <a:ln w="28575">
+            <a:solidFill>
+              <a:schemeClr val="tx2">
+                <a:lumMod val="75000"/>
+              </a:schemeClr>
+            </a:solidFill>
+          </a:ln>
+        </p:spPr>
+        <p:style>
+          <a:lnRef idx="2">
+            <a:schemeClr val="accent1">
+              <a:shade val="15000"/>
+            </a:schemeClr>
+          </a:lnRef>
+          <a:fillRef idx="1">
+            <a:schemeClr val="accent1"/>
+          </a:fillRef>
+          <a:effectRef idx="0">
+            <a:schemeClr val="accent1"/>
+          </a:effectRef>
+          <a:fontRef idx="minor">
+            <a:schemeClr val="lt1"/>
+          </a:fontRef>
+        </p:style>
+        <p:txBody>
+          <a:bodyPr rtlCol="0" anchor="ctr"/>
+          <a:lstStyle/>
+          <a:p>
+            <a:pPr algn="ctr"/>
+            <a:r>
+              <a:rPr lang="en-US" sz="1600" b="0" dirty="0" err="1">
+                <a:solidFill>
+                  <a:srgbClr val="4EC9B0"/>
+                </a:solidFill>
+                <a:effectLst/>
+                <a:latin typeface="Consolas" panose="020B0609020204030204" pitchFamily="49" charset="0"/>
+              </a:rPr>
+              <a:t>Spacecraft.</a:t>
+            </a:r>
+            <a:r>
+              <a:rPr lang="en-US" sz="1600" b="0" dirty="0" err="1">
+                <a:solidFill>
+                  <a:srgbClr val="DCDCAA"/>
+                </a:solidFill>
+                <a:effectLst/>
+                <a:latin typeface="Consolas" panose="020B0609020204030204" pitchFamily="49" charset="0"/>
+              </a:rPr>
+              <a:t>propagate_orbit</a:t>
+            </a:r>
+            <a:r>
+              <a:rPr lang="en-US" sz="1600" b="0" dirty="0">
+                <a:solidFill>
+                  <a:srgbClr val="CCCCCC"/>
+                </a:solidFill>
+                <a:effectLst/>
+                <a:latin typeface="Consolas" panose="020B0609020204030204" pitchFamily="49" charset="0"/>
+              </a:rPr>
+              <a:t>(</a:t>
+            </a:r>
+            <a:r>
+              <a:rPr lang="en-US" sz="1600" b="0" dirty="0">
+                <a:solidFill>
+                  <a:srgbClr val="37FF91"/>
+                </a:solidFill>
+                <a:effectLst/>
+                <a:latin typeface="Consolas" panose="020B0609020204030204" pitchFamily="49" charset="0"/>
+              </a:rPr>
+              <a:t>self</a:t>
+            </a:r>
+            <a:r>
+              <a:rPr lang="en-US" sz="1600" b="0" dirty="0">
+                <a:solidFill>
+                  <a:srgbClr val="CCCCCC"/>
+                </a:solidFill>
+                <a:effectLst/>
+                <a:latin typeface="Consolas" panose="020B0609020204030204" pitchFamily="49" charset="0"/>
+              </a:rPr>
+              <a:t>, </a:t>
+            </a:r>
+            <a:r>
+              <a:rPr lang="en-US" sz="1600" b="0" dirty="0">
+                <a:solidFill>
+                  <a:srgbClr val="9CDCFE"/>
+                </a:solidFill>
+                <a:effectLst/>
+                <a:latin typeface="Consolas" panose="020B0609020204030204" pitchFamily="49" charset="0"/>
+              </a:rPr>
+              <a:t>dt</a:t>
+            </a:r>
+            <a:r>
+              <a:rPr lang="en-US" sz="1600" b="0" dirty="0">
+                <a:solidFill>
+                  <a:srgbClr val="CCCCCC"/>
+                </a:solidFill>
+                <a:effectLst/>
+                <a:latin typeface="Consolas" panose="020B0609020204030204" pitchFamily="49" charset="0"/>
+              </a:rPr>
+              <a:t>)</a:t>
+            </a:r>
+          </a:p>
+        </p:txBody>
+      </p:sp>
+      <p:grpSp>
+        <p:nvGrpSpPr>
+          <p:cNvPr id="39" name="Group 38">
+            <a:extLst>
+              <a:ext uri="{FF2B5EF4-FFF2-40B4-BE49-F238E27FC236}">
+                <a16:creationId xmlns:a16="http://schemas.microsoft.com/office/drawing/2014/main" id="{D9C99BE5-D747-C3A7-1431-86CCD39BD11D}"/>
+              </a:ext>
+            </a:extLst>
+          </p:cNvPr>
+          <p:cNvGrpSpPr/>
+          <p:nvPr/>
+        </p:nvGrpSpPr>
+        <p:grpSpPr>
+          <a:xfrm>
+            <a:off x="3051538" y="3619433"/>
+            <a:ext cx="238760" cy="281798"/>
+            <a:chOff x="3361356" y="3359664"/>
+            <a:chExt cx="238760" cy="461120"/>
+          </a:xfrm>
+        </p:grpSpPr>
+        <p:cxnSp>
+          <p:nvCxnSpPr>
+            <p:cNvPr id="37" name="Straight Arrow Connector 36">
+              <a:extLst>
+                <a:ext uri="{FF2B5EF4-FFF2-40B4-BE49-F238E27FC236}">
+                  <a16:creationId xmlns:a16="http://schemas.microsoft.com/office/drawing/2014/main" id="{883A1751-A0E1-16F0-B1F5-412A92109E3A}"/>
+                </a:ext>
+              </a:extLst>
+            </p:cNvPr>
+            <p:cNvCxnSpPr/>
+            <p:nvPr/>
+          </p:nvCxnSpPr>
+          <p:spPr>
+            <a:xfrm flipV="1">
+              <a:off x="3600116" y="3359664"/>
+              <a:ext cx="0" cy="461120"/>
+            </a:xfrm>
+            <a:prstGeom prst="straightConnector1">
+              <a:avLst/>
+            </a:prstGeom>
+            <a:ln w="57150">
+              <a:solidFill>
+                <a:schemeClr val="tx2">
+                  <a:lumMod val="20000"/>
+                  <a:lumOff val="80000"/>
+                </a:schemeClr>
+              </a:solidFill>
+              <a:tailEnd type="triangle"/>
+            </a:ln>
+          </p:spPr>
+          <p:style>
+            <a:lnRef idx="1">
+              <a:schemeClr val="accent1"/>
+            </a:lnRef>
+            <a:fillRef idx="0">
+              <a:schemeClr val="accent1"/>
+            </a:fillRef>
+            <a:effectRef idx="0">
+              <a:schemeClr val="accent1"/>
+            </a:effectRef>
+            <a:fontRef idx="minor">
+              <a:schemeClr val="tx1"/>
+            </a:fontRef>
+          </p:style>
+        </p:cxnSp>
+        <p:cxnSp>
+          <p:nvCxnSpPr>
+            <p:cNvPr id="38" name="Straight Arrow Connector 37">
+              <a:extLst>
+                <a:ext uri="{FF2B5EF4-FFF2-40B4-BE49-F238E27FC236}">
+                  <a16:creationId xmlns:a16="http://schemas.microsoft.com/office/drawing/2014/main" id="{D3EDF14B-2076-3A03-FDD4-DE2EA86E9F1C}"/>
+                </a:ext>
+              </a:extLst>
+            </p:cNvPr>
+            <p:cNvCxnSpPr/>
+            <p:nvPr/>
+          </p:nvCxnSpPr>
+          <p:spPr>
+            <a:xfrm flipV="1">
+              <a:off x="3361356" y="3359664"/>
+              <a:ext cx="0" cy="461120"/>
+            </a:xfrm>
+            <a:prstGeom prst="straightConnector1">
+              <a:avLst/>
+            </a:prstGeom>
+            <a:ln w="57150">
+              <a:solidFill>
+                <a:schemeClr val="tx2">
+                  <a:lumMod val="20000"/>
+                  <a:lumOff val="80000"/>
+                </a:schemeClr>
+              </a:solidFill>
+              <a:headEnd type="triangle" w="med" len="med"/>
+              <a:tailEnd type="none" w="med" len="med"/>
+            </a:ln>
+          </p:spPr>
+          <p:style>
+            <a:lnRef idx="1">
+              <a:schemeClr val="accent1"/>
+            </a:lnRef>
+            <a:fillRef idx="0">
+              <a:schemeClr val="accent1"/>
+            </a:fillRef>
+            <a:effectRef idx="0">
+              <a:schemeClr val="accent1"/>
+            </a:effectRef>
+            <a:fontRef idx="minor">
+              <a:schemeClr val="tx1"/>
+            </a:fontRef>
+          </p:style>
+        </p:cxnSp>
+      </p:grpSp>
+      <p:grpSp>
+        <p:nvGrpSpPr>
+          <p:cNvPr id="40" name="Group 39">
+            <a:extLst>
+              <a:ext uri="{FF2B5EF4-FFF2-40B4-BE49-F238E27FC236}">
+                <a16:creationId xmlns:a16="http://schemas.microsoft.com/office/drawing/2014/main" id="{20BF60F0-AF14-C0CD-2113-1B6BB0AF24D2}"/>
+              </a:ext>
+            </a:extLst>
+          </p:cNvPr>
+          <p:cNvGrpSpPr/>
+          <p:nvPr/>
+        </p:nvGrpSpPr>
+        <p:grpSpPr>
+          <a:xfrm>
+            <a:off x="8711258" y="3619433"/>
+            <a:ext cx="238760" cy="281798"/>
+            <a:chOff x="3361356" y="3359664"/>
+            <a:chExt cx="238760" cy="461120"/>
+          </a:xfrm>
+        </p:grpSpPr>
+        <p:cxnSp>
+          <p:nvCxnSpPr>
+            <p:cNvPr id="41" name="Straight Arrow Connector 40">
+              <a:extLst>
+                <a:ext uri="{FF2B5EF4-FFF2-40B4-BE49-F238E27FC236}">
+                  <a16:creationId xmlns:a16="http://schemas.microsoft.com/office/drawing/2014/main" id="{E27177B2-1FB8-183B-20DD-7391B8E4C832}"/>
+                </a:ext>
+              </a:extLst>
+            </p:cNvPr>
+            <p:cNvCxnSpPr/>
+            <p:nvPr/>
+          </p:nvCxnSpPr>
+          <p:spPr>
+            <a:xfrm flipV="1">
+              <a:off x="3600116" y="3359664"/>
+              <a:ext cx="0" cy="461120"/>
+            </a:xfrm>
+            <a:prstGeom prst="straightConnector1">
+              <a:avLst/>
+            </a:prstGeom>
+            <a:ln w="57150">
+              <a:solidFill>
+                <a:schemeClr val="tx2">
+                  <a:lumMod val="20000"/>
+                  <a:lumOff val="80000"/>
+                </a:schemeClr>
+              </a:solidFill>
+              <a:tailEnd type="triangle"/>
+            </a:ln>
+          </p:spPr>
+          <p:style>
+            <a:lnRef idx="1">
+              <a:schemeClr val="accent1"/>
+            </a:lnRef>
+            <a:fillRef idx="0">
+              <a:schemeClr val="accent1"/>
+            </a:fillRef>
+            <a:effectRef idx="0">
+              <a:schemeClr val="accent1"/>
+            </a:effectRef>
+            <a:fontRef idx="minor">
+              <a:schemeClr val="tx1"/>
+            </a:fontRef>
+          </p:style>
+        </p:cxnSp>
+        <p:cxnSp>
+          <p:nvCxnSpPr>
+            <p:cNvPr id="42" name="Straight Arrow Connector 41">
+              <a:extLst>
+                <a:ext uri="{FF2B5EF4-FFF2-40B4-BE49-F238E27FC236}">
+                  <a16:creationId xmlns:a16="http://schemas.microsoft.com/office/drawing/2014/main" id="{717350D6-9052-3525-E63D-47577F0497F4}"/>
+                </a:ext>
+              </a:extLst>
+            </p:cNvPr>
+            <p:cNvCxnSpPr/>
+            <p:nvPr/>
+          </p:nvCxnSpPr>
+          <p:spPr>
+            <a:xfrm flipV="1">
+              <a:off x="3361356" y="3359664"/>
+              <a:ext cx="0" cy="461120"/>
+            </a:xfrm>
+            <a:prstGeom prst="straightConnector1">
+              <a:avLst/>
+            </a:prstGeom>
+            <a:ln w="57150">
+              <a:solidFill>
+                <a:schemeClr val="tx2">
+                  <a:lumMod val="20000"/>
+                  <a:lumOff val="80000"/>
+                </a:schemeClr>
+              </a:solidFill>
+              <a:headEnd type="triangle" w="med" len="med"/>
+              <a:tailEnd type="none" w="med" len="med"/>
+            </a:ln>
+          </p:spPr>
+          <p:style>
+            <a:lnRef idx="1">
+              <a:schemeClr val="accent1"/>
+            </a:lnRef>
+            <a:fillRef idx="0">
+              <a:schemeClr val="accent1"/>
+            </a:fillRef>
+            <a:effectRef idx="0">
+              <a:schemeClr val="accent1"/>
+            </a:effectRef>
+            <a:fontRef idx="minor">
+              <a:schemeClr val="tx1"/>
+            </a:fontRef>
+          </p:style>
+        </p:cxnSp>
+      </p:grpSp>
+      <p:sp>
+        <p:nvSpPr>
+          <p:cNvPr id="43" name="Rectangle: Rounded Corners 42">
+            <a:extLst>
+              <a:ext uri="{FF2B5EF4-FFF2-40B4-BE49-F238E27FC236}">
+                <a16:creationId xmlns:a16="http://schemas.microsoft.com/office/drawing/2014/main" id="{23C16D71-9DCE-1A74-AEDB-22632522D79D}"/>
+              </a:ext>
+            </a:extLst>
+          </p:cNvPr>
+          <p:cNvSpPr/>
+          <p:nvPr/>
+        </p:nvSpPr>
+        <p:spPr>
+          <a:xfrm>
+            <a:off x="925417" y="5238297"/>
+            <a:ext cx="4718347" cy="643095"/>
+          </a:xfrm>
+          <a:prstGeom prst="roundRect">
+            <a:avLst>
+              <a:gd name="adj" fmla="val 21721"/>
+            </a:avLst>
+          </a:prstGeom>
+          <a:solidFill>
+            <a:schemeClr val="tx2">
+              <a:lumMod val="75000"/>
+            </a:schemeClr>
+          </a:solidFill>
+          <a:ln w="28575">
+            <a:solidFill>
+              <a:schemeClr val="tx2">
+                <a:lumMod val="75000"/>
+              </a:schemeClr>
+            </a:solidFill>
+          </a:ln>
+        </p:spPr>
+        <p:style>
+          <a:lnRef idx="2">
+            <a:schemeClr val="accent1">
+              <a:shade val="15000"/>
+            </a:schemeClr>
+          </a:lnRef>
+          <a:fillRef idx="1">
+            <a:schemeClr val="accent1"/>
+          </a:fillRef>
+          <a:effectRef idx="0">
+            <a:schemeClr val="accent1"/>
+          </a:effectRef>
+          <a:fontRef idx="minor">
+            <a:schemeClr val="lt1"/>
+          </a:fontRef>
+        </p:style>
+        <p:txBody>
+          <a:bodyPr rtlCol="0" anchor="ctr"/>
+          <a:lstStyle/>
+          <a:p>
+            <a:r>
+              <a:rPr lang="en-US" sz="1600" b="0" dirty="0" err="1">
+                <a:solidFill>
+                  <a:srgbClr val="4EC9B0"/>
+                </a:solidFill>
+                <a:effectLst/>
+                <a:latin typeface="Consolas" panose="020B0609020204030204" pitchFamily="49" charset="0"/>
+              </a:rPr>
+              <a:t>Spacecraft.</a:t>
+            </a:r>
+            <a:r>
+              <a:rPr lang="en-US" sz="1600" b="0" dirty="0" err="1">
+                <a:solidFill>
+                  <a:srgbClr val="DCDCAA"/>
+                </a:solidFill>
+                <a:effectLst/>
+                <a:latin typeface="Consolas" panose="020B0609020204030204" pitchFamily="49" charset="0"/>
+              </a:rPr>
+              <a:t>propagate_orbit</a:t>
+            </a:r>
+            <a:r>
+              <a:rPr lang="en-US" sz="1600" b="0" dirty="0">
+                <a:solidFill>
+                  <a:srgbClr val="CCCCCC"/>
+                </a:solidFill>
+                <a:effectLst/>
+                <a:latin typeface="Consolas" panose="020B0609020204030204" pitchFamily="49" charset="0"/>
+              </a:rPr>
+              <a:t>(</a:t>
+            </a:r>
+          </a:p>
+          <a:p>
+            <a:pPr lvl="1"/>
+            <a:r>
+              <a:rPr lang="en-GB" sz="1600" b="0" dirty="0">
+                <a:solidFill>
+                  <a:srgbClr val="37FF91"/>
+                </a:solidFill>
+                <a:effectLst/>
+                <a:latin typeface="Consolas" panose="020B0609020204030204" pitchFamily="49" charset="0"/>
+              </a:rPr>
+              <a:t>self</a:t>
+            </a:r>
+            <a:r>
+              <a:rPr lang="en-GB" sz="1600" b="0" dirty="0">
+                <a:solidFill>
+                  <a:srgbClr val="CCCCCC"/>
+                </a:solidFill>
+                <a:effectLst/>
+                <a:latin typeface="Consolas" panose="020B0609020204030204" pitchFamily="49" charset="0"/>
+              </a:rPr>
+              <a:t>, </a:t>
+            </a:r>
+            <a:r>
+              <a:rPr lang="en-GB" sz="1600" b="0" dirty="0">
+                <a:solidFill>
+                  <a:srgbClr val="9CDCFE"/>
+                </a:solidFill>
+                <a:effectLst/>
+                <a:latin typeface="Consolas" panose="020B0609020204030204" pitchFamily="49" charset="0"/>
+              </a:rPr>
+              <a:t>t</a:t>
+            </a:r>
+            <a:r>
+              <a:rPr lang="en-GB" sz="1600" b="0" dirty="0">
+                <a:solidFill>
+                  <a:srgbClr val="CCCCCC"/>
+                </a:solidFill>
+                <a:effectLst/>
+                <a:latin typeface="Consolas" panose="020B0609020204030204" pitchFamily="49" charset="0"/>
+              </a:rPr>
+              <a:t>, </a:t>
+            </a:r>
+            <a:r>
+              <a:rPr lang="en-GB" sz="1600" b="0" dirty="0">
+                <a:solidFill>
+                  <a:srgbClr val="9CDCFE"/>
+                </a:solidFill>
+                <a:effectLst/>
+                <a:latin typeface="Consolas" panose="020B0609020204030204" pitchFamily="49" charset="0"/>
+              </a:rPr>
+              <a:t>dt</a:t>
+            </a:r>
+            <a:r>
+              <a:rPr lang="en-GB" sz="1600" b="0" dirty="0">
+                <a:solidFill>
+                  <a:srgbClr val="CCCCCC"/>
+                </a:solidFill>
+                <a:effectLst/>
+                <a:latin typeface="Consolas" panose="020B0609020204030204" pitchFamily="49" charset="0"/>
+              </a:rPr>
+              <a:t>, </a:t>
+            </a:r>
+            <a:r>
+              <a:rPr lang="en-GB" sz="1600" b="0" dirty="0">
+                <a:solidFill>
+                  <a:srgbClr val="9CDCFE"/>
+                </a:solidFill>
+                <a:effectLst/>
+                <a:latin typeface="Consolas" panose="020B0609020204030204" pitchFamily="49" charset="0"/>
+              </a:rPr>
+              <a:t>integrator</a:t>
+            </a:r>
+            <a:r>
+              <a:rPr lang="en-GB" sz="1600" b="0" dirty="0">
+                <a:solidFill>
+                  <a:srgbClr val="D4D4D4"/>
+                </a:solidFill>
+                <a:effectLst/>
+                <a:latin typeface="Consolas" panose="020B0609020204030204" pitchFamily="49" charset="0"/>
+              </a:rPr>
+              <a:t>=</a:t>
+            </a:r>
+            <a:r>
+              <a:rPr lang="en-GB" sz="1600" b="0" dirty="0">
+                <a:solidFill>
+                  <a:srgbClr val="CE9178"/>
+                </a:solidFill>
+                <a:effectLst/>
+                <a:latin typeface="Consolas" panose="020B0609020204030204" pitchFamily="49" charset="0"/>
+              </a:rPr>
+              <a:t>'RK4'</a:t>
+            </a:r>
+            <a:r>
+              <a:rPr lang="en-GB" sz="1600" b="0" dirty="0">
+                <a:solidFill>
+                  <a:srgbClr val="CCCCCC"/>
+                </a:solidFill>
+                <a:effectLst/>
+                <a:latin typeface="Consolas" panose="020B0609020204030204" pitchFamily="49" charset="0"/>
+              </a:rPr>
+              <a:t>)</a:t>
+            </a:r>
+          </a:p>
+        </p:txBody>
+      </p:sp>
+      <p:sp>
+        <p:nvSpPr>
+          <p:cNvPr id="44" name="TextBox 43">
+            <a:extLst>
+              <a:ext uri="{FF2B5EF4-FFF2-40B4-BE49-F238E27FC236}">
+                <a16:creationId xmlns:a16="http://schemas.microsoft.com/office/drawing/2014/main" id="{1D809875-CE4A-66C4-7770-4EADF8DD8E37}"/>
+              </a:ext>
+            </a:extLst>
+          </p:cNvPr>
+          <p:cNvSpPr txBox="1"/>
+          <p:nvPr/>
+        </p:nvSpPr>
+        <p:spPr>
+          <a:xfrm>
+            <a:off x="1001735" y="4883772"/>
+            <a:ext cx="3408737" cy="261610"/>
+          </a:xfrm>
+          <a:prstGeom prst="rect">
+            <a:avLst/>
+          </a:prstGeom>
+          <a:noFill/>
+        </p:spPr>
+        <p:txBody>
+          <a:bodyPr wrap="square" rtlCol="0">
+            <a:spAutoFit/>
+          </a:bodyPr>
+          <a:lstStyle/>
+          <a:p>
+            <a:r>
+              <a:rPr lang="en-US" sz="1100"/>
+              <a:t>*Keplerian-only analytical two-body propagator</a:t>
+            </a:r>
+            <a:endParaRPr lang="en-US" sz="1100" dirty="0"/>
+          </a:p>
+        </p:txBody>
+      </p:sp>
+      <p:sp>
+        <p:nvSpPr>
+          <p:cNvPr id="45" name="TextBox 44">
+            <a:extLst>
+              <a:ext uri="{FF2B5EF4-FFF2-40B4-BE49-F238E27FC236}">
+                <a16:creationId xmlns:a16="http://schemas.microsoft.com/office/drawing/2014/main" id="{775C62B9-4C93-4475-0A5C-2E5905FCF6C3}"/>
+              </a:ext>
+            </a:extLst>
+          </p:cNvPr>
+          <p:cNvSpPr txBox="1"/>
+          <p:nvPr/>
+        </p:nvSpPr>
+        <p:spPr>
+          <a:xfrm>
+            <a:off x="1001735" y="5930789"/>
+            <a:ext cx="4774230" cy="261610"/>
+          </a:xfrm>
+          <a:prstGeom prst="rect">
+            <a:avLst/>
+          </a:prstGeom>
+          <a:noFill/>
+        </p:spPr>
+        <p:txBody>
+          <a:bodyPr wrap="square" rtlCol="0">
+            <a:spAutoFit/>
+          </a:bodyPr>
+          <a:lstStyle/>
+          <a:p>
+            <a:r>
+              <a:rPr lang="en-US" sz="1100" dirty="0"/>
+              <a:t>*Numerical propagator (default RK4), with references to own force models</a:t>
+            </a:r>
+          </a:p>
+        </p:txBody>
+      </p:sp>
+      <p:sp>
+        <p:nvSpPr>
+          <p:cNvPr id="46" name="Rectangle: Rounded Corners 45">
+            <a:extLst>
+              <a:ext uri="{FF2B5EF4-FFF2-40B4-BE49-F238E27FC236}">
+                <a16:creationId xmlns:a16="http://schemas.microsoft.com/office/drawing/2014/main" id="{C6C52B35-1827-8F13-ABC1-4B0BD2409007}"/>
+              </a:ext>
+            </a:extLst>
+          </p:cNvPr>
+          <p:cNvSpPr/>
+          <p:nvPr/>
+        </p:nvSpPr>
+        <p:spPr>
+          <a:xfrm>
+            <a:off x="6404567" y="4407701"/>
+            <a:ext cx="4718347" cy="811768"/>
+          </a:xfrm>
+          <a:prstGeom prst="roundRect">
+            <a:avLst>
+              <a:gd name="adj" fmla="val 21721"/>
+            </a:avLst>
+          </a:prstGeom>
+          <a:solidFill>
+            <a:schemeClr val="tx2">
+              <a:lumMod val="75000"/>
+            </a:schemeClr>
+          </a:solidFill>
+          <a:ln w="28575">
+            <a:solidFill>
+              <a:schemeClr val="tx2">
+                <a:lumMod val="75000"/>
+              </a:schemeClr>
+            </a:solidFill>
+          </a:ln>
+        </p:spPr>
+        <p:style>
+          <a:lnRef idx="2">
+            <a:schemeClr val="accent1">
+              <a:shade val="15000"/>
+            </a:schemeClr>
+          </a:lnRef>
+          <a:fillRef idx="1">
+            <a:schemeClr val="accent1"/>
+          </a:fillRef>
+          <a:effectRef idx="0">
+            <a:schemeClr val="accent1"/>
+          </a:effectRef>
+          <a:fontRef idx="minor">
+            <a:schemeClr val="lt1"/>
+          </a:fontRef>
+        </p:style>
+        <p:txBody>
+          <a:bodyPr rtlCol="0" anchor="ctr"/>
+          <a:lstStyle/>
+          <a:p>
+            <a:r>
+              <a:rPr lang="en-US" sz="1600" b="0" dirty="0" err="1">
+                <a:solidFill>
+                  <a:srgbClr val="4EC9B0"/>
+                </a:solidFill>
+                <a:effectLst/>
+                <a:latin typeface="Consolas" panose="020B0609020204030204" pitchFamily="49" charset="0"/>
+              </a:rPr>
+              <a:t>Spacecraft.</a:t>
+            </a:r>
+            <a:r>
+              <a:rPr lang="en-US" sz="1600" b="0" dirty="0" err="1">
+                <a:solidFill>
+                  <a:srgbClr val="DCDCAA"/>
+                </a:solidFill>
+                <a:effectLst/>
+                <a:latin typeface="Consolas" panose="020B0609020204030204" pitchFamily="49" charset="0"/>
+              </a:rPr>
+              <a:t>propagate_attitude</a:t>
+            </a:r>
+            <a:r>
+              <a:rPr lang="en-US" sz="1600" b="0" dirty="0">
+                <a:solidFill>
+                  <a:srgbClr val="CCCCCC"/>
+                </a:solidFill>
+                <a:effectLst/>
+                <a:latin typeface="Consolas" panose="020B0609020204030204" pitchFamily="49" charset="0"/>
+              </a:rPr>
+              <a:t>(</a:t>
+            </a:r>
+          </a:p>
+          <a:p>
+            <a:pPr lvl="1"/>
+            <a:r>
+              <a:rPr lang="en-US" sz="1600" b="0" dirty="0">
+                <a:solidFill>
+                  <a:srgbClr val="37FF91"/>
+                </a:solidFill>
+                <a:effectLst/>
+                <a:latin typeface="Consolas" panose="020B0609020204030204" pitchFamily="49" charset="0"/>
+              </a:rPr>
+              <a:t>self</a:t>
+            </a:r>
+            <a:r>
+              <a:rPr lang="en-US" sz="1600" b="0" dirty="0">
+                <a:solidFill>
+                  <a:srgbClr val="CCCCCC"/>
+                </a:solidFill>
+                <a:effectLst/>
+                <a:latin typeface="Consolas" panose="020B0609020204030204" pitchFamily="49" charset="0"/>
+              </a:rPr>
+              <a:t>, </a:t>
+            </a:r>
+            <a:r>
+              <a:rPr lang="en-US" sz="1600" b="0" dirty="0">
+                <a:solidFill>
+                  <a:srgbClr val="9CDCFE"/>
+                </a:solidFill>
+                <a:effectLst/>
+                <a:latin typeface="Consolas" panose="020B0609020204030204" pitchFamily="49" charset="0"/>
+              </a:rPr>
+              <a:t>dt</a:t>
+            </a:r>
+            <a:r>
+              <a:rPr lang="en-US" sz="1600" b="0" dirty="0">
+                <a:solidFill>
+                  <a:srgbClr val="CCCCCC"/>
+                </a:solidFill>
+                <a:effectLst/>
+                <a:latin typeface="Consolas" panose="020B0609020204030204" pitchFamily="49" charset="0"/>
+              </a:rPr>
+              <a:t>, </a:t>
+            </a:r>
+            <a:r>
+              <a:rPr lang="en-US" sz="1600" b="0" dirty="0">
+                <a:solidFill>
+                  <a:srgbClr val="9CDCFE"/>
+                </a:solidFill>
+                <a:effectLst/>
+                <a:latin typeface="Consolas" panose="020B0609020204030204" pitchFamily="49" charset="0"/>
+              </a:rPr>
+              <a:t>torque</a:t>
+            </a:r>
+            <a:r>
+              <a:rPr lang="en-US" sz="1600" b="0" dirty="0">
+                <a:solidFill>
+                  <a:srgbClr val="CCCCCC"/>
+                </a:solidFill>
+                <a:effectLst/>
+                <a:latin typeface="Consolas" panose="020B0609020204030204" pitchFamily="49" charset="0"/>
+              </a:rPr>
+              <a:t>)</a:t>
+            </a:r>
+          </a:p>
+        </p:txBody>
+      </p:sp>
+      <p:sp>
+        <p:nvSpPr>
+          <p:cNvPr id="47" name="TextBox 46">
+            <a:extLst>
+              <a:ext uri="{FF2B5EF4-FFF2-40B4-BE49-F238E27FC236}">
+                <a16:creationId xmlns:a16="http://schemas.microsoft.com/office/drawing/2014/main" id="{2F1AA07C-3AA2-55A8-5B10-3E88DA2D6100}"/>
+              </a:ext>
+            </a:extLst>
+          </p:cNvPr>
+          <p:cNvSpPr txBox="1"/>
+          <p:nvPr/>
+        </p:nvSpPr>
+        <p:spPr>
+          <a:xfrm>
+            <a:off x="6404567" y="5219469"/>
+            <a:ext cx="4673035" cy="261610"/>
+          </a:xfrm>
+          <a:prstGeom prst="rect">
+            <a:avLst/>
+          </a:prstGeom>
+          <a:noFill/>
+        </p:spPr>
+        <p:txBody>
+          <a:bodyPr wrap="square" rtlCol="0">
+            <a:spAutoFit/>
+          </a:bodyPr>
+          <a:lstStyle/>
+          <a:p>
+            <a:r>
+              <a:rPr lang="en-US" sz="1100" dirty="0"/>
+              <a:t>*Torque as a 3x1 vector applied in body-frame coordinates</a:t>
+            </a:r>
+          </a:p>
+        </p:txBody>
+      </p:sp>
+    </p:spTree>
+    <p:extLst>
+      <p:ext uri="{BB962C8B-B14F-4D97-AF65-F5344CB8AC3E}">
+        <p14:creationId xmlns:p14="http://schemas.microsoft.com/office/powerpoint/2010/main" val="4286060820"/>
       </p:ext>
     </p:extLst>
   </p:cSld>
@@ -11747,677 +13986,910 @@
           <a:chExt cx="0" cy="0"/>
         </a:xfrm>
       </p:grpSpPr>
-      <p:sp>
-        <p:nvSpPr>
-          <p:cNvPr id="4" name="Rectangle: Rounded Corners 3">
+      <p:pic>
+        <p:nvPicPr>
+          <p:cNvPr id="48" name="Picture 47">
             <a:extLst>
               <a:ext uri="{FF2B5EF4-FFF2-40B4-BE49-F238E27FC236}">
-                <a16:creationId xmlns:a16="http://schemas.microsoft.com/office/drawing/2014/main" id="{2739F6D0-721A-C97E-B233-F6B0C3562DE9}"/>
+                <a16:creationId xmlns:a16="http://schemas.microsoft.com/office/drawing/2014/main" id="{6136098D-6A50-09C5-CFBE-A78721781861}"/>
               </a:ext>
             </a:extLst>
           </p:cNvPr>
-          <p:cNvSpPr/>
+          <p:cNvPicPr>
+            <a:picLocks noChangeAspect="1"/>
+          </p:cNvPicPr>
           <p:nvPr/>
-        </p:nvSpPr>
+        </p:nvPicPr>
+        <p:blipFill rotWithShape="1">
+          <a:blip r:embed="rId2"/>
+          <a:srcRect t="23812" b="27407"/>
+          <a:stretch/>
+        </p:blipFill>
         <p:spPr>
           <a:xfrm>
-            <a:off x="421241" y="357027"/>
-            <a:ext cx="11332395" cy="6208160"/>
+            <a:off x="1215446" y="2465659"/>
+            <a:ext cx="6889580" cy="3345394"/>
           </a:xfrm>
-          <a:prstGeom prst="roundRect">
-            <a:avLst>
-              <a:gd name="adj" fmla="val 3660"/>
-            </a:avLst>
+          <a:prstGeom prst="rect">
+            <a:avLst/>
           </a:prstGeom>
-          <a:solidFill>
-            <a:schemeClr val="tx1">
-              <a:lumMod val="85000"/>
-              <a:lumOff val="15000"/>
-            </a:schemeClr>
-          </a:solidFill>
-          <a:ln w="28575">
+        </p:spPr>
+      </p:pic>
+      <mc:AlternateContent xmlns:mc="http://schemas.openxmlformats.org/markup-compatibility/2006">
+        <mc:Choice xmlns:a14="http://schemas.microsoft.com/office/drawing/2010/main" Requires="a14">
+          <p:sp>
+            <p:nvSpPr>
+              <p:cNvPr id="17" name="TextBox 16">
+                <a:extLst>
+                  <a:ext uri="{FF2B5EF4-FFF2-40B4-BE49-F238E27FC236}">
+                    <a16:creationId xmlns:a16="http://schemas.microsoft.com/office/drawing/2014/main" id="{4E609307-C997-5E44-DB04-286B2422E06D}"/>
+                  </a:ext>
+                </a:extLst>
+              </p:cNvPr>
+              <p:cNvSpPr txBox="1"/>
+              <p:nvPr/>
+            </p:nvSpPr>
+            <p:spPr>
+              <a:xfrm>
+                <a:off x="2550882" y="3380613"/>
+                <a:ext cx="356893" cy="307777"/>
+              </a:xfrm>
+              <a:prstGeom prst="rect">
+                <a:avLst/>
+              </a:prstGeom>
+              <a:noFill/>
+            </p:spPr>
+            <p:txBody>
+              <a:bodyPr wrap="none" lIns="0" tIns="0" rIns="0" bIns="0" rtlCol="0">
+                <a:spAutoFit/>
+              </a:bodyPr>
+              <a:lstStyle/>
+              <a:p>
+                <a:pPr/>
+                <a14:m>
+                  <m:oMathPara xmlns:m="http://schemas.openxmlformats.org/officeDocument/2006/math">
+                    <m:oMathParaPr>
+                      <m:jc m:val="centerGroup"/>
+                    </m:oMathParaPr>
+                    <m:oMath xmlns:m="http://schemas.openxmlformats.org/officeDocument/2006/math">
+                      <m:sSub>
+                        <m:sSubPr>
+                          <m:ctrlPr>
+                            <a:rPr lang="en-US" sz="2000" b="1" i="1" smtClean="0">
+                              <a:latin typeface="Cambria Math" panose="02040503050406030204" pitchFamily="18" charset="0"/>
+                            </a:rPr>
+                          </m:ctrlPr>
+                        </m:sSubPr>
+                        <m:e>
+                          <m:acc>
+                            <m:accPr>
+                              <m:chr m:val="̂"/>
+                              <m:ctrlPr>
+                                <a:rPr lang="en-US" sz="2000" b="1" i="1">
+                                  <a:latin typeface="Cambria Math" panose="02040503050406030204" pitchFamily="18" charset="0"/>
+                                </a:rPr>
+                              </m:ctrlPr>
+                            </m:accPr>
+                            <m:e>
+                              <m:r>
+                                <a:rPr lang="en-US" sz="2000" b="1" i="1">
+                                  <a:latin typeface="Cambria Math" panose="02040503050406030204" pitchFamily="18" charset="0"/>
+                                </a:rPr>
+                                <m:t>𝒚</m:t>
+                              </m:r>
+                            </m:e>
+                          </m:acc>
+                        </m:e>
+                        <m:sub>
+                          <m:r>
+                            <a:rPr lang="en-US" sz="2000" b="1" i="1" smtClean="0">
+                              <a:latin typeface="Cambria Math" panose="02040503050406030204" pitchFamily="18" charset="0"/>
+                            </a:rPr>
+                            <m:t>𝑩</m:t>
+                          </m:r>
+                        </m:sub>
+                      </m:sSub>
+                    </m:oMath>
+                  </m:oMathPara>
+                </a14:m>
+                <a:endParaRPr lang="en-US" sz="2000" b="1" dirty="0"/>
+              </a:p>
+            </p:txBody>
+          </p:sp>
+        </mc:Choice>
+        <mc:Fallback>
+          <p:sp>
+            <p:nvSpPr>
+              <p:cNvPr id="17" name="TextBox 16">
+                <a:extLst>
+                  <a:ext uri="{FF2B5EF4-FFF2-40B4-BE49-F238E27FC236}">
+                    <a16:creationId xmlns:a16="http://schemas.microsoft.com/office/drawing/2014/main" id="{4E609307-C997-5E44-DB04-286B2422E06D}"/>
+                  </a:ext>
+                </a:extLst>
+              </p:cNvPr>
+              <p:cNvSpPr txBox="1">
+                <a:spLocks noRot="1" noChangeAspect="1" noMove="1" noResize="1" noEditPoints="1" noAdjustHandles="1" noChangeArrowheads="1" noChangeShapeType="1" noTextEdit="1"/>
+              </p:cNvSpPr>
+              <p:nvPr/>
+            </p:nvSpPr>
+            <p:spPr>
+              <a:xfrm>
+                <a:off x="2550882" y="3380613"/>
+                <a:ext cx="356893" cy="307777"/>
+              </a:xfrm>
+              <a:prstGeom prst="rect">
+                <a:avLst/>
+              </a:prstGeom>
+              <a:blipFill>
+                <a:blip r:embed="rId3"/>
+                <a:stretch>
+                  <a:fillRect l="-18644" t="-26000" r="-35593" b="-26000"/>
+                </a:stretch>
+              </a:blipFill>
+            </p:spPr>
+            <p:txBody>
+              <a:bodyPr/>
+              <a:lstStyle/>
+              <a:p>
+                <a:r>
+                  <a:rPr lang="en-US">
+                    <a:noFill/>
+                  </a:rPr>
+                  <a:t> </a:t>
+                </a:r>
+              </a:p>
+            </p:txBody>
+          </p:sp>
+        </mc:Fallback>
+      </mc:AlternateContent>
+      <mc:AlternateContent xmlns:mc="http://schemas.openxmlformats.org/markup-compatibility/2006">
+        <mc:Choice xmlns:a14="http://schemas.microsoft.com/office/drawing/2010/main" Requires="a14">
+          <p:sp>
+            <p:nvSpPr>
+              <p:cNvPr id="3" name="TextBox 2">
+                <a:extLst>
+                  <a:ext uri="{FF2B5EF4-FFF2-40B4-BE49-F238E27FC236}">
+                    <a16:creationId xmlns:a16="http://schemas.microsoft.com/office/drawing/2014/main" id="{41811552-A43C-2560-4279-BED6DBC87A91}"/>
+                  </a:ext>
+                </a:extLst>
+              </p:cNvPr>
+              <p:cNvSpPr txBox="1"/>
+              <p:nvPr/>
+            </p:nvSpPr>
+            <p:spPr>
+              <a:xfrm>
+                <a:off x="4101407" y="1791969"/>
+                <a:ext cx="350481" cy="307777"/>
+              </a:xfrm>
+              <a:prstGeom prst="rect">
+                <a:avLst/>
+              </a:prstGeom>
+              <a:noFill/>
+            </p:spPr>
+            <p:txBody>
+              <a:bodyPr wrap="none" lIns="0" tIns="0" rIns="0" bIns="0" rtlCol="0">
+                <a:spAutoFit/>
+              </a:bodyPr>
+              <a:lstStyle/>
+              <a:p>
+                <a:pPr/>
+                <a14:m>
+                  <m:oMathPara xmlns:m="http://schemas.openxmlformats.org/officeDocument/2006/math">
+                    <m:oMathParaPr>
+                      <m:jc m:val="centerGroup"/>
+                    </m:oMathParaPr>
+                    <m:oMath xmlns:m="http://schemas.openxmlformats.org/officeDocument/2006/math">
+                      <m:sSub>
+                        <m:sSubPr>
+                          <m:ctrlPr>
+                            <a:rPr lang="en-US" sz="2000" b="1" i="1" smtClean="0">
+                              <a:latin typeface="Cambria Math" panose="02040503050406030204" pitchFamily="18" charset="0"/>
+                            </a:rPr>
+                          </m:ctrlPr>
+                        </m:sSubPr>
+                        <m:e>
+                          <m:acc>
+                            <m:accPr>
+                              <m:chr m:val="̂"/>
+                              <m:ctrlPr>
+                                <a:rPr lang="en-US" sz="2000" b="1" i="1">
+                                  <a:latin typeface="Cambria Math" panose="02040503050406030204" pitchFamily="18" charset="0"/>
+                                </a:rPr>
+                              </m:ctrlPr>
+                            </m:accPr>
+                            <m:e>
+                              <m:r>
+                                <a:rPr lang="en-US" sz="2000" b="1" i="1" smtClean="0">
+                                  <a:latin typeface="Cambria Math" panose="02040503050406030204" pitchFamily="18" charset="0"/>
+                                </a:rPr>
+                                <m:t>𝒙</m:t>
+                              </m:r>
+                            </m:e>
+                          </m:acc>
+                        </m:e>
+                        <m:sub>
+                          <m:r>
+                            <a:rPr lang="en-US" sz="2000" b="1" i="1" smtClean="0">
+                              <a:latin typeface="Cambria Math" panose="02040503050406030204" pitchFamily="18" charset="0"/>
+                            </a:rPr>
+                            <m:t>𝑩</m:t>
+                          </m:r>
+                        </m:sub>
+                      </m:sSub>
+                    </m:oMath>
+                  </m:oMathPara>
+                </a14:m>
+                <a:endParaRPr lang="en-US" sz="2000" b="1" dirty="0"/>
+              </a:p>
+            </p:txBody>
+          </p:sp>
+        </mc:Choice>
+        <mc:Fallback>
+          <p:sp>
+            <p:nvSpPr>
+              <p:cNvPr id="3" name="TextBox 2">
+                <a:extLst>
+                  <a:ext uri="{FF2B5EF4-FFF2-40B4-BE49-F238E27FC236}">
+                    <a16:creationId xmlns:a16="http://schemas.microsoft.com/office/drawing/2014/main" id="{41811552-A43C-2560-4279-BED6DBC87A91}"/>
+                  </a:ext>
+                </a:extLst>
+              </p:cNvPr>
+              <p:cNvSpPr txBox="1">
+                <a:spLocks noRot="1" noChangeAspect="1" noMove="1" noResize="1" noEditPoints="1" noAdjustHandles="1" noChangeArrowheads="1" noChangeShapeType="1" noTextEdit="1"/>
+              </p:cNvSpPr>
+              <p:nvPr/>
+            </p:nvSpPr>
+            <p:spPr>
+              <a:xfrm>
+                <a:off x="4101407" y="1791969"/>
+                <a:ext cx="350481" cy="307777"/>
+              </a:xfrm>
+              <a:prstGeom prst="rect">
+                <a:avLst/>
+              </a:prstGeom>
+              <a:blipFill>
+                <a:blip r:embed="rId4"/>
+                <a:stretch>
+                  <a:fillRect l="-21053" t="-26000" r="-36842" b="-18000"/>
+                </a:stretch>
+              </a:blipFill>
+            </p:spPr>
+            <p:txBody>
+              <a:bodyPr/>
+              <a:lstStyle/>
+              <a:p>
+                <a:r>
+                  <a:rPr lang="en-US">
+                    <a:noFill/>
+                  </a:rPr>
+                  <a:t> </a:t>
+                </a:r>
+              </a:p>
+            </p:txBody>
+          </p:sp>
+        </mc:Fallback>
+      </mc:AlternateContent>
+      <mc:AlternateContent xmlns:mc="http://schemas.openxmlformats.org/markup-compatibility/2006">
+        <mc:Choice xmlns:a14="http://schemas.microsoft.com/office/drawing/2010/main" Requires="a14">
+          <p:sp>
+            <p:nvSpPr>
+              <p:cNvPr id="4" name="TextBox 3">
+                <a:extLst>
+                  <a:ext uri="{FF2B5EF4-FFF2-40B4-BE49-F238E27FC236}">
+                    <a16:creationId xmlns:a16="http://schemas.microsoft.com/office/drawing/2014/main" id="{222EBB7D-C082-9A76-5DF6-FF5F3E06EED9}"/>
+                  </a:ext>
+                </a:extLst>
+              </p:cNvPr>
+              <p:cNvSpPr txBox="1"/>
+              <p:nvPr/>
+            </p:nvSpPr>
+            <p:spPr>
+              <a:xfrm>
+                <a:off x="5139713" y="1710135"/>
+                <a:ext cx="336053" cy="307777"/>
+              </a:xfrm>
+              <a:prstGeom prst="rect">
+                <a:avLst/>
+              </a:prstGeom>
+              <a:noFill/>
+            </p:spPr>
+            <p:txBody>
+              <a:bodyPr wrap="none" lIns="0" tIns="0" rIns="0" bIns="0" rtlCol="0">
+                <a:spAutoFit/>
+              </a:bodyPr>
+              <a:lstStyle/>
+              <a:p>
+                <a:pPr/>
+                <a14:m>
+                  <m:oMathPara xmlns:m="http://schemas.openxmlformats.org/officeDocument/2006/math">
+                    <m:oMathParaPr>
+                      <m:jc m:val="centerGroup"/>
+                    </m:oMathParaPr>
+                    <m:oMath xmlns:m="http://schemas.openxmlformats.org/officeDocument/2006/math">
+                      <m:sSub>
+                        <m:sSubPr>
+                          <m:ctrlPr>
+                            <a:rPr lang="en-US" sz="2000" b="1" i="1" smtClean="0">
+                              <a:latin typeface="Cambria Math" panose="02040503050406030204" pitchFamily="18" charset="0"/>
+                            </a:rPr>
+                          </m:ctrlPr>
+                        </m:sSubPr>
+                        <m:e>
+                          <m:acc>
+                            <m:accPr>
+                              <m:chr m:val="̂"/>
+                              <m:ctrlPr>
+                                <a:rPr lang="en-US" sz="2000" b="1" i="1">
+                                  <a:latin typeface="Cambria Math" panose="02040503050406030204" pitchFamily="18" charset="0"/>
+                                </a:rPr>
+                              </m:ctrlPr>
+                            </m:accPr>
+                            <m:e>
+                              <m:r>
+                                <a:rPr lang="en-US" sz="2000" b="1" i="1" smtClean="0">
+                                  <a:latin typeface="Cambria Math" panose="02040503050406030204" pitchFamily="18" charset="0"/>
+                                </a:rPr>
+                                <m:t>𝒛</m:t>
+                              </m:r>
+                            </m:e>
+                          </m:acc>
+                        </m:e>
+                        <m:sub>
+                          <m:r>
+                            <a:rPr lang="en-US" sz="2000" b="1" i="1" smtClean="0">
+                              <a:latin typeface="Cambria Math" panose="02040503050406030204" pitchFamily="18" charset="0"/>
+                            </a:rPr>
+                            <m:t>𝑩</m:t>
+                          </m:r>
+                        </m:sub>
+                      </m:sSub>
+                    </m:oMath>
+                  </m:oMathPara>
+                </a14:m>
+                <a:endParaRPr lang="en-US" sz="2000" b="1" dirty="0"/>
+              </a:p>
+            </p:txBody>
+          </p:sp>
+        </mc:Choice>
+        <mc:Fallback>
+          <p:sp>
+            <p:nvSpPr>
+              <p:cNvPr id="4" name="TextBox 3">
+                <a:extLst>
+                  <a:ext uri="{FF2B5EF4-FFF2-40B4-BE49-F238E27FC236}">
+                    <a16:creationId xmlns:a16="http://schemas.microsoft.com/office/drawing/2014/main" id="{222EBB7D-C082-9A76-5DF6-FF5F3E06EED9}"/>
+                  </a:ext>
+                </a:extLst>
+              </p:cNvPr>
+              <p:cNvSpPr txBox="1">
+                <a:spLocks noRot="1" noChangeAspect="1" noMove="1" noResize="1" noEditPoints="1" noAdjustHandles="1" noChangeArrowheads="1" noChangeShapeType="1" noTextEdit="1"/>
+              </p:cNvSpPr>
+              <p:nvPr/>
+            </p:nvSpPr>
+            <p:spPr>
+              <a:xfrm>
+                <a:off x="5139713" y="1710135"/>
+                <a:ext cx="336053" cy="307777"/>
+              </a:xfrm>
+              <a:prstGeom prst="rect">
+                <a:avLst/>
+              </a:prstGeom>
+              <a:blipFill>
+                <a:blip r:embed="rId5"/>
+                <a:stretch>
+                  <a:fillRect l="-14545" t="-26000" r="-45455" b="-18000"/>
+                </a:stretch>
+              </a:blipFill>
+            </p:spPr>
+            <p:txBody>
+              <a:bodyPr/>
+              <a:lstStyle/>
+              <a:p>
+                <a:r>
+                  <a:rPr lang="en-US">
+                    <a:noFill/>
+                  </a:rPr>
+                  <a:t> </a:t>
+                </a:r>
+              </a:p>
+            </p:txBody>
+          </p:sp>
+        </mc:Fallback>
+      </mc:AlternateContent>
+      <mc:AlternateContent xmlns:mc="http://schemas.openxmlformats.org/markup-compatibility/2006">
+        <mc:Choice xmlns:a14="http://schemas.microsoft.com/office/drawing/2010/main" Requires="a14">
+          <p:sp>
+            <p:nvSpPr>
+              <p:cNvPr id="19" name="TextBox 18">
+                <a:extLst>
+                  <a:ext uri="{FF2B5EF4-FFF2-40B4-BE49-F238E27FC236}">
+                    <a16:creationId xmlns:a16="http://schemas.microsoft.com/office/drawing/2014/main" id="{BBC59384-68FE-1CB4-33F4-963DFE58493B}"/>
+                  </a:ext>
+                </a:extLst>
+              </p:cNvPr>
+              <p:cNvSpPr txBox="1"/>
+              <p:nvPr/>
+            </p:nvSpPr>
+            <p:spPr>
+              <a:xfrm>
+                <a:off x="2957375" y="2880051"/>
+                <a:ext cx="350481" cy="307777"/>
+              </a:xfrm>
+              <a:prstGeom prst="rect">
+                <a:avLst/>
+              </a:prstGeom>
+              <a:noFill/>
+            </p:spPr>
+            <p:txBody>
+              <a:bodyPr wrap="none" lIns="0" tIns="0" rIns="0" bIns="0" rtlCol="0">
+                <a:spAutoFit/>
+              </a:bodyPr>
+              <a:lstStyle/>
+              <a:p>
+                <a:pPr/>
+                <a14:m>
+                  <m:oMathPara xmlns:m="http://schemas.openxmlformats.org/officeDocument/2006/math">
+                    <m:oMathParaPr>
+                      <m:jc m:val="centerGroup"/>
+                    </m:oMathParaPr>
+                    <m:oMath xmlns:m="http://schemas.openxmlformats.org/officeDocument/2006/math">
+                      <m:sSub>
+                        <m:sSubPr>
+                          <m:ctrlPr>
+                            <a:rPr lang="en-US" sz="2000" b="1" i="1" smtClean="0">
+                              <a:latin typeface="Cambria Math" panose="02040503050406030204" pitchFamily="18" charset="0"/>
+                            </a:rPr>
+                          </m:ctrlPr>
+                        </m:sSubPr>
+                        <m:e>
+                          <m:acc>
+                            <m:accPr>
+                              <m:chr m:val="̂"/>
+                              <m:ctrlPr>
+                                <a:rPr lang="en-US" sz="2000" b="1" i="1">
+                                  <a:latin typeface="Cambria Math" panose="02040503050406030204" pitchFamily="18" charset="0"/>
+                                </a:rPr>
+                              </m:ctrlPr>
+                            </m:accPr>
+                            <m:e>
+                              <m:r>
+                                <a:rPr lang="en-US" sz="2000" b="1" i="1">
+                                  <a:latin typeface="Cambria Math" panose="02040503050406030204" pitchFamily="18" charset="0"/>
+                                </a:rPr>
+                                <m:t>𝒚</m:t>
+                              </m:r>
+                            </m:e>
+                          </m:acc>
+                        </m:e>
+                        <m:sub>
+                          <m:r>
+                            <a:rPr lang="en-US" sz="2000" b="1" i="1" smtClean="0">
+                              <a:latin typeface="Cambria Math" panose="02040503050406030204" pitchFamily="18" charset="0"/>
+                            </a:rPr>
+                            <m:t>𝑷</m:t>
+                          </m:r>
+                        </m:sub>
+                      </m:sSub>
+                    </m:oMath>
+                  </m:oMathPara>
+                </a14:m>
+                <a:endParaRPr lang="en-US" sz="2000" b="1" dirty="0"/>
+              </a:p>
+            </p:txBody>
+          </p:sp>
+        </mc:Choice>
+        <mc:Fallback>
+          <p:sp>
+            <p:nvSpPr>
+              <p:cNvPr id="19" name="TextBox 18">
+                <a:extLst>
+                  <a:ext uri="{FF2B5EF4-FFF2-40B4-BE49-F238E27FC236}">
+                    <a16:creationId xmlns:a16="http://schemas.microsoft.com/office/drawing/2014/main" id="{BBC59384-68FE-1CB4-33F4-963DFE58493B}"/>
+                  </a:ext>
+                </a:extLst>
+              </p:cNvPr>
+              <p:cNvSpPr txBox="1">
+                <a:spLocks noRot="1" noChangeAspect="1" noMove="1" noResize="1" noEditPoints="1" noAdjustHandles="1" noChangeArrowheads="1" noChangeShapeType="1" noTextEdit="1"/>
+              </p:cNvSpPr>
+              <p:nvPr/>
+            </p:nvSpPr>
+            <p:spPr>
+              <a:xfrm>
+                <a:off x="2957375" y="2880051"/>
+                <a:ext cx="350481" cy="307777"/>
+              </a:xfrm>
+              <a:prstGeom prst="rect">
+                <a:avLst/>
+              </a:prstGeom>
+              <a:blipFill>
+                <a:blip r:embed="rId6"/>
+                <a:stretch>
+                  <a:fillRect l="-18966" t="-23529" r="-36207" b="-25490"/>
+                </a:stretch>
+              </a:blipFill>
+            </p:spPr>
+            <p:txBody>
+              <a:bodyPr/>
+              <a:lstStyle/>
+              <a:p>
+                <a:r>
+                  <a:rPr lang="en-US">
+                    <a:noFill/>
+                  </a:rPr>
+                  <a:t> </a:t>
+                </a:r>
+              </a:p>
+            </p:txBody>
+          </p:sp>
+        </mc:Fallback>
+      </mc:AlternateContent>
+      <p:cxnSp>
+        <p:nvCxnSpPr>
+          <p:cNvPr id="12" name="Straight Arrow Connector 11">
+            <a:extLst>
+              <a:ext uri="{FF2B5EF4-FFF2-40B4-BE49-F238E27FC236}">
+                <a16:creationId xmlns:a16="http://schemas.microsoft.com/office/drawing/2014/main" id="{2B08DEC8-79BB-F82A-F0F5-2E4B807B91F9}"/>
+              </a:ext>
+            </a:extLst>
+          </p:cNvPr>
+          <p:cNvCxnSpPr>
+            <a:cxnSpLocks/>
+          </p:cNvCxnSpPr>
+          <p:nvPr/>
+        </p:nvCxnSpPr>
+        <p:spPr>
+          <a:xfrm rot="18710357" flipV="1">
+            <a:off x="4096497" y="1838700"/>
+            <a:ext cx="1127478" cy="1287271"/>
+          </a:xfrm>
+          <a:prstGeom prst="straightConnector1">
+            <a:avLst/>
+          </a:prstGeom>
+          <a:ln w="57150">
             <a:solidFill>
-              <a:schemeClr val="tx2">
-                <a:lumMod val="75000"/>
-              </a:schemeClr>
+              <a:srgbClr val="A86400"/>
             </a:solidFill>
+            <a:tailEnd type="triangle"/>
           </a:ln>
         </p:spPr>
         <p:style>
-          <a:lnRef idx="2">
-            <a:schemeClr val="accent1">
-              <a:shade val="15000"/>
-            </a:schemeClr>
+          <a:lnRef idx="1">
+            <a:schemeClr val="accent1"/>
           </a:lnRef>
-          <a:fillRef idx="1">
+          <a:fillRef idx="0">
             <a:schemeClr val="accent1"/>
           </a:fillRef>
           <a:effectRef idx="0">
             <a:schemeClr val="accent1"/>
           </a:effectRef>
           <a:fontRef idx="minor">
-            <a:schemeClr val="lt1"/>
+            <a:schemeClr val="tx1"/>
           </a:fontRef>
         </p:style>
-        <p:txBody>
-          <a:bodyPr rtlCol="0" anchor="ctr"/>
-          <a:lstStyle/>
-          <a:p>
-            <a:pPr algn="ctr"/>
-            <a:endParaRPr lang="en-US"/>
-          </a:p>
-        </p:txBody>
-      </p:sp>
-      <p:sp>
-        <p:nvSpPr>
-          <p:cNvPr id="6" name="Rectangle: Rounded Corners 5">
+      </p:cxnSp>
+      <p:cxnSp>
+        <p:nvCxnSpPr>
+          <p:cNvPr id="15" name="Straight Arrow Connector 14">
             <a:extLst>
               <a:ext uri="{FF2B5EF4-FFF2-40B4-BE49-F238E27FC236}">
-                <a16:creationId xmlns:a16="http://schemas.microsoft.com/office/drawing/2014/main" id="{EAF2A5A8-007A-29D0-06F3-F0303BF050CA}"/>
+                <a16:creationId xmlns:a16="http://schemas.microsoft.com/office/drawing/2014/main" id="{06A73249-0650-512E-0B1B-ED0158ED707A}"/>
               </a:ext>
             </a:extLst>
           </p:cNvPr>
-          <p:cNvSpPr/>
+          <p:cNvCxnSpPr>
+            <a:cxnSpLocks/>
+          </p:cNvCxnSpPr>
           <p:nvPr/>
-        </p:nvSpPr>
+        </p:nvCxnSpPr>
         <p:spPr>
-          <a:xfrm>
-            <a:off x="6146399" y="1050641"/>
-            <a:ext cx="5234684" cy="2539583"/>
+          <a:xfrm rot="18710357" flipH="1" flipV="1">
+            <a:off x="3204727" y="2677102"/>
+            <a:ext cx="1290775" cy="1404835"/>
           </a:xfrm>
-          <a:prstGeom prst="roundRect">
-            <a:avLst>
-              <a:gd name="adj" fmla="val 5315"/>
-            </a:avLst>
+          <a:prstGeom prst="straightConnector1">
+            <a:avLst/>
           </a:prstGeom>
-          <a:solidFill>
-            <a:schemeClr val="tx2">
-              <a:lumMod val="20000"/>
-              <a:lumOff val="80000"/>
-            </a:schemeClr>
-          </a:solidFill>
-          <a:ln w="28575">
+          <a:ln w="57150">
             <a:solidFill>
-              <a:schemeClr val="tx2">
-                <a:lumMod val="75000"/>
-              </a:schemeClr>
+              <a:srgbClr val="7030A0"/>
             </a:solidFill>
+            <a:tailEnd type="triangle"/>
           </a:ln>
         </p:spPr>
         <p:style>
-          <a:lnRef idx="2">
-            <a:schemeClr val="accent1">
-              <a:shade val="15000"/>
-            </a:schemeClr>
+          <a:lnRef idx="1">
+            <a:schemeClr val="accent1"/>
           </a:lnRef>
-          <a:fillRef idx="1">
+          <a:fillRef idx="0">
             <a:schemeClr val="accent1"/>
           </a:fillRef>
           <a:effectRef idx="0">
             <a:schemeClr val="accent1"/>
           </a:effectRef>
           <a:fontRef idx="minor">
-            <a:schemeClr val="lt1"/>
+            <a:schemeClr val="tx1"/>
           </a:fontRef>
         </p:style>
-        <p:txBody>
-          <a:bodyPr rtlCol="0" anchor="ctr"/>
-          <a:lstStyle/>
-          <a:p>
-            <a:pPr algn="ctr"/>
-            <a:r>
-              <a:rPr lang="en-US" b="1" dirty="0">
-                <a:solidFill>
-                  <a:schemeClr val="tx1"/>
-                </a:solidFill>
-              </a:rPr>
-              <a:t>ATTITUDE STATE REPRESENTATION</a:t>
-            </a:r>
-          </a:p>
-          <a:p>
-            <a:pPr algn="ctr"/>
-            <a:endParaRPr lang="en-US" b="1" dirty="0">
-              <a:solidFill>
-                <a:schemeClr val="tx1"/>
-              </a:solidFill>
-            </a:endParaRPr>
-          </a:p>
-          <a:p>
-            <a:pPr algn="ctr"/>
-            <a:endParaRPr lang="en-US" b="1" dirty="0">
-              <a:solidFill>
-                <a:schemeClr val="tx1"/>
-              </a:solidFill>
-            </a:endParaRPr>
-          </a:p>
-          <a:p>
-            <a:pPr algn="ctr"/>
-            <a:endParaRPr lang="en-US" b="1" dirty="0">
-              <a:solidFill>
-                <a:schemeClr val="tx1"/>
-              </a:solidFill>
-            </a:endParaRPr>
-          </a:p>
-          <a:p>
-            <a:pPr algn="ctr"/>
-            <a:endParaRPr lang="en-US" b="1" dirty="0">
-              <a:solidFill>
-                <a:schemeClr val="tx1"/>
-              </a:solidFill>
-            </a:endParaRPr>
-          </a:p>
-          <a:p>
-            <a:pPr algn="ctr"/>
-            <a:endParaRPr lang="en-US" b="1" dirty="0">
-              <a:solidFill>
-                <a:schemeClr val="tx1"/>
-              </a:solidFill>
-            </a:endParaRPr>
-          </a:p>
-          <a:p>
-            <a:pPr algn="ctr"/>
-            <a:endParaRPr lang="en-US" b="1" dirty="0">
-              <a:solidFill>
-                <a:schemeClr val="tx1"/>
-              </a:solidFill>
-            </a:endParaRPr>
-          </a:p>
-          <a:p>
-            <a:pPr algn="ctr"/>
-            <a:endParaRPr lang="en-US" b="1" dirty="0">
-              <a:solidFill>
-                <a:schemeClr val="tx1"/>
-              </a:solidFill>
-            </a:endParaRPr>
-          </a:p>
-        </p:txBody>
-      </p:sp>
-      <p:sp>
-        <p:nvSpPr>
-          <p:cNvPr id="7" name="TextBox 6">
+      </p:cxnSp>
+      <mc:AlternateContent xmlns:mc="http://schemas.openxmlformats.org/markup-compatibility/2006">
+        <mc:Choice xmlns:a14="http://schemas.microsoft.com/office/drawing/2010/main" Requires="a14">
+          <p:sp>
+            <p:nvSpPr>
+              <p:cNvPr id="25" name="TextBox 24">
+                <a:extLst>
+                  <a:ext uri="{FF2B5EF4-FFF2-40B4-BE49-F238E27FC236}">
+                    <a16:creationId xmlns:a16="http://schemas.microsoft.com/office/drawing/2014/main" id="{B1CCEC5D-07E3-C417-38AA-D054D8D26175}"/>
+                  </a:ext>
+                </a:extLst>
+              </p:cNvPr>
+              <p:cNvSpPr txBox="1"/>
+              <p:nvPr/>
+            </p:nvSpPr>
+            <p:spPr>
+              <a:xfrm>
+                <a:off x="4652311" y="1393507"/>
+                <a:ext cx="344069" cy="307777"/>
+              </a:xfrm>
+              <a:prstGeom prst="rect">
+                <a:avLst/>
+              </a:prstGeom>
+              <a:noFill/>
+            </p:spPr>
+            <p:txBody>
+              <a:bodyPr wrap="none" lIns="0" tIns="0" rIns="0" bIns="0" rtlCol="0">
+                <a:spAutoFit/>
+              </a:bodyPr>
+              <a:lstStyle/>
+              <a:p>
+                <a:pPr/>
+                <a14:m>
+                  <m:oMathPara xmlns:m="http://schemas.openxmlformats.org/officeDocument/2006/math">
+                    <m:oMathParaPr>
+                      <m:jc m:val="centerGroup"/>
+                    </m:oMathParaPr>
+                    <m:oMath xmlns:m="http://schemas.openxmlformats.org/officeDocument/2006/math">
+                      <m:sSub>
+                        <m:sSubPr>
+                          <m:ctrlPr>
+                            <a:rPr lang="en-US" sz="2000" b="1" i="1" smtClean="0">
+                              <a:latin typeface="Cambria Math" panose="02040503050406030204" pitchFamily="18" charset="0"/>
+                            </a:rPr>
+                          </m:ctrlPr>
+                        </m:sSubPr>
+                        <m:e>
+                          <m:acc>
+                            <m:accPr>
+                              <m:chr m:val="̂"/>
+                              <m:ctrlPr>
+                                <a:rPr lang="en-US" sz="2000" b="1" i="1">
+                                  <a:latin typeface="Cambria Math" panose="02040503050406030204" pitchFamily="18" charset="0"/>
+                                </a:rPr>
+                              </m:ctrlPr>
+                            </m:accPr>
+                            <m:e>
+                              <m:r>
+                                <a:rPr lang="en-US" sz="2000" b="1" i="1" smtClean="0">
+                                  <a:latin typeface="Cambria Math" panose="02040503050406030204" pitchFamily="18" charset="0"/>
+                                </a:rPr>
+                                <m:t>𝒙</m:t>
+                              </m:r>
+                            </m:e>
+                          </m:acc>
+                        </m:e>
+                        <m:sub>
+                          <m:r>
+                            <a:rPr lang="en-US" sz="2000" b="1" i="1" smtClean="0">
+                              <a:latin typeface="Cambria Math" panose="02040503050406030204" pitchFamily="18" charset="0"/>
+                            </a:rPr>
+                            <m:t>𝑷</m:t>
+                          </m:r>
+                        </m:sub>
+                      </m:sSub>
+                    </m:oMath>
+                  </m:oMathPara>
+                </a14:m>
+                <a:endParaRPr lang="en-US" sz="2000" b="1" dirty="0"/>
+              </a:p>
+            </p:txBody>
+          </p:sp>
+        </mc:Choice>
+        <mc:Fallback>
+          <p:sp>
+            <p:nvSpPr>
+              <p:cNvPr id="25" name="TextBox 24">
+                <a:extLst>
+                  <a:ext uri="{FF2B5EF4-FFF2-40B4-BE49-F238E27FC236}">
+                    <a16:creationId xmlns:a16="http://schemas.microsoft.com/office/drawing/2014/main" id="{B1CCEC5D-07E3-C417-38AA-D054D8D26175}"/>
+                  </a:ext>
+                </a:extLst>
+              </p:cNvPr>
+              <p:cNvSpPr txBox="1">
+                <a:spLocks noRot="1" noChangeAspect="1" noMove="1" noResize="1" noEditPoints="1" noAdjustHandles="1" noChangeArrowheads="1" noChangeShapeType="1" noTextEdit="1"/>
+              </p:cNvSpPr>
+              <p:nvPr/>
+            </p:nvSpPr>
+            <p:spPr>
+              <a:xfrm>
+                <a:off x="4652311" y="1393507"/>
+                <a:ext cx="344069" cy="307777"/>
+              </a:xfrm>
+              <a:prstGeom prst="rect">
+                <a:avLst/>
+              </a:prstGeom>
+              <a:blipFill>
+                <a:blip r:embed="rId7"/>
+                <a:stretch>
+                  <a:fillRect l="-19298" t="-26000" r="-36842" b="-18000"/>
+                </a:stretch>
+              </a:blipFill>
+            </p:spPr>
+            <p:txBody>
+              <a:bodyPr/>
+              <a:lstStyle/>
+              <a:p>
+                <a:r>
+                  <a:rPr lang="en-US">
+                    <a:noFill/>
+                  </a:rPr>
+                  <a:t> </a:t>
+                </a:r>
+              </a:p>
+            </p:txBody>
+          </p:sp>
+        </mc:Fallback>
+      </mc:AlternateContent>
+      <mc:AlternateContent xmlns:mc="http://schemas.openxmlformats.org/markup-compatibility/2006">
+        <mc:Choice xmlns:a14="http://schemas.microsoft.com/office/drawing/2010/main" Requires="a14">
+          <p:sp>
+            <p:nvSpPr>
+              <p:cNvPr id="29" name="TextBox 28">
+                <a:extLst>
+                  <a:ext uri="{FF2B5EF4-FFF2-40B4-BE49-F238E27FC236}">
+                    <a16:creationId xmlns:a16="http://schemas.microsoft.com/office/drawing/2014/main" id="{1A143799-4514-8AA2-0162-0F82C531093D}"/>
+                  </a:ext>
+                </a:extLst>
+              </p:cNvPr>
+              <p:cNvSpPr txBox="1"/>
+              <p:nvPr/>
+            </p:nvSpPr>
+            <p:spPr>
+              <a:xfrm>
+                <a:off x="5627706" y="1922953"/>
+                <a:ext cx="329641" cy="307777"/>
+              </a:xfrm>
+              <a:prstGeom prst="rect">
+                <a:avLst/>
+              </a:prstGeom>
+              <a:noFill/>
+            </p:spPr>
+            <p:txBody>
+              <a:bodyPr wrap="none" lIns="0" tIns="0" rIns="0" bIns="0" rtlCol="0">
+                <a:spAutoFit/>
+              </a:bodyPr>
+              <a:lstStyle/>
+              <a:p>
+                <a:pPr/>
+                <a14:m>
+                  <m:oMathPara xmlns:m="http://schemas.openxmlformats.org/officeDocument/2006/math">
+                    <m:oMathParaPr>
+                      <m:jc m:val="centerGroup"/>
+                    </m:oMathParaPr>
+                    <m:oMath xmlns:m="http://schemas.openxmlformats.org/officeDocument/2006/math">
+                      <m:sSub>
+                        <m:sSubPr>
+                          <m:ctrlPr>
+                            <a:rPr lang="en-US" sz="2000" b="1" i="1" smtClean="0">
+                              <a:latin typeface="Cambria Math" panose="02040503050406030204" pitchFamily="18" charset="0"/>
+                            </a:rPr>
+                          </m:ctrlPr>
+                        </m:sSubPr>
+                        <m:e>
+                          <m:acc>
+                            <m:accPr>
+                              <m:chr m:val="̂"/>
+                              <m:ctrlPr>
+                                <a:rPr lang="en-US" sz="2000" b="1" i="1">
+                                  <a:latin typeface="Cambria Math" panose="02040503050406030204" pitchFamily="18" charset="0"/>
+                                </a:rPr>
+                              </m:ctrlPr>
+                            </m:accPr>
+                            <m:e>
+                              <m:r>
+                                <a:rPr lang="en-US" sz="2000" b="1" i="1" smtClean="0">
+                                  <a:latin typeface="Cambria Math" panose="02040503050406030204" pitchFamily="18" charset="0"/>
+                                </a:rPr>
+                                <m:t>𝒛</m:t>
+                              </m:r>
+                            </m:e>
+                          </m:acc>
+                        </m:e>
+                        <m:sub>
+                          <m:r>
+                            <a:rPr lang="en-US" sz="2000" b="1" i="1" smtClean="0">
+                              <a:latin typeface="Cambria Math" panose="02040503050406030204" pitchFamily="18" charset="0"/>
+                            </a:rPr>
+                            <m:t>𝑷</m:t>
+                          </m:r>
+                        </m:sub>
+                      </m:sSub>
+                    </m:oMath>
+                  </m:oMathPara>
+                </a14:m>
+                <a:endParaRPr lang="en-US" sz="2000" b="1" dirty="0"/>
+              </a:p>
+            </p:txBody>
+          </p:sp>
+        </mc:Choice>
+        <mc:Fallback>
+          <p:sp>
+            <p:nvSpPr>
+              <p:cNvPr id="29" name="TextBox 28">
+                <a:extLst>
+                  <a:ext uri="{FF2B5EF4-FFF2-40B4-BE49-F238E27FC236}">
+                    <a16:creationId xmlns:a16="http://schemas.microsoft.com/office/drawing/2014/main" id="{1A143799-4514-8AA2-0162-0F82C531093D}"/>
+                  </a:ext>
+                </a:extLst>
+              </p:cNvPr>
+              <p:cNvSpPr txBox="1">
+                <a:spLocks noRot="1" noChangeAspect="1" noMove="1" noResize="1" noEditPoints="1" noAdjustHandles="1" noChangeArrowheads="1" noChangeShapeType="1" noTextEdit="1"/>
+              </p:cNvSpPr>
+              <p:nvPr/>
+            </p:nvSpPr>
+            <p:spPr>
+              <a:xfrm>
+                <a:off x="5627706" y="1922953"/>
+                <a:ext cx="329641" cy="307777"/>
+              </a:xfrm>
+              <a:prstGeom prst="rect">
+                <a:avLst/>
+              </a:prstGeom>
+              <a:blipFill>
+                <a:blip r:embed="rId8"/>
+                <a:stretch>
+                  <a:fillRect l="-14815" t="-23529" r="-46296" b="-15686"/>
+                </a:stretch>
+              </a:blipFill>
+            </p:spPr>
+            <p:txBody>
+              <a:bodyPr/>
+              <a:lstStyle/>
+              <a:p>
+                <a:r>
+                  <a:rPr lang="en-US">
+                    <a:noFill/>
+                  </a:rPr>
+                  <a:t> </a:t>
+                </a:r>
+              </a:p>
+            </p:txBody>
+          </p:sp>
+        </mc:Fallback>
+      </mc:AlternateContent>
+      <p:cxnSp>
+        <p:nvCxnSpPr>
+          <p:cNvPr id="33" name="Straight Arrow Connector 32">
             <a:extLst>
               <a:ext uri="{FF2B5EF4-FFF2-40B4-BE49-F238E27FC236}">
-                <a16:creationId xmlns:a16="http://schemas.microsoft.com/office/drawing/2014/main" id="{841AE1ED-BE65-B81B-4A2E-8F122CA048F0}"/>
+                <a16:creationId xmlns:a16="http://schemas.microsoft.com/office/drawing/2014/main" id="{D04F4F2B-3915-4C16-F85F-C2A7B681EA04}"/>
               </a:ext>
             </a:extLst>
           </p:cNvPr>
-          <p:cNvSpPr txBox="1"/>
-          <p:nvPr/>
-        </p:nvSpPr>
-        <p:spPr>
-          <a:xfrm>
-            <a:off x="4256926" y="503434"/>
-            <a:ext cx="3678148" cy="400110"/>
-          </a:xfrm>
-          <a:prstGeom prst="rect">
-            <a:avLst/>
-          </a:prstGeom>
-          <a:noFill/>
-        </p:spPr>
-        <p:txBody>
-          <a:bodyPr wrap="square" rtlCol="0">
-            <a:spAutoFit/>
-          </a:bodyPr>
-          <a:lstStyle/>
-          <a:p>
-            <a:pPr algn="ctr"/>
-            <a:r>
-              <a:rPr lang="en-US" sz="2000" b="0" dirty="0">
-                <a:solidFill>
-                  <a:srgbClr val="569CD6"/>
-                </a:solidFill>
-                <a:effectLst/>
-                <a:highlight>
-                  <a:srgbClr val="1F1F1F"/>
-                </a:highlight>
-                <a:latin typeface="Consolas" panose="020B0609020204030204" pitchFamily="49" charset="0"/>
-              </a:rPr>
-              <a:t>class</a:t>
-            </a:r>
-            <a:r>
-              <a:rPr lang="en-US" sz="2000" b="0" dirty="0">
-                <a:solidFill>
-                  <a:srgbClr val="CCCCCC"/>
-                </a:solidFill>
-                <a:effectLst/>
-                <a:highlight>
-                  <a:srgbClr val="1F1F1F"/>
-                </a:highlight>
-                <a:latin typeface="Consolas" panose="020B0609020204030204" pitchFamily="49" charset="0"/>
-              </a:rPr>
-              <a:t> </a:t>
-            </a:r>
-            <a:r>
-              <a:rPr lang="en-US" sz="2000" b="0" dirty="0">
-                <a:solidFill>
-                  <a:srgbClr val="4EC9B0"/>
-                </a:solidFill>
-                <a:effectLst/>
-                <a:highlight>
-                  <a:srgbClr val="1F1F1F"/>
-                </a:highlight>
-                <a:latin typeface="Consolas" panose="020B0609020204030204" pitchFamily="49" charset="0"/>
-              </a:rPr>
-              <a:t>Spacecraft</a:t>
-            </a:r>
-            <a:r>
-              <a:rPr lang="en-US" sz="2000" b="0" dirty="0">
-                <a:solidFill>
-                  <a:srgbClr val="CCCCCC"/>
-                </a:solidFill>
-                <a:effectLst/>
-                <a:highlight>
-                  <a:srgbClr val="1F1F1F"/>
-                </a:highlight>
-                <a:latin typeface="Consolas" panose="020B0609020204030204" pitchFamily="49" charset="0"/>
-              </a:rPr>
-              <a:t>():</a:t>
-            </a:r>
-          </a:p>
-        </p:txBody>
-      </p:sp>
-      <p:sp>
-        <p:nvSpPr>
-          <p:cNvPr id="9" name="Rectangle: Rounded Corners 8">
-            <a:extLst>
-              <a:ext uri="{FF2B5EF4-FFF2-40B4-BE49-F238E27FC236}">
-                <a16:creationId xmlns:a16="http://schemas.microsoft.com/office/drawing/2014/main" id="{53A2B323-A744-3AE0-F42B-0DECDF6C4949}"/>
-              </a:ext>
-            </a:extLst>
-          </p:cNvPr>
-          <p:cNvSpPr/>
-          <p:nvPr/>
-        </p:nvSpPr>
-        <p:spPr>
-          <a:xfrm>
-            <a:off x="672957" y="1049952"/>
-            <a:ext cx="5234683" cy="2540272"/>
-          </a:xfrm>
-          <a:prstGeom prst="roundRect">
-            <a:avLst>
-              <a:gd name="adj" fmla="val 5761"/>
-            </a:avLst>
-          </a:prstGeom>
-          <a:solidFill>
-            <a:schemeClr val="tx2">
-              <a:lumMod val="20000"/>
-              <a:lumOff val="80000"/>
-            </a:schemeClr>
-          </a:solidFill>
-          <a:ln w="28575">
-            <a:solidFill>
-              <a:schemeClr val="tx2">
-                <a:lumMod val="75000"/>
-              </a:schemeClr>
-            </a:solidFill>
-          </a:ln>
-        </p:spPr>
-        <p:style>
-          <a:lnRef idx="2">
-            <a:schemeClr val="accent1">
-              <a:shade val="15000"/>
-            </a:schemeClr>
-          </a:lnRef>
-          <a:fillRef idx="1">
-            <a:schemeClr val="accent1"/>
-          </a:fillRef>
-          <a:effectRef idx="0">
-            <a:schemeClr val="accent1"/>
-          </a:effectRef>
-          <a:fontRef idx="minor">
-            <a:schemeClr val="lt1"/>
-          </a:fontRef>
-        </p:style>
-        <p:txBody>
-          <a:bodyPr rtlCol="0" anchor="ctr"/>
-          <a:lstStyle/>
-          <a:p>
-            <a:pPr algn="ctr"/>
-            <a:r>
-              <a:rPr lang="en-US" b="1" dirty="0">
-                <a:solidFill>
-                  <a:schemeClr val="tx1"/>
-                </a:solidFill>
-              </a:rPr>
-              <a:t>ORBIT STATE REPRESENTATION</a:t>
-            </a:r>
-          </a:p>
-          <a:p>
-            <a:pPr algn="ctr"/>
-            <a:endParaRPr lang="en-US" b="1" dirty="0">
-              <a:solidFill>
-                <a:schemeClr val="tx1"/>
-              </a:solidFill>
-            </a:endParaRPr>
-          </a:p>
-          <a:p>
-            <a:pPr algn="ctr"/>
-            <a:endParaRPr lang="en-US" b="1" dirty="0">
-              <a:solidFill>
-                <a:schemeClr val="tx1"/>
-              </a:solidFill>
-            </a:endParaRPr>
-          </a:p>
-          <a:p>
-            <a:pPr algn="ctr"/>
-            <a:endParaRPr lang="en-US" b="1" dirty="0">
-              <a:solidFill>
-                <a:schemeClr val="tx1"/>
-              </a:solidFill>
-            </a:endParaRPr>
-          </a:p>
-          <a:p>
-            <a:pPr algn="ctr"/>
-            <a:endParaRPr lang="en-US" b="1" dirty="0">
-              <a:solidFill>
-                <a:schemeClr val="tx1"/>
-              </a:solidFill>
-            </a:endParaRPr>
-          </a:p>
-          <a:p>
-            <a:pPr algn="ctr"/>
-            <a:endParaRPr lang="en-US" b="1" dirty="0">
-              <a:solidFill>
-                <a:schemeClr val="tx1"/>
-              </a:solidFill>
-            </a:endParaRPr>
-          </a:p>
-          <a:p>
-            <a:pPr algn="ctr"/>
-            <a:endParaRPr lang="en-US" b="1" dirty="0">
-              <a:solidFill>
-                <a:schemeClr val="tx1"/>
-              </a:solidFill>
-            </a:endParaRPr>
-          </a:p>
-          <a:p>
-            <a:pPr algn="ctr"/>
-            <a:endParaRPr lang="en-US" b="1" dirty="0">
-              <a:solidFill>
-                <a:schemeClr val="tx1"/>
-              </a:solidFill>
-            </a:endParaRPr>
-          </a:p>
-        </p:txBody>
-      </p:sp>
-      <p:sp>
-        <p:nvSpPr>
-          <p:cNvPr id="8" name="Rectangle: Rounded Corners 7">
-            <a:extLst>
-              <a:ext uri="{FF2B5EF4-FFF2-40B4-BE49-F238E27FC236}">
-                <a16:creationId xmlns:a16="http://schemas.microsoft.com/office/drawing/2014/main" id="{BB31F56B-9CD1-CAA5-0622-C93509DF265E}"/>
-              </a:ext>
-            </a:extLst>
-          </p:cNvPr>
-          <p:cNvSpPr/>
-          <p:nvPr/>
-        </p:nvSpPr>
-        <p:spPr>
-          <a:xfrm>
-            <a:off x="1001735" y="1661639"/>
-            <a:ext cx="3046284" cy="563624"/>
-          </a:xfrm>
-          <a:prstGeom prst="roundRect">
-            <a:avLst>
-              <a:gd name="adj" fmla="val 21721"/>
-            </a:avLst>
-          </a:prstGeom>
-          <a:solidFill>
-            <a:schemeClr val="tx2">
-              <a:lumMod val="75000"/>
-            </a:schemeClr>
-          </a:solidFill>
-          <a:ln w="28575">
-            <a:solidFill>
-              <a:schemeClr val="tx2">
-                <a:lumMod val="75000"/>
-              </a:schemeClr>
-            </a:solidFill>
-          </a:ln>
-        </p:spPr>
-        <p:style>
-          <a:lnRef idx="2">
-            <a:schemeClr val="accent1">
-              <a:shade val="15000"/>
-            </a:schemeClr>
-          </a:lnRef>
-          <a:fillRef idx="1">
-            <a:schemeClr val="accent1"/>
-          </a:fillRef>
-          <a:effectRef idx="0">
-            <a:schemeClr val="accent1"/>
-          </a:effectRef>
-          <a:fontRef idx="minor">
-            <a:schemeClr val="lt1"/>
-          </a:fontRef>
-        </p:style>
-        <p:txBody>
-          <a:bodyPr rtlCol="0" anchor="ctr"/>
-          <a:lstStyle/>
-          <a:p>
-            <a:pPr algn="ctr"/>
-            <a:r>
-              <a:rPr lang="en-US" sz="1800" b="0" dirty="0" err="1">
-                <a:solidFill>
-                  <a:srgbClr val="4EC9B0"/>
-                </a:solidFill>
-                <a:effectLst/>
-                <a:latin typeface="Consolas" panose="020B0609020204030204" pitchFamily="49" charset="0"/>
-              </a:rPr>
-              <a:t>Spacecraft.states</a:t>
-            </a:r>
-            <a:endParaRPr lang="en-US" dirty="0">
-              <a:solidFill>
-                <a:schemeClr val="tx1"/>
-              </a:solidFill>
-            </a:endParaRPr>
-          </a:p>
-        </p:txBody>
-      </p:sp>
-      <p:sp>
-        <p:nvSpPr>
-          <p:cNvPr id="13" name="Rectangle: Rounded Corners 12">
-            <a:extLst>
-              <a:ext uri="{FF2B5EF4-FFF2-40B4-BE49-F238E27FC236}">
-                <a16:creationId xmlns:a16="http://schemas.microsoft.com/office/drawing/2014/main" id="{9CF1875D-B946-4DD1-6097-228674081092}"/>
-              </a:ext>
-            </a:extLst>
-          </p:cNvPr>
-          <p:cNvSpPr/>
-          <p:nvPr/>
-        </p:nvSpPr>
-        <p:spPr>
-          <a:xfrm>
-            <a:off x="1001735" y="2686383"/>
-            <a:ext cx="3046284" cy="563624"/>
-          </a:xfrm>
-          <a:prstGeom prst="roundRect">
-            <a:avLst>
-              <a:gd name="adj" fmla="val 21721"/>
-            </a:avLst>
-          </a:prstGeom>
-          <a:solidFill>
-            <a:schemeClr val="tx2">
-              <a:lumMod val="75000"/>
-            </a:schemeClr>
-          </a:solidFill>
-          <a:ln w="28575">
-            <a:solidFill>
-              <a:schemeClr val="tx2">
-                <a:lumMod val="75000"/>
-              </a:schemeClr>
-            </a:solidFill>
-          </a:ln>
-        </p:spPr>
-        <p:style>
-          <a:lnRef idx="2">
-            <a:schemeClr val="accent1">
-              <a:shade val="15000"/>
-            </a:schemeClr>
-          </a:lnRef>
-          <a:fillRef idx="1">
-            <a:schemeClr val="accent1"/>
-          </a:fillRef>
-          <a:effectRef idx="0">
-            <a:schemeClr val="accent1"/>
-          </a:effectRef>
-          <a:fontRef idx="minor">
-            <a:schemeClr val="lt1"/>
-          </a:fontRef>
-        </p:style>
-        <p:txBody>
-          <a:bodyPr rtlCol="0" anchor="ctr"/>
-          <a:lstStyle/>
-          <a:p>
-            <a:pPr algn="ctr"/>
-            <a:r>
-              <a:rPr lang="en-US" sz="1800" b="0" dirty="0" err="1">
-                <a:solidFill>
-                  <a:srgbClr val="4EC9B0"/>
-                </a:solidFill>
-                <a:effectLst/>
-                <a:latin typeface="Consolas" panose="020B0609020204030204" pitchFamily="49" charset="0"/>
-              </a:rPr>
-              <a:t>Spacecraft.elements</a:t>
-            </a:r>
-            <a:endParaRPr lang="en-US" dirty="0">
-              <a:solidFill>
-                <a:schemeClr val="tx1"/>
-              </a:solidFill>
-            </a:endParaRPr>
-          </a:p>
-        </p:txBody>
-      </p:sp>
-      <p:sp>
-        <p:nvSpPr>
-          <p:cNvPr id="14" name="TextBox 13">
-            <a:extLst>
-              <a:ext uri="{FF2B5EF4-FFF2-40B4-BE49-F238E27FC236}">
-                <a16:creationId xmlns:a16="http://schemas.microsoft.com/office/drawing/2014/main" id="{590436D2-0AEC-A75C-111D-900BD8988967}"/>
-              </a:ext>
-            </a:extLst>
-          </p:cNvPr>
-          <p:cNvSpPr txBox="1"/>
-          <p:nvPr/>
-        </p:nvSpPr>
-        <p:spPr>
-          <a:xfrm>
-            <a:off x="4114686" y="1712618"/>
-            <a:ext cx="1605394" cy="430887"/>
-          </a:xfrm>
-          <a:prstGeom prst="rect">
-            <a:avLst/>
-          </a:prstGeom>
-          <a:noFill/>
-        </p:spPr>
-        <p:txBody>
-          <a:bodyPr wrap="square" rtlCol="0">
-            <a:spAutoFit/>
-          </a:bodyPr>
-          <a:lstStyle/>
-          <a:p>
-            <a:r>
-              <a:rPr lang="en-US" sz="1100" dirty="0"/>
-              <a:t>*XYZ coordinates in ECI (J2000) frame</a:t>
-            </a:r>
-          </a:p>
-        </p:txBody>
-      </p:sp>
-      <p:sp>
-        <p:nvSpPr>
-          <p:cNvPr id="15" name="TextBox 14">
-            <a:extLst>
-              <a:ext uri="{FF2B5EF4-FFF2-40B4-BE49-F238E27FC236}">
-                <a16:creationId xmlns:a16="http://schemas.microsoft.com/office/drawing/2014/main" id="{35F8BA8B-02E2-34B6-4B1F-43A91A8A7B7A}"/>
-              </a:ext>
-            </a:extLst>
-          </p:cNvPr>
-          <p:cNvSpPr txBox="1"/>
-          <p:nvPr/>
-        </p:nvSpPr>
-        <p:spPr>
-          <a:xfrm>
-            <a:off x="4114686" y="2737362"/>
-            <a:ext cx="1605394" cy="430887"/>
-          </a:xfrm>
-          <a:prstGeom prst="rect">
-            <a:avLst/>
-          </a:prstGeom>
-          <a:noFill/>
-        </p:spPr>
-        <p:txBody>
-          <a:bodyPr wrap="square" rtlCol="0">
-            <a:spAutoFit/>
-          </a:bodyPr>
-          <a:lstStyle/>
-          <a:p>
-            <a:r>
-              <a:rPr lang="en-US" sz="1100" dirty="0"/>
-              <a:t>*Equivalent orbital elements (osculating)</a:t>
-            </a:r>
-          </a:p>
-        </p:txBody>
-      </p:sp>
-      <p:sp>
-        <p:nvSpPr>
-          <p:cNvPr id="18" name="TextBox 17">
-            <a:extLst>
-              <a:ext uri="{FF2B5EF4-FFF2-40B4-BE49-F238E27FC236}">
-                <a16:creationId xmlns:a16="http://schemas.microsoft.com/office/drawing/2014/main" id="{A9573804-ED92-EAF9-9905-D7CA7ED1D65D}"/>
-              </a:ext>
-            </a:extLst>
-          </p:cNvPr>
-          <p:cNvSpPr txBox="1"/>
-          <p:nvPr/>
-        </p:nvSpPr>
-        <p:spPr>
-          <a:xfrm>
-            <a:off x="2870086" y="2325018"/>
-            <a:ext cx="2773680" cy="261610"/>
-          </a:xfrm>
-          <a:prstGeom prst="rect">
-            <a:avLst/>
-          </a:prstGeom>
-          <a:noFill/>
-        </p:spPr>
-        <p:txBody>
-          <a:bodyPr wrap="square" rtlCol="0">
-            <a:spAutoFit/>
-          </a:bodyPr>
-          <a:lstStyle/>
-          <a:p>
-            <a:r>
-              <a:rPr lang="en-US" sz="1100" dirty="0"/>
-              <a:t>*Mutually updated for state consistency</a:t>
-            </a:r>
-          </a:p>
-        </p:txBody>
-      </p:sp>
-      <p:cxnSp>
-        <p:nvCxnSpPr>
-          <p:cNvPr id="20" name="Straight Arrow Connector 19">
-            <a:extLst>
-              <a:ext uri="{FF2B5EF4-FFF2-40B4-BE49-F238E27FC236}">
-                <a16:creationId xmlns:a16="http://schemas.microsoft.com/office/drawing/2014/main" id="{B354C6F6-FAC0-165A-0E5C-98B03CB50695}"/>
-              </a:ext>
-            </a:extLst>
-          </p:cNvPr>
-          <p:cNvCxnSpPr/>
+          <p:cNvCxnSpPr>
+            <a:cxnSpLocks/>
+          </p:cNvCxnSpPr>
           <p:nvPr/>
         </p:nvCxnSpPr>
         <p:spPr>
-          <a:xfrm flipV="1">
-            <a:off x="2687320" y="2225263"/>
-            <a:ext cx="0" cy="461120"/>
+          <a:xfrm rot="18710357" flipV="1">
+            <a:off x="4372961" y="2342734"/>
+            <a:ext cx="1811663" cy="394863"/>
           </a:xfrm>
           <a:prstGeom prst="straightConnector1">
             <a:avLst/>
           </a:prstGeom>
           <a:ln w="57150">
             <a:solidFill>
-              <a:schemeClr val="tx2">
-                <a:lumMod val="75000"/>
-              </a:schemeClr>
+              <a:srgbClr val="FF01BC"/>
             </a:solidFill>
             <a:tailEnd type="triangle"/>
           </a:ln>
@@ -12442,29 +14914,28 @@
           <p:cNvPr id="23" name="Straight Arrow Connector 22">
             <a:extLst>
               <a:ext uri="{FF2B5EF4-FFF2-40B4-BE49-F238E27FC236}">
-                <a16:creationId xmlns:a16="http://schemas.microsoft.com/office/drawing/2014/main" id="{508959FA-36CA-D1C2-47C5-1D6F110BD3FF}"/>
+                <a16:creationId xmlns:a16="http://schemas.microsoft.com/office/drawing/2014/main" id="{46514AE5-D1B6-5576-AB54-9848A6DEF755}"/>
               </a:ext>
             </a:extLst>
           </p:cNvPr>
-          <p:cNvCxnSpPr/>
+          <p:cNvCxnSpPr>
+            <a:cxnSpLocks/>
+          </p:cNvCxnSpPr>
           <p:nvPr/>
         </p:nvCxnSpPr>
         <p:spPr>
-          <a:xfrm flipV="1">
-            <a:off x="2448560" y="2225263"/>
-            <a:ext cx="0" cy="461120"/>
+          <a:xfrm rot="18710357" flipV="1">
+            <a:off x="4327689" y="2322016"/>
+            <a:ext cx="1812641" cy="438836"/>
           </a:xfrm>
           <a:prstGeom prst="straightConnector1">
             <a:avLst/>
           </a:prstGeom>
           <a:ln w="57150">
             <a:solidFill>
-              <a:schemeClr val="tx2">
-                <a:lumMod val="75000"/>
-              </a:schemeClr>
+              <a:srgbClr val="00B050"/>
             </a:solidFill>
-            <a:headEnd type="triangle" w="med" len="med"/>
-            <a:tailEnd type="none" w="med" len="med"/>
+            <a:tailEnd type="triangle"/>
           </a:ln>
         </p:spPr>
         <p:style>
@@ -12482,813 +14953,100 @@
           </a:fontRef>
         </p:style>
       </p:cxnSp>
-      <p:sp>
-        <p:nvSpPr>
-          <p:cNvPr id="24" name="Rectangle: Rounded Corners 23">
+      <p:cxnSp>
+        <p:nvCxnSpPr>
+          <p:cNvPr id="13" name="Straight Arrow Connector 12">
             <a:extLst>
               <a:ext uri="{FF2B5EF4-FFF2-40B4-BE49-F238E27FC236}">
-                <a16:creationId xmlns:a16="http://schemas.microsoft.com/office/drawing/2014/main" id="{523B4587-7876-2E8A-42F3-1124BD00E80F}"/>
+                <a16:creationId xmlns:a16="http://schemas.microsoft.com/office/drawing/2014/main" id="{18EBC899-D546-ED1B-8C0A-349B1DDD6961}"/>
               </a:ext>
             </a:extLst>
           </p:cNvPr>
-          <p:cNvSpPr/>
+          <p:cNvCxnSpPr>
+            <a:cxnSpLocks/>
+          </p:cNvCxnSpPr>
           <p:nvPr/>
-        </p:nvSpPr>
+        </p:nvCxnSpPr>
         <p:spPr>
-          <a:xfrm>
-            <a:off x="6518224" y="1638531"/>
-            <a:ext cx="2152738" cy="383608"/>
+          <a:xfrm rot="18710357" flipV="1">
+            <a:off x="4070331" y="1850982"/>
+            <a:ext cx="1129542" cy="1349124"/>
           </a:xfrm>
-          <a:prstGeom prst="roundRect">
-            <a:avLst>
-              <a:gd name="adj" fmla="val 21721"/>
-            </a:avLst>
+          <a:prstGeom prst="straightConnector1">
+            <a:avLst/>
           </a:prstGeom>
-          <a:solidFill>
-            <a:schemeClr val="tx2">
-              <a:lumMod val="75000"/>
-            </a:schemeClr>
-          </a:solidFill>
-          <a:ln w="28575">
+          <a:ln w="57150">
             <a:solidFill>
-              <a:schemeClr val="tx2">
-                <a:lumMod val="75000"/>
-              </a:schemeClr>
+              <a:srgbClr val="1122FF"/>
             </a:solidFill>
+            <a:tailEnd type="triangle"/>
           </a:ln>
         </p:spPr>
         <p:style>
-          <a:lnRef idx="2">
-            <a:schemeClr val="accent1">
-              <a:shade val="15000"/>
-            </a:schemeClr>
+          <a:lnRef idx="1">
+            <a:schemeClr val="accent1"/>
           </a:lnRef>
-          <a:fillRef idx="1">
+          <a:fillRef idx="0">
             <a:schemeClr val="accent1"/>
           </a:fillRef>
           <a:effectRef idx="0">
             <a:schemeClr val="accent1"/>
           </a:effectRef>
           <a:fontRef idx="minor">
-            <a:schemeClr val="lt1"/>
+            <a:schemeClr val="tx1"/>
           </a:fontRef>
         </p:style>
-        <p:txBody>
-          <a:bodyPr rtlCol="0" anchor="ctr"/>
-          <a:lstStyle/>
-          <a:p>
-            <a:pPr algn="ctr"/>
-            <a:r>
-              <a:rPr lang="en-US" sz="1600" b="0" dirty="0" err="1">
-                <a:solidFill>
-                  <a:srgbClr val="4EC9B0"/>
-                </a:solidFill>
-                <a:effectLst/>
-                <a:latin typeface="Consolas" panose="020B0609020204030204" pitchFamily="49" charset="0"/>
-              </a:rPr>
-              <a:t>Spacecraft.attBN</a:t>
-            </a:r>
-            <a:endParaRPr lang="en-US" sz="1600" dirty="0">
-              <a:solidFill>
-                <a:schemeClr val="tx1"/>
-              </a:solidFill>
-            </a:endParaRPr>
-          </a:p>
-        </p:txBody>
-      </p:sp>
-      <p:sp>
-        <p:nvSpPr>
-          <p:cNvPr id="25" name="Rectangle: Rounded Corners 24">
+      </p:cxnSp>
+      <p:cxnSp>
+        <p:nvCxnSpPr>
+          <p:cNvPr id="14" name="Straight Arrow Connector 13">
             <a:extLst>
               <a:ext uri="{FF2B5EF4-FFF2-40B4-BE49-F238E27FC236}">
-                <a16:creationId xmlns:a16="http://schemas.microsoft.com/office/drawing/2014/main" id="{0AA33B33-6D43-A880-AE39-DA13E32968E3}"/>
+                <a16:creationId xmlns:a16="http://schemas.microsoft.com/office/drawing/2014/main" id="{6FCABFB3-F48F-4FA6-068D-15409EB94EDD}"/>
               </a:ext>
             </a:extLst>
           </p:cNvPr>
-          <p:cNvSpPr/>
+          <p:cNvCxnSpPr>
+            <a:cxnSpLocks/>
+          </p:cNvCxnSpPr>
           <p:nvPr/>
-        </p:nvSpPr>
+        </p:nvCxnSpPr>
         <p:spPr>
-          <a:xfrm>
-            <a:off x="6518224" y="2566195"/>
-            <a:ext cx="2152738" cy="383608"/>
+          <a:xfrm rot="18710357" flipH="1" flipV="1">
+            <a:off x="3199910" y="2737115"/>
+            <a:ext cx="1292120" cy="1347303"/>
           </a:xfrm>
-          <a:prstGeom prst="roundRect">
-            <a:avLst>
-              <a:gd name="adj" fmla="val 21721"/>
-            </a:avLst>
+          <a:prstGeom prst="straightConnector1">
+            <a:avLst/>
           </a:prstGeom>
-          <a:solidFill>
-            <a:schemeClr val="tx2">
-              <a:lumMod val="75000"/>
-            </a:schemeClr>
-          </a:solidFill>
-          <a:ln w="28575">
+          <a:ln w="57150">
             <a:solidFill>
-              <a:schemeClr val="tx2">
-                <a:lumMod val="75000"/>
-              </a:schemeClr>
+              <a:srgbClr val="C00000"/>
             </a:solidFill>
+            <a:tailEnd type="triangle"/>
           </a:ln>
         </p:spPr>
         <p:style>
-          <a:lnRef idx="2">
-            <a:schemeClr val="accent1">
-              <a:shade val="15000"/>
-            </a:schemeClr>
+          <a:lnRef idx="1">
+            <a:schemeClr val="accent1"/>
           </a:lnRef>
-          <a:fillRef idx="1">
+          <a:fillRef idx="0">
             <a:schemeClr val="accent1"/>
           </a:fillRef>
           <a:effectRef idx="0">
             <a:schemeClr val="accent1"/>
           </a:effectRef>
           <a:fontRef idx="minor">
-            <a:schemeClr val="lt1"/>
+            <a:schemeClr val="tx1"/>
           </a:fontRef>
         </p:style>
-        <p:txBody>
-          <a:bodyPr rtlCol="0" anchor="ctr"/>
-          <a:lstStyle/>
-          <a:p>
-            <a:pPr algn="ctr"/>
-            <a:r>
-              <a:rPr lang="en-US" sz="1600" b="0" dirty="0" err="1">
-                <a:solidFill>
-                  <a:srgbClr val="4EC9B0"/>
-                </a:solidFill>
-                <a:effectLst/>
-                <a:latin typeface="Consolas" panose="020B0609020204030204" pitchFamily="49" charset="0"/>
-              </a:rPr>
-              <a:t>Spacecraft.attBR</a:t>
-            </a:r>
-            <a:endParaRPr lang="en-US" sz="1600" dirty="0">
-              <a:solidFill>
-                <a:schemeClr val="tx1"/>
-              </a:solidFill>
-            </a:endParaRPr>
-          </a:p>
-        </p:txBody>
-      </p:sp>
-      <p:sp>
-        <p:nvSpPr>
-          <p:cNvPr id="27" name="Rectangle: Rounded Corners 26">
+      </p:cxnSp>
+      <p:grpSp>
+        <p:nvGrpSpPr>
+          <p:cNvPr id="11" name="Group 10">
             <a:extLst>
               <a:ext uri="{FF2B5EF4-FFF2-40B4-BE49-F238E27FC236}">
-                <a16:creationId xmlns:a16="http://schemas.microsoft.com/office/drawing/2014/main" id="{CEE7D1B3-6409-5C6C-1D88-1F54A0ED612B}"/>
-              </a:ext>
-            </a:extLst>
-          </p:cNvPr>
-          <p:cNvSpPr/>
-          <p:nvPr/>
-        </p:nvSpPr>
-        <p:spPr>
-          <a:xfrm>
-            <a:off x="8990313" y="1638531"/>
-            <a:ext cx="2152738" cy="383608"/>
-          </a:xfrm>
-          <a:prstGeom prst="roundRect">
-            <a:avLst>
-              <a:gd name="adj" fmla="val 21721"/>
-            </a:avLst>
-          </a:prstGeom>
-          <a:solidFill>
-            <a:schemeClr val="tx2">
-              <a:lumMod val="75000"/>
-            </a:schemeClr>
-          </a:solidFill>
-          <a:ln w="28575">
-            <a:solidFill>
-              <a:schemeClr val="tx2">
-                <a:lumMod val="75000"/>
-              </a:schemeClr>
-            </a:solidFill>
-          </a:ln>
-        </p:spPr>
-        <p:style>
-          <a:lnRef idx="2">
-            <a:schemeClr val="accent1">
-              <a:shade val="15000"/>
-            </a:schemeClr>
-          </a:lnRef>
-          <a:fillRef idx="1">
-            <a:schemeClr val="accent1"/>
-          </a:fillRef>
-          <a:effectRef idx="0">
-            <a:schemeClr val="accent1"/>
-          </a:effectRef>
-          <a:fontRef idx="minor">
-            <a:schemeClr val="lt1"/>
-          </a:fontRef>
-        </p:style>
-        <p:txBody>
-          <a:bodyPr rtlCol="0" anchor="ctr"/>
-          <a:lstStyle/>
-          <a:p>
-            <a:pPr algn="ctr"/>
-            <a:r>
-              <a:rPr lang="en-US" sz="1600" b="0" dirty="0" err="1">
-                <a:solidFill>
-                  <a:srgbClr val="4EC9B0"/>
-                </a:solidFill>
-                <a:effectLst/>
-                <a:latin typeface="Consolas" panose="020B0609020204030204" pitchFamily="49" charset="0"/>
-              </a:rPr>
-              <a:t>Spacecraft.ohmBN</a:t>
-            </a:r>
-            <a:endParaRPr lang="en-US" sz="1600" dirty="0">
-              <a:solidFill>
-                <a:schemeClr val="tx1"/>
-              </a:solidFill>
-            </a:endParaRPr>
-          </a:p>
-        </p:txBody>
-      </p:sp>
-      <p:sp>
-        <p:nvSpPr>
-          <p:cNvPr id="28" name="Rectangle: Rounded Corners 27">
-            <a:extLst>
-              <a:ext uri="{FF2B5EF4-FFF2-40B4-BE49-F238E27FC236}">
-                <a16:creationId xmlns:a16="http://schemas.microsoft.com/office/drawing/2014/main" id="{13336F2A-5265-CB0D-F42D-3ECAE5B98CCE}"/>
-              </a:ext>
-            </a:extLst>
-          </p:cNvPr>
-          <p:cNvSpPr/>
-          <p:nvPr/>
-        </p:nvSpPr>
-        <p:spPr>
-          <a:xfrm>
-            <a:off x="8990313" y="2566195"/>
-            <a:ext cx="2152738" cy="383608"/>
-          </a:xfrm>
-          <a:prstGeom prst="roundRect">
-            <a:avLst>
-              <a:gd name="adj" fmla="val 21721"/>
-            </a:avLst>
-          </a:prstGeom>
-          <a:solidFill>
-            <a:schemeClr val="tx2">
-              <a:lumMod val="75000"/>
-            </a:schemeClr>
-          </a:solidFill>
-          <a:ln w="28575">
-            <a:solidFill>
-              <a:schemeClr val="tx2">
-                <a:lumMod val="75000"/>
-              </a:schemeClr>
-            </a:solidFill>
-          </a:ln>
-        </p:spPr>
-        <p:style>
-          <a:lnRef idx="2">
-            <a:schemeClr val="accent1">
-              <a:shade val="15000"/>
-            </a:schemeClr>
-          </a:lnRef>
-          <a:fillRef idx="1">
-            <a:schemeClr val="accent1"/>
-          </a:fillRef>
-          <a:effectRef idx="0">
-            <a:schemeClr val="accent1"/>
-          </a:effectRef>
-          <a:fontRef idx="minor">
-            <a:schemeClr val="lt1"/>
-          </a:fontRef>
-        </p:style>
-        <p:txBody>
-          <a:bodyPr rtlCol="0" anchor="ctr"/>
-          <a:lstStyle/>
-          <a:p>
-            <a:pPr algn="ctr"/>
-            <a:r>
-              <a:rPr lang="en-US" sz="1600" b="0" dirty="0" err="1">
-                <a:solidFill>
-                  <a:srgbClr val="4EC9B0"/>
-                </a:solidFill>
-                <a:effectLst/>
-                <a:latin typeface="Consolas" panose="020B0609020204030204" pitchFamily="49" charset="0"/>
-              </a:rPr>
-              <a:t>Spacecraft.ohmBR</a:t>
-            </a:r>
-            <a:endParaRPr lang="en-US" sz="1600" dirty="0">
-              <a:solidFill>
-                <a:schemeClr val="tx1"/>
-              </a:solidFill>
-            </a:endParaRPr>
-          </a:p>
-        </p:txBody>
-      </p:sp>
-      <p:sp>
-        <p:nvSpPr>
-          <p:cNvPr id="30" name="TextBox 29">
-            <a:extLst>
-              <a:ext uri="{FF2B5EF4-FFF2-40B4-BE49-F238E27FC236}">
-                <a16:creationId xmlns:a16="http://schemas.microsoft.com/office/drawing/2014/main" id="{1D8AF4CF-7822-B53E-05AA-691A5E13DADD}"/>
-              </a:ext>
-            </a:extLst>
-          </p:cNvPr>
-          <p:cNvSpPr txBox="1"/>
-          <p:nvPr/>
-        </p:nvSpPr>
-        <p:spPr>
-          <a:xfrm>
-            <a:off x="6583673" y="2022139"/>
-            <a:ext cx="2021840" cy="461665"/>
-          </a:xfrm>
-          <a:prstGeom prst="rect">
-            <a:avLst/>
-          </a:prstGeom>
-          <a:noFill/>
-        </p:spPr>
-        <p:txBody>
-          <a:bodyPr wrap="square" rtlCol="0">
-            <a:spAutoFit/>
-          </a:bodyPr>
-          <a:lstStyle/>
-          <a:p>
-            <a:pPr algn="ctr"/>
-            <a:r>
-              <a:rPr lang="en-US" sz="1200" dirty="0"/>
-              <a:t>*Body to inertial attitude (coordinate agnostic)</a:t>
-            </a:r>
-          </a:p>
-        </p:txBody>
-      </p:sp>
-      <p:sp>
-        <p:nvSpPr>
-          <p:cNvPr id="31" name="TextBox 30">
-            <a:extLst>
-              <a:ext uri="{FF2B5EF4-FFF2-40B4-BE49-F238E27FC236}">
-                <a16:creationId xmlns:a16="http://schemas.microsoft.com/office/drawing/2014/main" id="{F7431ADD-5B34-E9E6-779B-64F14DE7D70C}"/>
-              </a:ext>
-            </a:extLst>
-          </p:cNvPr>
-          <p:cNvSpPr txBox="1"/>
-          <p:nvPr/>
-        </p:nvSpPr>
-        <p:spPr>
-          <a:xfrm>
-            <a:off x="9055762" y="2022139"/>
-            <a:ext cx="2021840" cy="461665"/>
-          </a:xfrm>
-          <a:prstGeom prst="rect">
-            <a:avLst/>
-          </a:prstGeom>
-          <a:noFill/>
-        </p:spPr>
-        <p:txBody>
-          <a:bodyPr wrap="square" rtlCol="0">
-            <a:spAutoFit/>
-          </a:bodyPr>
-          <a:lstStyle/>
-          <a:p>
-            <a:pPr algn="ctr"/>
-            <a:r>
-              <a:rPr lang="en-US" sz="1200" dirty="0"/>
-              <a:t>*Body to inertial angular velocity (body-frame)</a:t>
-            </a:r>
-          </a:p>
-        </p:txBody>
-      </p:sp>
-      <p:sp>
-        <p:nvSpPr>
-          <p:cNvPr id="32" name="TextBox 31">
-            <a:extLst>
-              <a:ext uri="{FF2B5EF4-FFF2-40B4-BE49-F238E27FC236}">
-                <a16:creationId xmlns:a16="http://schemas.microsoft.com/office/drawing/2014/main" id="{EB7CC730-62FF-599B-D714-72A853923281}"/>
-              </a:ext>
-            </a:extLst>
-          </p:cNvPr>
-          <p:cNvSpPr txBox="1"/>
-          <p:nvPr/>
-        </p:nvSpPr>
-        <p:spPr>
-          <a:xfrm>
-            <a:off x="6583673" y="2992735"/>
-            <a:ext cx="2021840" cy="461665"/>
-          </a:xfrm>
-          <a:prstGeom prst="rect">
-            <a:avLst/>
-          </a:prstGeom>
-          <a:noFill/>
-        </p:spPr>
-        <p:txBody>
-          <a:bodyPr wrap="square" rtlCol="0">
-            <a:spAutoFit/>
-          </a:bodyPr>
-          <a:lstStyle/>
-          <a:p>
-            <a:pPr algn="ctr"/>
-            <a:r>
-              <a:rPr lang="en-US" sz="1200" dirty="0"/>
-              <a:t>*Body to reference attitude (coordinate agnostic)</a:t>
-            </a:r>
-          </a:p>
-        </p:txBody>
-      </p:sp>
-      <p:sp>
-        <p:nvSpPr>
-          <p:cNvPr id="33" name="TextBox 32">
-            <a:extLst>
-              <a:ext uri="{FF2B5EF4-FFF2-40B4-BE49-F238E27FC236}">
-                <a16:creationId xmlns:a16="http://schemas.microsoft.com/office/drawing/2014/main" id="{87743F7E-BF67-2E5A-96AE-41703D59C83D}"/>
-              </a:ext>
-            </a:extLst>
-          </p:cNvPr>
-          <p:cNvSpPr txBox="1"/>
-          <p:nvPr/>
-        </p:nvSpPr>
-        <p:spPr>
-          <a:xfrm>
-            <a:off x="9055762" y="2992735"/>
-            <a:ext cx="2021840" cy="461665"/>
-          </a:xfrm>
-          <a:prstGeom prst="rect">
-            <a:avLst/>
-          </a:prstGeom>
-          <a:noFill/>
-        </p:spPr>
-        <p:txBody>
-          <a:bodyPr wrap="square" rtlCol="0">
-            <a:spAutoFit/>
-          </a:bodyPr>
-          <a:lstStyle/>
-          <a:p>
-            <a:pPr algn="ctr"/>
-            <a:r>
-              <a:rPr lang="en-US" sz="1200" dirty="0"/>
-              <a:t>*Body to reference angular velocity (body-frame)</a:t>
-            </a:r>
-          </a:p>
-        </p:txBody>
-      </p:sp>
-      <p:sp>
-        <p:nvSpPr>
-          <p:cNvPr id="34" name="Rectangle: Rounded Corners 33">
-            <a:extLst>
-              <a:ext uri="{FF2B5EF4-FFF2-40B4-BE49-F238E27FC236}">
-                <a16:creationId xmlns:a16="http://schemas.microsoft.com/office/drawing/2014/main" id="{37D9AA19-7721-BA31-75EB-532BEB41F3F3}"/>
-              </a:ext>
-            </a:extLst>
-          </p:cNvPr>
-          <p:cNvSpPr/>
-          <p:nvPr/>
-        </p:nvSpPr>
-        <p:spPr>
-          <a:xfrm>
-            <a:off x="672957" y="3901231"/>
-            <a:ext cx="5234683" cy="2353168"/>
-          </a:xfrm>
-          <a:prstGeom prst="roundRect">
-            <a:avLst>
-              <a:gd name="adj" fmla="val 5761"/>
-            </a:avLst>
-          </a:prstGeom>
-          <a:solidFill>
-            <a:schemeClr val="tx2">
-              <a:lumMod val="20000"/>
-              <a:lumOff val="80000"/>
-            </a:schemeClr>
-          </a:solidFill>
-          <a:ln w="28575">
-            <a:solidFill>
-              <a:schemeClr val="tx2">
-                <a:lumMod val="75000"/>
-              </a:schemeClr>
-            </a:solidFill>
-          </a:ln>
-        </p:spPr>
-        <p:style>
-          <a:lnRef idx="2">
-            <a:schemeClr val="accent1">
-              <a:shade val="15000"/>
-            </a:schemeClr>
-          </a:lnRef>
-          <a:fillRef idx="1">
-            <a:schemeClr val="accent1"/>
-          </a:fillRef>
-          <a:effectRef idx="0">
-            <a:schemeClr val="accent1"/>
-          </a:effectRef>
-          <a:fontRef idx="minor">
-            <a:schemeClr val="lt1"/>
-          </a:fontRef>
-        </p:style>
-        <p:txBody>
-          <a:bodyPr rtlCol="0" anchor="ctr"/>
-          <a:lstStyle/>
-          <a:p>
-            <a:pPr algn="ctr"/>
-            <a:r>
-              <a:rPr lang="en-US" b="1" dirty="0">
-                <a:solidFill>
-                  <a:schemeClr val="tx1"/>
-                </a:solidFill>
-              </a:rPr>
-              <a:t>ORBIT PROPAGATION METHODS</a:t>
-            </a:r>
-          </a:p>
-          <a:p>
-            <a:pPr algn="ctr"/>
-            <a:endParaRPr lang="en-US" b="1" dirty="0">
-              <a:solidFill>
-                <a:schemeClr val="tx1"/>
-              </a:solidFill>
-            </a:endParaRPr>
-          </a:p>
-          <a:p>
-            <a:pPr algn="ctr"/>
-            <a:endParaRPr lang="en-US" b="1" dirty="0">
-              <a:solidFill>
-                <a:schemeClr val="tx1"/>
-              </a:solidFill>
-            </a:endParaRPr>
-          </a:p>
-          <a:p>
-            <a:pPr algn="ctr"/>
-            <a:endParaRPr lang="en-US" b="1" dirty="0">
-              <a:solidFill>
-                <a:schemeClr val="tx1"/>
-              </a:solidFill>
-            </a:endParaRPr>
-          </a:p>
-          <a:p>
-            <a:pPr algn="ctr"/>
-            <a:endParaRPr lang="en-US" b="1" dirty="0">
-              <a:solidFill>
-                <a:schemeClr val="tx1"/>
-              </a:solidFill>
-            </a:endParaRPr>
-          </a:p>
-          <a:p>
-            <a:pPr algn="ctr"/>
-            <a:endParaRPr lang="en-US" b="1" dirty="0">
-              <a:solidFill>
-                <a:schemeClr val="tx1"/>
-              </a:solidFill>
-            </a:endParaRPr>
-          </a:p>
-          <a:p>
-            <a:pPr algn="ctr"/>
-            <a:endParaRPr lang="en-US" b="1" dirty="0">
-              <a:solidFill>
-                <a:schemeClr val="tx1"/>
-              </a:solidFill>
-            </a:endParaRPr>
-          </a:p>
-          <a:p>
-            <a:pPr algn="ctr"/>
-            <a:endParaRPr lang="en-US" b="1" dirty="0">
-              <a:solidFill>
-                <a:schemeClr val="tx1"/>
-              </a:solidFill>
-            </a:endParaRPr>
-          </a:p>
-        </p:txBody>
-      </p:sp>
-      <p:sp>
-        <p:nvSpPr>
-          <p:cNvPr id="35" name="Rectangle: Rounded Corners 34">
-            <a:extLst>
-              <a:ext uri="{FF2B5EF4-FFF2-40B4-BE49-F238E27FC236}">
-                <a16:creationId xmlns:a16="http://schemas.microsoft.com/office/drawing/2014/main" id="{0F1A1E69-F15E-C14A-325F-7DDAB5975295}"/>
-              </a:ext>
-            </a:extLst>
-          </p:cNvPr>
-          <p:cNvSpPr/>
-          <p:nvPr/>
-        </p:nvSpPr>
-        <p:spPr>
-          <a:xfrm>
-            <a:off x="6147459" y="3895321"/>
-            <a:ext cx="5234683" cy="1912038"/>
-          </a:xfrm>
-          <a:prstGeom prst="roundRect">
-            <a:avLst>
-              <a:gd name="adj" fmla="val 5761"/>
-            </a:avLst>
-          </a:prstGeom>
-          <a:solidFill>
-            <a:schemeClr val="tx2">
-              <a:lumMod val="20000"/>
-              <a:lumOff val="80000"/>
-            </a:schemeClr>
-          </a:solidFill>
-          <a:ln w="28575">
-            <a:solidFill>
-              <a:schemeClr val="tx2">
-                <a:lumMod val="75000"/>
-              </a:schemeClr>
-            </a:solidFill>
-          </a:ln>
-        </p:spPr>
-        <p:style>
-          <a:lnRef idx="2">
-            <a:schemeClr val="accent1">
-              <a:shade val="15000"/>
-            </a:schemeClr>
-          </a:lnRef>
-          <a:fillRef idx="1">
-            <a:schemeClr val="accent1"/>
-          </a:fillRef>
-          <a:effectRef idx="0">
-            <a:schemeClr val="accent1"/>
-          </a:effectRef>
-          <a:fontRef idx="minor">
-            <a:schemeClr val="lt1"/>
-          </a:fontRef>
-        </p:style>
-        <p:txBody>
-          <a:bodyPr rtlCol="0" anchor="ctr"/>
-          <a:lstStyle/>
-          <a:p>
-            <a:pPr algn="ctr"/>
-            <a:r>
-              <a:rPr lang="en-US" b="1" dirty="0">
-                <a:solidFill>
-                  <a:schemeClr val="tx1"/>
-                </a:solidFill>
-              </a:rPr>
-              <a:t>ATTITUDE PROPAGATION METHOD</a:t>
-            </a:r>
-          </a:p>
-          <a:p>
-            <a:pPr algn="ctr"/>
-            <a:endParaRPr lang="en-US" b="1" dirty="0">
-              <a:solidFill>
-                <a:schemeClr val="tx1"/>
-              </a:solidFill>
-            </a:endParaRPr>
-          </a:p>
-          <a:p>
-            <a:pPr algn="ctr"/>
-            <a:endParaRPr lang="en-US" b="1" dirty="0">
-              <a:solidFill>
-                <a:schemeClr val="tx1"/>
-              </a:solidFill>
-            </a:endParaRPr>
-          </a:p>
-          <a:p>
-            <a:pPr algn="ctr"/>
-            <a:endParaRPr lang="en-US" b="1" dirty="0">
-              <a:solidFill>
-                <a:schemeClr val="tx1"/>
-              </a:solidFill>
-            </a:endParaRPr>
-          </a:p>
-          <a:p>
-            <a:pPr algn="ctr"/>
-            <a:endParaRPr lang="en-US" b="1" dirty="0">
-              <a:solidFill>
-                <a:schemeClr val="tx1"/>
-              </a:solidFill>
-            </a:endParaRPr>
-          </a:p>
-          <a:p>
-            <a:pPr algn="ctr"/>
-            <a:endParaRPr lang="en-US" b="1" dirty="0">
-              <a:solidFill>
-                <a:schemeClr val="tx1"/>
-              </a:solidFill>
-            </a:endParaRPr>
-          </a:p>
-        </p:txBody>
-      </p:sp>
-      <p:sp>
-        <p:nvSpPr>
-          <p:cNvPr id="36" name="Rectangle: Rounded Corners 35">
-            <a:extLst>
-              <a:ext uri="{FF2B5EF4-FFF2-40B4-BE49-F238E27FC236}">
-                <a16:creationId xmlns:a16="http://schemas.microsoft.com/office/drawing/2014/main" id="{CE3BE201-6211-98C7-8008-DCC90D971F16}"/>
-              </a:ext>
-            </a:extLst>
-          </p:cNvPr>
-          <p:cNvSpPr/>
-          <p:nvPr/>
-        </p:nvSpPr>
-        <p:spPr>
-          <a:xfrm>
-            <a:off x="925417" y="4407701"/>
-            <a:ext cx="4718347" cy="457589"/>
-          </a:xfrm>
-          <a:prstGeom prst="roundRect">
-            <a:avLst>
-              <a:gd name="adj" fmla="val 21721"/>
-            </a:avLst>
-          </a:prstGeom>
-          <a:solidFill>
-            <a:schemeClr val="tx2">
-              <a:lumMod val="75000"/>
-            </a:schemeClr>
-          </a:solidFill>
-          <a:ln w="28575">
-            <a:solidFill>
-              <a:schemeClr val="tx2">
-                <a:lumMod val="75000"/>
-              </a:schemeClr>
-            </a:solidFill>
-          </a:ln>
-        </p:spPr>
-        <p:style>
-          <a:lnRef idx="2">
-            <a:schemeClr val="accent1">
-              <a:shade val="15000"/>
-            </a:schemeClr>
-          </a:lnRef>
-          <a:fillRef idx="1">
-            <a:schemeClr val="accent1"/>
-          </a:fillRef>
-          <a:effectRef idx="0">
-            <a:schemeClr val="accent1"/>
-          </a:effectRef>
-          <a:fontRef idx="minor">
-            <a:schemeClr val="lt1"/>
-          </a:fontRef>
-        </p:style>
-        <p:txBody>
-          <a:bodyPr rtlCol="0" anchor="ctr"/>
-          <a:lstStyle/>
-          <a:p>
-            <a:pPr algn="ctr"/>
-            <a:r>
-              <a:rPr lang="en-US" sz="1600" b="0" dirty="0" err="1">
-                <a:solidFill>
-                  <a:srgbClr val="4EC9B0"/>
-                </a:solidFill>
-                <a:effectLst/>
-                <a:latin typeface="Consolas" panose="020B0609020204030204" pitchFamily="49" charset="0"/>
-              </a:rPr>
-              <a:t>Spacecraft.</a:t>
-            </a:r>
-            <a:r>
-              <a:rPr lang="en-US" sz="1600" b="0" dirty="0" err="1">
-                <a:solidFill>
-                  <a:srgbClr val="DCDCAA"/>
-                </a:solidFill>
-                <a:effectLst/>
-                <a:latin typeface="Consolas" panose="020B0609020204030204" pitchFamily="49" charset="0"/>
-              </a:rPr>
-              <a:t>propagate_orbit</a:t>
-            </a:r>
-            <a:r>
-              <a:rPr lang="en-US" sz="1600" b="0" dirty="0">
-                <a:solidFill>
-                  <a:srgbClr val="CCCCCC"/>
-                </a:solidFill>
-                <a:effectLst/>
-                <a:latin typeface="Consolas" panose="020B0609020204030204" pitchFamily="49" charset="0"/>
-              </a:rPr>
-              <a:t>(</a:t>
-            </a:r>
-            <a:r>
-              <a:rPr lang="en-US" sz="1600" b="0" dirty="0">
-                <a:solidFill>
-                  <a:srgbClr val="37FF91"/>
-                </a:solidFill>
-                <a:effectLst/>
-                <a:latin typeface="Consolas" panose="020B0609020204030204" pitchFamily="49" charset="0"/>
-              </a:rPr>
-              <a:t>self</a:t>
-            </a:r>
-            <a:r>
-              <a:rPr lang="en-US" sz="1600" b="0" dirty="0">
-                <a:solidFill>
-                  <a:srgbClr val="CCCCCC"/>
-                </a:solidFill>
-                <a:effectLst/>
-                <a:latin typeface="Consolas" panose="020B0609020204030204" pitchFamily="49" charset="0"/>
-              </a:rPr>
-              <a:t>, </a:t>
-            </a:r>
-            <a:r>
-              <a:rPr lang="en-US" sz="1600" b="0" dirty="0">
-                <a:solidFill>
-                  <a:srgbClr val="9CDCFE"/>
-                </a:solidFill>
-                <a:effectLst/>
-                <a:latin typeface="Consolas" panose="020B0609020204030204" pitchFamily="49" charset="0"/>
-              </a:rPr>
-              <a:t>dt</a:t>
-            </a:r>
-            <a:r>
-              <a:rPr lang="en-US" sz="1600" b="0" dirty="0">
-                <a:solidFill>
-                  <a:srgbClr val="CCCCCC"/>
-                </a:solidFill>
-                <a:effectLst/>
-                <a:latin typeface="Consolas" panose="020B0609020204030204" pitchFamily="49" charset="0"/>
-              </a:rPr>
-              <a:t>)</a:t>
-            </a:r>
-          </a:p>
-        </p:txBody>
-      </p:sp>
-      <p:grpSp>
-        <p:nvGrpSpPr>
-          <p:cNvPr id="39" name="Group 38">
-            <a:extLst>
-              <a:ext uri="{FF2B5EF4-FFF2-40B4-BE49-F238E27FC236}">
-                <a16:creationId xmlns:a16="http://schemas.microsoft.com/office/drawing/2014/main" id="{D9C99BE5-D747-C3A7-1431-86CCD39BD11D}"/>
+                <a16:creationId xmlns:a16="http://schemas.microsoft.com/office/drawing/2014/main" id="{4FE65ADD-F0D0-B799-AAF8-7255A5BB35B6}"/>
               </a:ext>
             </a:extLst>
           </p:cNvPr>
@@ -13296,669 +15054,109 @@
           <p:nvPr/>
         </p:nvGrpSpPr>
         <p:grpSpPr>
-          <a:xfrm>
-            <a:off x="3051538" y="3619433"/>
-            <a:ext cx="238760" cy="281798"/>
-            <a:chOff x="3361356" y="3359664"/>
-            <a:chExt cx="238760" cy="461120"/>
+          <a:xfrm rot="18710357">
+            <a:off x="4600423" y="3158559"/>
+            <a:ext cx="293081" cy="293079"/>
+            <a:chOff x="6096000" y="1864501"/>
+            <a:chExt cx="343816" cy="343814"/>
           </a:xfrm>
         </p:grpSpPr>
-        <p:cxnSp>
-          <p:nvCxnSpPr>
-            <p:cNvPr id="37" name="Straight Arrow Connector 36">
+        <p:sp>
+          <p:nvSpPr>
+            <p:cNvPr id="9" name="Oval 8">
               <a:extLst>
                 <a:ext uri="{FF2B5EF4-FFF2-40B4-BE49-F238E27FC236}">
-                  <a16:creationId xmlns:a16="http://schemas.microsoft.com/office/drawing/2014/main" id="{883A1751-A0E1-16F0-B1F5-412A92109E3A}"/>
+                  <a16:creationId xmlns:a16="http://schemas.microsoft.com/office/drawing/2014/main" id="{1B41C9F0-D3A9-65BA-06E4-35149F8FB04B}"/>
                 </a:ext>
               </a:extLst>
             </p:cNvPr>
-            <p:cNvCxnSpPr/>
+            <p:cNvSpPr/>
             <p:nvPr/>
-          </p:nvCxnSpPr>
+          </p:nvSpPr>
           <p:spPr>
-            <a:xfrm flipV="1">
-              <a:off x="3600116" y="3359664"/>
-              <a:ext cx="0" cy="461120"/>
+            <a:xfrm>
+              <a:off x="6112893" y="1881384"/>
+              <a:ext cx="310049" cy="310049"/>
             </a:xfrm>
-            <a:prstGeom prst="straightConnector1">
+            <a:prstGeom prst="ellipse">
               <a:avLst/>
             </a:prstGeom>
-            <a:ln w="57150">
-              <a:solidFill>
-                <a:schemeClr val="tx2">
-                  <a:lumMod val="20000"/>
-                  <a:lumOff val="80000"/>
-                </a:schemeClr>
-              </a:solidFill>
-              <a:tailEnd type="triangle"/>
+            <a:solidFill>
+              <a:srgbClr val="00B050"/>
+            </a:solidFill>
+            <a:ln w="28575">
+              <a:noFill/>
             </a:ln>
           </p:spPr>
           <p:style>
-            <a:lnRef idx="1">
-              <a:schemeClr val="accent1"/>
+            <a:lnRef idx="2">
+              <a:schemeClr val="accent1">
+                <a:shade val="15000"/>
+              </a:schemeClr>
             </a:lnRef>
-            <a:fillRef idx="0">
+            <a:fillRef idx="1">
               <a:schemeClr val="accent1"/>
             </a:fillRef>
             <a:effectRef idx="0">
               <a:schemeClr val="accent1"/>
             </a:effectRef>
             <a:fontRef idx="minor">
-              <a:schemeClr val="tx1"/>
+              <a:schemeClr val="lt1"/>
             </a:fontRef>
           </p:style>
-        </p:cxnSp>
-        <p:cxnSp>
-          <p:nvCxnSpPr>
-            <p:cNvPr id="38" name="Straight Arrow Connector 37">
+          <p:txBody>
+            <a:bodyPr rtlCol="0" anchor="ctr"/>
+            <a:lstStyle/>
+            <a:p>
+              <a:pPr algn="ctr"/>
+              <a:endParaRPr lang="en-US"/>
+            </a:p>
+          </p:txBody>
+        </p:sp>
+        <p:pic>
+          <p:nvPicPr>
+            <p:cNvPr id="10" name="Picture 9">
               <a:extLst>
                 <a:ext uri="{FF2B5EF4-FFF2-40B4-BE49-F238E27FC236}">
-                  <a16:creationId xmlns:a16="http://schemas.microsoft.com/office/drawing/2014/main" id="{D3EDF14B-2076-3A03-FDD4-DE2EA86E9F1C}"/>
+                  <a16:creationId xmlns:a16="http://schemas.microsoft.com/office/drawing/2014/main" id="{60385A72-8399-EAE5-E78F-B9B91C4BFA2F}"/>
                 </a:ext>
               </a:extLst>
             </p:cNvPr>
-            <p:cNvCxnSpPr/>
+            <p:cNvPicPr>
+              <a:picLocks noChangeAspect="1"/>
+            </p:cNvPicPr>
             <p:nvPr/>
-          </p:nvCxnSpPr>
+          </p:nvPicPr>
+          <p:blipFill>
+            <a:blip r:embed="rId9">
+              <a:extLst>
+                <a:ext uri="{28A0092B-C50C-407E-A947-70E740481C1C}">
+                  <a14:useLocalDpi xmlns:a14="http://schemas.microsoft.com/office/drawing/2010/main" val="0"/>
+                </a:ext>
+              </a:extLst>
+            </a:blip>
+            <a:stretch>
+              <a:fillRect/>
+            </a:stretch>
+          </p:blipFill>
           <p:spPr>
-            <a:xfrm flipV="1">
-              <a:off x="3361356" y="3359664"/>
-              <a:ext cx="0" cy="461120"/>
+            <a:xfrm>
+              <a:off x="6096000" y="1864501"/>
+              <a:ext cx="343816" cy="343814"/>
             </a:xfrm>
-            <a:prstGeom prst="straightConnector1">
+            <a:prstGeom prst="rect">
               <a:avLst/>
             </a:prstGeom>
-            <a:ln w="57150">
-              <a:solidFill>
-                <a:schemeClr val="tx2">
-                  <a:lumMod val="20000"/>
-                  <a:lumOff val="80000"/>
-                </a:schemeClr>
-              </a:solidFill>
-              <a:headEnd type="triangle" w="med" len="med"/>
-              <a:tailEnd type="none" w="med" len="med"/>
+            <a:ln>
+              <a:noFill/>
             </a:ln>
           </p:spPr>
-          <p:style>
-            <a:lnRef idx="1">
-              <a:schemeClr val="accent1"/>
-            </a:lnRef>
-            <a:fillRef idx="0">
-              <a:schemeClr val="accent1"/>
-            </a:fillRef>
-            <a:effectRef idx="0">
-              <a:schemeClr val="accent1"/>
-            </a:effectRef>
-            <a:fontRef idx="minor">
-              <a:schemeClr val="tx1"/>
-            </a:fontRef>
-          </p:style>
-        </p:cxnSp>
+        </p:pic>
       </p:grpSp>
-      <p:grpSp>
-        <p:nvGrpSpPr>
-          <p:cNvPr id="40" name="Group 39">
-            <a:extLst>
-              <a:ext uri="{FF2B5EF4-FFF2-40B4-BE49-F238E27FC236}">
-                <a16:creationId xmlns:a16="http://schemas.microsoft.com/office/drawing/2014/main" id="{20BF60F0-AF14-C0CD-2113-1B6BB0AF24D2}"/>
-              </a:ext>
-            </a:extLst>
-          </p:cNvPr>
-          <p:cNvGrpSpPr/>
-          <p:nvPr/>
-        </p:nvGrpSpPr>
-        <p:grpSpPr>
-          <a:xfrm>
-            <a:off x="8711258" y="3619433"/>
-            <a:ext cx="238760" cy="281798"/>
-            <a:chOff x="3361356" y="3359664"/>
-            <a:chExt cx="238760" cy="461120"/>
-          </a:xfrm>
-        </p:grpSpPr>
-        <p:cxnSp>
-          <p:nvCxnSpPr>
-            <p:cNvPr id="41" name="Straight Arrow Connector 40">
-              <a:extLst>
-                <a:ext uri="{FF2B5EF4-FFF2-40B4-BE49-F238E27FC236}">
-                  <a16:creationId xmlns:a16="http://schemas.microsoft.com/office/drawing/2014/main" id="{E27177B2-1FB8-183B-20DD-7391B8E4C832}"/>
-                </a:ext>
-              </a:extLst>
-            </p:cNvPr>
-            <p:cNvCxnSpPr/>
-            <p:nvPr/>
-          </p:nvCxnSpPr>
-          <p:spPr>
-            <a:xfrm flipV="1">
-              <a:off x="3600116" y="3359664"/>
-              <a:ext cx="0" cy="461120"/>
-            </a:xfrm>
-            <a:prstGeom prst="straightConnector1">
-              <a:avLst/>
-            </a:prstGeom>
-            <a:ln w="57150">
-              <a:solidFill>
-                <a:schemeClr val="tx2">
-                  <a:lumMod val="20000"/>
-                  <a:lumOff val="80000"/>
-                </a:schemeClr>
-              </a:solidFill>
-              <a:tailEnd type="triangle"/>
-            </a:ln>
-          </p:spPr>
-          <p:style>
-            <a:lnRef idx="1">
-              <a:schemeClr val="accent1"/>
-            </a:lnRef>
-            <a:fillRef idx="0">
-              <a:schemeClr val="accent1"/>
-            </a:fillRef>
-            <a:effectRef idx="0">
-              <a:schemeClr val="accent1"/>
-            </a:effectRef>
-            <a:fontRef idx="minor">
-              <a:schemeClr val="tx1"/>
-            </a:fontRef>
-          </p:style>
-        </p:cxnSp>
-        <p:cxnSp>
-          <p:nvCxnSpPr>
-            <p:cNvPr id="42" name="Straight Arrow Connector 41">
-              <a:extLst>
-                <a:ext uri="{FF2B5EF4-FFF2-40B4-BE49-F238E27FC236}">
-                  <a16:creationId xmlns:a16="http://schemas.microsoft.com/office/drawing/2014/main" id="{717350D6-9052-3525-E63D-47577F0497F4}"/>
-                </a:ext>
-              </a:extLst>
-            </p:cNvPr>
-            <p:cNvCxnSpPr/>
-            <p:nvPr/>
-          </p:nvCxnSpPr>
-          <p:spPr>
-            <a:xfrm flipV="1">
-              <a:off x="3361356" y="3359664"/>
-              <a:ext cx="0" cy="461120"/>
-            </a:xfrm>
-            <a:prstGeom prst="straightConnector1">
-              <a:avLst/>
-            </a:prstGeom>
-            <a:ln w="57150">
-              <a:solidFill>
-                <a:schemeClr val="tx2">
-                  <a:lumMod val="20000"/>
-                  <a:lumOff val="80000"/>
-                </a:schemeClr>
-              </a:solidFill>
-              <a:headEnd type="triangle" w="med" len="med"/>
-              <a:tailEnd type="none" w="med" len="med"/>
-            </a:ln>
-          </p:spPr>
-          <p:style>
-            <a:lnRef idx="1">
-              <a:schemeClr val="accent1"/>
-            </a:lnRef>
-            <a:fillRef idx="0">
-              <a:schemeClr val="accent1"/>
-            </a:fillRef>
-            <a:effectRef idx="0">
-              <a:schemeClr val="accent1"/>
-            </a:effectRef>
-            <a:fontRef idx="minor">
-              <a:schemeClr val="tx1"/>
-            </a:fontRef>
-          </p:style>
-        </p:cxnSp>
-      </p:grpSp>
-      <p:sp>
-        <p:nvSpPr>
-          <p:cNvPr id="43" name="Rectangle: Rounded Corners 42">
-            <a:extLst>
-              <a:ext uri="{FF2B5EF4-FFF2-40B4-BE49-F238E27FC236}">
-                <a16:creationId xmlns:a16="http://schemas.microsoft.com/office/drawing/2014/main" id="{23C16D71-9DCE-1A74-AEDB-22632522D79D}"/>
-              </a:ext>
-            </a:extLst>
-          </p:cNvPr>
-          <p:cNvSpPr/>
-          <p:nvPr/>
-        </p:nvSpPr>
-        <p:spPr>
-          <a:xfrm>
-            <a:off x="925417" y="5238297"/>
-            <a:ext cx="4718347" cy="643095"/>
-          </a:xfrm>
-          <a:prstGeom prst="roundRect">
-            <a:avLst>
-              <a:gd name="adj" fmla="val 21721"/>
-            </a:avLst>
-          </a:prstGeom>
-          <a:solidFill>
-            <a:schemeClr val="tx2">
-              <a:lumMod val="75000"/>
-            </a:schemeClr>
-          </a:solidFill>
-          <a:ln w="28575">
-            <a:solidFill>
-              <a:schemeClr val="tx2">
-                <a:lumMod val="75000"/>
-              </a:schemeClr>
-            </a:solidFill>
-          </a:ln>
-        </p:spPr>
-        <p:style>
-          <a:lnRef idx="2">
-            <a:schemeClr val="accent1">
-              <a:shade val="15000"/>
-            </a:schemeClr>
-          </a:lnRef>
-          <a:fillRef idx="1">
-            <a:schemeClr val="accent1"/>
-          </a:fillRef>
-          <a:effectRef idx="0">
-            <a:schemeClr val="accent1"/>
-          </a:effectRef>
-          <a:fontRef idx="minor">
-            <a:schemeClr val="lt1"/>
-          </a:fontRef>
-        </p:style>
-        <p:txBody>
-          <a:bodyPr rtlCol="0" anchor="ctr"/>
-          <a:lstStyle/>
-          <a:p>
-            <a:r>
-              <a:rPr lang="en-US" sz="1600" b="0" dirty="0" err="1">
-                <a:solidFill>
-                  <a:srgbClr val="4EC9B0"/>
-                </a:solidFill>
-                <a:effectLst/>
-                <a:latin typeface="Consolas" panose="020B0609020204030204" pitchFamily="49" charset="0"/>
-              </a:rPr>
-              <a:t>Spacecraft.</a:t>
-            </a:r>
-            <a:r>
-              <a:rPr lang="en-US" sz="1600" b="0" dirty="0" err="1">
-                <a:solidFill>
-                  <a:srgbClr val="DCDCAA"/>
-                </a:solidFill>
-                <a:effectLst/>
-                <a:latin typeface="Consolas" panose="020B0609020204030204" pitchFamily="49" charset="0"/>
-              </a:rPr>
-              <a:t>propagate_orbit</a:t>
-            </a:r>
-            <a:r>
-              <a:rPr lang="en-US" sz="1600" b="0" dirty="0">
-                <a:solidFill>
-                  <a:srgbClr val="CCCCCC"/>
-                </a:solidFill>
-                <a:effectLst/>
-                <a:latin typeface="Consolas" panose="020B0609020204030204" pitchFamily="49" charset="0"/>
-              </a:rPr>
-              <a:t>(</a:t>
-            </a:r>
-          </a:p>
-          <a:p>
-            <a:pPr lvl="1"/>
-            <a:r>
-              <a:rPr lang="en-GB" sz="1600" b="0" dirty="0">
-                <a:solidFill>
-                  <a:srgbClr val="37FF91"/>
-                </a:solidFill>
-                <a:effectLst/>
-                <a:latin typeface="Consolas" panose="020B0609020204030204" pitchFamily="49" charset="0"/>
-              </a:rPr>
-              <a:t>self</a:t>
-            </a:r>
-            <a:r>
-              <a:rPr lang="en-GB" sz="1600" b="0" dirty="0">
-                <a:solidFill>
-                  <a:srgbClr val="CCCCCC"/>
-                </a:solidFill>
-                <a:effectLst/>
-                <a:latin typeface="Consolas" panose="020B0609020204030204" pitchFamily="49" charset="0"/>
-              </a:rPr>
-              <a:t>, </a:t>
-            </a:r>
-            <a:r>
-              <a:rPr lang="en-GB" sz="1600" b="0" dirty="0">
-                <a:solidFill>
-                  <a:srgbClr val="9CDCFE"/>
-                </a:solidFill>
-                <a:effectLst/>
-                <a:latin typeface="Consolas" panose="020B0609020204030204" pitchFamily="49" charset="0"/>
-              </a:rPr>
-              <a:t>t</a:t>
-            </a:r>
-            <a:r>
-              <a:rPr lang="en-GB" sz="1600" b="0" dirty="0">
-                <a:solidFill>
-                  <a:srgbClr val="CCCCCC"/>
-                </a:solidFill>
-                <a:effectLst/>
-                <a:latin typeface="Consolas" panose="020B0609020204030204" pitchFamily="49" charset="0"/>
-              </a:rPr>
-              <a:t>, </a:t>
-            </a:r>
-            <a:r>
-              <a:rPr lang="en-GB" sz="1600" b="0" dirty="0">
-                <a:solidFill>
-                  <a:srgbClr val="9CDCFE"/>
-                </a:solidFill>
-                <a:effectLst/>
-                <a:latin typeface="Consolas" panose="020B0609020204030204" pitchFamily="49" charset="0"/>
-              </a:rPr>
-              <a:t>dt</a:t>
-            </a:r>
-            <a:r>
-              <a:rPr lang="en-GB" sz="1600" b="0" dirty="0">
-                <a:solidFill>
-                  <a:srgbClr val="CCCCCC"/>
-                </a:solidFill>
-                <a:effectLst/>
-                <a:latin typeface="Consolas" panose="020B0609020204030204" pitchFamily="49" charset="0"/>
-              </a:rPr>
-              <a:t>, </a:t>
-            </a:r>
-            <a:r>
-              <a:rPr lang="en-GB" sz="1600" b="0" dirty="0">
-                <a:solidFill>
-                  <a:srgbClr val="9CDCFE"/>
-                </a:solidFill>
-                <a:effectLst/>
-                <a:latin typeface="Consolas" panose="020B0609020204030204" pitchFamily="49" charset="0"/>
-              </a:rPr>
-              <a:t>integrator</a:t>
-            </a:r>
-            <a:r>
-              <a:rPr lang="en-GB" sz="1600" b="0" dirty="0">
-                <a:solidFill>
-                  <a:srgbClr val="D4D4D4"/>
-                </a:solidFill>
-                <a:effectLst/>
-                <a:latin typeface="Consolas" panose="020B0609020204030204" pitchFamily="49" charset="0"/>
-              </a:rPr>
-              <a:t>=</a:t>
-            </a:r>
-            <a:r>
-              <a:rPr lang="en-GB" sz="1600" b="0" dirty="0">
-                <a:solidFill>
-                  <a:srgbClr val="CE9178"/>
-                </a:solidFill>
-                <a:effectLst/>
-                <a:latin typeface="Consolas" panose="020B0609020204030204" pitchFamily="49" charset="0"/>
-              </a:rPr>
-              <a:t>'RK4'</a:t>
-            </a:r>
-            <a:r>
-              <a:rPr lang="en-GB" sz="1600" b="0" dirty="0">
-                <a:solidFill>
-                  <a:srgbClr val="CCCCCC"/>
-                </a:solidFill>
-                <a:effectLst/>
-                <a:latin typeface="Consolas" panose="020B0609020204030204" pitchFamily="49" charset="0"/>
-              </a:rPr>
-              <a:t>)</a:t>
-            </a:r>
-          </a:p>
-        </p:txBody>
-      </p:sp>
-      <p:sp>
-        <p:nvSpPr>
-          <p:cNvPr id="44" name="TextBox 43">
-            <a:extLst>
-              <a:ext uri="{FF2B5EF4-FFF2-40B4-BE49-F238E27FC236}">
-                <a16:creationId xmlns:a16="http://schemas.microsoft.com/office/drawing/2014/main" id="{1D809875-CE4A-66C4-7770-4EADF8DD8E37}"/>
-              </a:ext>
-            </a:extLst>
-          </p:cNvPr>
-          <p:cNvSpPr txBox="1"/>
-          <p:nvPr/>
-        </p:nvSpPr>
-        <p:spPr>
-          <a:xfrm>
-            <a:off x="1001735" y="4883772"/>
-            <a:ext cx="3408737" cy="261610"/>
-          </a:xfrm>
-          <a:prstGeom prst="rect">
-            <a:avLst/>
-          </a:prstGeom>
-          <a:noFill/>
-        </p:spPr>
-        <p:txBody>
-          <a:bodyPr wrap="square" rtlCol="0">
-            <a:spAutoFit/>
-          </a:bodyPr>
-          <a:lstStyle/>
-          <a:p>
-            <a:r>
-              <a:rPr lang="en-US" sz="1100"/>
-              <a:t>*Keplerian-only analytical two-body propagator</a:t>
-            </a:r>
-            <a:endParaRPr lang="en-US" sz="1100" dirty="0"/>
-          </a:p>
-        </p:txBody>
-      </p:sp>
-      <p:sp>
-        <p:nvSpPr>
-          <p:cNvPr id="45" name="TextBox 44">
-            <a:extLst>
-              <a:ext uri="{FF2B5EF4-FFF2-40B4-BE49-F238E27FC236}">
-                <a16:creationId xmlns:a16="http://schemas.microsoft.com/office/drawing/2014/main" id="{775C62B9-4C93-4475-0A5C-2E5905FCF6C3}"/>
-              </a:ext>
-            </a:extLst>
-          </p:cNvPr>
-          <p:cNvSpPr txBox="1"/>
-          <p:nvPr/>
-        </p:nvSpPr>
-        <p:spPr>
-          <a:xfrm>
-            <a:off x="1001735" y="5930789"/>
-            <a:ext cx="4774230" cy="261610"/>
-          </a:xfrm>
-          <a:prstGeom prst="rect">
-            <a:avLst/>
-          </a:prstGeom>
-          <a:noFill/>
-        </p:spPr>
-        <p:txBody>
-          <a:bodyPr wrap="square" rtlCol="0">
-            <a:spAutoFit/>
-          </a:bodyPr>
-          <a:lstStyle/>
-          <a:p>
-            <a:r>
-              <a:rPr lang="en-US" sz="1100" dirty="0"/>
-              <a:t>*Numerical propagator (default RK4), with references to own force models</a:t>
-            </a:r>
-          </a:p>
-        </p:txBody>
-      </p:sp>
-      <p:sp>
-        <p:nvSpPr>
-          <p:cNvPr id="46" name="Rectangle: Rounded Corners 45">
-            <a:extLst>
-              <a:ext uri="{FF2B5EF4-FFF2-40B4-BE49-F238E27FC236}">
-                <a16:creationId xmlns:a16="http://schemas.microsoft.com/office/drawing/2014/main" id="{C6C52B35-1827-8F13-ABC1-4B0BD2409007}"/>
-              </a:ext>
-            </a:extLst>
-          </p:cNvPr>
-          <p:cNvSpPr/>
-          <p:nvPr/>
-        </p:nvSpPr>
-        <p:spPr>
-          <a:xfrm>
-            <a:off x="6404567" y="4407701"/>
-            <a:ext cx="4718347" cy="811768"/>
-          </a:xfrm>
-          <a:prstGeom prst="roundRect">
-            <a:avLst>
-              <a:gd name="adj" fmla="val 21721"/>
-            </a:avLst>
-          </a:prstGeom>
-          <a:solidFill>
-            <a:schemeClr val="tx2">
-              <a:lumMod val="75000"/>
-            </a:schemeClr>
-          </a:solidFill>
-          <a:ln w="28575">
-            <a:solidFill>
-              <a:schemeClr val="tx2">
-                <a:lumMod val="75000"/>
-              </a:schemeClr>
-            </a:solidFill>
-          </a:ln>
-        </p:spPr>
-        <p:style>
-          <a:lnRef idx="2">
-            <a:schemeClr val="accent1">
-              <a:shade val="15000"/>
-            </a:schemeClr>
-          </a:lnRef>
-          <a:fillRef idx="1">
-            <a:schemeClr val="accent1"/>
-          </a:fillRef>
-          <a:effectRef idx="0">
-            <a:schemeClr val="accent1"/>
-          </a:effectRef>
-          <a:fontRef idx="minor">
-            <a:schemeClr val="lt1"/>
-          </a:fontRef>
-        </p:style>
-        <p:txBody>
-          <a:bodyPr rtlCol="0" anchor="ctr"/>
-          <a:lstStyle/>
-          <a:p>
-            <a:r>
-              <a:rPr lang="en-US" sz="1600" b="0" dirty="0" err="1">
-                <a:solidFill>
-                  <a:srgbClr val="4EC9B0"/>
-                </a:solidFill>
-                <a:effectLst/>
-                <a:latin typeface="Consolas" panose="020B0609020204030204" pitchFamily="49" charset="0"/>
-              </a:rPr>
-              <a:t>Spacecraft.</a:t>
-            </a:r>
-            <a:r>
-              <a:rPr lang="en-US" sz="1600" b="0" dirty="0" err="1">
-                <a:solidFill>
-                  <a:srgbClr val="DCDCAA"/>
-                </a:solidFill>
-                <a:effectLst/>
-                <a:latin typeface="Consolas" panose="020B0609020204030204" pitchFamily="49" charset="0"/>
-              </a:rPr>
-              <a:t>propagate_attitude</a:t>
-            </a:r>
-            <a:r>
-              <a:rPr lang="en-US" sz="1600" b="0" dirty="0">
-                <a:solidFill>
-                  <a:srgbClr val="CCCCCC"/>
-                </a:solidFill>
-                <a:effectLst/>
-                <a:latin typeface="Consolas" panose="020B0609020204030204" pitchFamily="49" charset="0"/>
-              </a:rPr>
-              <a:t>(</a:t>
-            </a:r>
-          </a:p>
-          <a:p>
-            <a:pPr lvl="1"/>
-            <a:r>
-              <a:rPr lang="en-US" sz="1600" b="0" dirty="0">
-                <a:solidFill>
-                  <a:srgbClr val="37FF91"/>
-                </a:solidFill>
-                <a:effectLst/>
-                <a:latin typeface="Consolas" panose="020B0609020204030204" pitchFamily="49" charset="0"/>
-              </a:rPr>
-              <a:t>self</a:t>
-            </a:r>
-            <a:r>
-              <a:rPr lang="en-US" sz="1600" b="0" dirty="0">
-                <a:solidFill>
-                  <a:srgbClr val="CCCCCC"/>
-                </a:solidFill>
-                <a:effectLst/>
-                <a:latin typeface="Consolas" panose="020B0609020204030204" pitchFamily="49" charset="0"/>
-              </a:rPr>
-              <a:t>, </a:t>
-            </a:r>
-            <a:r>
-              <a:rPr lang="en-US" sz="1600" b="0" dirty="0">
-                <a:solidFill>
-                  <a:srgbClr val="9CDCFE"/>
-                </a:solidFill>
-                <a:effectLst/>
-                <a:latin typeface="Consolas" panose="020B0609020204030204" pitchFamily="49" charset="0"/>
-              </a:rPr>
-              <a:t>dt</a:t>
-            </a:r>
-            <a:r>
-              <a:rPr lang="en-US" sz="1600" b="0" dirty="0">
-                <a:solidFill>
-                  <a:srgbClr val="CCCCCC"/>
-                </a:solidFill>
-                <a:effectLst/>
-                <a:latin typeface="Consolas" panose="020B0609020204030204" pitchFamily="49" charset="0"/>
-              </a:rPr>
-              <a:t>, </a:t>
-            </a:r>
-            <a:r>
-              <a:rPr lang="en-US" sz="1600" b="0" dirty="0">
-                <a:solidFill>
-                  <a:srgbClr val="9CDCFE"/>
-                </a:solidFill>
-                <a:effectLst/>
-                <a:latin typeface="Consolas" panose="020B0609020204030204" pitchFamily="49" charset="0"/>
-              </a:rPr>
-              <a:t>torque</a:t>
-            </a:r>
-            <a:r>
-              <a:rPr lang="en-US" sz="1600" b="0" dirty="0">
-                <a:solidFill>
-                  <a:srgbClr val="CCCCCC"/>
-                </a:solidFill>
-                <a:effectLst/>
-                <a:latin typeface="Consolas" panose="020B0609020204030204" pitchFamily="49" charset="0"/>
-              </a:rPr>
-              <a:t>)</a:t>
-            </a:r>
-          </a:p>
-        </p:txBody>
-      </p:sp>
-      <p:sp>
-        <p:nvSpPr>
-          <p:cNvPr id="47" name="TextBox 46">
-            <a:extLst>
-              <a:ext uri="{FF2B5EF4-FFF2-40B4-BE49-F238E27FC236}">
-                <a16:creationId xmlns:a16="http://schemas.microsoft.com/office/drawing/2014/main" id="{2F1AA07C-3AA2-55A8-5B10-3E88DA2D6100}"/>
-              </a:ext>
-            </a:extLst>
-          </p:cNvPr>
-          <p:cNvSpPr txBox="1"/>
-          <p:nvPr/>
-        </p:nvSpPr>
-        <p:spPr>
-          <a:xfrm>
-            <a:off x="6404567" y="5219469"/>
-            <a:ext cx="4673035" cy="261610"/>
-          </a:xfrm>
-          <a:prstGeom prst="rect">
-            <a:avLst/>
-          </a:prstGeom>
-          <a:noFill/>
-        </p:spPr>
-        <p:txBody>
-          <a:bodyPr wrap="square" rtlCol="0">
-            <a:spAutoFit/>
-          </a:bodyPr>
-          <a:lstStyle/>
-          <a:p>
-            <a:r>
-              <a:rPr lang="en-US" sz="1100" dirty="0"/>
-              <a:t>*Torque as a 3x1 vector applied in body-frame coordinates</a:t>
-            </a:r>
-          </a:p>
-        </p:txBody>
-      </p:sp>
     </p:spTree>
     <p:extLst>
       <p:ext uri="{BB962C8B-B14F-4D97-AF65-F5344CB8AC3E}">
-        <p14:creationId xmlns:p14="http://schemas.microsoft.com/office/powerpoint/2010/main" val="4286060820"/>
+        <p14:creationId xmlns:p14="http://schemas.microsoft.com/office/powerpoint/2010/main" val="823927747"/>
       </p:ext>
     </p:extLst>
   </p:cSld>

--- a/graphics.pptx
+++ b/graphics.pptx
@@ -5,7 +5,7 @@
     <p:sldMasterId id="2147483648" r:id="rId1"/>
   </p:sldMasterIdLst>
   <p:notesMasterIdLst>
-    <p:notesMasterId r:id="rId12"/>
+    <p:notesMasterId r:id="rId14"/>
   </p:notesMasterIdLst>
   <p:sldIdLst>
     <p:sldId id="256" r:id="rId2"/>
@@ -18,6 +18,8 @@
     <p:sldId id="263" r:id="rId9"/>
     <p:sldId id="265" r:id="rId10"/>
     <p:sldId id="264" r:id="rId11"/>
+    <p:sldId id="266" r:id="rId12"/>
+    <p:sldId id="267" r:id="rId13"/>
   </p:sldIdLst>
   <p:sldSz cx="12192000" cy="6858000"/>
   <p:notesSz cx="6858000" cy="9144000"/>
@@ -206,7 +208,7 @@
           <a:p>
             <a:fld id="{30BA6EED-41FB-463F-A202-09D727F1A9E7}" type="datetimeFigureOut">
               <a:rPr lang="en-US" smtClean="0"/>
-              <a:t>4/17/2024</a:t>
+              <a:t>4/19/2024</a:t>
             </a:fld>
             <a:endParaRPr lang="en-US"/>
           </a:p>
@@ -704,7 +706,7 @@
           <a:p>
             <a:fld id="{491F7E70-246B-4D1A-989A-6D49ADA39188}" type="datetimeFigureOut">
               <a:rPr lang="en-US" smtClean="0"/>
-              <a:t>4/17/2024</a:t>
+              <a:t>4/19/2024</a:t>
             </a:fld>
             <a:endParaRPr lang="en-US"/>
           </a:p>
@@ -902,7 +904,7 @@
           <a:p>
             <a:fld id="{491F7E70-246B-4D1A-989A-6D49ADA39188}" type="datetimeFigureOut">
               <a:rPr lang="en-US" smtClean="0"/>
-              <a:t>4/17/2024</a:t>
+              <a:t>4/19/2024</a:t>
             </a:fld>
             <a:endParaRPr lang="en-US"/>
           </a:p>
@@ -1110,7 +1112,7 @@
           <a:p>
             <a:fld id="{491F7E70-246B-4D1A-989A-6D49ADA39188}" type="datetimeFigureOut">
               <a:rPr lang="en-US" smtClean="0"/>
-              <a:t>4/17/2024</a:t>
+              <a:t>4/19/2024</a:t>
             </a:fld>
             <a:endParaRPr lang="en-US"/>
           </a:p>
@@ -1308,7 +1310,7 @@
           <a:p>
             <a:fld id="{491F7E70-246B-4D1A-989A-6D49ADA39188}" type="datetimeFigureOut">
               <a:rPr lang="en-US" smtClean="0"/>
-              <a:t>4/17/2024</a:t>
+              <a:t>4/19/2024</a:t>
             </a:fld>
             <a:endParaRPr lang="en-US"/>
           </a:p>
@@ -1583,7 +1585,7 @@
           <a:p>
             <a:fld id="{491F7E70-246B-4D1A-989A-6D49ADA39188}" type="datetimeFigureOut">
               <a:rPr lang="en-US" smtClean="0"/>
-              <a:t>4/17/2024</a:t>
+              <a:t>4/19/2024</a:t>
             </a:fld>
             <a:endParaRPr lang="en-US"/>
           </a:p>
@@ -1848,7 +1850,7 @@
           <a:p>
             <a:fld id="{491F7E70-246B-4D1A-989A-6D49ADA39188}" type="datetimeFigureOut">
               <a:rPr lang="en-US" smtClean="0"/>
-              <a:t>4/17/2024</a:t>
+              <a:t>4/19/2024</a:t>
             </a:fld>
             <a:endParaRPr lang="en-US"/>
           </a:p>
@@ -2260,7 +2262,7 @@
           <a:p>
             <a:fld id="{491F7E70-246B-4D1A-989A-6D49ADA39188}" type="datetimeFigureOut">
               <a:rPr lang="en-US" smtClean="0"/>
-              <a:t>4/17/2024</a:t>
+              <a:t>4/19/2024</a:t>
             </a:fld>
             <a:endParaRPr lang="en-US"/>
           </a:p>
@@ -2401,7 +2403,7 @@
           <a:p>
             <a:fld id="{491F7E70-246B-4D1A-989A-6D49ADA39188}" type="datetimeFigureOut">
               <a:rPr lang="en-US" smtClean="0"/>
-              <a:t>4/17/2024</a:t>
+              <a:t>4/19/2024</a:t>
             </a:fld>
             <a:endParaRPr lang="en-US"/>
           </a:p>
@@ -2514,7 +2516,7 @@
           <a:p>
             <a:fld id="{491F7E70-246B-4D1A-989A-6D49ADA39188}" type="datetimeFigureOut">
               <a:rPr lang="en-US" smtClean="0"/>
-              <a:t>4/17/2024</a:t>
+              <a:t>4/19/2024</a:t>
             </a:fld>
             <a:endParaRPr lang="en-US"/>
           </a:p>
@@ -2825,7 +2827,7 @@
           <a:p>
             <a:fld id="{491F7E70-246B-4D1A-989A-6D49ADA39188}" type="datetimeFigureOut">
               <a:rPr lang="en-US" smtClean="0"/>
-              <a:t>4/17/2024</a:t>
+              <a:t>4/19/2024</a:t>
             </a:fld>
             <a:endParaRPr lang="en-US"/>
           </a:p>
@@ -3113,7 +3115,7 @@
           <a:p>
             <a:fld id="{491F7E70-246B-4D1A-989A-6D49ADA39188}" type="datetimeFigureOut">
               <a:rPr lang="en-US" smtClean="0"/>
-              <a:t>4/17/2024</a:t>
+              <a:t>4/19/2024</a:t>
             </a:fld>
             <a:endParaRPr lang="en-US"/>
           </a:p>
@@ -3354,7 +3356,7 @@
           <a:p>
             <a:fld id="{491F7E70-246B-4D1A-989A-6D49ADA39188}" type="datetimeFigureOut">
               <a:rPr lang="en-US" smtClean="0"/>
-              <a:t>4/17/2024</a:t>
+              <a:t>4/19/2024</a:t>
             </a:fld>
             <a:endParaRPr lang="en-US"/>
           </a:p>
@@ -7914,6 +7916,1524 @@
     <p:extLst>
       <p:ext uri="{BB962C8B-B14F-4D97-AF65-F5344CB8AC3E}">
         <p14:creationId xmlns:p14="http://schemas.microsoft.com/office/powerpoint/2010/main" val="4286060820"/>
+      </p:ext>
+    </p:extLst>
+  </p:cSld>
+  <p:clrMapOvr>
+    <a:masterClrMapping/>
+  </p:clrMapOvr>
+</p:sld>
+</file>
+
+<file path=ppt/slides/slide11.xml><?xml version="1.0" encoding="utf-8"?>
+<p:sld xmlns:a="http://schemas.openxmlformats.org/drawingml/2006/main" xmlns:r="http://schemas.openxmlformats.org/officeDocument/2006/relationships" xmlns:p="http://schemas.openxmlformats.org/presentationml/2006/main">
+  <p:cSld>
+    <p:spTree>
+      <p:nvGrpSpPr>
+        <p:cNvPr id="1" name=""/>
+        <p:cNvGrpSpPr/>
+        <p:nvPr/>
+      </p:nvGrpSpPr>
+      <p:grpSpPr>
+        <a:xfrm>
+          <a:off x="0" y="0"/>
+          <a:ext cx="0" cy="0"/>
+          <a:chOff x="0" y="0"/>
+          <a:chExt cx="0" cy="0"/>
+        </a:xfrm>
+      </p:grpSpPr>
+      <p:grpSp>
+        <p:nvGrpSpPr>
+          <p:cNvPr id="4" name="Group 3">
+            <a:extLst>
+              <a:ext uri="{FF2B5EF4-FFF2-40B4-BE49-F238E27FC236}">
+                <a16:creationId xmlns:a16="http://schemas.microsoft.com/office/drawing/2014/main" id="{5205F922-E20A-DF14-83AB-F60600864224}"/>
+              </a:ext>
+            </a:extLst>
+          </p:cNvPr>
+          <p:cNvGrpSpPr/>
+          <p:nvPr/>
+        </p:nvGrpSpPr>
+        <p:grpSpPr>
+          <a:xfrm>
+            <a:off x="1312737" y="1784209"/>
+            <a:ext cx="9249622" cy="4001229"/>
+            <a:chOff x="1312737" y="1784209"/>
+            <a:chExt cx="9249622" cy="4001229"/>
+          </a:xfrm>
+        </p:grpSpPr>
+        <p:cxnSp>
+          <p:nvCxnSpPr>
+            <p:cNvPr id="5" name="Straight Connector 4">
+              <a:extLst>
+                <a:ext uri="{FF2B5EF4-FFF2-40B4-BE49-F238E27FC236}">
+                  <a16:creationId xmlns:a16="http://schemas.microsoft.com/office/drawing/2014/main" id="{F8738D14-8A91-112E-7C0E-4170B4CD4487}"/>
+                </a:ext>
+              </a:extLst>
+            </p:cNvPr>
+            <p:cNvCxnSpPr>
+              <a:cxnSpLocks/>
+            </p:cNvCxnSpPr>
+            <p:nvPr/>
+          </p:nvCxnSpPr>
+          <p:spPr>
+            <a:xfrm>
+              <a:off x="2374900" y="4240390"/>
+              <a:ext cx="7423484" cy="0"/>
+            </a:xfrm>
+            <a:prstGeom prst="line">
+              <a:avLst/>
+            </a:prstGeom>
+            <a:ln w="28575">
+              <a:solidFill>
+                <a:srgbClr val="00B050"/>
+              </a:solidFill>
+              <a:prstDash val="sysDot"/>
+            </a:ln>
+          </p:spPr>
+          <p:style>
+            <a:lnRef idx="1">
+              <a:schemeClr val="dk1"/>
+            </a:lnRef>
+            <a:fillRef idx="0">
+              <a:schemeClr val="dk1"/>
+            </a:fillRef>
+            <a:effectRef idx="0">
+              <a:schemeClr val="dk1"/>
+            </a:effectRef>
+            <a:fontRef idx="minor">
+              <a:schemeClr val="tx1"/>
+            </a:fontRef>
+          </p:style>
+        </p:cxnSp>
+        <p:grpSp>
+          <p:nvGrpSpPr>
+            <p:cNvPr id="6" name="Group 5">
+              <a:extLst>
+                <a:ext uri="{FF2B5EF4-FFF2-40B4-BE49-F238E27FC236}">
+                  <a16:creationId xmlns:a16="http://schemas.microsoft.com/office/drawing/2014/main" id="{BF3E9977-D658-891E-DC06-8663AC35402D}"/>
+                </a:ext>
+              </a:extLst>
+            </p:cNvPr>
+            <p:cNvGrpSpPr/>
+            <p:nvPr/>
+          </p:nvGrpSpPr>
+          <p:grpSpPr>
+            <a:xfrm>
+              <a:off x="1312737" y="3846940"/>
+              <a:ext cx="5753172" cy="788682"/>
+              <a:chOff x="995237" y="1377951"/>
+              <a:chExt cx="5753172" cy="788682"/>
+            </a:xfrm>
+          </p:grpSpPr>
+          <p:sp>
+            <p:nvSpPr>
+              <p:cNvPr id="29" name="Rectangle 28">
+                <a:extLst>
+                  <a:ext uri="{FF2B5EF4-FFF2-40B4-BE49-F238E27FC236}">
+                    <a16:creationId xmlns:a16="http://schemas.microsoft.com/office/drawing/2014/main" id="{4A3C08F9-2195-F884-AD41-4BAA2C972219}"/>
+                  </a:ext>
+                </a:extLst>
+              </p:cNvPr>
+              <p:cNvSpPr/>
+              <p:nvPr/>
+            </p:nvSpPr>
+            <p:spPr>
+              <a:xfrm>
+                <a:off x="4570287" y="1377951"/>
+                <a:ext cx="2178122" cy="788682"/>
+              </a:xfrm>
+              <a:prstGeom prst="rect">
+                <a:avLst/>
+              </a:prstGeom>
+              <a:ln w="28575"/>
+            </p:spPr>
+            <p:style>
+              <a:lnRef idx="2">
+                <a:schemeClr val="accent1">
+                  <a:shade val="15000"/>
+                </a:schemeClr>
+              </a:lnRef>
+              <a:fillRef idx="1">
+                <a:schemeClr val="accent1"/>
+              </a:fillRef>
+              <a:effectRef idx="0">
+                <a:schemeClr val="accent1"/>
+              </a:effectRef>
+              <a:fontRef idx="minor">
+                <a:schemeClr val="lt1"/>
+              </a:fontRef>
+            </p:style>
+            <p:txBody>
+              <a:bodyPr rtlCol="0" anchor="ctr"/>
+              <a:lstStyle/>
+              <a:p>
+                <a:pPr algn="ctr"/>
+                <a:endParaRPr lang="en-US"/>
+              </a:p>
+            </p:txBody>
+          </p:sp>
+          <p:sp>
+            <p:nvSpPr>
+              <p:cNvPr id="30" name="Rectangle 29">
+                <a:extLst>
+                  <a:ext uri="{FF2B5EF4-FFF2-40B4-BE49-F238E27FC236}">
+                    <a16:creationId xmlns:a16="http://schemas.microsoft.com/office/drawing/2014/main" id="{847E96DE-0DA9-E6E6-8BC8-E9342CC1F4EF}"/>
+                  </a:ext>
+                </a:extLst>
+              </p:cNvPr>
+              <p:cNvSpPr/>
+              <p:nvPr/>
+            </p:nvSpPr>
+            <p:spPr>
+              <a:xfrm>
+                <a:off x="4786187" y="1580651"/>
+                <a:ext cx="687513" cy="381500"/>
+              </a:xfrm>
+              <a:prstGeom prst="rect">
+                <a:avLst/>
+              </a:prstGeom>
+              <a:solidFill>
+                <a:schemeClr val="tx2">
+                  <a:lumMod val="20000"/>
+                  <a:lumOff val="80000"/>
+                </a:schemeClr>
+              </a:solidFill>
+              <a:ln w="28575"/>
+            </p:spPr>
+            <p:style>
+              <a:lnRef idx="2">
+                <a:schemeClr val="accent1">
+                  <a:shade val="15000"/>
+                </a:schemeClr>
+              </a:lnRef>
+              <a:fillRef idx="1">
+                <a:schemeClr val="accent1"/>
+              </a:fillRef>
+              <a:effectRef idx="0">
+                <a:schemeClr val="accent1"/>
+              </a:effectRef>
+              <a:fontRef idx="minor">
+                <a:schemeClr val="lt1"/>
+              </a:fontRef>
+            </p:style>
+            <p:txBody>
+              <a:bodyPr rtlCol="0" anchor="ctr"/>
+              <a:lstStyle/>
+              <a:p>
+                <a:pPr algn="ctr"/>
+                <a:r>
+                  <a:rPr lang="en-US" b="1" dirty="0">
+                    <a:solidFill>
+                      <a:schemeClr val="tx1"/>
+                    </a:solidFill>
+                  </a:rPr>
+                  <a:t>RCV</a:t>
+                </a:r>
+              </a:p>
+            </p:txBody>
+          </p:sp>
+          <p:sp>
+            <p:nvSpPr>
+              <p:cNvPr id="31" name="Rectangle 30">
+                <a:extLst>
+                  <a:ext uri="{FF2B5EF4-FFF2-40B4-BE49-F238E27FC236}">
+                    <a16:creationId xmlns:a16="http://schemas.microsoft.com/office/drawing/2014/main" id="{83BE54E1-3907-83FF-AA80-2A983335AACE}"/>
+                  </a:ext>
+                </a:extLst>
+              </p:cNvPr>
+              <p:cNvSpPr/>
+              <p:nvPr/>
+            </p:nvSpPr>
+            <p:spPr>
+              <a:xfrm>
+                <a:off x="5849848" y="1580651"/>
+                <a:ext cx="687513" cy="381500"/>
+              </a:xfrm>
+              <a:prstGeom prst="rect">
+                <a:avLst/>
+              </a:prstGeom>
+              <a:solidFill>
+                <a:schemeClr val="tx2">
+                  <a:lumMod val="20000"/>
+                  <a:lumOff val="80000"/>
+                </a:schemeClr>
+              </a:solidFill>
+              <a:ln w="28575"/>
+            </p:spPr>
+            <p:style>
+              <a:lnRef idx="2">
+                <a:schemeClr val="accent1">
+                  <a:shade val="15000"/>
+                </a:schemeClr>
+              </a:lnRef>
+              <a:fillRef idx="1">
+                <a:schemeClr val="accent1"/>
+              </a:fillRef>
+              <a:effectRef idx="0">
+                <a:schemeClr val="accent1"/>
+              </a:effectRef>
+              <a:fontRef idx="minor">
+                <a:schemeClr val="lt1"/>
+              </a:fontRef>
+            </p:style>
+            <p:txBody>
+              <a:bodyPr rtlCol="0" anchor="ctr"/>
+              <a:lstStyle/>
+              <a:p>
+                <a:pPr algn="ctr"/>
+                <a:r>
+                  <a:rPr lang="en-US" b="1" dirty="0">
+                    <a:solidFill>
+                      <a:schemeClr val="tx1"/>
+                    </a:solidFill>
+                  </a:rPr>
+                  <a:t>RCV</a:t>
+                </a:r>
+              </a:p>
+            </p:txBody>
+          </p:sp>
+          <p:sp>
+            <p:nvSpPr>
+              <p:cNvPr id="32" name="Rectangle 31">
+                <a:extLst>
+                  <a:ext uri="{FF2B5EF4-FFF2-40B4-BE49-F238E27FC236}">
+                    <a16:creationId xmlns:a16="http://schemas.microsoft.com/office/drawing/2014/main" id="{7EBCD40C-C149-A607-F768-A877F668E4F0}"/>
+                  </a:ext>
+                </a:extLst>
+              </p:cNvPr>
+              <p:cNvSpPr/>
+              <p:nvPr/>
+            </p:nvSpPr>
+            <p:spPr>
+              <a:xfrm>
+                <a:off x="995237" y="1377951"/>
+                <a:ext cx="2178122" cy="788682"/>
+              </a:xfrm>
+              <a:prstGeom prst="rect">
+                <a:avLst/>
+              </a:prstGeom>
+              <a:ln w="28575"/>
+            </p:spPr>
+            <p:style>
+              <a:lnRef idx="2">
+                <a:schemeClr val="accent1">
+                  <a:shade val="15000"/>
+                </a:schemeClr>
+              </a:lnRef>
+              <a:fillRef idx="1">
+                <a:schemeClr val="accent1"/>
+              </a:fillRef>
+              <a:effectRef idx="0">
+                <a:schemeClr val="accent1"/>
+              </a:effectRef>
+              <a:fontRef idx="minor">
+                <a:schemeClr val="lt1"/>
+              </a:fontRef>
+            </p:style>
+            <p:txBody>
+              <a:bodyPr rtlCol="0" anchor="ctr"/>
+              <a:lstStyle/>
+              <a:p>
+                <a:pPr algn="ctr"/>
+                <a:endParaRPr lang="en-US"/>
+              </a:p>
+            </p:txBody>
+          </p:sp>
+          <p:sp>
+            <p:nvSpPr>
+              <p:cNvPr id="33" name="Rectangle 32">
+                <a:extLst>
+                  <a:ext uri="{FF2B5EF4-FFF2-40B4-BE49-F238E27FC236}">
+                    <a16:creationId xmlns:a16="http://schemas.microsoft.com/office/drawing/2014/main" id="{2F70D274-EBD1-4BD7-32D9-8D24B24C6312}"/>
+                  </a:ext>
+                </a:extLst>
+              </p:cNvPr>
+              <p:cNvSpPr/>
+              <p:nvPr/>
+            </p:nvSpPr>
+            <p:spPr>
+              <a:xfrm>
+                <a:off x="1211137" y="1580651"/>
+                <a:ext cx="687513" cy="381500"/>
+              </a:xfrm>
+              <a:prstGeom prst="rect">
+                <a:avLst/>
+              </a:prstGeom>
+              <a:solidFill>
+                <a:schemeClr val="tx2">
+                  <a:lumMod val="20000"/>
+                  <a:lumOff val="80000"/>
+                </a:schemeClr>
+              </a:solidFill>
+              <a:ln w="28575"/>
+            </p:spPr>
+            <p:style>
+              <a:lnRef idx="2">
+                <a:schemeClr val="accent1">
+                  <a:shade val="15000"/>
+                </a:schemeClr>
+              </a:lnRef>
+              <a:fillRef idx="1">
+                <a:schemeClr val="accent1"/>
+              </a:fillRef>
+              <a:effectRef idx="0">
+                <a:schemeClr val="accent1"/>
+              </a:effectRef>
+              <a:fontRef idx="minor">
+                <a:schemeClr val="lt1"/>
+              </a:fontRef>
+            </p:style>
+            <p:txBody>
+              <a:bodyPr rtlCol="0" anchor="ctr"/>
+              <a:lstStyle/>
+              <a:p>
+                <a:pPr algn="ctr"/>
+                <a:r>
+                  <a:rPr lang="en-US" b="1" dirty="0">
+                    <a:solidFill>
+                      <a:schemeClr val="tx1"/>
+                    </a:solidFill>
+                  </a:rPr>
+                  <a:t>RCV</a:t>
+                </a:r>
+              </a:p>
+            </p:txBody>
+          </p:sp>
+          <p:sp>
+            <p:nvSpPr>
+              <p:cNvPr id="34" name="Rectangle 33">
+                <a:extLst>
+                  <a:ext uri="{FF2B5EF4-FFF2-40B4-BE49-F238E27FC236}">
+                    <a16:creationId xmlns:a16="http://schemas.microsoft.com/office/drawing/2014/main" id="{488C57EC-E2AA-2C8B-E975-4B458B8E654F}"/>
+                  </a:ext>
+                </a:extLst>
+              </p:cNvPr>
+              <p:cNvSpPr/>
+              <p:nvPr/>
+            </p:nvSpPr>
+            <p:spPr>
+              <a:xfrm>
+                <a:off x="2274798" y="1580651"/>
+                <a:ext cx="687513" cy="381500"/>
+              </a:xfrm>
+              <a:prstGeom prst="rect">
+                <a:avLst/>
+              </a:prstGeom>
+              <a:solidFill>
+                <a:schemeClr val="tx2">
+                  <a:lumMod val="20000"/>
+                  <a:lumOff val="80000"/>
+                </a:schemeClr>
+              </a:solidFill>
+              <a:ln w="28575"/>
+            </p:spPr>
+            <p:style>
+              <a:lnRef idx="2">
+                <a:schemeClr val="accent1">
+                  <a:shade val="15000"/>
+                </a:schemeClr>
+              </a:lnRef>
+              <a:fillRef idx="1">
+                <a:schemeClr val="accent1"/>
+              </a:fillRef>
+              <a:effectRef idx="0">
+                <a:schemeClr val="accent1"/>
+              </a:effectRef>
+              <a:fontRef idx="minor">
+                <a:schemeClr val="lt1"/>
+              </a:fontRef>
+            </p:style>
+            <p:txBody>
+              <a:bodyPr rtlCol="0" anchor="ctr"/>
+              <a:lstStyle/>
+              <a:p>
+                <a:pPr algn="ctr"/>
+                <a:r>
+                  <a:rPr lang="en-US" b="1" dirty="0">
+                    <a:solidFill>
+                      <a:schemeClr val="tx1"/>
+                    </a:solidFill>
+                  </a:rPr>
+                  <a:t>RCV</a:t>
+                </a:r>
+              </a:p>
+            </p:txBody>
+          </p:sp>
+        </p:grpSp>
+        <p:cxnSp>
+          <p:nvCxnSpPr>
+            <p:cNvPr id="7" name="Straight Connector 6">
+              <a:extLst>
+                <a:ext uri="{FF2B5EF4-FFF2-40B4-BE49-F238E27FC236}">
+                  <a16:creationId xmlns:a16="http://schemas.microsoft.com/office/drawing/2014/main" id="{D272F1DD-4E98-FD10-1894-C42385D6E009}"/>
+                </a:ext>
+              </a:extLst>
+            </p:cNvPr>
+            <p:cNvCxnSpPr/>
+            <p:nvPr/>
+          </p:nvCxnSpPr>
+          <p:spPr>
+            <a:xfrm>
+              <a:off x="1822450" y="4837539"/>
+              <a:ext cx="1104900" cy="0"/>
+            </a:xfrm>
+            <a:prstGeom prst="line">
+              <a:avLst/>
+            </a:prstGeom>
+            <a:ln w="28575">
+              <a:solidFill>
+                <a:srgbClr val="C00000"/>
+              </a:solidFill>
+              <a:prstDash val="dash"/>
+            </a:ln>
+          </p:spPr>
+          <p:style>
+            <a:lnRef idx="1">
+              <a:schemeClr val="dk1"/>
+            </a:lnRef>
+            <a:fillRef idx="0">
+              <a:schemeClr val="dk1"/>
+            </a:fillRef>
+            <a:effectRef idx="0">
+              <a:schemeClr val="dk1"/>
+            </a:effectRef>
+            <a:fontRef idx="minor">
+              <a:schemeClr val="tx1"/>
+            </a:fontRef>
+          </p:style>
+        </p:cxnSp>
+        <p:cxnSp>
+          <p:nvCxnSpPr>
+            <p:cNvPr id="8" name="Straight Connector 7">
+              <a:extLst>
+                <a:ext uri="{FF2B5EF4-FFF2-40B4-BE49-F238E27FC236}">
+                  <a16:creationId xmlns:a16="http://schemas.microsoft.com/office/drawing/2014/main" id="{44D3248A-D687-B1B7-E096-99206119308B}"/>
+                </a:ext>
+              </a:extLst>
+            </p:cNvPr>
+            <p:cNvCxnSpPr/>
+            <p:nvPr/>
+          </p:nvCxnSpPr>
+          <p:spPr>
+            <a:xfrm>
+              <a:off x="5422900" y="4837539"/>
+              <a:ext cx="1104900" cy="0"/>
+            </a:xfrm>
+            <a:prstGeom prst="line">
+              <a:avLst/>
+            </a:prstGeom>
+            <a:ln w="28575">
+              <a:solidFill>
+                <a:srgbClr val="C00000"/>
+              </a:solidFill>
+              <a:prstDash val="dash"/>
+            </a:ln>
+          </p:spPr>
+          <p:style>
+            <a:lnRef idx="1">
+              <a:schemeClr val="dk1"/>
+            </a:lnRef>
+            <a:fillRef idx="0">
+              <a:schemeClr val="dk1"/>
+            </a:fillRef>
+            <a:effectRef idx="0">
+              <a:schemeClr val="dk1"/>
+            </a:effectRef>
+            <a:fontRef idx="minor">
+              <a:schemeClr val="tx1"/>
+            </a:fontRef>
+          </p:style>
+        </p:cxnSp>
+        <p:cxnSp>
+          <p:nvCxnSpPr>
+            <p:cNvPr id="9" name="Straight Connector 8">
+              <a:extLst>
+                <a:ext uri="{FF2B5EF4-FFF2-40B4-BE49-F238E27FC236}">
+                  <a16:creationId xmlns:a16="http://schemas.microsoft.com/office/drawing/2014/main" id="{E868542C-E429-A16C-54A0-6DE26FBDC307}"/>
+                </a:ext>
+              </a:extLst>
+            </p:cNvPr>
+            <p:cNvCxnSpPr>
+              <a:cxnSpLocks/>
+            </p:cNvCxnSpPr>
+            <p:nvPr/>
+          </p:nvCxnSpPr>
+          <p:spPr>
+            <a:xfrm>
+              <a:off x="2938409" y="5155039"/>
+              <a:ext cx="2484491" cy="0"/>
+            </a:xfrm>
+            <a:prstGeom prst="line">
+              <a:avLst/>
+            </a:prstGeom>
+            <a:ln w="28575">
+              <a:solidFill>
+                <a:srgbClr val="C00000"/>
+              </a:solidFill>
+              <a:prstDash val="dash"/>
+            </a:ln>
+          </p:spPr>
+          <p:style>
+            <a:lnRef idx="1">
+              <a:schemeClr val="dk1"/>
+            </a:lnRef>
+            <a:fillRef idx="0">
+              <a:schemeClr val="dk1"/>
+            </a:fillRef>
+            <a:effectRef idx="0">
+              <a:schemeClr val="dk1"/>
+            </a:effectRef>
+            <a:fontRef idx="minor">
+              <a:schemeClr val="tx1"/>
+            </a:fontRef>
+          </p:style>
+        </p:cxnSp>
+        <p:cxnSp>
+          <p:nvCxnSpPr>
+            <p:cNvPr id="10" name="Straight Connector 9">
+              <a:extLst>
+                <a:ext uri="{FF2B5EF4-FFF2-40B4-BE49-F238E27FC236}">
+                  <a16:creationId xmlns:a16="http://schemas.microsoft.com/office/drawing/2014/main" id="{7B934F70-3BA3-1F36-3D26-506EFF55600F}"/>
+                </a:ext>
+              </a:extLst>
+            </p:cNvPr>
+            <p:cNvCxnSpPr>
+              <a:cxnSpLocks/>
+            </p:cNvCxnSpPr>
+            <p:nvPr/>
+          </p:nvCxnSpPr>
+          <p:spPr>
+            <a:xfrm>
+              <a:off x="1822450" y="5434439"/>
+              <a:ext cx="4705350" cy="0"/>
+            </a:xfrm>
+            <a:prstGeom prst="line">
+              <a:avLst/>
+            </a:prstGeom>
+            <a:ln w="28575">
+              <a:solidFill>
+                <a:srgbClr val="C00000"/>
+              </a:solidFill>
+              <a:prstDash val="dash"/>
+            </a:ln>
+          </p:spPr>
+          <p:style>
+            <a:lnRef idx="1">
+              <a:schemeClr val="dk1"/>
+            </a:lnRef>
+            <a:fillRef idx="0">
+              <a:schemeClr val="dk1"/>
+            </a:fillRef>
+            <a:effectRef idx="0">
+              <a:schemeClr val="dk1"/>
+            </a:effectRef>
+            <a:fontRef idx="minor">
+              <a:schemeClr val="tx1"/>
+            </a:fontRef>
+          </p:style>
+        </p:cxnSp>
+        <p:cxnSp>
+          <p:nvCxnSpPr>
+            <p:cNvPr id="11" name="Straight Connector 10">
+              <a:extLst>
+                <a:ext uri="{FF2B5EF4-FFF2-40B4-BE49-F238E27FC236}">
+                  <a16:creationId xmlns:a16="http://schemas.microsoft.com/office/drawing/2014/main" id="{14E7F6D5-E497-BD29-8016-3030CE81C43B}"/>
+                </a:ext>
+              </a:extLst>
+            </p:cNvPr>
+            <p:cNvCxnSpPr>
+              <a:cxnSpLocks/>
+            </p:cNvCxnSpPr>
+            <p:nvPr/>
+          </p:nvCxnSpPr>
+          <p:spPr>
+            <a:xfrm flipV="1">
+              <a:off x="1822450" y="4437489"/>
+              <a:ext cx="0" cy="1060450"/>
+            </a:xfrm>
+            <a:prstGeom prst="line">
+              <a:avLst/>
+            </a:prstGeom>
+            <a:ln w="28575">
+              <a:prstDash val="solid"/>
+            </a:ln>
+          </p:spPr>
+          <p:style>
+            <a:lnRef idx="1">
+              <a:schemeClr val="dk1"/>
+            </a:lnRef>
+            <a:fillRef idx="0">
+              <a:schemeClr val="dk1"/>
+            </a:fillRef>
+            <a:effectRef idx="0">
+              <a:schemeClr val="dk1"/>
+            </a:effectRef>
+            <a:fontRef idx="minor">
+              <a:schemeClr val="tx1"/>
+            </a:fontRef>
+          </p:style>
+        </p:cxnSp>
+        <p:cxnSp>
+          <p:nvCxnSpPr>
+            <p:cNvPr id="12" name="Straight Connector 11">
+              <a:extLst>
+                <a:ext uri="{FF2B5EF4-FFF2-40B4-BE49-F238E27FC236}">
+                  <a16:creationId xmlns:a16="http://schemas.microsoft.com/office/drawing/2014/main" id="{DE6772DF-7895-7E70-A30E-48F82DD4A389}"/>
+                </a:ext>
+              </a:extLst>
+            </p:cNvPr>
+            <p:cNvCxnSpPr>
+              <a:cxnSpLocks/>
+            </p:cNvCxnSpPr>
+            <p:nvPr/>
+          </p:nvCxnSpPr>
+          <p:spPr>
+            <a:xfrm flipV="1">
+              <a:off x="2938409" y="4437489"/>
+              <a:ext cx="0" cy="1060450"/>
+            </a:xfrm>
+            <a:prstGeom prst="line">
+              <a:avLst/>
+            </a:prstGeom>
+            <a:ln w="28575">
+              <a:prstDash val="solid"/>
+            </a:ln>
+          </p:spPr>
+          <p:style>
+            <a:lnRef idx="1">
+              <a:schemeClr val="dk1"/>
+            </a:lnRef>
+            <a:fillRef idx="0">
+              <a:schemeClr val="dk1"/>
+            </a:fillRef>
+            <a:effectRef idx="0">
+              <a:schemeClr val="dk1"/>
+            </a:effectRef>
+            <a:fontRef idx="minor">
+              <a:schemeClr val="tx1"/>
+            </a:fontRef>
+          </p:style>
+        </p:cxnSp>
+        <p:cxnSp>
+          <p:nvCxnSpPr>
+            <p:cNvPr id="13" name="Straight Connector 12">
+              <a:extLst>
+                <a:ext uri="{FF2B5EF4-FFF2-40B4-BE49-F238E27FC236}">
+                  <a16:creationId xmlns:a16="http://schemas.microsoft.com/office/drawing/2014/main" id="{8F39888E-C6C3-8501-42BF-7A68356E8072}"/>
+                </a:ext>
+              </a:extLst>
+            </p:cNvPr>
+            <p:cNvCxnSpPr>
+              <a:cxnSpLocks/>
+            </p:cNvCxnSpPr>
+            <p:nvPr/>
+          </p:nvCxnSpPr>
+          <p:spPr>
+            <a:xfrm flipV="1">
+              <a:off x="5422900" y="4437489"/>
+              <a:ext cx="0" cy="1060450"/>
+            </a:xfrm>
+            <a:prstGeom prst="line">
+              <a:avLst/>
+            </a:prstGeom>
+            <a:ln w="28575">
+              <a:prstDash val="solid"/>
+            </a:ln>
+          </p:spPr>
+          <p:style>
+            <a:lnRef idx="1">
+              <a:schemeClr val="dk1"/>
+            </a:lnRef>
+            <a:fillRef idx="0">
+              <a:schemeClr val="dk1"/>
+            </a:fillRef>
+            <a:effectRef idx="0">
+              <a:schemeClr val="dk1"/>
+            </a:effectRef>
+            <a:fontRef idx="minor">
+              <a:schemeClr val="tx1"/>
+            </a:fontRef>
+          </p:style>
+        </p:cxnSp>
+        <p:cxnSp>
+          <p:nvCxnSpPr>
+            <p:cNvPr id="14" name="Straight Connector 13">
+              <a:extLst>
+                <a:ext uri="{FF2B5EF4-FFF2-40B4-BE49-F238E27FC236}">
+                  <a16:creationId xmlns:a16="http://schemas.microsoft.com/office/drawing/2014/main" id="{A1032A12-F701-14A0-82E2-34D7CFC84957}"/>
+                </a:ext>
+              </a:extLst>
+            </p:cNvPr>
+            <p:cNvCxnSpPr>
+              <a:cxnSpLocks/>
+            </p:cNvCxnSpPr>
+            <p:nvPr/>
+          </p:nvCxnSpPr>
+          <p:spPr>
+            <a:xfrm flipV="1">
+              <a:off x="6527800" y="4437489"/>
+              <a:ext cx="0" cy="1060450"/>
+            </a:xfrm>
+            <a:prstGeom prst="line">
+              <a:avLst/>
+            </a:prstGeom>
+            <a:ln w="28575">
+              <a:prstDash val="solid"/>
+            </a:ln>
+          </p:spPr>
+          <p:style>
+            <a:lnRef idx="1">
+              <a:schemeClr val="dk1"/>
+            </a:lnRef>
+            <a:fillRef idx="0">
+              <a:schemeClr val="dk1"/>
+            </a:fillRef>
+            <a:effectRef idx="0">
+              <a:schemeClr val="dk1"/>
+            </a:effectRef>
+            <a:fontRef idx="minor">
+              <a:schemeClr val="tx1"/>
+            </a:fontRef>
+          </p:style>
+        </p:cxnSp>
+        <p:grpSp>
+          <p:nvGrpSpPr>
+            <p:cNvPr id="15" name="Group 14">
+              <a:extLst>
+                <a:ext uri="{FF2B5EF4-FFF2-40B4-BE49-F238E27FC236}">
+                  <a16:creationId xmlns:a16="http://schemas.microsoft.com/office/drawing/2014/main" id="{80146C87-FCEB-E7BC-9E6D-35AD65BE94CF}"/>
+                </a:ext>
+              </a:extLst>
+            </p:cNvPr>
+            <p:cNvGrpSpPr/>
+            <p:nvPr/>
+          </p:nvGrpSpPr>
+          <p:grpSpPr>
+            <a:xfrm rot="20700000">
+              <a:off x="4887787" y="1784209"/>
+              <a:ext cx="2178122" cy="788682"/>
+              <a:chOff x="4570287" y="3700768"/>
+              <a:chExt cx="2178122" cy="788682"/>
+            </a:xfrm>
+          </p:grpSpPr>
+          <p:sp>
+            <p:nvSpPr>
+              <p:cNvPr id="26" name="Rectangle 25">
+                <a:extLst>
+                  <a:ext uri="{FF2B5EF4-FFF2-40B4-BE49-F238E27FC236}">
+                    <a16:creationId xmlns:a16="http://schemas.microsoft.com/office/drawing/2014/main" id="{43471096-4090-CD50-F916-BE180058CAAE}"/>
+                  </a:ext>
+                </a:extLst>
+              </p:cNvPr>
+              <p:cNvSpPr/>
+              <p:nvPr/>
+            </p:nvSpPr>
+            <p:spPr>
+              <a:xfrm>
+                <a:off x="4570287" y="3700768"/>
+                <a:ext cx="2178122" cy="788682"/>
+              </a:xfrm>
+              <a:prstGeom prst="rect">
+                <a:avLst/>
+              </a:prstGeom>
+              <a:ln w="28575"/>
+            </p:spPr>
+            <p:style>
+              <a:lnRef idx="2">
+                <a:schemeClr val="accent1">
+                  <a:shade val="15000"/>
+                </a:schemeClr>
+              </a:lnRef>
+              <a:fillRef idx="1">
+                <a:schemeClr val="accent1"/>
+              </a:fillRef>
+              <a:effectRef idx="0">
+                <a:schemeClr val="accent1"/>
+              </a:effectRef>
+              <a:fontRef idx="minor">
+                <a:schemeClr val="lt1"/>
+              </a:fontRef>
+            </p:style>
+            <p:txBody>
+              <a:bodyPr rtlCol="0" anchor="ctr"/>
+              <a:lstStyle/>
+              <a:p>
+                <a:pPr algn="ctr"/>
+                <a:endParaRPr lang="en-US"/>
+              </a:p>
+            </p:txBody>
+          </p:sp>
+          <p:sp>
+            <p:nvSpPr>
+              <p:cNvPr id="27" name="Rectangle 26">
+                <a:extLst>
+                  <a:ext uri="{FF2B5EF4-FFF2-40B4-BE49-F238E27FC236}">
+                    <a16:creationId xmlns:a16="http://schemas.microsoft.com/office/drawing/2014/main" id="{D05D1405-B76D-D687-2F63-BCB458031151}"/>
+                  </a:ext>
+                </a:extLst>
+              </p:cNvPr>
+              <p:cNvSpPr/>
+              <p:nvPr/>
+            </p:nvSpPr>
+            <p:spPr>
+              <a:xfrm>
+                <a:off x="4786187" y="3903468"/>
+                <a:ext cx="687513" cy="381500"/>
+              </a:xfrm>
+              <a:prstGeom prst="rect">
+                <a:avLst/>
+              </a:prstGeom>
+              <a:solidFill>
+                <a:schemeClr val="tx2">
+                  <a:lumMod val="20000"/>
+                  <a:lumOff val="80000"/>
+                </a:schemeClr>
+              </a:solidFill>
+              <a:ln w="28575"/>
+            </p:spPr>
+            <p:style>
+              <a:lnRef idx="2">
+                <a:schemeClr val="accent1">
+                  <a:shade val="15000"/>
+                </a:schemeClr>
+              </a:lnRef>
+              <a:fillRef idx="1">
+                <a:schemeClr val="accent1"/>
+              </a:fillRef>
+              <a:effectRef idx="0">
+                <a:schemeClr val="accent1"/>
+              </a:effectRef>
+              <a:fontRef idx="minor">
+                <a:schemeClr val="lt1"/>
+              </a:fontRef>
+            </p:style>
+            <p:txBody>
+              <a:bodyPr rtlCol="0" anchor="ctr"/>
+              <a:lstStyle/>
+              <a:p>
+                <a:pPr algn="ctr"/>
+                <a:r>
+                  <a:rPr lang="en-US" b="1" dirty="0">
+                    <a:solidFill>
+                      <a:schemeClr val="tx1"/>
+                    </a:solidFill>
+                  </a:rPr>
+                  <a:t>RCV</a:t>
+                </a:r>
+              </a:p>
+            </p:txBody>
+          </p:sp>
+          <p:sp>
+            <p:nvSpPr>
+              <p:cNvPr id="28" name="Rectangle 27">
+                <a:extLst>
+                  <a:ext uri="{FF2B5EF4-FFF2-40B4-BE49-F238E27FC236}">
+                    <a16:creationId xmlns:a16="http://schemas.microsoft.com/office/drawing/2014/main" id="{8C35B194-EB88-7B01-85DC-16614D30151E}"/>
+                  </a:ext>
+                </a:extLst>
+              </p:cNvPr>
+              <p:cNvSpPr/>
+              <p:nvPr/>
+            </p:nvSpPr>
+            <p:spPr>
+              <a:xfrm>
+                <a:off x="5849848" y="3903468"/>
+                <a:ext cx="687513" cy="381500"/>
+              </a:xfrm>
+              <a:prstGeom prst="rect">
+                <a:avLst/>
+              </a:prstGeom>
+              <a:solidFill>
+                <a:schemeClr val="tx2">
+                  <a:lumMod val="20000"/>
+                  <a:lumOff val="80000"/>
+                </a:schemeClr>
+              </a:solidFill>
+              <a:ln w="28575"/>
+            </p:spPr>
+            <p:style>
+              <a:lnRef idx="2">
+                <a:schemeClr val="accent1">
+                  <a:shade val="15000"/>
+                </a:schemeClr>
+              </a:lnRef>
+              <a:fillRef idx="1">
+                <a:schemeClr val="accent1"/>
+              </a:fillRef>
+              <a:effectRef idx="0">
+                <a:schemeClr val="accent1"/>
+              </a:effectRef>
+              <a:fontRef idx="minor">
+                <a:schemeClr val="lt1"/>
+              </a:fontRef>
+            </p:style>
+            <p:txBody>
+              <a:bodyPr rtlCol="0" anchor="ctr"/>
+              <a:lstStyle/>
+              <a:p>
+                <a:pPr algn="ctr"/>
+                <a:r>
+                  <a:rPr lang="en-US" b="1" dirty="0">
+                    <a:solidFill>
+                      <a:schemeClr val="tx1"/>
+                    </a:solidFill>
+                  </a:rPr>
+                  <a:t>RCV</a:t>
+                </a:r>
+              </a:p>
+            </p:txBody>
+          </p:sp>
+        </p:grpSp>
+        <p:grpSp>
+          <p:nvGrpSpPr>
+            <p:cNvPr id="16" name="Group 15">
+              <a:extLst>
+                <a:ext uri="{FF2B5EF4-FFF2-40B4-BE49-F238E27FC236}">
+                  <a16:creationId xmlns:a16="http://schemas.microsoft.com/office/drawing/2014/main" id="{ED0717A2-9880-A736-5342-BC5D32B1C6D7}"/>
+                </a:ext>
+              </a:extLst>
+            </p:cNvPr>
+            <p:cNvGrpSpPr/>
+            <p:nvPr/>
+          </p:nvGrpSpPr>
+          <p:grpSpPr>
+            <a:xfrm rot="20700000">
+              <a:off x="1312737" y="1784209"/>
+              <a:ext cx="2178122" cy="788682"/>
+              <a:chOff x="995237" y="3700768"/>
+              <a:chExt cx="2178122" cy="788682"/>
+            </a:xfrm>
+          </p:grpSpPr>
+          <p:sp>
+            <p:nvSpPr>
+              <p:cNvPr id="23" name="Rectangle 22">
+                <a:extLst>
+                  <a:ext uri="{FF2B5EF4-FFF2-40B4-BE49-F238E27FC236}">
+                    <a16:creationId xmlns:a16="http://schemas.microsoft.com/office/drawing/2014/main" id="{343D4F01-31A8-0CFB-A459-102ADE6CCDE2}"/>
+                  </a:ext>
+                </a:extLst>
+              </p:cNvPr>
+              <p:cNvSpPr/>
+              <p:nvPr/>
+            </p:nvSpPr>
+            <p:spPr>
+              <a:xfrm>
+                <a:off x="995237" y="3700768"/>
+                <a:ext cx="2178122" cy="788682"/>
+              </a:xfrm>
+              <a:prstGeom prst="rect">
+                <a:avLst/>
+              </a:prstGeom>
+              <a:ln w="28575"/>
+            </p:spPr>
+            <p:style>
+              <a:lnRef idx="2">
+                <a:schemeClr val="accent1">
+                  <a:shade val="15000"/>
+                </a:schemeClr>
+              </a:lnRef>
+              <a:fillRef idx="1">
+                <a:schemeClr val="accent1"/>
+              </a:fillRef>
+              <a:effectRef idx="0">
+                <a:schemeClr val="accent1"/>
+              </a:effectRef>
+              <a:fontRef idx="minor">
+                <a:schemeClr val="lt1"/>
+              </a:fontRef>
+            </p:style>
+            <p:txBody>
+              <a:bodyPr rtlCol="0" anchor="ctr"/>
+              <a:lstStyle/>
+              <a:p>
+                <a:pPr algn="ctr"/>
+                <a:endParaRPr lang="en-US"/>
+              </a:p>
+            </p:txBody>
+          </p:sp>
+          <p:sp>
+            <p:nvSpPr>
+              <p:cNvPr id="24" name="Rectangle 23">
+                <a:extLst>
+                  <a:ext uri="{FF2B5EF4-FFF2-40B4-BE49-F238E27FC236}">
+                    <a16:creationId xmlns:a16="http://schemas.microsoft.com/office/drawing/2014/main" id="{8D361E8C-2268-C6F0-DA12-138E7366D96D}"/>
+                  </a:ext>
+                </a:extLst>
+              </p:cNvPr>
+              <p:cNvSpPr/>
+              <p:nvPr/>
+            </p:nvSpPr>
+            <p:spPr>
+              <a:xfrm>
+                <a:off x="1211137" y="3903468"/>
+                <a:ext cx="687513" cy="381500"/>
+              </a:xfrm>
+              <a:prstGeom prst="rect">
+                <a:avLst/>
+              </a:prstGeom>
+              <a:solidFill>
+                <a:schemeClr val="tx2">
+                  <a:lumMod val="20000"/>
+                  <a:lumOff val="80000"/>
+                </a:schemeClr>
+              </a:solidFill>
+              <a:ln w="28575"/>
+            </p:spPr>
+            <p:style>
+              <a:lnRef idx="2">
+                <a:schemeClr val="accent1">
+                  <a:shade val="15000"/>
+                </a:schemeClr>
+              </a:lnRef>
+              <a:fillRef idx="1">
+                <a:schemeClr val="accent1"/>
+              </a:fillRef>
+              <a:effectRef idx="0">
+                <a:schemeClr val="accent1"/>
+              </a:effectRef>
+              <a:fontRef idx="minor">
+                <a:schemeClr val="lt1"/>
+              </a:fontRef>
+            </p:style>
+            <p:txBody>
+              <a:bodyPr rtlCol="0" anchor="ctr"/>
+              <a:lstStyle/>
+              <a:p>
+                <a:pPr algn="ctr"/>
+                <a:r>
+                  <a:rPr lang="en-US" b="1" dirty="0">
+                    <a:solidFill>
+                      <a:schemeClr val="tx1"/>
+                    </a:solidFill>
+                  </a:rPr>
+                  <a:t>RCV</a:t>
+                </a:r>
+              </a:p>
+            </p:txBody>
+          </p:sp>
+          <p:sp>
+            <p:nvSpPr>
+              <p:cNvPr id="25" name="Rectangle 24">
+                <a:extLst>
+                  <a:ext uri="{FF2B5EF4-FFF2-40B4-BE49-F238E27FC236}">
+                    <a16:creationId xmlns:a16="http://schemas.microsoft.com/office/drawing/2014/main" id="{17E1E837-1044-0B98-CD1C-1FF22019541A}"/>
+                  </a:ext>
+                </a:extLst>
+              </p:cNvPr>
+              <p:cNvSpPr/>
+              <p:nvPr/>
+            </p:nvSpPr>
+            <p:spPr>
+              <a:xfrm>
+                <a:off x="2274798" y="3903468"/>
+                <a:ext cx="687513" cy="381500"/>
+              </a:xfrm>
+              <a:prstGeom prst="rect">
+                <a:avLst/>
+              </a:prstGeom>
+              <a:solidFill>
+                <a:schemeClr val="tx2">
+                  <a:lumMod val="20000"/>
+                  <a:lumOff val="80000"/>
+                </a:schemeClr>
+              </a:solidFill>
+              <a:ln w="28575"/>
+            </p:spPr>
+            <p:style>
+              <a:lnRef idx="2">
+                <a:schemeClr val="accent1">
+                  <a:shade val="15000"/>
+                </a:schemeClr>
+              </a:lnRef>
+              <a:fillRef idx="1">
+                <a:schemeClr val="accent1"/>
+              </a:fillRef>
+              <a:effectRef idx="0">
+                <a:schemeClr val="accent1"/>
+              </a:effectRef>
+              <a:fontRef idx="minor">
+                <a:schemeClr val="lt1"/>
+              </a:fontRef>
+            </p:style>
+            <p:txBody>
+              <a:bodyPr rtlCol="0" anchor="ctr"/>
+              <a:lstStyle/>
+              <a:p>
+                <a:pPr algn="ctr"/>
+                <a:r>
+                  <a:rPr lang="en-US" b="1" dirty="0">
+                    <a:solidFill>
+                      <a:schemeClr val="tx1"/>
+                    </a:solidFill>
+                  </a:rPr>
+                  <a:t>RCV</a:t>
+                </a:r>
+              </a:p>
+            </p:txBody>
+          </p:sp>
+        </p:grpSp>
+        <p:sp>
+          <p:nvSpPr>
+            <p:cNvPr id="17" name="Sun 16">
+              <a:extLst>
+                <a:ext uri="{FF2B5EF4-FFF2-40B4-BE49-F238E27FC236}">
+                  <a16:creationId xmlns:a16="http://schemas.microsoft.com/office/drawing/2014/main" id="{02E2A6AB-734B-A4AB-AB75-CBAF35052012}"/>
+                </a:ext>
+              </a:extLst>
+            </p:cNvPr>
+            <p:cNvSpPr/>
+            <p:nvPr/>
+          </p:nvSpPr>
+          <p:spPr>
+            <a:xfrm>
+              <a:off x="9888591" y="3903506"/>
+              <a:ext cx="673768" cy="673768"/>
+            </a:xfrm>
+            <a:prstGeom prst="sun">
+              <a:avLst/>
+            </a:prstGeom>
+            <a:solidFill>
+              <a:srgbClr val="FFC000"/>
+            </a:solidFill>
+            <a:ln w="28575">
+              <a:solidFill>
+                <a:srgbClr val="C00000"/>
+              </a:solidFill>
+            </a:ln>
+          </p:spPr>
+          <p:style>
+            <a:lnRef idx="2">
+              <a:schemeClr val="accent1">
+                <a:shade val="15000"/>
+              </a:schemeClr>
+            </a:lnRef>
+            <a:fillRef idx="1">
+              <a:schemeClr val="accent1"/>
+            </a:fillRef>
+            <a:effectRef idx="0">
+              <a:schemeClr val="accent1"/>
+            </a:effectRef>
+            <a:fontRef idx="minor">
+              <a:schemeClr val="lt1"/>
+            </a:fontRef>
+          </p:style>
+          <p:txBody>
+            <a:bodyPr rtlCol="0" anchor="ctr"/>
+            <a:lstStyle/>
+            <a:p>
+              <a:pPr algn="ctr"/>
+              <a:endParaRPr lang="en-US"/>
+            </a:p>
+          </p:txBody>
+        </p:sp>
+        <p:sp>
+          <p:nvSpPr>
+            <p:cNvPr id="18" name="Sun 17">
+              <a:extLst>
+                <a:ext uri="{FF2B5EF4-FFF2-40B4-BE49-F238E27FC236}">
+                  <a16:creationId xmlns:a16="http://schemas.microsoft.com/office/drawing/2014/main" id="{D607F1C7-E06B-6A44-2A11-FF5F21DA61E4}"/>
+                </a:ext>
+              </a:extLst>
+            </p:cNvPr>
+            <p:cNvSpPr/>
+            <p:nvPr/>
+          </p:nvSpPr>
+          <p:spPr>
+            <a:xfrm>
+              <a:off x="9888591" y="1841666"/>
+              <a:ext cx="673768" cy="673768"/>
+            </a:xfrm>
+            <a:prstGeom prst="sun">
+              <a:avLst/>
+            </a:prstGeom>
+            <a:solidFill>
+              <a:srgbClr val="FFC000"/>
+            </a:solidFill>
+            <a:ln w="28575">
+              <a:solidFill>
+                <a:srgbClr val="C00000"/>
+              </a:solidFill>
+            </a:ln>
+          </p:spPr>
+          <p:style>
+            <a:lnRef idx="2">
+              <a:schemeClr val="accent1">
+                <a:shade val="15000"/>
+              </a:schemeClr>
+            </a:lnRef>
+            <a:fillRef idx="1">
+              <a:schemeClr val="accent1"/>
+            </a:fillRef>
+            <a:effectRef idx="0">
+              <a:schemeClr val="accent1"/>
+            </a:effectRef>
+            <a:fontRef idx="minor">
+              <a:schemeClr val="lt1"/>
+            </a:fontRef>
+          </p:style>
+          <p:txBody>
+            <a:bodyPr rtlCol="0" anchor="ctr"/>
+            <a:lstStyle/>
+            <a:p>
+              <a:pPr algn="ctr"/>
+              <a:endParaRPr lang="en-US"/>
+            </a:p>
+          </p:txBody>
+        </p:sp>
+        <p:sp>
+          <p:nvSpPr>
+            <p:cNvPr id="19" name="TextBox 18">
+              <a:extLst>
+                <a:ext uri="{FF2B5EF4-FFF2-40B4-BE49-F238E27FC236}">
+                  <a16:creationId xmlns:a16="http://schemas.microsoft.com/office/drawing/2014/main" id="{2E91D302-AE02-BD4E-EC36-C304FF1286D4}"/>
+                </a:ext>
+              </a:extLst>
+            </p:cNvPr>
+            <p:cNvSpPr txBox="1"/>
+            <p:nvPr/>
+          </p:nvSpPr>
+          <p:spPr>
+            <a:xfrm>
+              <a:off x="2096434" y="4810330"/>
+              <a:ext cx="579051" cy="369332"/>
+            </a:xfrm>
+            <a:prstGeom prst="rect">
+              <a:avLst/>
+            </a:prstGeom>
+            <a:noFill/>
+          </p:spPr>
+          <p:txBody>
+            <a:bodyPr wrap="square" rtlCol="0">
+              <a:spAutoFit/>
+            </a:bodyPr>
+            <a:lstStyle/>
+            <a:p>
+              <a:pPr algn="ctr"/>
+              <a:r>
+                <a:rPr lang="en-US" b="1" dirty="0">
+                  <a:solidFill>
+                    <a:srgbClr val="C00000"/>
+                  </a:solidFill>
+                </a:rPr>
+                <a:t>1</a:t>
+              </a:r>
+            </a:p>
+          </p:txBody>
+        </p:sp>
+        <p:sp>
+          <p:nvSpPr>
+            <p:cNvPr id="20" name="TextBox 19">
+              <a:extLst>
+                <a:ext uri="{FF2B5EF4-FFF2-40B4-BE49-F238E27FC236}">
+                  <a16:creationId xmlns:a16="http://schemas.microsoft.com/office/drawing/2014/main" id="{9F0314A1-D56F-04FA-20C9-1C0E11EA97EF}"/>
+                </a:ext>
+              </a:extLst>
+            </p:cNvPr>
+            <p:cNvSpPr txBox="1"/>
+            <p:nvPr/>
+          </p:nvSpPr>
+          <p:spPr>
+            <a:xfrm>
+              <a:off x="5700166" y="4816946"/>
+              <a:ext cx="579051" cy="369332"/>
+            </a:xfrm>
+            <a:prstGeom prst="rect">
+              <a:avLst/>
+            </a:prstGeom>
+            <a:noFill/>
+          </p:spPr>
+          <p:txBody>
+            <a:bodyPr wrap="square" rtlCol="0">
+              <a:spAutoFit/>
+            </a:bodyPr>
+            <a:lstStyle/>
+            <a:p>
+              <a:pPr algn="ctr"/>
+              <a:r>
+                <a:rPr lang="en-US" b="1" dirty="0">
+                  <a:solidFill>
+                    <a:srgbClr val="C00000"/>
+                  </a:solidFill>
+                </a:rPr>
+                <a:t>3</a:t>
+              </a:r>
+            </a:p>
+          </p:txBody>
+        </p:sp>
+        <p:sp>
+          <p:nvSpPr>
+            <p:cNvPr id="21" name="TextBox 20">
+              <a:extLst>
+                <a:ext uri="{FF2B5EF4-FFF2-40B4-BE49-F238E27FC236}">
+                  <a16:creationId xmlns:a16="http://schemas.microsoft.com/office/drawing/2014/main" id="{18F02B6B-95D2-F5ED-9C50-89DE73672E50}"/>
+                </a:ext>
+              </a:extLst>
+            </p:cNvPr>
+            <p:cNvSpPr txBox="1"/>
+            <p:nvPr/>
+          </p:nvSpPr>
+          <p:spPr>
+            <a:xfrm>
+              <a:off x="3885599" y="4785707"/>
+              <a:ext cx="579051" cy="369332"/>
+            </a:xfrm>
+            <a:prstGeom prst="rect">
+              <a:avLst/>
+            </a:prstGeom>
+            <a:noFill/>
+          </p:spPr>
+          <p:txBody>
+            <a:bodyPr wrap="square" rtlCol="0">
+              <a:spAutoFit/>
+            </a:bodyPr>
+            <a:lstStyle/>
+            <a:p>
+              <a:pPr algn="ctr"/>
+              <a:r>
+                <a:rPr lang="en-US" b="1" dirty="0">
+                  <a:solidFill>
+                    <a:srgbClr val="C00000"/>
+                  </a:solidFill>
+                </a:rPr>
+                <a:t>2</a:t>
+              </a:r>
+            </a:p>
+          </p:txBody>
+        </p:sp>
+        <p:sp>
+          <p:nvSpPr>
+            <p:cNvPr id="22" name="TextBox 21">
+              <a:extLst>
+                <a:ext uri="{FF2B5EF4-FFF2-40B4-BE49-F238E27FC236}">
+                  <a16:creationId xmlns:a16="http://schemas.microsoft.com/office/drawing/2014/main" id="{6638A838-03DB-BF70-BBAC-BA888D8DABFC}"/>
+                </a:ext>
+              </a:extLst>
+            </p:cNvPr>
+            <p:cNvSpPr txBox="1"/>
+            <p:nvPr/>
+          </p:nvSpPr>
+          <p:spPr>
+            <a:xfrm>
+              <a:off x="3885599" y="5416106"/>
+              <a:ext cx="579051" cy="369332"/>
+            </a:xfrm>
+            <a:prstGeom prst="rect">
+              <a:avLst/>
+            </a:prstGeom>
+            <a:noFill/>
+          </p:spPr>
+          <p:txBody>
+            <a:bodyPr wrap="square" rtlCol="0">
+              <a:spAutoFit/>
+            </a:bodyPr>
+            <a:lstStyle/>
+            <a:p>
+              <a:pPr algn="ctr"/>
+              <a:r>
+                <a:rPr lang="en-US" b="1" dirty="0">
+                  <a:solidFill>
+                    <a:srgbClr val="C00000"/>
+                  </a:solidFill>
+                </a:rPr>
+                <a:t>4</a:t>
+              </a:r>
+            </a:p>
+          </p:txBody>
+        </p:sp>
+      </p:grpSp>
+    </p:spTree>
+    <p:extLst>
+      <p:ext uri="{BB962C8B-B14F-4D97-AF65-F5344CB8AC3E}">
+        <p14:creationId xmlns:p14="http://schemas.microsoft.com/office/powerpoint/2010/main" val="59179165"/>
+      </p:ext>
+    </p:extLst>
+  </p:cSld>
+  <p:clrMapOvr>
+    <a:masterClrMapping/>
+  </p:clrMapOvr>
+</p:sld>
+</file>
+
+<file path=ppt/slides/slide12.xml><?xml version="1.0" encoding="utf-8"?>
+<p:sld xmlns:a="http://schemas.openxmlformats.org/drawingml/2006/main" xmlns:r="http://schemas.openxmlformats.org/officeDocument/2006/relationships" xmlns:p="http://schemas.openxmlformats.org/presentationml/2006/main">
+  <p:cSld>
+    <p:spTree>
+      <p:nvGrpSpPr>
+        <p:cNvPr id="1" name=""/>
+        <p:cNvGrpSpPr/>
+        <p:nvPr/>
+      </p:nvGrpSpPr>
+      <p:grpSpPr>
+        <a:xfrm>
+          <a:off x="0" y="0"/>
+          <a:ext cx="0" cy="0"/>
+          <a:chOff x="0" y="0"/>
+          <a:chExt cx="0" cy="0"/>
+        </a:xfrm>
+      </p:grpSpPr>
+      <p:sp>
+        <p:nvSpPr>
+          <p:cNvPr id="2" name="Title 1">
+            <a:extLst>
+              <a:ext uri="{FF2B5EF4-FFF2-40B4-BE49-F238E27FC236}">
+                <a16:creationId xmlns:a16="http://schemas.microsoft.com/office/drawing/2014/main" id="{9DCD0920-D24E-10EA-D56B-38DFE0AE1721}"/>
+              </a:ext>
+            </a:extLst>
+          </p:cNvPr>
+          <p:cNvSpPr>
+            <a:spLocks noGrp="1"/>
+          </p:cNvSpPr>
+          <p:nvPr>
+            <p:ph type="title"/>
+          </p:nvPr>
+        </p:nvSpPr>
+        <p:spPr/>
+        <p:txBody>
+          <a:bodyPr/>
+          <a:lstStyle/>
+          <a:p>
+            <a:r>
+              <a:rPr lang="en-US" dirty="0"/>
+              <a:t>With hat error</a:t>
+            </a:r>
+          </a:p>
+        </p:txBody>
+      </p:sp>
+      <p:pic>
+        <p:nvPicPr>
+          <p:cNvPr id="5" name="Picture 4">
+            <a:extLst>
+              <a:ext uri="{FF2B5EF4-FFF2-40B4-BE49-F238E27FC236}">
+                <a16:creationId xmlns:a16="http://schemas.microsoft.com/office/drawing/2014/main" id="{7B8BA7E1-79EE-56C9-4823-4DA990E9DC49}"/>
+              </a:ext>
+            </a:extLst>
+          </p:cNvPr>
+          <p:cNvPicPr>
+            <a:picLocks noChangeAspect="1"/>
+          </p:cNvPicPr>
+          <p:nvPr/>
+        </p:nvPicPr>
+        <p:blipFill>
+          <a:blip r:embed="rId2"/>
+          <a:stretch>
+            <a:fillRect/>
+          </a:stretch>
+        </p:blipFill>
+        <p:spPr>
+          <a:xfrm>
+            <a:off x="1012861" y="1673635"/>
+            <a:ext cx="2562546" cy="4819240"/>
+          </a:xfrm>
+          <a:prstGeom prst="rect">
+            <a:avLst/>
+          </a:prstGeom>
+        </p:spPr>
+      </p:pic>
+    </p:spTree>
+    <p:extLst>
+      <p:ext uri="{BB962C8B-B14F-4D97-AF65-F5344CB8AC3E}">
+        <p14:creationId xmlns:p14="http://schemas.microsoft.com/office/powerpoint/2010/main" val="1535702644"/>
       </p:ext>
     </p:extLst>
   </p:cSld>
@@ -14015,8 +15535,8 @@
           </a:prstGeom>
         </p:spPr>
       </p:pic>
-      <mc:AlternateContent xmlns:mc="http://schemas.openxmlformats.org/markup-compatibility/2006">
-        <mc:Choice xmlns:a14="http://schemas.microsoft.com/office/drawing/2010/main" Requires="a14">
+      <mc:AlternateContent xmlns:mc="http://schemas.openxmlformats.org/markup-compatibility/2006" xmlns:a14="http://schemas.microsoft.com/office/drawing/2010/main">
+        <mc:Choice Requires="a14">
           <p:sp>
             <p:nvSpPr>
               <p:cNvPr id="17" name="TextBox 16">
@@ -14097,7 +15617,7 @@
             </p:txBody>
           </p:sp>
         </mc:Choice>
-        <mc:Fallback>
+        <mc:Fallback xmlns="">
           <p:sp>
             <p:nvSpPr>
               <p:cNvPr id="17" name="TextBox 16">
@@ -14142,8 +15662,8 @@
           </p:sp>
         </mc:Fallback>
       </mc:AlternateContent>
-      <mc:AlternateContent xmlns:mc="http://schemas.openxmlformats.org/markup-compatibility/2006">
-        <mc:Choice xmlns:a14="http://schemas.microsoft.com/office/drawing/2010/main" Requires="a14">
+      <mc:AlternateContent xmlns:mc="http://schemas.openxmlformats.org/markup-compatibility/2006" xmlns:a14="http://schemas.microsoft.com/office/drawing/2010/main">
+        <mc:Choice Requires="a14">
           <p:sp>
             <p:nvSpPr>
               <p:cNvPr id="3" name="TextBox 2">
@@ -14224,7 +15744,7 @@
             </p:txBody>
           </p:sp>
         </mc:Choice>
-        <mc:Fallback>
+        <mc:Fallback xmlns="">
           <p:sp>
             <p:nvSpPr>
               <p:cNvPr id="3" name="TextBox 2">
@@ -14269,8 +15789,8 @@
           </p:sp>
         </mc:Fallback>
       </mc:AlternateContent>
-      <mc:AlternateContent xmlns:mc="http://schemas.openxmlformats.org/markup-compatibility/2006">
-        <mc:Choice xmlns:a14="http://schemas.microsoft.com/office/drawing/2010/main" Requires="a14">
+      <mc:AlternateContent xmlns:mc="http://schemas.openxmlformats.org/markup-compatibility/2006" xmlns:a14="http://schemas.microsoft.com/office/drawing/2010/main">
+        <mc:Choice Requires="a14">
           <p:sp>
             <p:nvSpPr>
               <p:cNvPr id="4" name="TextBox 3">
@@ -14351,7 +15871,7 @@
             </p:txBody>
           </p:sp>
         </mc:Choice>
-        <mc:Fallback>
+        <mc:Fallback xmlns="">
           <p:sp>
             <p:nvSpPr>
               <p:cNvPr id="4" name="TextBox 3">
@@ -14396,8 +15916,8 @@
           </p:sp>
         </mc:Fallback>
       </mc:AlternateContent>
-      <mc:AlternateContent xmlns:mc="http://schemas.openxmlformats.org/markup-compatibility/2006">
-        <mc:Choice xmlns:a14="http://schemas.microsoft.com/office/drawing/2010/main" Requires="a14">
+      <mc:AlternateContent xmlns:mc="http://schemas.openxmlformats.org/markup-compatibility/2006" xmlns:a14="http://schemas.microsoft.com/office/drawing/2010/main">
+        <mc:Choice Requires="a14">
           <p:sp>
             <p:nvSpPr>
               <p:cNvPr id="19" name="TextBox 18">
@@ -14478,7 +15998,7 @@
             </p:txBody>
           </p:sp>
         </mc:Choice>
-        <mc:Fallback>
+        <mc:Fallback xmlns="">
           <p:sp>
             <p:nvSpPr>
               <p:cNvPr id="19" name="TextBox 18">
@@ -14611,8 +16131,8 @@
           </a:fontRef>
         </p:style>
       </p:cxnSp>
-      <mc:AlternateContent xmlns:mc="http://schemas.openxmlformats.org/markup-compatibility/2006">
-        <mc:Choice xmlns:a14="http://schemas.microsoft.com/office/drawing/2010/main" Requires="a14">
+      <mc:AlternateContent xmlns:mc="http://schemas.openxmlformats.org/markup-compatibility/2006" xmlns:a14="http://schemas.microsoft.com/office/drawing/2010/main">
+        <mc:Choice Requires="a14">
           <p:sp>
             <p:nvSpPr>
               <p:cNvPr id="25" name="TextBox 24">
@@ -14693,7 +16213,7 @@
             </p:txBody>
           </p:sp>
         </mc:Choice>
-        <mc:Fallback>
+        <mc:Fallback xmlns="">
           <p:sp>
             <p:nvSpPr>
               <p:cNvPr id="25" name="TextBox 24">
@@ -14738,8 +16258,8 @@
           </p:sp>
         </mc:Fallback>
       </mc:AlternateContent>
-      <mc:AlternateContent xmlns:mc="http://schemas.openxmlformats.org/markup-compatibility/2006">
-        <mc:Choice xmlns:a14="http://schemas.microsoft.com/office/drawing/2010/main" Requires="a14">
+      <mc:AlternateContent xmlns:mc="http://schemas.openxmlformats.org/markup-compatibility/2006" xmlns:a14="http://schemas.microsoft.com/office/drawing/2010/main">
+        <mc:Choice Requires="a14">
           <p:sp>
             <p:nvSpPr>
               <p:cNvPr id="29" name="TextBox 28">
@@ -14820,7 +16340,7 @@
             </p:txBody>
           </p:sp>
         </mc:Choice>
-        <mc:Fallback>
+        <mc:Fallback xmlns="">
           <p:sp>
             <p:nvSpPr>
               <p:cNvPr id="29" name="TextBox 28">

--- a/graphics.pptx
+++ b/graphics.pptx
@@ -5,7 +5,7 @@
     <p:sldMasterId id="2147483648" r:id="rId1"/>
   </p:sldMasterIdLst>
   <p:notesMasterIdLst>
-    <p:notesMasterId r:id="rId14"/>
+    <p:notesMasterId r:id="rId17"/>
   </p:notesMasterIdLst>
   <p:sldIdLst>
     <p:sldId id="256" r:id="rId2"/>
@@ -20,6 +20,9 @@
     <p:sldId id="264" r:id="rId11"/>
     <p:sldId id="266" r:id="rId12"/>
     <p:sldId id="267" r:id="rId13"/>
+    <p:sldId id="268" r:id="rId14"/>
+    <p:sldId id="269" r:id="rId15"/>
+    <p:sldId id="270" r:id="rId16"/>
   </p:sldIdLst>
   <p:sldSz cx="12192000" cy="6858000"/>
   <p:notesSz cx="6858000" cy="9144000"/>
@@ -208,7 +211,7 @@
           <a:p>
             <a:fld id="{30BA6EED-41FB-463F-A202-09D727F1A9E7}" type="datetimeFigureOut">
               <a:rPr lang="en-US" smtClean="0"/>
-              <a:t>4/19/2024</a:t>
+              <a:t>5/1/2024</a:t>
             </a:fld>
             <a:endParaRPr lang="en-US"/>
           </a:p>
@@ -706,7 +709,7 @@
           <a:p>
             <a:fld id="{491F7E70-246B-4D1A-989A-6D49ADA39188}" type="datetimeFigureOut">
               <a:rPr lang="en-US" smtClean="0"/>
-              <a:t>4/19/2024</a:t>
+              <a:t>5/1/2024</a:t>
             </a:fld>
             <a:endParaRPr lang="en-US"/>
           </a:p>
@@ -904,7 +907,7 @@
           <a:p>
             <a:fld id="{491F7E70-246B-4D1A-989A-6D49ADA39188}" type="datetimeFigureOut">
               <a:rPr lang="en-US" smtClean="0"/>
-              <a:t>4/19/2024</a:t>
+              <a:t>5/1/2024</a:t>
             </a:fld>
             <a:endParaRPr lang="en-US"/>
           </a:p>
@@ -1112,7 +1115,7 @@
           <a:p>
             <a:fld id="{491F7E70-246B-4D1A-989A-6D49ADA39188}" type="datetimeFigureOut">
               <a:rPr lang="en-US" smtClean="0"/>
-              <a:t>4/19/2024</a:t>
+              <a:t>5/1/2024</a:t>
             </a:fld>
             <a:endParaRPr lang="en-US"/>
           </a:p>
@@ -1310,7 +1313,7 @@
           <a:p>
             <a:fld id="{491F7E70-246B-4D1A-989A-6D49ADA39188}" type="datetimeFigureOut">
               <a:rPr lang="en-US" smtClean="0"/>
-              <a:t>4/19/2024</a:t>
+              <a:t>5/1/2024</a:t>
             </a:fld>
             <a:endParaRPr lang="en-US"/>
           </a:p>
@@ -1585,7 +1588,7 @@
           <a:p>
             <a:fld id="{491F7E70-246B-4D1A-989A-6D49ADA39188}" type="datetimeFigureOut">
               <a:rPr lang="en-US" smtClean="0"/>
-              <a:t>4/19/2024</a:t>
+              <a:t>5/1/2024</a:t>
             </a:fld>
             <a:endParaRPr lang="en-US"/>
           </a:p>
@@ -1850,7 +1853,7 @@
           <a:p>
             <a:fld id="{491F7E70-246B-4D1A-989A-6D49ADA39188}" type="datetimeFigureOut">
               <a:rPr lang="en-US" smtClean="0"/>
-              <a:t>4/19/2024</a:t>
+              <a:t>5/1/2024</a:t>
             </a:fld>
             <a:endParaRPr lang="en-US"/>
           </a:p>
@@ -2262,7 +2265,7 @@
           <a:p>
             <a:fld id="{491F7E70-246B-4D1A-989A-6D49ADA39188}" type="datetimeFigureOut">
               <a:rPr lang="en-US" smtClean="0"/>
-              <a:t>4/19/2024</a:t>
+              <a:t>5/1/2024</a:t>
             </a:fld>
             <a:endParaRPr lang="en-US"/>
           </a:p>
@@ -2403,7 +2406,7 @@
           <a:p>
             <a:fld id="{491F7E70-246B-4D1A-989A-6D49ADA39188}" type="datetimeFigureOut">
               <a:rPr lang="en-US" smtClean="0"/>
-              <a:t>4/19/2024</a:t>
+              <a:t>5/1/2024</a:t>
             </a:fld>
             <a:endParaRPr lang="en-US"/>
           </a:p>
@@ -2516,7 +2519,7 @@
           <a:p>
             <a:fld id="{491F7E70-246B-4D1A-989A-6D49ADA39188}" type="datetimeFigureOut">
               <a:rPr lang="en-US" smtClean="0"/>
-              <a:t>4/19/2024</a:t>
+              <a:t>5/1/2024</a:t>
             </a:fld>
             <a:endParaRPr lang="en-US"/>
           </a:p>
@@ -2827,7 +2830,7 @@
           <a:p>
             <a:fld id="{491F7E70-246B-4D1A-989A-6D49ADA39188}" type="datetimeFigureOut">
               <a:rPr lang="en-US" smtClean="0"/>
-              <a:t>4/19/2024</a:t>
+              <a:t>5/1/2024</a:t>
             </a:fld>
             <a:endParaRPr lang="en-US"/>
           </a:p>
@@ -3115,7 +3118,7 @@
           <a:p>
             <a:fld id="{491F7E70-246B-4D1A-989A-6D49ADA39188}" type="datetimeFigureOut">
               <a:rPr lang="en-US" smtClean="0"/>
-              <a:t>4/19/2024</a:t>
+              <a:t>5/1/2024</a:t>
             </a:fld>
             <a:endParaRPr lang="en-US"/>
           </a:p>
@@ -3356,7 +3359,7 @@
           <a:p>
             <a:fld id="{491F7E70-246B-4D1A-989A-6D49ADA39188}" type="datetimeFigureOut">
               <a:rPr lang="en-US" smtClean="0"/>
-              <a:t>4/19/2024</a:t>
+              <a:t>5/1/2024</a:t>
             </a:fld>
             <a:endParaRPr lang="en-US"/>
           </a:p>
@@ -9430,10 +9433,3995 @@
           </a:prstGeom>
         </p:spPr>
       </p:pic>
+      <p:pic>
+        <p:nvPicPr>
+          <p:cNvPr id="3" name="Picture 2">
+            <a:extLst>
+              <a:ext uri="{FF2B5EF4-FFF2-40B4-BE49-F238E27FC236}">
+                <a16:creationId xmlns:a16="http://schemas.microsoft.com/office/drawing/2014/main" id="{1B9682A8-F4BF-A155-7390-CEB5C7E34223}"/>
+              </a:ext>
+            </a:extLst>
+          </p:cNvPr>
+          <p:cNvPicPr>
+            <a:picLocks noChangeAspect="1"/>
+          </p:cNvPicPr>
+          <p:nvPr/>
+        </p:nvPicPr>
+        <p:blipFill>
+          <a:blip r:embed="rId3">
+            <a:extLst>
+              <a:ext uri="{28A0092B-C50C-407E-A947-70E740481C1C}">
+                <a14:useLocalDpi xmlns:a14="http://schemas.microsoft.com/office/drawing/2010/main" val="0"/>
+              </a:ext>
+            </a:extLst>
+          </a:blip>
+          <a:stretch>
+            <a:fillRect/>
+          </a:stretch>
+        </p:blipFill>
+        <p:spPr>
+          <a:xfrm>
+            <a:off x="5349065" y="59429"/>
+            <a:ext cx="5967063" cy="6572017"/>
+          </a:xfrm>
+          <a:prstGeom prst="rect">
+            <a:avLst/>
+          </a:prstGeom>
+        </p:spPr>
+      </p:pic>
+      <mc:AlternateContent xmlns:mc="http://schemas.openxmlformats.org/markup-compatibility/2006" xmlns:a14="http://schemas.microsoft.com/office/drawing/2010/main">
+        <mc:Choice Requires="a14">
+          <p:sp>
+            <p:nvSpPr>
+              <p:cNvPr id="4" name="TextBox 3">
+                <a:extLst>
+                  <a:ext uri="{FF2B5EF4-FFF2-40B4-BE49-F238E27FC236}">
+                    <a16:creationId xmlns:a16="http://schemas.microsoft.com/office/drawing/2014/main" id="{B72A3820-4352-C50E-811F-69069EDC475F}"/>
+                  </a:ext>
+                </a:extLst>
+              </p:cNvPr>
+              <p:cNvSpPr txBox="1"/>
+              <p:nvPr/>
+            </p:nvSpPr>
+            <p:spPr>
+              <a:xfrm>
+                <a:off x="9225624" y="508000"/>
+                <a:ext cx="1243482" cy="430887"/>
+              </a:xfrm>
+              <a:prstGeom prst="rect">
+                <a:avLst/>
+              </a:prstGeom>
+              <a:solidFill>
+                <a:schemeClr val="bg1"/>
+              </a:solidFill>
+            </p:spPr>
+            <p:txBody>
+              <a:bodyPr wrap="none" lIns="0" tIns="0" rIns="0" bIns="0" rtlCol="0">
+                <a:spAutoFit/>
+              </a:bodyPr>
+              <a:lstStyle/>
+              <a:p>
+                <a:pPr/>
+                <a14:m>
+                  <m:oMathPara xmlns:m="http://schemas.openxmlformats.org/officeDocument/2006/math">
+                    <m:oMathParaPr>
+                      <m:jc m:val="centerGroup"/>
+                    </m:oMathParaPr>
+                    <m:oMath xmlns:m="http://schemas.openxmlformats.org/officeDocument/2006/math">
+                      <m:r>
+                        <a:rPr lang="en-US" sz="2800" b="0" i="1" smtClean="0">
+                          <a:latin typeface="Cambria Math" panose="02040503050406030204" pitchFamily="18" charset="0"/>
+                        </a:rPr>
+                        <m:t>(</m:t>
+                      </m:r>
+                      <m:sSub>
+                        <m:sSubPr>
+                          <m:ctrlPr>
+                            <a:rPr lang="en-US" sz="2800" i="1" smtClean="0">
+                              <a:latin typeface="Cambria Math" panose="02040503050406030204" pitchFamily="18" charset="0"/>
+                            </a:rPr>
+                          </m:ctrlPr>
+                        </m:sSubPr>
+                        <m:e>
+                          <m:r>
+                            <a:rPr lang="en-US" sz="2800" b="0" i="1" smtClean="0">
+                              <a:latin typeface="Cambria Math" panose="02040503050406030204" pitchFamily="18" charset="0"/>
+                            </a:rPr>
+                            <m:t>𝑞</m:t>
+                          </m:r>
+                        </m:e>
+                        <m:sub>
+                          <m:r>
+                            <a:rPr lang="en-US" sz="2800" b="0" i="1" smtClean="0">
+                              <a:latin typeface="Cambria Math" panose="02040503050406030204" pitchFamily="18" charset="0"/>
+                            </a:rPr>
+                            <m:t>0</m:t>
+                          </m:r>
+                        </m:sub>
+                      </m:sSub>
+                      <m:r>
+                        <a:rPr lang="en-US" sz="2800" b="0" i="1" smtClean="0">
+                          <a:latin typeface="Cambria Math" panose="02040503050406030204" pitchFamily="18" charset="0"/>
+                        </a:rPr>
+                        <m:t>,</m:t>
+                      </m:r>
+                      <m:sSub>
+                        <m:sSubPr>
+                          <m:ctrlPr>
+                            <a:rPr lang="en-US" sz="2800" i="1" smtClean="0">
+                              <a:latin typeface="Cambria Math" panose="02040503050406030204" pitchFamily="18" charset="0"/>
+                            </a:rPr>
+                          </m:ctrlPr>
+                        </m:sSubPr>
+                        <m:e>
+                          <m:r>
+                            <a:rPr lang="en-US" sz="2800" b="0" i="1" smtClean="0">
+                              <a:latin typeface="Cambria Math" panose="02040503050406030204" pitchFamily="18" charset="0"/>
+                            </a:rPr>
+                            <m:t>𝑞</m:t>
+                          </m:r>
+                        </m:e>
+                        <m:sub>
+                          <m:r>
+                            <a:rPr lang="en-US" sz="2800" b="0" i="1" smtClean="0">
+                              <a:latin typeface="Cambria Math" panose="02040503050406030204" pitchFamily="18" charset="0"/>
+                            </a:rPr>
+                            <m:t>𝑖</m:t>
+                          </m:r>
+                        </m:sub>
+                      </m:sSub>
+                      <m:r>
+                        <a:rPr lang="en-US" sz="2800" b="0" i="1" smtClean="0">
+                          <a:latin typeface="Cambria Math" panose="02040503050406030204" pitchFamily="18" charset="0"/>
+                        </a:rPr>
+                        <m:t>),</m:t>
+                      </m:r>
+                    </m:oMath>
+                  </m:oMathPara>
+                </a14:m>
+                <a:endParaRPr lang="en-US" sz="2800" dirty="0"/>
+              </a:p>
+            </p:txBody>
+          </p:sp>
+        </mc:Choice>
+        <mc:Fallback xmlns="">
+          <p:sp>
+            <p:nvSpPr>
+              <p:cNvPr id="4" name="TextBox 3">
+                <a:extLst>
+                  <a:ext uri="{FF2B5EF4-FFF2-40B4-BE49-F238E27FC236}">
+                    <a16:creationId xmlns:a16="http://schemas.microsoft.com/office/drawing/2014/main" id="{B72A3820-4352-C50E-811F-69069EDC475F}"/>
+                  </a:ext>
+                </a:extLst>
+              </p:cNvPr>
+              <p:cNvSpPr txBox="1">
+                <a:spLocks noRot="1" noChangeAspect="1" noMove="1" noResize="1" noEditPoints="1" noAdjustHandles="1" noChangeArrowheads="1" noChangeShapeType="1" noTextEdit="1"/>
+              </p:cNvSpPr>
+              <p:nvPr/>
+            </p:nvSpPr>
+            <p:spPr>
+              <a:xfrm>
+                <a:off x="9225624" y="508000"/>
+                <a:ext cx="1243482" cy="430887"/>
+              </a:xfrm>
+              <a:prstGeom prst="rect">
+                <a:avLst/>
+              </a:prstGeom>
+              <a:blipFill>
+                <a:blip r:embed="rId4"/>
+                <a:stretch>
+                  <a:fillRect/>
+                </a:stretch>
+              </a:blipFill>
+            </p:spPr>
+            <p:txBody>
+              <a:bodyPr/>
+              <a:lstStyle/>
+              <a:p>
+                <a:r>
+                  <a:rPr lang="en-US">
+                    <a:noFill/>
+                  </a:rPr>
+                  <a:t> </a:t>
+                </a:r>
+              </a:p>
+            </p:txBody>
+          </p:sp>
+        </mc:Fallback>
+      </mc:AlternateContent>
+      <mc:AlternateContent xmlns:mc="http://schemas.openxmlformats.org/markup-compatibility/2006" xmlns:a14="http://schemas.microsoft.com/office/drawing/2010/main">
+        <mc:Choice Requires="a14">
+          <p:sp>
+            <p:nvSpPr>
+              <p:cNvPr id="6" name="TextBox 5">
+                <a:extLst>
+                  <a:ext uri="{FF2B5EF4-FFF2-40B4-BE49-F238E27FC236}">
+                    <a16:creationId xmlns:a16="http://schemas.microsoft.com/office/drawing/2014/main" id="{BDA84DD8-5A76-D031-EE08-2A86FB9F184A}"/>
+                  </a:ext>
+                </a:extLst>
+              </p:cNvPr>
+              <p:cNvSpPr txBox="1"/>
+              <p:nvPr/>
+            </p:nvSpPr>
+            <p:spPr>
+              <a:xfrm>
+                <a:off x="5203957" y="4258733"/>
+                <a:ext cx="1778885" cy="430887"/>
+              </a:xfrm>
+              <a:prstGeom prst="rect">
+                <a:avLst/>
+              </a:prstGeom>
+              <a:solidFill>
+                <a:schemeClr val="bg1"/>
+              </a:solidFill>
+            </p:spPr>
+            <p:txBody>
+              <a:bodyPr wrap="none" lIns="0" tIns="0" rIns="0" bIns="0" rtlCol="0">
+                <a:spAutoFit/>
+              </a:bodyPr>
+              <a:lstStyle/>
+              <a:p>
+                <a:pPr/>
+                <a14:m>
+                  <m:oMathPara xmlns:m="http://schemas.openxmlformats.org/officeDocument/2006/math">
+                    <m:oMathParaPr>
+                      <m:jc m:val="centerGroup"/>
+                    </m:oMathParaPr>
+                    <m:oMath xmlns:m="http://schemas.openxmlformats.org/officeDocument/2006/math">
+                      <m:r>
+                        <a:rPr lang="en-US" sz="2800" b="0" i="1" smtClean="0">
+                          <a:latin typeface="Cambria Math" panose="02040503050406030204" pitchFamily="18" charset="0"/>
+                        </a:rPr>
+                        <m:t>(−</m:t>
+                      </m:r>
+                      <m:sSub>
+                        <m:sSubPr>
+                          <m:ctrlPr>
+                            <a:rPr lang="en-US" sz="2800" i="1" smtClean="0">
+                              <a:latin typeface="Cambria Math" panose="02040503050406030204" pitchFamily="18" charset="0"/>
+                            </a:rPr>
+                          </m:ctrlPr>
+                        </m:sSubPr>
+                        <m:e>
+                          <m:r>
+                            <a:rPr lang="en-US" sz="2800" b="0" i="1" smtClean="0">
+                              <a:latin typeface="Cambria Math" panose="02040503050406030204" pitchFamily="18" charset="0"/>
+                            </a:rPr>
+                            <m:t>𝑞</m:t>
+                          </m:r>
+                        </m:e>
+                        <m:sub>
+                          <m:r>
+                            <a:rPr lang="en-US" sz="2800" b="0" i="1" smtClean="0">
+                              <a:latin typeface="Cambria Math" panose="02040503050406030204" pitchFamily="18" charset="0"/>
+                            </a:rPr>
+                            <m:t>0</m:t>
+                          </m:r>
+                        </m:sub>
+                      </m:sSub>
+                      <m:r>
+                        <a:rPr lang="en-US" sz="2800" b="0" i="1" smtClean="0">
+                          <a:latin typeface="Cambria Math" panose="02040503050406030204" pitchFamily="18" charset="0"/>
+                        </a:rPr>
+                        <m:t>,−</m:t>
+                      </m:r>
+                      <m:sSub>
+                        <m:sSubPr>
+                          <m:ctrlPr>
+                            <a:rPr lang="en-US" sz="2800" i="1" smtClean="0">
+                              <a:latin typeface="Cambria Math" panose="02040503050406030204" pitchFamily="18" charset="0"/>
+                            </a:rPr>
+                          </m:ctrlPr>
+                        </m:sSubPr>
+                        <m:e>
+                          <m:r>
+                            <a:rPr lang="en-US" sz="2800" b="0" i="1" smtClean="0">
+                              <a:latin typeface="Cambria Math" panose="02040503050406030204" pitchFamily="18" charset="0"/>
+                            </a:rPr>
+                            <m:t>𝑞</m:t>
+                          </m:r>
+                        </m:e>
+                        <m:sub>
+                          <m:r>
+                            <a:rPr lang="en-US" sz="2800" b="0" i="1" smtClean="0">
+                              <a:latin typeface="Cambria Math" panose="02040503050406030204" pitchFamily="18" charset="0"/>
+                            </a:rPr>
+                            <m:t>𝑖</m:t>
+                          </m:r>
+                        </m:sub>
+                      </m:sSub>
+                      <m:r>
+                        <a:rPr lang="en-US" sz="2800" b="0" i="1" smtClean="0">
+                          <a:latin typeface="Cambria Math" panose="02040503050406030204" pitchFamily="18" charset="0"/>
+                        </a:rPr>
+                        <m:t>),</m:t>
+                      </m:r>
+                    </m:oMath>
+                  </m:oMathPara>
+                </a14:m>
+                <a:endParaRPr lang="en-US" sz="2800" dirty="0"/>
+              </a:p>
+            </p:txBody>
+          </p:sp>
+        </mc:Choice>
+        <mc:Fallback xmlns="">
+          <p:sp>
+            <p:nvSpPr>
+              <p:cNvPr id="6" name="TextBox 5">
+                <a:extLst>
+                  <a:ext uri="{FF2B5EF4-FFF2-40B4-BE49-F238E27FC236}">
+                    <a16:creationId xmlns:a16="http://schemas.microsoft.com/office/drawing/2014/main" id="{BDA84DD8-5A76-D031-EE08-2A86FB9F184A}"/>
+                  </a:ext>
+                </a:extLst>
+              </p:cNvPr>
+              <p:cNvSpPr txBox="1">
+                <a:spLocks noRot="1" noChangeAspect="1" noMove="1" noResize="1" noEditPoints="1" noAdjustHandles="1" noChangeArrowheads="1" noChangeShapeType="1" noTextEdit="1"/>
+              </p:cNvSpPr>
+              <p:nvPr/>
+            </p:nvSpPr>
+            <p:spPr>
+              <a:xfrm>
+                <a:off x="5203957" y="4258733"/>
+                <a:ext cx="1778885" cy="430887"/>
+              </a:xfrm>
+              <a:prstGeom prst="rect">
+                <a:avLst/>
+              </a:prstGeom>
+              <a:blipFill>
+                <a:blip r:embed="rId5"/>
+                <a:stretch>
+                  <a:fillRect/>
+                </a:stretch>
+              </a:blipFill>
+            </p:spPr>
+            <p:txBody>
+              <a:bodyPr/>
+              <a:lstStyle/>
+              <a:p>
+                <a:r>
+                  <a:rPr lang="en-US">
+                    <a:noFill/>
+                  </a:rPr>
+                  <a:t> </a:t>
+                </a:r>
+              </a:p>
+            </p:txBody>
+          </p:sp>
+        </mc:Fallback>
+      </mc:AlternateContent>
+      <mc:AlternateContent xmlns:mc="http://schemas.openxmlformats.org/markup-compatibility/2006" xmlns:a14="http://schemas.microsoft.com/office/drawing/2010/main">
+        <mc:Choice Requires="a14">
+          <p:sp>
+            <p:nvSpPr>
+              <p:cNvPr id="7" name="TextBox 6">
+                <a:extLst>
+                  <a:ext uri="{FF2B5EF4-FFF2-40B4-BE49-F238E27FC236}">
+                    <a16:creationId xmlns:a16="http://schemas.microsoft.com/office/drawing/2014/main" id="{B9433176-23E4-C5B5-3F1F-003861C5305F}"/>
+                  </a:ext>
+                </a:extLst>
+              </p:cNvPr>
+              <p:cNvSpPr txBox="1"/>
+              <p:nvPr/>
+            </p:nvSpPr>
+            <p:spPr>
+              <a:xfrm>
+                <a:off x="7600024" y="0"/>
+                <a:ext cx="383888" cy="430887"/>
+              </a:xfrm>
+              <a:prstGeom prst="rect">
+                <a:avLst/>
+              </a:prstGeom>
+              <a:solidFill>
+                <a:schemeClr val="bg1"/>
+              </a:solidFill>
+            </p:spPr>
+            <p:txBody>
+              <a:bodyPr wrap="none" lIns="0" tIns="0" rIns="0" bIns="0" rtlCol="0">
+                <a:spAutoFit/>
+              </a:bodyPr>
+              <a:lstStyle/>
+              <a:p>
+                <a:pPr/>
+                <a14:m>
+                  <m:oMathPara xmlns:m="http://schemas.openxmlformats.org/officeDocument/2006/math">
+                    <m:oMathParaPr>
+                      <m:jc m:val="centerGroup"/>
+                    </m:oMathParaPr>
+                    <m:oMath xmlns:m="http://schemas.openxmlformats.org/officeDocument/2006/math">
+                      <m:sSub>
+                        <m:sSubPr>
+                          <m:ctrlPr>
+                            <a:rPr lang="en-US" sz="2800" i="1" smtClean="0">
+                              <a:latin typeface="Cambria Math" panose="02040503050406030204" pitchFamily="18" charset="0"/>
+                            </a:rPr>
+                          </m:ctrlPr>
+                        </m:sSubPr>
+                        <m:e>
+                          <m:r>
+                            <a:rPr lang="en-US" sz="2800" b="0" i="1" smtClean="0">
+                              <a:latin typeface="Cambria Math" panose="02040503050406030204" pitchFamily="18" charset="0"/>
+                            </a:rPr>
+                            <m:t>𝑞</m:t>
+                          </m:r>
+                        </m:e>
+                        <m:sub>
+                          <m:r>
+                            <a:rPr lang="en-US" sz="2800" b="0" i="1" smtClean="0">
+                              <a:latin typeface="Cambria Math" panose="02040503050406030204" pitchFamily="18" charset="0"/>
+                            </a:rPr>
+                            <m:t>𝑖</m:t>
+                          </m:r>
+                        </m:sub>
+                      </m:sSub>
+                    </m:oMath>
+                  </m:oMathPara>
+                </a14:m>
+                <a:endParaRPr lang="en-US" sz="2800" dirty="0"/>
+              </a:p>
+            </p:txBody>
+          </p:sp>
+        </mc:Choice>
+        <mc:Fallback xmlns="">
+          <p:sp>
+            <p:nvSpPr>
+              <p:cNvPr id="7" name="TextBox 6">
+                <a:extLst>
+                  <a:ext uri="{FF2B5EF4-FFF2-40B4-BE49-F238E27FC236}">
+                    <a16:creationId xmlns:a16="http://schemas.microsoft.com/office/drawing/2014/main" id="{B9433176-23E4-C5B5-3F1F-003861C5305F}"/>
+                  </a:ext>
+                </a:extLst>
+              </p:cNvPr>
+              <p:cNvSpPr txBox="1">
+                <a:spLocks noRot="1" noChangeAspect="1" noMove="1" noResize="1" noEditPoints="1" noAdjustHandles="1" noChangeArrowheads="1" noChangeShapeType="1" noTextEdit="1"/>
+              </p:cNvSpPr>
+              <p:nvPr/>
+            </p:nvSpPr>
+            <p:spPr>
+              <a:xfrm>
+                <a:off x="7600024" y="0"/>
+                <a:ext cx="383888" cy="430887"/>
+              </a:xfrm>
+              <a:prstGeom prst="rect">
+                <a:avLst/>
+              </a:prstGeom>
+              <a:blipFill>
+                <a:blip r:embed="rId6"/>
+                <a:stretch>
+                  <a:fillRect/>
+                </a:stretch>
+              </a:blipFill>
+            </p:spPr>
+            <p:txBody>
+              <a:bodyPr/>
+              <a:lstStyle/>
+              <a:p>
+                <a:r>
+                  <a:rPr lang="en-US">
+                    <a:noFill/>
+                  </a:rPr>
+                  <a:t> </a:t>
+                </a:r>
+              </a:p>
+            </p:txBody>
+          </p:sp>
+        </mc:Fallback>
+      </mc:AlternateContent>
+      <mc:AlternateContent xmlns:mc="http://schemas.openxmlformats.org/markup-compatibility/2006" xmlns:a14="http://schemas.microsoft.com/office/drawing/2010/main">
+        <mc:Choice Requires="a14">
+          <p:sp>
+            <p:nvSpPr>
+              <p:cNvPr id="8" name="TextBox 7">
+                <a:extLst>
+                  <a:ext uri="{FF2B5EF4-FFF2-40B4-BE49-F238E27FC236}">
+                    <a16:creationId xmlns:a16="http://schemas.microsoft.com/office/drawing/2014/main" id="{1180EB47-9E71-5495-23D8-895BA6BF5E30}"/>
+                  </a:ext>
+                </a:extLst>
+              </p:cNvPr>
+              <p:cNvSpPr txBox="1"/>
+              <p:nvPr/>
+            </p:nvSpPr>
+            <p:spPr>
+              <a:xfrm>
+                <a:off x="10686124" y="2771559"/>
+                <a:ext cx="435889" cy="430887"/>
+              </a:xfrm>
+              <a:prstGeom prst="rect">
+                <a:avLst/>
+              </a:prstGeom>
+              <a:solidFill>
+                <a:schemeClr val="bg1"/>
+              </a:solidFill>
+            </p:spPr>
+            <p:txBody>
+              <a:bodyPr wrap="none" lIns="0" tIns="0" rIns="0" bIns="0" rtlCol="0">
+                <a:spAutoFit/>
+              </a:bodyPr>
+              <a:lstStyle/>
+              <a:p>
+                <a:pPr/>
+                <a14:m>
+                  <m:oMathPara xmlns:m="http://schemas.openxmlformats.org/officeDocument/2006/math">
+                    <m:oMathParaPr>
+                      <m:jc m:val="centerGroup"/>
+                    </m:oMathParaPr>
+                    <m:oMath xmlns:m="http://schemas.openxmlformats.org/officeDocument/2006/math">
+                      <m:sSub>
+                        <m:sSubPr>
+                          <m:ctrlPr>
+                            <a:rPr lang="en-US" sz="2800" i="1" smtClean="0">
+                              <a:latin typeface="Cambria Math" panose="02040503050406030204" pitchFamily="18" charset="0"/>
+                            </a:rPr>
+                          </m:ctrlPr>
+                        </m:sSubPr>
+                        <m:e>
+                          <m:r>
+                            <a:rPr lang="en-US" sz="2800" b="0" i="1" smtClean="0">
+                              <a:latin typeface="Cambria Math" panose="02040503050406030204" pitchFamily="18" charset="0"/>
+                            </a:rPr>
+                            <m:t>𝑞</m:t>
+                          </m:r>
+                        </m:e>
+                        <m:sub>
+                          <m:r>
+                            <a:rPr lang="en-US" sz="2800" b="0" i="1" smtClean="0">
+                              <a:latin typeface="Cambria Math" panose="02040503050406030204" pitchFamily="18" charset="0"/>
+                            </a:rPr>
+                            <m:t>0</m:t>
+                          </m:r>
+                        </m:sub>
+                      </m:sSub>
+                    </m:oMath>
+                  </m:oMathPara>
+                </a14:m>
+                <a:endParaRPr lang="en-US" sz="2800" dirty="0"/>
+              </a:p>
+            </p:txBody>
+          </p:sp>
+        </mc:Choice>
+        <mc:Fallback xmlns="">
+          <p:sp>
+            <p:nvSpPr>
+              <p:cNvPr id="8" name="TextBox 7">
+                <a:extLst>
+                  <a:ext uri="{FF2B5EF4-FFF2-40B4-BE49-F238E27FC236}">
+                    <a16:creationId xmlns:a16="http://schemas.microsoft.com/office/drawing/2014/main" id="{1180EB47-9E71-5495-23D8-895BA6BF5E30}"/>
+                  </a:ext>
+                </a:extLst>
+              </p:cNvPr>
+              <p:cNvSpPr txBox="1">
+                <a:spLocks noRot="1" noChangeAspect="1" noMove="1" noResize="1" noEditPoints="1" noAdjustHandles="1" noChangeArrowheads="1" noChangeShapeType="1" noTextEdit="1"/>
+              </p:cNvSpPr>
+              <p:nvPr/>
+            </p:nvSpPr>
+            <p:spPr>
+              <a:xfrm>
+                <a:off x="10686124" y="2771559"/>
+                <a:ext cx="435889" cy="430887"/>
+              </a:xfrm>
+              <a:prstGeom prst="rect">
+                <a:avLst/>
+              </a:prstGeom>
+              <a:blipFill>
+                <a:blip r:embed="rId7"/>
+                <a:stretch>
+                  <a:fillRect/>
+                </a:stretch>
+              </a:blipFill>
+            </p:spPr>
+            <p:txBody>
+              <a:bodyPr/>
+              <a:lstStyle/>
+              <a:p>
+                <a:r>
+                  <a:rPr lang="en-US">
+                    <a:noFill/>
+                  </a:rPr>
+                  <a:t> </a:t>
+                </a:r>
+              </a:p>
+            </p:txBody>
+          </p:sp>
+        </mc:Fallback>
+      </mc:AlternateContent>
     </p:spTree>
     <p:extLst>
       <p:ext uri="{BB962C8B-B14F-4D97-AF65-F5344CB8AC3E}">
         <p14:creationId xmlns:p14="http://schemas.microsoft.com/office/powerpoint/2010/main" val="1535702644"/>
+      </p:ext>
+    </p:extLst>
+  </p:cSld>
+  <p:clrMapOvr>
+    <a:masterClrMapping/>
+  </p:clrMapOvr>
+</p:sld>
+</file>
+
+<file path=ppt/slides/slide13.xml><?xml version="1.0" encoding="utf-8"?>
+<p:sld xmlns:a="http://schemas.openxmlformats.org/drawingml/2006/main" xmlns:r="http://schemas.openxmlformats.org/officeDocument/2006/relationships" xmlns:p="http://schemas.openxmlformats.org/presentationml/2006/main">
+  <p:cSld>
+    <p:spTree>
+      <p:nvGrpSpPr>
+        <p:cNvPr id="1" name=""/>
+        <p:cNvGrpSpPr/>
+        <p:nvPr/>
+      </p:nvGrpSpPr>
+      <p:grpSpPr>
+        <a:xfrm>
+          <a:off x="0" y="0"/>
+          <a:ext cx="0" cy="0"/>
+          <a:chOff x="0" y="0"/>
+          <a:chExt cx="0" cy="0"/>
+        </a:xfrm>
+      </p:grpSpPr>
+      <p:pic>
+        <p:nvPicPr>
+          <p:cNvPr id="5" name="Content Placeholder 4">
+            <a:extLst>
+              <a:ext uri="{FF2B5EF4-FFF2-40B4-BE49-F238E27FC236}">
+                <a16:creationId xmlns:a16="http://schemas.microsoft.com/office/drawing/2014/main" id="{98C2F9F5-77CE-0C36-AFE5-CF3C373AC5A4}"/>
+              </a:ext>
+            </a:extLst>
+          </p:cNvPr>
+          <p:cNvPicPr>
+            <a:picLocks noGrp="1" noChangeAspect="1"/>
+          </p:cNvPicPr>
+          <p:nvPr>
+            <p:ph idx="1"/>
+          </p:nvPr>
+        </p:nvPicPr>
+        <p:blipFill rotWithShape="1">
+          <a:blip r:embed="rId2">
+            <a:extLst>
+              <a:ext uri="{28A0092B-C50C-407E-A947-70E740481C1C}">
+                <a14:useLocalDpi xmlns:a14="http://schemas.microsoft.com/office/drawing/2010/main" val="0"/>
+              </a:ext>
+            </a:extLst>
+          </a:blip>
+          <a:srcRect t="8701" b="12551"/>
+          <a:stretch/>
+        </p:blipFill>
+        <p:spPr>
+          <a:xfrm>
+            <a:off x="1950293" y="1867301"/>
+            <a:ext cx="7444390" cy="3426594"/>
+          </a:xfrm>
+        </p:spPr>
+      </p:pic>
+      <mc:AlternateContent xmlns:mc="http://schemas.openxmlformats.org/markup-compatibility/2006" xmlns:a14="http://schemas.microsoft.com/office/drawing/2010/main">
+        <mc:Choice Requires="a14">
+          <p:sp>
+            <p:nvSpPr>
+              <p:cNvPr id="13" name="TextBox 12">
+                <a:extLst>
+                  <a:ext uri="{FF2B5EF4-FFF2-40B4-BE49-F238E27FC236}">
+                    <a16:creationId xmlns:a16="http://schemas.microsoft.com/office/drawing/2014/main" id="{5E2EA7EA-3539-FC6D-955D-4A25D6D22612}"/>
+                  </a:ext>
+                </a:extLst>
+              </p:cNvPr>
+              <p:cNvSpPr txBox="1"/>
+              <p:nvPr/>
+            </p:nvSpPr>
+            <p:spPr>
+              <a:xfrm>
+                <a:off x="2578085" y="3510521"/>
+                <a:ext cx="350481" cy="307777"/>
+              </a:xfrm>
+              <a:prstGeom prst="rect">
+                <a:avLst/>
+              </a:prstGeom>
+              <a:noFill/>
+            </p:spPr>
+            <p:txBody>
+              <a:bodyPr wrap="none" lIns="0" tIns="0" rIns="0" bIns="0" rtlCol="0">
+                <a:spAutoFit/>
+              </a:bodyPr>
+              <a:lstStyle/>
+              <a:p>
+                <a:pPr/>
+                <a14:m>
+                  <m:oMathPara xmlns:m="http://schemas.openxmlformats.org/officeDocument/2006/math">
+                    <m:oMathParaPr>
+                      <m:jc m:val="centerGroup"/>
+                    </m:oMathParaPr>
+                    <m:oMath xmlns:m="http://schemas.openxmlformats.org/officeDocument/2006/math">
+                      <m:sSub>
+                        <m:sSubPr>
+                          <m:ctrlPr>
+                            <a:rPr lang="en-US" sz="2000" b="1" i="1" smtClean="0">
+                              <a:latin typeface="Cambria Math" panose="02040503050406030204" pitchFamily="18" charset="0"/>
+                            </a:rPr>
+                          </m:ctrlPr>
+                        </m:sSubPr>
+                        <m:e>
+                          <m:acc>
+                            <m:accPr>
+                              <m:chr m:val="̂"/>
+                              <m:ctrlPr>
+                                <a:rPr lang="en-US" sz="2000" b="1" i="1">
+                                  <a:latin typeface="Cambria Math" panose="02040503050406030204" pitchFamily="18" charset="0"/>
+                                </a:rPr>
+                              </m:ctrlPr>
+                            </m:accPr>
+                            <m:e>
+                              <m:r>
+                                <a:rPr lang="en-US" sz="2000" b="1" i="1">
+                                  <a:latin typeface="Cambria Math" panose="02040503050406030204" pitchFamily="18" charset="0"/>
+                                </a:rPr>
+                                <m:t>𝒚</m:t>
+                              </m:r>
+                            </m:e>
+                          </m:acc>
+                        </m:e>
+                        <m:sub>
+                          <m:r>
+                            <a:rPr lang="en-US" sz="2000" b="1" i="1" smtClean="0">
+                              <a:latin typeface="Cambria Math" panose="02040503050406030204" pitchFamily="18" charset="0"/>
+                            </a:rPr>
+                            <m:t>𝑷</m:t>
+                          </m:r>
+                        </m:sub>
+                      </m:sSub>
+                    </m:oMath>
+                  </m:oMathPara>
+                </a14:m>
+                <a:endParaRPr lang="en-US" sz="2000" b="1" dirty="0"/>
+              </a:p>
+            </p:txBody>
+          </p:sp>
+        </mc:Choice>
+        <mc:Fallback xmlns="">
+          <p:sp>
+            <p:nvSpPr>
+              <p:cNvPr id="13" name="TextBox 12">
+                <a:extLst>
+                  <a:ext uri="{FF2B5EF4-FFF2-40B4-BE49-F238E27FC236}">
+                    <a16:creationId xmlns:a16="http://schemas.microsoft.com/office/drawing/2014/main" id="{5E2EA7EA-3539-FC6D-955D-4A25D6D22612}"/>
+                  </a:ext>
+                </a:extLst>
+              </p:cNvPr>
+              <p:cNvSpPr txBox="1">
+                <a:spLocks noRot="1" noChangeAspect="1" noMove="1" noResize="1" noEditPoints="1" noAdjustHandles="1" noChangeArrowheads="1" noChangeShapeType="1" noTextEdit="1"/>
+              </p:cNvSpPr>
+              <p:nvPr/>
+            </p:nvSpPr>
+            <p:spPr>
+              <a:xfrm>
+                <a:off x="2578085" y="3510521"/>
+                <a:ext cx="350481" cy="307777"/>
+              </a:xfrm>
+              <a:prstGeom prst="rect">
+                <a:avLst/>
+              </a:prstGeom>
+              <a:blipFill>
+                <a:blip r:embed="rId3"/>
+                <a:stretch>
+                  <a:fillRect l="-21053" t="-26000" r="-36842" b="-26000"/>
+                </a:stretch>
+              </a:blipFill>
+            </p:spPr>
+            <p:txBody>
+              <a:bodyPr/>
+              <a:lstStyle/>
+              <a:p>
+                <a:r>
+                  <a:rPr lang="en-US">
+                    <a:noFill/>
+                  </a:rPr>
+                  <a:t> </a:t>
+                </a:r>
+              </a:p>
+            </p:txBody>
+          </p:sp>
+        </mc:Fallback>
+      </mc:AlternateContent>
+      <mc:AlternateContent xmlns:mc="http://schemas.openxmlformats.org/markup-compatibility/2006" xmlns:a14="http://schemas.microsoft.com/office/drawing/2010/main">
+        <mc:Choice Requires="a14">
+          <p:sp>
+            <p:nvSpPr>
+              <p:cNvPr id="16" name="TextBox 15">
+                <a:extLst>
+                  <a:ext uri="{FF2B5EF4-FFF2-40B4-BE49-F238E27FC236}">
+                    <a16:creationId xmlns:a16="http://schemas.microsoft.com/office/drawing/2014/main" id="{E8252E12-6E4C-3C1D-D4D7-9738513DD787}"/>
+                  </a:ext>
+                </a:extLst>
+              </p:cNvPr>
+              <p:cNvSpPr txBox="1"/>
+              <p:nvPr/>
+            </p:nvSpPr>
+            <p:spPr>
+              <a:xfrm>
+                <a:off x="5948943" y="2505300"/>
+                <a:ext cx="344069" cy="307777"/>
+              </a:xfrm>
+              <a:prstGeom prst="rect">
+                <a:avLst/>
+              </a:prstGeom>
+              <a:noFill/>
+            </p:spPr>
+            <p:txBody>
+              <a:bodyPr wrap="none" lIns="0" tIns="0" rIns="0" bIns="0" rtlCol="0">
+                <a:spAutoFit/>
+              </a:bodyPr>
+              <a:lstStyle/>
+              <a:p>
+                <a:pPr/>
+                <a14:m>
+                  <m:oMathPara xmlns:m="http://schemas.openxmlformats.org/officeDocument/2006/math">
+                    <m:oMathParaPr>
+                      <m:jc m:val="centerGroup"/>
+                    </m:oMathParaPr>
+                    <m:oMath xmlns:m="http://schemas.openxmlformats.org/officeDocument/2006/math">
+                      <m:sSub>
+                        <m:sSubPr>
+                          <m:ctrlPr>
+                            <a:rPr lang="en-US" sz="2000" b="1" i="1" smtClean="0">
+                              <a:latin typeface="Cambria Math" panose="02040503050406030204" pitchFamily="18" charset="0"/>
+                            </a:rPr>
+                          </m:ctrlPr>
+                        </m:sSubPr>
+                        <m:e>
+                          <m:acc>
+                            <m:accPr>
+                              <m:chr m:val="̂"/>
+                              <m:ctrlPr>
+                                <a:rPr lang="en-US" sz="2000" b="1" i="1">
+                                  <a:latin typeface="Cambria Math" panose="02040503050406030204" pitchFamily="18" charset="0"/>
+                                </a:rPr>
+                              </m:ctrlPr>
+                            </m:accPr>
+                            <m:e>
+                              <m:r>
+                                <a:rPr lang="en-US" sz="2000" b="1" i="1" smtClean="0">
+                                  <a:latin typeface="Cambria Math" panose="02040503050406030204" pitchFamily="18" charset="0"/>
+                                </a:rPr>
+                                <m:t>𝒙</m:t>
+                              </m:r>
+                            </m:e>
+                          </m:acc>
+                        </m:e>
+                        <m:sub>
+                          <m:r>
+                            <a:rPr lang="en-US" sz="2000" b="1" i="1" smtClean="0">
+                              <a:latin typeface="Cambria Math" panose="02040503050406030204" pitchFamily="18" charset="0"/>
+                            </a:rPr>
+                            <m:t>𝑷</m:t>
+                          </m:r>
+                        </m:sub>
+                      </m:sSub>
+                    </m:oMath>
+                  </m:oMathPara>
+                </a14:m>
+                <a:endParaRPr lang="en-US" sz="2000" b="1" dirty="0"/>
+              </a:p>
+            </p:txBody>
+          </p:sp>
+        </mc:Choice>
+        <mc:Fallback xmlns="">
+          <p:sp>
+            <p:nvSpPr>
+              <p:cNvPr id="16" name="TextBox 15">
+                <a:extLst>
+                  <a:ext uri="{FF2B5EF4-FFF2-40B4-BE49-F238E27FC236}">
+                    <a16:creationId xmlns:a16="http://schemas.microsoft.com/office/drawing/2014/main" id="{E8252E12-6E4C-3C1D-D4D7-9738513DD787}"/>
+                  </a:ext>
+                </a:extLst>
+              </p:cNvPr>
+              <p:cNvSpPr txBox="1">
+                <a:spLocks noRot="1" noChangeAspect="1" noMove="1" noResize="1" noEditPoints="1" noAdjustHandles="1" noChangeArrowheads="1" noChangeShapeType="1" noTextEdit="1"/>
+              </p:cNvSpPr>
+              <p:nvPr/>
+            </p:nvSpPr>
+            <p:spPr>
+              <a:xfrm>
+                <a:off x="5948943" y="2505300"/>
+                <a:ext cx="344069" cy="307777"/>
+              </a:xfrm>
+              <a:prstGeom prst="rect">
+                <a:avLst/>
+              </a:prstGeom>
+              <a:blipFill>
+                <a:blip r:embed="rId4"/>
+                <a:stretch>
+                  <a:fillRect l="-21429" t="-26000" r="-37500" b="-18000"/>
+                </a:stretch>
+              </a:blipFill>
+            </p:spPr>
+            <p:txBody>
+              <a:bodyPr/>
+              <a:lstStyle/>
+              <a:p>
+                <a:r>
+                  <a:rPr lang="en-US">
+                    <a:noFill/>
+                  </a:rPr>
+                  <a:t> </a:t>
+                </a:r>
+              </a:p>
+            </p:txBody>
+          </p:sp>
+        </mc:Fallback>
+      </mc:AlternateContent>
+      <mc:AlternateContent xmlns:mc="http://schemas.openxmlformats.org/markup-compatibility/2006" xmlns:a14="http://schemas.microsoft.com/office/drawing/2010/main">
+        <mc:Choice Requires="a14">
+          <p:sp>
+            <p:nvSpPr>
+              <p:cNvPr id="17" name="TextBox 16">
+                <a:extLst>
+                  <a:ext uri="{FF2B5EF4-FFF2-40B4-BE49-F238E27FC236}">
+                    <a16:creationId xmlns:a16="http://schemas.microsoft.com/office/drawing/2014/main" id="{95BC70C0-7DA5-B976-7568-4B21D6BC86A2}"/>
+                  </a:ext>
+                </a:extLst>
+              </p:cNvPr>
+              <p:cNvSpPr txBox="1"/>
+              <p:nvPr/>
+            </p:nvSpPr>
+            <p:spPr>
+              <a:xfrm>
+                <a:off x="2859997" y="4454376"/>
+                <a:ext cx="329641" cy="307777"/>
+              </a:xfrm>
+              <a:prstGeom prst="rect">
+                <a:avLst/>
+              </a:prstGeom>
+              <a:noFill/>
+            </p:spPr>
+            <p:txBody>
+              <a:bodyPr wrap="none" lIns="0" tIns="0" rIns="0" bIns="0" rtlCol="0">
+                <a:spAutoFit/>
+              </a:bodyPr>
+              <a:lstStyle/>
+              <a:p>
+                <a:pPr/>
+                <a14:m>
+                  <m:oMathPara xmlns:m="http://schemas.openxmlformats.org/officeDocument/2006/math">
+                    <m:oMathParaPr>
+                      <m:jc m:val="centerGroup"/>
+                    </m:oMathParaPr>
+                    <m:oMath xmlns:m="http://schemas.openxmlformats.org/officeDocument/2006/math">
+                      <m:sSub>
+                        <m:sSubPr>
+                          <m:ctrlPr>
+                            <a:rPr lang="en-US" sz="2000" b="1" i="1" smtClean="0">
+                              <a:latin typeface="Cambria Math" panose="02040503050406030204" pitchFamily="18" charset="0"/>
+                            </a:rPr>
+                          </m:ctrlPr>
+                        </m:sSubPr>
+                        <m:e>
+                          <m:acc>
+                            <m:accPr>
+                              <m:chr m:val="̂"/>
+                              <m:ctrlPr>
+                                <a:rPr lang="en-US" sz="2000" b="1" i="1">
+                                  <a:latin typeface="Cambria Math" panose="02040503050406030204" pitchFamily="18" charset="0"/>
+                                </a:rPr>
+                              </m:ctrlPr>
+                            </m:accPr>
+                            <m:e>
+                              <m:r>
+                                <a:rPr lang="en-US" sz="2000" b="1" i="1" smtClean="0">
+                                  <a:latin typeface="Cambria Math" panose="02040503050406030204" pitchFamily="18" charset="0"/>
+                                </a:rPr>
+                                <m:t>𝒛</m:t>
+                              </m:r>
+                            </m:e>
+                          </m:acc>
+                        </m:e>
+                        <m:sub>
+                          <m:r>
+                            <a:rPr lang="en-US" sz="2000" b="1" i="1" smtClean="0">
+                              <a:latin typeface="Cambria Math" panose="02040503050406030204" pitchFamily="18" charset="0"/>
+                            </a:rPr>
+                            <m:t>𝑷</m:t>
+                          </m:r>
+                        </m:sub>
+                      </m:sSub>
+                    </m:oMath>
+                  </m:oMathPara>
+                </a14:m>
+                <a:endParaRPr lang="en-US" sz="2000" b="1" dirty="0"/>
+              </a:p>
+            </p:txBody>
+          </p:sp>
+        </mc:Choice>
+        <mc:Fallback xmlns="">
+          <p:sp>
+            <p:nvSpPr>
+              <p:cNvPr id="17" name="TextBox 16">
+                <a:extLst>
+                  <a:ext uri="{FF2B5EF4-FFF2-40B4-BE49-F238E27FC236}">
+                    <a16:creationId xmlns:a16="http://schemas.microsoft.com/office/drawing/2014/main" id="{95BC70C0-7DA5-B976-7568-4B21D6BC86A2}"/>
+                  </a:ext>
+                </a:extLst>
+              </p:cNvPr>
+              <p:cNvSpPr txBox="1">
+                <a:spLocks noRot="1" noChangeAspect="1" noMove="1" noResize="1" noEditPoints="1" noAdjustHandles="1" noChangeArrowheads="1" noChangeShapeType="1" noTextEdit="1"/>
+              </p:cNvSpPr>
+              <p:nvPr/>
+            </p:nvSpPr>
+            <p:spPr>
+              <a:xfrm>
+                <a:off x="2859997" y="4454376"/>
+                <a:ext cx="329641" cy="307777"/>
+              </a:xfrm>
+              <a:prstGeom prst="rect">
+                <a:avLst/>
+              </a:prstGeom>
+              <a:blipFill>
+                <a:blip r:embed="rId5"/>
+                <a:stretch>
+                  <a:fillRect l="-14815" t="-26000" r="-46296" b="-18000"/>
+                </a:stretch>
+              </a:blipFill>
+            </p:spPr>
+            <p:txBody>
+              <a:bodyPr/>
+              <a:lstStyle/>
+              <a:p>
+                <a:r>
+                  <a:rPr lang="en-US">
+                    <a:noFill/>
+                  </a:rPr>
+                  <a:t> </a:t>
+                </a:r>
+              </a:p>
+            </p:txBody>
+          </p:sp>
+        </mc:Fallback>
+      </mc:AlternateContent>
+      <p:cxnSp>
+        <p:nvCxnSpPr>
+          <p:cNvPr id="20" name="Straight Arrow Connector 19">
+            <a:extLst>
+              <a:ext uri="{FF2B5EF4-FFF2-40B4-BE49-F238E27FC236}">
+                <a16:creationId xmlns:a16="http://schemas.microsoft.com/office/drawing/2014/main" id="{23E4642F-1A83-30BE-ADE6-0472861855A6}"/>
+              </a:ext>
+            </a:extLst>
+          </p:cNvPr>
+          <p:cNvCxnSpPr>
+            <a:cxnSpLocks/>
+          </p:cNvCxnSpPr>
+          <p:nvPr/>
+        </p:nvCxnSpPr>
+        <p:spPr>
+          <a:xfrm flipV="1">
+            <a:off x="5867535" y="2570480"/>
+            <a:ext cx="0" cy="1353908"/>
+          </a:xfrm>
+          <a:prstGeom prst="straightConnector1">
+            <a:avLst/>
+          </a:prstGeom>
+          <a:ln w="57150">
+            <a:solidFill>
+              <a:srgbClr val="1122FF"/>
+            </a:solidFill>
+            <a:tailEnd type="triangle"/>
+          </a:ln>
+        </p:spPr>
+        <p:style>
+          <a:lnRef idx="1">
+            <a:schemeClr val="accent1"/>
+          </a:lnRef>
+          <a:fillRef idx="0">
+            <a:schemeClr val="accent1"/>
+          </a:fillRef>
+          <a:effectRef idx="0">
+            <a:schemeClr val="accent1"/>
+          </a:effectRef>
+          <a:fontRef idx="minor">
+            <a:schemeClr val="tx1"/>
+          </a:fontRef>
+        </p:style>
+      </p:cxnSp>
+      <p:grpSp>
+        <p:nvGrpSpPr>
+          <p:cNvPr id="22" name="Group 21">
+            <a:extLst>
+              <a:ext uri="{FF2B5EF4-FFF2-40B4-BE49-F238E27FC236}">
+                <a16:creationId xmlns:a16="http://schemas.microsoft.com/office/drawing/2014/main" id="{3152F512-CC01-5FA7-F3B9-DD640092D73A}"/>
+              </a:ext>
+            </a:extLst>
+          </p:cNvPr>
+          <p:cNvGrpSpPr/>
+          <p:nvPr/>
+        </p:nvGrpSpPr>
+        <p:grpSpPr>
+          <a:xfrm>
+            <a:off x="5720994" y="2975618"/>
+            <a:ext cx="293081" cy="293079"/>
+            <a:chOff x="6096000" y="1864501"/>
+            <a:chExt cx="343816" cy="343814"/>
+          </a:xfrm>
+        </p:grpSpPr>
+        <p:sp>
+          <p:nvSpPr>
+            <p:cNvPr id="23" name="Oval 22">
+              <a:extLst>
+                <a:ext uri="{FF2B5EF4-FFF2-40B4-BE49-F238E27FC236}">
+                  <a16:creationId xmlns:a16="http://schemas.microsoft.com/office/drawing/2014/main" id="{8134E106-27C1-B1F8-DA12-A3A6527C3FB2}"/>
+                </a:ext>
+              </a:extLst>
+            </p:cNvPr>
+            <p:cNvSpPr/>
+            <p:nvPr/>
+          </p:nvSpPr>
+          <p:spPr>
+            <a:xfrm>
+              <a:off x="6112893" y="1881384"/>
+              <a:ext cx="310049" cy="310049"/>
+            </a:xfrm>
+            <a:prstGeom prst="ellipse">
+              <a:avLst/>
+            </a:prstGeom>
+            <a:solidFill>
+              <a:srgbClr val="00B050"/>
+            </a:solidFill>
+            <a:ln w="28575">
+              <a:noFill/>
+            </a:ln>
+          </p:spPr>
+          <p:style>
+            <a:lnRef idx="2">
+              <a:schemeClr val="accent1">
+                <a:shade val="15000"/>
+              </a:schemeClr>
+            </a:lnRef>
+            <a:fillRef idx="1">
+              <a:schemeClr val="accent1"/>
+            </a:fillRef>
+            <a:effectRef idx="0">
+              <a:schemeClr val="accent1"/>
+            </a:effectRef>
+            <a:fontRef idx="minor">
+              <a:schemeClr val="lt1"/>
+            </a:fontRef>
+          </p:style>
+          <p:txBody>
+            <a:bodyPr rtlCol="0" anchor="ctr"/>
+            <a:lstStyle/>
+            <a:p>
+              <a:pPr algn="ctr"/>
+              <a:endParaRPr lang="en-US"/>
+            </a:p>
+          </p:txBody>
+        </p:sp>
+        <p:pic>
+          <p:nvPicPr>
+            <p:cNvPr id="24" name="Picture 23">
+              <a:extLst>
+                <a:ext uri="{FF2B5EF4-FFF2-40B4-BE49-F238E27FC236}">
+                  <a16:creationId xmlns:a16="http://schemas.microsoft.com/office/drawing/2014/main" id="{F21FC761-D871-6037-7DD9-BAFE7588888C}"/>
+                </a:ext>
+              </a:extLst>
+            </p:cNvPr>
+            <p:cNvPicPr>
+              <a:picLocks noChangeAspect="1"/>
+            </p:cNvPicPr>
+            <p:nvPr/>
+          </p:nvPicPr>
+          <p:blipFill>
+            <a:blip r:embed="rId6">
+              <a:extLst>
+                <a:ext uri="{28A0092B-C50C-407E-A947-70E740481C1C}">
+                  <a14:useLocalDpi xmlns:a14="http://schemas.microsoft.com/office/drawing/2010/main" val="0"/>
+                </a:ext>
+              </a:extLst>
+            </a:blip>
+            <a:stretch>
+              <a:fillRect/>
+            </a:stretch>
+          </p:blipFill>
+          <p:spPr>
+            <a:xfrm>
+              <a:off x="6096000" y="1864501"/>
+              <a:ext cx="343816" cy="343814"/>
+            </a:xfrm>
+            <a:prstGeom prst="rect">
+              <a:avLst/>
+            </a:prstGeom>
+            <a:ln>
+              <a:noFill/>
+            </a:ln>
+          </p:spPr>
+        </p:pic>
+      </p:grpSp>
+      <p:sp>
+        <p:nvSpPr>
+          <p:cNvPr id="46" name="Cylinder 45">
+            <a:extLst>
+              <a:ext uri="{FF2B5EF4-FFF2-40B4-BE49-F238E27FC236}">
+                <a16:creationId xmlns:a16="http://schemas.microsoft.com/office/drawing/2014/main" id="{98F90FE6-0B58-8F93-45A6-4D737E32D79B}"/>
+              </a:ext>
+            </a:extLst>
+          </p:cNvPr>
+          <p:cNvSpPr/>
+          <p:nvPr/>
+        </p:nvSpPr>
+        <p:spPr>
+          <a:xfrm rot="16200000">
+            <a:off x="5604164" y="3960073"/>
+            <a:ext cx="526741" cy="335280"/>
+          </a:xfrm>
+          <a:prstGeom prst="can">
+            <a:avLst>
+              <a:gd name="adj" fmla="val 50000"/>
+            </a:avLst>
+          </a:prstGeom>
+          <a:solidFill>
+            <a:schemeClr val="accent2">
+              <a:lumMod val="40000"/>
+              <a:lumOff val="60000"/>
+            </a:schemeClr>
+          </a:solidFill>
+          <a:ln w="12700">
+            <a:solidFill>
+              <a:srgbClr val="C00000"/>
+            </a:solidFill>
+            <a:prstDash val="sysDash"/>
+          </a:ln>
+        </p:spPr>
+        <p:style>
+          <a:lnRef idx="2">
+            <a:schemeClr val="accent1">
+              <a:shade val="15000"/>
+            </a:schemeClr>
+          </a:lnRef>
+          <a:fillRef idx="1">
+            <a:schemeClr val="accent1"/>
+          </a:fillRef>
+          <a:effectRef idx="0">
+            <a:schemeClr val="accent1"/>
+          </a:effectRef>
+          <a:fontRef idx="minor">
+            <a:schemeClr val="lt1"/>
+          </a:fontRef>
+        </p:style>
+        <p:txBody>
+          <a:bodyPr rtlCol="0" anchor="ctr"/>
+          <a:lstStyle/>
+          <a:p>
+            <a:pPr algn="ctr"/>
+            <a:endParaRPr lang="en-US"/>
+          </a:p>
+        </p:txBody>
+      </p:sp>
+      <p:cxnSp>
+        <p:nvCxnSpPr>
+          <p:cNvPr id="19" name="Straight Arrow Connector 18">
+            <a:extLst>
+              <a:ext uri="{FF2B5EF4-FFF2-40B4-BE49-F238E27FC236}">
+                <a16:creationId xmlns:a16="http://schemas.microsoft.com/office/drawing/2014/main" id="{44B884F4-2B21-682F-2A61-8B4B980DB135}"/>
+              </a:ext>
+            </a:extLst>
+          </p:cNvPr>
+          <p:cNvCxnSpPr>
+            <a:cxnSpLocks/>
+          </p:cNvCxnSpPr>
+          <p:nvPr/>
+        </p:nvCxnSpPr>
+        <p:spPr>
+          <a:xfrm flipH="1" flipV="1">
+            <a:off x="2519645" y="3995540"/>
+            <a:ext cx="3292786" cy="143989"/>
+          </a:xfrm>
+          <a:prstGeom prst="straightConnector1">
+            <a:avLst/>
+          </a:prstGeom>
+          <a:ln w="57150">
+            <a:solidFill>
+              <a:srgbClr val="00B050"/>
+            </a:solidFill>
+            <a:tailEnd type="triangle"/>
+          </a:ln>
+        </p:spPr>
+        <p:style>
+          <a:lnRef idx="1">
+            <a:schemeClr val="accent1"/>
+          </a:lnRef>
+          <a:fillRef idx="0">
+            <a:schemeClr val="accent1"/>
+          </a:fillRef>
+          <a:effectRef idx="0">
+            <a:schemeClr val="accent1"/>
+          </a:effectRef>
+          <a:fontRef idx="minor">
+            <a:schemeClr val="tx1"/>
+          </a:fontRef>
+        </p:style>
+      </p:cxnSp>
+      <p:cxnSp>
+        <p:nvCxnSpPr>
+          <p:cNvPr id="21" name="Straight Arrow Connector 20">
+            <a:extLst>
+              <a:ext uri="{FF2B5EF4-FFF2-40B4-BE49-F238E27FC236}">
+                <a16:creationId xmlns:a16="http://schemas.microsoft.com/office/drawing/2014/main" id="{62F08A12-9DFE-6F74-7A93-CD89B3EA6A6F}"/>
+              </a:ext>
+            </a:extLst>
+          </p:cNvPr>
+          <p:cNvCxnSpPr>
+            <a:cxnSpLocks/>
+          </p:cNvCxnSpPr>
+          <p:nvPr/>
+        </p:nvCxnSpPr>
+        <p:spPr>
+          <a:xfrm flipH="1">
+            <a:off x="3201635" y="4139529"/>
+            <a:ext cx="2610796" cy="471216"/>
+          </a:xfrm>
+          <a:prstGeom prst="straightConnector1">
+            <a:avLst/>
+          </a:prstGeom>
+          <a:ln w="57150">
+            <a:solidFill>
+              <a:srgbClr val="C00000"/>
+            </a:solidFill>
+            <a:tailEnd type="triangle"/>
+          </a:ln>
+        </p:spPr>
+        <p:style>
+          <a:lnRef idx="1">
+            <a:schemeClr val="accent1"/>
+          </a:lnRef>
+          <a:fillRef idx="0">
+            <a:schemeClr val="accent1"/>
+          </a:fillRef>
+          <a:effectRef idx="0">
+            <a:schemeClr val="accent1"/>
+          </a:effectRef>
+          <a:fontRef idx="minor">
+            <a:schemeClr val="tx1"/>
+          </a:fontRef>
+        </p:style>
+      </p:cxnSp>
+      <p:pic>
+        <p:nvPicPr>
+          <p:cNvPr id="9" name="Content Placeholder 4">
+            <a:extLst>
+              <a:ext uri="{FF2B5EF4-FFF2-40B4-BE49-F238E27FC236}">
+                <a16:creationId xmlns:a16="http://schemas.microsoft.com/office/drawing/2014/main" id="{C9004A7B-34B7-CC8F-56D5-C44ED3AA2587}"/>
+              </a:ext>
+            </a:extLst>
+          </p:cNvPr>
+          <p:cNvPicPr>
+            <a:picLocks noChangeAspect="1"/>
+          </p:cNvPicPr>
+          <p:nvPr/>
+        </p:nvPicPr>
+        <p:blipFill rotWithShape="1">
+          <a:blip r:embed="rId7">
+            <a:clrChange>
+              <a:clrFrom>
+                <a:srgbClr val="FFFFFF"/>
+              </a:clrFrom>
+              <a:clrTo>
+                <a:srgbClr val="FFFFFF">
+                  <a:alpha val="0"/>
+                </a:srgbClr>
+              </a:clrTo>
+            </a:clrChange>
+            <a:extLst>
+              <a:ext uri="{BEBA8EAE-BF5A-486C-A8C5-ECC9F3942E4B}">
+                <a14:imgProps xmlns:a14="http://schemas.microsoft.com/office/drawing/2010/main">
+                  <a14:imgLayer r:embed="rId8">
+                    <a14:imgEffect>
+                      <a14:backgroundRemoval t="10000" b="90000" l="10000" r="90000"/>
+                    </a14:imgEffect>
+                  </a14:imgLayer>
+                </a14:imgProps>
+              </a:ext>
+              <a:ext uri="{28A0092B-C50C-407E-A947-70E740481C1C}">
+                <a14:useLocalDpi xmlns:a14="http://schemas.microsoft.com/office/drawing/2010/main" val="0"/>
+              </a:ext>
+            </a:extLst>
+          </a:blip>
+          <a:srcRect l="40515" t="48504" r="50000" b="30248"/>
+          <a:stretch/>
+        </p:blipFill>
+        <p:spPr>
+          <a:xfrm>
+            <a:off x="4966368" y="3599305"/>
+            <a:ext cx="706120" cy="924569"/>
+          </a:xfrm>
+          <a:prstGeom prst="rect">
+            <a:avLst/>
+          </a:prstGeom>
+        </p:spPr>
+      </p:pic>
+      <p:cxnSp>
+        <p:nvCxnSpPr>
+          <p:cNvPr id="47" name="Straight Arrow Connector 46">
+            <a:extLst>
+              <a:ext uri="{FF2B5EF4-FFF2-40B4-BE49-F238E27FC236}">
+                <a16:creationId xmlns:a16="http://schemas.microsoft.com/office/drawing/2014/main" id="{A89922EB-1C44-9437-5867-6E06161D8943}"/>
+              </a:ext>
+            </a:extLst>
+          </p:cNvPr>
+          <p:cNvCxnSpPr>
+            <a:cxnSpLocks/>
+          </p:cNvCxnSpPr>
+          <p:nvPr/>
+        </p:nvCxnSpPr>
+        <p:spPr>
+          <a:xfrm flipH="1" flipV="1">
+            <a:off x="4826425" y="4096791"/>
+            <a:ext cx="436915" cy="19106"/>
+          </a:xfrm>
+          <a:prstGeom prst="straightConnector1">
+            <a:avLst/>
+          </a:prstGeom>
+          <a:ln w="57150">
+            <a:solidFill>
+              <a:srgbClr val="00B050"/>
+            </a:solidFill>
+            <a:headEnd type="none" w="med" len="med"/>
+            <a:tailEnd type="none" w="med" len="med"/>
+          </a:ln>
+        </p:spPr>
+        <p:style>
+          <a:lnRef idx="1">
+            <a:schemeClr val="accent1"/>
+          </a:lnRef>
+          <a:fillRef idx="0">
+            <a:schemeClr val="accent1"/>
+          </a:fillRef>
+          <a:effectRef idx="0">
+            <a:schemeClr val="accent1"/>
+          </a:effectRef>
+          <a:fontRef idx="minor">
+            <a:schemeClr val="tx1"/>
+          </a:fontRef>
+        </p:style>
+      </p:cxnSp>
+      <p:cxnSp>
+        <p:nvCxnSpPr>
+          <p:cNvPr id="49" name="Straight Arrow Connector 48">
+            <a:extLst>
+              <a:ext uri="{FF2B5EF4-FFF2-40B4-BE49-F238E27FC236}">
+                <a16:creationId xmlns:a16="http://schemas.microsoft.com/office/drawing/2014/main" id="{3BD01DFE-9714-C6D8-FB53-41C3023EAB4C}"/>
+              </a:ext>
+            </a:extLst>
+          </p:cNvPr>
+          <p:cNvCxnSpPr>
+            <a:cxnSpLocks/>
+          </p:cNvCxnSpPr>
+          <p:nvPr/>
+        </p:nvCxnSpPr>
+        <p:spPr>
+          <a:xfrm flipH="1">
+            <a:off x="4837826" y="4239971"/>
+            <a:ext cx="425514" cy="76800"/>
+          </a:xfrm>
+          <a:prstGeom prst="straightConnector1">
+            <a:avLst/>
+          </a:prstGeom>
+          <a:ln w="57150">
+            <a:solidFill>
+              <a:srgbClr val="C00000"/>
+            </a:solidFill>
+            <a:headEnd type="none" w="med" len="med"/>
+            <a:tailEnd type="none" w="med" len="med"/>
+          </a:ln>
+        </p:spPr>
+        <p:style>
+          <a:lnRef idx="1">
+            <a:schemeClr val="accent1"/>
+          </a:lnRef>
+          <a:fillRef idx="0">
+            <a:schemeClr val="accent1"/>
+          </a:fillRef>
+          <a:effectRef idx="0">
+            <a:schemeClr val="accent1"/>
+          </a:effectRef>
+          <a:fontRef idx="minor">
+            <a:schemeClr val="tx1"/>
+          </a:fontRef>
+        </p:style>
+      </p:cxnSp>
+      <p:sp>
+        <p:nvSpPr>
+          <p:cNvPr id="11" name="Cylinder 10">
+            <a:extLst>
+              <a:ext uri="{FF2B5EF4-FFF2-40B4-BE49-F238E27FC236}">
+                <a16:creationId xmlns:a16="http://schemas.microsoft.com/office/drawing/2014/main" id="{50143E4F-FF02-A645-7A91-FF1584BAEB8F}"/>
+              </a:ext>
+            </a:extLst>
+          </p:cNvPr>
+          <p:cNvSpPr/>
+          <p:nvPr/>
+        </p:nvSpPr>
+        <p:spPr>
+          <a:xfrm>
+            <a:off x="3024817" y="2454963"/>
+            <a:ext cx="1315500" cy="813734"/>
+          </a:xfrm>
+          <a:prstGeom prst="can">
+            <a:avLst>
+              <a:gd name="adj" fmla="val 29893"/>
+            </a:avLst>
+          </a:prstGeom>
+          <a:solidFill>
+            <a:srgbClr val="FCE9DC"/>
+          </a:solidFill>
+          <a:ln w="12700">
+            <a:solidFill>
+              <a:schemeClr val="accent2">
+                <a:lumMod val="60000"/>
+                <a:lumOff val="40000"/>
+              </a:schemeClr>
+            </a:solidFill>
+            <a:prstDash val="sysDash"/>
+          </a:ln>
+        </p:spPr>
+        <p:style>
+          <a:lnRef idx="2">
+            <a:schemeClr val="accent1">
+              <a:shade val="15000"/>
+            </a:schemeClr>
+          </a:lnRef>
+          <a:fillRef idx="1">
+            <a:schemeClr val="accent1"/>
+          </a:fillRef>
+          <a:effectRef idx="0">
+            <a:schemeClr val="accent1"/>
+          </a:effectRef>
+          <a:fontRef idx="minor">
+            <a:schemeClr val="lt1"/>
+          </a:fontRef>
+        </p:style>
+        <p:txBody>
+          <a:bodyPr rtlCol="0" anchor="ctr"/>
+          <a:lstStyle/>
+          <a:p>
+            <a:pPr algn="ctr"/>
+            <a:endParaRPr lang="en-US" sz="1100" b="1" dirty="0">
+              <a:solidFill>
+                <a:schemeClr val="tx1"/>
+              </a:solidFill>
+            </a:endParaRPr>
+          </a:p>
+          <a:p>
+            <a:pPr algn="ctr"/>
+            <a:r>
+              <a:rPr lang="en-US" sz="1100" b="1" dirty="0">
+                <a:solidFill>
+                  <a:schemeClr val="tx1"/>
+                </a:solidFill>
+              </a:rPr>
+              <a:t>40cm radius,</a:t>
+            </a:r>
+          </a:p>
+          <a:p>
+            <a:pPr algn="ctr"/>
+            <a:r>
+              <a:rPr lang="en-US" sz="1100" b="1" dirty="0">
+                <a:solidFill>
+                  <a:schemeClr val="tx1"/>
+                </a:solidFill>
+              </a:rPr>
+              <a:t>10cm height,</a:t>
+            </a:r>
+          </a:p>
+          <a:p>
+            <a:pPr algn="ctr"/>
+            <a:r>
+              <a:rPr lang="en-US" sz="1100" b="1" dirty="0">
+                <a:solidFill>
+                  <a:schemeClr val="tx1"/>
+                </a:solidFill>
+              </a:rPr>
+              <a:t>Ti-6Al-4V</a:t>
+            </a:r>
+          </a:p>
+        </p:txBody>
+      </p:sp>
+      <p:cxnSp>
+        <p:nvCxnSpPr>
+          <p:cNvPr id="15" name="Connector: Curved 14">
+            <a:extLst>
+              <a:ext uri="{FF2B5EF4-FFF2-40B4-BE49-F238E27FC236}">
+                <a16:creationId xmlns:a16="http://schemas.microsoft.com/office/drawing/2014/main" id="{D31DC25C-9324-F205-785D-DAFD8A8F3428}"/>
+              </a:ext>
+            </a:extLst>
+          </p:cNvPr>
+          <p:cNvCxnSpPr>
+            <a:cxnSpLocks/>
+            <a:stCxn id="46" idx="4"/>
+            <a:endCxn id="11" idx="4"/>
+          </p:cNvCxnSpPr>
+          <p:nvPr/>
+        </p:nvCxnSpPr>
+        <p:spPr>
+          <a:xfrm rot="16200000" flipV="1">
+            <a:off x="4602670" y="2599478"/>
+            <a:ext cx="1002513" cy="1527218"/>
+          </a:xfrm>
+          <a:prstGeom prst="curvedConnector2">
+            <a:avLst/>
+          </a:prstGeom>
+          <a:ln w="19050">
+            <a:solidFill>
+              <a:schemeClr val="tx1"/>
+            </a:solidFill>
+            <a:tailEnd type="triangle"/>
+          </a:ln>
+        </p:spPr>
+        <p:style>
+          <a:lnRef idx="1">
+            <a:schemeClr val="accent1"/>
+          </a:lnRef>
+          <a:fillRef idx="0">
+            <a:schemeClr val="accent1"/>
+          </a:fillRef>
+          <a:effectRef idx="0">
+            <a:schemeClr val="accent1"/>
+          </a:effectRef>
+          <a:fontRef idx="minor">
+            <a:schemeClr val="tx1"/>
+          </a:fontRef>
+        </p:style>
+      </p:cxnSp>
+    </p:spTree>
+    <p:extLst>
+      <p:ext uri="{BB962C8B-B14F-4D97-AF65-F5344CB8AC3E}">
+        <p14:creationId xmlns:p14="http://schemas.microsoft.com/office/powerpoint/2010/main" val="2898169924"/>
+      </p:ext>
+    </p:extLst>
+  </p:cSld>
+  <p:clrMapOvr>
+    <a:masterClrMapping/>
+  </p:clrMapOvr>
+</p:sld>
+</file>
+
+<file path=ppt/slides/slide14.xml><?xml version="1.0" encoding="utf-8"?>
+<p:sld xmlns:a="http://schemas.openxmlformats.org/drawingml/2006/main" xmlns:r="http://schemas.openxmlformats.org/officeDocument/2006/relationships" xmlns:p="http://schemas.openxmlformats.org/presentationml/2006/main">
+  <p:cSld>
+    <p:spTree>
+      <p:nvGrpSpPr>
+        <p:cNvPr id="1" name=""/>
+        <p:cNvGrpSpPr/>
+        <p:nvPr/>
+      </p:nvGrpSpPr>
+      <p:grpSpPr>
+        <a:xfrm>
+          <a:off x="0" y="0"/>
+          <a:ext cx="0" cy="0"/>
+          <a:chOff x="0" y="0"/>
+          <a:chExt cx="0" cy="0"/>
+        </a:xfrm>
+      </p:grpSpPr>
+      <p:sp>
+        <p:nvSpPr>
+          <p:cNvPr id="5" name="Freeform: Shape 4">
+            <a:extLst>
+              <a:ext uri="{FF2B5EF4-FFF2-40B4-BE49-F238E27FC236}">
+                <a16:creationId xmlns:a16="http://schemas.microsoft.com/office/drawing/2014/main" id="{3727639B-4FCD-CDAF-86B1-E109C8796A5D}"/>
+              </a:ext>
+            </a:extLst>
+          </p:cNvPr>
+          <p:cNvSpPr/>
+          <p:nvPr/>
+        </p:nvSpPr>
+        <p:spPr>
+          <a:xfrm>
+            <a:off x="546242" y="3273610"/>
+            <a:ext cx="10017304" cy="1028693"/>
+          </a:xfrm>
+          <a:custGeom>
+            <a:avLst/>
+            <a:gdLst>
+              <a:gd name="connsiteX0" fmla="*/ 0 w 10017304"/>
+              <a:gd name="connsiteY0" fmla="*/ 986389 h 1027486"/>
+              <a:gd name="connsiteX1" fmla="*/ 4808306 w 10017304"/>
+              <a:gd name="connsiteY1" fmla="*/ 70 h 1027486"/>
+              <a:gd name="connsiteX2" fmla="*/ 10017304 w 10017304"/>
+              <a:gd name="connsiteY2" fmla="*/ 1027486 h 1027486"/>
+              <a:gd name="connsiteX0" fmla="*/ 0 w 10017304"/>
+              <a:gd name="connsiteY0" fmla="*/ 988695 h 1029792"/>
+              <a:gd name="connsiteX1" fmla="*/ 4808306 w 10017304"/>
+              <a:gd name="connsiteY1" fmla="*/ 2376 h 1029792"/>
+              <a:gd name="connsiteX2" fmla="*/ 10017304 w 10017304"/>
+              <a:gd name="connsiteY2" fmla="*/ 1029792 h 1029792"/>
+              <a:gd name="connsiteX0" fmla="*/ 0 w 10017304"/>
+              <a:gd name="connsiteY0" fmla="*/ 989424 h 1030521"/>
+              <a:gd name="connsiteX1" fmla="*/ 4808306 w 10017304"/>
+              <a:gd name="connsiteY1" fmla="*/ 3105 h 1030521"/>
+              <a:gd name="connsiteX2" fmla="*/ 10017304 w 10017304"/>
+              <a:gd name="connsiteY2" fmla="*/ 1030521 h 1030521"/>
+              <a:gd name="connsiteX0" fmla="*/ 0 w 10017304"/>
+              <a:gd name="connsiteY0" fmla="*/ 989424 h 1030521"/>
+              <a:gd name="connsiteX1" fmla="*/ 4808306 w 10017304"/>
+              <a:gd name="connsiteY1" fmla="*/ 3105 h 1030521"/>
+              <a:gd name="connsiteX2" fmla="*/ 10017304 w 10017304"/>
+              <a:gd name="connsiteY2" fmla="*/ 1030521 h 1030521"/>
+              <a:gd name="connsiteX0" fmla="*/ 0 w 10017304"/>
+              <a:gd name="connsiteY0" fmla="*/ 987596 h 1028693"/>
+              <a:gd name="connsiteX1" fmla="*/ 4808306 w 10017304"/>
+              <a:gd name="connsiteY1" fmla="*/ 1277 h 1028693"/>
+              <a:gd name="connsiteX2" fmla="*/ 10017304 w 10017304"/>
+              <a:gd name="connsiteY2" fmla="*/ 1028693 h 1028693"/>
+            </a:gdLst>
+            <a:ahLst/>
+            <a:cxnLst>
+              <a:cxn ang="0">
+                <a:pos x="connsiteX0" y="connsiteY0"/>
+              </a:cxn>
+              <a:cxn ang="0">
+                <a:pos x="connsiteX1" y="connsiteY1"/>
+              </a:cxn>
+              <a:cxn ang="0">
+                <a:pos x="connsiteX2" y="connsiteY2"/>
+              </a:cxn>
+            </a:cxnLst>
+            <a:rect l="l" t="t" r="r" b="b"/>
+            <a:pathLst>
+              <a:path w="10017304" h="1028693">
+                <a:moveTo>
+                  <a:pt x="0" y="987596"/>
+                </a:moveTo>
+                <a:cubicBezTo>
+                  <a:pt x="788541" y="573204"/>
+                  <a:pt x="2049695" y="35525"/>
+                  <a:pt x="4808306" y="1277"/>
+                </a:cubicBezTo>
+                <a:cubicBezTo>
+                  <a:pt x="7566917" y="-32971"/>
+                  <a:pt x="9263866" y="629713"/>
+                  <a:pt x="10017304" y="1028693"/>
+                </a:cubicBezTo>
+              </a:path>
+            </a:pathLst>
+          </a:custGeom>
+          <a:noFill/>
+          <a:ln w="28575"/>
+        </p:spPr>
+        <p:style>
+          <a:lnRef idx="2">
+            <a:schemeClr val="accent1">
+              <a:shade val="15000"/>
+            </a:schemeClr>
+          </a:lnRef>
+          <a:fillRef idx="1">
+            <a:schemeClr val="accent1"/>
+          </a:fillRef>
+          <a:effectRef idx="0">
+            <a:schemeClr val="accent1"/>
+          </a:effectRef>
+          <a:fontRef idx="minor">
+            <a:schemeClr val="lt1"/>
+          </a:fontRef>
+        </p:style>
+        <p:txBody>
+          <a:bodyPr rtlCol="0" anchor="ctr"/>
+          <a:lstStyle/>
+          <a:p>
+            <a:pPr algn="ctr"/>
+            <a:endParaRPr lang="en-US"/>
+          </a:p>
+        </p:txBody>
+      </p:sp>
+      <p:pic>
+        <p:nvPicPr>
+          <p:cNvPr id="4" name="Picture 3">
+            <a:extLst>
+              <a:ext uri="{FF2B5EF4-FFF2-40B4-BE49-F238E27FC236}">
+                <a16:creationId xmlns:a16="http://schemas.microsoft.com/office/drawing/2014/main" id="{BDA06D0B-9E2D-A58F-7906-82EF80CC9581}"/>
+              </a:ext>
+            </a:extLst>
+          </p:cNvPr>
+          <p:cNvPicPr>
+            <a:picLocks noChangeAspect="1"/>
+          </p:cNvPicPr>
+          <p:nvPr/>
+        </p:nvPicPr>
+        <p:blipFill>
+          <a:blip r:embed="rId2">
+            <a:extLst>
+              <a:ext uri="{BEBA8EAE-BF5A-486C-A8C5-ECC9F3942E4B}">
+                <a14:imgProps xmlns:a14="http://schemas.microsoft.com/office/drawing/2010/main">
+                  <a14:imgLayer r:embed="rId3">
+                    <a14:imgEffect>
+                      <a14:brightnessContrast bright="20000" contrast="-40000"/>
+                    </a14:imgEffect>
+                  </a14:imgLayer>
+                </a14:imgProps>
+              </a:ext>
+              <a:ext uri="{28A0092B-C50C-407E-A947-70E740481C1C}">
+                <a14:useLocalDpi xmlns:a14="http://schemas.microsoft.com/office/drawing/2010/main" val="0"/>
+              </a:ext>
+            </a:extLst>
+          </a:blip>
+          <a:stretch>
+            <a:fillRect/>
+          </a:stretch>
+        </p:blipFill>
+        <p:spPr>
+          <a:xfrm>
+            <a:off x="2506894" y="1127750"/>
+            <a:ext cx="6096000" cy="2814958"/>
+          </a:xfrm>
+          <a:prstGeom prst="rect">
+            <a:avLst/>
+          </a:prstGeom>
+        </p:spPr>
+      </p:pic>
+      <p:cxnSp>
+        <p:nvCxnSpPr>
+          <p:cNvPr id="7" name="Straight Arrow Connector 6">
+            <a:extLst>
+              <a:ext uri="{FF2B5EF4-FFF2-40B4-BE49-F238E27FC236}">
+                <a16:creationId xmlns:a16="http://schemas.microsoft.com/office/drawing/2014/main" id="{5B03BACD-69A9-F839-D896-C735AB594BC9}"/>
+              </a:ext>
+            </a:extLst>
+          </p:cNvPr>
+          <p:cNvCxnSpPr>
+            <a:cxnSpLocks/>
+          </p:cNvCxnSpPr>
+          <p:nvPr/>
+        </p:nvCxnSpPr>
+        <p:spPr>
+          <a:xfrm flipV="1">
+            <a:off x="5543187" y="1142568"/>
+            <a:ext cx="0" cy="988309"/>
+          </a:xfrm>
+          <a:prstGeom prst="straightConnector1">
+            <a:avLst/>
+          </a:prstGeom>
+          <a:ln w="57150">
+            <a:solidFill>
+              <a:srgbClr val="1122FF"/>
+            </a:solidFill>
+            <a:tailEnd type="triangle"/>
+          </a:ln>
+        </p:spPr>
+        <p:style>
+          <a:lnRef idx="1">
+            <a:schemeClr val="accent1"/>
+          </a:lnRef>
+          <a:fillRef idx="0">
+            <a:schemeClr val="accent1"/>
+          </a:fillRef>
+          <a:effectRef idx="0">
+            <a:schemeClr val="accent1"/>
+          </a:effectRef>
+          <a:fontRef idx="minor">
+            <a:schemeClr val="tx1"/>
+          </a:fontRef>
+        </p:style>
+      </p:cxnSp>
+      <p:cxnSp>
+        <p:nvCxnSpPr>
+          <p:cNvPr id="8" name="Straight Arrow Connector 7">
+            <a:extLst>
+              <a:ext uri="{FF2B5EF4-FFF2-40B4-BE49-F238E27FC236}">
+                <a16:creationId xmlns:a16="http://schemas.microsoft.com/office/drawing/2014/main" id="{F7DEAE03-C87D-BECE-89B3-90EE18D38953}"/>
+              </a:ext>
+            </a:extLst>
+          </p:cNvPr>
+          <p:cNvCxnSpPr>
+            <a:cxnSpLocks/>
+          </p:cNvCxnSpPr>
+          <p:nvPr/>
+        </p:nvCxnSpPr>
+        <p:spPr>
+          <a:xfrm flipH="1">
+            <a:off x="4381500" y="2130877"/>
+            <a:ext cx="1161687" cy="0"/>
+          </a:xfrm>
+          <a:prstGeom prst="straightConnector1">
+            <a:avLst/>
+          </a:prstGeom>
+          <a:ln w="57150">
+            <a:solidFill>
+              <a:srgbClr val="C00000"/>
+            </a:solidFill>
+            <a:tailEnd type="triangle"/>
+          </a:ln>
+        </p:spPr>
+        <p:style>
+          <a:lnRef idx="1">
+            <a:schemeClr val="accent1"/>
+          </a:lnRef>
+          <a:fillRef idx="0">
+            <a:schemeClr val="accent1"/>
+          </a:fillRef>
+          <a:effectRef idx="0">
+            <a:schemeClr val="accent1"/>
+          </a:effectRef>
+          <a:fontRef idx="minor">
+            <a:schemeClr val="tx1"/>
+          </a:fontRef>
+        </p:style>
+      </p:cxnSp>
+      <p:sp>
+        <p:nvSpPr>
+          <p:cNvPr id="9" name="Oval 8">
+            <a:extLst>
+              <a:ext uri="{FF2B5EF4-FFF2-40B4-BE49-F238E27FC236}">
+                <a16:creationId xmlns:a16="http://schemas.microsoft.com/office/drawing/2014/main" id="{06486212-9612-C7E6-F322-6B8A5E32CC52}"/>
+              </a:ext>
+            </a:extLst>
+          </p:cNvPr>
+          <p:cNvSpPr/>
+          <p:nvPr/>
+        </p:nvSpPr>
+        <p:spPr>
+          <a:xfrm>
+            <a:off x="5436058" y="2023747"/>
+            <a:ext cx="214259" cy="214259"/>
+          </a:xfrm>
+          <a:prstGeom prst="ellipse">
+            <a:avLst/>
+          </a:prstGeom>
+          <a:solidFill>
+            <a:srgbClr val="00B050"/>
+          </a:solidFill>
+          <a:ln w="28575">
+            <a:solidFill>
+              <a:schemeClr val="bg1"/>
+            </a:solidFill>
+          </a:ln>
+        </p:spPr>
+        <p:style>
+          <a:lnRef idx="2">
+            <a:schemeClr val="accent1">
+              <a:shade val="15000"/>
+            </a:schemeClr>
+          </a:lnRef>
+          <a:fillRef idx="1">
+            <a:schemeClr val="accent1"/>
+          </a:fillRef>
+          <a:effectRef idx="0">
+            <a:schemeClr val="accent1"/>
+          </a:effectRef>
+          <a:fontRef idx="minor">
+            <a:schemeClr val="lt1"/>
+          </a:fontRef>
+        </p:style>
+        <p:txBody>
+          <a:bodyPr rtlCol="0" anchor="ctr"/>
+          <a:lstStyle/>
+          <a:p>
+            <a:pPr algn="ctr"/>
+            <a:endParaRPr lang="en-US"/>
+          </a:p>
+        </p:txBody>
+      </p:sp>
+      <mc:AlternateContent xmlns:mc="http://schemas.openxmlformats.org/markup-compatibility/2006">
+        <mc:Choice xmlns:a14="http://schemas.microsoft.com/office/drawing/2010/main" Requires="a14">
+          <p:sp>
+            <p:nvSpPr>
+              <p:cNvPr id="11" name="TextBox 10">
+                <a:extLst>
+                  <a:ext uri="{FF2B5EF4-FFF2-40B4-BE49-F238E27FC236}">
+                    <a16:creationId xmlns:a16="http://schemas.microsoft.com/office/drawing/2014/main" id="{658C3BC9-1605-3A4C-2BDD-6CDD49928875}"/>
+                  </a:ext>
+                </a:extLst>
+              </p:cNvPr>
+              <p:cNvSpPr txBox="1"/>
+              <p:nvPr/>
+            </p:nvSpPr>
+            <p:spPr>
+              <a:xfrm>
+                <a:off x="3282325" y="1946210"/>
+                <a:ext cx="1020471" cy="379206"/>
+              </a:xfrm>
+              <a:prstGeom prst="rect">
+                <a:avLst/>
+              </a:prstGeom>
+              <a:noFill/>
+            </p:spPr>
+            <p:txBody>
+              <a:bodyPr wrap="none" lIns="0" tIns="0" rIns="0" bIns="0" rtlCol="0">
+                <a:spAutoFit/>
+              </a:bodyPr>
+              <a:lstStyle/>
+              <a:p>
+                <a:pPr/>
+                <a14:m>
+                  <m:oMathPara xmlns:m="http://schemas.openxmlformats.org/officeDocument/2006/math">
+                    <m:oMathParaPr>
+                      <m:jc m:val="centerGroup"/>
+                    </m:oMathParaPr>
+                    <m:oMath xmlns:m="http://schemas.openxmlformats.org/officeDocument/2006/math">
+                      <m:acc>
+                        <m:accPr>
+                          <m:chr m:val="̂"/>
+                          <m:ctrlPr>
+                            <a:rPr lang="en-US" sz="2400" i="1" smtClean="0">
+                              <a:latin typeface="Cambria Math" panose="02040503050406030204" pitchFamily="18" charset="0"/>
+                            </a:rPr>
+                          </m:ctrlPr>
+                        </m:accPr>
+                        <m:e>
+                          <m:r>
+                            <a:rPr lang="en-US" sz="2400" b="0" i="1" smtClean="0">
+                              <a:latin typeface="Cambria Math" panose="02040503050406030204" pitchFamily="18" charset="0"/>
+                            </a:rPr>
+                            <m:t>𝑇</m:t>
+                          </m:r>
+                        </m:e>
+                      </m:acc>
+                      <m:r>
+                        <a:rPr lang="en-US" sz="2400" b="0" i="1" smtClean="0">
+                          <a:latin typeface="Cambria Math" panose="02040503050406030204" pitchFamily="18" charset="0"/>
+                        </a:rPr>
+                        <m:t>=</m:t>
+                      </m:r>
+                      <m:sSub>
+                        <m:sSubPr>
+                          <m:ctrlPr>
+                            <a:rPr lang="en-US" sz="2400" i="1" smtClean="0">
+                              <a:latin typeface="Cambria Math" panose="02040503050406030204" pitchFamily="18" charset="0"/>
+                            </a:rPr>
+                          </m:ctrlPr>
+                        </m:sSubPr>
+                        <m:e>
+                          <m:acc>
+                            <m:accPr>
+                              <m:chr m:val="̂"/>
+                              <m:ctrlPr>
+                                <a:rPr lang="en-US" sz="2400" i="1" smtClean="0">
+                                  <a:latin typeface="Cambria Math" panose="02040503050406030204" pitchFamily="18" charset="0"/>
+                                </a:rPr>
+                              </m:ctrlPr>
+                            </m:accPr>
+                            <m:e>
+                              <m:r>
+                                <a:rPr lang="en-US" sz="2400" b="0" i="1" smtClean="0">
+                                  <a:latin typeface="Cambria Math" panose="02040503050406030204" pitchFamily="18" charset="0"/>
+                                </a:rPr>
+                                <m:t>𝑦</m:t>
+                              </m:r>
+                            </m:e>
+                          </m:acc>
+                        </m:e>
+                        <m:sub>
+                          <m:r>
+                            <a:rPr lang="en-US" sz="2400" b="0" i="1" smtClean="0">
+                              <a:latin typeface="Cambria Math" panose="02040503050406030204" pitchFamily="18" charset="0"/>
+                            </a:rPr>
+                            <m:t>𝐵</m:t>
+                          </m:r>
+                        </m:sub>
+                      </m:sSub>
+                    </m:oMath>
+                  </m:oMathPara>
+                </a14:m>
+                <a:endParaRPr lang="en-US" sz="2400" dirty="0"/>
+              </a:p>
+            </p:txBody>
+          </p:sp>
+        </mc:Choice>
+        <mc:Fallback>
+          <p:sp>
+            <p:nvSpPr>
+              <p:cNvPr id="11" name="TextBox 10">
+                <a:extLst>
+                  <a:ext uri="{FF2B5EF4-FFF2-40B4-BE49-F238E27FC236}">
+                    <a16:creationId xmlns:a16="http://schemas.microsoft.com/office/drawing/2014/main" id="{658C3BC9-1605-3A4C-2BDD-6CDD49928875}"/>
+                  </a:ext>
+                </a:extLst>
+              </p:cNvPr>
+              <p:cNvSpPr txBox="1">
+                <a:spLocks noRot="1" noChangeAspect="1" noMove="1" noResize="1" noEditPoints="1" noAdjustHandles="1" noChangeArrowheads="1" noChangeShapeType="1" noTextEdit="1"/>
+              </p:cNvSpPr>
+              <p:nvPr/>
+            </p:nvSpPr>
+            <p:spPr>
+              <a:xfrm>
+                <a:off x="3282325" y="1946210"/>
+                <a:ext cx="1020471" cy="379206"/>
+              </a:xfrm>
+              <a:prstGeom prst="rect">
+                <a:avLst/>
+              </a:prstGeom>
+              <a:blipFill>
+                <a:blip r:embed="rId4"/>
+                <a:stretch>
+                  <a:fillRect l="-4762" t="-17742" r="-27381" b="-25806"/>
+                </a:stretch>
+              </a:blipFill>
+            </p:spPr>
+            <p:txBody>
+              <a:bodyPr/>
+              <a:lstStyle/>
+              <a:p>
+                <a:r>
+                  <a:rPr lang="en-US">
+                    <a:noFill/>
+                  </a:rPr>
+                  <a:t> </a:t>
+                </a:r>
+              </a:p>
+            </p:txBody>
+          </p:sp>
+        </mc:Fallback>
+      </mc:AlternateContent>
+      <mc:AlternateContent xmlns:mc="http://schemas.openxmlformats.org/markup-compatibility/2006">
+        <mc:Choice xmlns:a14="http://schemas.microsoft.com/office/drawing/2010/main" Requires="a14">
+          <p:sp>
+            <p:nvSpPr>
+              <p:cNvPr id="14" name="TextBox 13">
+                <a:extLst>
+                  <a:ext uri="{FF2B5EF4-FFF2-40B4-BE49-F238E27FC236}">
+                    <a16:creationId xmlns:a16="http://schemas.microsoft.com/office/drawing/2014/main" id="{5E8CB281-9362-D9DD-A86E-CB0DB783BB82}"/>
+                  </a:ext>
+                </a:extLst>
+              </p:cNvPr>
+              <p:cNvSpPr txBox="1"/>
+              <p:nvPr/>
+            </p:nvSpPr>
+            <p:spPr>
+              <a:xfrm>
+                <a:off x="5729021" y="1202472"/>
+                <a:ext cx="1036502" cy="379206"/>
+              </a:xfrm>
+              <a:prstGeom prst="rect">
+                <a:avLst/>
+              </a:prstGeom>
+              <a:noFill/>
+            </p:spPr>
+            <p:txBody>
+              <a:bodyPr wrap="none" lIns="0" tIns="0" rIns="0" bIns="0" rtlCol="0">
+                <a:spAutoFit/>
+              </a:bodyPr>
+              <a:lstStyle/>
+              <a:p>
+                <a:pPr/>
+                <a14:m>
+                  <m:oMathPara xmlns:m="http://schemas.openxmlformats.org/officeDocument/2006/math">
+                    <m:oMathParaPr>
+                      <m:jc m:val="centerGroup"/>
+                    </m:oMathParaPr>
+                    <m:oMath xmlns:m="http://schemas.openxmlformats.org/officeDocument/2006/math">
+                      <m:acc>
+                        <m:accPr>
+                          <m:chr m:val="̂"/>
+                          <m:ctrlPr>
+                            <a:rPr lang="en-US" sz="2400" i="1" smtClean="0">
+                              <a:latin typeface="Cambria Math" panose="02040503050406030204" pitchFamily="18" charset="0"/>
+                            </a:rPr>
+                          </m:ctrlPr>
+                        </m:accPr>
+                        <m:e>
+                          <m:r>
+                            <a:rPr lang="en-US" sz="2400" b="0" i="1" smtClean="0">
+                              <a:latin typeface="Cambria Math" panose="02040503050406030204" pitchFamily="18" charset="0"/>
+                            </a:rPr>
+                            <m:t>𝑅</m:t>
+                          </m:r>
+                        </m:e>
+                      </m:acc>
+                      <m:r>
+                        <a:rPr lang="en-US" sz="2400" b="0" i="1" smtClean="0">
+                          <a:latin typeface="Cambria Math" panose="02040503050406030204" pitchFamily="18" charset="0"/>
+                        </a:rPr>
+                        <m:t>=</m:t>
+                      </m:r>
+                      <m:sSub>
+                        <m:sSubPr>
+                          <m:ctrlPr>
+                            <a:rPr lang="en-US" sz="2400" i="1" smtClean="0">
+                              <a:latin typeface="Cambria Math" panose="02040503050406030204" pitchFamily="18" charset="0"/>
+                            </a:rPr>
+                          </m:ctrlPr>
+                        </m:sSubPr>
+                        <m:e>
+                          <m:acc>
+                            <m:accPr>
+                              <m:chr m:val="̂"/>
+                              <m:ctrlPr>
+                                <a:rPr lang="en-US" sz="2400" i="1" smtClean="0">
+                                  <a:latin typeface="Cambria Math" panose="02040503050406030204" pitchFamily="18" charset="0"/>
+                                </a:rPr>
+                              </m:ctrlPr>
+                            </m:accPr>
+                            <m:e>
+                              <m:r>
+                                <a:rPr lang="en-US" sz="2400" b="0" i="1" smtClean="0">
+                                  <a:latin typeface="Cambria Math" panose="02040503050406030204" pitchFamily="18" charset="0"/>
+                                </a:rPr>
+                                <m:t>𝑥</m:t>
+                              </m:r>
+                            </m:e>
+                          </m:acc>
+                        </m:e>
+                        <m:sub>
+                          <m:r>
+                            <a:rPr lang="en-US" sz="2400" b="0" i="1" smtClean="0">
+                              <a:latin typeface="Cambria Math" panose="02040503050406030204" pitchFamily="18" charset="0"/>
+                            </a:rPr>
+                            <m:t>𝐵</m:t>
+                          </m:r>
+                        </m:sub>
+                      </m:sSub>
+                    </m:oMath>
+                  </m:oMathPara>
+                </a14:m>
+                <a:endParaRPr lang="en-US" sz="2400" dirty="0"/>
+              </a:p>
+            </p:txBody>
+          </p:sp>
+        </mc:Choice>
+        <mc:Fallback>
+          <p:sp>
+            <p:nvSpPr>
+              <p:cNvPr id="14" name="TextBox 13">
+                <a:extLst>
+                  <a:ext uri="{FF2B5EF4-FFF2-40B4-BE49-F238E27FC236}">
+                    <a16:creationId xmlns:a16="http://schemas.microsoft.com/office/drawing/2014/main" id="{5E8CB281-9362-D9DD-A86E-CB0DB783BB82}"/>
+                  </a:ext>
+                </a:extLst>
+              </p:cNvPr>
+              <p:cNvSpPr txBox="1">
+                <a:spLocks noRot="1" noChangeAspect="1" noMove="1" noResize="1" noEditPoints="1" noAdjustHandles="1" noChangeArrowheads="1" noChangeShapeType="1" noTextEdit="1"/>
+              </p:cNvSpPr>
+              <p:nvPr/>
+            </p:nvSpPr>
+            <p:spPr>
+              <a:xfrm>
+                <a:off x="5729021" y="1202472"/>
+                <a:ext cx="1036502" cy="379206"/>
+              </a:xfrm>
+              <a:prstGeom prst="rect">
+                <a:avLst/>
+              </a:prstGeom>
+              <a:blipFill>
+                <a:blip r:embed="rId5"/>
+                <a:stretch>
+                  <a:fillRect l="-5294" t="-17742" r="-26471" b="-14516"/>
+                </a:stretch>
+              </a:blipFill>
+            </p:spPr>
+            <p:txBody>
+              <a:bodyPr/>
+              <a:lstStyle/>
+              <a:p>
+                <a:r>
+                  <a:rPr lang="en-US">
+                    <a:noFill/>
+                  </a:rPr>
+                  <a:t> </a:t>
+                </a:r>
+              </a:p>
+            </p:txBody>
+          </p:sp>
+        </mc:Fallback>
+      </mc:AlternateContent>
+      <mc:AlternateContent xmlns:mc="http://schemas.openxmlformats.org/markup-compatibility/2006">
+        <mc:Choice xmlns:a14="http://schemas.microsoft.com/office/drawing/2010/main" Requires="a14">
+          <p:sp>
+            <p:nvSpPr>
+              <p:cNvPr id="15" name="TextBox 14">
+                <a:extLst>
+                  <a:ext uri="{FF2B5EF4-FFF2-40B4-BE49-F238E27FC236}">
+                    <a16:creationId xmlns:a16="http://schemas.microsoft.com/office/drawing/2014/main" id="{8C9A919A-4930-99C9-E436-310B42FB374D}"/>
+                  </a:ext>
+                </a:extLst>
+              </p:cNvPr>
+              <p:cNvSpPr txBox="1"/>
+              <p:nvPr/>
+            </p:nvSpPr>
+            <p:spPr>
+              <a:xfrm>
+                <a:off x="5729021" y="1941273"/>
+                <a:ext cx="1015278" cy="379206"/>
+              </a:xfrm>
+              <a:prstGeom prst="rect">
+                <a:avLst/>
+              </a:prstGeom>
+              <a:noFill/>
+            </p:spPr>
+            <p:txBody>
+              <a:bodyPr wrap="none" lIns="0" tIns="0" rIns="0" bIns="0" rtlCol="0">
+                <a:spAutoFit/>
+              </a:bodyPr>
+              <a:lstStyle/>
+              <a:p>
+                <a:pPr/>
+                <a14:m>
+                  <m:oMathPara xmlns:m="http://schemas.openxmlformats.org/officeDocument/2006/math">
+                    <m:oMathParaPr>
+                      <m:jc m:val="centerGroup"/>
+                    </m:oMathParaPr>
+                    <m:oMath xmlns:m="http://schemas.openxmlformats.org/officeDocument/2006/math">
+                      <m:acc>
+                        <m:accPr>
+                          <m:chr m:val="̂"/>
+                          <m:ctrlPr>
+                            <a:rPr lang="en-US" sz="2400" i="1" smtClean="0">
+                              <a:latin typeface="Cambria Math" panose="02040503050406030204" pitchFamily="18" charset="0"/>
+                            </a:rPr>
+                          </m:ctrlPr>
+                        </m:accPr>
+                        <m:e>
+                          <m:r>
+                            <a:rPr lang="en-US" sz="2400" b="0" i="1" smtClean="0">
+                              <a:latin typeface="Cambria Math" panose="02040503050406030204" pitchFamily="18" charset="0"/>
+                            </a:rPr>
+                            <m:t>𝑁</m:t>
+                          </m:r>
+                        </m:e>
+                      </m:acc>
+                      <m:r>
+                        <a:rPr lang="en-US" sz="2400" b="0" i="1" smtClean="0">
+                          <a:latin typeface="Cambria Math" panose="02040503050406030204" pitchFamily="18" charset="0"/>
+                        </a:rPr>
+                        <m:t>=</m:t>
+                      </m:r>
+                      <m:sSub>
+                        <m:sSubPr>
+                          <m:ctrlPr>
+                            <a:rPr lang="en-US" sz="2400" i="1" smtClean="0">
+                              <a:latin typeface="Cambria Math" panose="02040503050406030204" pitchFamily="18" charset="0"/>
+                            </a:rPr>
+                          </m:ctrlPr>
+                        </m:sSubPr>
+                        <m:e>
+                          <m:acc>
+                            <m:accPr>
+                              <m:chr m:val="̂"/>
+                              <m:ctrlPr>
+                                <a:rPr lang="en-US" sz="2400" i="1" smtClean="0">
+                                  <a:latin typeface="Cambria Math" panose="02040503050406030204" pitchFamily="18" charset="0"/>
+                                </a:rPr>
+                              </m:ctrlPr>
+                            </m:accPr>
+                            <m:e>
+                              <m:r>
+                                <a:rPr lang="en-US" sz="2400" b="0" i="1" smtClean="0">
+                                  <a:latin typeface="Cambria Math" panose="02040503050406030204" pitchFamily="18" charset="0"/>
+                                </a:rPr>
+                                <m:t>𝑧</m:t>
+                              </m:r>
+                            </m:e>
+                          </m:acc>
+                        </m:e>
+                        <m:sub>
+                          <m:r>
+                            <a:rPr lang="en-US" sz="2400" b="0" i="1" smtClean="0">
+                              <a:latin typeface="Cambria Math" panose="02040503050406030204" pitchFamily="18" charset="0"/>
+                            </a:rPr>
+                            <m:t>𝐵</m:t>
+                          </m:r>
+                        </m:sub>
+                      </m:sSub>
+                    </m:oMath>
+                  </m:oMathPara>
+                </a14:m>
+                <a:endParaRPr lang="en-US" sz="2400" dirty="0"/>
+              </a:p>
+            </p:txBody>
+          </p:sp>
+        </mc:Choice>
+        <mc:Fallback>
+          <p:sp>
+            <p:nvSpPr>
+              <p:cNvPr id="15" name="TextBox 14">
+                <a:extLst>
+                  <a:ext uri="{FF2B5EF4-FFF2-40B4-BE49-F238E27FC236}">
+                    <a16:creationId xmlns:a16="http://schemas.microsoft.com/office/drawing/2014/main" id="{8C9A919A-4930-99C9-E436-310B42FB374D}"/>
+                  </a:ext>
+                </a:extLst>
+              </p:cNvPr>
+              <p:cNvSpPr txBox="1">
+                <a:spLocks noRot="1" noChangeAspect="1" noMove="1" noResize="1" noEditPoints="1" noAdjustHandles="1" noChangeArrowheads="1" noChangeShapeType="1" noTextEdit="1"/>
+              </p:cNvSpPr>
+              <p:nvPr/>
+            </p:nvSpPr>
+            <p:spPr>
+              <a:xfrm>
+                <a:off x="5729021" y="1941273"/>
+                <a:ext cx="1015278" cy="379206"/>
+              </a:xfrm>
+              <a:prstGeom prst="rect">
+                <a:avLst/>
+              </a:prstGeom>
+              <a:blipFill>
+                <a:blip r:embed="rId6"/>
+                <a:stretch>
+                  <a:fillRect l="-7229" t="-17460" r="-24096" b="-12698"/>
+                </a:stretch>
+              </a:blipFill>
+            </p:spPr>
+            <p:txBody>
+              <a:bodyPr/>
+              <a:lstStyle/>
+              <a:p>
+                <a:r>
+                  <a:rPr lang="en-US">
+                    <a:noFill/>
+                  </a:rPr>
+                  <a:t> </a:t>
+                </a:r>
+              </a:p>
+            </p:txBody>
+          </p:sp>
+        </mc:Fallback>
+      </mc:AlternateContent>
+    </p:spTree>
+    <p:extLst>
+      <p:ext uri="{BB962C8B-B14F-4D97-AF65-F5344CB8AC3E}">
+        <p14:creationId xmlns:p14="http://schemas.microsoft.com/office/powerpoint/2010/main" val="409740165"/>
+      </p:ext>
+    </p:extLst>
+  </p:cSld>
+  <p:clrMapOvr>
+    <a:masterClrMapping/>
+  </p:clrMapOvr>
+</p:sld>
+</file>
+
+<file path=ppt/slides/slide15.xml><?xml version="1.0" encoding="utf-8"?>
+<p:sld xmlns:a="http://schemas.openxmlformats.org/drawingml/2006/main" xmlns:r="http://schemas.openxmlformats.org/officeDocument/2006/relationships" xmlns:p="http://schemas.openxmlformats.org/presentationml/2006/main">
+  <p:cSld>
+    <p:spTree>
+      <p:nvGrpSpPr>
+        <p:cNvPr id="1" name=""/>
+        <p:cNvGrpSpPr/>
+        <p:nvPr/>
+      </p:nvGrpSpPr>
+      <p:grpSpPr>
+        <a:xfrm>
+          <a:off x="0" y="0"/>
+          <a:ext cx="0" cy="0"/>
+          <a:chOff x="0" y="0"/>
+          <a:chExt cx="0" cy="0"/>
+        </a:xfrm>
+      </p:grpSpPr>
+      <p:sp>
+        <p:nvSpPr>
+          <p:cNvPr id="5" name="Freeform: Shape 4">
+            <a:extLst>
+              <a:ext uri="{FF2B5EF4-FFF2-40B4-BE49-F238E27FC236}">
+                <a16:creationId xmlns:a16="http://schemas.microsoft.com/office/drawing/2014/main" id="{3727639B-4FCD-CDAF-86B1-E109C8796A5D}"/>
+              </a:ext>
+            </a:extLst>
+          </p:cNvPr>
+          <p:cNvSpPr/>
+          <p:nvPr/>
+        </p:nvSpPr>
+        <p:spPr>
+          <a:xfrm>
+            <a:off x="1277429" y="3378851"/>
+            <a:ext cx="8539537" cy="1028693"/>
+          </a:xfrm>
+          <a:custGeom>
+            <a:avLst/>
+            <a:gdLst>
+              <a:gd name="connsiteX0" fmla="*/ 0 w 10017304"/>
+              <a:gd name="connsiteY0" fmla="*/ 986389 h 1027486"/>
+              <a:gd name="connsiteX1" fmla="*/ 4808306 w 10017304"/>
+              <a:gd name="connsiteY1" fmla="*/ 70 h 1027486"/>
+              <a:gd name="connsiteX2" fmla="*/ 10017304 w 10017304"/>
+              <a:gd name="connsiteY2" fmla="*/ 1027486 h 1027486"/>
+              <a:gd name="connsiteX0" fmla="*/ 0 w 10017304"/>
+              <a:gd name="connsiteY0" fmla="*/ 988695 h 1029792"/>
+              <a:gd name="connsiteX1" fmla="*/ 4808306 w 10017304"/>
+              <a:gd name="connsiteY1" fmla="*/ 2376 h 1029792"/>
+              <a:gd name="connsiteX2" fmla="*/ 10017304 w 10017304"/>
+              <a:gd name="connsiteY2" fmla="*/ 1029792 h 1029792"/>
+              <a:gd name="connsiteX0" fmla="*/ 0 w 10017304"/>
+              <a:gd name="connsiteY0" fmla="*/ 989424 h 1030521"/>
+              <a:gd name="connsiteX1" fmla="*/ 4808306 w 10017304"/>
+              <a:gd name="connsiteY1" fmla="*/ 3105 h 1030521"/>
+              <a:gd name="connsiteX2" fmla="*/ 10017304 w 10017304"/>
+              <a:gd name="connsiteY2" fmla="*/ 1030521 h 1030521"/>
+              <a:gd name="connsiteX0" fmla="*/ 0 w 10017304"/>
+              <a:gd name="connsiteY0" fmla="*/ 989424 h 1030521"/>
+              <a:gd name="connsiteX1" fmla="*/ 4808306 w 10017304"/>
+              <a:gd name="connsiteY1" fmla="*/ 3105 h 1030521"/>
+              <a:gd name="connsiteX2" fmla="*/ 10017304 w 10017304"/>
+              <a:gd name="connsiteY2" fmla="*/ 1030521 h 1030521"/>
+              <a:gd name="connsiteX0" fmla="*/ 0 w 10017304"/>
+              <a:gd name="connsiteY0" fmla="*/ 987596 h 1028693"/>
+              <a:gd name="connsiteX1" fmla="*/ 4808306 w 10017304"/>
+              <a:gd name="connsiteY1" fmla="*/ 1277 h 1028693"/>
+              <a:gd name="connsiteX2" fmla="*/ 10017304 w 10017304"/>
+              <a:gd name="connsiteY2" fmla="*/ 1028693 h 1028693"/>
+            </a:gdLst>
+            <a:ahLst/>
+            <a:cxnLst>
+              <a:cxn ang="0">
+                <a:pos x="connsiteX0" y="connsiteY0"/>
+              </a:cxn>
+              <a:cxn ang="0">
+                <a:pos x="connsiteX1" y="connsiteY1"/>
+              </a:cxn>
+              <a:cxn ang="0">
+                <a:pos x="connsiteX2" y="connsiteY2"/>
+              </a:cxn>
+            </a:cxnLst>
+            <a:rect l="l" t="t" r="r" b="b"/>
+            <a:pathLst>
+              <a:path w="10017304" h="1028693">
+                <a:moveTo>
+                  <a:pt x="0" y="987596"/>
+                </a:moveTo>
+                <a:cubicBezTo>
+                  <a:pt x="788541" y="573204"/>
+                  <a:pt x="2049695" y="35525"/>
+                  <a:pt x="4808306" y="1277"/>
+                </a:cubicBezTo>
+                <a:cubicBezTo>
+                  <a:pt x="7566917" y="-32971"/>
+                  <a:pt x="9263866" y="629713"/>
+                  <a:pt x="10017304" y="1028693"/>
+                </a:cubicBezTo>
+              </a:path>
+            </a:pathLst>
+          </a:custGeom>
+          <a:noFill/>
+          <a:ln w="28575"/>
+        </p:spPr>
+        <p:style>
+          <a:lnRef idx="2">
+            <a:schemeClr val="accent1">
+              <a:shade val="15000"/>
+            </a:schemeClr>
+          </a:lnRef>
+          <a:fillRef idx="1">
+            <a:schemeClr val="accent1"/>
+          </a:fillRef>
+          <a:effectRef idx="0">
+            <a:schemeClr val="accent1"/>
+          </a:effectRef>
+          <a:fontRef idx="minor">
+            <a:schemeClr val="lt1"/>
+          </a:fontRef>
+        </p:style>
+        <p:txBody>
+          <a:bodyPr rtlCol="0" anchor="ctr"/>
+          <a:lstStyle/>
+          <a:p>
+            <a:pPr algn="ctr"/>
+            <a:endParaRPr lang="en-US"/>
+          </a:p>
+        </p:txBody>
+      </p:sp>
+      <p:pic>
+        <p:nvPicPr>
+          <p:cNvPr id="41" name="Picture 40">
+            <a:extLst>
+              <a:ext uri="{FF2B5EF4-FFF2-40B4-BE49-F238E27FC236}">
+                <a16:creationId xmlns:a16="http://schemas.microsoft.com/office/drawing/2014/main" id="{B8BCD43D-0DD5-DF02-B901-CDB425984BD9}"/>
+              </a:ext>
+            </a:extLst>
+          </p:cNvPr>
+          <p:cNvPicPr>
+            <a:picLocks noChangeAspect="1"/>
+          </p:cNvPicPr>
+          <p:nvPr/>
+        </p:nvPicPr>
+        <p:blipFill rotWithShape="1">
+          <a:blip r:embed="rId2"/>
+          <a:srcRect t="16217" b="16777"/>
+          <a:stretch/>
+        </p:blipFill>
+        <p:spPr>
+          <a:xfrm>
+            <a:off x="3448226" y="1893014"/>
+            <a:ext cx="4389500" cy="3071972"/>
+          </a:xfrm>
+          <a:prstGeom prst="rect">
+            <a:avLst/>
+          </a:prstGeom>
+        </p:spPr>
+      </p:pic>
+      <p:cxnSp>
+        <p:nvCxnSpPr>
+          <p:cNvPr id="7" name="Straight Arrow Connector 6">
+            <a:extLst>
+              <a:ext uri="{FF2B5EF4-FFF2-40B4-BE49-F238E27FC236}">
+                <a16:creationId xmlns:a16="http://schemas.microsoft.com/office/drawing/2014/main" id="{5B03BACD-69A9-F839-D896-C735AB594BC9}"/>
+              </a:ext>
+            </a:extLst>
+          </p:cNvPr>
+          <p:cNvCxnSpPr>
+            <a:cxnSpLocks/>
+          </p:cNvCxnSpPr>
+          <p:nvPr/>
+        </p:nvCxnSpPr>
+        <p:spPr>
+          <a:xfrm flipV="1">
+            <a:off x="5988870" y="2101712"/>
+            <a:ext cx="0" cy="738802"/>
+          </a:xfrm>
+          <a:prstGeom prst="straightConnector1">
+            <a:avLst/>
+          </a:prstGeom>
+          <a:ln w="57150">
+            <a:solidFill>
+              <a:srgbClr val="1122FF"/>
+            </a:solidFill>
+            <a:tailEnd type="triangle"/>
+          </a:ln>
+        </p:spPr>
+        <p:style>
+          <a:lnRef idx="1">
+            <a:schemeClr val="accent1"/>
+          </a:lnRef>
+          <a:fillRef idx="0">
+            <a:schemeClr val="accent1"/>
+          </a:fillRef>
+          <a:effectRef idx="0">
+            <a:schemeClr val="accent1"/>
+          </a:effectRef>
+          <a:fontRef idx="minor">
+            <a:schemeClr val="tx1"/>
+          </a:fontRef>
+        </p:style>
+      </p:cxnSp>
+      <p:cxnSp>
+        <p:nvCxnSpPr>
+          <p:cNvPr id="8" name="Straight Arrow Connector 7">
+            <a:extLst>
+              <a:ext uri="{FF2B5EF4-FFF2-40B4-BE49-F238E27FC236}">
+                <a16:creationId xmlns:a16="http://schemas.microsoft.com/office/drawing/2014/main" id="{F7DEAE03-C87D-BECE-89B3-90EE18D38953}"/>
+              </a:ext>
+            </a:extLst>
+          </p:cNvPr>
+          <p:cNvCxnSpPr>
+            <a:cxnSpLocks/>
+          </p:cNvCxnSpPr>
+          <p:nvPr/>
+        </p:nvCxnSpPr>
+        <p:spPr>
+          <a:xfrm flipH="1">
+            <a:off x="5297083" y="2840514"/>
+            <a:ext cx="691787" cy="0"/>
+          </a:xfrm>
+          <a:prstGeom prst="straightConnector1">
+            <a:avLst/>
+          </a:prstGeom>
+          <a:ln w="57150">
+            <a:solidFill>
+              <a:srgbClr val="C00000"/>
+            </a:solidFill>
+            <a:tailEnd type="triangle"/>
+          </a:ln>
+        </p:spPr>
+        <p:style>
+          <a:lnRef idx="1">
+            <a:schemeClr val="accent1"/>
+          </a:lnRef>
+          <a:fillRef idx="0">
+            <a:schemeClr val="accent1"/>
+          </a:fillRef>
+          <a:effectRef idx="0">
+            <a:schemeClr val="accent1"/>
+          </a:effectRef>
+          <a:fontRef idx="minor">
+            <a:schemeClr val="tx1"/>
+          </a:fontRef>
+        </p:style>
+      </p:cxnSp>
+      <mc:AlternateContent xmlns:mc="http://schemas.openxmlformats.org/markup-compatibility/2006">
+        <mc:Choice xmlns:a14="http://schemas.microsoft.com/office/drawing/2010/main" Requires="a14">
+          <p:sp>
+            <p:nvSpPr>
+              <p:cNvPr id="11" name="TextBox 10">
+                <a:extLst>
+                  <a:ext uri="{FF2B5EF4-FFF2-40B4-BE49-F238E27FC236}">
+                    <a16:creationId xmlns:a16="http://schemas.microsoft.com/office/drawing/2014/main" id="{658C3BC9-1605-3A4C-2BDD-6CDD49928875}"/>
+                  </a:ext>
+                </a:extLst>
+              </p:cNvPr>
+              <p:cNvSpPr txBox="1"/>
+              <p:nvPr/>
+            </p:nvSpPr>
+            <p:spPr>
+              <a:xfrm>
+                <a:off x="5198189" y="2403049"/>
+                <a:ext cx="258404" cy="379206"/>
+              </a:xfrm>
+              <a:prstGeom prst="rect">
+                <a:avLst/>
+              </a:prstGeom>
+              <a:noFill/>
+            </p:spPr>
+            <p:txBody>
+              <a:bodyPr wrap="none" lIns="0" tIns="0" rIns="0" bIns="0" rtlCol="0">
+                <a:spAutoFit/>
+              </a:bodyPr>
+              <a:lstStyle/>
+              <a:p>
+                <a:pPr/>
+                <a14:m>
+                  <m:oMathPara xmlns:m="http://schemas.openxmlformats.org/officeDocument/2006/math">
+                    <m:oMathParaPr>
+                      <m:jc m:val="centerGroup"/>
+                    </m:oMathParaPr>
+                    <m:oMath xmlns:m="http://schemas.openxmlformats.org/officeDocument/2006/math">
+                      <m:acc>
+                        <m:accPr>
+                          <m:chr m:val="̂"/>
+                          <m:ctrlPr>
+                            <a:rPr lang="en-US" sz="2400" i="1" smtClean="0">
+                              <a:latin typeface="Cambria Math" panose="02040503050406030204" pitchFamily="18" charset="0"/>
+                            </a:rPr>
+                          </m:ctrlPr>
+                        </m:accPr>
+                        <m:e>
+                          <m:r>
+                            <a:rPr lang="en-US" sz="2400" b="0" i="1" smtClean="0">
+                              <a:latin typeface="Cambria Math" panose="02040503050406030204" pitchFamily="18" charset="0"/>
+                            </a:rPr>
+                            <m:t>𝑇</m:t>
+                          </m:r>
+                        </m:e>
+                      </m:acc>
+                    </m:oMath>
+                  </m:oMathPara>
+                </a14:m>
+                <a:endParaRPr lang="en-US" sz="2400" dirty="0"/>
+              </a:p>
+            </p:txBody>
+          </p:sp>
+        </mc:Choice>
+        <mc:Fallback>
+          <p:sp>
+            <p:nvSpPr>
+              <p:cNvPr id="11" name="TextBox 10">
+                <a:extLst>
+                  <a:ext uri="{FF2B5EF4-FFF2-40B4-BE49-F238E27FC236}">
+                    <a16:creationId xmlns:a16="http://schemas.microsoft.com/office/drawing/2014/main" id="{658C3BC9-1605-3A4C-2BDD-6CDD49928875}"/>
+                  </a:ext>
+                </a:extLst>
+              </p:cNvPr>
+              <p:cNvSpPr txBox="1">
+                <a:spLocks noRot="1" noChangeAspect="1" noMove="1" noResize="1" noEditPoints="1" noAdjustHandles="1" noChangeArrowheads="1" noChangeShapeType="1" noTextEdit="1"/>
+              </p:cNvSpPr>
+              <p:nvPr/>
+            </p:nvSpPr>
+            <p:spPr>
+              <a:xfrm>
+                <a:off x="5198189" y="2403049"/>
+                <a:ext cx="258404" cy="379206"/>
+              </a:xfrm>
+              <a:prstGeom prst="rect">
+                <a:avLst/>
+              </a:prstGeom>
+              <a:blipFill>
+                <a:blip r:embed="rId3"/>
+                <a:stretch>
+                  <a:fillRect l="-28571" t="-17742" r="-64286" b="-8065"/>
+                </a:stretch>
+              </a:blipFill>
+            </p:spPr>
+            <p:txBody>
+              <a:bodyPr/>
+              <a:lstStyle/>
+              <a:p>
+                <a:r>
+                  <a:rPr lang="en-US">
+                    <a:noFill/>
+                  </a:rPr>
+                  <a:t> </a:t>
+                </a:r>
+              </a:p>
+            </p:txBody>
+          </p:sp>
+        </mc:Fallback>
+      </mc:AlternateContent>
+      <mc:AlternateContent xmlns:mc="http://schemas.openxmlformats.org/markup-compatibility/2006">
+        <mc:Choice xmlns:a14="http://schemas.microsoft.com/office/drawing/2010/main" Requires="a14">
+          <p:sp>
+            <p:nvSpPr>
+              <p:cNvPr id="14" name="TextBox 13">
+                <a:extLst>
+                  <a:ext uri="{FF2B5EF4-FFF2-40B4-BE49-F238E27FC236}">
+                    <a16:creationId xmlns:a16="http://schemas.microsoft.com/office/drawing/2014/main" id="{5E8CB281-9362-D9DD-A86E-CB0DB783BB82}"/>
+                  </a:ext>
+                </a:extLst>
+              </p:cNvPr>
+              <p:cNvSpPr txBox="1"/>
+              <p:nvPr/>
+            </p:nvSpPr>
+            <p:spPr>
+              <a:xfrm>
+                <a:off x="6018235" y="1802540"/>
+                <a:ext cx="273536" cy="379206"/>
+              </a:xfrm>
+              <a:prstGeom prst="rect">
+                <a:avLst/>
+              </a:prstGeom>
+              <a:noFill/>
+            </p:spPr>
+            <p:txBody>
+              <a:bodyPr wrap="none" lIns="0" tIns="0" rIns="0" bIns="0" rtlCol="0">
+                <a:spAutoFit/>
+              </a:bodyPr>
+              <a:lstStyle/>
+              <a:p>
+                <a:pPr/>
+                <a14:m>
+                  <m:oMathPara xmlns:m="http://schemas.openxmlformats.org/officeDocument/2006/math">
+                    <m:oMathParaPr>
+                      <m:jc m:val="centerGroup"/>
+                    </m:oMathParaPr>
+                    <m:oMath xmlns:m="http://schemas.openxmlformats.org/officeDocument/2006/math">
+                      <m:acc>
+                        <m:accPr>
+                          <m:chr m:val="̂"/>
+                          <m:ctrlPr>
+                            <a:rPr lang="en-US" sz="2400" i="1" smtClean="0">
+                              <a:latin typeface="Cambria Math" panose="02040503050406030204" pitchFamily="18" charset="0"/>
+                            </a:rPr>
+                          </m:ctrlPr>
+                        </m:accPr>
+                        <m:e>
+                          <m:r>
+                            <a:rPr lang="en-US" sz="2400" b="0" i="1" smtClean="0">
+                              <a:latin typeface="Cambria Math" panose="02040503050406030204" pitchFamily="18" charset="0"/>
+                            </a:rPr>
+                            <m:t>𝑅</m:t>
+                          </m:r>
+                        </m:e>
+                      </m:acc>
+                    </m:oMath>
+                  </m:oMathPara>
+                </a14:m>
+                <a:endParaRPr lang="en-US" sz="2400" dirty="0"/>
+              </a:p>
+            </p:txBody>
+          </p:sp>
+        </mc:Choice>
+        <mc:Fallback>
+          <p:sp>
+            <p:nvSpPr>
+              <p:cNvPr id="14" name="TextBox 13">
+                <a:extLst>
+                  <a:ext uri="{FF2B5EF4-FFF2-40B4-BE49-F238E27FC236}">
+                    <a16:creationId xmlns:a16="http://schemas.microsoft.com/office/drawing/2014/main" id="{5E8CB281-9362-D9DD-A86E-CB0DB783BB82}"/>
+                  </a:ext>
+                </a:extLst>
+              </p:cNvPr>
+              <p:cNvSpPr txBox="1">
+                <a:spLocks noRot="1" noChangeAspect="1" noMove="1" noResize="1" noEditPoints="1" noAdjustHandles="1" noChangeArrowheads="1" noChangeShapeType="1" noTextEdit="1"/>
+              </p:cNvSpPr>
+              <p:nvPr/>
+            </p:nvSpPr>
+            <p:spPr>
+              <a:xfrm>
+                <a:off x="6018235" y="1802540"/>
+                <a:ext cx="273536" cy="379206"/>
+              </a:xfrm>
+              <a:prstGeom prst="rect">
+                <a:avLst/>
+              </a:prstGeom>
+              <a:blipFill>
+                <a:blip r:embed="rId4"/>
+                <a:stretch>
+                  <a:fillRect l="-24444" t="-19355" r="-68889" b="-6452"/>
+                </a:stretch>
+              </a:blipFill>
+            </p:spPr>
+            <p:txBody>
+              <a:bodyPr/>
+              <a:lstStyle/>
+              <a:p>
+                <a:r>
+                  <a:rPr lang="en-US">
+                    <a:noFill/>
+                  </a:rPr>
+                  <a:t> </a:t>
+                </a:r>
+              </a:p>
+            </p:txBody>
+          </p:sp>
+        </mc:Fallback>
+      </mc:AlternateContent>
+      <mc:AlternateContent xmlns:mc="http://schemas.openxmlformats.org/markup-compatibility/2006">
+        <mc:Choice xmlns:a14="http://schemas.microsoft.com/office/drawing/2010/main" Requires="a14">
+          <p:sp>
+            <p:nvSpPr>
+              <p:cNvPr id="15" name="TextBox 14">
+                <a:extLst>
+                  <a:ext uri="{FF2B5EF4-FFF2-40B4-BE49-F238E27FC236}">
+                    <a16:creationId xmlns:a16="http://schemas.microsoft.com/office/drawing/2014/main" id="{8C9A919A-4930-99C9-E436-310B42FB374D}"/>
+                  </a:ext>
+                </a:extLst>
+              </p:cNvPr>
+              <p:cNvSpPr txBox="1"/>
+              <p:nvPr/>
+            </p:nvSpPr>
+            <p:spPr>
+              <a:xfrm>
+                <a:off x="5872249" y="2980490"/>
+                <a:ext cx="302455" cy="379206"/>
+              </a:xfrm>
+              <a:prstGeom prst="rect">
+                <a:avLst/>
+              </a:prstGeom>
+              <a:noFill/>
+            </p:spPr>
+            <p:txBody>
+              <a:bodyPr wrap="none" lIns="0" tIns="0" rIns="0" bIns="0" rtlCol="0">
+                <a:spAutoFit/>
+              </a:bodyPr>
+              <a:lstStyle/>
+              <a:p>
+                <a:pPr/>
+                <a14:m>
+                  <m:oMathPara xmlns:m="http://schemas.openxmlformats.org/officeDocument/2006/math">
+                    <m:oMathParaPr>
+                      <m:jc m:val="centerGroup"/>
+                    </m:oMathParaPr>
+                    <m:oMath xmlns:m="http://schemas.openxmlformats.org/officeDocument/2006/math">
+                      <m:acc>
+                        <m:accPr>
+                          <m:chr m:val="̂"/>
+                          <m:ctrlPr>
+                            <a:rPr lang="en-US" sz="2400" i="1" smtClean="0">
+                              <a:latin typeface="Cambria Math" panose="02040503050406030204" pitchFamily="18" charset="0"/>
+                            </a:rPr>
+                          </m:ctrlPr>
+                        </m:accPr>
+                        <m:e>
+                          <m:r>
+                            <a:rPr lang="en-US" sz="2400" b="0" i="1" smtClean="0">
+                              <a:latin typeface="Cambria Math" panose="02040503050406030204" pitchFamily="18" charset="0"/>
+                            </a:rPr>
+                            <m:t>𝑁</m:t>
+                          </m:r>
+                        </m:e>
+                      </m:acc>
+                    </m:oMath>
+                  </m:oMathPara>
+                </a14:m>
+                <a:endParaRPr lang="en-US" sz="2400" dirty="0"/>
+              </a:p>
+            </p:txBody>
+          </p:sp>
+        </mc:Choice>
+        <mc:Fallback>
+          <p:sp>
+            <p:nvSpPr>
+              <p:cNvPr id="15" name="TextBox 14">
+                <a:extLst>
+                  <a:ext uri="{FF2B5EF4-FFF2-40B4-BE49-F238E27FC236}">
+                    <a16:creationId xmlns:a16="http://schemas.microsoft.com/office/drawing/2014/main" id="{8C9A919A-4930-99C9-E436-310B42FB374D}"/>
+                  </a:ext>
+                </a:extLst>
+              </p:cNvPr>
+              <p:cNvSpPr txBox="1">
+                <a:spLocks noRot="1" noChangeAspect="1" noMove="1" noResize="1" noEditPoints="1" noAdjustHandles="1" noChangeArrowheads="1" noChangeShapeType="1" noTextEdit="1"/>
+              </p:cNvSpPr>
+              <p:nvPr/>
+            </p:nvSpPr>
+            <p:spPr>
+              <a:xfrm>
+                <a:off x="5872249" y="2980490"/>
+                <a:ext cx="302455" cy="379206"/>
+              </a:xfrm>
+              <a:prstGeom prst="rect">
+                <a:avLst/>
+              </a:prstGeom>
+              <a:blipFill>
+                <a:blip r:embed="rId5"/>
+                <a:stretch>
+                  <a:fillRect l="-22000" t="-19355" r="-56000" b="-6452"/>
+                </a:stretch>
+              </a:blipFill>
+            </p:spPr>
+            <p:txBody>
+              <a:bodyPr/>
+              <a:lstStyle/>
+              <a:p>
+                <a:r>
+                  <a:rPr lang="en-US">
+                    <a:noFill/>
+                  </a:rPr>
+                  <a:t> </a:t>
+                </a:r>
+              </a:p>
+            </p:txBody>
+          </p:sp>
+        </mc:Fallback>
+      </mc:AlternateContent>
+      <p:cxnSp>
+        <p:nvCxnSpPr>
+          <p:cNvPr id="6" name="Straight Arrow Connector 5">
+            <a:extLst>
+              <a:ext uri="{FF2B5EF4-FFF2-40B4-BE49-F238E27FC236}">
+                <a16:creationId xmlns:a16="http://schemas.microsoft.com/office/drawing/2014/main" id="{E99BAAF9-B41B-599D-E936-607E44654CAA}"/>
+              </a:ext>
+            </a:extLst>
+          </p:cNvPr>
+          <p:cNvCxnSpPr>
+            <a:cxnSpLocks/>
+          </p:cNvCxnSpPr>
+          <p:nvPr/>
+        </p:nvCxnSpPr>
+        <p:spPr>
+          <a:xfrm flipV="1">
+            <a:off x="5988870" y="2170450"/>
+            <a:ext cx="864897" cy="673047"/>
+          </a:xfrm>
+          <a:prstGeom prst="straightConnector1">
+            <a:avLst/>
+          </a:prstGeom>
+          <a:ln w="57150">
+            <a:solidFill>
+              <a:srgbClr val="00B0F0"/>
+            </a:solidFill>
+            <a:tailEnd type="triangle"/>
+          </a:ln>
+        </p:spPr>
+        <p:style>
+          <a:lnRef idx="1">
+            <a:schemeClr val="accent1"/>
+          </a:lnRef>
+          <a:fillRef idx="0">
+            <a:schemeClr val="accent1"/>
+          </a:fillRef>
+          <a:effectRef idx="0">
+            <a:schemeClr val="accent1"/>
+          </a:effectRef>
+          <a:fontRef idx="minor">
+            <a:schemeClr val="tx1"/>
+          </a:fontRef>
+        </p:style>
+      </p:cxnSp>
+      <p:cxnSp>
+        <p:nvCxnSpPr>
+          <p:cNvPr id="12" name="Straight Arrow Connector 11">
+            <a:extLst>
+              <a:ext uri="{FF2B5EF4-FFF2-40B4-BE49-F238E27FC236}">
+                <a16:creationId xmlns:a16="http://schemas.microsoft.com/office/drawing/2014/main" id="{6B130A60-4C2E-7869-7D8A-549F0E53CF8D}"/>
+              </a:ext>
+            </a:extLst>
+          </p:cNvPr>
+          <p:cNvCxnSpPr>
+            <a:cxnSpLocks/>
+          </p:cNvCxnSpPr>
+          <p:nvPr/>
+        </p:nvCxnSpPr>
+        <p:spPr>
+          <a:xfrm flipH="1" flipV="1">
+            <a:off x="5311105" y="2039194"/>
+            <a:ext cx="677765" cy="825447"/>
+          </a:xfrm>
+          <a:prstGeom prst="straightConnector1">
+            <a:avLst/>
+          </a:prstGeom>
+          <a:ln w="57150">
+            <a:solidFill>
+              <a:srgbClr val="FF01BC"/>
+            </a:solidFill>
+            <a:tailEnd type="triangle"/>
+          </a:ln>
+        </p:spPr>
+        <p:style>
+          <a:lnRef idx="1">
+            <a:schemeClr val="accent1"/>
+          </a:lnRef>
+          <a:fillRef idx="0">
+            <a:schemeClr val="accent1"/>
+          </a:fillRef>
+          <a:effectRef idx="0">
+            <a:schemeClr val="accent1"/>
+          </a:effectRef>
+          <a:fontRef idx="minor">
+            <a:schemeClr val="tx1"/>
+          </a:fontRef>
+        </p:style>
+      </p:cxnSp>
+      <mc:AlternateContent xmlns:mc="http://schemas.openxmlformats.org/markup-compatibility/2006">
+        <mc:Choice xmlns:a14="http://schemas.microsoft.com/office/drawing/2010/main" Requires="a14">
+          <p:sp>
+            <p:nvSpPr>
+              <p:cNvPr id="19" name="TextBox 18">
+                <a:extLst>
+                  <a:ext uri="{FF2B5EF4-FFF2-40B4-BE49-F238E27FC236}">
+                    <a16:creationId xmlns:a16="http://schemas.microsoft.com/office/drawing/2014/main" id="{A223DE0C-A2F4-6857-2ADE-1C6918D469B0}"/>
+                  </a:ext>
+                </a:extLst>
+              </p:cNvPr>
+              <p:cNvSpPr txBox="1"/>
+              <p:nvPr/>
+            </p:nvSpPr>
+            <p:spPr>
+              <a:xfrm>
+                <a:off x="6905560" y="2004511"/>
+                <a:ext cx="301941" cy="276999"/>
+              </a:xfrm>
+              <a:prstGeom prst="rect">
+                <a:avLst/>
+              </a:prstGeom>
+              <a:noFill/>
+            </p:spPr>
+            <p:txBody>
+              <a:bodyPr wrap="none" lIns="0" tIns="0" rIns="0" bIns="0" rtlCol="0">
+                <a:spAutoFit/>
+              </a:bodyPr>
+              <a:lstStyle/>
+              <a:p>
+                <a14:m>
+                  <m:oMathPara xmlns:m="http://schemas.openxmlformats.org/officeDocument/2006/math">
+                    <m:oMathParaPr>
+                      <m:jc m:val="centerGroup"/>
+                    </m:oMathParaPr>
+                    <m:oMath xmlns:m="http://schemas.openxmlformats.org/officeDocument/2006/math">
+                      <m:sSub>
+                        <m:sSubPr>
+                          <m:ctrlPr>
+                            <a:rPr lang="en-US" i="1">
+                              <a:latin typeface="Cambria Math" panose="02040503050406030204" pitchFamily="18" charset="0"/>
+                            </a:rPr>
+                          </m:ctrlPr>
+                        </m:sSubPr>
+                        <m:e>
+                          <m:acc>
+                            <m:accPr>
+                              <m:chr m:val="̂"/>
+                              <m:ctrlPr>
+                                <a:rPr lang="en-US" i="1">
+                                  <a:latin typeface="Cambria Math" panose="02040503050406030204" pitchFamily="18" charset="0"/>
+                                </a:rPr>
+                              </m:ctrlPr>
+                            </m:accPr>
+                            <m:e>
+                              <m:r>
+                                <a:rPr lang="en-US" i="1">
+                                  <a:latin typeface="Cambria Math" panose="02040503050406030204" pitchFamily="18" charset="0"/>
+                                </a:rPr>
+                                <m:t>𝑥</m:t>
+                              </m:r>
+                            </m:e>
+                          </m:acc>
+                        </m:e>
+                        <m:sub>
+                          <m:r>
+                            <a:rPr lang="en-US" i="1">
+                              <a:latin typeface="Cambria Math" panose="02040503050406030204" pitchFamily="18" charset="0"/>
+                            </a:rPr>
+                            <m:t>𝐵</m:t>
+                          </m:r>
+                        </m:sub>
+                      </m:sSub>
+                    </m:oMath>
+                  </m:oMathPara>
+                </a14:m>
+                <a:endParaRPr lang="en-US" dirty="0"/>
+              </a:p>
+            </p:txBody>
+          </p:sp>
+        </mc:Choice>
+        <mc:Fallback>
+          <p:sp>
+            <p:nvSpPr>
+              <p:cNvPr id="19" name="TextBox 18">
+                <a:extLst>
+                  <a:ext uri="{FF2B5EF4-FFF2-40B4-BE49-F238E27FC236}">
+                    <a16:creationId xmlns:a16="http://schemas.microsoft.com/office/drawing/2014/main" id="{A223DE0C-A2F4-6857-2ADE-1C6918D469B0}"/>
+                  </a:ext>
+                </a:extLst>
+              </p:cNvPr>
+              <p:cNvSpPr txBox="1">
+                <a:spLocks noRot="1" noChangeAspect="1" noMove="1" noResize="1" noEditPoints="1" noAdjustHandles="1" noChangeArrowheads="1" noChangeShapeType="1" noTextEdit="1"/>
+              </p:cNvSpPr>
+              <p:nvPr/>
+            </p:nvSpPr>
+            <p:spPr>
+              <a:xfrm>
+                <a:off x="6905560" y="2004511"/>
+                <a:ext cx="301941" cy="276999"/>
+              </a:xfrm>
+              <a:prstGeom prst="rect">
+                <a:avLst/>
+              </a:prstGeom>
+              <a:blipFill>
+                <a:blip r:embed="rId6"/>
+                <a:stretch>
+                  <a:fillRect l="-10204" t="-26667" r="-48980" b="-15556"/>
+                </a:stretch>
+              </a:blipFill>
+            </p:spPr>
+            <p:txBody>
+              <a:bodyPr/>
+              <a:lstStyle/>
+              <a:p>
+                <a:r>
+                  <a:rPr lang="en-US">
+                    <a:noFill/>
+                  </a:rPr>
+                  <a:t> </a:t>
+                </a:r>
+              </a:p>
+            </p:txBody>
+          </p:sp>
+        </mc:Fallback>
+      </mc:AlternateContent>
+      <mc:AlternateContent xmlns:mc="http://schemas.openxmlformats.org/markup-compatibility/2006">
+        <mc:Choice xmlns:a14="http://schemas.microsoft.com/office/drawing/2010/main" Requires="a14">
+          <p:sp>
+            <p:nvSpPr>
+              <p:cNvPr id="20" name="TextBox 19">
+                <a:extLst>
+                  <a:ext uri="{FF2B5EF4-FFF2-40B4-BE49-F238E27FC236}">
+                    <a16:creationId xmlns:a16="http://schemas.microsoft.com/office/drawing/2014/main" id="{A64EB471-59C7-3A0B-DFC6-B89A0F326606}"/>
+                  </a:ext>
+                </a:extLst>
+              </p:cNvPr>
+              <p:cNvSpPr txBox="1"/>
+              <p:nvPr/>
+            </p:nvSpPr>
+            <p:spPr>
+              <a:xfrm>
+                <a:off x="5191060" y="1717914"/>
+                <a:ext cx="303609" cy="276999"/>
+              </a:xfrm>
+              <a:prstGeom prst="rect">
+                <a:avLst/>
+              </a:prstGeom>
+              <a:noFill/>
+            </p:spPr>
+            <p:txBody>
+              <a:bodyPr wrap="none" lIns="0" tIns="0" rIns="0" bIns="0" rtlCol="0">
+                <a:spAutoFit/>
+              </a:bodyPr>
+              <a:lstStyle/>
+              <a:p>
+                <a14:m>
+                  <m:oMathPara xmlns:m="http://schemas.openxmlformats.org/officeDocument/2006/math">
+                    <m:oMathParaPr>
+                      <m:jc m:val="centerGroup"/>
+                    </m:oMathParaPr>
+                    <m:oMath xmlns:m="http://schemas.openxmlformats.org/officeDocument/2006/math">
+                      <m:sSub>
+                        <m:sSubPr>
+                          <m:ctrlPr>
+                            <a:rPr lang="en-US" i="1" smtClean="0">
+                              <a:latin typeface="Cambria Math" panose="02040503050406030204" pitchFamily="18" charset="0"/>
+                            </a:rPr>
+                          </m:ctrlPr>
+                        </m:sSubPr>
+                        <m:e>
+                          <m:acc>
+                            <m:accPr>
+                              <m:chr m:val="̂"/>
+                              <m:ctrlPr>
+                                <a:rPr lang="en-US" i="1">
+                                  <a:latin typeface="Cambria Math" panose="02040503050406030204" pitchFamily="18" charset="0"/>
+                                </a:rPr>
+                              </m:ctrlPr>
+                            </m:accPr>
+                            <m:e>
+                              <m:r>
+                                <a:rPr lang="en-US" b="0" i="1" smtClean="0">
+                                  <a:latin typeface="Cambria Math" panose="02040503050406030204" pitchFamily="18" charset="0"/>
+                                </a:rPr>
+                                <m:t>𝑦</m:t>
+                              </m:r>
+                            </m:e>
+                          </m:acc>
+                        </m:e>
+                        <m:sub>
+                          <m:r>
+                            <a:rPr lang="en-US" i="1">
+                              <a:latin typeface="Cambria Math" panose="02040503050406030204" pitchFamily="18" charset="0"/>
+                            </a:rPr>
+                            <m:t>𝐵</m:t>
+                          </m:r>
+                        </m:sub>
+                      </m:sSub>
+                    </m:oMath>
+                  </m:oMathPara>
+                </a14:m>
+                <a:endParaRPr lang="en-US" dirty="0"/>
+              </a:p>
+            </p:txBody>
+          </p:sp>
+        </mc:Choice>
+        <mc:Fallback>
+          <p:sp>
+            <p:nvSpPr>
+              <p:cNvPr id="20" name="TextBox 19">
+                <a:extLst>
+                  <a:ext uri="{FF2B5EF4-FFF2-40B4-BE49-F238E27FC236}">
+                    <a16:creationId xmlns:a16="http://schemas.microsoft.com/office/drawing/2014/main" id="{A64EB471-59C7-3A0B-DFC6-B89A0F326606}"/>
+                  </a:ext>
+                </a:extLst>
+              </p:cNvPr>
+              <p:cNvSpPr txBox="1">
+                <a:spLocks noRot="1" noChangeAspect="1" noMove="1" noResize="1" noEditPoints="1" noAdjustHandles="1" noChangeArrowheads="1" noChangeShapeType="1" noTextEdit="1"/>
+              </p:cNvSpPr>
+              <p:nvPr/>
+            </p:nvSpPr>
+            <p:spPr>
+              <a:xfrm>
+                <a:off x="5191060" y="1717914"/>
+                <a:ext cx="303609" cy="276999"/>
+              </a:xfrm>
+              <a:prstGeom prst="rect">
+                <a:avLst/>
+              </a:prstGeom>
+              <a:blipFill>
+                <a:blip r:embed="rId7"/>
+                <a:stretch>
+                  <a:fillRect l="-18367" t="-26667" r="-51020" b="-26667"/>
+                </a:stretch>
+              </a:blipFill>
+            </p:spPr>
+            <p:txBody>
+              <a:bodyPr/>
+              <a:lstStyle/>
+              <a:p>
+                <a:r>
+                  <a:rPr lang="en-US">
+                    <a:noFill/>
+                  </a:rPr>
+                  <a:t> </a:t>
+                </a:r>
+              </a:p>
+            </p:txBody>
+          </p:sp>
+        </mc:Fallback>
+      </mc:AlternateContent>
+      <p:cxnSp>
+        <p:nvCxnSpPr>
+          <p:cNvPr id="22" name="Straight Connector 21">
+            <a:extLst>
+              <a:ext uri="{FF2B5EF4-FFF2-40B4-BE49-F238E27FC236}">
+                <a16:creationId xmlns:a16="http://schemas.microsoft.com/office/drawing/2014/main" id="{04E1E375-192F-346D-213C-6291FA073E92}"/>
+              </a:ext>
+            </a:extLst>
+          </p:cNvPr>
+          <p:cNvCxnSpPr>
+            <a:cxnSpLocks/>
+          </p:cNvCxnSpPr>
+          <p:nvPr/>
+        </p:nvCxnSpPr>
+        <p:spPr>
+          <a:xfrm flipV="1">
+            <a:off x="6096000" y="2840513"/>
+            <a:ext cx="2238375" cy="1"/>
+          </a:xfrm>
+          <a:prstGeom prst="line">
+            <a:avLst/>
+          </a:prstGeom>
+          <a:ln w="19050">
+            <a:prstDash val="dash"/>
+          </a:ln>
+        </p:spPr>
+        <p:style>
+          <a:lnRef idx="1">
+            <a:schemeClr val="dk1"/>
+          </a:lnRef>
+          <a:fillRef idx="0">
+            <a:schemeClr val="dk1"/>
+          </a:fillRef>
+          <a:effectRef idx="0">
+            <a:schemeClr val="dk1"/>
+          </a:effectRef>
+          <a:fontRef idx="minor">
+            <a:schemeClr val="tx1"/>
+          </a:fontRef>
+        </p:style>
+      </p:cxnSp>
+      <p:sp>
+        <p:nvSpPr>
+          <p:cNvPr id="23" name="Partial Circle 22">
+            <a:extLst>
+              <a:ext uri="{FF2B5EF4-FFF2-40B4-BE49-F238E27FC236}">
+                <a16:creationId xmlns:a16="http://schemas.microsoft.com/office/drawing/2014/main" id="{0A78A936-2255-7B79-AA5B-1C0047795E8D}"/>
+              </a:ext>
+            </a:extLst>
+          </p:cNvPr>
+          <p:cNvSpPr/>
+          <p:nvPr/>
+        </p:nvSpPr>
+        <p:spPr>
+          <a:xfrm>
+            <a:off x="5434860" y="2260606"/>
+            <a:ext cx="1159814" cy="1159814"/>
+          </a:xfrm>
+          <a:prstGeom prst="pie">
+            <a:avLst>
+              <a:gd name="adj1" fmla="val 19291880"/>
+              <a:gd name="adj2" fmla="val 21548400"/>
+            </a:avLst>
+          </a:prstGeom>
+          <a:solidFill>
+            <a:srgbClr val="FF01BC">
+              <a:alpha val="25000"/>
+            </a:srgbClr>
+          </a:solidFill>
+          <a:ln>
+            <a:noFill/>
+          </a:ln>
+        </p:spPr>
+        <p:style>
+          <a:lnRef idx="2">
+            <a:schemeClr val="accent1">
+              <a:shade val="15000"/>
+            </a:schemeClr>
+          </a:lnRef>
+          <a:fillRef idx="1">
+            <a:schemeClr val="accent1"/>
+          </a:fillRef>
+          <a:effectRef idx="0">
+            <a:schemeClr val="accent1"/>
+          </a:effectRef>
+          <a:fontRef idx="minor">
+            <a:schemeClr val="lt1"/>
+          </a:fontRef>
+        </p:style>
+        <p:txBody>
+          <a:bodyPr rtlCol="0" anchor="ctr"/>
+          <a:lstStyle/>
+          <a:p>
+            <a:pPr algn="ctr"/>
+            <a:endParaRPr lang="en-US">
+              <a:solidFill>
+                <a:schemeClr val="tx1"/>
+              </a:solidFill>
+            </a:endParaRPr>
+          </a:p>
+        </p:txBody>
+      </p:sp>
+      <mc:AlternateContent xmlns:mc="http://schemas.openxmlformats.org/markup-compatibility/2006">
+        <mc:Choice xmlns:a14="http://schemas.microsoft.com/office/drawing/2010/main" Requires="a14">
+          <p:sp>
+            <p:nvSpPr>
+              <p:cNvPr id="24" name="TextBox 23">
+                <a:extLst>
+                  <a:ext uri="{FF2B5EF4-FFF2-40B4-BE49-F238E27FC236}">
+                    <a16:creationId xmlns:a16="http://schemas.microsoft.com/office/drawing/2014/main" id="{C3932D8A-9862-59AC-4136-4326A7826EFC}"/>
+                  </a:ext>
+                </a:extLst>
+              </p:cNvPr>
+              <p:cNvSpPr txBox="1"/>
+              <p:nvPr/>
+            </p:nvSpPr>
+            <p:spPr>
+              <a:xfrm>
+                <a:off x="6619516" y="2505256"/>
+                <a:ext cx="422039" cy="276999"/>
+              </a:xfrm>
+              <a:prstGeom prst="rect">
+                <a:avLst/>
+              </a:prstGeom>
+              <a:noFill/>
+            </p:spPr>
+            <p:txBody>
+              <a:bodyPr wrap="none" lIns="0" tIns="0" rIns="0" bIns="0" rtlCol="0">
+                <a:spAutoFit/>
+              </a:bodyPr>
+              <a:lstStyle/>
+              <a:p>
+                <a14:m>
+                  <m:oMathPara xmlns:m="http://schemas.openxmlformats.org/officeDocument/2006/math">
+                    <m:oMathParaPr>
+                      <m:jc m:val="centerGroup"/>
+                    </m:oMathParaPr>
+                    <m:oMath xmlns:m="http://schemas.openxmlformats.org/officeDocument/2006/math">
+                      <m:sSup>
+                        <m:sSupPr>
+                          <m:ctrlPr>
+                            <a:rPr lang="en-US" i="1" smtClean="0">
+                              <a:latin typeface="Cambria Math" panose="02040503050406030204" pitchFamily="18" charset="0"/>
+                            </a:rPr>
+                          </m:ctrlPr>
+                        </m:sSupPr>
+                        <m:e>
+                          <m:r>
+                            <a:rPr lang="en-US" b="0" i="1" smtClean="0">
+                              <a:latin typeface="Cambria Math" panose="02040503050406030204" pitchFamily="18" charset="0"/>
+                            </a:rPr>
+                            <m:t>45</m:t>
+                          </m:r>
+                        </m:e>
+                        <m:sup>
+                          <m:r>
+                            <a:rPr lang="en-US" b="0" i="1" smtClean="0">
+                              <a:latin typeface="Cambria Math" panose="02040503050406030204" pitchFamily="18" charset="0"/>
+                            </a:rPr>
+                            <m:t>𝑜</m:t>
+                          </m:r>
+                        </m:sup>
+                      </m:sSup>
+                    </m:oMath>
+                  </m:oMathPara>
+                </a14:m>
+                <a:endParaRPr lang="en-US" dirty="0"/>
+              </a:p>
+            </p:txBody>
+          </p:sp>
+        </mc:Choice>
+        <mc:Fallback>
+          <p:sp>
+            <p:nvSpPr>
+              <p:cNvPr id="24" name="TextBox 23">
+                <a:extLst>
+                  <a:ext uri="{FF2B5EF4-FFF2-40B4-BE49-F238E27FC236}">
+                    <a16:creationId xmlns:a16="http://schemas.microsoft.com/office/drawing/2014/main" id="{C3932D8A-9862-59AC-4136-4326A7826EFC}"/>
+                  </a:ext>
+                </a:extLst>
+              </p:cNvPr>
+              <p:cNvSpPr txBox="1">
+                <a:spLocks noRot="1" noChangeAspect="1" noMove="1" noResize="1" noEditPoints="1" noAdjustHandles="1" noChangeArrowheads="1" noChangeShapeType="1" noTextEdit="1"/>
+              </p:cNvSpPr>
+              <p:nvPr/>
+            </p:nvSpPr>
+            <p:spPr>
+              <a:xfrm>
+                <a:off x="6619516" y="2505256"/>
+                <a:ext cx="422039" cy="276999"/>
+              </a:xfrm>
+              <a:prstGeom prst="rect">
+                <a:avLst/>
+              </a:prstGeom>
+              <a:blipFill>
+                <a:blip r:embed="rId8"/>
+                <a:stretch>
+                  <a:fillRect l="-13043" r="-1449" b="-8889"/>
+                </a:stretch>
+              </a:blipFill>
+            </p:spPr>
+            <p:txBody>
+              <a:bodyPr/>
+              <a:lstStyle/>
+              <a:p>
+                <a:r>
+                  <a:rPr lang="en-US">
+                    <a:noFill/>
+                  </a:rPr>
+                  <a:t> </a:t>
+                </a:r>
+              </a:p>
+            </p:txBody>
+          </p:sp>
+        </mc:Fallback>
+      </mc:AlternateContent>
+      <p:cxnSp>
+        <p:nvCxnSpPr>
+          <p:cNvPr id="26" name="Straight Connector 25">
+            <a:extLst>
+              <a:ext uri="{FF2B5EF4-FFF2-40B4-BE49-F238E27FC236}">
+                <a16:creationId xmlns:a16="http://schemas.microsoft.com/office/drawing/2014/main" id="{E407CC89-669F-C599-70FF-5588652724E2}"/>
+              </a:ext>
+            </a:extLst>
+          </p:cNvPr>
+          <p:cNvCxnSpPr>
+            <a:cxnSpLocks/>
+          </p:cNvCxnSpPr>
+          <p:nvPr/>
+        </p:nvCxnSpPr>
+        <p:spPr>
+          <a:xfrm>
+            <a:off x="6011181" y="2855328"/>
+            <a:ext cx="2123331" cy="680941"/>
+          </a:xfrm>
+          <a:prstGeom prst="line">
+            <a:avLst/>
+          </a:prstGeom>
+          <a:ln w="19050">
+            <a:prstDash val="dash"/>
+          </a:ln>
+        </p:spPr>
+        <p:style>
+          <a:lnRef idx="1">
+            <a:schemeClr val="dk1"/>
+          </a:lnRef>
+          <a:fillRef idx="0">
+            <a:schemeClr val="dk1"/>
+          </a:fillRef>
+          <a:effectRef idx="0">
+            <a:schemeClr val="dk1"/>
+          </a:effectRef>
+          <a:fontRef idx="minor">
+            <a:schemeClr val="tx1"/>
+          </a:fontRef>
+        </p:style>
+      </p:cxnSp>
+      <p:sp>
+        <p:nvSpPr>
+          <p:cNvPr id="35" name="Partial Circle 34">
+            <a:extLst>
+              <a:ext uri="{FF2B5EF4-FFF2-40B4-BE49-F238E27FC236}">
+                <a16:creationId xmlns:a16="http://schemas.microsoft.com/office/drawing/2014/main" id="{5DFF5AEB-56FC-8C83-2B7B-A4CCEAC251F9}"/>
+              </a:ext>
+            </a:extLst>
+          </p:cNvPr>
+          <p:cNvSpPr/>
+          <p:nvPr/>
+        </p:nvSpPr>
+        <p:spPr>
+          <a:xfrm>
+            <a:off x="5417996" y="2261832"/>
+            <a:ext cx="1159814" cy="1159814"/>
+          </a:xfrm>
+          <a:prstGeom prst="pie">
+            <a:avLst>
+              <a:gd name="adj1" fmla="val 21589350"/>
+              <a:gd name="adj2" fmla="val 1155398"/>
+            </a:avLst>
+          </a:prstGeom>
+          <a:solidFill>
+            <a:srgbClr val="37FF91">
+              <a:alpha val="25000"/>
+            </a:srgbClr>
+          </a:solidFill>
+          <a:ln>
+            <a:noFill/>
+          </a:ln>
+        </p:spPr>
+        <p:style>
+          <a:lnRef idx="2">
+            <a:schemeClr val="accent1">
+              <a:shade val="15000"/>
+            </a:schemeClr>
+          </a:lnRef>
+          <a:fillRef idx="1">
+            <a:schemeClr val="accent1"/>
+          </a:fillRef>
+          <a:effectRef idx="0">
+            <a:schemeClr val="accent1"/>
+          </a:effectRef>
+          <a:fontRef idx="minor">
+            <a:schemeClr val="lt1"/>
+          </a:fontRef>
+        </p:style>
+        <p:txBody>
+          <a:bodyPr rtlCol="0" anchor="ctr"/>
+          <a:lstStyle/>
+          <a:p>
+            <a:pPr algn="ctr"/>
+            <a:endParaRPr lang="en-US">
+              <a:solidFill>
+                <a:schemeClr val="tx1"/>
+              </a:solidFill>
+            </a:endParaRPr>
+          </a:p>
+        </p:txBody>
+      </p:sp>
+      <p:cxnSp>
+        <p:nvCxnSpPr>
+          <p:cNvPr id="29" name="Straight Arrow Connector 28">
+            <a:extLst>
+              <a:ext uri="{FF2B5EF4-FFF2-40B4-BE49-F238E27FC236}">
+                <a16:creationId xmlns:a16="http://schemas.microsoft.com/office/drawing/2014/main" id="{B71FA46E-A822-178E-5BF2-90352479BC84}"/>
+              </a:ext>
+            </a:extLst>
+          </p:cNvPr>
+          <p:cNvCxnSpPr>
+            <a:cxnSpLocks/>
+          </p:cNvCxnSpPr>
+          <p:nvPr/>
+        </p:nvCxnSpPr>
+        <p:spPr>
+          <a:xfrm>
+            <a:off x="5988869" y="2842441"/>
+            <a:ext cx="1197961" cy="391232"/>
+          </a:xfrm>
+          <a:prstGeom prst="straightConnector1">
+            <a:avLst/>
+          </a:prstGeom>
+          <a:ln w="57150">
+            <a:solidFill>
+              <a:schemeClr val="accent6">
+                <a:lumMod val="75000"/>
+              </a:schemeClr>
+            </a:solidFill>
+            <a:tailEnd type="triangle"/>
+          </a:ln>
+        </p:spPr>
+        <p:style>
+          <a:lnRef idx="1">
+            <a:schemeClr val="accent1"/>
+          </a:lnRef>
+          <a:fillRef idx="0">
+            <a:schemeClr val="accent1"/>
+          </a:fillRef>
+          <a:effectRef idx="0">
+            <a:schemeClr val="accent1"/>
+          </a:effectRef>
+          <a:fontRef idx="minor">
+            <a:schemeClr val="tx1"/>
+          </a:fontRef>
+        </p:style>
+      </p:cxnSp>
+      <p:sp>
+        <p:nvSpPr>
+          <p:cNvPr id="31" name="Oval 30">
+            <a:extLst>
+              <a:ext uri="{FF2B5EF4-FFF2-40B4-BE49-F238E27FC236}">
+                <a16:creationId xmlns:a16="http://schemas.microsoft.com/office/drawing/2014/main" id="{06486212-9612-C7E6-F322-6B8A5E32CC52}"/>
+              </a:ext>
+            </a:extLst>
+          </p:cNvPr>
+          <p:cNvSpPr/>
+          <p:nvPr/>
+        </p:nvSpPr>
+        <p:spPr>
+          <a:xfrm>
+            <a:off x="5881741" y="2724664"/>
+            <a:ext cx="214259" cy="214259"/>
+          </a:xfrm>
+          <a:prstGeom prst="ellipse">
+            <a:avLst/>
+          </a:prstGeom>
+          <a:solidFill>
+            <a:srgbClr val="00B050"/>
+          </a:solidFill>
+          <a:ln w="28575">
+            <a:solidFill>
+              <a:schemeClr val="bg1"/>
+            </a:solidFill>
+          </a:ln>
+        </p:spPr>
+        <p:style>
+          <a:lnRef idx="2">
+            <a:schemeClr val="accent1">
+              <a:shade val="15000"/>
+            </a:schemeClr>
+          </a:lnRef>
+          <a:fillRef idx="1">
+            <a:schemeClr val="accent1"/>
+          </a:fillRef>
+          <a:effectRef idx="0">
+            <a:schemeClr val="accent1"/>
+          </a:effectRef>
+          <a:fontRef idx="minor">
+            <a:schemeClr val="lt1"/>
+          </a:fontRef>
+        </p:style>
+        <p:txBody>
+          <a:bodyPr rtlCol="0" anchor="ctr"/>
+          <a:lstStyle/>
+          <a:p>
+            <a:pPr algn="ctr"/>
+            <a:endParaRPr lang="en-US"/>
+          </a:p>
+        </p:txBody>
+      </p:sp>
+      <mc:AlternateContent xmlns:mc="http://schemas.openxmlformats.org/markup-compatibility/2006">
+        <mc:Choice xmlns:a14="http://schemas.microsoft.com/office/drawing/2010/main" Requires="a14">
+          <p:sp>
+            <p:nvSpPr>
+              <p:cNvPr id="37" name="TextBox 36">
+                <a:extLst>
+                  <a:ext uri="{FF2B5EF4-FFF2-40B4-BE49-F238E27FC236}">
+                    <a16:creationId xmlns:a16="http://schemas.microsoft.com/office/drawing/2014/main" id="{A1CECEE8-F115-705B-83D6-A2BEAD576B0F}"/>
+                  </a:ext>
+                </a:extLst>
+              </p:cNvPr>
+              <p:cNvSpPr txBox="1"/>
+              <p:nvPr/>
+            </p:nvSpPr>
+            <p:spPr>
+              <a:xfrm>
+                <a:off x="6730016" y="2822774"/>
+                <a:ext cx="422039" cy="276999"/>
+              </a:xfrm>
+              <a:prstGeom prst="rect">
+                <a:avLst/>
+              </a:prstGeom>
+              <a:noFill/>
+            </p:spPr>
+            <p:txBody>
+              <a:bodyPr wrap="none" lIns="0" tIns="0" rIns="0" bIns="0" rtlCol="0">
+                <a:spAutoFit/>
+              </a:bodyPr>
+              <a:lstStyle/>
+              <a:p>
+                <a14:m>
+                  <m:oMathPara xmlns:m="http://schemas.openxmlformats.org/officeDocument/2006/math">
+                    <m:oMathParaPr>
+                      <m:jc m:val="centerGroup"/>
+                    </m:oMathParaPr>
+                    <m:oMath xmlns:m="http://schemas.openxmlformats.org/officeDocument/2006/math">
+                      <m:sSup>
+                        <m:sSupPr>
+                          <m:ctrlPr>
+                            <a:rPr lang="en-US" i="1" smtClean="0">
+                              <a:latin typeface="Cambria Math" panose="02040503050406030204" pitchFamily="18" charset="0"/>
+                            </a:rPr>
+                          </m:ctrlPr>
+                        </m:sSupPr>
+                        <m:e>
+                          <m:r>
+                            <a:rPr lang="en-US" b="0" i="1" smtClean="0">
+                              <a:latin typeface="Cambria Math" panose="02040503050406030204" pitchFamily="18" charset="0"/>
+                            </a:rPr>
+                            <m:t>45</m:t>
+                          </m:r>
+                        </m:e>
+                        <m:sup>
+                          <m:r>
+                            <a:rPr lang="en-US" b="0" i="1" smtClean="0">
+                              <a:latin typeface="Cambria Math" panose="02040503050406030204" pitchFamily="18" charset="0"/>
+                            </a:rPr>
+                            <m:t>𝑜</m:t>
+                          </m:r>
+                        </m:sup>
+                      </m:sSup>
+                    </m:oMath>
+                  </m:oMathPara>
+                </a14:m>
+                <a:endParaRPr lang="en-US" dirty="0"/>
+              </a:p>
+            </p:txBody>
+          </p:sp>
+        </mc:Choice>
+        <mc:Fallback>
+          <p:sp>
+            <p:nvSpPr>
+              <p:cNvPr id="37" name="TextBox 36">
+                <a:extLst>
+                  <a:ext uri="{FF2B5EF4-FFF2-40B4-BE49-F238E27FC236}">
+                    <a16:creationId xmlns:a16="http://schemas.microsoft.com/office/drawing/2014/main" id="{A1CECEE8-F115-705B-83D6-A2BEAD576B0F}"/>
+                  </a:ext>
+                </a:extLst>
+              </p:cNvPr>
+              <p:cNvSpPr txBox="1">
+                <a:spLocks noRot="1" noChangeAspect="1" noMove="1" noResize="1" noEditPoints="1" noAdjustHandles="1" noChangeArrowheads="1" noChangeShapeType="1" noTextEdit="1"/>
+              </p:cNvSpPr>
+              <p:nvPr/>
+            </p:nvSpPr>
+            <p:spPr>
+              <a:xfrm>
+                <a:off x="6730016" y="2822774"/>
+                <a:ext cx="422039" cy="276999"/>
+              </a:xfrm>
+              <a:prstGeom prst="rect">
+                <a:avLst/>
+              </a:prstGeom>
+              <a:blipFill>
+                <a:blip r:embed="rId9"/>
+                <a:stretch>
+                  <a:fillRect l="-13043" r="-2899" b="-8889"/>
+                </a:stretch>
+              </a:blipFill>
+            </p:spPr>
+            <p:txBody>
+              <a:bodyPr/>
+              <a:lstStyle/>
+              <a:p>
+                <a:r>
+                  <a:rPr lang="en-US">
+                    <a:noFill/>
+                  </a:rPr>
+                  <a:t> </a:t>
+                </a:r>
+              </a:p>
+            </p:txBody>
+          </p:sp>
+        </mc:Fallback>
+      </mc:AlternateContent>
+      <mc:AlternateContent xmlns:mc="http://schemas.openxmlformats.org/markup-compatibility/2006">
+        <mc:Choice xmlns:a14="http://schemas.microsoft.com/office/drawing/2010/main" Requires="a14">
+          <p:sp>
+            <p:nvSpPr>
+              <p:cNvPr id="39" name="TextBox 38">
+                <a:extLst>
+                  <a:ext uri="{FF2B5EF4-FFF2-40B4-BE49-F238E27FC236}">
+                    <a16:creationId xmlns:a16="http://schemas.microsoft.com/office/drawing/2014/main" id="{0E0A093F-E218-A0D1-DE7B-C0F28C8F1F1C}"/>
+                  </a:ext>
+                </a:extLst>
+              </p:cNvPr>
+              <p:cNvSpPr txBox="1"/>
+              <p:nvPr/>
+            </p:nvSpPr>
+            <p:spPr>
+              <a:xfrm>
+                <a:off x="6694430" y="3116616"/>
+                <a:ext cx="287322" cy="276999"/>
+              </a:xfrm>
+              <a:prstGeom prst="rect">
+                <a:avLst/>
+              </a:prstGeom>
+              <a:noFill/>
+            </p:spPr>
+            <p:txBody>
+              <a:bodyPr wrap="none" lIns="0" tIns="0" rIns="0" bIns="0" rtlCol="0">
+                <a:spAutoFit/>
+              </a:bodyPr>
+              <a:lstStyle/>
+              <a:p>
+                <a14:m>
+                  <m:oMathPara xmlns:m="http://schemas.openxmlformats.org/officeDocument/2006/math">
+                    <m:oMathParaPr>
+                      <m:jc m:val="centerGroup"/>
+                    </m:oMathParaPr>
+                    <m:oMath xmlns:m="http://schemas.openxmlformats.org/officeDocument/2006/math">
+                      <m:sSub>
+                        <m:sSubPr>
+                          <m:ctrlPr>
+                            <a:rPr lang="en-US" i="1" smtClean="0">
+                              <a:latin typeface="Cambria Math" panose="02040503050406030204" pitchFamily="18" charset="0"/>
+                            </a:rPr>
+                          </m:ctrlPr>
+                        </m:sSubPr>
+                        <m:e>
+                          <m:acc>
+                            <m:accPr>
+                              <m:chr m:val="̂"/>
+                              <m:ctrlPr>
+                                <a:rPr lang="en-US" i="1">
+                                  <a:latin typeface="Cambria Math" panose="02040503050406030204" pitchFamily="18" charset="0"/>
+                                </a:rPr>
+                              </m:ctrlPr>
+                            </m:accPr>
+                            <m:e>
+                              <m:r>
+                                <a:rPr lang="en-US" b="0" i="1" smtClean="0">
+                                  <a:latin typeface="Cambria Math" panose="02040503050406030204" pitchFamily="18" charset="0"/>
+                                </a:rPr>
+                                <m:t>𝑧</m:t>
+                              </m:r>
+                            </m:e>
+                          </m:acc>
+                        </m:e>
+                        <m:sub>
+                          <m:r>
+                            <a:rPr lang="en-US" i="1">
+                              <a:latin typeface="Cambria Math" panose="02040503050406030204" pitchFamily="18" charset="0"/>
+                            </a:rPr>
+                            <m:t>𝐵</m:t>
+                          </m:r>
+                        </m:sub>
+                      </m:sSub>
+                    </m:oMath>
+                  </m:oMathPara>
+                </a14:m>
+                <a:endParaRPr lang="en-US" dirty="0"/>
+              </a:p>
+            </p:txBody>
+          </p:sp>
+        </mc:Choice>
+        <mc:Fallback>
+          <p:sp>
+            <p:nvSpPr>
+              <p:cNvPr id="39" name="TextBox 38">
+                <a:extLst>
+                  <a:ext uri="{FF2B5EF4-FFF2-40B4-BE49-F238E27FC236}">
+                    <a16:creationId xmlns:a16="http://schemas.microsoft.com/office/drawing/2014/main" id="{0E0A093F-E218-A0D1-DE7B-C0F28C8F1F1C}"/>
+                  </a:ext>
+                </a:extLst>
+              </p:cNvPr>
+              <p:cNvSpPr txBox="1">
+                <a:spLocks noRot="1" noChangeAspect="1" noMove="1" noResize="1" noEditPoints="1" noAdjustHandles="1" noChangeArrowheads="1" noChangeShapeType="1" noTextEdit="1"/>
+              </p:cNvSpPr>
+              <p:nvPr/>
+            </p:nvSpPr>
+            <p:spPr>
+              <a:xfrm>
+                <a:off x="6694430" y="3116616"/>
+                <a:ext cx="287322" cy="276999"/>
+              </a:xfrm>
+              <a:prstGeom prst="rect">
+                <a:avLst/>
+              </a:prstGeom>
+              <a:blipFill>
+                <a:blip r:embed="rId10"/>
+                <a:stretch>
+                  <a:fillRect l="-12766" t="-23913" r="-70213" b="-15217"/>
+                </a:stretch>
+              </a:blipFill>
+            </p:spPr>
+            <p:txBody>
+              <a:bodyPr/>
+              <a:lstStyle/>
+              <a:p>
+                <a:r>
+                  <a:rPr lang="en-US">
+                    <a:noFill/>
+                  </a:rPr>
+                  <a:t> </a:t>
+                </a:r>
+              </a:p>
+            </p:txBody>
+          </p:sp>
+        </mc:Fallback>
+      </mc:AlternateContent>
+    </p:spTree>
+    <p:extLst>
+      <p:ext uri="{BB962C8B-B14F-4D97-AF65-F5344CB8AC3E}">
+        <p14:creationId xmlns:p14="http://schemas.microsoft.com/office/powerpoint/2010/main" val="2088032270"/>
       </p:ext>
     </p:extLst>
   </p:cSld>
